--- a/Java-Starter.pptx
+++ b/Java-Starter.pptx
@@ -15,6 +15,8 @@
     <p:sldId id="263" r:id="rId9"/>
     <p:sldId id="264" r:id="rId10"/>
     <p:sldId id="265" r:id="rId11"/>
+    <p:sldId id="266" r:id="rId12"/>
+    <p:sldId id="267" r:id="rId13"/>
   </p:sldIdLst>
   <p:sldSz cx="12192000" cy="6858000"/>
   <p:notesSz cx="6858000" cy="9144000"/>
@@ -113,6 +115,11 @@
       </a:defRPr>
     </a:lvl9pPr>
   </p:defaultTextStyle>
+  <p:extLst>
+    <p:ext uri="{EFAFB233-063F-42B5-8137-9DF3F51BA10A}">
+      <p15:sldGuideLst xmlns:p15="http://schemas.microsoft.com/office/powerpoint/2012/main"/>
+    </p:ext>
+  </p:extLst>
 </p:presentation>
 </file>
 
@@ -263,7 +270,7 @@
           <a:p>
             <a:fld id="{D504FEAC-1E62-0E47-82AE-5BB4BD139FFA}" type="datetimeFigureOut">
               <a:rPr lang="de-DE" smtClean="0"/>
-              <a:t>07.11.21</a:t>
+              <a:t>14.12.21</a:t>
             </a:fld>
             <a:endParaRPr lang="de-DE"/>
           </a:p>
@@ -461,7 +468,7 @@
           <a:p>
             <a:fld id="{D504FEAC-1E62-0E47-82AE-5BB4BD139FFA}" type="datetimeFigureOut">
               <a:rPr lang="de-DE" smtClean="0"/>
-              <a:t>07.11.21</a:t>
+              <a:t>14.12.21</a:t>
             </a:fld>
             <a:endParaRPr lang="de-DE"/>
           </a:p>
@@ -669,7 +676,7 @@
           <a:p>
             <a:fld id="{D504FEAC-1E62-0E47-82AE-5BB4BD139FFA}" type="datetimeFigureOut">
               <a:rPr lang="de-DE" smtClean="0"/>
-              <a:t>07.11.21</a:t>
+              <a:t>14.12.21</a:t>
             </a:fld>
             <a:endParaRPr lang="de-DE"/>
           </a:p>
@@ -867,7 +874,7 @@
           <a:p>
             <a:fld id="{D504FEAC-1E62-0E47-82AE-5BB4BD139FFA}" type="datetimeFigureOut">
               <a:rPr lang="de-DE" smtClean="0"/>
-              <a:t>07.11.21</a:t>
+              <a:t>14.12.21</a:t>
             </a:fld>
             <a:endParaRPr lang="de-DE"/>
           </a:p>
@@ -1142,7 +1149,7 @@
           <a:p>
             <a:fld id="{D504FEAC-1E62-0E47-82AE-5BB4BD139FFA}" type="datetimeFigureOut">
               <a:rPr lang="de-DE" smtClean="0"/>
-              <a:t>07.11.21</a:t>
+              <a:t>14.12.21</a:t>
             </a:fld>
             <a:endParaRPr lang="de-DE"/>
           </a:p>
@@ -1407,7 +1414,7 @@
           <a:p>
             <a:fld id="{D504FEAC-1E62-0E47-82AE-5BB4BD139FFA}" type="datetimeFigureOut">
               <a:rPr lang="de-DE" smtClean="0"/>
-              <a:t>07.11.21</a:t>
+              <a:t>14.12.21</a:t>
             </a:fld>
             <a:endParaRPr lang="de-DE"/>
           </a:p>
@@ -1819,7 +1826,7 @@
           <a:p>
             <a:fld id="{D504FEAC-1E62-0E47-82AE-5BB4BD139FFA}" type="datetimeFigureOut">
               <a:rPr lang="de-DE" smtClean="0"/>
-              <a:t>07.11.21</a:t>
+              <a:t>14.12.21</a:t>
             </a:fld>
             <a:endParaRPr lang="de-DE"/>
           </a:p>
@@ -1960,7 +1967,7 @@
           <a:p>
             <a:fld id="{D504FEAC-1E62-0E47-82AE-5BB4BD139FFA}" type="datetimeFigureOut">
               <a:rPr lang="de-DE" smtClean="0"/>
-              <a:t>07.11.21</a:t>
+              <a:t>14.12.21</a:t>
             </a:fld>
             <a:endParaRPr lang="de-DE"/>
           </a:p>
@@ -2073,7 +2080,7 @@
           <a:p>
             <a:fld id="{D504FEAC-1E62-0E47-82AE-5BB4BD139FFA}" type="datetimeFigureOut">
               <a:rPr lang="de-DE" smtClean="0"/>
-              <a:t>07.11.21</a:t>
+              <a:t>14.12.21</a:t>
             </a:fld>
             <a:endParaRPr lang="de-DE"/>
           </a:p>
@@ -2384,7 +2391,7 @@
           <a:p>
             <a:fld id="{D504FEAC-1E62-0E47-82AE-5BB4BD139FFA}" type="datetimeFigureOut">
               <a:rPr lang="de-DE" smtClean="0"/>
-              <a:t>07.11.21</a:t>
+              <a:t>14.12.21</a:t>
             </a:fld>
             <a:endParaRPr lang="de-DE"/>
           </a:p>
@@ -2672,7 +2679,7 @@
           <a:p>
             <a:fld id="{D504FEAC-1E62-0E47-82AE-5BB4BD139FFA}" type="datetimeFigureOut">
               <a:rPr lang="de-DE" smtClean="0"/>
-              <a:t>07.11.21</a:t>
+              <a:t>14.12.21</a:t>
             </a:fld>
             <a:endParaRPr lang="de-DE"/>
           </a:p>
@@ -2913,7 +2920,7 @@
           <a:p>
             <a:fld id="{D504FEAC-1E62-0E47-82AE-5BB4BD139FFA}" type="datetimeFigureOut">
               <a:rPr lang="de-DE" smtClean="0"/>
-              <a:t>07.11.21</a:t>
+              <a:t>14.12.21</a:t>
             </a:fld>
             <a:endParaRPr lang="de-DE"/>
           </a:p>
@@ -3515,6 +3522,186 @@
 </p:sld>
 </file>
 
+<file path=ppt/slides/slide11.xml><?xml version="1.0" encoding="utf-8"?>
+<p:sld xmlns:a="http://schemas.openxmlformats.org/drawingml/2006/main" xmlns:r="http://schemas.openxmlformats.org/officeDocument/2006/relationships" xmlns:p="http://schemas.openxmlformats.org/presentationml/2006/main">
+  <p:cSld>
+    <p:spTree>
+      <p:nvGrpSpPr>
+        <p:cNvPr id="1" name=""/>
+        <p:cNvGrpSpPr/>
+        <p:nvPr/>
+      </p:nvGrpSpPr>
+      <p:grpSpPr>
+        <a:xfrm>
+          <a:off x="0" y="0"/>
+          <a:ext cx="0" cy="0"/>
+          <a:chOff x="0" y="0"/>
+          <a:chExt cx="0" cy="0"/>
+        </a:xfrm>
+      </p:grpSpPr>
+      <p:sp>
+        <p:nvSpPr>
+          <p:cNvPr id="2" name="Titel 1">
+            <a:extLst>
+              <a:ext uri="{FF2B5EF4-FFF2-40B4-BE49-F238E27FC236}">
+                <a16:creationId xmlns:a16="http://schemas.microsoft.com/office/drawing/2014/main" id="{0EC7A146-A8F2-A844-9033-A0ACC828AF47}"/>
+              </a:ext>
+            </a:extLst>
+          </p:cNvPr>
+          <p:cNvSpPr>
+            <a:spLocks noGrp="1"/>
+          </p:cNvSpPr>
+          <p:nvPr>
+            <p:ph type="title"/>
+          </p:nvPr>
+        </p:nvSpPr>
+        <p:spPr/>
+        <p:txBody>
+          <a:bodyPr/>
+          <a:lstStyle/>
+          <a:p>
+            <a:r>
+              <a:rPr lang="de-DE" dirty="0" err="1"/>
+              <a:t>Step</a:t>
+            </a:r>
+            <a:r>
+              <a:rPr lang="de-DE" dirty="0"/>
+              <a:t> 90</a:t>
+            </a:r>
+          </a:p>
+        </p:txBody>
+      </p:sp>
+      <p:sp>
+        <p:nvSpPr>
+          <p:cNvPr id="3" name="Inhaltsplatzhalter 2">
+            <a:extLst>
+              <a:ext uri="{FF2B5EF4-FFF2-40B4-BE49-F238E27FC236}">
+                <a16:creationId xmlns:a16="http://schemas.microsoft.com/office/drawing/2014/main" id="{2A5EBA90-6155-FD45-A74C-ECC42BCA72DF}"/>
+              </a:ext>
+            </a:extLst>
+          </p:cNvPr>
+          <p:cNvSpPr>
+            <a:spLocks noGrp="1"/>
+          </p:cNvSpPr>
+          <p:nvPr>
+            <p:ph idx="1"/>
+          </p:nvPr>
+        </p:nvSpPr>
+        <p:spPr/>
+        <p:txBody>
+          <a:bodyPr/>
+          <a:lstStyle/>
+          <a:p>
+            <a:r>
+              <a:rPr lang="de-DE" dirty="0"/>
+              <a:t>Thema: Persistenz mit Spring Data</a:t>
+            </a:r>
+          </a:p>
+        </p:txBody>
+      </p:sp>
+    </p:spTree>
+    <p:extLst>
+      <p:ext uri="{BB962C8B-B14F-4D97-AF65-F5344CB8AC3E}">
+        <p14:creationId xmlns:p14="http://schemas.microsoft.com/office/powerpoint/2010/main" val="3263348999"/>
+      </p:ext>
+    </p:extLst>
+  </p:cSld>
+  <p:clrMapOvr>
+    <a:masterClrMapping/>
+  </p:clrMapOvr>
+</p:sld>
+</file>
+
+<file path=ppt/slides/slide12.xml><?xml version="1.0" encoding="utf-8"?>
+<p:sld xmlns:a="http://schemas.openxmlformats.org/drawingml/2006/main" xmlns:r="http://schemas.openxmlformats.org/officeDocument/2006/relationships" xmlns:p="http://schemas.openxmlformats.org/presentationml/2006/main">
+  <p:cSld>
+    <p:spTree>
+      <p:nvGrpSpPr>
+        <p:cNvPr id="1" name=""/>
+        <p:cNvGrpSpPr/>
+        <p:nvPr/>
+      </p:nvGrpSpPr>
+      <p:grpSpPr>
+        <a:xfrm>
+          <a:off x="0" y="0"/>
+          <a:ext cx="0" cy="0"/>
+          <a:chOff x="0" y="0"/>
+          <a:chExt cx="0" cy="0"/>
+        </a:xfrm>
+      </p:grpSpPr>
+      <p:sp>
+        <p:nvSpPr>
+          <p:cNvPr id="2" name="Titel 1">
+            <a:extLst>
+              <a:ext uri="{FF2B5EF4-FFF2-40B4-BE49-F238E27FC236}">
+                <a16:creationId xmlns:a16="http://schemas.microsoft.com/office/drawing/2014/main" id="{0EC7A146-A8F2-A844-9033-A0ACC828AF47}"/>
+              </a:ext>
+            </a:extLst>
+          </p:cNvPr>
+          <p:cNvSpPr>
+            <a:spLocks noGrp="1"/>
+          </p:cNvSpPr>
+          <p:nvPr>
+            <p:ph type="title"/>
+          </p:nvPr>
+        </p:nvSpPr>
+        <p:spPr/>
+        <p:txBody>
+          <a:bodyPr/>
+          <a:lstStyle/>
+          <a:p>
+            <a:r>
+              <a:rPr lang="de-DE" dirty="0" err="1"/>
+              <a:t>Step</a:t>
+            </a:r>
+            <a:r>
+              <a:rPr lang="de-DE" dirty="0"/>
+              <a:t> 100</a:t>
+            </a:r>
+          </a:p>
+        </p:txBody>
+      </p:sp>
+      <p:sp>
+        <p:nvSpPr>
+          <p:cNvPr id="3" name="Inhaltsplatzhalter 2">
+            <a:extLst>
+              <a:ext uri="{FF2B5EF4-FFF2-40B4-BE49-F238E27FC236}">
+                <a16:creationId xmlns:a16="http://schemas.microsoft.com/office/drawing/2014/main" id="{2A5EBA90-6155-FD45-A74C-ECC42BCA72DF}"/>
+              </a:ext>
+            </a:extLst>
+          </p:cNvPr>
+          <p:cNvSpPr>
+            <a:spLocks noGrp="1"/>
+          </p:cNvSpPr>
+          <p:nvPr>
+            <p:ph idx="1"/>
+          </p:nvPr>
+        </p:nvSpPr>
+        <p:spPr/>
+        <p:txBody>
+          <a:bodyPr/>
+          <a:lstStyle/>
+          <a:p>
+            <a:r>
+              <a:rPr lang="de-DE" dirty="0"/>
+              <a:t>Thema: Service als Docker-Container</a:t>
+            </a:r>
+          </a:p>
+        </p:txBody>
+      </p:sp>
+    </p:spTree>
+    <p:extLst>
+      <p:ext uri="{BB962C8B-B14F-4D97-AF65-F5344CB8AC3E}">
+        <p14:creationId xmlns:p14="http://schemas.microsoft.com/office/powerpoint/2010/main" val="1059597919"/>
+      </p:ext>
+    </p:extLst>
+  </p:cSld>
+  <p:clrMapOvr>
+    <a:masterClrMapping/>
+  </p:clrMapOvr>
+</p:sld>
+</file>
+
 <file path=ppt/slides/slide2.xml><?xml version="1.0" encoding="utf-8"?>
 <p:sld xmlns:a="http://schemas.openxmlformats.org/drawingml/2006/main" xmlns:r="http://schemas.openxmlformats.org/officeDocument/2006/relationships" xmlns:p="http://schemas.openxmlformats.org/presentationml/2006/main">
   <p:cSld>

--- a/Java-Starter.pptx
+++ b/Java-Starter.pptx
@@ -7,16 +7,22 @@
   <p:sldIdLst>
     <p:sldId id="256" r:id="rId2"/>
     <p:sldId id="257" r:id="rId3"/>
-    <p:sldId id="258" r:id="rId4"/>
-    <p:sldId id="259" r:id="rId5"/>
-    <p:sldId id="260" r:id="rId6"/>
-    <p:sldId id="261" r:id="rId7"/>
-    <p:sldId id="262" r:id="rId8"/>
-    <p:sldId id="263" r:id="rId9"/>
-    <p:sldId id="264" r:id="rId10"/>
-    <p:sldId id="265" r:id="rId11"/>
-    <p:sldId id="266" r:id="rId12"/>
-    <p:sldId id="267" r:id="rId13"/>
+    <p:sldId id="270" r:id="rId4"/>
+    <p:sldId id="271" r:id="rId5"/>
+    <p:sldId id="272" r:id="rId6"/>
+    <p:sldId id="273" r:id="rId7"/>
+    <p:sldId id="269" r:id="rId8"/>
+    <p:sldId id="268" r:id="rId9"/>
+    <p:sldId id="258" r:id="rId10"/>
+    <p:sldId id="259" r:id="rId11"/>
+    <p:sldId id="260" r:id="rId12"/>
+    <p:sldId id="261" r:id="rId13"/>
+    <p:sldId id="262" r:id="rId14"/>
+    <p:sldId id="263" r:id="rId15"/>
+    <p:sldId id="264" r:id="rId16"/>
+    <p:sldId id="265" r:id="rId17"/>
+    <p:sldId id="266" r:id="rId18"/>
+    <p:sldId id="267" r:id="rId19"/>
   </p:sldIdLst>
   <p:sldSz cx="12192000" cy="6858000"/>
   <p:notesSz cx="6858000" cy="9144000"/>
@@ -270,7 +276,7 @@
           <a:p>
             <a:fld id="{D504FEAC-1E62-0E47-82AE-5BB4BD139FFA}" type="datetimeFigureOut">
               <a:rPr lang="de-DE" smtClean="0"/>
-              <a:t>14.12.21</a:t>
+              <a:t>21.03.22</a:t>
             </a:fld>
             <a:endParaRPr lang="de-DE"/>
           </a:p>
@@ -468,7 +474,7 @@
           <a:p>
             <a:fld id="{D504FEAC-1E62-0E47-82AE-5BB4BD139FFA}" type="datetimeFigureOut">
               <a:rPr lang="de-DE" smtClean="0"/>
-              <a:t>14.12.21</a:t>
+              <a:t>21.03.22</a:t>
             </a:fld>
             <a:endParaRPr lang="de-DE"/>
           </a:p>
@@ -676,7 +682,7 @@
           <a:p>
             <a:fld id="{D504FEAC-1E62-0E47-82AE-5BB4BD139FFA}" type="datetimeFigureOut">
               <a:rPr lang="de-DE" smtClean="0"/>
-              <a:t>14.12.21</a:t>
+              <a:t>21.03.22</a:t>
             </a:fld>
             <a:endParaRPr lang="de-DE"/>
           </a:p>
@@ -874,7 +880,7 @@
           <a:p>
             <a:fld id="{D504FEAC-1E62-0E47-82AE-5BB4BD139FFA}" type="datetimeFigureOut">
               <a:rPr lang="de-DE" smtClean="0"/>
-              <a:t>14.12.21</a:t>
+              <a:t>21.03.22</a:t>
             </a:fld>
             <a:endParaRPr lang="de-DE"/>
           </a:p>
@@ -1149,7 +1155,7 @@
           <a:p>
             <a:fld id="{D504FEAC-1E62-0E47-82AE-5BB4BD139FFA}" type="datetimeFigureOut">
               <a:rPr lang="de-DE" smtClean="0"/>
-              <a:t>14.12.21</a:t>
+              <a:t>21.03.22</a:t>
             </a:fld>
             <a:endParaRPr lang="de-DE"/>
           </a:p>
@@ -1414,7 +1420,7 @@
           <a:p>
             <a:fld id="{D504FEAC-1E62-0E47-82AE-5BB4BD139FFA}" type="datetimeFigureOut">
               <a:rPr lang="de-DE" smtClean="0"/>
-              <a:t>14.12.21</a:t>
+              <a:t>21.03.22</a:t>
             </a:fld>
             <a:endParaRPr lang="de-DE"/>
           </a:p>
@@ -1826,7 +1832,7 @@
           <a:p>
             <a:fld id="{D504FEAC-1E62-0E47-82AE-5BB4BD139FFA}" type="datetimeFigureOut">
               <a:rPr lang="de-DE" smtClean="0"/>
-              <a:t>14.12.21</a:t>
+              <a:t>21.03.22</a:t>
             </a:fld>
             <a:endParaRPr lang="de-DE"/>
           </a:p>
@@ -1967,7 +1973,7 @@
           <a:p>
             <a:fld id="{D504FEAC-1E62-0E47-82AE-5BB4BD139FFA}" type="datetimeFigureOut">
               <a:rPr lang="de-DE" smtClean="0"/>
-              <a:t>14.12.21</a:t>
+              <a:t>21.03.22</a:t>
             </a:fld>
             <a:endParaRPr lang="de-DE"/>
           </a:p>
@@ -2080,7 +2086,7 @@
           <a:p>
             <a:fld id="{D504FEAC-1E62-0E47-82AE-5BB4BD139FFA}" type="datetimeFigureOut">
               <a:rPr lang="de-DE" smtClean="0"/>
-              <a:t>14.12.21</a:t>
+              <a:t>21.03.22</a:t>
             </a:fld>
             <a:endParaRPr lang="de-DE"/>
           </a:p>
@@ -2391,7 +2397,7 @@
           <a:p>
             <a:fld id="{D504FEAC-1E62-0E47-82AE-5BB4BD139FFA}" type="datetimeFigureOut">
               <a:rPr lang="de-DE" smtClean="0"/>
-              <a:t>14.12.21</a:t>
+              <a:t>21.03.22</a:t>
             </a:fld>
             <a:endParaRPr lang="de-DE"/>
           </a:p>
@@ -2679,7 +2685,7 @@
           <a:p>
             <a:fld id="{D504FEAC-1E62-0E47-82AE-5BB4BD139FFA}" type="datetimeFigureOut">
               <a:rPr lang="de-DE" smtClean="0"/>
-              <a:t>14.12.21</a:t>
+              <a:t>21.03.22</a:t>
             </a:fld>
             <a:endParaRPr lang="de-DE"/>
           </a:p>
@@ -2920,7 +2926,7 @@
           <a:p>
             <a:fld id="{D504FEAC-1E62-0E47-82AE-5BB4BD139FFA}" type="datetimeFigureOut">
               <a:rPr lang="de-DE" smtClean="0"/>
-              <a:t>14.12.21</a:t>
+              <a:t>21.03.22</a:t>
             </a:fld>
             <a:endParaRPr lang="de-DE"/>
           </a:p>
@@ -3460,7 +3466,7 @@
             </a:r>
             <a:r>
               <a:rPr lang="de-DE" dirty="0"/>
-              <a:t> 80</a:t>
+              <a:t> 20</a:t>
             </a:r>
           </a:p>
         </p:txBody>
@@ -3488,31 +3494,103 @@
           <a:p>
             <a:r>
               <a:rPr lang="de-DE" dirty="0"/>
-              <a:t>Thema: Testen mit Mocks</a:t>
-            </a:r>
+              <a:t>Thema: Nutzung eines </a:t>
+            </a:r>
+            <a:r>
+              <a:rPr lang="de-DE" dirty="0" err="1"/>
+              <a:t>Maven-Plugins</a:t>
+            </a:r>
+            <a:endParaRPr lang="de-DE" dirty="0"/>
           </a:p>
           <a:p>
             <a:pPr lvl="1"/>
             <a:r>
+              <a:rPr lang="de-DE" dirty="0"/>
+              <a:t>Das </a:t>
+            </a:r>
+            <a:r>
+              <a:rPr lang="de-DE" dirty="0" err="1">
+                <a:latin typeface="Courier New" panose="02070309020205020404" pitchFamily="49" charset="0"/>
+                <a:cs typeface="Courier New" panose="02070309020205020404" pitchFamily="49" charset="0"/>
+              </a:rPr>
+              <a:t>exec</a:t>
+            </a:r>
+            <a:r>
               <a:rPr lang="de-DE" dirty="0" err="1"/>
-              <a:t>Mockito</a:t>
-            </a:r>
-            <a:r>
-              <a:rPr lang="de-DE" dirty="0"/>
-              <a:t>: Bibliothek zum Erstellen von Mock-Objekten </a:t>
-            </a:r>
-            <a:r>
-              <a:rPr lang="de-DE"/>
-              <a:t>in Unit-Tests</a:t>
-            </a:r>
-            <a:endParaRPr lang="de-DE" dirty="0"/>
+              <a:t>-Plugin</a:t>
+            </a:r>
+            <a:r>
+              <a:rPr lang="de-DE" dirty="0"/>
+              <a:t> ermöglicht es, Java-Programme aus </a:t>
+            </a:r>
+            <a:r>
+              <a:rPr lang="de-DE" dirty="0" err="1"/>
+              <a:t>Maven</a:t>
+            </a:r>
+            <a:r>
+              <a:rPr lang="de-DE" dirty="0"/>
+              <a:t> heraus auszuführen</a:t>
+            </a:r>
+          </a:p>
+          <a:p>
+            <a:pPr lvl="1"/>
+            <a:r>
+              <a:rPr lang="de-DE" dirty="0"/>
+              <a:t>Kommando: </a:t>
+            </a:r>
+            <a:r>
+              <a:rPr lang="de-DE" dirty="0" err="1">
+                <a:latin typeface="Courier New" panose="02070309020205020404" pitchFamily="49" charset="0"/>
+                <a:cs typeface="Courier New" panose="02070309020205020404" pitchFamily="49" charset="0"/>
+              </a:rPr>
+              <a:t>mvn</a:t>
+            </a:r>
+            <a:r>
+              <a:rPr lang="de-DE" dirty="0">
+                <a:latin typeface="Courier New" panose="02070309020205020404" pitchFamily="49" charset="0"/>
+                <a:cs typeface="Courier New" panose="02070309020205020404" pitchFamily="49" charset="0"/>
+              </a:rPr>
+              <a:t> </a:t>
+            </a:r>
+            <a:r>
+              <a:rPr lang="de-DE" dirty="0" err="1">
+                <a:latin typeface="Courier New" panose="02070309020205020404" pitchFamily="49" charset="0"/>
+                <a:cs typeface="Courier New" panose="02070309020205020404" pitchFamily="49" charset="0"/>
+              </a:rPr>
+              <a:t>exec:java</a:t>
+            </a:r>
+            <a:endParaRPr lang="de-DE" dirty="0">
+              <a:latin typeface="Courier New" panose="02070309020205020404" pitchFamily="49" charset="0"/>
+              <a:cs typeface="Courier New" panose="02070309020205020404" pitchFamily="49" charset="0"/>
+            </a:endParaRPr>
+          </a:p>
+          <a:p>
+            <a:pPr lvl="2"/>
+            <a:r>
+              <a:rPr lang="de-DE" dirty="0" err="1">
+                <a:latin typeface="Courier New" panose="02070309020205020404" pitchFamily="49" charset="0"/>
+                <a:cs typeface="Courier New" panose="02070309020205020404" pitchFamily="49" charset="0"/>
+              </a:rPr>
+              <a:t>exec:java</a:t>
+            </a:r>
+            <a:r>
+              <a:rPr lang="de-DE" dirty="0">
+                <a:latin typeface="Courier New" panose="02070309020205020404" pitchFamily="49" charset="0"/>
+                <a:cs typeface="Courier New" panose="02070309020205020404" pitchFamily="49" charset="0"/>
+              </a:rPr>
+              <a:t> </a:t>
+            </a:r>
+            <a:r>
+              <a:rPr lang="de-DE" dirty="0"/>
+              <a:t>ist ein Goal</a:t>
+            </a:r>
           </a:p>
         </p:txBody>
       </p:sp>
     </p:spTree>
     <p:extLst>
       <p:ext uri="{BB962C8B-B14F-4D97-AF65-F5344CB8AC3E}">
-        <p14:creationId xmlns:p14="http://schemas.microsoft.com/office/powerpoint/2010/main" val="1609070468"/>
+        <p14:creationId xmlns:p14="http://schemas.microsoft.com/office/powerpoint/2010/main" val="3687928113"/>
       </p:ext>
     </p:extLst>
   </p:cSld>
@@ -3566,6 +3644,863 @@
             </a:r>
             <a:r>
               <a:rPr lang="de-DE" dirty="0"/>
+              <a:t> 30</a:t>
+            </a:r>
+          </a:p>
+        </p:txBody>
+      </p:sp>
+      <p:sp>
+        <p:nvSpPr>
+          <p:cNvPr id="3" name="Inhaltsplatzhalter 2">
+            <a:extLst>
+              <a:ext uri="{FF2B5EF4-FFF2-40B4-BE49-F238E27FC236}">
+                <a16:creationId xmlns:a16="http://schemas.microsoft.com/office/drawing/2014/main" id="{2A5EBA90-6155-FD45-A74C-ECC42BCA72DF}"/>
+              </a:ext>
+            </a:extLst>
+          </p:cNvPr>
+          <p:cNvSpPr>
+            <a:spLocks noGrp="1"/>
+          </p:cNvSpPr>
+          <p:nvPr>
+            <p:ph idx="1"/>
+          </p:nvPr>
+        </p:nvSpPr>
+        <p:spPr/>
+        <p:txBody>
+          <a:bodyPr/>
+          <a:lstStyle/>
+          <a:p>
+            <a:r>
+              <a:rPr lang="de-DE" dirty="0"/>
+              <a:t>Thema: </a:t>
+            </a:r>
+            <a:r>
+              <a:rPr lang="de-DE" dirty="0" err="1"/>
+              <a:t>Logging</a:t>
+            </a:r>
+            <a:r>
+              <a:rPr lang="de-DE" dirty="0"/>
+              <a:t> mit </a:t>
+            </a:r>
+            <a:r>
+              <a:rPr lang="de-DE" dirty="0">
+                <a:latin typeface="Courier New" panose="02070309020205020404" pitchFamily="49" charset="0"/>
+                <a:cs typeface="Courier New" panose="02070309020205020404" pitchFamily="49" charset="0"/>
+              </a:rPr>
+              <a:t>log4j</a:t>
+            </a:r>
+          </a:p>
+          <a:p>
+            <a:pPr lvl="1"/>
+            <a:r>
+              <a:rPr lang="de-DE" dirty="0"/>
+              <a:t>Ausgaben sollten in produktivem Code nie mit </a:t>
+            </a:r>
+            <a:r>
+              <a:rPr lang="de-DE" dirty="0" err="1">
+                <a:latin typeface="Courier New" panose="02070309020205020404" pitchFamily="49" charset="0"/>
+                <a:cs typeface="Courier New" panose="02070309020205020404" pitchFamily="49" charset="0"/>
+              </a:rPr>
+              <a:t>System.out.println</a:t>
+            </a:r>
+            <a:r>
+              <a:rPr lang="de-DE" dirty="0"/>
+              <a:t> erfolgen</a:t>
+            </a:r>
+          </a:p>
+          <a:p>
+            <a:pPr lvl="1"/>
+            <a:r>
+              <a:rPr lang="de-DE" dirty="0"/>
+              <a:t>Konzepte von </a:t>
+            </a:r>
+            <a:r>
+              <a:rPr lang="de-DE" dirty="0">
+                <a:latin typeface="Courier New" panose="02070309020205020404" pitchFamily="49" charset="0"/>
+                <a:cs typeface="Courier New" panose="02070309020205020404" pitchFamily="49" charset="0"/>
+              </a:rPr>
+              <a:t>log4j</a:t>
+            </a:r>
+            <a:r>
+              <a:rPr lang="de-DE" dirty="0"/>
+              <a:t>:</a:t>
+            </a:r>
+          </a:p>
+          <a:p>
+            <a:pPr lvl="2"/>
+            <a:r>
+              <a:rPr lang="de-DE" dirty="0"/>
+              <a:t>Logger</a:t>
+            </a:r>
+          </a:p>
+          <a:p>
+            <a:pPr lvl="2"/>
+            <a:r>
+              <a:rPr lang="de-DE" dirty="0" err="1"/>
+              <a:t>Appender</a:t>
+            </a:r>
+            <a:endParaRPr lang="de-DE" dirty="0"/>
+          </a:p>
+          <a:p>
+            <a:pPr lvl="2"/>
+            <a:r>
+              <a:rPr lang="de-DE" dirty="0" err="1"/>
+              <a:t>Loglevel</a:t>
+            </a:r>
+            <a:endParaRPr lang="de-DE" dirty="0"/>
+          </a:p>
+          <a:p>
+            <a:pPr lvl="2"/>
+            <a:endParaRPr lang="de-DE" dirty="0"/>
+          </a:p>
+        </p:txBody>
+      </p:sp>
+    </p:spTree>
+    <p:extLst>
+      <p:ext uri="{BB962C8B-B14F-4D97-AF65-F5344CB8AC3E}">
+        <p14:creationId xmlns:p14="http://schemas.microsoft.com/office/powerpoint/2010/main" val="2210820269"/>
+      </p:ext>
+    </p:extLst>
+  </p:cSld>
+  <p:clrMapOvr>
+    <a:masterClrMapping/>
+  </p:clrMapOvr>
+</p:sld>
+</file>
+
+<file path=ppt/slides/slide12.xml><?xml version="1.0" encoding="utf-8"?>
+<p:sld xmlns:a="http://schemas.openxmlformats.org/drawingml/2006/main" xmlns:r="http://schemas.openxmlformats.org/officeDocument/2006/relationships" xmlns:p="http://schemas.openxmlformats.org/presentationml/2006/main">
+  <p:cSld>
+    <p:spTree>
+      <p:nvGrpSpPr>
+        <p:cNvPr id="1" name=""/>
+        <p:cNvGrpSpPr/>
+        <p:nvPr/>
+      </p:nvGrpSpPr>
+      <p:grpSpPr>
+        <a:xfrm>
+          <a:off x="0" y="0"/>
+          <a:ext cx="0" cy="0"/>
+          <a:chOff x="0" y="0"/>
+          <a:chExt cx="0" cy="0"/>
+        </a:xfrm>
+      </p:grpSpPr>
+      <p:sp>
+        <p:nvSpPr>
+          <p:cNvPr id="2" name="Titel 1">
+            <a:extLst>
+              <a:ext uri="{FF2B5EF4-FFF2-40B4-BE49-F238E27FC236}">
+                <a16:creationId xmlns:a16="http://schemas.microsoft.com/office/drawing/2014/main" id="{0EC7A146-A8F2-A844-9033-A0ACC828AF47}"/>
+              </a:ext>
+            </a:extLst>
+          </p:cNvPr>
+          <p:cNvSpPr>
+            <a:spLocks noGrp="1"/>
+          </p:cNvSpPr>
+          <p:nvPr>
+            <p:ph type="title"/>
+          </p:nvPr>
+        </p:nvSpPr>
+        <p:spPr/>
+        <p:txBody>
+          <a:bodyPr/>
+          <a:lstStyle/>
+          <a:p>
+            <a:r>
+              <a:rPr lang="de-DE" dirty="0" err="1"/>
+              <a:t>Step</a:t>
+            </a:r>
+            <a:r>
+              <a:rPr lang="de-DE" dirty="0"/>
+              <a:t> 40</a:t>
+            </a:r>
+          </a:p>
+        </p:txBody>
+      </p:sp>
+      <p:sp>
+        <p:nvSpPr>
+          <p:cNvPr id="3" name="Inhaltsplatzhalter 2">
+            <a:extLst>
+              <a:ext uri="{FF2B5EF4-FFF2-40B4-BE49-F238E27FC236}">
+                <a16:creationId xmlns:a16="http://schemas.microsoft.com/office/drawing/2014/main" id="{2A5EBA90-6155-FD45-A74C-ECC42BCA72DF}"/>
+              </a:ext>
+            </a:extLst>
+          </p:cNvPr>
+          <p:cNvSpPr>
+            <a:spLocks noGrp="1"/>
+          </p:cNvSpPr>
+          <p:nvPr>
+            <p:ph idx="1"/>
+          </p:nvPr>
+        </p:nvSpPr>
+        <p:spPr/>
+        <p:txBody>
+          <a:bodyPr/>
+          <a:lstStyle/>
+          <a:p>
+            <a:r>
+              <a:rPr lang="de-DE" dirty="0"/>
+              <a:t>Thema: Strukturierung des Projekts in </a:t>
+            </a:r>
+            <a:r>
+              <a:rPr lang="de-DE" dirty="0" err="1"/>
+              <a:t>Maven</a:t>
+            </a:r>
+            <a:r>
+              <a:rPr lang="de-DE" dirty="0"/>
+              <a:t>-Module</a:t>
+            </a:r>
+            <a:endParaRPr lang="de-DE" dirty="0">
+              <a:latin typeface="Courier New" panose="02070309020205020404" pitchFamily="49" charset="0"/>
+              <a:cs typeface="Courier New" panose="02070309020205020404" pitchFamily="49" charset="0"/>
+            </a:endParaRPr>
+          </a:p>
+          <a:p>
+            <a:pPr lvl="1"/>
+            <a:r>
+              <a:rPr lang="de-DE" dirty="0"/>
+              <a:t>Aufteilung der Definition in Parent und Module</a:t>
+            </a:r>
+          </a:p>
+          <a:p>
+            <a:pPr lvl="1"/>
+            <a:r>
+              <a:rPr lang="de-DE" dirty="0"/>
+              <a:t>Verwaltung der Abhängigkeiten in den Modul-POMs</a:t>
+            </a:r>
+          </a:p>
+          <a:p>
+            <a:pPr lvl="2"/>
+            <a:endParaRPr lang="de-DE" dirty="0"/>
+          </a:p>
+        </p:txBody>
+      </p:sp>
+    </p:spTree>
+    <p:extLst>
+      <p:ext uri="{BB962C8B-B14F-4D97-AF65-F5344CB8AC3E}">
+        <p14:creationId xmlns:p14="http://schemas.microsoft.com/office/powerpoint/2010/main" val="3784840466"/>
+      </p:ext>
+    </p:extLst>
+  </p:cSld>
+  <p:clrMapOvr>
+    <a:masterClrMapping/>
+  </p:clrMapOvr>
+</p:sld>
+</file>
+
+<file path=ppt/slides/slide13.xml><?xml version="1.0" encoding="utf-8"?>
+<p:sld xmlns:a="http://schemas.openxmlformats.org/drawingml/2006/main" xmlns:r="http://schemas.openxmlformats.org/officeDocument/2006/relationships" xmlns:p="http://schemas.openxmlformats.org/presentationml/2006/main">
+  <p:cSld>
+    <p:spTree>
+      <p:nvGrpSpPr>
+        <p:cNvPr id="1" name=""/>
+        <p:cNvGrpSpPr/>
+        <p:nvPr/>
+      </p:nvGrpSpPr>
+      <p:grpSpPr>
+        <a:xfrm>
+          <a:off x="0" y="0"/>
+          <a:ext cx="0" cy="0"/>
+          <a:chOff x="0" y="0"/>
+          <a:chExt cx="0" cy="0"/>
+        </a:xfrm>
+      </p:grpSpPr>
+      <p:sp>
+        <p:nvSpPr>
+          <p:cNvPr id="2" name="Titel 1">
+            <a:extLst>
+              <a:ext uri="{FF2B5EF4-FFF2-40B4-BE49-F238E27FC236}">
+                <a16:creationId xmlns:a16="http://schemas.microsoft.com/office/drawing/2014/main" id="{0EC7A146-A8F2-A844-9033-A0ACC828AF47}"/>
+              </a:ext>
+            </a:extLst>
+          </p:cNvPr>
+          <p:cNvSpPr>
+            <a:spLocks noGrp="1"/>
+          </p:cNvSpPr>
+          <p:nvPr>
+            <p:ph type="title"/>
+          </p:nvPr>
+        </p:nvSpPr>
+        <p:spPr/>
+        <p:txBody>
+          <a:bodyPr/>
+          <a:lstStyle/>
+          <a:p>
+            <a:r>
+              <a:rPr lang="de-DE" dirty="0" err="1"/>
+              <a:t>Step</a:t>
+            </a:r>
+            <a:r>
+              <a:rPr lang="de-DE" dirty="0"/>
+              <a:t> 50</a:t>
+            </a:r>
+          </a:p>
+        </p:txBody>
+      </p:sp>
+      <p:sp>
+        <p:nvSpPr>
+          <p:cNvPr id="3" name="Inhaltsplatzhalter 2">
+            <a:extLst>
+              <a:ext uri="{FF2B5EF4-FFF2-40B4-BE49-F238E27FC236}">
+                <a16:creationId xmlns:a16="http://schemas.microsoft.com/office/drawing/2014/main" id="{2A5EBA90-6155-FD45-A74C-ECC42BCA72DF}"/>
+              </a:ext>
+            </a:extLst>
+          </p:cNvPr>
+          <p:cNvSpPr>
+            <a:spLocks noGrp="1"/>
+          </p:cNvSpPr>
+          <p:nvPr>
+            <p:ph idx="1"/>
+          </p:nvPr>
+        </p:nvSpPr>
+        <p:spPr/>
+        <p:txBody>
+          <a:bodyPr/>
+          <a:lstStyle/>
+          <a:p>
+            <a:r>
+              <a:rPr lang="de-DE" dirty="0"/>
+              <a:t>Thema: Unit-Tests</a:t>
+            </a:r>
+            <a:endParaRPr lang="de-DE" dirty="0">
+              <a:latin typeface="Courier New" panose="02070309020205020404" pitchFamily="49" charset="0"/>
+              <a:cs typeface="Courier New" panose="02070309020205020404" pitchFamily="49" charset="0"/>
+            </a:endParaRPr>
+          </a:p>
+          <a:p>
+            <a:pPr lvl="1"/>
+            <a:r>
+              <a:rPr lang="de-DE" dirty="0"/>
+              <a:t>Framework für Unit-Tests: </a:t>
+            </a:r>
+            <a:r>
+              <a:rPr lang="de-DE" dirty="0" err="1"/>
+              <a:t>Junit</a:t>
+            </a:r>
+            <a:endParaRPr lang="de-DE" dirty="0"/>
+          </a:p>
+          <a:p>
+            <a:pPr lvl="2"/>
+            <a:r>
+              <a:rPr lang="de-DE" dirty="0"/>
+              <a:t>Definition und Strukturierung von Tests</a:t>
+            </a:r>
+          </a:p>
+          <a:p>
+            <a:pPr lvl="2"/>
+            <a:r>
+              <a:rPr lang="de-DE" dirty="0"/>
+              <a:t>Ausführung der Tests</a:t>
+            </a:r>
+          </a:p>
+          <a:p>
+            <a:pPr lvl="2"/>
+            <a:r>
+              <a:rPr lang="de-DE" dirty="0"/>
+              <a:t>Darstellung der Ergebnisse</a:t>
+            </a:r>
+          </a:p>
+          <a:p>
+            <a:pPr lvl="1"/>
+            <a:r>
+              <a:rPr lang="de-DE" dirty="0"/>
+              <a:t>Bibliothek für </a:t>
+            </a:r>
+            <a:r>
+              <a:rPr lang="de-DE" dirty="0" err="1"/>
+              <a:t>Assertions</a:t>
+            </a:r>
+            <a:r>
+              <a:rPr lang="de-DE" dirty="0"/>
+              <a:t>: </a:t>
+            </a:r>
+            <a:r>
+              <a:rPr lang="de-DE" dirty="0" err="1"/>
+              <a:t>AssertJ</a:t>
+            </a:r>
+            <a:endParaRPr lang="de-DE" dirty="0"/>
+          </a:p>
+          <a:p>
+            <a:pPr lvl="2"/>
+            <a:r>
+              <a:rPr lang="de-DE" dirty="0"/>
+              <a:t>Formulierung von Test-erwartungen</a:t>
+            </a:r>
+          </a:p>
+          <a:p>
+            <a:pPr lvl="2"/>
+            <a:r>
+              <a:rPr lang="de-DE" dirty="0"/>
+              <a:t>Beispiel für interne DSL</a:t>
+            </a:r>
+          </a:p>
+          <a:p>
+            <a:pPr lvl="2"/>
+            <a:endParaRPr lang="de-DE" dirty="0"/>
+          </a:p>
+        </p:txBody>
+      </p:sp>
+    </p:spTree>
+    <p:extLst>
+      <p:ext uri="{BB962C8B-B14F-4D97-AF65-F5344CB8AC3E}">
+        <p14:creationId xmlns:p14="http://schemas.microsoft.com/office/powerpoint/2010/main" val="852841484"/>
+      </p:ext>
+    </p:extLst>
+  </p:cSld>
+  <p:clrMapOvr>
+    <a:masterClrMapping/>
+  </p:clrMapOvr>
+</p:sld>
+</file>
+
+<file path=ppt/slides/slide14.xml><?xml version="1.0" encoding="utf-8"?>
+<p:sld xmlns:a="http://schemas.openxmlformats.org/drawingml/2006/main" xmlns:r="http://schemas.openxmlformats.org/officeDocument/2006/relationships" xmlns:p="http://schemas.openxmlformats.org/presentationml/2006/main">
+  <p:cSld>
+    <p:spTree>
+      <p:nvGrpSpPr>
+        <p:cNvPr id="1" name=""/>
+        <p:cNvGrpSpPr/>
+        <p:nvPr/>
+      </p:nvGrpSpPr>
+      <p:grpSpPr>
+        <a:xfrm>
+          <a:off x="0" y="0"/>
+          <a:ext cx="0" cy="0"/>
+          <a:chOff x="0" y="0"/>
+          <a:chExt cx="0" cy="0"/>
+        </a:xfrm>
+      </p:grpSpPr>
+      <p:sp>
+        <p:nvSpPr>
+          <p:cNvPr id="2" name="Titel 1">
+            <a:extLst>
+              <a:ext uri="{FF2B5EF4-FFF2-40B4-BE49-F238E27FC236}">
+                <a16:creationId xmlns:a16="http://schemas.microsoft.com/office/drawing/2014/main" id="{0EC7A146-A8F2-A844-9033-A0ACC828AF47}"/>
+              </a:ext>
+            </a:extLst>
+          </p:cNvPr>
+          <p:cNvSpPr>
+            <a:spLocks noGrp="1"/>
+          </p:cNvSpPr>
+          <p:nvPr>
+            <p:ph type="title"/>
+          </p:nvPr>
+        </p:nvSpPr>
+        <p:spPr/>
+        <p:txBody>
+          <a:bodyPr/>
+          <a:lstStyle/>
+          <a:p>
+            <a:r>
+              <a:rPr lang="de-DE" dirty="0" err="1"/>
+              <a:t>Step</a:t>
+            </a:r>
+            <a:r>
+              <a:rPr lang="de-DE" dirty="0"/>
+              <a:t> 60</a:t>
+            </a:r>
+          </a:p>
+        </p:txBody>
+      </p:sp>
+      <p:sp>
+        <p:nvSpPr>
+          <p:cNvPr id="3" name="Inhaltsplatzhalter 2">
+            <a:extLst>
+              <a:ext uri="{FF2B5EF4-FFF2-40B4-BE49-F238E27FC236}">
+                <a16:creationId xmlns:a16="http://schemas.microsoft.com/office/drawing/2014/main" id="{2A5EBA90-6155-FD45-A74C-ECC42BCA72DF}"/>
+              </a:ext>
+            </a:extLst>
+          </p:cNvPr>
+          <p:cNvSpPr>
+            <a:spLocks noGrp="1"/>
+          </p:cNvSpPr>
+          <p:nvPr>
+            <p:ph idx="1"/>
+          </p:nvPr>
+        </p:nvSpPr>
+        <p:spPr/>
+        <p:txBody>
+          <a:bodyPr/>
+          <a:lstStyle/>
+          <a:p>
+            <a:r>
+              <a:rPr lang="de-DE" dirty="0"/>
+              <a:t>Thema: Implementierung eines REST-Endpunktes mit Spring Boot</a:t>
+            </a:r>
+          </a:p>
+          <a:p>
+            <a:pPr lvl="1"/>
+            <a:r>
+              <a:rPr lang="de-DE" dirty="0">
+                <a:cs typeface="Courier New" panose="02070309020205020404" pitchFamily="49" charset="0"/>
+              </a:rPr>
+              <a:t>Spring</a:t>
+            </a:r>
+          </a:p>
+          <a:p>
+            <a:pPr lvl="2"/>
+            <a:r>
+              <a:rPr lang="de-DE" dirty="0">
+                <a:cs typeface="Courier New" panose="02070309020205020404" pitchFamily="49" charset="0"/>
+              </a:rPr>
+              <a:t>Java-Framework zur Implementierung von Enterprise </a:t>
+            </a:r>
+            <a:r>
+              <a:rPr lang="de-DE" dirty="0" err="1">
+                <a:cs typeface="Courier New" panose="02070309020205020404" pitchFamily="49" charset="0"/>
+              </a:rPr>
+              <a:t>Applications</a:t>
+            </a:r>
+            <a:endParaRPr lang="de-DE" dirty="0">
+              <a:cs typeface="Courier New" panose="02070309020205020404" pitchFamily="49" charset="0"/>
+            </a:endParaRPr>
+          </a:p>
+          <a:p>
+            <a:pPr lvl="2"/>
+            <a:r>
+              <a:rPr lang="de-DE" dirty="0">
+                <a:cs typeface="Courier New" panose="02070309020205020404" pitchFamily="49" charset="0"/>
+              </a:rPr>
+              <a:t>Kern: Framework für </a:t>
+            </a:r>
+            <a:r>
+              <a:rPr lang="de-DE" dirty="0" err="1">
+                <a:cs typeface="Courier New" panose="02070309020205020404" pitchFamily="49" charset="0"/>
+              </a:rPr>
+              <a:t>Dependency</a:t>
+            </a:r>
+            <a:r>
+              <a:rPr lang="de-DE" dirty="0">
+                <a:cs typeface="Courier New" panose="02070309020205020404" pitchFamily="49" charset="0"/>
+              </a:rPr>
+              <a:t> </a:t>
+            </a:r>
+            <a:r>
+              <a:rPr lang="de-DE" dirty="0" err="1">
+                <a:cs typeface="Courier New" panose="02070309020205020404" pitchFamily="49" charset="0"/>
+              </a:rPr>
+              <a:t>Injection</a:t>
+            </a:r>
+            <a:endParaRPr lang="de-DE" dirty="0">
+              <a:cs typeface="Courier New" panose="02070309020205020404" pitchFamily="49" charset="0"/>
+            </a:endParaRPr>
+          </a:p>
+          <a:p>
+            <a:pPr lvl="2"/>
+            <a:r>
+              <a:rPr lang="de-DE" dirty="0">
+                <a:cs typeface="Courier New" panose="02070309020205020404" pitchFamily="49" charset="0"/>
+              </a:rPr>
+              <a:t>Sehr umfangreich</a:t>
+            </a:r>
+          </a:p>
+          <a:p>
+            <a:pPr lvl="1"/>
+            <a:r>
+              <a:rPr lang="de-DE" dirty="0">
+                <a:cs typeface="Courier New" panose="02070309020205020404" pitchFamily="49" charset="0"/>
+              </a:rPr>
+              <a:t>Spring Boot</a:t>
+            </a:r>
+          </a:p>
+          <a:p>
+            <a:pPr lvl="2"/>
+            <a:r>
+              <a:rPr lang="de-DE" dirty="0">
+                <a:cs typeface="Courier New" panose="02070309020205020404" pitchFamily="49" charset="0"/>
+              </a:rPr>
+              <a:t>Vereinfachte Konfiguration von Spring-Anwendungen (vordefinierte Starter)</a:t>
+            </a:r>
+          </a:p>
+          <a:p>
+            <a:pPr lvl="2"/>
+            <a:r>
+              <a:rPr lang="de-DE" dirty="0">
+                <a:cs typeface="Courier New" panose="02070309020205020404" pitchFamily="49" charset="0"/>
+              </a:rPr>
+              <a:t>Sehr beliebt zur Implementierung von </a:t>
+            </a:r>
+            <a:r>
+              <a:rPr lang="de-DE" dirty="0" err="1">
+                <a:cs typeface="Courier New" panose="02070309020205020404" pitchFamily="49" charset="0"/>
+              </a:rPr>
+              <a:t>Microservices</a:t>
+            </a:r>
+            <a:endParaRPr lang="de-DE" dirty="0">
+              <a:cs typeface="Courier New" panose="02070309020205020404" pitchFamily="49" charset="0"/>
+            </a:endParaRPr>
+          </a:p>
+        </p:txBody>
+      </p:sp>
+    </p:spTree>
+    <p:extLst>
+      <p:ext uri="{BB962C8B-B14F-4D97-AF65-F5344CB8AC3E}">
+        <p14:creationId xmlns:p14="http://schemas.microsoft.com/office/powerpoint/2010/main" val="1717894978"/>
+      </p:ext>
+    </p:extLst>
+  </p:cSld>
+  <p:clrMapOvr>
+    <a:masterClrMapping/>
+  </p:clrMapOvr>
+</p:sld>
+</file>
+
+<file path=ppt/slides/slide15.xml><?xml version="1.0" encoding="utf-8"?>
+<p:sld xmlns:a="http://schemas.openxmlformats.org/drawingml/2006/main" xmlns:r="http://schemas.openxmlformats.org/officeDocument/2006/relationships" xmlns:p="http://schemas.openxmlformats.org/presentationml/2006/main">
+  <p:cSld>
+    <p:spTree>
+      <p:nvGrpSpPr>
+        <p:cNvPr id="1" name=""/>
+        <p:cNvGrpSpPr/>
+        <p:nvPr/>
+      </p:nvGrpSpPr>
+      <p:grpSpPr>
+        <a:xfrm>
+          <a:off x="0" y="0"/>
+          <a:ext cx="0" cy="0"/>
+          <a:chOff x="0" y="0"/>
+          <a:chExt cx="0" cy="0"/>
+        </a:xfrm>
+      </p:grpSpPr>
+      <p:sp>
+        <p:nvSpPr>
+          <p:cNvPr id="2" name="Titel 1">
+            <a:extLst>
+              <a:ext uri="{FF2B5EF4-FFF2-40B4-BE49-F238E27FC236}">
+                <a16:creationId xmlns:a16="http://schemas.microsoft.com/office/drawing/2014/main" id="{0EC7A146-A8F2-A844-9033-A0ACC828AF47}"/>
+              </a:ext>
+            </a:extLst>
+          </p:cNvPr>
+          <p:cNvSpPr>
+            <a:spLocks noGrp="1"/>
+          </p:cNvSpPr>
+          <p:nvPr>
+            <p:ph type="title"/>
+          </p:nvPr>
+        </p:nvSpPr>
+        <p:spPr/>
+        <p:txBody>
+          <a:bodyPr/>
+          <a:lstStyle/>
+          <a:p>
+            <a:r>
+              <a:rPr lang="de-DE" dirty="0" err="1"/>
+              <a:t>Step</a:t>
+            </a:r>
+            <a:r>
+              <a:rPr lang="de-DE" dirty="0"/>
+              <a:t> 70</a:t>
+            </a:r>
+          </a:p>
+        </p:txBody>
+      </p:sp>
+      <p:sp>
+        <p:nvSpPr>
+          <p:cNvPr id="3" name="Inhaltsplatzhalter 2">
+            <a:extLst>
+              <a:ext uri="{FF2B5EF4-FFF2-40B4-BE49-F238E27FC236}">
+                <a16:creationId xmlns:a16="http://schemas.microsoft.com/office/drawing/2014/main" id="{2A5EBA90-6155-FD45-A74C-ECC42BCA72DF}"/>
+              </a:ext>
+            </a:extLst>
+          </p:cNvPr>
+          <p:cNvSpPr>
+            <a:spLocks noGrp="1"/>
+          </p:cNvSpPr>
+          <p:nvPr>
+            <p:ph idx="1"/>
+          </p:nvPr>
+        </p:nvSpPr>
+        <p:spPr/>
+        <p:txBody>
+          <a:bodyPr/>
+          <a:lstStyle/>
+          <a:p>
+            <a:r>
+              <a:rPr lang="de-DE" dirty="0"/>
+              <a:t>Thema: </a:t>
+            </a:r>
+            <a:r>
+              <a:rPr lang="de-DE" dirty="0" err="1"/>
+              <a:t>Dependency</a:t>
+            </a:r>
+            <a:r>
+              <a:rPr lang="de-DE" dirty="0"/>
+              <a:t> </a:t>
+            </a:r>
+            <a:r>
+              <a:rPr lang="de-DE" dirty="0" err="1"/>
+              <a:t>Injection</a:t>
+            </a:r>
+            <a:r>
+              <a:rPr lang="de-DE" dirty="0"/>
+              <a:t> mit Spring</a:t>
+            </a:r>
+          </a:p>
+        </p:txBody>
+      </p:sp>
+    </p:spTree>
+    <p:extLst>
+      <p:ext uri="{BB962C8B-B14F-4D97-AF65-F5344CB8AC3E}">
+        <p14:creationId xmlns:p14="http://schemas.microsoft.com/office/powerpoint/2010/main" val="2804024451"/>
+      </p:ext>
+    </p:extLst>
+  </p:cSld>
+  <p:clrMapOvr>
+    <a:masterClrMapping/>
+  </p:clrMapOvr>
+</p:sld>
+</file>
+
+<file path=ppt/slides/slide16.xml><?xml version="1.0" encoding="utf-8"?>
+<p:sld xmlns:a="http://schemas.openxmlformats.org/drawingml/2006/main" xmlns:r="http://schemas.openxmlformats.org/officeDocument/2006/relationships" xmlns:p="http://schemas.openxmlformats.org/presentationml/2006/main">
+  <p:cSld>
+    <p:spTree>
+      <p:nvGrpSpPr>
+        <p:cNvPr id="1" name=""/>
+        <p:cNvGrpSpPr/>
+        <p:nvPr/>
+      </p:nvGrpSpPr>
+      <p:grpSpPr>
+        <a:xfrm>
+          <a:off x="0" y="0"/>
+          <a:ext cx="0" cy="0"/>
+          <a:chOff x="0" y="0"/>
+          <a:chExt cx="0" cy="0"/>
+        </a:xfrm>
+      </p:grpSpPr>
+      <p:sp>
+        <p:nvSpPr>
+          <p:cNvPr id="2" name="Titel 1">
+            <a:extLst>
+              <a:ext uri="{FF2B5EF4-FFF2-40B4-BE49-F238E27FC236}">
+                <a16:creationId xmlns:a16="http://schemas.microsoft.com/office/drawing/2014/main" id="{0EC7A146-A8F2-A844-9033-A0ACC828AF47}"/>
+              </a:ext>
+            </a:extLst>
+          </p:cNvPr>
+          <p:cNvSpPr>
+            <a:spLocks noGrp="1"/>
+          </p:cNvSpPr>
+          <p:nvPr>
+            <p:ph type="title"/>
+          </p:nvPr>
+        </p:nvSpPr>
+        <p:spPr/>
+        <p:txBody>
+          <a:bodyPr/>
+          <a:lstStyle/>
+          <a:p>
+            <a:r>
+              <a:rPr lang="de-DE" dirty="0" err="1"/>
+              <a:t>Step</a:t>
+            </a:r>
+            <a:r>
+              <a:rPr lang="de-DE" dirty="0"/>
+              <a:t> 80</a:t>
+            </a:r>
+          </a:p>
+        </p:txBody>
+      </p:sp>
+      <p:sp>
+        <p:nvSpPr>
+          <p:cNvPr id="3" name="Inhaltsplatzhalter 2">
+            <a:extLst>
+              <a:ext uri="{FF2B5EF4-FFF2-40B4-BE49-F238E27FC236}">
+                <a16:creationId xmlns:a16="http://schemas.microsoft.com/office/drawing/2014/main" id="{2A5EBA90-6155-FD45-A74C-ECC42BCA72DF}"/>
+              </a:ext>
+            </a:extLst>
+          </p:cNvPr>
+          <p:cNvSpPr>
+            <a:spLocks noGrp="1"/>
+          </p:cNvSpPr>
+          <p:nvPr>
+            <p:ph idx="1"/>
+          </p:nvPr>
+        </p:nvSpPr>
+        <p:spPr/>
+        <p:txBody>
+          <a:bodyPr/>
+          <a:lstStyle/>
+          <a:p>
+            <a:r>
+              <a:rPr lang="de-DE" dirty="0"/>
+              <a:t>Thema: Testen mit Mocks</a:t>
+            </a:r>
+          </a:p>
+          <a:p>
+            <a:pPr lvl="1"/>
+            <a:r>
+              <a:rPr lang="de-DE" dirty="0" err="1"/>
+              <a:t>Mockito</a:t>
+            </a:r>
+            <a:r>
+              <a:rPr lang="de-DE" dirty="0"/>
+              <a:t>: Bibliothek zum Erstellen von Mock-Objekten </a:t>
+            </a:r>
+            <a:r>
+              <a:rPr lang="de-DE"/>
+              <a:t>in Unit-Tests</a:t>
+            </a:r>
+            <a:endParaRPr lang="de-DE" dirty="0"/>
+          </a:p>
+        </p:txBody>
+      </p:sp>
+    </p:spTree>
+    <p:extLst>
+      <p:ext uri="{BB962C8B-B14F-4D97-AF65-F5344CB8AC3E}">
+        <p14:creationId xmlns:p14="http://schemas.microsoft.com/office/powerpoint/2010/main" val="1609070468"/>
+      </p:ext>
+    </p:extLst>
+  </p:cSld>
+  <p:clrMapOvr>
+    <a:masterClrMapping/>
+  </p:clrMapOvr>
+</p:sld>
+</file>
+
+<file path=ppt/slides/slide17.xml><?xml version="1.0" encoding="utf-8"?>
+<p:sld xmlns:a="http://schemas.openxmlformats.org/drawingml/2006/main" xmlns:r="http://schemas.openxmlformats.org/officeDocument/2006/relationships" xmlns:p="http://schemas.openxmlformats.org/presentationml/2006/main">
+  <p:cSld>
+    <p:spTree>
+      <p:nvGrpSpPr>
+        <p:cNvPr id="1" name=""/>
+        <p:cNvGrpSpPr/>
+        <p:nvPr/>
+      </p:nvGrpSpPr>
+      <p:grpSpPr>
+        <a:xfrm>
+          <a:off x="0" y="0"/>
+          <a:ext cx="0" cy="0"/>
+          <a:chOff x="0" y="0"/>
+          <a:chExt cx="0" cy="0"/>
+        </a:xfrm>
+      </p:grpSpPr>
+      <p:sp>
+        <p:nvSpPr>
+          <p:cNvPr id="2" name="Titel 1">
+            <a:extLst>
+              <a:ext uri="{FF2B5EF4-FFF2-40B4-BE49-F238E27FC236}">
+                <a16:creationId xmlns:a16="http://schemas.microsoft.com/office/drawing/2014/main" id="{0EC7A146-A8F2-A844-9033-A0ACC828AF47}"/>
+              </a:ext>
+            </a:extLst>
+          </p:cNvPr>
+          <p:cNvSpPr>
+            <a:spLocks noGrp="1"/>
+          </p:cNvSpPr>
+          <p:nvPr>
+            <p:ph type="title"/>
+          </p:nvPr>
+        </p:nvSpPr>
+        <p:spPr/>
+        <p:txBody>
+          <a:bodyPr/>
+          <a:lstStyle/>
+          <a:p>
+            <a:r>
+              <a:rPr lang="de-DE" dirty="0" err="1"/>
+              <a:t>Step</a:t>
+            </a:r>
+            <a:r>
+              <a:rPr lang="de-DE" dirty="0"/>
               <a:t> 90</a:t>
             </a:r>
           </a:p>
@@ -3612,7 +4547,7 @@
 </p:sld>
 </file>
 
-<file path=ppt/slides/slide12.xml><?xml version="1.0" encoding="utf-8"?>
+<file path=ppt/slides/slide18.xml><?xml version="1.0" encoding="utf-8"?>
 <p:sld xmlns:a="http://schemas.openxmlformats.org/drawingml/2006/main" xmlns:r="http://schemas.openxmlformats.org/officeDocument/2006/relationships" xmlns:p="http://schemas.openxmlformats.org/presentationml/2006/main">
   <p:cSld>
     <p:spTree>
@@ -3741,111 +4676,90 @@
           <a:lstStyle/>
           <a:p>
             <a:r>
+              <a:rPr lang="de-DE" dirty="0"/>
+              <a:t>Ziel</a:t>
+            </a:r>
+          </a:p>
+        </p:txBody>
+      </p:sp>
+      <p:sp>
+        <p:nvSpPr>
+          <p:cNvPr id="3" name="Inhaltsplatzhalter 2">
+            <a:extLst>
+              <a:ext uri="{FF2B5EF4-FFF2-40B4-BE49-F238E27FC236}">
+                <a16:creationId xmlns:a16="http://schemas.microsoft.com/office/drawing/2014/main" id="{2A5EBA90-6155-FD45-A74C-ECC42BCA72DF}"/>
+              </a:ext>
+            </a:extLst>
+          </p:cNvPr>
+          <p:cNvSpPr>
+            <a:spLocks noGrp="1"/>
+          </p:cNvSpPr>
+          <p:nvPr>
+            <p:ph idx="1"/>
+          </p:nvPr>
+        </p:nvSpPr>
+        <p:spPr/>
+        <p:txBody>
+          <a:bodyPr>
+            <a:normAutofit lnSpcReduction="10000"/>
+          </a:bodyPr>
+          <a:lstStyle/>
+          <a:p>
+            <a:r>
+              <a:rPr lang="de-DE" dirty="0"/>
+              <a:t>Wir lernen die Programmierung von </a:t>
+            </a:r>
+            <a:r>
               <a:rPr lang="de-DE" dirty="0" err="1"/>
-              <a:t>Step</a:t>
-            </a:r>
-            <a:r>
-              <a:rPr lang="de-DE" dirty="0"/>
-              <a:t> 10</a:t>
-            </a:r>
-          </a:p>
-        </p:txBody>
-      </p:sp>
-      <p:sp>
-        <p:nvSpPr>
-          <p:cNvPr id="3" name="Inhaltsplatzhalter 2">
-            <a:extLst>
-              <a:ext uri="{FF2B5EF4-FFF2-40B4-BE49-F238E27FC236}">
-                <a16:creationId xmlns:a16="http://schemas.microsoft.com/office/drawing/2014/main" id="{2A5EBA90-6155-FD45-A74C-ECC42BCA72DF}"/>
-              </a:ext>
-            </a:extLst>
-          </p:cNvPr>
-          <p:cNvSpPr>
-            <a:spLocks noGrp="1"/>
-          </p:cNvSpPr>
-          <p:nvPr>
-            <p:ph idx="1"/>
-          </p:nvPr>
-        </p:nvSpPr>
-        <p:spPr/>
-        <p:txBody>
-          <a:bodyPr/>
-          <a:lstStyle/>
-          <a:p>
-            <a:r>
-              <a:rPr lang="de-DE" dirty="0"/>
-              <a:t>Thema: Java</a:t>
-            </a:r>
+              <a:t>Microservices</a:t>
+            </a:r>
+            <a:endParaRPr lang="de-DE" dirty="0"/>
           </a:p>
           <a:p>
             <a:pPr lvl="1"/>
             <a:r>
               <a:rPr lang="de-DE" dirty="0"/>
-              <a:t>Compiler: </a:t>
-            </a:r>
-            <a:r>
-              <a:rPr lang="de-DE" dirty="0" err="1">
-                <a:latin typeface="Courier New" panose="02070309020205020404" pitchFamily="49" charset="0"/>
-                <a:cs typeface="Courier New" panose="02070309020205020404" pitchFamily="49" charset="0"/>
-              </a:rPr>
-              <a:t>javac</a:t>
-            </a:r>
-            <a:r>
-              <a:rPr lang="de-DE" dirty="0">
-                <a:latin typeface="Courier New" panose="02070309020205020404" pitchFamily="49" charset="0"/>
-                <a:cs typeface="Courier New" panose="02070309020205020404" pitchFamily="49" charset="0"/>
-              </a:rPr>
-              <a:t> </a:t>
-            </a:r>
-            <a:r>
-              <a:rPr lang="de-DE" dirty="0" err="1">
-                <a:latin typeface="Courier New" panose="02070309020205020404" pitchFamily="49" charset="0"/>
-                <a:cs typeface="Courier New" panose="02070309020205020404" pitchFamily="49" charset="0"/>
-              </a:rPr>
-              <a:t>HelloWorld.java</a:t>
-            </a:r>
-            <a:endParaRPr lang="de-DE" dirty="0">
-              <a:latin typeface="Courier New" panose="02070309020205020404" pitchFamily="49" charset="0"/>
-              <a:cs typeface="Courier New" panose="02070309020205020404" pitchFamily="49" charset="0"/>
-            </a:endParaRPr>
-          </a:p>
-          <a:p>
-            <a:pPr lvl="2"/>
-            <a:r>
-              <a:rPr lang="de-DE" dirty="0"/>
-              <a:t>Übersetzt Quelltext </a:t>
-            </a:r>
-            <a:r>
-              <a:rPr lang="de-DE" dirty="0">
-                <a:latin typeface="Courier New" panose="02070309020205020404" pitchFamily="49" charset="0"/>
-                <a:cs typeface="Courier New" panose="02070309020205020404" pitchFamily="49" charset="0"/>
-              </a:rPr>
-              <a:t>(*.</a:t>
-            </a:r>
-            <a:r>
-              <a:rPr lang="de-DE" dirty="0" err="1">
-                <a:latin typeface="Courier New" panose="02070309020205020404" pitchFamily="49" charset="0"/>
-                <a:cs typeface="Courier New" panose="02070309020205020404" pitchFamily="49" charset="0"/>
-              </a:rPr>
-              <a:t>java</a:t>
-            </a:r>
-            <a:r>
-              <a:rPr lang="de-DE" dirty="0"/>
-              <a:t>) in Java-Bytecode </a:t>
-            </a:r>
-            <a:r>
-              <a:rPr lang="de-DE" dirty="0">
-                <a:latin typeface="Courier New" panose="02070309020205020404" pitchFamily="49" charset="0"/>
-                <a:cs typeface="Courier New" panose="02070309020205020404" pitchFamily="49" charset="0"/>
-              </a:rPr>
-              <a:t>(*.</a:t>
-            </a:r>
-            <a:r>
-              <a:rPr lang="de-DE" dirty="0" err="1">
-                <a:latin typeface="Courier New" panose="02070309020205020404" pitchFamily="49" charset="0"/>
-                <a:cs typeface="Courier New" panose="02070309020205020404" pitchFamily="49" charset="0"/>
-              </a:rPr>
-              <a:t>class</a:t>
+              <a:t>Programmierung</a:t>
+            </a:r>
+          </a:p>
+          <a:p>
+            <a:pPr lvl="2"/>
+            <a:r>
+              <a:rPr lang="de-DE" dirty="0"/>
+              <a:t>Java</a:t>
+            </a:r>
+          </a:p>
+          <a:p>
+            <a:pPr lvl="2"/>
+            <a:r>
+              <a:rPr lang="de-DE" dirty="0"/>
+              <a:t>viele Bibliotheken: Spring-Boot, </a:t>
+            </a:r>
+            <a:r>
+              <a:rPr lang="de-DE" dirty="0" err="1"/>
+              <a:t>Lombok</a:t>
+            </a:r>
+            <a:r>
+              <a:rPr lang="de-DE" dirty="0"/>
+              <a:t>, Jackson, …</a:t>
+            </a:r>
+          </a:p>
+          <a:p>
+            <a:pPr lvl="1"/>
+            <a:r>
+              <a:rPr lang="de-DE" dirty="0"/>
+              <a:t>Test</a:t>
+            </a:r>
+          </a:p>
+          <a:p>
+            <a:pPr lvl="2"/>
+            <a:r>
+              <a:rPr lang="de-DE" dirty="0"/>
+              <a:t>Unit-Tests (</a:t>
+            </a:r>
+            <a:r>
+              <a:rPr lang="de-DE" dirty="0" err="1"/>
+              <a:t>Junit</a:t>
             </a:r>
             <a:r>
               <a:rPr lang="de-DE" dirty="0"/>
@@ -3853,70 +4767,55 @@
             </a:r>
           </a:p>
           <a:p>
+            <a:pPr lvl="2"/>
+            <a:r>
+              <a:rPr lang="de-DE" dirty="0"/>
+              <a:t>Integrationstests (</a:t>
+            </a:r>
+            <a:r>
+              <a:rPr lang="de-DE" dirty="0" err="1"/>
+              <a:t>Cucumber</a:t>
+            </a:r>
+            <a:r>
+              <a:rPr lang="de-DE" dirty="0"/>
+              <a:t>)</a:t>
+            </a:r>
+          </a:p>
+          <a:p>
+            <a:pPr lvl="2"/>
+            <a:r>
+              <a:rPr lang="de-DE" dirty="0"/>
+              <a:t>Performancetests (Gatling)</a:t>
+            </a:r>
+          </a:p>
+          <a:p>
             <a:pPr lvl="1"/>
             <a:r>
-              <a:rPr lang="de-DE" dirty="0"/>
-              <a:t>Ausführung: </a:t>
-            </a:r>
-            <a:r>
-              <a:rPr lang="de-DE" dirty="0" err="1">
-                <a:latin typeface="Courier New" panose="02070309020205020404" pitchFamily="49" charset="0"/>
-                <a:cs typeface="Courier New" panose="02070309020205020404" pitchFamily="49" charset="0"/>
-              </a:rPr>
-              <a:t>java</a:t>
-            </a:r>
-            <a:r>
-              <a:rPr lang="de-DE" dirty="0">
-                <a:latin typeface="Courier New" panose="02070309020205020404" pitchFamily="49" charset="0"/>
-                <a:cs typeface="Courier New" panose="02070309020205020404" pitchFamily="49" charset="0"/>
-              </a:rPr>
-              <a:t> </a:t>
-            </a:r>
-            <a:r>
-              <a:rPr lang="de-DE" dirty="0" err="1">
-                <a:latin typeface="Courier New" panose="02070309020205020404" pitchFamily="49" charset="0"/>
-                <a:cs typeface="Courier New" panose="02070309020205020404" pitchFamily="49" charset="0"/>
-              </a:rPr>
-              <a:t>HelloWorld</a:t>
-            </a:r>
-            <a:endParaRPr lang="de-DE" dirty="0">
-              <a:latin typeface="Courier New" panose="02070309020205020404" pitchFamily="49" charset="0"/>
-              <a:cs typeface="Courier New" panose="02070309020205020404" pitchFamily="49" charset="0"/>
-            </a:endParaRPr>
-          </a:p>
-          <a:p>
-            <a:pPr lvl="2"/>
-            <a:r>
-              <a:rPr lang="de-DE" dirty="0"/>
-              <a:t>Führt Java-Bytecode aus</a:t>
-            </a:r>
-          </a:p>
-          <a:p>
-            <a:pPr lvl="2"/>
-            <a:r>
-              <a:rPr lang="de-DE" dirty="0"/>
-              <a:t>Laufzeitumgebung:</a:t>
-            </a:r>
-          </a:p>
-          <a:p>
-            <a:pPr lvl="3"/>
-            <a:r>
-              <a:rPr lang="de-DE" dirty="0"/>
-              <a:t>Interpreter</a:t>
-            </a:r>
-          </a:p>
-          <a:p>
-            <a:pPr lvl="3"/>
-            <a:r>
-              <a:rPr lang="de-DE" dirty="0"/>
-              <a:t>JIT-Compiler</a:t>
-            </a:r>
-          </a:p>
-          <a:p>
-            <a:pPr lvl="3"/>
-            <a:r>
-              <a:rPr lang="de-DE" dirty="0"/>
-              <a:t>Standard-Bibliotheken</a:t>
+              <a:rPr lang="de-DE" dirty="0" err="1"/>
+              <a:t>Build</a:t>
+            </a:r>
+            <a:endParaRPr lang="de-DE" dirty="0"/>
+          </a:p>
+          <a:p>
+            <a:pPr lvl="2"/>
+            <a:r>
+              <a:rPr lang="de-DE" dirty="0" err="1"/>
+              <a:t>Maven</a:t>
+            </a:r>
+            <a:endParaRPr lang="de-DE" dirty="0"/>
+          </a:p>
+          <a:p>
+            <a:pPr lvl="1"/>
+            <a:r>
+              <a:rPr lang="de-DE" dirty="0"/>
+              <a:t>Betrieb</a:t>
+            </a:r>
+          </a:p>
+          <a:p>
+            <a:pPr lvl="2"/>
+            <a:r>
+              <a:rPr lang="de-DE" dirty="0"/>
+              <a:t>Docker</a:t>
             </a:r>
           </a:p>
         </p:txBody>
@@ -3973,12 +4872,16 @@
           <a:lstStyle/>
           <a:p>
             <a:r>
+              <a:rPr lang="de-DE" dirty="0"/>
+              <a:t>Warum </a:t>
+            </a:r>
+            <a:r>
               <a:rPr lang="de-DE" dirty="0" err="1"/>
-              <a:t>Step</a:t>
-            </a:r>
-            <a:r>
-              <a:rPr lang="de-DE" dirty="0"/>
-              <a:t> 15</a:t>
+              <a:t>Microservices</a:t>
+            </a:r>
+            <a:r>
+              <a:rPr lang="de-DE" dirty="0"/>
+              <a:t>?</a:t>
             </a:r>
           </a:p>
         </p:txBody>
@@ -4001,176 +4904,90 @@
         </p:nvSpPr>
         <p:spPr/>
         <p:txBody>
-          <a:bodyPr/>
-          <a:lstStyle/>
-          <a:p>
-            <a:r>
-              <a:rPr lang="de-DE" dirty="0"/>
-              <a:t>Thema: </a:t>
+          <a:bodyPr>
+            <a:normAutofit/>
+          </a:bodyPr>
+          <a:lstStyle/>
+          <a:p>
+            <a:r>
+              <a:rPr lang="de-DE" dirty="0"/>
+              <a:t>Welt der Unternehmensanwendungen (</a:t>
             </a:r>
             <a:r>
               <a:rPr lang="de-DE" dirty="0" err="1"/>
-              <a:t>Build</a:t>
-            </a:r>
-            <a:r>
-              <a:rPr lang="de-DE" dirty="0"/>
-              <a:t>-Management mit </a:t>
+              <a:t>enterprise</a:t>
+            </a:r>
+            <a:r>
+              <a:rPr lang="de-DE" dirty="0"/>
+              <a:t> </a:t>
             </a:r>
             <a:r>
               <a:rPr lang="de-DE" dirty="0" err="1"/>
-              <a:t>Maven</a:t>
-            </a:r>
-            <a:endParaRPr lang="de-DE" dirty="0"/>
+              <a:t>applications</a:t>
+            </a:r>
+            <a:r>
+              <a:rPr lang="de-DE" dirty="0"/>
+              <a:t>)</a:t>
+            </a:r>
           </a:p>
           <a:p>
             <a:pPr lvl="1"/>
             <a:r>
               <a:rPr lang="de-DE" dirty="0"/>
-              <a:t>„</a:t>
-            </a:r>
-            <a:r>
-              <a:rPr lang="de-DE" dirty="0" err="1"/>
-              <a:t>Maven</a:t>
-            </a:r>
-            <a:r>
-              <a:rPr lang="de-DE" dirty="0"/>
-              <a:t> ist ein auf Java basierendes </a:t>
-            </a:r>
-            <a:r>
-              <a:rPr lang="de-DE" dirty="0" err="1"/>
-              <a:t>Build</a:t>
-            </a:r>
-            <a:r>
-              <a:rPr lang="de-DE" dirty="0"/>
-              <a:t>-Management-Tool der Apache Software </a:t>
-            </a:r>
-            <a:r>
-              <a:rPr lang="de-DE" dirty="0" err="1"/>
-              <a:t>Foundation</a:t>
-            </a:r>
-            <a:r>
-              <a:rPr lang="de-DE" dirty="0"/>
-              <a:t>“ (Wikipedia)</a:t>
-            </a:r>
-          </a:p>
-          <a:p>
-            <a:pPr lvl="2"/>
-            <a:r>
-              <a:rPr lang="de-DE" dirty="0"/>
-              <a:t>Gibt Standard-Verzeichnisstruktur und Lebenszyklen (Standard-Ablauf) vor</a:t>
-            </a:r>
-          </a:p>
-          <a:p>
-            <a:pPr lvl="2"/>
-            <a:r>
-              <a:rPr lang="de-DE" dirty="0"/>
-              <a:t>Verwaltet Abhängigkeiten (innerhalb des Projekts und zu benutzten Bibliotheken)</a:t>
-            </a:r>
-          </a:p>
-          <a:p>
-            <a:pPr lvl="2"/>
-            <a:r>
-              <a:rPr lang="de-DE" dirty="0"/>
-              <a:t>Ist erweiterbar durch </a:t>
-            </a:r>
-            <a:r>
-              <a:rPr lang="de-DE" dirty="0" err="1"/>
-              <a:t>Plugins</a:t>
-            </a:r>
-            <a:endParaRPr lang="de-DE" dirty="0"/>
-          </a:p>
-          <a:p>
-            <a:pPr lvl="2"/>
-            <a:r>
-              <a:rPr lang="de-DE" dirty="0"/>
-              <a:t>Deklarative Definition des Projekts in </a:t>
-            </a:r>
-            <a:r>
-              <a:rPr lang="de-DE" dirty="0" err="1">
-                <a:latin typeface="Courier New" panose="02070309020205020404" pitchFamily="49" charset="0"/>
-                <a:cs typeface="Courier New" panose="02070309020205020404" pitchFamily="49" charset="0"/>
-              </a:rPr>
-              <a:t>pom.xml</a:t>
-            </a:r>
-            <a:r>
-              <a:rPr lang="de-DE" dirty="0">
-                <a:latin typeface="Courier New" panose="02070309020205020404" pitchFamily="49" charset="0"/>
-                <a:cs typeface="Courier New" panose="02070309020205020404" pitchFamily="49" charset="0"/>
-              </a:rPr>
-              <a:t> </a:t>
-            </a:r>
-            <a:r>
-              <a:rPr lang="de-DE" dirty="0"/>
-              <a:t>(Project </a:t>
-            </a:r>
-            <a:r>
-              <a:rPr lang="de-DE" dirty="0" err="1"/>
-              <a:t>Object</a:t>
-            </a:r>
-            <a:r>
-              <a:rPr lang="de-DE" dirty="0"/>
-              <a:t> Model)</a:t>
-            </a:r>
-          </a:p>
-          <a:p>
-            <a:pPr lvl="1"/>
-            <a:r>
-              <a:rPr lang="de-DE" dirty="0"/>
-              <a:t>Kommando: </a:t>
-            </a:r>
-            <a:r>
-              <a:rPr lang="de-DE" dirty="0" err="1">
-                <a:latin typeface="Courier New" panose="02070309020205020404" pitchFamily="49" charset="0"/>
-                <a:cs typeface="Courier New" panose="02070309020205020404" pitchFamily="49" charset="0"/>
-              </a:rPr>
-              <a:t>mvn</a:t>
-            </a:r>
-            <a:r>
-              <a:rPr lang="de-DE" dirty="0">
-                <a:latin typeface="Courier New" panose="02070309020205020404" pitchFamily="49" charset="0"/>
-                <a:cs typeface="Courier New" panose="02070309020205020404" pitchFamily="49" charset="0"/>
-              </a:rPr>
-              <a:t> clean </a:t>
-            </a:r>
-            <a:r>
-              <a:rPr lang="de-DE" dirty="0" err="1">
-                <a:latin typeface="Courier New" panose="02070309020205020404" pitchFamily="49" charset="0"/>
-                <a:cs typeface="Courier New" panose="02070309020205020404" pitchFamily="49" charset="0"/>
-              </a:rPr>
-              <a:t>package</a:t>
-            </a:r>
-            <a:endParaRPr lang="de-DE" dirty="0">
-              <a:latin typeface="Courier New" panose="02070309020205020404" pitchFamily="49" charset="0"/>
-              <a:cs typeface="Courier New" panose="02070309020205020404" pitchFamily="49" charset="0"/>
-            </a:endParaRPr>
-          </a:p>
-          <a:p>
-            <a:pPr lvl="2"/>
-            <a:r>
-              <a:rPr lang="de-DE" dirty="0">
-                <a:latin typeface="Courier New" panose="02070309020205020404" pitchFamily="49" charset="0"/>
-                <a:cs typeface="Courier New" panose="02070309020205020404" pitchFamily="49" charset="0"/>
-              </a:rPr>
-              <a:t>clean</a:t>
-            </a:r>
-            <a:r>
-              <a:rPr lang="de-DE" dirty="0">
-                <a:cs typeface="Courier New" panose="02070309020205020404" pitchFamily="49" charset="0"/>
-              </a:rPr>
-              <a:t> und </a:t>
-            </a:r>
-            <a:r>
-              <a:rPr lang="de-DE" dirty="0" err="1">
-                <a:latin typeface="Courier New" panose="02070309020205020404" pitchFamily="49" charset="0"/>
-                <a:cs typeface="Courier New" panose="02070309020205020404" pitchFamily="49" charset="0"/>
-              </a:rPr>
-              <a:t>package</a:t>
-            </a:r>
-            <a:r>
-              <a:rPr lang="de-DE" dirty="0">
-                <a:cs typeface="Courier New" panose="02070309020205020404" pitchFamily="49" charset="0"/>
-              </a:rPr>
-              <a:t> sind Lebenszyklen</a:t>
+              <a:t>Software, die Unternehmen für ihren Betrieb brauchen</a:t>
+            </a:r>
+          </a:p>
+          <a:p>
+            <a:pPr lvl="2"/>
+            <a:r>
+              <a:rPr lang="de-DE" dirty="0"/>
+              <a:t>Banken: Verwaltung der Konten, Buchungen, Wertpapier-Handel, …</a:t>
+            </a:r>
+          </a:p>
+          <a:p>
+            <a:pPr lvl="2"/>
+            <a:r>
+              <a:rPr lang="de-DE" dirty="0"/>
+              <a:t>Versicherungen: Angebote, Verträge, Schaden/Leistung, …</a:t>
+            </a:r>
+          </a:p>
+          <a:p>
+            <a:pPr lvl="2"/>
+            <a:r>
+              <a:rPr lang="de-DE" dirty="0"/>
+              <a:t>Handel: Lagerverwaltung, Logistik, Beschaffung, …</a:t>
+            </a:r>
+          </a:p>
+          <a:p>
+            <a:pPr lvl="2"/>
+            <a:r>
+              <a:rPr lang="de-DE" dirty="0"/>
+              <a:t>Produzierendes Gewerbe: Aufträge, Planung, Steuerung, Logistik, …</a:t>
+            </a:r>
+          </a:p>
+          <a:p>
+            <a:pPr lvl="2"/>
+            <a:r>
+              <a:rPr lang="de-DE" dirty="0"/>
+              <a:t>Behörden</a:t>
+            </a:r>
+          </a:p>
+          <a:p>
+            <a:pPr lvl="2"/>
+            <a:r>
+              <a:rPr lang="de-DE" dirty="0"/>
+              <a:t>…</a:t>
+            </a:r>
+          </a:p>
+          <a:p>
+            <a:pPr lvl="2"/>
+            <a:r>
+              <a:rPr lang="de-DE" b="1" dirty="0"/>
+              <a:t>Alle</a:t>
+            </a:r>
+            <a:r>
+              <a:rPr lang="de-DE" dirty="0"/>
+              <a:t> Unternehmen: Buchhaltung, interne Prozesse (z. B. HR), …</a:t>
             </a:r>
           </a:p>
         </p:txBody>
@@ -4178,7 +4995,7 @@
     </p:spTree>
     <p:extLst>
       <p:ext uri="{BB962C8B-B14F-4D97-AF65-F5344CB8AC3E}">
-        <p14:creationId xmlns:p14="http://schemas.microsoft.com/office/powerpoint/2010/main" val="492142386"/>
+        <p14:creationId xmlns:p14="http://schemas.microsoft.com/office/powerpoint/2010/main" val="2168013348"/>
       </p:ext>
     </p:extLst>
   </p:cSld>
@@ -4227,12 +5044,8 @@
           <a:lstStyle/>
           <a:p>
             <a:r>
-              <a:rPr lang="de-DE" dirty="0" err="1"/>
-              <a:t>Step</a:t>
-            </a:r>
-            <a:r>
-              <a:rPr lang="de-DE" dirty="0"/>
-              <a:t> 20</a:t>
+              <a:rPr lang="de-DE" dirty="0"/>
+              <a:t>Welt der Unternehmensanwendungen</a:t>
             </a:r>
           </a:p>
         </p:txBody>
@@ -4255,100 +5068,83 @@
         </p:nvSpPr>
         <p:spPr/>
         <p:txBody>
-          <a:bodyPr/>
-          <a:lstStyle/>
-          <a:p>
-            <a:r>
-              <a:rPr lang="de-DE" dirty="0"/>
-              <a:t>Thema: Nutzung eines </a:t>
-            </a:r>
-            <a:r>
-              <a:rPr lang="de-DE" dirty="0" err="1"/>
-              <a:t>Maven-Plugins</a:t>
-            </a:r>
+          <a:bodyPr>
+            <a:normAutofit/>
+          </a:bodyPr>
+          <a:lstStyle/>
+          <a:p>
+            <a:r>
+              <a:rPr lang="de-DE" dirty="0"/>
+              <a:t>Typische Eigenschaften (1)</a:t>
+            </a:r>
+          </a:p>
+          <a:p>
+            <a:pPr lvl="1"/>
+            <a:r>
+              <a:rPr lang="de-DE" dirty="0"/>
+              <a:t>Viele Nutzer, die gleichzeitig arbeiten wollen</a:t>
+            </a:r>
+          </a:p>
+          <a:p>
+            <a:pPr lvl="2"/>
+            <a:r>
+              <a:rPr lang="de-DE" dirty="0"/>
+              <a:t>Interne Mitarbeiter</a:t>
+            </a:r>
+          </a:p>
+          <a:p>
+            <a:pPr lvl="2"/>
+            <a:r>
+              <a:rPr lang="de-DE" dirty="0"/>
+              <a:t>Mitarbeiter anderer Firmen</a:t>
+            </a:r>
+          </a:p>
+          <a:p>
+            <a:pPr lvl="2"/>
+            <a:r>
+              <a:rPr lang="de-DE" dirty="0"/>
+              <a:t>Kunden</a:t>
+            </a:r>
+          </a:p>
+          <a:p>
+            <a:pPr lvl="1"/>
+            <a:r>
+              <a:rPr lang="de-DE" dirty="0"/>
+              <a:t>Daten</a:t>
+            </a:r>
+          </a:p>
+          <a:p>
+            <a:pPr lvl="2"/>
+            <a:r>
+              <a:rPr lang="de-DE" dirty="0"/>
+              <a:t>Zentrale Sicht erwünscht</a:t>
+            </a:r>
+          </a:p>
+          <a:p>
+            <a:pPr lvl="2"/>
+            <a:r>
+              <a:rPr lang="de-DE" dirty="0"/>
+              <a:t>Große Mengen</a:t>
+            </a:r>
+          </a:p>
+          <a:p>
+            <a:pPr lvl="2"/>
+            <a:r>
+              <a:rPr lang="de-DE" dirty="0"/>
+              <a:t>Viele Datenbewegungen</a:t>
+            </a:r>
+          </a:p>
+          <a:p>
+            <a:pPr lvl="2"/>
             <a:endParaRPr lang="de-DE" dirty="0"/>
           </a:p>
           <a:p>
-            <a:pPr lvl="1"/>
-            <a:r>
-              <a:rPr lang="de-DE" dirty="0"/>
-              <a:t>Das </a:t>
-            </a:r>
-            <a:r>
-              <a:rPr lang="de-DE" dirty="0" err="1">
-                <a:latin typeface="Courier New" panose="02070309020205020404" pitchFamily="49" charset="0"/>
-                <a:cs typeface="Courier New" panose="02070309020205020404" pitchFamily="49" charset="0"/>
-              </a:rPr>
-              <a:t>exec</a:t>
-            </a:r>
-            <a:r>
-              <a:rPr lang="de-DE" dirty="0" err="1"/>
-              <a:t>-Plugin</a:t>
-            </a:r>
-            <a:r>
-              <a:rPr lang="de-DE" dirty="0"/>
-              <a:t> ermöglicht es, Java-Programme aus </a:t>
-            </a:r>
-            <a:r>
-              <a:rPr lang="de-DE" dirty="0" err="1"/>
-              <a:t>Maven</a:t>
-            </a:r>
-            <a:r>
-              <a:rPr lang="de-DE" dirty="0"/>
-              <a:t> heraus auszuführen</a:t>
-            </a:r>
-          </a:p>
-          <a:p>
-            <a:pPr lvl="1"/>
-            <a:r>
-              <a:rPr lang="de-DE" dirty="0"/>
-              <a:t>Kommando: </a:t>
-            </a:r>
-            <a:r>
-              <a:rPr lang="de-DE" dirty="0" err="1">
-                <a:latin typeface="Courier New" panose="02070309020205020404" pitchFamily="49" charset="0"/>
-                <a:cs typeface="Courier New" panose="02070309020205020404" pitchFamily="49" charset="0"/>
-              </a:rPr>
-              <a:t>mvn</a:t>
-            </a:r>
-            <a:r>
-              <a:rPr lang="de-DE" dirty="0">
-                <a:latin typeface="Courier New" panose="02070309020205020404" pitchFamily="49" charset="0"/>
-                <a:cs typeface="Courier New" panose="02070309020205020404" pitchFamily="49" charset="0"/>
-              </a:rPr>
-              <a:t> </a:t>
-            </a:r>
-            <a:r>
-              <a:rPr lang="de-DE" dirty="0" err="1">
-                <a:latin typeface="Courier New" panose="02070309020205020404" pitchFamily="49" charset="0"/>
-                <a:cs typeface="Courier New" panose="02070309020205020404" pitchFamily="49" charset="0"/>
-              </a:rPr>
-              <a:t>exec:java</a:t>
-            </a:r>
-            <a:endParaRPr lang="de-DE" dirty="0">
-              <a:latin typeface="Courier New" panose="02070309020205020404" pitchFamily="49" charset="0"/>
-              <a:cs typeface="Courier New" panose="02070309020205020404" pitchFamily="49" charset="0"/>
-            </a:endParaRPr>
-          </a:p>
-          <a:p>
-            <a:pPr lvl="2"/>
-            <a:r>
-              <a:rPr lang="de-DE" dirty="0" err="1">
-                <a:latin typeface="Courier New" panose="02070309020205020404" pitchFamily="49" charset="0"/>
-                <a:cs typeface="Courier New" panose="02070309020205020404" pitchFamily="49" charset="0"/>
-              </a:rPr>
-              <a:t>exec:java</a:t>
-            </a:r>
-            <a:r>
-              <a:rPr lang="de-DE" dirty="0">
-                <a:latin typeface="Courier New" panose="02070309020205020404" pitchFamily="49" charset="0"/>
-                <a:cs typeface="Courier New" panose="02070309020205020404" pitchFamily="49" charset="0"/>
-              </a:rPr>
-              <a:t> </a:t>
-            </a:r>
-            <a:r>
-              <a:rPr lang="de-DE" dirty="0"/>
-              <a:t>ist ein Goal</a:t>
+            <a:pPr marL="457200" lvl="1" indent="0">
+              <a:buNone/>
+            </a:pPr>
+            <a:r>
+              <a:rPr lang="de-DE" b="1" dirty="0"/>
+              <a:t>=&gt; hohe Last!</a:t>
             </a:r>
           </a:p>
         </p:txBody>
@@ -4356,7 +5152,7 @@
     </p:spTree>
     <p:extLst>
       <p:ext uri="{BB962C8B-B14F-4D97-AF65-F5344CB8AC3E}">
-        <p14:creationId xmlns:p14="http://schemas.microsoft.com/office/powerpoint/2010/main" val="3687928113"/>
+        <p14:creationId xmlns:p14="http://schemas.microsoft.com/office/powerpoint/2010/main" val="2378491230"/>
       </p:ext>
     </p:extLst>
   </p:cSld>
@@ -4405,12 +5201,8 @@
           <a:lstStyle/>
           <a:p>
             <a:r>
-              <a:rPr lang="de-DE" dirty="0" err="1"/>
-              <a:t>Step</a:t>
-            </a:r>
-            <a:r>
-              <a:rPr lang="de-DE" dirty="0"/>
-              <a:t> 30</a:t>
+              <a:rPr lang="de-DE" dirty="0"/>
+              <a:t>Welt der Unternehmensanwendungen</a:t>
             </a:r>
           </a:p>
         </p:txBody>
@@ -4433,91 +5225,85 @@
         </p:nvSpPr>
         <p:spPr/>
         <p:txBody>
-          <a:bodyPr/>
-          <a:lstStyle/>
-          <a:p>
-            <a:r>
-              <a:rPr lang="de-DE" dirty="0"/>
-              <a:t>Thema: </a:t>
-            </a:r>
-            <a:r>
-              <a:rPr lang="de-DE" dirty="0" err="1"/>
-              <a:t>Logging</a:t>
-            </a:r>
-            <a:r>
-              <a:rPr lang="de-DE" dirty="0"/>
-              <a:t> mit </a:t>
-            </a:r>
-            <a:r>
-              <a:rPr lang="de-DE" dirty="0">
-                <a:latin typeface="Courier New" panose="02070309020205020404" pitchFamily="49" charset="0"/>
-                <a:cs typeface="Courier New" panose="02070309020205020404" pitchFamily="49" charset="0"/>
-              </a:rPr>
-              <a:t>log4j</a:t>
+          <a:bodyPr>
+            <a:normAutofit/>
+          </a:bodyPr>
+          <a:lstStyle/>
+          <a:p>
+            <a:r>
+              <a:rPr lang="de-DE" dirty="0"/>
+              <a:t>Typische Eigenschaften (2)</a:t>
             </a:r>
           </a:p>
           <a:p>
             <a:pPr lvl="1"/>
             <a:r>
               <a:rPr lang="de-DE" dirty="0"/>
-              <a:t>Ausgaben sollten in produktivem Code nie mit </a:t>
-            </a:r>
-            <a:r>
-              <a:rPr lang="de-DE" dirty="0" err="1">
-                <a:latin typeface="Courier New" panose="02070309020205020404" pitchFamily="49" charset="0"/>
-                <a:cs typeface="Courier New" panose="02070309020205020404" pitchFamily="49" charset="0"/>
-              </a:rPr>
-              <a:t>System.out.print</a:t>
-            </a:r>
-            <a:r>
-              <a:rPr lang="de-DE" dirty="0" err="1"/>
-              <a:t>ln</a:t>
-            </a:r>
-            <a:r>
-              <a:rPr lang="de-DE" dirty="0"/>
-              <a:t> erfolgen</a:t>
+              <a:t>Transaktionale Sicherheit</a:t>
+            </a:r>
+          </a:p>
+          <a:p>
+            <a:pPr lvl="2"/>
+            <a:r>
+              <a:rPr lang="de-DE" dirty="0"/>
+              <a:t>Geschäftsvorfall: ganz oder gar nicht</a:t>
             </a:r>
           </a:p>
           <a:p>
             <a:pPr lvl="1"/>
             <a:r>
               <a:rPr lang="de-DE" dirty="0"/>
-              <a:t>Konzepte von </a:t>
-            </a:r>
-            <a:r>
-              <a:rPr lang="de-DE" dirty="0">
-                <a:latin typeface="Courier New" panose="02070309020205020404" pitchFamily="49" charset="0"/>
-                <a:cs typeface="Courier New" panose="02070309020205020404" pitchFamily="49" charset="0"/>
-              </a:rPr>
-              <a:t>log4j</a:t>
-            </a:r>
-            <a:r>
-              <a:rPr lang="de-DE" dirty="0"/>
-              <a:t>:</a:t>
-            </a:r>
-          </a:p>
-          <a:p>
-            <a:pPr lvl="2"/>
-            <a:r>
-              <a:rPr lang="de-DE" dirty="0"/>
-              <a:t>Logger</a:t>
-            </a:r>
-          </a:p>
-          <a:p>
-            <a:pPr lvl="2"/>
-            <a:r>
-              <a:rPr lang="de-DE" dirty="0" err="1"/>
-              <a:t>Appender</a:t>
-            </a:r>
-            <a:endParaRPr lang="de-DE" dirty="0"/>
-          </a:p>
-          <a:p>
-            <a:pPr lvl="2"/>
-            <a:r>
-              <a:rPr lang="de-DE" dirty="0" err="1"/>
-              <a:t>Loglevel</a:t>
-            </a:r>
-            <a:endParaRPr lang="de-DE" dirty="0"/>
+              <a:t>Hohe Sicherheitsanforderungen</a:t>
+            </a:r>
+          </a:p>
+          <a:p>
+            <a:pPr lvl="2"/>
+            <a:r>
+              <a:rPr lang="de-DE" dirty="0"/>
+              <a:t>Schutz vor fremdem Zugriff (lesend/schreibend)</a:t>
+            </a:r>
+          </a:p>
+          <a:p>
+            <a:pPr lvl="2"/>
+            <a:r>
+              <a:rPr lang="de-DE" dirty="0"/>
+              <a:t>Schutz vor Datenverlust</a:t>
+            </a:r>
+          </a:p>
+          <a:p>
+            <a:pPr lvl="1"/>
+            <a:r>
+              <a:rPr lang="de-DE" dirty="0"/>
+              <a:t>Lange Lebensdauer</a:t>
+            </a:r>
+          </a:p>
+          <a:p>
+            <a:pPr lvl="2"/>
+            <a:r>
+              <a:rPr lang="de-DE" dirty="0"/>
+              <a:t>Erfolgreiche Systeme leben Jahrzehnte!</a:t>
+            </a:r>
+          </a:p>
+          <a:p>
+            <a:pPr lvl="1"/>
+            <a:r>
+              <a:rPr lang="de-DE" dirty="0"/>
+              <a:t>Anpassbarkeit</a:t>
+            </a:r>
+          </a:p>
+          <a:p>
+            <a:pPr lvl="2"/>
+            <a:r>
+              <a:rPr lang="de-DE" dirty="0"/>
+              <a:t>Neue Produkte / Prozesse</a:t>
+            </a:r>
+          </a:p>
+          <a:p>
+            <a:pPr lvl="2"/>
+            <a:r>
+              <a:rPr lang="de-DE" dirty="0"/>
+              <a:t>Gesetzesänderungen</a:t>
+            </a:r>
           </a:p>
           <a:p>
             <a:pPr lvl="2"/>
@@ -4528,7 +5314,7 @@
     </p:spTree>
     <p:extLst>
       <p:ext uri="{BB962C8B-B14F-4D97-AF65-F5344CB8AC3E}">
-        <p14:creationId xmlns:p14="http://schemas.microsoft.com/office/powerpoint/2010/main" val="2210820269"/>
+        <p14:creationId xmlns:p14="http://schemas.microsoft.com/office/powerpoint/2010/main" val="318696221"/>
       </p:ext>
     </p:extLst>
   </p:cSld>
@@ -4577,12 +5363,8 @@
           <a:lstStyle/>
           <a:p>
             <a:r>
-              <a:rPr lang="de-DE" dirty="0" err="1"/>
-              <a:t>Step</a:t>
-            </a:r>
-            <a:r>
-              <a:rPr lang="de-DE" dirty="0"/>
-              <a:t> 40</a:t>
+              <a:rPr lang="de-DE" dirty="0"/>
+              <a:t>Welt der Unternehmensanwendungen</a:t>
             </a:r>
           </a:p>
         </p:txBody>
@@ -4605,39 +5387,59 @@
         </p:nvSpPr>
         <p:spPr/>
         <p:txBody>
-          <a:bodyPr/>
-          <a:lstStyle/>
-          <a:p>
-            <a:r>
-              <a:rPr lang="de-DE" dirty="0"/>
-              <a:t>Thema: Strukturierung des Projekts in </a:t>
-            </a:r>
-            <a:r>
-              <a:rPr lang="de-DE" dirty="0" err="1"/>
-              <a:t>Maven</a:t>
-            </a:r>
-            <a:r>
-              <a:rPr lang="de-DE" dirty="0"/>
-              <a:t>-Module</a:t>
-            </a:r>
-            <a:endParaRPr lang="de-DE" dirty="0">
-              <a:latin typeface="Courier New" panose="02070309020205020404" pitchFamily="49" charset="0"/>
-              <a:cs typeface="Courier New" panose="02070309020205020404" pitchFamily="49" charset="0"/>
-            </a:endParaRPr>
+          <a:bodyPr>
+            <a:normAutofit/>
+          </a:bodyPr>
+          <a:lstStyle/>
+          <a:p>
+            <a:r>
+              <a:rPr lang="de-DE" dirty="0"/>
+              <a:t>Wie setzt man solche Systeme um?</a:t>
+            </a:r>
           </a:p>
           <a:p>
             <a:pPr lvl="1"/>
             <a:r>
               <a:rPr lang="de-DE" dirty="0"/>
-              <a:t>Aufteilung der Definition in Parent und Module</a:t>
-            </a:r>
+              <a:t>Alt: Mach es groß!</a:t>
+            </a:r>
+          </a:p>
+          <a:p>
+            <a:pPr lvl="2"/>
+            <a:r>
+              <a:rPr lang="de-DE" dirty="0"/>
+              <a:t>Große Programme (Monolithen)</a:t>
+            </a:r>
+          </a:p>
+          <a:p>
+            <a:pPr lvl="2"/>
+            <a:r>
+              <a:rPr lang="de-DE" dirty="0"/>
+              <a:t>Große Rechner (Mainframe)</a:t>
+            </a:r>
+          </a:p>
+          <a:p>
+            <a:pPr lvl="2"/>
+            <a:endParaRPr lang="de-DE" dirty="0"/>
           </a:p>
           <a:p>
             <a:pPr lvl="1"/>
             <a:r>
               <a:rPr lang="de-DE" dirty="0"/>
-              <a:t>Verwaltung der Abhängigkeiten in den Modul-POMs</a:t>
-            </a:r>
+              <a:t>Neu: Teile und herrsche!</a:t>
+            </a:r>
+          </a:p>
+          <a:p>
+            <a:pPr lvl="2"/>
+            <a:r>
+              <a:rPr lang="de-DE" dirty="0"/>
+              <a:t>Z. B. </a:t>
+            </a:r>
+            <a:r>
+              <a:rPr lang="de-DE"/>
+              <a:t>Microservices</a:t>
+            </a:r>
+            <a:endParaRPr lang="de-DE" dirty="0"/>
           </a:p>
           <a:p>
             <a:pPr lvl="2"/>
@@ -4648,7 +5450,7 @@
     </p:spTree>
     <p:extLst>
       <p:ext uri="{BB962C8B-B14F-4D97-AF65-F5344CB8AC3E}">
-        <p14:creationId xmlns:p14="http://schemas.microsoft.com/office/powerpoint/2010/main" val="3784840466"/>
+        <p14:creationId xmlns:p14="http://schemas.microsoft.com/office/powerpoint/2010/main" val="2560223756"/>
       </p:ext>
     </p:extLst>
   </p:cSld>
@@ -4702,7 +5504,7 @@
             </a:r>
             <a:r>
               <a:rPr lang="de-DE" dirty="0"/>
-              <a:t> 50</a:t>
+              <a:t> 10</a:t>
             </a:r>
           </a:p>
         </p:txBody>
@@ -4730,90 +5532,67 @@
           <a:p>
             <a:r>
               <a:rPr lang="de-DE" dirty="0"/>
-              <a:t>Thema: Unit-Tests</a:t>
-            </a:r>
-            <a:endParaRPr lang="de-DE" dirty="0">
-              <a:latin typeface="Courier New" panose="02070309020205020404" pitchFamily="49" charset="0"/>
-              <a:cs typeface="Courier New" panose="02070309020205020404" pitchFamily="49" charset="0"/>
-            </a:endParaRPr>
+              <a:t>Thema: Java</a:t>
+            </a:r>
           </a:p>
           <a:p>
             <a:pPr lvl="1"/>
             <a:r>
               <a:rPr lang="de-DE" dirty="0"/>
-              <a:t>Framework für Unit-Tests: </a:t>
-            </a:r>
-            <a:r>
-              <a:rPr lang="de-DE" dirty="0" err="1"/>
-              <a:t>Junit</a:t>
-            </a:r>
+              <a:t>Objektorientierte Programmiersprache</a:t>
+            </a:r>
+          </a:p>
+          <a:p>
+            <a:pPr lvl="1"/>
+            <a:r>
+              <a:rPr lang="de-DE" dirty="0"/>
+              <a:t>Erscheinungsjahr 1996</a:t>
+            </a:r>
+          </a:p>
+          <a:p>
+            <a:pPr lvl="1"/>
+            <a:r>
+              <a:rPr lang="de-DE" dirty="0"/>
+              <a:t>Angelehnt an C++</a:t>
+            </a:r>
+          </a:p>
+          <a:p>
+            <a:pPr lvl="1"/>
             <a:endParaRPr lang="de-DE" dirty="0"/>
           </a:p>
           <a:p>
-            <a:pPr lvl="2"/>
-            <a:r>
-              <a:rPr lang="de-DE" dirty="0"/>
-              <a:t>Definition und Strukturierung von Tests</a:t>
-            </a:r>
-          </a:p>
-          <a:p>
-            <a:pPr lvl="2"/>
-            <a:r>
-              <a:rPr lang="de-DE" dirty="0"/>
-              <a:t>Ausführung der Tests</a:t>
-            </a:r>
-          </a:p>
-          <a:p>
-            <a:pPr lvl="2"/>
-            <a:r>
-              <a:rPr lang="de-DE" dirty="0"/>
-              <a:t>Darstellung der Ergebnisse</a:t>
+            <a:r>
+              <a:rPr lang="de-DE" dirty="0"/>
+              <a:t>Inzwischen: eine der am weitesten verbreiteten Programmiersprachen</a:t>
+            </a:r>
+            <a:br>
+              <a:rPr lang="de-DE" dirty="0"/>
+            </a:br>
+            <a:r>
+              <a:rPr lang="de-DE" dirty="0"/>
+              <a:t>(zumindest für Unternehmensanwendungen)</a:t>
             </a:r>
           </a:p>
           <a:p>
             <a:pPr lvl="1"/>
             <a:r>
               <a:rPr lang="de-DE" dirty="0"/>
-              <a:t>Bibliothek für </a:t>
-            </a:r>
-            <a:r>
-              <a:rPr lang="de-DE" dirty="0" err="1"/>
-              <a:t>Assertions</a:t>
-            </a:r>
-            <a:r>
-              <a:rPr lang="de-DE" dirty="0"/>
-              <a:t>: </a:t>
-            </a:r>
-            <a:r>
-              <a:rPr lang="de-DE" dirty="0" err="1"/>
-              <a:t>AssertJ</a:t>
-            </a:r>
-            <a:endParaRPr lang="de-DE" dirty="0"/>
-          </a:p>
-          <a:p>
-            <a:pPr lvl="2"/>
-            <a:r>
-              <a:rPr lang="de-DE" dirty="0"/>
-              <a:t>Formulierung von Test-erwartungen</a:t>
-            </a:r>
-          </a:p>
-          <a:p>
-            <a:pPr lvl="2"/>
-            <a:r>
-              <a:rPr lang="de-DE" dirty="0"/>
-              <a:t>Beispiel für interne DSL</a:t>
-            </a:r>
-          </a:p>
-          <a:p>
-            <a:pPr lvl="2"/>
-            <a:endParaRPr lang="de-DE" dirty="0"/>
+              <a:t>Plattformunabhängigkeit</a:t>
+            </a:r>
+          </a:p>
+          <a:p>
+            <a:pPr lvl="1"/>
+            <a:r>
+              <a:rPr lang="de-DE" dirty="0"/>
+              <a:t>Große Zahl an Bibliotheken</a:t>
+            </a:r>
           </a:p>
         </p:txBody>
       </p:sp>
     </p:spTree>
     <p:extLst>
       <p:ext uri="{BB962C8B-B14F-4D97-AF65-F5344CB8AC3E}">
-        <p14:creationId xmlns:p14="http://schemas.microsoft.com/office/powerpoint/2010/main" val="852841484"/>
+        <p14:creationId xmlns:p14="http://schemas.microsoft.com/office/powerpoint/2010/main" val="1585598179"/>
       </p:ext>
     </p:extLst>
   </p:cSld>
@@ -4867,7 +5646,7 @@
             </a:r>
             <a:r>
               <a:rPr lang="de-DE" dirty="0"/>
-              <a:t> 60</a:t>
+              <a:t> 10</a:t>
             </a:r>
           </a:p>
         </p:txBody>
@@ -4895,117 +5674,157 @@
           <a:p>
             <a:r>
               <a:rPr lang="de-DE" dirty="0"/>
-              <a:t>Thema: Implementierung eines REST-Endpunktes mit Spring Boot</a:t>
+              <a:t>Thema: Java</a:t>
             </a:r>
           </a:p>
           <a:p>
             <a:pPr lvl="1"/>
             <a:r>
-              <a:rPr lang="de-DE" dirty="0">
+              <a:rPr lang="de-DE" dirty="0"/>
+              <a:t>Compiler: </a:t>
+            </a:r>
+            <a:r>
+              <a:rPr lang="de-DE" dirty="0" err="1">
+                <a:latin typeface="Courier New" panose="02070309020205020404" pitchFamily="49" charset="0"/>
                 <a:cs typeface="Courier New" panose="02070309020205020404" pitchFamily="49" charset="0"/>
               </a:rPr>
-              <a:t>Spring</a:t>
-            </a:r>
-          </a:p>
-          <a:p>
-            <a:pPr lvl="2"/>
+              <a:t>javac</a:t>
+            </a:r>
             <a:r>
               <a:rPr lang="de-DE" dirty="0">
-                <a:cs typeface="Courier New" panose="02070309020205020404" pitchFamily="49" charset="0"/>
-              </a:rPr>
-              <a:t>Java-Framework zur Implementierung von Enterprise </a:t>
-            </a:r>
-            <a:r>
-              <a:rPr lang="de-DE" dirty="0" err="1">
-                <a:cs typeface="Courier New" panose="02070309020205020404" pitchFamily="49" charset="0"/>
-              </a:rPr>
-              <a:t>Applications</a:t>
-            </a:r>
-            <a:endParaRPr lang="de-DE" dirty="0">
-              <a:cs typeface="Courier New" panose="02070309020205020404" pitchFamily="49" charset="0"/>
-            </a:endParaRPr>
-          </a:p>
-          <a:p>
-            <a:pPr lvl="2"/>
-            <a:r>
-              <a:rPr lang="de-DE" dirty="0">
-                <a:cs typeface="Courier New" panose="02070309020205020404" pitchFamily="49" charset="0"/>
-              </a:rPr>
-              <a:t>Kern: Framework für </a:t>
-            </a:r>
-            <a:r>
-              <a:rPr lang="de-DE" dirty="0" err="1">
-                <a:cs typeface="Courier New" panose="02070309020205020404" pitchFamily="49" charset="0"/>
-              </a:rPr>
-              <a:t>Dependency</a:t>
-            </a:r>
-            <a:r>
-              <a:rPr lang="de-DE" dirty="0">
+                <a:latin typeface="Courier New" panose="02070309020205020404" pitchFamily="49" charset="0"/>
                 <a:cs typeface="Courier New" panose="02070309020205020404" pitchFamily="49" charset="0"/>
               </a:rPr>
               <a:t> </a:t>
             </a:r>
             <a:r>
               <a:rPr lang="de-DE" dirty="0" err="1">
+                <a:latin typeface="Courier New" panose="02070309020205020404" pitchFamily="49" charset="0"/>
                 <a:cs typeface="Courier New" panose="02070309020205020404" pitchFamily="49" charset="0"/>
               </a:rPr>
-              <a:t>Injection</a:t>
+              <a:t>HelloWorld.java</a:t>
             </a:r>
             <a:endParaRPr lang="de-DE" dirty="0">
+              <a:latin typeface="Courier New" panose="02070309020205020404" pitchFamily="49" charset="0"/>
               <a:cs typeface="Courier New" panose="02070309020205020404" pitchFamily="49" charset="0"/>
             </a:endParaRPr>
           </a:p>
           <a:p>
             <a:pPr lvl="2"/>
             <a:r>
+              <a:rPr lang="de-DE" dirty="0"/>
+              <a:t>Übersetzt Quelltext </a:t>
+            </a:r>
+            <a:r>
               <a:rPr lang="de-DE" dirty="0">
+                <a:latin typeface="Courier New" panose="02070309020205020404" pitchFamily="49" charset="0"/>
                 <a:cs typeface="Courier New" panose="02070309020205020404" pitchFamily="49" charset="0"/>
               </a:rPr>
-              <a:t>Sehr umfangreich</a:t>
-            </a:r>
-          </a:p>
-          <a:p>
-            <a:pPr lvl="1"/>
-            <a:r>
-              <a:rPr lang="de-DE" dirty="0">
+              <a:t>(*.</a:t>
+            </a:r>
+            <a:r>
+              <a:rPr lang="de-DE" dirty="0" err="1">
+                <a:latin typeface="Courier New" panose="02070309020205020404" pitchFamily="49" charset="0"/>
                 <a:cs typeface="Courier New" panose="02070309020205020404" pitchFamily="49" charset="0"/>
               </a:rPr>
-              <a:t>Spring Boot</a:t>
-            </a:r>
-          </a:p>
-          <a:p>
-            <a:pPr lvl="2"/>
+              <a:t>java</a:t>
+            </a:r>
+            <a:r>
+              <a:rPr lang="de-DE" dirty="0"/>
+              <a:t>) in Java-Bytecode </a:t>
+            </a:r>
             <a:r>
               <a:rPr lang="de-DE" dirty="0">
+                <a:latin typeface="Courier New" panose="02070309020205020404" pitchFamily="49" charset="0"/>
                 <a:cs typeface="Courier New" panose="02070309020205020404" pitchFamily="49" charset="0"/>
               </a:rPr>
-              <a:t>Vereinfachte Konfiguration von Spring-Anwendungen (vordefinierte Starter)</a:t>
-            </a:r>
-          </a:p>
-          <a:p>
-            <a:pPr lvl="2"/>
-            <a:r>
-              <a:rPr lang="de-DE" dirty="0">
+              <a:t>(*.</a:t>
+            </a:r>
+            <a:r>
+              <a:rPr lang="de-DE" dirty="0" err="1">
+                <a:latin typeface="Courier New" panose="02070309020205020404" pitchFamily="49" charset="0"/>
                 <a:cs typeface="Courier New" panose="02070309020205020404" pitchFamily="49" charset="0"/>
               </a:rPr>
-              <a:t>Sehr beliebt zur Implementierung von </a:t>
+              <a:t>class</a:t>
+            </a:r>
+            <a:r>
+              <a:rPr lang="de-DE" dirty="0"/>
+              <a:t>)</a:t>
+            </a:r>
+          </a:p>
+          <a:p>
+            <a:pPr lvl="1"/>
+            <a:r>
+              <a:rPr lang="de-DE" dirty="0"/>
+              <a:t>Ausführung: </a:t>
             </a:r>
             <a:r>
               <a:rPr lang="de-DE" dirty="0" err="1">
+                <a:latin typeface="Courier New" panose="02070309020205020404" pitchFamily="49" charset="0"/>
                 <a:cs typeface="Courier New" panose="02070309020205020404" pitchFamily="49" charset="0"/>
               </a:rPr>
-              <a:t>Microservices</a:t>
+              <a:t>java</a:t>
+            </a:r>
+            <a:r>
+              <a:rPr lang="de-DE" dirty="0">
+                <a:latin typeface="Courier New" panose="02070309020205020404" pitchFamily="49" charset="0"/>
+                <a:cs typeface="Courier New" panose="02070309020205020404" pitchFamily="49" charset="0"/>
+              </a:rPr>
+              <a:t> </a:t>
+            </a:r>
+            <a:r>
+              <a:rPr lang="de-DE" dirty="0" err="1">
+                <a:latin typeface="Courier New" panose="02070309020205020404" pitchFamily="49" charset="0"/>
+                <a:cs typeface="Courier New" panose="02070309020205020404" pitchFamily="49" charset="0"/>
+              </a:rPr>
+              <a:t>HelloWorld</a:t>
             </a:r>
             <a:endParaRPr lang="de-DE" dirty="0">
+              <a:latin typeface="Courier New" panose="02070309020205020404" pitchFamily="49" charset="0"/>
               <a:cs typeface="Courier New" panose="02070309020205020404" pitchFamily="49" charset="0"/>
             </a:endParaRPr>
+          </a:p>
+          <a:p>
+            <a:pPr lvl="2"/>
+            <a:r>
+              <a:rPr lang="de-DE" dirty="0"/>
+              <a:t>Führt Java-Bytecode aus</a:t>
+            </a:r>
+          </a:p>
+          <a:p>
+            <a:pPr lvl="2"/>
+            <a:r>
+              <a:rPr lang="de-DE" dirty="0"/>
+              <a:t>Laufzeitumgebung:</a:t>
+            </a:r>
+          </a:p>
+          <a:p>
+            <a:pPr lvl="3"/>
+            <a:r>
+              <a:rPr lang="de-DE" dirty="0"/>
+              <a:t>Interpreter</a:t>
+            </a:r>
+          </a:p>
+          <a:p>
+            <a:pPr lvl="3"/>
+            <a:r>
+              <a:rPr lang="de-DE" dirty="0"/>
+              <a:t>JIT-Compiler</a:t>
+            </a:r>
+          </a:p>
+          <a:p>
+            <a:pPr lvl="3"/>
+            <a:r>
+              <a:rPr lang="de-DE" dirty="0"/>
+              <a:t>Standard-Bibliotheken</a:t>
+            </a:r>
           </a:p>
         </p:txBody>
       </p:sp>
     </p:spTree>
     <p:extLst>
       <p:ext uri="{BB962C8B-B14F-4D97-AF65-F5344CB8AC3E}">
-        <p14:creationId xmlns:p14="http://schemas.microsoft.com/office/powerpoint/2010/main" val="1717894978"/>
+        <p14:creationId xmlns:p14="http://schemas.microsoft.com/office/powerpoint/2010/main" val="2323058940"/>
       </p:ext>
     </p:extLst>
   </p:cSld>
@@ -5059,7 +5878,7 @@
             </a:r>
             <a:r>
               <a:rPr lang="de-DE" dirty="0"/>
-              <a:t> 70</a:t>
+              <a:t> 15</a:t>
             </a:r>
           </a:p>
         </p:txBody>
@@ -5091,19 +5910,167 @@
             </a:r>
             <a:r>
               <a:rPr lang="de-DE" dirty="0" err="1"/>
-              <a:t>Dependency</a:t>
-            </a:r>
-            <a:r>
-              <a:rPr lang="de-DE" dirty="0"/>
+              <a:t>Build</a:t>
+            </a:r>
+            <a:r>
+              <a:rPr lang="de-DE" dirty="0"/>
+              <a:t>-Management mit </a:t>
+            </a:r>
+            <a:r>
+              <a:rPr lang="de-DE" dirty="0" err="1"/>
+              <a:t>Maven</a:t>
+            </a:r>
+            <a:endParaRPr lang="de-DE" dirty="0"/>
+          </a:p>
+          <a:p>
+            <a:pPr lvl="1"/>
+            <a:r>
+              <a:rPr lang="de-DE" dirty="0"/>
+              <a:t>„</a:t>
+            </a:r>
+            <a:r>
+              <a:rPr lang="de-DE" dirty="0" err="1"/>
+              <a:t>Maven</a:t>
+            </a:r>
+            <a:r>
+              <a:rPr lang="de-DE" dirty="0"/>
+              <a:t> ist ein auf Java basierendes </a:t>
+            </a:r>
+            <a:r>
+              <a:rPr lang="de-DE" dirty="0" err="1"/>
+              <a:t>Build</a:t>
+            </a:r>
+            <a:r>
+              <a:rPr lang="de-DE" dirty="0"/>
+              <a:t>-Management-Tool der Apache Software </a:t>
+            </a:r>
+            <a:r>
+              <a:rPr lang="de-DE" dirty="0" err="1"/>
+              <a:t>Foundation</a:t>
+            </a:r>
+            <a:r>
+              <a:rPr lang="de-DE" dirty="0"/>
+              <a:t>“ (Wikipedia)</a:t>
+            </a:r>
+          </a:p>
+          <a:p>
+            <a:pPr lvl="2"/>
+            <a:r>
+              <a:rPr lang="de-DE" dirty="0"/>
+              <a:t>Gibt Standard-Verzeichnisstruktur und Lebenszyklen (Standard-Ablauf) vor</a:t>
+            </a:r>
+          </a:p>
+          <a:p>
+            <a:pPr lvl="2"/>
+            <a:r>
+              <a:rPr lang="de-DE" dirty="0"/>
+              <a:t>Verwaltet Abhängigkeiten (innerhalb des Projekts und zu benutzten Bibliotheken)</a:t>
+            </a:r>
+          </a:p>
+          <a:p>
+            <a:pPr lvl="2"/>
+            <a:r>
+              <a:rPr lang="de-DE" dirty="0"/>
+              <a:t>Ist erweiterbar durch </a:t>
+            </a:r>
+            <a:r>
+              <a:rPr lang="de-DE" dirty="0" err="1"/>
+              <a:t>Plugins</a:t>
+            </a:r>
+            <a:endParaRPr lang="de-DE" dirty="0"/>
+          </a:p>
+          <a:p>
+            <a:pPr lvl="2"/>
+            <a:r>
+              <a:rPr lang="de-DE" dirty="0"/>
+              <a:t>Deklarative Definition des Projekts in </a:t>
+            </a:r>
+            <a:r>
+              <a:rPr lang="de-DE" dirty="0" err="1">
+                <a:latin typeface="Courier New" panose="02070309020205020404" pitchFamily="49" charset="0"/>
+                <a:cs typeface="Courier New" panose="02070309020205020404" pitchFamily="49" charset="0"/>
+              </a:rPr>
+              <a:t>pom.xml</a:t>
+            </a:r>
+            <a:r>
+              <a:rPr lang="de-DE" dirty="0">
+                <a:latin typeface="Courier New" panose="02070309020205020404" pitchFamily="49" charset="0"/>
+                <a:cs typeface="Courier New" panose="02070309020205020404" pitchFamily="49" charset="0"/>
+              </a:rPr>
               <a:t> </a:t>
             </a:r>
             <a:r>
+              <a:rPr lang="de-DE" dirty="0"/>
+              <a:t>(Project </a:t>
+            </a:r>
+            <a:r>
               <a:rPr lang="de-DE" dirty="0" err="1"/>
-              <a:t>Injection</a:t>
-            </a:r>
-            <a:r>
-              <a:rPr lang="de-DE" dirty="0"/>
-              <a:t> mit Spring</a:t>
+              <a:t>Object</a:t>
+            </a:r>
+            <a:r>
+              <a:rPr lang="de-DE" dirty="0"/>
+              <a:t> Model)</a:t>
+            </a:r>
+          </a:p>
+          <a:p>
+            <a:pPr lvl="1"/>
+            <a:r>
+              <a:rPr lang="de-DE" dirty="0"/>
+              <a:t>Kommando: </a:t>
+            </a:r>
+            <a:r>
+              <a:rPr lang="de-DE" dirty="0" err="1">
+                <a:latin typeface="Courier New" panose="02070309020205020404" pitchFamily="49" charset="0"/>
+                <a:cs typeface="Courier New" panose="02070309020205020404" pitchFamily="49" charset="0"/>
+              </a:rPr>
+              <a:t>mvn</a:t>
+            </a:r>
+            <a:r>
+              <a:rPr lang="de-DE" dirty="0">
+                <a:latin typeface="Courier New" panose="02070309020205020404" pitchFamily="49" charset="0"/>
+                <a:cs typeface="Courier New" panose="02070309020205020404" pitchFamily="49" charset="0"/>
+              </a:rPr>
+              <a:t> clean </a:t>
+            </a:r>
+            <a:r>
+              <a:rPr lang="de-DE" dirty="0" err="1">
+                <a:latin typeface="Courier New" panose="02070309020205020404" pitchFamily="49" charset="0"/>
+                <a:cs typeface="Courier New" panose="02070309020205020404" pitchFamily="49" charset="0"/>
+              </a:rPr>
+              <a:t>package</a:t>
+            </a:r>
+            <a:endParaRPr lang="de-DE" dirty="0">
+              <a:latin typeface="Courier New" panose="02070309020205020404" pitchFamily="49" charset="0"/>
+              <a:cs typeface="Courier New" panose="02070309020205020404" pitchFamily="49" charset="0"/>
+            </a:endParaRPr>
+          </a:p>
+          <a:p>
+            <a:pPr lvl="2"/>
+            <a:r>
+              <a:rPr lang="de-DE" dirty="0">
+                <a:latin typeface="Courier New" panose="02070309020205020404" pitchFamily="49" charset="0"/>
+                <a:cs typeface="Courier New" panose="02070309020205020404" pitchFamily="49" charset="0"/>
+              </a:rPr>
+              <a:t>clean</a:t>
+            </a:r>
+            <a:r>
+              <a:rPr lang="de-DE" dirty="0">
+                <a:cs typeface="Courier New" panose="02070309020205020404" pitchFamily="49" charset="0"/>
+              </a:rPr>
+              <a:t> und </a:t>
+            </a:r>
+            <a:r>
+              <a:rPr lang="de-DE" dirty="0" err="1">
+                <a:latin typeface="Courier New" panose="02070309020205020404" pitchFamily="49" charset="0"/>
+                <a:cs typeface="Courier New" panose="02070309020205020404" pitchFamily="49" charset="0"/>
+              </a:rPr>
+              <a:t>package</a:t>
+            </a:r>
+            <a:r>
+              <a:rPr lang="de-DE" dirty="0">
+                <a:cs typeface="Courier New" panose="02070309020205020404" pitchFamily="49" charset="0"/>
+              </a:rPr>
+              <a:t> sind Lebenszyklen</a:t>
             </a:r>
           </a:p>
         </p:txBody>
@@ -5111,7 +6078,7 @@
     </p:spTree>
     <p:extLst>
       <p:ext uri="{BB962C8B-B14F-4D97-AF65-F5344CB8AC3E}">
-        <p14:creationId xmlns:p14="http://schemas.microsoft.com/office/powerpoint/2010/main" val="2804024451"/>
+        <p14:creationId xmlns:p14="http://schemas.microsoft.com/office/powerpoint/2010/main" val="492142386"/>
       </p:ext>
     </p:extLst>
   </p:cSld>

--- a/Java-Starter.pptx
+++ b/Java-Starter.pptx
@@ -11,18 +11,26 @@
     <p:sldId id="271" r:id="rId5"/>
     <p:sldId id="272" r:id="rId6"/>
     <p:sldId id="273" r:id="rId7"/>
-    <p:sldId id="269" r:id="rId8"/>
-    <p:sldId id="268" r:id="rId9"/>
-    <p:sldId id="258" r:id="rId10"/>
-    <p:sldId id="259" r:id="rId11"/>
-    <p:sldId id="260" r:id="rId12"/>
-    <p:sldId id="261" r:id="rId13"/>
-    <p:sldId id="262" r:id="rId14"/>
-    <p:sldId id="263" r:id="rId15"/>
-    <p:sldId id="264" r:id="rId16"/>
-    <p:sldId id="265" r:id="rId17"/>
-    <p:sldId id="266" r:id="rId18"/>
-    <p:sldId id="267" r:id="rId19"/>
+    <p:sldId id="274" r:id="rId8"/>
+    <p:sldId id="275" r:id="rId9"/>
+    <p:sldId id="276" r:id="rId10"/>
+    <p:sldId id="277" r:id="rId11"/>
+    <p:sldId id="269" r:id="rId12"/>
+    <p:sldId id="268" r:id="rId13"/>
+    <p:sldId id="281" r:id="rId14"/>
+    <p:sldId id="283" r:id="rId15"/>
+    <p:sldId id="284" r:id="rId16"/>
+    <p:sldId id="282" r:id="rId17"/>
+    <p:sldId id="259" r:id="rId18"/>
+    <p:sldId id="279" r:id="rId19"/>
+    <p:sldId id="286" r:id="rId20"/>
+    <p:sldId id="261" r:id="rId21"/>
+    <p:sldId id="262" r:id="rId22"/>
+    <p:sldId id="263" r:id="rId23"/>
+    <p:sldId id="264" r:id="rId24"/>
+    <p:sldId id="265" r:id="rId25"/>
+    <p:sldId id="266" r:id="rId26"/>
+    <p:sldId id="267" r:id="rId27"/>
   </p:sldIdLst>
   <p:sldSz cx="12192000" cy="6858000"/>
   <p:notesSz cx="6858000" cy="9144000"/>
@@ -276,7 +284,7 @@
           <a:p>
             <a:fld id="{D504FEAC-1E62-0E47-82AE-5BB4BD139FFA}" type="datetimeFigureOut">
               <a:rPr lang="de-DE" smtClean="0"/>
-              <a:t>21.03.22</a:t>
+              <a:t>27.03.22</a:t>
             </a:fld>
             <a:endParaRPr lang="de-DE"/>
           </a:p>
@@ -474,7 +482,7 @@
           <a:p>
             <a:fld id="{D504FEAC-1E62-0E47-82AE-5BB4BD139FFA}" type="datetimeFigureOut">
               <a:rPr lang="de-DE" smtClean="0"/>
-              <a:t>21.03.22</a:t>
+              <a:t>27.03.22</a:t>
             </a:fld>
             <a:endParaRPr lang="de-DE"/>
           </a:p>
@@ -682,7 +690,7 @@
           <a:p>
             <a:fld id="{D504FEAC-1E62-0E47-82AE-5BB4BD139FFA}" type="datetimeFigureOut">
               <a:rPr lang="de-DE" smtClean="0"/>
-              <a:t>21.03.22</a:t>
+              <a:t>27.03.22</a:t>
             </a:fld>
             <a:endParaRPr lang="de-DE"/>
           </a:p>
@@ -880,7 +888,7 @@
           <a:p>
             <a:fld id="{D504FEAC-1E62-0E47-82AE-5BB4BD139FFA}" type="datetimeFigureOut">
               <a:rPr lang="de-DE" smtClean="0"/>
-              <a:t>21.03.22</a:t>
+              <a:t>27.03.22</a:t>
             </a:fld>
             <a:endParaRPr lang="de-DE"/>
           </a:p>
@@ -1155,7 +1163,7 @@
           <a:p>
             <a:fld id="{D504FEAC-1E62-0E47-82AE-5BB4BD139FFA}" type="datetimeFigureOut">
               <a:rPr lang="de-DE" smtClean="0"/>
-              <a:t>21.03.22</a:t>
+              <a:t>27.03.22</a:t>
             </a:fld>
             <a:endParaRPr lang="de-DE"/>
           </a:p>
@@ -1420,7 +1428,7 @@
           <a:p>
             <a:fld id="{D504FEAC-1E62-0E47-82AE-5BB4BD139FFA}" type="datetimeFigureOut">
               <a:rPr lang="de-DE" smtClean="0"/>
-              <a:t>21.03.22</a:t>
+              <a:t>27.03.22</a:t>
             </a:fld>
             <a:endParaRPr lang="de-DE"/>
           </a:p>
@@ -1832,7 +1840,7 @@
           <a:p>
             <a:fld id="{D504FEAC-1E62-0E47-82AE-5BB4BD139FFA}" type="datetimeFigureOut">
               <a:rPr lang="de-DE" smtClean="0"/>
-              <a:t>21.03.22</a:t>
+              <a:t>27.03.22</a:t>
             </a:fld>
             <a:endParaRPr lang="de-DE"/>
           </a:p>
@@ -1973,7 +1981,7 @@
           <a:p>
             <a:fld id="{D504FEAC-1E62-0E47-82AE-5BB4BD139FFA}" type="datetimeFigureOut">
               <a:rPr lang="de-DE" smtClean="0"/>
-              <a:t>21.03.22</a:t>
+              <a:t>27.03.22</a:t>
             </a:fld>
             <a:endParaRPr lang="de-DE"/>
           </a:p>
@@ -2086,7 +2094,7 @@
           <a:p>
             <a:fld id="{D504FEAC-1E62-0E47-82AE-5BB4BD139FFA}" type="datetimeFigureOut">
               <a:rPr lang="de-DE" smtClean="0"/>
-              <a:t>21.03.22</a:t>
+              <a:t>27.03.22</a:t>
             </a:fld>
             <a:endParaRPr lang="de-DE"/>
           </a:p>
@@ -2397,7 +2405,7 @@
           <a:p>
             <a:fld id="{D504FEAC-1E62-0E47-82AE-5BB4BD139FFA}" type="datetimeFigureOut">
               <a:rPr lang="de-DE" smtClean="0"/>
-              <a:t>21.03.22</a:t>
+              <a:t>27.03.22</a:t>
             </a:fld>
             <a:endParaRPr lang="de-DE"/>
           </a:p>
@@ -2685,7 +2693,7 @@
           <a:p>
             <a:fld id="{D504FEAC-1E62-0E47-82AE-5BB4BD139FFA}" type="datetimeFigureOut">
               <a:rPr lang="de-DE" smtClean="0"/>
-              <a:t>21.03.22</a:t>
+              <a:t>27.03.22</a:t>
             </a:fld>
             <a:endParaRPr lang="de-DE"/>
           </a:p>
@@ -2926,7 +2934,7 @@
           <a:p>
             <a:fld id="{D504FEAC-1E62-0E47-82AE-5BB4BD139FFA}" type="datetimeFigureOut">
               <a:rPr lang="de-DE" smtClean="0"/>
-              <a:t>21.03.22</a:t>
+              <a:t>27.03.22</a:t>
             </a:fld>
             <a:endParaRPr lang="de-DE"/>
           </a:p>
@@ -3462,12 +3470,9 @@
           <a:p>
             <a:r>
               <a:rPr lang="de-DE" dirty="0" err="1"/>
-              <a:t>Step</a:t>
-            </a:r>
-            <a:r>
-              <a:rPr lang="de-DE" dirty="0"/>
-              <a:t> 20</a:t>
-            </a:r>
+              <a:t>Microservices</a:t>
+            </a:r>
+            <a:endParaRPr lang="de-DE" dirty="0"/>
           </a:p>
         </p:txBody>
       </p:sp>
@@ -3489,108 +3494,59 @@
         </p:nvSpPr>
         <p:spPr/>
         <p:txBody>
-          <a:bodyPr/>
-          <a:lstStyle/>
-          <a:p>
-            <a:r>
-              <a:rPr lang="de-DE" dirty="0"/>
-              <a:t>Thema: Nutzung eines </a:t>
-            </a:r>
-            <a:r>
-              <a:rPr lang="de-DE" dirty="0" err="1"/>
-              <a:t>Maven-Plugins</a:t>
-            </a:r>
+          <a:bodyPr>
+            <a:normAutofit/>
+          </a:bodyPr>
+          <a:lstStyle/>
+          <a:p>
+            <a:r>
+              <a:rPr lang="de-DE" dirty="0"/>
+              <a:t>Praxis-Beispiel</a:t>
+            </a:r>
+          </a:p>
+          <a:p>
             <a:endParaRPr lang="de-DE" dirty="0"/>
           </a:p>
           <a:p>
             <a:pPr lvl="1"/>
             <a:r>
               <a:rPr lang="de-DE" dirty="0"/>
-              <a:t>Das </a:t>
-            </a:r>
-            <a:r>
-              <a:rPr lang="de-DE" dirty="0" err="1">
-                <a:latin typeface="Courier New" panose="02070309020205020404" pitchFamily="49" charset="0"/>
-                <a:cs typeface="Courier New" panose="02070309020205020404" pitchFamily="49" charset="0"/>
-              </a:rPr>
-              <a:t>exec</a:t>
-            </a:r>
-            <a:r>
-              <a:rPr lang="de-DE" dirty="0" err="1"/>
-              <a:t>-Plugin</a:t>
-            </a:r>
-            <a:r>
-              <a:rPr lang="de-DE" dirty="0"/>
-              <a:t> ermöglicht es, Java-Programme aus </a:t>
-            </a:r>
-            <a:r>
-              <a:rPr lang="de-DE" dirty="0" err="1"/>
-              <a:t>Maven</a:t>
-            </a:r>
-            <a:r>
-              <a:rPr lang="de-DE" dirty="0"/>
-              <a:t> heraus auszuführen</a:t>
+              <a:t>Neue Vertriebsplattform der Deutschen Bahn</a:t>
             </a:r>
           </a:p>
           <a:p>
             <a:pPr lvl="1"/>
-            <a:r>
-              <a:rPr lang="de-DE" dirty="0"/>
-              <a:t>Kommando: </a:t>
-            </a:r>
-            <a:r>
-              <a:rPr lang="de-DE" dirty="0" err="1">
-                <a:latin typeface="Courier New" panose="02070309020205020404" pitchFamily="49" charset="0"/>
-                <a:cs typeface="Courier New" panose="02070309020205020404" pitchFamily="49" charset="0"/>
-              </a:rPr>
-              <a:t>mvn</a:t>
-            </a:r>
-            <a:r>
-              <a:rPr lang="de-DE" dirty="0">
-                <a:latin typeface="Courier New" panose="02070309020205020404" pitchFamily="49" charset="0"/>
-                <a:cs typeface="Courier New" panose="02070309020205020404" pitchFamily="49" charset="0"/>
-              </a:rPr>
-              <a:t> </a:t>
-            </a:r>
-            <a:r>
-              <a:rPr lang="de-DE" dirty="0" err="1">
-                <a:latin typeface="Courier New" panose="02070309020205020404" pitchFamily="49" charset="0"/>
-                <a:cs typeface="Courier New" panose="02070309020205020404" pitchFamily="49" charset="0"/>
-              </a:rPr>
-              <a:t>exec:java</a:t>
-            </a:r>
-            <a:endParaRPr lang="de-DE" dirty="0">
-              <a:latin typeface="Courier New" panose="02070309020205020404" pitchFamily="49" charset="0"/>
-              <a:cs typeface="Courier New" panose="02070309020205020404" pitchFamily="49" charset="0"/>
-            </a:endParaRPr>
-          </a:p>
-          <a:p>
-            <a:pPr lvl="2"/>
-            <a:r>
-              <a:rPr lang="de-DE" dirty="0" err="1">
-                <a:latin typeface="Courier New" panose="02070309020205020404" pitchFamily="49" charset="0"/>
-                <a:cs typeface="Courier New" panose="02070309020205020404" pitchFamily="49" charset="0"/>
-              </a:rPr>
-              <a:t>exec:java</a:t>
-            </a:r>
-            <a:r>
-              <a:rPr lang="de-DE" dirty="0">
-                <a:latin typeface="Courier New" panose="02070309020205020404" pitchFamily="49" charset="0"/>
-                <a:cs typeface="Courier New" panose="02070309020205020404" pitchFamily="49" charset="0"/>
-              </a:rPr>
-              <a:t> </a:t>
-            </a:r>
-            <a:r>
-              <a:rPr lang="de-DE" dirty="0"/>
-              <a:t>ist ein Goal</a:t>
-            </a:r>
+            <a:endParaRPr lang="de-DE" dirty="0"/>
+          </a:p>
+          <a:p>
+            <a:pPr lvl="1"/>
+            <a:r>
+              <a:rPr lang="de-DE" dirty="0"/>
+              <a:t>Ca. 300 Mitarbeiter</a:t>
+            </a:r>
+          </a:p>
+          <a:p>
+            <a:pPr lvl="1"/>
+            <a:endParaRPr lang="de-DE" dirty="0"/>
+          </a:p>
+          <a:p>
+            <a:pPr lvl="1"/>
+            <a:r>
+              <a:rPr lang="de-DE" dirty="0"/>
+              <a:t>&gt;100 </a:t>
+            </a:r>
+            <a:r>
+              <a:rPr lang="de-DE" dirty="0" err="1"/>
+              <a:t>Microservices</a:t>
+            </a:r>
+            <a:endParaRPr lang="de-DE" dirty="0"/>
           </a:p>
         </p:txBody>
       </p:sp>
     </p:spTree>
     <p:extLst>
       <p:ext uri="{BB962C8B-B14F-4D97-AF65-F5344CB8AC3E}">
-        <p14:creationId xmlns:p14="http://schemas.microsoft.com/office/powerpoint/2010/main" val="3687928113"/>
+        <p14:creationId xmlns:p14="http://schemas.microsoft.com/office/powerpoint/2010/main" val="1063079574"/>
       </p:ext>
     </p:extLst>
   </p:cSld>
@@ -3644,7 +3600,7 @@
             </a:r>
             <a:r>
               <a:rPr lang="de-DE" dirty="0"/>
-              <a:t> 30</a:t>
+              <a:t> 10</a:t>
             </a:r>
           </a:p>
         </p:txBody>
@@ -3672,93 +3628,67 @@
           <a:p>
             <a:r>
               <a:rPr lang="de-DE" dirty="0"/>
-              <a:t>Thema: </a:t>
-            </a:r>
-            <a:r>
-              <a:rPr lang="de-DE" dirty="0" err="1"/>
-              <a:t>Logging</a:t>
-            </a:r>
-            <a:r>
-              <a:rPr lang="de-DE" dirty="0"/>
-              <a:t> mit </a:t>
-            </a:r>
-            <a:r>
-              <a:rPr lang="de-DE" dirty="0">
-                <a:latin typeface="Courier New" panose="02070309020205020404" pitchFamily="49" charset="0"/>
-                <a:cs typeface="Courier New" panose="02070309020205020404" pitchFamily="49" charset="0"/>
-              </a:rPr>
-              <a:t>log4j</a:t>
+              <a:t>Thema: Java</a:t>
             </a:r>
           </a:p>
           <a:p>
             <a:pPr lvl="1"/>
             <a:r>
               <a:rPr lang="de-DE" dirty="0"/>
-              <a:t>Ausgaben sollten in produktivem Code nie mit </a:t>
-            </a:r>
-            <a:r>
-              <a:rPr lang="de-DE" dirty="0" err="1">
-                <a:latin typeface="Courier New" panose="02070309020205020404" pitchFamily="49" charset="0"/>
-                <a:cs typeface="Courier New" panose="02070309020205020404" pitchFamily="49" charset="0"/>
-              </a:rPr>
-              <a:t>System.out.println</a:t>
-            </a:r>
-            <a:r>
-              <a:rPr lang="de-DE" dirty="0"/>
-              <a:t> erfolgen</a:t>
+              <a:t>Objektorientierte Programmiersprache</a:t>
             </a:r>
           </a:p>
           <a:p>
             <a:pPr lvl="1"/>
             <a:r>
               <a:rPr lang="de-DE" dirty="0"/>
-              <a:t>Konzepte von </a:t>
-            </a:r>
-            <a:r>
-              <a:rPr lang="de-DE" dirty="0">
-                <a:latin typeface="Courier New" panose="02070309020205020404" pitchFamily="49" charset="0"/>
-                <a:cs typeface="Courier New" panose="02070309020205020404" pitchFamily="49" charset="0"/>
-              </a:rPr>
-              <a:t>log4j</a:t>
-            </a:r>
-            <a:r>
-              <a:rPr lang="de-DE" dirty="0"/>
-              <a:t>:</a:t>
-            </a:r>
-          </a:p>
-          <a:p>
-            <a:pPr lvl="2"/>
-            <a:r>
-              <a:rPr lang="de-DE" dirty="0"/>
-              <a:t>Logger</a:t>
-            </a:r>
-          </a:p>
-          <a:p>
-            <a:pPr lvl="2"/>
-            <a:r>
-              <a:rPr lang="de-DE" dirty="0" err="1"/>
-              <a:t>Appender</a:t>
-            </a:r>
+              <a:t>Erscheinungsjahr 1996</a:t>
+            </a:r>
+          </a:p>
+          <a:p>
+            <a:pPr lvl="1"/>
+            <a:r>
+              <a:rPr lang="de-DE" dirty="0"/>
+              <a:t>Angelehnt an C++</a:t>
+            </a:r>
+          </a:p>
+          <a:p>
+            <a:pPr lvl="1"/>
             <a:endParaRPr lang="de-DE" dirty="0"/>
           </a:p>
           <a:p>
-            <a:pPr lvl="2"/>
-            <a:r>
-              <a:rPr lang="de-DE" dirty="0" err="1"/>
-              <a:t>Loglevel</a:t>
-            </a:r>
-            <a:endParaRPr lang="de-DE" dirty="0"/>
-          </a:p>
-          <a:p>
-            <a:pPr lvl="2"/>
-            <a:endParaRPr lang="de-DE" dirty="0"/>
+            <a:r>
+              <a:rPr lang="de-DE" dirty="0"/>
+              <a:t>Inzwischen: eine der am weitesten verbreiteten Programmiersprachen</a:t>
+            </a:r>
+            <a:br>
+              <a:rPr lang="de-DE" dirty="0"/>
+            </a:br>
+            <a:r>
+              <a:rPr lang="de-DE" dirty="0"/>
+              <a:t>(zumindest für Unternehmensanwendungen)</a:t>
+            </a:r>
+          </a:p>
+          <a:p>
+            <a:pPr lvl="1"/>
+            <a:r>
+              <a:rPr lang="de-DE" dirty="0"/>
+              <a:t>Plattformunabhängigkeit</a:t>
+            </a:r>
+          </a:p>
+          <a:p>
+            <a:pPr lvl="1"/>
+            <a:r>
+              <a:rPr lang="de-DE" dirty="0"/>
+              <a:t>Große Zahl an Bibliotheken</a:t>
+            </a:r>
           </a:p>
         </p:txBody>
       </p:sp>
     </p:spTree>
     <p:extLst>
       <p:ext uri="{BB962C8B-B14F-4D97-AF65-F5344CB8AC3E}">
-        <p14:creationId xmlns:p14="http://schemas.microsoft.com/office/powerpoint/2010/main" val="2210820269"/>
+        <p14:creationId xmlns:p14="http://schemas.microsoft.com/office/powerpoint/2010/main" val="1585598179"/>
       </p:ext>
     </p:extLst>
   </p:cSld>
@@ -3812,7 +3742,7 @@
             </a:r>
             <a:r>
               <a:rPr lang="de-DE" dirty="0"/>
-              <a:t> 40</a:t>
+              <a:t> 10</a:t>
             </a:r>
           </a:p>
         </p:txBody>
@@ -3840,15 +3770,35 @@
           <a:p>
             <a:r>
               <a:rPr lang="de-DE" dirty="0"/>
-              <a:t>Thema: Strukturierung des Projekts in </a:t>
-            </a:r>
-            <a:r>
-              <a:rPr lang="de-DE" dirty="0" err="1"/>
-              <a:t>Maven</a:t>
-            </a:r>
-            <a:r>
-              <a:rPr lang="de-DE" dirty="0"/>
-              <a:t>-Module</a:t>
+              <a:t>Thema: Java</a:t>
+            </a:r>
+          </a:p>
+          <a:p>
+            <a:pPr lvl="1"/>
+            <a:r>
+              <a:rPr lang="de-DE" dirty="0"/>
+              <a:t>Compiler: </a:t>
+            </a:r>
+            <a:r>
+              <a:rPr lang="de-DE" dirty="0" err="1">
+                <a:latin typeface="Courier New" panose="02070309020205020404" pitchFamily="49" charset="0"/>
+                <a:cs typeface="Courier New" panose="02070309020205020404" pitchFamily="49" charset="0"/>
+              </a:rPr>
+              <a:t>javac</a:t>
+            </a:r>
+            <a:r>
+              <a:rPr lang="de-DE" dirty="0">
+                <a:latin typeface="Courier New" panose="02070309020205020404" pitchFamily="49" charset="0"/>
+                <a:cs typeface="Courier New" panose="02070309020205020404" pitchFamily="49" charset="0"/>
+              </a:rPr>
+              <a:t> </a:t>
+            </a:r>
+            <a:r>
+              <a:rPr lang="de-DE" dirty="0" err="1">
+                <a:latin typeface="Courier New" panose="02070309020205020404" pitchFamily="49" charset="0"/>
+                <a:cs typeface="Courier New" panose="02070309020205020404" pitchFamily="49" charset="0"/>
+              </a:rPr>
+              <a:t>HelloWorld.java</a:t>
             </a:r>
             <a:endParaRPr lang="de-DE" dirty="0">
               <a:latin typeface="Courier New" panose="02070309020205020404" pitchFamily="49" charset="0"/>
@@ -3856,29 +3806,121 @@
             </a:endParaRPr>
           </a:p>
           <a:p>
+            <a:pPr lvl="2"/>
+            <a:r>
+              <a:rPr lang="de-DE" dirty="0"/>
+              <a:t>Übersetzt Quelltext </a:t>
+            </a:r>
+            <a:r>
+              <a:rPr lang="de-DE" dirty="0">
+                <a:latin typeface="Courier New" panose="02070309020205020404" pitchFamily="49" charset="0"/>
+                <a:cs typeface="Courier New" panose="02070309020205020404" pitchFamily="49" charset="0"/>
+              </a:rPr>
+              <a:t>(*.</a:t>
+            </a:r>
+            <a:r>
+              <a:rPr lang="de-DE" dirty="0" err="1">
+                <a:latin typeface="Courier New" panose="02070309020205020404" pitchFamily="49" charset="0"/>
+                <a:cs typeface="Courier New" panose="02070309020205020404" pitchFamily="49" charset="0"/>
+              </a:rPr>
+              <a:t>java</a:t>
+            </a:r>
+            <a:r>
+              <a:rPr lang="de-DE" dirty="0"/>
+              <a:t>) in Java-Bytecode </a:t>
+            </a:r>
+            <a:r>
+              <a:rPr lang="de-DE" dirty="0">
+                <a:latin typeface="Courier New" panose="02070309020205020404" pitchFamily="49" charset="0"/>
+                <a:cs typeface="Courier New" panose="02070309020205020404" pitchFamily="49" charset="0"/>
+              </a:rPr>
+              <a:t>(*.</a:t>
+            </a:r>
+            <a:r>
+              <a:rPr lang="de-DE" dirty="0" err="1">
+                <a:latin typeface="Courier New" panose="02070309020205020404" pitchFamily="49" charset="0"/>
+                <a:cs typeface="Courier New" panose="02070309020205020404" pitchFamily="49" charset="0"/>
+              </a:rPr>
+              <a:t>class</a:t>
+            </a:r>
+            <a:r>
+              <a:rPr lang="de-DE" dirty="0"/>
+              <a:t>)</a:t>
+            </a:r>
+          </a:p>
+          <a:p>
             <a:pPr lvl="1"/>
             <a:r>
               <a:rPr lang="de-DE" dirty="0"/>
-              <a:t>Aufteilung der Definition in Parent und Module</a:t>
-            </a:r>
-          </a:p>
-          <a:p>
-            <a:pPr lvl="1"/>
-            <a:r>
-              <a:rPr lang="de-DE" dirty="0"/>
-              <a:t>Verwaltung der Abhängigkeiten in den Modul-POMs</a:t>
-            </a:r>
-          </a:p>
-          <a:p>
-            <a:pPr lvl="2"/>
-            <a:endParaRPr lang="de-DE" dirty="0"/>
+              <a:t>Ausführung: </a:t>
+            </a:r>
+            <a:r>
+              <a:rPr lang="de-DE" dirty="0" err="1">
+                <a:latin typeface="Courier New" panose="02070309020205020404" pitchFamily="49" charset="0"/>
+                <a:cs typeface="Courier New" panose="02070309020205020404" pitchFamily="49" charset="0"/>
+              </a:rPr>
+              <a:t>java</a:t>
+            </a:r>
+            <a:r>
+              <a:rPr lang="de-DE" dirty="0">
+                <a:latin typeface="Courier New" panose="02070309020205020404" pitchFamily="49" charset="0"/>
+                <a:cs typeface="Courier New" panose="02070309020205020404" pitchFamily="49" charset="0"/>
+              </a:rPr>
+              <a:t> </a:t>
+            </a:r>
+            <a:r>
+              <a:rPr lang="de-DE" dirty="0" err="1">
+                <a:latin typeface="Courier New" panose="02070309020205020404" pitchFamily="49" charset="0"/>
+                <a:cs typeface="Courier New" panose="02070309020205020404" pitchFamily="49" charset="0"/>
+              </a:rPr>
+              <a:t>HelloWorld</a:t>
+            </a:r>
+            <a:endParaRPr lang="de-DE" dirty="0">
+              <a:latin typeface="Courier New" panose="02070309020205020404" pitchFamily="49" charset="0"/>
+              <a:cs typeface="Courier New" panose="02070309020205020404" pitchFamily="49" charset="0"/>
+            </a:endParaRPr>
+          </a:p>
+          <a:p>
+            <a:pPr lvl="2"/>
+            <a:r>
+              <a:rPr lang="de-DE" dirty="0"/>
+              <a:t>Führt Java-Bytecode aus</a:t>
+            </a:r>
+          </a:p>
+          <a:p>
+            <a:pPr lvl="2"/>
+            <a:r>
+              <a:rPr lang="de-DE" dirty="0"/>
+              <a:t>Laufzeitumgebung:</a:t>
+            </a:r>
+          </a:p>
+          <a:p>
+            <a:pPr lvl="3"/>
+            <a:r>
+              <a:rPr lang="de-DE" dirty="0"/>
+              <a:t>Interpreter</a:t>
+            </a:r>
+          </a:p>
+          <a:p>
+            <a:pPr lvl="3"/>
+            <a:r>
+              <a:rPr lang="de-DE" dirty="0"/>
+              <a:t>JIT-Compiler</a:t>
+            </a:r>
+          </a:p>
+          <a:p>
+            <a:pPr lvl="3"/>
+            <a:r>
+              <a:rPr lang="de-DE" dirty="0"/>
+              <a:t>Standard-Bibliotheken</a:t>
+            </a:r>
           </a:p>
         </p:txBody>
       </p:sp>
     </p:spTree>
     <p:extLst>
       <p:ext uri="{BB962C8B-B14F-4D97-AF65-F5344CB8AC3E}">
-        <p14:creationId xmlns:p14="http://schemas.microsoft.com/office/powerpoint/2010/main" val="3784840466"/>
+        <p14:creationId xmlns:p14="http://schemas.microsoft.com/office/powerpoint/2010/main" val="2323058940"/>
       </p:ext>
     </p:extLst>
   </p:cSld>
@@ -3932,7 +3974,7 @@
             </a:r>
             <a:r>
               <a:rPr lang="de-DE" dirty="0"/>
-              <a:t> 50</a:t>
+              <a:t> 15</a:t>
             </a:r>
           </a:p>
         </p:txBody>
@@ -3960,22 +4002,76 @@
           <a:p>
             <a:r>
               <a:rPr lang="de-DE" dirty="0"/>
-              <a:t>Thema: Unit-Tests</a:t>
-            </a:r>
-            <a:endParaRPr lang="de-DE" dirty="0">
-              <a:latin typeface="Courier New" panose="02070309020205020404" pitchFamily="49" charset="0"/>
-              <a:cs typeface="Courier New" panose="02070309020205020404" pitchFamily="49" charset="0"/>
-            </a:endParaRPr>
+              <a:t>Thema: </a:t>
+            </a:r>
+            <a:r>
+              <a:rPr lang="de-DE" dirty="0" err="1"/>
+              <a:t>Build</a:t>
+            </a:r>
+            <a:r>
+              <a:rPr lang="de-DE" dirty="0"/>
+              <a:t>-Management mit </a:t>
+            </a:r>
+            <a:r>
+              <a:rPr lang="de-DE" dirty="0" err="1"/>
+              <a:t>Maven</a:t>
+            </a:r>
+            <a:endParaRPr lang="de-DE" dirty="0"/>
           </a:p>
           <a:p>
             <a:pPr lvl="1"/>
             <a:r>
               <a:rPr lang="de-DE" dirty="0"/>
-              <a:t>Framework für Unit-Tests: </a:t>
-            </a:r>
-            <a:r>
-              <a:rPr lang="de-DE" dirty="0" err="1"/>
-              <a:t>Junit</a:t>
+              <a:t>„</a:t>
+            </a:r>
+            <a:r>
+              <a:rPr lang="de-DE" dirty="0" err="1"/>
+              <a:t>Maven</a:t>
+            </a:r>
+            <a:r>
+              <a:rPr lang="de-DE" dirty="0"/>
+              <a:t> ist ein auf Java basierendes </a:t>
+            </a:r>
+            <a:r>
+              <a:rPr lang="de-DE" dirty="0" err="1"/>
+              <a:t>Build</a:t>
+            </a:r>
+            <a:r>
+              <a:rPr lang="de-DE" dirty="0"/>
+              <a:t>-Management-Tool der Apache Software </a:t>
+            </a:r>
+            <a:r>
+              <a:rPr lang="de-DE" dirty="0" err="1"/>
+              <a:t>Foundation</a:t>
+            </a:r>
+            <a:r>
+              <a:rPr lang="de-DE" dirty="0"/>
+              <a:t>“ (Wikipedia)</a:t>
+            </a:r>
+          </a:p>
+          <a:p>
+            <a:pPr lvl="2"/>
+            <a:r>
+              <a:rPr lang="de-DE" dirty="0"/>
+              <a:t>Gibt Standard-Verzeichnisstruktur und Lebenszyklen (Standard-Ablauf) vor</a:t>
+            </a:r>
+          </a:p>
+          <a:p>
+            <a:pPr lvl="2"/>
+            <a:r>
+              <a:rPr lang="de-DE" dirty="0"/>
+              <a:t>Verwaltet Abhängigkeiten (innerhalb des Projekts und zu benutzten Bibliotheken)</a:t>
+            </a:r>
+          </a:p>
+          <a:p>
+            <a:pPr lvl="2"/>
+            <a:r>
+              <a:rPr lang="de-DE" dirty="0"/>
+              <a:t>Ist erweiterbar durch </a:t>
+            </a:r>
+            <a:r>
+              <a:rPr lang="de-DE" dirty="0" err="1"/>
+              <a:t>Plugins</a:t>
             </a:r>
             <a:endParaRPr lang="de-DE" dirty="0"/>
           </a:p>
@@ -3983,67 +4079,41 @@
             <a:pPr lvl="2"/>
             <a:r>
               <a:rPr lang="de-DE" dirty="0"/>
-              <a:t>Definition und Strukturierung von Tests</a:t>
-            </a:r>
-          </a:p>
-          <a:p>
-            <a:pPr lvl="2"/>
-            <a:r>
-              <a:rPr lang="de-DE" dirty="0"/>
-              <a:t>Ausführung der Tests</a:t>
-            </a:r>
-          </a:p>
-          <a:p>
-            <a:pPr lvl="2"/>
-            <a:r>
-              <a:rPr lang="de-DE" dirty="0"/>
-              <a:t>Darstellung der Ergebnisse</a:t>
-            </a:r>
-          </a:p>
-          <a:p>
-            <a:pPr lvl="1"/>
-            <a:r>
-              <a:rPr lang="de-DE" dirty="0"/>
-              <a:t>Bibliothek für </a:t>
-            </a:r>
-            <a:r>
-              <a:rPr lang="de-DE" dirty="0" err="1"/>
-              <a:t>Assertions</a:t>
-            </a:r>
-            <a:r>
-              <a:rPr lang="de-DE" dirty="0"/>
-              <a:t>: </a:t>
-            </a:r>
-            <a:r>
-              <a:rPr lang="de-DE" dirty="0" err="1"/>
-              <a:t>AssertJ</a:t>
-            </a:r>
-            <a:endParaRPr lang="de-DE" dirty="0"/>
-          </a:p>
-          <a:p>
-            <a:pPr lvl="2"/>
-            <a:r>
-              <a:rPr lang="de-DE" dirty="0"/>
-              <a:t>Formulierung von Test-erwartungen</a:t>
-            </a:r>
-          </a:p>
-          <a:p>
-            <a:pPr lvl="2"/>
-            <a:r>
-              <a:rPr lang="de-DE" dirty="0"/>
-              <a:t>Beispiel für interne DSL</a:t>
-            </a:r>
-          </a:p>
-          <a:p>
-            <a:pPr lvl="2"/>
-            <a:endParaRPr lang="de-DE" dirty="0"/>
+              <a:t>Deklarative Definition des Projekts in </a:t>
+            </a:r>
+            <a:r>
+              <a:rPr lang="de-DE" dirty="0" err="1">
+                <a:latin typeface="Courier New" panose="02070309020205020404" pitchFamily="49" charset="0"/>
+                <a:cs typeface="Courier New" panose="02070309020205020404" pitchFamily="49" charset="0"/>
+              </a:rPr>
+              <a:t>pom.xml</a:t>
+            </a:r>
+            <a:r>
+              <a:rPr lang="de-DE" dirty="0">
+                <a:latin typeface="Courier New" panose="02070309020205020404" pitchFamily="49" charset="0"/>
+                <a:cs typeface="Courier New" panose="02070309020205020404" pitchFamily="49" charset="0"/>
+              </a:rPr>
+              <a:t> </a:t>
+            </a:r>
+            <a:r>
+              <a:rPr lang="de-DE" dirty="0"/>
+              <a:t>(Project </a:t>
+            </a:r>
+            <a:r>
+              <a:rPr lang="de-DE" dirty="0" err="1"/>
+              <a:t>Object</a:t>
+            </a:r>
+            <a:r>
+              <a:rPr lang="de-DE" dirty="0"/>
+              <a:t> Model)</a:t>
+            </a:r>
           </a:p>
         </p:txBody>
       </p:sp>
     </p:spTree>
     <p:extLst>
       <p:ext uri="{BB962C8B-B14F-4D97-AF65-F5344CB8AC3E}">
-        <p14:creationId xmlns:p14="http://schemas.microsoft.com/office/powerpoint/2010/main" val="852841484"/>
+        <p14:creationId xmlns:p14="http://schemas.microsoft.com/office/powerpoint/2010/main" val="3481766806"/>
       </p:ext>
     </p:extLst>
   </p:cSld>
@@ -4097,7 +4167,7 @@
             </a:r>
             <a:r>
               <a:rPr lang="de-DE" dirty="0"/>
-              <a:t> 60</a:t>
+              <a:t> 15</a:t>
             </a:r>
           </a:p>
         </p:txBody>
@@ -4120,122 +4190,245 @@
         </p:nvSpPr>
         <p:spPr/>
         <p:txBody>
-          <a:bodyPr/>
-          <a:lstStyle/>
-          <a:p>
-            <a:r>
-              <a:rPr lang="de-DE" dirty="0"/>
-              <a:t>Thema: Implementierung eines REST-Endpunktes mit Spring Boot</a:t>
-            </a:r>
+          <a:bodyPr>
+            <a:normAutofit/>
+          </a:bodyPr>
+          <a:lstStyle/>
+          <a:p>
+            <a:r>
+              <a:rPr lang="de-DE" dirty="0"/>
+              <a:t>Thema: </a:t>
+            </a:r>
+            <a:r>
+              <a:rPr lang="de-DE" dirty="0" err="1"/>
+              <a:t>Build</a:t>
+            </a:r>
+            <a:r>
+              <a:rPr lang="de-DE" dirty="0"/>
+              <a:t>-Management mit </a:t>
+            </a:r>
+            <a:r>
+              <a:rPr lang="de-DE" dirty="0" err="1"/>
+              <a:t>Maven</a:t>
+            </a:r>
+            <a:endParaRPr lang="de-DE" dirty="0"/>
           </a:p>
           <a:p>
             <a:pPr lvl="1"/>
             <a:r>
+              <a:rPr lang="de-DE" dirty="0"/>
+              <a:t>Identifikation eines </a:t>
+            </a:r>
+            <a:r>
+              <a:rPr lang="de-DE" dirty="0" err="1"/>
+              <a:t>Build</a:t>
+            </a:r>
+            <a:r>
+              <a:rPr lang="de-DE" dirty="0"/>
+              <a:t>-Ergebnis</a:t>
+            </a:r>
+            <a:br>
+              <a:rPr lang="de-DE" dirty="0"/>
+            </a:br>
+            <a:r>
+              <a:rPr lang="de-DE" dirty="0"/>
+              <a:t>(</a:t>
+            </a:r>
+            <a:r>
               <a:rPr lang="de-DE" dirty="0">
-                <a:cs typeface="Courier New" panose="02070309020205020404" pitchFamily="49" charset="0"/>
+                <a:hlinkClick r:id="rId2"/>
               </a:rPr>
-              <a:t>Spring</a:t>
-            </a:r>
-          </a:p>
-          <a:p>
-            <a:pPr lvl="2"/>
+              <a:t>https://maven.apache.org/guides/mini/guide-naming-conventions.html</a:t>
+            </a:r>
+            <a:r>
+              <a:rPr lang="de-DE" dirty="0"/>
+              <a:t>)</a:t>
+            </a:r>
+          </a:p>
+          <a:p>
+            <a:pPr lvl="2"/>
+            <a:r>
+              <a:rPr lang="de-DE" dirty="0" err="1"/>
+              <a:t>groupId</a:t>
+            </a:r>
+            <a:endParaRPr lang="de-DE" dirty="0"/>
+          </a:p>
+          <a:p>
+            <a:pPr lvl="3"/>
+            <a:r>
+              <a:rPr lang="de-DE" dirty="0"/>
+              <a:t>Identifiziert das Projekt</a:t>
+            </a:r>
+          </a:p>
+          <a:p>
+            <a:pPr lvl="3"/>
+            <a:r>
+              <a:rPr lang="de-DE" dirty="0"/>
+              <a:t>Sollte Java </a:t>
+            </a:r>
+            <a:r>
+              <a:rPr lang="de-DE" dirty="0" err="1"/>
+              <a:t>package</a:t>
+            </a:r>
+            <a:r>
+              <a:rPr lang="de-DE" dirty="0"/>
+              <a:t> </a:t>
+            </a:r>
+            <a:r>
+              <a:rPr lang="de-DE" dirty="0" err="1"/>
+              <a:t>name</a:t>
+            </a:r>
+            <a:r>
+              <a:rPr lang="de-DE" dirty="0"/>
+              <a:t> </a:t>
+            </a:r>
+            <a:r>
+              <a:rPr lang="de-DE" dirty="0" err="1"/>
+              <a:t>rules</a:t>
+            </a:r>
+            <a:r>
+              <a:rPr lang="de-DE" dirty="0"/>
+              <a:t> folgen, z. B. </a:t>
+            </a:r>
+            <a:r>
+              <a:rPr lang="de-DE" dirty="0" err="1"/>
+              <a:t>de.conciso.starter</a:t>
+            </a:r>
+            <a:endParaRPr lang="de-DE" dirty="0"/>
+          </a:p>
+          <a:p>
+            <a:pPr lvl="2"/>
+            <a:r>
+              <a:rPr lang="de-DE" dirty="0" err="1"/>
+              <a:t>artifactid</a:t>
+            </a:r>
+            <a:endParaRPr lang="de-DE" dirty="0"/>
+          </a:p>
+          <a:p>
+            <a:pPr lvl="3"/>
+            <a:r>
+              <a:rPr lang="de-DE" dirty="0"/>
+              <a:t>Name des </a:t>
+            </a:r>
+            <a:r>
+              <a:rPr lang="de-DE" dirty="0" err="1"/>
+              <a:t>jar</a:t>
+            </a:r>
+            <a:r>
+              <a:rPr lang="de-DE" dirty="0"/>
+              <a:t> </a:t>
+            </a:r>
+            <a:r>
+              <a:rPr lang="de-DE" dirty="0" err="1"/>
+              <a:t>files</a:t>
+            </a:r>
+            <a:r>
+              <a:rPr lang="de-DE" dirty="0"/>
+              <a:t> (</a:t>
+            </a:r>
+            <a:r>
+              <a:rPr lang="de-DE" dirty="0" err="1"/>
+              <a:t>Build</a:t>
+            </a:r>
+            <a:r>
+              <a:rPr lang="de-DE" dirty="0"/>
+              <a:t>-Ergebnis)</a:t>
+            </a:r>
+          </a:p>
+          <a:p>
+            <a:pPr lvl="3"/>
+            <a:r>
+              <a:rPr lang="de-DE" dirty="0" err="1"/>
+              <a:t>Lowercase</a:t>
+            </a:r>
+            <a:r>
+              <a:rPr lang="de-DE" dirty="0"/>
+              <a:t> </a:t>
+            </a:r>
+            <a:r>
+              <a:rPr lang="de-DE" dirty="0" err="1"/>
+              <a:t>letters</a:t>
+            </a:r>
+            <a:r>
+              <a:rPr lang="de-DE" dirty="0"/>
+              <a:t>, </a:t>
+            </a:r>
+            <a:r>
+              <a:rPr lang="de-DE" dirty="0" err="1"/>
+              <a:t>no</a:t>
+            </a:r>
+            <a:r>
+              <a:rPr lang="de-DE" dirty="0"/>
+              <a:t> </a:t>
+            </a:r>
+            <a:r>
+              <a:rPr lang="de-DE" dirty="0" err="1"/>
+              <a:t>strange</a:t>
+            </a:r>
+            <a:r>
+              <a:rPr lang="de-DE" dirty="0"/>
+              <a:t> </a:t>
+            </a:r>
+            <a:r>
+              <a:rPr lang="de-DE" dirty="0" err="1"/>
+              <a:t>symbols</a:t>
+            </a:r>
+            <a:endParaRPr lang="de-DE" dirty="0"/>
+          </a:p>
+          <a:p>
+            <a:pPr lvl="2"/>
+            <a:r>
+              <a:rPr lang="de-DE" dirty="0" err="1"/>
+              <a:t>version</a:t>
+            </a:r>
+            <a:endParaRPr lang="de-DE" dirty="0"/>
+          </a:p>
+          <a:p>
+            <a:pPr lvl="3"/>
+            <a:r>
+              <a:rPr lang="de-DE" dirty="0"/>
+              <a:t>Typisch: Zahlen und Punkte, z. B. 1.0, 1.1, 1.0.1, …</a:t>
+            </a:r>
+          </a:p>
+          <a:p>
+            <a:pPr lvl="3"/>
+            <a:r>
+              <a:rPr lang="de-DE" dirty="0"/>
+              <a:t>Beispiel: </a:t>
+            </a:r>
+            <a:r>
+              <a:rPr lang="de-DE" dirty="0" err="1"/>
+              <a:t>Semantic</a:t>
+            </a:r>
+            <a:r>
+              <a:rPr lang="de-DE" dirty="0"/>
+              <a:t> </a:t>
+            </a:r>
+            <a:r>
+              <a:rPr lang="de-DE" dirty="0" err="1"/>
+              <a:t>Versioning</a:t>
+            </a:r>
+            <a:r>
+              <a:rPr lang="de-DE" dirty="0"/>
+              <a:t> (</a:t>
+            </a:r>
             <a:r>
               <a:rPr lang="de-DE" dirty="0">
-                <a:cs typeface="Courier New" panose="02070309020205020404" pitchFamily="49" charset="0"/>
+                <a:hlinkClick r:id="rId3"/>
               </a:rPr>
-              <a:t>Java-Framework zur Implementierung von Enterprise </a:t>
-            </a:r>
-            <a:r>
-              <a:rPr lang="de-DE" dirty="0" err="1">
-                <a:cs typeface="Courier New" panose="02070309020205020404" pitchFamily="49" charset="0"/>
-              </a:rPr>
-              <a:t>Applications</a:t>
-            </a:r>
-            <a:endParaRPr lang="de-DE" dirty="0">
-              <a:cs typeface="Courier New" panose="02070309020205020404" pitchFamily="49" charset="0"/>
-            </a:endParaRPr>
-          </a:p>
-          <a:p>
-            <a:pPr lvl="2"/>
-            <a:r>
-              <a:rPr lang="de-DE" dirty="0">
-                <a:cs typeface="Courier New" panose="02070309020205020404" pitchFamily="49" charset="0"/>
-              </a:rPr>
-              <a:t>Kern: Framework für </a:t>
-            </a:r>
-            <a:r>
-              <a:rPr lang="de-DE" dirty="0" err="1">
-                <a:cs typeface="Courier New" panose="02070309020205020404" pitchFamily="49" charset="0"/>
-              </a:rPr>
-              <a:t>Dependency</a:t>
-            </a:r>
-            <a:r>
-              <a:rPr lang="de-DE" dirty="0">
-                <a:cs typeface="Courier New" panose="02070309020205020404" pitchFamily="49" charset="0"/>
-              </a:rPr>
-              <a:t> </a:t>
-            </a:r>
-            <a:r>
-              <a:rPr lang="de-DE" dirty="0" err="1">
-                <a:cs typeface="Courier New" panose="02070309020205020404" pitchFamily="49" charset="0"/>
-              </a:rPr>
-              <a:t>Injection</a:t>
-            </a:r>
-            <a:endParaRPr lang="de-DE" dirty="0">
-              <a:cs typeface="Courier New" panose="02070309020205020404" pitchFamily="49" charset="0"/>
-            </a:endParaRPr>
-          </a:p>
-          <a:p>
-            <a:pPr lvl="2"/>
-            <a:r>
-              <a:rPr lang="de-DE" dirty="0">
-                <a:cs typeface="Courier New" panose="02070309020205020404" pitchFamily="49" charset="0"/>
-              </a:rPr>
-              <a:t>Sehr umfangreich</a:t>
-            </a:r>
-          </a:p>
-          <a:p>
-            <a:pPr lvl="1"/>
-            <a:r>
-              <a:rPr lang="de-DE" dirty="0">
-                <a:cs typeface="Courier New" panose="02070309020205020404" pitchFamily="49" charset="0"/>
-              </a:rPr>
-              <a:t>Spring Boot</a:t>
-            </a:r>
-          </a:p>
-          <a:p>
-            <a:pPr lvl="2"/>
-            <a:r>
-              <a:rPr lang="de-DE" dirty="0">
-                <a:cs typeface="Courier New" panose="02070309020205020404" pitchFamily="49" charset="0"/>
-              </a:rPr>
-              <a:t>Vereinfachte Konfiguration von Spring-Anwendungen (vordefinierte Starter)</a:t>
-            </a:r>
-          </a:p>
-          <a:p>
-            <a:pPr lvl="2"/>
-            <a:r>
-              <a:rPr lang="de-DE" dirty="0">
-                <a:cs typeface="Courier New" panose="02070309020205020404" pitchFamily="49" charset="0"/>
-              </a:rPr>
-              <a:t>Sehr beliebt zur Implementierung von </a:t>
-            </a:r>
-            <a:r>
-              <a:rPr lang="de-DE" dirty="0" err="1">
-                <a:cs typeface="Courier New" panose="02070309020205020404" pitchFamily="49" charset="0"/>
-              </a:rPr>
-              <a:t>Microservices</a:t>
-            </a:r>
-            <a:endParaRPr lang="de-DE" dirty="0">
-              <a:cs typeface="Courier New" panose="02070309020205020404" pitchFamily="49" charset="0"/>
-            </a:endParaRPr>
+              <a:t>https://semver.org/</a:t>
+            </a:r>
+            <a:r>
+              <a:rPr lang="de-DE" dirty="0"/>
+              <a:t>)</a:t>
+            </a:r>
           </a:p>
         </p:txBody>
       </p:sp>
     </p:spTree>
     <p:extLst>
       <p:ext uri="{BB962C8B-B14F-4D97-AF65-F5344CB8AC3E}">
-        <p14:creationId xmlns:p14="http://schemas.microsoft.com/office/powerpoint/2010/main" val="1717894978"/>
+        <p14:creationId xmlns:p14="http://schemas.microsoft.com/office/powerpoint/2010/main" val="3657579033"/>
       </p:ext>
     </p:extLst>
   </p:cSld>
@@ -4289,7 +4482,7 @@
             </a:r>
             <a:r>
               <a:rPr lang="de-DE" dirty="0"/>
-              <a:t> 70</a:t>
+              <a:t> 15</a:t>
             </a:r>
           </a:p>
         </p:txBody>
@@ -4321,27 +4514,98 @@
             </a:r>
             <a:r>
               <a:rPr lang="de-DE" dirty="0" err="1"/>
-              <a:t>Dependency</a:t>
-            </a:r>
-            <a:r>
-              <a:rPr lang="de-DE" dirty="0"/>
-              <a:t> </a:t>
-            </a:r>
-            <a:r>
-              <a:rPr lang="de-DE" dirty="0" err="1"/>
-              <a:t>Injection</a:t>
-            </a:r>
-            <a:r>
-              <a:rPr lang="de-DE" dirty="0"/>
-              <a:t> mit Spring</a:t>
-            </a:r>
+              <a:t>Build</a:t>
+            </a:r>
+            <a:r>
+              <a:rPr lang="de-DE" dirty="0"/>
+              <a:t>-Management mit </a:t>
+            </a:r>
+            <a:r>
+              <a:rPr lang="de-DE" dirty="0" err="1"/>
+              <a:t>Maven</a:t>
+            </a:r>
+            <a:endParaRPr lang="de-DE" dirty="0"/>
+          </a:p>
+          <a:p>
+            <a:pPr lvl="1"/>
+            <a:r>
+              <a:rPr lang="de-DE" dirty="0"/>
+              <a:t>Identifikation eines </a:t>
+            </a:r>
+            <a:r>
+              <a:rPr lang="de-DE" dirty="0" err="1"/>
+              <a:t>Build</a:t>
+            </a:r>
+            <a:r>
+              <a:rPr lang="de-DE" dirty="0"/>
+              <a:t>-Ergebnis</a:t>
+            </a:r>
+          </a:p>
+          <a:p>
+            <a:pPr lvl="2"/>
+            <a:r>
+              <a:rPr lang="de-DE" dirty="0"/>
+              <a:t>Identifikation unseres eigenen Produkts</a:t>
+            </a:r>
+          </a:p>
+          <a:p>
+            <a:pPr lvl="2"/>
+            <a:r>
+              <a:rPr lang="de-DE" dirty="0"/>
+              <a:t>Identifikation fremder </a:t>
+            </a:r>
+            <a:r>
+              <a:rPr lang="de-DE" dirty="0" err="1"/>
+              <a:t>Build</a:t>
+            </a:r>
+            <a:r>
+              <a:rPr lang="de-DE" dirty="0"/>
+              <a:t>-Ergebnisse, die wir nutzen wollen!</a:t>
+            </a:r>
+          </a:p>
+          <a:p>
+            <a:pPr lvl="3"/>
+            <a:r>
+              <a:rPr lang="de-DE" dirty="0"/>
+              <a:t>Woher kommen die?</a:t>
+            </a:r>
+          </a:p>
+          <a:p>
+            <a:pPr lvl="4"/>
+            <a:r>
+              <a:rPr lang="de-DE" dirty="0">
+                <a:hlinkClick r:id="rId2"/>
+              </a:rPr>
+              <a:t>https://mvnrepository.com/</a:t>
+            </a:r>
+            <a:endParaRPr lang="de-DE" dirty="0"/>
+          </a:p>
+          <a:p>
+            <a:pPr lvl="4"/>
+            <a:r>
+              <a:rPr lang="de-DE" dirty="0"/>
+              <a:t>Beispiel: </a:t>
+            </a:r>
+            <a:r>
+              <a:rPr lang="de-DE" dirty="0">
+                <a:hlinkClick r:id="rId3"/>
+              </a:rPr>
+              <a:t>https://mvnrepository.com/artifact/org.apache.logging.log4j/log4j-core</a:t>
+            </a:r>
+            <a:endParaRPr lang="de-DE" dirty="0"/>
+          </a:p>
+          <a:p>
+            <a:pPr marL="1828800" lvl="4" indent="0">
+              <a:buNone/>
+            </a:pPr>
+            <a:endParaRPr lang="de-DE" dirty="0"/>
           </a:p>
         </p:txBody>
       </p:sp>
     </p:spTree>
     <p:extLst>
       <p:ext uri="{BB962C8B-B14F-4D97-AF65-F5344CB8AC3E}">
-        <p14:creationId xmlns:p14="http://schemas.microsoft.com/office/powerpoint/2010/main" val="2804024451"/>
+        <p14:creationId xmlns:p14="http://schemas.microsoft.com/office/powerpoint/2010/main" val="797180529"/>
       </p:ext>
     </p:extLst>
   </p:cSld>
@@ -4395,7 +4659,7 @@
             </a:r>
             <a:r>
               <a:rPr lang="de-DE" dirty="0"/>
-              <a:t> 80</a:t>
+              <a:t> 15</a:t>
             </a:r>
           </a:p>
         </p:txBody>
@@ -4423,31 +4687,89 @@
           <a:p>
             <a:r>
               <a:rPr lang="de-DE" dirty="0"/>
-              <a:t>Thema: Testen mit Mocks</a:t>
-            </a:r>
+              <a:t>Thema: </a:t>
+            </a:r>
+            <a:r>
+              <a:rPr lang="de-DE" dirty="0" err="1"/>
+              <a:t>Build</a:t>
+            </a:r>
+            <a:r>
+              <a:rPr lang="de-DE" dirty="0"/>
+              <a:t>-Management mit </a:t>
+            </a:r>
+            <a:r>
+              <a:rPr lang="de-DE" dirty="0" err="1"/>
+              <a:t>Maven</a:t>
+            </a:r>
+            <a:endParaRPr lang="de-DE" dirty="0"/>
           </a:p>
           <a:p>
             <a:pPr lvl="1"/>
             <a:r>
-              <a:rPr lang="de-DE" dirty="0" err="1"/>
-              <a:t>Mockito</a:t>
-            </a:r>
-            <a:r>
-              <a:rPr lang="de-DE" dirty="0"/>
-              <a:t>: Bibliothek zum Erstellen von Mock-Objekten </a:t>
-            </a:r>
-            <a:r>
-              <a:rPr lang="de-DE"/>
-              <a:t>in Unit-Tests</a:t>
-            </a:r>
-            <a:endParaRPr lang="de-DE" dirty="0"/>
+              <a:rPr lang="de-DE" dirty="0"/>
+              <a:t>Kommando: </a:t>
+            </a:r>
+            <a:r>
+              <a:rPr lang="de-DE" dirty="0" err="1">
+                <a:latin typeface="Courier New" panose="02070309020205020404" pitchFamily="49" charset="0"/>
+                <a:cs typeface="Courier New" panose="02070309020205020404" pitchFamily="49" charset="0"/>
+              </a:rPr>
+              <a:t>mvn</a:t>
+            </a:r>
+            <a:r>
+              <a:rPr lang="de-DE" dirty="0">
+                <a:latin typeface="Courier New" panose="02070309020205020404" pitchFamily="49" charset="0"/>
+                <a:cs typeface="Courier New" panose="02070309020205020404" pitchFamily="49" charset="0"/>
+              </a:rPr>
+              <a:t> clean </a:t>
+            </a:r>
+            <a:r>
+              <a:rPr lang="de-DE" dirty="0" err="1">
+                <a:latin typeface="Courier New" panose="02070309020205020404" pitchFamily="49" charset="0"/>
+                <a:cs typeface="Courier New" panose="02070309020205020404" pitchFamily="49" charset="0"/>
+              </a:rPr>
+              <a:t>package</a:t>
+            </a:r>
+            <a:endParaRPr lang="de-DE" dirty="0">
+              <a:latin typeface="Courier New" panose="02070309020205020404" pitchFamily="49" charset="0"/>
+              <a:cs typeface="Courier New" panose="02070309020205020404" pitchFamily="49" charset="0"/>
+            </a:endParaRPr>
+          </a:p>
+          <a:p>
+            <a:pPr lvl="2"/>
+            <a:r>
+              <a:rPr lang="de-DE" dirty="0">
+                <a:latin typeface="Courier New" panose="02070309020205020404" pitchFamily="49" charset="0"/>
+                <a:cs typeface="Courier New" panose="02070309020205020404" pitchFamily="49" charset="0"/>
+              </a:rPr>
+              <a:t>clean</a:t>
+            </a:r>
+            <a:r>
+              <a:rPr lang="de-DE" dirty="0">
+                <a:cs typeface="Courier New" panose="02070309020205020404" pitchFamily="49" charset="0"/>
+              </a:rPr>
+              <a:t> und </a:t>
+            </a:r>
+            <a:r>
+              <a:rPr lang="de-DE" dirty="0" err="1">
+                <a:latin typeface="Courier New" panose="02070309020205020404" pitchFamily="49" charset="0"/>
+                <a:cs typeface="Courier New" panose="02070309020205020404" pitchFamily="49" charset="0"/>
+              </a:rPr>
+              <a:t>package</a:t>
+            </a:r>
+            <a:r>
+              <a:rPr lang="de-DE" dirty="0">
+                <a:cs typeface="Courier New" panose="02070309020205020404" pitchFamily="49" charset="0"/>
+              </a:rPr>
+              <a:t> sind Lebenszyklen</a:t>
+            </a:r>
           </a:p>
         </p:txBody>
       </p:sp>
     </p:spTree>
     <p:extLst>
       <p:ext uri="{BB962C8B-B14F-4D97-AF65-F5344CB8AC3E}">
-        <p14:creationId xmlns:p14="http://schemas.microsoft.com/office/powerpoint/2010/main" val="1609070468"/>
+        <p14:creationId xmlns:p14="http://schemas.microsoft.com/office/powerpoint/2010/main" val="1999295126"/>
       </p:ext>
     </p:extLst>
   </p:cSld>
@@ -4501,7 +4823,7 @@
             </a:r>
             <a:r>
               <a:rPr lang="de-DE" dirty="0"/>
-              <a:t> 90</a:t>
+              <a:t> 20</a:t>
             </a:r>
           </a:p>
         </p:txBody>
@@ -4529,7 +4851,115 @@
           <a:p>
             <a:r>
               <a:rPr lang="de-DE" dirty="0"/>
-              <a:t>Thema: Persistenz mit Spring Data</a:t>
+              <a:t>Thema: Nutzung eines </a:t>
+            </a:r>
+            <a:r>
+              <a:rPr lang="de-DE" dirty="0" err="1"/>
+              <a:t>Maven-Plugins</a:t>
+            </a:r>
+            <a:endParaRPr lang="de-DE" dirty="0"/>
+          </a:p>
+          <a:p>
+            <a:pPr lvl="1"/>
+            <a:r>
+              <a:rPr lang="de-DE" dirty="0"/>
+              <a:t>Das </a:t>
+            </a:r>
+            <a:r>
+              <a:rPr lang="de-DE" dirty="0" err="1">
+                <a:latin typeface="Courier New" panose="02070309020205020404" pitchFamily="49" charset="0"/>
+                <a:cs typeface="Courier New" panose="02070309020205020404" pitchFamily="49" charset="0"/>
+              </a:rPr>
+              <a:t>exec</a:t>
+            </a:r>
+            <a:r>
+              <a:rPr lang="de-DE" dirty="0" err="1"/>
+              <a:t>-Plugin</a:t>
+            </a:r>
+            <a:r>
+              <a:rPr lang="de-DE" dirty="0"/>
+              <a:t> ermöglicht es, Java-Programme aus </a:t>
+            </a:r>
+            <a:r>
+              <a:rPr lang="de-DE" dirty="0" err="1"/>
+              <a:t>Maven</a:t>
+            </a:r>
+            <a:r>
+              <a:rPr lang="de-DE" dirty="0"/>
+              <a:t> heraus auszuführen</a:t>
+            </a:r>
+          </a:p>
+          <a:p>
+            <a:pPr lvl="2"/>
+            <a:r>
+              <a:rPr lang="de-DE" dirty="0">
+                <a:hlinkClick r:id="rId2"/>
+              </a:rPr>
+              <a:t>http://www.mojohaus.org/exec-maven-plugin/</a:t>
+            </a:r>
+            <a:endParaRPr lang="de-DE" dirty="0"/>
+          </a:p>
+          <a:p>
+            <a:pPr lvl="2"/>
+            <a:r>
+              <a:rPr lang="de-DE" dirty="0">
+                <a:hlinkClick r:id="rId3"/>
+              </a:rPr>
+              <a:t>https://mvnrepository.com/artifact/org.codehaus.mojo/exec-maven-plugin</a:t>
+            </a:r>
+            <a:endParaRPr lang="de-DE" dirty="0"/>
+          </a:p>
+          <a:p>
+            <a:pPr lvl="1"/>
+            <a:r>
+              <a:rPr lang="de-DE" dirty="0"/>
+              <a:t>Kommando: </a:t>
+            </a:r>
+            <a:r>
+              <a:rPr lang="de-DE" dirty="0" err="1">
+                <a:latin typeface="Courier New" panose="02070309020205020404" pitchFamily="49" charset="0"/>
+                <a:cs typeface="Courier New" panose="02070309020205020404" pitchFamily="49" charset="0"/>
+              </a:rPr>
+              <a:t>mvn</a:t>
+            </a:r>
+            <a:r>
+              <a:rPr lang="de-DE" dirty="0">
+                <a:latin typeface="Courier New" panose="02070309020205020404" pitchFamily="49" charset="0"/>
+                <a:cs typeface="Courier New" panose="02070309020205020404" pitchFamily="49" charset="0"/>
+              </a:rPr>
+              <a:t> </a:t>
+            </a:r>
+            <a:r>
+              <a:rPr lang="de-DE" dirty="0" err="1">
+                <a:latin typeface="Courier New" panose="02070309020205020404" pitchFamily="49" charset="0"/>
+                <a:cs typeface="Courier New" panose="02070309020205020404" pitchFamily="49" charset="0"/>
+              </a:rPr>
+              <a:t>exec:java</a:t>
+            </a:r>
+            <a:endParaRPr lang="de-DE" dirty="0">
+              <a:latin typeface="Courier New" panose="02070309020205020404" pitchFamily="49" charset="0"/>
+              <a:cs typeface="Courier New" panose="02070309020205020404" pitchFamily="49" charset="0"/>
+            </a:endParaRPr>
+          </a:p>
+          <a:p>
+            <a:pPr lvl="2"/>
+            <a:r>
+              <a:rPr lang="de-DE" dirty="0" err="1">
+                <a:latin typeface="Courier New" panose="02070309020205020404" pitchFamily="49" charset="0"/>
+                <a:cs typeface="Courier New" panose="02070309020205020404" pitchFamily="49" charset="0"/>
+              </a:rPr>
+              <a:t>exec:java</a:t>
+            </a:r>
+            <a:r>
+              <a:rPr lang="de-DE" dirty="0">
+                <a:latin typeface="Courier New" panose="02070309020205020404" pitchFamily="49" charset="0"/>
+                <a:cs typeface="Courier New" panose="02070309020205020404" pitchFamily="49" charset="0"/>
+              </a:rPr>
+              <a:t> </a:t>
+            </a:r>
+            <a:r>
+              <a:rPr lang="de-DE" dirty="0"/>
+              <a:t>ist ein Goal</a:t>
             </a:r>
           </a:p>
         </p:txBody>
@@ -4537,7 +4967,7 @@
     </p:spTree>
     <p:extLst>
       <p:ext uri="{BB962C8B-B14F-4D97-AF65-F5344CB8AC3E}">
-        <p14:creationId xmlns:p14="http://schemas.microsoft.com/office/powerpoint/2010/main" val="3263348999"/>
+        <p14:creationId xmlns:p14="http://schemas.microsoft.com/office/powerpoint/2010/main" val="3687928113"/>
       </p:ext>
     </p:extLst>
   </p:cSld>
@@ -4591,7 +5021,7 @@
             </a:r>
             <a:r>
               <a:rPr lang="de-DE" dirty="0"/>
-              <a:t> 100</a:t>
+              <a:t> 30</a:t>
             </a:r>
           </a:p>
         </p:txBody>
@@ -4619,15 +5049,236 @@
           <a:p>
             <a:r>
               <a:rPr lang="de-DE" dirty="0"/>
-              <a:t>Thema: Service als Docker-Container</a:t>
-            </a:r>
+              <a:t>Thema: </a:t>
+            </a:r>
+            <a:r>
+              <a:rPr lang="de-DE" dirty="0" err="1"/>
+              <a:t>Logging</a:t>
+            </a:r>
+            <a:r>
+              <a:rPr lang="de-DE" dirty="0"/>
+              <a:t> mit </a:t>
+            </a:r>
+            <a:r>
+              <a:rPr lang="de-DE" dirty="0">
+                <a:latin typeface="Courier New" panose="02070309020205020404" pitchFamily="49" charset="0"/>
+                <a:cs typeface="Courier New" panose="02070309020205020404" pitchFamily="49" charset="0"/>
+              </a:rPr>
+              <a:t>log4j</a:t>
+            </a:r>
+          </a:p>
+          <a:p>
+            <a:pPr lvl="1"/>
+            <a:r>
+              <a:rPr lang="de-DE" dirty="0"/>
+              <a:t>Weit verbreitete Bibliothek für </a:t>
+            </a:r>
+            <a:r>
+              <a:rPr lang="de-DE" dirty="0" err="1"/>
+              <a:t>Logging</a:t>
+            </a:r>
+            <a:endParaRPr lang="de-DE" dirty="0"/>
+          </a:p>
+          <a:p>
+            <a:pPr lvl="2"/>
+            <a:r>
+              <a:rPr lang="de-DE" dirty="0">
+                <a:hlinkClick r:id="rId2"/>
+              </a:rPr>
+              <a:t>https://logging.apache.org/log4j/2.x/</a:t>
+            </a:r>
+            <a:endParaRPr lang="de-DE" dirty="0"/>
+          </a:p>
+          <a:p>
+            <a:pPr lvl="2"/>
+            <a:r>
+              <a:rPr lang="de-DE" dirty="0">
+                <a:hlinkClick r:id="rId3"/>
+              </a:rPr>
+              <a:t>https://mvnrepository.com/artifact/org.apache.logging.log4j/log4j-core</a:t>
+            </a:r>
+            <a:endParaRPr lang="de-DE" dirty="0"/>
+          </a:p>
+          <a:p>
+            <a:pPr marL="914400" lvl="2" indent="0">
+              <a:buNone/>
+            </a:pPr>
+            <a:endParaRPr lang="de-DE" dirty="0"/>
           </a:p>
         </p:txBody>
       </p:sp>
     </p:spTree>
     <p:extLst>
       <p:ext uri="{BB962C8B-B14F-4D97-AF65-F5344CB8AC3E}">
-        <p14:creationId xmlns:p14="http://schemas.microsoft.com/office/powerpoint/2010/main" val="1059597919"/>
+        <p14:creationId xmlns:p14="http://schemas.microsoft.com/office/powerpoint/2010/main" val="1390217071"/>
+      </p:ext>
+    </p:extLst>
+  </p:cSld>
+  <p:clrMapOvr>
+    <a:masterClrMapping/>
+  </p:clrMapOvr>
+</p:sld>
+</file>
+
+<file path=ppt/slides/slide19.xml><?xml version="1.0" encoding="utf-8"?>
+<p:sld xmlns:a="http://schemas.openxmlformats.org/drawingml/2006/main" xmlns:r="http://schemas.openxmlformats.org/officeDocument/2006/relationships" xmlns:p="http://schemas.openxmlformats.org/presentationml/2006/main">
+  <p:cSld>
+    <p:spTree>
+      <p:nvGrpSpPr>
+        <p:cNvPr id="1" name=""/>
+        <p:cNvGrpSpPr/>
+        <p:nvPr/>
+      </p:nvGrpSpPr>
+      <p:grpSpPr>
+        <a:xfrm>
+          <a:off x="0" y="0"/>
+          <a:ext cx="0" cy="0"/>
+          <a:chOff x="0" y="0"/>
+          <a:chExt cx="0" cy="0"/>
+        </a:xfrm>
+      </p:grpSpPr>
+      <p:sp>
+        <p:nvSpPr>
+          <p:cNvPr id="2" name="Titel 1">
+            <a:extLst>
+              <a:ext uri="{FF2B5EF4-FFF2-40B4-BE49-F238E27FC236}">
+                <a16:creationId xmlns:a16="http://schemas.microsoft.com/office/drawing/2014/main" id="{0EC7A146-A8F2-A844-9033-A0ACC828AF47}"/>
+              </a:ext>
+            </a:extLst>
+          </p:cNvPr>
+          <p:cNvSpPr>
+            <a:spLocks noGrp="1"/>
+          </p:cNvSpPr>
+          <p:nvPr>
+            <p:ph type="title"/>
+          </p:nvPr>
+        </p:nvSpPr>
+        <p:spPr/>
+        <p:txBody>
+          <a:bodyPr/>
+          <a:lstStyle/>
+          <a:p>
+            <a:r>
+              <a:rPr lang="de-DE" dirty="0" err="1"/>
+              <a:t>Step</a:t>
+            </a:r>
+            <a:r>
+              <a:rPr lang="de-DE" dirty="0"/>
+              <a:t> 30</a:t>
+            </a:r>
+          </a:p>
+        </p:txBody>
+      </p:sp>
+      <p:sp>
+        <p:nvSpPr>
+          <p:cNvPr id="3" name="Inhaltsplatzhalter 2">
+            <a:extLst>
+              <a:ext uri="{FF2B5EF4-FFF2-40B4-BE49-F238E27FC236}">
+                <a16:creationId xmlns:a16="http://schemas.microsoft.com/office/drawing/2014/main" id="{2A5EBA90-6155-FD45-A74C-ECC42BCA72DF}"/>
+              </a:ext>
+            </a:extLst>
+          </p:cNvPr>
+          <p:cNvSpPr>
+            <a:spLocks noGrp="1"/>
+          </p:cNvSpPr>
+          <p:nvPr>
+            <p:ph idx="1"/>
+          </p:nvPr>
+        </p:nvSpPr>
+        <p:spPr/>
+        <p:txBody>
+          <a:bodyPr/>
+          <a:lstStyle/>
+          <a:p>
+            <a:r>
+              <a:rPr lang="de-DE" dirty="0"/>
+              <a:t>Thema: </a:t>
+            </a:r>
+            <a:r>
+              <a:rPr lang="de-DE" dirty="0" err="1"/>
+              <a:t>Logging</a:t>
+            </a:r>
+            <a:r>
+              <a:rPr lang="de-DE" dirty="0"/>
+              <a:t> mit </a:t>
+            </a:r>
+            <a:r>
+              <a:rPr lang="de-DE" dirty="0">
+                <a:latin typeface="Courier New" panose="02070309020205020404" pitchFamily="49" charset="0"/>
+                <a:cs typeface="Courier New" panose="02070309020205020404" pitchFamily="49" charset="0"/>
+              </a:rPr>
+              <a:t>log4j</a:t>
+            </a:r>
+          </a:p>
+          <a:p>
+            <a:pPr lvl="1"/>
+            <a:r>
+              <a:rPr lang="de-DE" dirty="0"/>
+              <a:t>Ausgaben sollten in produktivem Code nie mit </a:t>
+            </a:r>
+            <a:r>
+              <a:rPr lang="de-DE" dirty="0" err="1">
+                <a:latin typeface="Courier New" panose="02070309020205020404" pitchFamily="49" charset="0"/>
+                <a:cs typeface="Courier New" panose="02070309020205020404" pitchFamily="49" charset="0"/>
+              </a:rPr>
+              <a:t>System.out.println</a:t>
+            </a:r>
+            <a:r>
+              <a:rPr lang="de-DE" dirty="0"/>
+              <a:t> erfolgen!</a:t>
+            </a:r>
+          </a:p>
+          <a:p>
+            <a:pPr lvl="1"/>
+            <a:r>
+              <a:rPr lang="de-DE" dirty="0"/>
+              <a:t>Konzepte von </a:t>
+            </a:r>
+            <a:r>
+              <a:rPr lang="de-DE" dirty="0">
+                <a:latin typeface="Courier New" panose="02070309020205020404" pitchFamily="49" charset="0"/>
+                <a:cs typeface="Courier New" panose="02070309020205020404" pitchFamily="49" charset="0"/>
+              </a:rPr>
+              <a:t>log4j</a:t>
+            </a:r>
+            <a:r>
+              <a:rPr lang="de-DE" dirty="0"/>
+              <a:t>:</a:t>
+            </a:r>
+          </a:p>
+          <a:p>
+            <a:pPr lvl="2"/>
+            <a:r>
+              <a:rPr lang="de-DE" dirty="0"/>
+              <a:t>Logger</a:t>
+            </a:r>
+          </a:p>
+          <a:p>
+            <a:pPr lvl="2"/>
+            <a:r>
+              <a:rPr lang="de-DE" dirty="0" err="1"/>
+              <a:t>Appender</a:t>
+            </a:r>
+            <a:endParaRPr lang="de-DE" dirty="0"/>
+          </a:p>
+          <a:p>
+            <a:pPr lvl="2"/>
+            <a:r>
+              <a:rPr lang="de-DE" dirty="0" err="1"/>
+              <a:t>Loglevel</a:t>
+            </a:r>
+            <a:endParaRPr lang="de-DE" dirty="0"/>
+          </a:p>
+          <a:p>
+            <a:pPr lvl="2"/>
+            <a:endParaRPr lang="de-DE" dirty="0"/>
+          </a:p>
+        </p:txBody>
+      </p:sp>
+    </p:spTree>
+    <p:extLst>
+      <p:ext uri="{BB962C8B-B14F-4D97-AF65-F5344CB8AC3E}">
+        <p14:creationId xmlns:p14="http://schemas.microsoft.com/office/powerpoint/2010/main" val="3255580773"/>
       </p:ext>
     </p:extLst>
   </p:cSld>
@@ -4824,6 +5475,875 @@
     <p:extLst>
       <p:ext uri="{BB962C8B-B14F-4D97-AF65-F5344CB8AC3E}">
         <p14:creationId xmlns:p14="http://schemas.microsoft.com/office/powerpoint/2010/main" val="1544965855"/>
+      </p:ext>
+    </p:extLst>
+  </p:cSld>
+  <p:clrMapOvr>
+    <a:masterClrMapping/>
+  </p:clrMapOvr>
+</p:sld>
+</file>
+
+<file path=ppt/slides/slide20.xml><?xml version="1.0" encoding="utf-8"?>
+<p:sld xmlns:a="http://schemas.openxmlformats.org/drawingml/2006/main" xmlns:r="http://schemas.openxmlformats.org/officeDocument/2006/relationships" xmlns:p="http://schemas.openxmlformats.org/presentationml/2006/main">
+  <p:cSld>
+    <p:spTree>
+      <p:nvGrpSpPr>
+        <p:cNvPr id="1" name=""/>
+        <p:cNvGrpSpPr/>
+        <p:nvPr/>
+      </p:nvGrpSpPr>
+      <p:grpSpPr>
+        <a:xfrm>
+          <a:off x="0" y="0"/>
+          <a:ext cx="0" cy="0"/>
+          <a:chOff x="0" y="0"/>
+          <a:chExt cx="0" cy="0"/>
+        </a:xfrm>
+      </p:grpSpPr>
+      <p:sp>
+        <p:nvSpPr>
+          <p:cNvPr id="2" name="Titel 1">
+            <a:extLst>
+              <a:ext uri="{FF2B5EF4-FFF2-40B4-BE49-F238E27FC236}">
+                <a16:creationId xmlns:a16="http://schemas.microsoft.com/office/drawing/2014/main" id="{0EC7A146-A8F2-A844-9033-A0ACC828AF47}"/>
+              </a:ext>
+            </a:extLst>
+          </p:cNvPr>
+          <p:cNvSpPr>
+            <a:spLocks noGrp="1"/>
+          </p:cNvSpPr>
+          <p:nvPr>
+            <p:ph type="title"/>
+          </p:nvPr>
+        </p:nvSpPr>
+        <p:spPr/>
+        <p:txBody>
+          <a:bodyPr/>
+          <a:lstStyle/>
+          <a:p>
+            <a:r>
+              <a:rPr lang="de-DE" dirty="0" err="1"/>
+              <a:t>Step</a:t>
+            </a:r>
+            <a:r>
+              <a:rPr lang="de-DE" dirty="0"/>
+              <a:t> 40</a:t>
+            </a:r>
+          </a:p>
+        </p:txBody>
+      </p:sp>
+      <p:sp>
+        <p:nvSpPr>
+          <p:cNvPr id="3" name="Inhaltsplatzhalter 2">
+            <a:extLst>
+              <a:ext uri="{FF2B5EF4-FFF2-40B4-BE49-F238E27FC236}">
+                <a16:creationId xmlns:a16="http://schemas.microsoft.com/office/drawing/2014/main" id="{2A5EBA90-6155-FD45-A74C-ECC42BCA72DF}"/>
+              </a:ext>
+            </a:extLst>
+          </p:cNvPr>
+          <p:cNvSpPr>
+            <a:spLocks noGrp="1"/>
+          </p:cNvSpPr>
+          <p:nvPr>
+            <p:ph idx="1"/>
+          </p:nvPr>
+        </p:nvSpPr>
+        <p:spPr/>
+        <p:txBody>
+          <a:bodyPr/>
+          <a:lstStyle/>
+          <a:p>
+            <a:r>
+              <a:rPr lang="de-DE" dirty="0"/>
+              <a:t>Thema: Strukturierung des Projekts in </a:t>
+            </a:r>
+            <a:r>
+              <a:rPr lang="de-DE" dirty="0" err="1"/>
+              <a:t>Maven</a:t>
+            </a:r>
+            <a:r>
+              <a:rPr lang="de-DE" dirty="0"/>
+              <a:t>-Module</a:t>
+            </a:r>
+            <a:endParaRPr lang="de-DE" dirty="0">
+              <a:latin typeface="Courier New" panose="02070309020205020404" pitchFamily="49" charset="0"/>
+              <a:cs typeface="Courier New" panose="02070309020205020404" pitchFamily="49" charset="0"/>
+            </a:endParaRPr>
+          </a:p>
+          <a:p>
+            <a:pPr lvl="1"/>
+            <a:r>
+              <a:rPr lang="de-DE" dirty="0"/>
+              <a:t>Aufteilung der Definition in Parent und Module</a:t>
+            </a:r>
+          </a:p>
+          <a:p>
+            <a:pPr lvl="1"/>
+            <a:r>
+              <a:rPr lang="de-DE" dirty="0"/>
+              <a:t>Verwaltung der Abhängigkeiten in den Modul-POMs</a:t>
+            </a:r>
+          </a:p>
+          <a:p>
+            <a:pPr lvl="2"/>
+            <a:endParaRPr lang="de-DE" dirty="0"/>
+          </a:p>
+        </p:txBody>
+      </p:sp>
+    </p:spTree>
+    <p:extLst>
+      <p:ext uri="{BB962C8B-B14F-4D97-AF65-F5344CB8AC3E}">
+        <p14:creationId xmlns:p14="http://schemas.microsoft.com/office/powerpoint/2010/main" val="3784840466"/>
+      </p:ext>
+    </p:extLst>
+  </p:cSld>
+  <p:clrMapOvr>
+    <a:masterClrMapping/>
+  </p:clrMapOvr>
+</p:sld>
+</file>
+
+<file path=ppt/slides/slide21.xml><?xml version="1.0" encoding="utf-8"?>
+<p:sld xmlns:a="http://schemas.openxmlformats.org/drawingml/2006/main" xmlns:r="http://schemas.openxmlformats.org/officeDocument/2006/relationships" xmlns:p="http://schemas.openxmlformats.org/presentationml/2006/main">
+  <p:cSld>
+    <p:spTree>
+      <p:nvGrpSpPr>
+        <p:cNvPr id="1" name=""/>
+        <p:cNvGrpSpPr/>
+        <p:nvPr/>
+      </p:nvGrpSpPr>
+      <p:grpSpPr>
+        <a:xfrm>
+          <a:off x="0" y="0"/>
+          <a:ext cx="0" cy="0"/>
+          <a:chOff x="0" y="0"/>
+          <a:chExt cx="0" cy="0"/>
+        </a:xfrm>
+      </p:grpSpPr>
+      <p:sp>
+        <p:nvSpPr>
+          <p:cNvPr id="2" name="Titel 1">
+            <a:extLst>
+              <a:ext uri="{FF2B5EF4-FFF2-40B4-BE49-F238E27FC236}">
+                <a16:creationId xmlns:a16="http://schemas.microsoft.com/office/drawing/2014/main" id="{0EC7A146-A8F2-A844-9033-A0ACC828AF47}"/>
+              </a:ext>
+            </a:extLst>
+          </p:cNvPr>
+          <p:cNvSpPr>
+            <a:spLocks noGrp="1"/>
+          </p:cNvSpPr>
+          <p:nvPr>
+            <p:ph type="title"/>
+          </p:nvPr>
+        </p:nvSpPr>
+        <p:spPr/>
+        <p:txBody>
+          <a:bodyPr/>
+          <a:lstStyle/>
+          <a:p>
+            <a:r>
+              <a:rPr lang="de-DE" dirty="0" err="1"/>
+              <a:t>Step</a:t>
+            </a:r>
+            <a:r>
+              <a:rPr lang="de-DE" dirty="0"/>
+              <a:t> 50</a:t>
+            </a:r>
+          </a:p>
+        </p:txBody>
+      </p:sp>
+      <p:sp>
+        <p:nvSpPr>
+          <p:cNvPr id="3" name="Inhaltsplatzhalter 2">
+            <a:extLst>
+              <a:ext uri="{FF2B5EF4-FFF2-40B4-BE49-F238E27FC236}">
+                <a16:creationId xmlns:a16="http://schemas.microsoft.com/office/drawing/2014/main" id="{2A5EBA90-6155-FD45-A74C-ECC42BCA72DF}"/>
+              </a:ext>
+            </a:extLst>
+          </p:cNvPr>
+          <p:cNvSpPr>
+            <a:spLocks noGrp="1"/>
+          </p:cNvSpPr>
+          <p:nvPr>
+            <p:ph idx="1"/>
+          </p:nvPr>
+        </p:nvSpPr>
+        <p:spPr/>
+        <p:txBody>
+          <a:bodyPr/>
+          <a:lstStyle/>
+          <a:p>
+            <a:r>
+              <a:rPr lang="de-DE" dirty="0"/>
+              <a:t>Thema: Unit-Tests</a:t>
+            </a:r>
+            <a:endParaRPr lang="de-DE" dirty="0">
+              <a:latin typeface="Courier New" panose="02070309020205020404" pitchFamily="49" charset="0"/>
+              <a:cs typeface="Courier New" panose="02070309020205020404" pitchFamily="49" charset="0"/>
+            </a:endParaRPr>
+          </a:p>
+          <a:p>
+            <a:pPr lvl="1"/>
+            <a:r>
+              <a:rPr lang="de-DE" dirty="0"/>
+              <a:t>Framework für Unit-Tests: </a:t>
+            </a:r>
+            <a:r>
+              <a:rPr lang="de-DE" dirty="0" err="1"/>
+              <a:t>Junit</a:t>
+            </a:r>
+            <a:endParaRPr lang="de-DE" dirty="0"/>
+          </a:p>
+          <a:p>
+            <a:pPr lvl="2"/>
+            <a:r>
+              <a:rPr lang="de-DE" dirty="0"/>
+              <a:t>Definition und Strukturierung von Tests</a:t>
+            </a:r>
+          </a:p>
+          <a:p>
+            <a:pPr lvl="2"/>
+            <a:r>
+              <a:rPr lang="de-DE" dirty="0"/>
+              <a:t>Ausführung der Tests</a:t>
+            </a:r>
+          </a:p>
+          <a:p>
+            <a:pPr lvl="2"/>
+            <a:r>
+              <a:rPr lang="de-DE" dirty="0"/>
+              <a:t>Darstellung der Ergebnisse</a:t>
+            </a:r>
+          </a:p>
+          <a:p>
+            <a:pPr lvl="1"/>
+            <a:r>
+              <a:rPr lang="de-DE" dirty="0"/>
+              <a:t>Bibliothek für </a:t>
+            </a:r>
+            <a:r>
+              <a:rPr lang="de-DE" dirty="0" err="1"/>
+              <a:t>Assertions</a:t>
+            </a:r>
+            <a:r>
+              <a:rPr lang="de-DE" dirty="0"/>
+              <a:t>: </a:t>
+            </a:r>
+            <a:r>
+              <a:rPr lang="de-DE" dirty="0" err="1"/>
+              <a:t>AssertJ</a:t>
+            </a:r>
+            <a:endParaRPr lang="de-DE" dirty="0"/>
+          </a:p>
+          <a:p>
+            <a:pPr lvl="2"/>
+            <a:r>
+              <a:rPr lang="de-DE" dirty="0"/>
+              <a:t>Formulierung von Test-erwartungen</a:t>
+            </a:r>
+          </a:p>
+          <a:p>
+            <a:pPr lvl="2"/>
+            <a:r>
+              <a:rPr lang="de-DE" dirty="0"/>
+              <a:t>Beispiel für interne DSL</a:t>
+            </a:r>
+          </a:p>
+          <a:p>
+            <a:pPr lvl="2"/>
+            <a:endParaRPr lang="de-DE" dirty="0"/>
+          </a:p>
+        </p:txBody>
+      </p:sp>
+    </p:spTree>
+    <p:extLst>
+      <p:ext uri="{BB962C8B-B14F-4D97-AF65-F5344CB8AC3E}">
+        <p14:creationId xmlns:p14="http://schemas.microsoft.com/office/powerpoint/2010/main" val="852841484"/>
+      </p:ext>
+    </p:extLst>
+  </p:cSld>
+  <p:clrMapOvr>
+    <a:masterClrMapping/>
+  </p:clrMapOvr>
+</p:sld>
+</file>
+
+<file path=ppt/slides/slide22.xml><?xml version="1.0" encoding="utf-8"?>
+<p:sld xmlns:a="http://schemas.openxmlformats.org/drawingml/2006/main" xmlns:r="http://schemas.openxmlformats.org/officeDocument/2006/relationships" xmlns:p="http://schemas.openxmlformats.org/presentationml/2006/main">
+  <p:cSld>
+    <p:spTree>
+      <p:nvGrpSpPr>
+        <p:cNvPr id="1" name=""/>
+        <p:cNvGrpSpPr/>
+        <p:nvPr/>
+      </p:nvGrpSpPr>
+      <p:grpSpPr>
+        <a:xfrm>
+          <a:off x="0" y="0"/>
+          <a:ext cx="0" cy="0"/>
+          <a:chOff x="0" y="0"/>
+          <a:chExt cx="0" cy="0"/>
+        </a:xfrm>
+      </p:grpSpPr>
+      <p:sp>
+        <p:nvSpPr>
+          <p:cNvPr id="2" name="Titel 1">
+            <a:extLst>
+              <a:ext uri="{FF2B5EF4-FFF2-40B4-BE49-F238E27FC236}">
+                <a16:creationId xmlns:a16="http://schemas.microsoft.com/office/drawing/2014/main" id="{0EC7A146-A8F2-A844-9033-A0ACC828AF47}"/>
+              </a:ext>
+            </a:extLst>
+          </p:cNvPr>
+          <p:cNvSpPr>
+            <a:spLocks noGrp="1"/>
+          </p:cNvSpPr>
+          <p:nvPr>
+            <p:ph type="title"/>
+          </p:nvPr>
+        </p:nvSpPr>
+        <p:spPr/>
+        <p:txBody>
+          <a:bodyPr/>
+          <a:lstStyle/>
+          <a:p>
+            <a:r>
+              <a:rPr lang="de-DE" dirty="0" err="1"/>
+              <a:t>Step</a:t>
+            </a:r>
+            <a:r>
+              <a:rPr lang="de-DE" dirty="0"/>
+              <a:t> 60</a:t>
+            </a:r>
+          </a:p>
+        </p:txBody>
+      </p:sp>
+      <p:sp>
+        <p:nvSpPr>
+          <p:cNvPr id="3" name="Inhaltsplatzhalter 2">
+            <a:extLst>
+              <a:ext uri="{FF2B5EF4-FFF2-40B4-BE49-F238E27FC236}">
+                <a16:creationId xmlns:a16="http://schemas.microsoft.com/office/drawing/2014/main" id="{2A5EBA90-6155-FD45-A74C-ECC42BCA72DF}"/>
+              </a:ext>
+            </a:extLst>
+          </p:cNvPr>
+          <p:cNvSpPr>
+            <a:spLocks noGrp="1"/>
+          </p:cNvSpPr>
+          <p:nvPr>
+            <p:ph idx="1"/>
+          </p:nvPr>
+        </p:nvSpPr>
+        <p:spPr/>
+        <p:txBody>
+          <a:bodyPr/>
+          <a:lstStyle/>
+          <a:p>
+            <a:r>
+              <a:rPr lang="de-DE" dirty="0"/>
+              <a:t>Thema: Implementierung eines REST-Endpunktes mit Spring Boot</a:t>
+            </a:r>
+          </a:p>
+          <a:p>
+            <a:pPr lvl="1"/>
+            <a:r>
+              <a:rPr lang="de-DE" dirty="0">
+                <a:cs typeface="Courier New" panose="02070309020205020404" pitchFamily="49" charset="0"/>
+              </a:rPr>
+              <a:t>Spring</a:t>
+            </a:r>
+          </a:p>
+          <a:p>
+            <a:pPr lvl="2"/>
+            <a:r>
+              <a:rPr lang="de-DE" dirty="0">
+                <a:cs typeface="Courier New" panose="02070309020205020404" pitchFamily="49" charset="0"/>
+              </a:rPr>
+              <a:t>Java-Framework zur Implementierung von Enterprise </a:t>
+            </a:r>
+            <a:r>
+              <a:rPr lang="de-DE" dirty="0" err="1">
+                <a:cs typeface="Courier New" panose="02070309020205020404" pitchFamily="49" charset="0"/>
+              </a:rPr>
+              <a:t>Applications</a:t>
+            </a:r>
+            <a:endParaRPr lang="de-DE" dirty="0">
+              <a:cs typeface="Courier New" panose="02070309020205020404" pitchFamily="49" charset="0"/>
+            </a:endParaRPr>
+          </a:p>
+          <a:p>
+            <a:pPr lvl="2"/>
+            <a:r>
+              <a:rPr lang="de-DE" dirty="0">
+                <a:cs typeface="Courier New" panose="02070309020205020404" pitchFamily="49" charset="0"/>
+              </a:rPr>
+              <a:t>Kern: Framework für </a:t>
+            </a:r>
+            <a:r>
+              <a:rPr lang="de-DE" dirty="0" err="1">
+                <a:cs typeface="Courier New" panose="02070309020205020404" pitchFamily="49" charset="0"/>
+              </a:rPr>
+              <a:t>Dependency</a:t>
+            </a:r>
+            <a:r>
+              <a:rPr lang="de-DE" dirty="0">
+                <a:cs typeface="Courier New" panose="02070309020205020404" pitchFamily="49" charset="0"/>
+              </a:rPr>
+              <a:t> </a:t>
+            </a:r>
+            <a:r>
+              <a:rPr lang="de-DE" dirty="0" err="1">
+                <a:cs typeface="Courier New" panose="02070309020205020404" pitchFamily="49" charset="0"/>
+              </a:rPr>
+              <a:t>Injection</a:t>
+            </a:r>
+            <a:endParaRPr lang="de-DE" dirty="0">
+              <a:cs typeface="Courier New" panose="02070309020205020404" pitchFamily="49" charset="0"/>
+            </a:endParaRPr>
+          </a:p>
+          <a:p>
+            <a:pPr lvl="2"/>
+            <a:r>
+              <a:rPr lang="de-DE" dirty="0">
+                <a:cs typeface="Courier New" panose="02070309020205020404" pitchFamily="49" charset="0"/>
+              </a:rPr>
+              <a:t>Sehr umfangreich</a:t>
+            </a:r>
+          </a:p>
+          <a:p>
+            <a:pPr lvl="1"/>
+            <a:r>
+              <a:rPr lang="de-DE" dirty="0">
+                <a:cs typeface="Courier New" panose="02070309020205020404" pitchFamily="49" charset="0"/>
+              </a:rPr>
+              <a:t>Spring Boot</a:t>
+            </a:r>
+          </a:p>
+          <a:p>
+            <a:pPr lvl="2"/>
+            <a:r>
+              <a:rPr lang="de-DE" dirty="0">
+                <a:cs typeface="Courier New" panose="02070309020205020404" pitchFamily="49" charset="0"/>
+              </a:rPr>
+              <a:t>Vereinfachte Konfiguration von Spring-Anwendungen (vordefinierte Starter)</a:t>
+            </a:r>
+          </a:p>
+          <a:p>
+            <a:pPr lvl="2"/>
+            <a:r>
+              <a:rPr lang="de-DE" dirty="0">
+                <a:cs typeface="Courier New" panose="02070309020205020404" pitchFamily="49" charset="0"/>
+              </a:rPr>
+              <a:t>Sehr beliebt zur Implementierung von </a:t>
+            </a:r>
+            <a:r>
+              <a:rPr lang="de-DE" dirty="0" err="1">
+                <a:cs typeface="Courier New" panose="02070309020205020404" pitchFamily="49" charset="0"/>
+              </a:rPr>
+              <a:t>Microservices</a:t>
+            </a:r>
+            <a:endParaRPr lang="de-DE" dirty="0">
+              <a:cs typeface="Courier New" panose="02070309020205020404" pitchFamily="49" charset="0"/>
+            </a:endParaRPr>
+          </a:p>
+        </p:txBody>
+      </p:sp>
+    </p:spTree>
+    <p:extLst>
+      <p:ext uri="{BB962C8B-B14F-4D97-AF65-F5344CB8AC3E}">
+        <p14:creationId xmlns:p14="http://schemas.microsoft.com/office/powerpoint/2010/main" val="1717894978"/>
+      </p:ext>
+    </p:extLst>
+  </p:cSld>
+  <p:clrMapOvr>
+    <a:masterClrMapping/>
+  </p:clrMapOvr>
+</p:sld>
+</file>
+
+<file path=ppt/slides/slide23.xml><?xml version="1.0" encoding="utf-8"?>
+<p:sld xmlns:a="http://schemas.openxmlformats.org/drawingml/2006/main" xmlns:r="http://schemas.openxmlformats.org/officeDocument/2006/relationships" xmlns:p="http://schemas.openxmlformats.org/presentationml/2006/main">
+  <p:cSld>
+    <p:spTree>
+      <p:nvGrpSpPr>
+        <p:cNvPr id="1" name=""/>
+        <p:cNvGrpSpPr/>
+        <p:nvPr/>
+      </p:nvGrpSpPr>
+      <p:grpSpPr>
+        <a:xfrm>
+          <a:off x="0" y="0"/>
+          <a:ext cx="0" cy="0"/>
+          <a:chOff x="0" y="0"/>
+          <a:chExt cx="0" cy="0"/>
+        </a:xfrm>
+      </p:grpSpPr>
+      <p:sp>
+        <p:nvSpPr>
+          <p:cNvPr id="2" name="Titel 1">
+            <a:extLst>
+              <a:ext uri="{FF2B5EF4-FFF2-40B4-BE49-F238E27FC236}">
+                <a16:creationId xmlns:a16="http://schemas.microsoft.com/office/drawing/2014/main" id="{0EC7A146-A8F2-A844-9033-A0ACC828AF47}"/>
+              </a:ext>
+            </a:extLst>
+          </p:cNvPr>
+          <p:cNvSpPr>
+            <a:spLocks noGrp="1"/>
+          </p:cNvSpPr>
+          <p:nvPr>
+            <p:ph type="title"/>
+          </p:nvPr>
+        </p:nvSpPr>
+        <p:spPr/>
+        <p:txBody>
+          <a:bodyPr/>
+          <a:lstStyle/>
+          <a:p>
+            <a:r>
+              <a:rPr lang="de-DE" dirty="0" err="1"/>
+              <a:t>Step</a:t>
+            </a:r>
+            <a:r>
+              <a:rPr lang="de-DE" dirty="0"/>
+              <a:t> 70</a:t>
+            </a:r>
+          </a:p>
+        </p:txBody>
+      </p:sp>
+      <p:sp>
+        <p:nvSpPr>
+          <p:cNvPr id="3" name="Inhaltsplatzhalter 2">
+            <a:extLst>
+              <a:ext uri="{FF2B5EF4-FFF2-40B4-BE49-F238E27FC236}">
+                <a16:creationId xmlns:a16="http://schemas.microsoft.com/office/drawing/2014/main" id="{2A5EBA90-6155-FD45-A74C-ECC42BCA72DF}"/>
+              </a:ext>
+            </a:extLst>
+          </p:cNvPr>
+          <p:cNvSpPr>
+            <a:spLocks noGrp="1"/>
+          </p:cNvSpPr>
+          <p:nvPr>
+            <p:ph idx="1"/>
+          </p:nvPr>
+        </p:nvSpPr>
+        <p:spPr/>
+        <p:txBody>
+          <a:bodyPr/>
+          <a:lstStyle/>
+          <a:p>
+            <a:r>
+              <a:rPr lang="de-DE" dirty="0"/>
+              <a:t>Thema: </a:t>
+            </a:r>
+            <a:r>
+              <a:rPr lang="de-DE" dirty="0" err="1"/>
+              <a:t>Dependency</a:t>
+            </a:r>
+            <a:r>
+              <a:rPr lang="de-DE" dirty="0"/>
+              <a:t> </a:t>
+            </a:r>
+            <a:r>
+              <a:rPr lang="de-DE" dirty="0" err="1"/>
+              <a:t>Injection</a:t>
+            </a:r>
+            <a:r>
+              <a:rPr lang="de-DE" dirty="0"/>
+              <a:t> mit Spring</a:t>
+            </a:r>
+          </a:p>
+        </p:txBody>
+      </p:sp>
+    </p:spTree>
+    <p:extLst>
+      <p:ext uri="{BB962C8B-B14F-4D97-AF65-F5344CB8AC3E}">
+        <p14:creationId xmlns:p14="http://schemas.microsoft.com/office/powerpoint/2010/main" val="2804024451"/>
+      </p:ext>
+    </p:extLst>
+  </p:cSld>
+  <p:clrMapOvr>
+    <a:masterClrMapping/>
+  </p:clrMapOvr>
+</p:sld>
+</file>
+
+<file path=ppt/slides/slide24.xml><?xml version="1.0" encoding="utf-8"?>
+<p:sld xmlns:a="http://schemas.openxmlformats.org/drawingml/2006/main" xmlns:r="http://schemas.openxmlformats.org/officeDocument/2006/relationships" xmlns:p="http://schemas.openxmlformats.org/presentationml/2006/main">
+  <p:cSld>
+    <p:spTree>
+      <p:nvGrpSpPr>
+        <p:cNvPr id="1" name=""/>
+        <p:cNvGrpSpPr/>
+        <p:nvPr/>
+      </p:nvGrpSpPr>
+      <p:grpSpPr>
+        <a:xfrm>
+          <a:off x="0" y="0"/>
+          <a:ext cx="0" cy="0"/>
+          <a:chOff x="0" y="0"/>
+          <a:chExt cx="0" cy="0"/>
+        </a:xfrm>
+      </p:grpSpPr>
+      <p:sp>
+        <p:nvSpPr>
+          <p:cNvPr id="2" name="Titel 1">
+            <a:extLst>
+              <a:ext uri="{FF2B5EF4-FFF2-40B4-BE49-F238E27FC236}">
+                <a16:creationId xmlns:a16="http://schemas.microsoft.com/office/drawing/2014/main" id="{0EC7A146-A8F2-A844-9033-A0ACC828AF47}"/>
+              </a:ext>
+            </a:extLst>
+          </p:cNvPr>
+          <p:cNvSpPr>
+            <a:spLocks noGrp="1"/>
+          </p:cNvSpPr>
+          <p:nvPr>
+            <p:ph type="title"/>
+          </p:nvPr>
+        </p:nvSpPr>
+        <p:spPr/>
+        <p:txBody>
+          <a:bodyPr/>
+          <a:lstStyle/>
+          <a:p>
+            <a:r>
+              <a:rPr lang="de-DE" dirty="0" err="1"/>
+              <a:t>Step</a:t>
+            </a:r>
+            <a:r>
+              <a:rPr lang="de-DE" dirty="0"/>
+              <a:t> 80</a:t>
+            </a:r>
+          </a:p>
+        </p:txBody>
+      </p:sp>
+      <p:sp>
+        <p:nvSpPr>
+          <p:cNvPr id="3" name="Inhaltsplatzhalter 2">
+            <a:extLst>
+              <a:ext uri="{FF2B5EF4-FFF2-40B4-BE49-F238E27FC236}">
+                <a16:creationId xmlns:a16="http://schemas.microsoft.com/office/drawing/2014/main" id="{2A5EBA90-6155-FD45-A74C-ECC42BCA72DF}"/>
+              </a:ext>
+            </a:extLst>
+          </p:cNvPr>
+          <p:cNvSpPr>
+            <a:spLocks noGrp="1"/>
+          </p:cNvSpPr>
+          <p:nvPr>
+            <p:ph idx="1"/>
+          </p:nvPr>
+        </p:nvSpPr>
+        <p:spPr/>
+        <p:txBody>
+          <a:bodyPr/>
+          <a:lstStyle/>
+          <a:p>
+            <a:r>
+              <a:rPr lang="de-DE" dirty="0"/>
+              <a:t>Thema: Testen mit Mocks</a:t>
+            </a:r>
+          </a:p>
+          <a:p>
+            <a:pPr lvl="1"/>
+            <a:r>
+              <a:rPr lang="de-DE" dirty="0" err="1"/>
+              <a:t>Mockito</a:t>
+            </a:r>
+            <a:r>
+              <a:rPr lang="de-DE" dirty="0"/>
+              <a:t>: Bibliothek zum Erstellen von Mock-Objekten </a:t>
+            </a:r>
+            <a:r>
+              <a:rPr lang="de-DE"/>
+              <a:t>in Unit-Tests</a:t>
+            </a:r>
+            <a:endParaRPr lang="de-DE" dirty="0"/>
+          </a:p>
+        </p:txBody>
+      </p:sp>
+    </p:spTree>
+    <p:extLst>
+      <p:ext uri="{BB962C8B-B14F-4D97-AF65-F5344CB8AC3E}">
+        <p14:creationId xmlns:p14="http://schemas.microsoft.com/office/powerpoint/2010/main" val="1609070468"/>
+      </p:ext>
+    </p:extLst>
+  </p:cSld>
+  <p:clrMapOvr>
+    <a:masterClrMapping/>
+  </p:clrMapOvr>
+</p:sld>
+</file>
+
+<file path=ppt/slides/slide25.xml><?xml version="1.0" encoding="utf-8"?>
+<p:sld xmlns:a="http://schemas.openxmlformats.org/drawingml/2006/main" xmlns:r="http://schemas.openxmlformats.org/officeDocument/2006/relationships" xmlns:p="http://schemas.openxmlformats.org/presentationml/2006/main">
+  <p:cSld>
+    <p:spTree>
+      <p:nvGrpSpPr>
+        <p:cNvPr id="1" name=""/>
+        <p:cNvGrpSpPr/>
+        <p:nvPr/>
+      </p:nvGrpSpPr>
+      <p:grpSpPr>
+        <a:xfrm>
+          <a:off x="0" y="0"/>
+          <a:ext cx="0" cy="0"/>
+          <a:chOff x="0" y="0"/>
+          <a:chExt cx="0" cy="0"/>
+        </a:xfrm>
+      </p:grpSpPr>
+      <p:sp>
+        <p:nvSpPr>
+          <p:cNvPr id="2" name="Titel 1">
+            <a:extLst>
+              <a:ext uri="{FF2B5EF4-FFF2-40B4-BE49-F238E27FC236}">
+                <a16:creationId xmlns:a16="http://schemas.microsoft.com/office/drawing/2014/main" id="{0EC7A146-A8F2-A844-9033-A0ACC828AF47}"/>
+              </a:ext>
+            </a:extLst>
+          </p:cNvPr>
+          <p:cNvSpPr>
+            <a:spLocks noGrp="1"/>
+          </p:cNvSpPr>
+          <p:nvPr>
+            <p:ph type="title"/>
+          </p:nvPr>
+        </p:nvSpPr>
+        <p:spPr/>
+        <p:txBody>
+          <a:bodyPr/>
+          <a:lstStyle/>
+          <a:p>
+            <a:r>
+              <a:rPr lang="de-DE" dirty="0" err="1"/>
+              <a:t>Step</a:t>
+            </a:r>
+            <a:r>
+              <a:rPr lang="de-DE" dirty="0"/>
+              <a:t> 90</a:t>
+            </a:r>
+          </a:p>
+        </p:txBody>
+      </p:sp>
+      <p:sp>
+        <p:nvSpPr>
+          <p:cNvPr id="3" name="Inhaltsplatzhalter 2">
+            <a:extLst>
+              <a:ext uri="{FF2B5EF4-FFF2-40B4-BE49-F238E27FC236}">
+                <a16:creationId xmlns:a16="http://schemas.microsoft.com/office/drawing/2014/main" id="{2A5EBA90-6155-FD45-A74C-ECC42BCA72DF}"/>
+              </a:ext>
+            </a:extLst>
+          </p:cNvPr>
+          <p:cNvSpPr>
+            <a:spLocks noGrp="1"/>
+          </p:cNvSpPr>
+          <p:nvPr>
+            <p:ph idx="1"/>
+          </p:nvPr>
+        </p:nvSpPr>
+        <p:spPr/>
+        <p:txBody>
+          <a:bodyPr/>
+          <a:lstStyle/>
+          <a:p>
+            <a:r>
+              <a:rPr lang="de-DE" dirty="0"/>
+              <a:t>Thema: Persistenz mit Spring Data</a:t>
+            </a:r>
+          </a:p>
+        </p:txBody>
+      </p:sp>
+    </p:spTree>
+    <p:extLst>
+      <p:ext uri="{BB962C8B-B14F-4D97-AF65-F5344CB8AC3E}">
+        <p14:creationId xmlns:p14="http://schemas.microsoft.com/office/powerpoint/2010/main" val="3263348999"/>
+      </p:ext>
+    </p:extLst>
+  </p:cSld>
+  <p:clrMapOvr>
+    <a:masterClrMapping/>
+  </p:clrMapOvr>
+</p:sld>
+</file>
+
+<file path=ppt/slides/slide26.xml><?xml version="1.0" encoding="utf-8"?>
+<p:sld xmlns:a="http://schemas.openxmlformats.org/drawingml/2006/main" xmlns:r="http://schemas.openxmlformats.org/officeDocument/2006/relationships" xmlns:p="http://schemas.openxmlformats.org/presentationml/2006/main">
+  <p:cSld>
+    <p:spTree>
+      <p:nvGrpSpPr>
+        <p:cNvPr id="1" name=""/>
+        <p:cNvGrpSpPr/>
+        <p:nvPr/>
+      </p:nvGrpSpPr>
+      <p:grpSpPr>
+        <a:xfrm>
+          <a:off x="0" y="0"/>
+          <a:ext cx="0" cy="0"/>
+          <a:chOff x="0" y="0"/>
+          <a:chExt cx="0" cy="0"/>
+        </a:xfrm>
+      </p:grpSpPr>
+      <p:sp>
+        <p:nvSpPr>
+          <p:cNvPr id="2" name="Titel 1">
+            <a:extLst>
+              <a:ext uri="{FF2B5EF4-FFF2-40B4-BE49-F238E27FC236}">
+                <a16:creationId xmlns:a16="http://schemas.microsoft.com/office/drawing/2014/main" id="{0EC7A146-A8F2-A844-9033-A0ACC828AF47}"/>
+              </a:ext>
+            </a:extLst>
+          </p:cNvPr>
+          <p:cNvSpPr>
+            <a:spLocks noGrp="1"/>
+          </p:cNvSpPr>
+          <p:nvPr>
+            <p:ph type="title"/>
+          </p:nvPr>
+        </p:nvSpPr>
+        <p:spPr/>
+        <p:txBody>
+          <a:bodyPr/>
+          <a:lstStyle/>
+          <a:p>
+            <a:r>
+              <a:rPr lang="de-DE" dirty="0" err="1"/>
+              <a:t>Step</a:t>
+            </a:r>
+            <a:r>
+              <a:rPr lang="de-DE" dirty="0"/>
+              <a:t> 100</a:t>
+            </a:r>
+          </a:p>
+        </p:txBody>
+      </p:sp>
+      <p:sp>
+        <p:nvSpPr>
+          <p:cNvPr id="3" name="Inhaltsplatzhalter 2">
+            <a:extLst>
+              <a:ext uri="{FF2B5EF4-FFF2-40B4-BE49-F238E27FC236}">
+                <a16:creationId xmlns:a16="http://schemas.microsoft.com/office/drawing/2014/main" id="{2A5EBA90-6155-FD45-A74C-ECC42BCA72DF}"/>
+              </a:ext>
+            </a:extLst>
+          </p:cNvPr>
+          <p:cNvSpPr>
+            <a:spLocks noGrp="1"/>
+          </p:cNvSpPr>
+          <p:nvPr>
+            <p:ph idx="1"/>
+          </p:nvPr>
+        </p:nvSpPr>
+        <p:spPr/>
+        <p:txBody>
+          <a:bodyPr/>
+          <a:lstStyle/>
+          <a:p>
+            <a:r>
+              <a:rPr lang="de-DE" dirty="0"/>
+              <a:t>Thema: Service als Docker-Container</a:t>
+            </a:r>
+          </a:p>
+        </p:txBody>
+      </p:sp>
+    </p:spTree>
+    <p:extLst>
+      <p:ext uri="{BB962C8B-B14F-4D97-AF65-F5344CB8AC3E}">
+        <p14:creationId xmlns:p14="http://schemas.microsoft.com/office/powerpoint/2010/main" val="1059597919"/>
       </p:ext>
     </p:extLst>
   </p:cSld>
@@ -5500,12 +7020,9 @@
           <a:p>
             <a:r>
               <a:rPr lang="de-DE" dirty="0" err="1"/>
-              <a:t>Step</a:t>
-            </a:r>
-            <a:r>
-              <a:rPr lang="de-DE" dirty="0"/>
-              <a:t> 10</a:t>
-            </a:r>
+              <a:t>Microservices</a:t>
+            </a:r>
+            <a:endParaRPr lang="de-DE" dirty="0"/>
           </a:p>
         </p:txBody>
       </p:sp>
@@ -5527,72 +7044,123 @@
         </p:nvSpPr>
         <p:spPr/>
         <p:txBody>
-          <a:bodyPr/>
-          <a:lstStyle/>
-          <a:p>
-            <a:r>
-              <a:rPr lang="de-DE" dirty="0"/>
-              <a:t>Thema: Java</a:t>
+          <a:bodyPr>
+            <a:normAutofit/>
+          </a:bodyPr>
+          <a:lstStyle/>
+          <a:p>
+            <a:r>
+              <a:rPr lang="de-DE" dirty="0"/>
+              <a:t>Prinzipien</a:t>
             </a:r>
           </a:p>
           <a:p>
             <a:pPr lvl="1"/>
             <a:r>
               <a:rPr lang="de-DE" dirty="0"/>
-              <a:t>Objektorientierte Programmiersprache</a:t>
-            </a:r>
+              <a:t>Vollständige Unabhängigkeit</a:t>
+            </a:r>
+          </a:p>
+          <a:p>
+            <a:pPr lvl="2"/>
+            <a:r>
+              <a:rPr lang="de-DE" dirty="0"/>
+              <a:t>Kein </a:t>
+            </a:r>
+            <a:r>
+              <a:rPr lang="de-DE" dirty="0" err="1"/>
+              <a:t>shared</a:t>
+            </a:r>
+            <a:r>
+              <a:rPr lang="de-DE" dirty="0"/>
+              <a:t> </a:t>
+            </a:r>
+            <a:r>
+              <a:rPr lang="de-DE" dirty="0" err="1"/>
+              <a:t>code</a:t>
+            </a:r>
+            <a:endParaRPr lang="de-DE" dirty="0"/>
+          </a:p>
+          <a:p>
+            <a:pPr lvl="2"/>
+            <a:r>
+              <a:rPr lang="de-DE" dirty="0"/>
+              <a:t>Keine gemeinsam genutzte Datenbank</a:t>
+            </a:r>
+          </a:p>
+          <a:p>
+            <a:pPr lvl="2"/>
+            <a:r>
+              <a:rPr lang="de-DE" dirty="0"/>
+              <a:t>Unabhängiges </a:t>
+            </a:r>
+            <a:r>
+              <a:rPr lang="de-DE" dirty="0" err="1"/>
+              <a:t>Build</a:t>
+            </a:r>
+            <a:r>
+              <a:rPr lang="de-DE" dirty="0"/>
+              <a:t>/</a:t>
+            </a:r>
+            <a:r>
+              <a:rPr lang="de-DE" dirty="0" err="1"/>
+              <a:t>Deployment</a:t>
+            </a:r>
+            <a:endParaRPr lang="de-DE" dirty="0"/>
           </a:p>
           <a:p>
             <a:pPr lvl="1"/>
             <a:r>
               <a:rPr lang="de-DE" dirty="0"/>
-              <a:t>Erscheinungsjahr 1996</a:t>
-            </a:r>
-          </a:p>
-          <a:p>
-            <a:pPr lvl="1"/>
-            <a:r>
-              <a:rPr lang="de-DE" dirty="0"/>
-              <a:t>Angelehnt an C++</a:t>
-            </a:r>
-          </a:p>
-          <a:p>
-            <a:pPr lvl="1"/>
+              <a:t>Technik</a:t>
+            </a:r>
+          </a:p>
+          <a:p>
+            <a:pPr lvl="2"/>
+            <a:r>
+              <a:rPr lang="de-DE" dirty="0"/>
+              <a:t>Jeder </a:t>
+            </a:r>
+            <a:r>
+              <a:rPr lang="de-DE" dirty="0" err="1"/>
+              <a:t>Microservice</a:t>
+            </a:r>
+            <a:r>
+              <a:rPr lang="de-DE" dirty="0"/>
+              <a:t>: eigenständige Anwendung</a:t>
+            </a:r>
+          </a:p>
+          <a:p>
+            <a:pPr lvl="2"/>
+            <a:r>
+              <a:rPr lang="de-DE" dirty="0"/>
+              <a:t>Schnittstellen</a:t>
+            </a:r>
+          </a:p>
+          <a:p>
+            <a:pPr lvl="3"/>
+            <a:r>
+              <a:rPr lang="de-DE" dirty="0"/>
+              <a:t>REST/JSON</a:t>
+            </a:r>
+          </a:p>
+          <a:p>
+            <a:pPr lvl="3"/>
+            <a:r>
+              <a:rPr lang="de-DE" dirty="0"/>
+              <a:t>Messages</a:t>
+            </a:r>
+          </a:p>
+          <a:p>
+            <a:pPr lvl="2"/>
             <a:endParaRPr lang="de-DE" dirty="0"/>
-          </a:p>
-          <a:p>
-            <a:r>
-              <a:rPr lang="de-DE" dirty="0"/>
-              <a:t>Inzwischen: eine der am weitesten verbreiteten Programmiersprachen</a:t>
-            </a:r>
-            <a:br>
-              <a:rPr lang="de-DE" dirty="0"/>
-            </a:br>
-            <a:r>
-              <a:rPr lang="de-DE" dirty="0"/>
-              <a:t>(zumindest für Unternehmensanwendungen)</a:t>
-            </a:r>
-          </a:p>
-          <a:p>
-            <a:pPr lvl="1"/>
-            <a:r>
-              <a:rPr lang="de-DE" dirty="0"/>
-              <a:t>Plattformunabhängigkeit</a:t>
-            </a:r>
-          </a:p>
-          <a:p>
-            <a:pPr lvl="1"/>
-            <a:r>
-              <a:rPr lang="de-DE" dirty="0"/>
-              <a:t>Große Zahl an Bibliotheken</a:t>
-            </a:r>
           </a:p>
         </p:txBody>
       </p:sp>
     </p:spTree>
     <p:extLst>
       <p:ext uri="{BB962C8B-B14F-4D97-AF65-F5344CB8AC3E}">
-        <p14:creationId xmlns:p14="http://schemas.microsoft.com/office/powerpoint/2010/main" val="1585598179"/>
+        <p14:creationId xmlns:p14="http://schemas.microsoft.com/office/powerpoint/2010/main" val="2470449297"/>
       </p:ext>
     </p:extLst>
   </p:cSld>
@@ -5642,12 +7210,9 @@
           <a:p>
             <a:r>
               <a:rPr lang="de-DE" dirty="0" err="1"/>
-              <a:t>Step</a:t>
-            </a:r>
-            <a:r>
-              <a:rPr lang="de-DE" dirty="0"/>
-              <a:t> 10</a:t>
-            </a:r>
+              <a:t>Microservices</a:t>
+            </a:r>
+            <a:endParaRPr lang="de-DE" dirty="0"/>
           </a:p>
         </p:txBody>
       </p:sp>
@@ -5669,162 +7234,98 @@
         </p:nvSpPr>
         <p:spPr/>
         <p:txBody>
-          <a:bodyPr/>
-          <a:lstStyle/>
-          <a:p>
-            <a:r>
-              <a:rPr lang="de-DE" dirty="0"/>
-              <a:t>Thema: Java</a:t>
-            </a:r>
+          <a:bodyPr>
+            <a:normAutofit/>
+          </a:bodyPr>
+          <a:lstStyle/>
+          <a:p>
+            <a:r>
+              <a:rPr lang="de-DE" dirty="0"/>
+              <a:t>Prinzipien</a:t>
+            </a:r>
+          </a:p>
+          <a:p>
+            <a:endParaRPr lang="de-DE" dirty="0"/>
           </a:p>
           <a:p>
             <a:pPr lvl="1"/>
             <a:r>
               <a:rPr lang="de-DE" dirty="0"/>
-              <a:t>Compiler: </a:t>
-            </a:r>
-            <a:r>
-              <a:rPr lang="de-DE" dirty="0" err="1">
-                <a:latin typeface="Courier New" panose="02070309020205020404" pitchFamily="49" charset="0"/>
-                <a:cs typeface="Courier New" panose="02070309020205020404" pitchFamily="49" charset="0"/>
-              </a:rPr>
-              <a:t>javac</a:t>
-            </a:r>
-            <a:r>
-              <a:rPr lang="de-DE" dirty="0">
-                <a:latin typeface="Courier New" panose="02070309020205020404" pitchFamily="49" charset="0"/>
-                <a:cs typeface="Courier New" panose="02070309020205020404" pitchFamily="49" charset="0"/>
-              </a:rPr>
+              <a:t>Jeder </a:t>
+            </a:r>
+            <a:r>
+              <a:rPr lang="de-DE" dirty="0" err="1"/>
+              <a:t>Microservice</a:t>
+            </a:r>
+            <a:r>
+              <a:rPr lang="de-DE" dirty="0"/>
+              <a:t>: eigenständig laufende Anwendung</a:t>
+            </a:r>
+          </a:p>
+          <a:p>
+            <a:pPr lvl="1"/>
+            <a:endParaRPr lang="de-DE" dirty="0"/>
+          </a:p>
+          <a:p>
+            <a:pPr lvl="1"/>
+            <a:r>
+              <a:rPr lang="de-DE" dirty="0"/>
+              <a:t>Vollständige Unabhängigkeit</a:t>
+            </a:r>
+          </a:p>
+          <a:p>
+            <a:pPr lvl="2"/>
+            <a:r>
+              <a:rPr lang="de-DE" dirty="0"/>
+              <a:t>Kein </a:t>
+            </a:r>
+            <a:r>
+              <a:rPr lang="de-DE" dirty="0" err="1"/>
+              <a:t>shared</a:t>
+            </a:r>
+            <a:r>
+              <a:rPr lang="de-DE" dirty="0"/>
               <a:t> </a:t>
             </a:r>
             <a:r>
-              <a:rPr lang="de-DE" dirty="0" err="1">
-                <a:latin typeface="Courier New" panose="02070309020205020404" pitchFamily="49" charset="0"/>
-                <a:cs typeface="Courier New" panose="02070309020205020404" pitchFamily="49" charset="0"/>
-              </a:rPr>
-              <a:t>HelloWorld.java</a:t>
-            </a:r>
-            <a:endParaRPr lang="de-DE" dirty="0">
-              <a:latin typeface="Courier New" panose="02070309020205020404" pitchFamily="49" charset="0"/>
-              <a:cs typeface="Courier New" panose="02070309020205020404" pitchFamily="49" charset="0"/>
-            </a:endParaRPr>
-          </a:p>
-          <a:p>
-            <a:pPr lvl="2"/>
-            <a:r>
-              <a:rPr lang="de-DE" dirty="0"/>
-              <a:t>Übersetzt Quelltext </a:t>
-            </a:r>
-            <a:r>
-              <a:rPr lang="de-DE" dirty="0">
-                <a:latin typeface="Courier New" panose="02070309020205020404" pitchFamily="49" charset="0"/>
-                <a:cs typeface="Courier New" panose="02070309020205020404" pitchFamily="49" charset="0"/>
-              </a:rPr>
-              <a:t>(*.</a:t>
-            </a:r>
-            <a:r>
-              <a:rPr lang="de-DE" dirty="0" err="1">
-                <a:latin typeface="Courier New" panose="02070309020205020404" pitchFamily="49" charset="0"/>
-                <a:cs typeface="Courier New" panose="02070309020205020404" pitchFamily="49" charset="0"/>
-              </a:rPr>
-              <a:t>java</a:t>
-            </a:r>
-            <a:r>
-              <a:rPr lang="de-DE" dirty="0"/>
-              <a:t>) in Java-Bytecode </a:t>
-            </a:r>
-            <a:r>
-              <a:rPr lang="de-DE" dirty="0">
-                <a:latin typeface="Courier New" panose="02070309020205020404" pitchFamily="49" charset="0"/>
-                <a:cs typeface="Courier New" panose="02070309020205020404" pitchFamily="49" charset="0"/>
-              </a:rPr>
-              <a:t>(*.</a:t>
-            </a:r>
-            <a:r>
-              <a:rPr lang="de-DE" dirty="0" err="1">
-                <a:latin typeface="Courier New" panose="02070309020205020404" pitchFamily="49" charset="0"/>
-                <a:cs typeface="Courier New" panose="02070309020205020404" pitchFamily="49" charset="0"/>
-              </a:rPr>
-              <a:t>class</a:t>
-            </a:r>
-            <a:r>
-              <a:rPr lang="de-DE" dirty="0"/>
-              <a:t>)</a:t>
-            </a:r>
-          </a:p>
-          <a:p>
-            <a:pPr lvl="1"/>
-            <a:r>
-              <a:rPr lang="de-DE" dirty="0"/>
-              <a:t>Ausführung: </a:t>
-            </a:r>
-            <a:r>
-              <a:rPr lang="de-DE" dirty="0" err="1">
-                <a:latin typeface="Courier New" panose="02070309020205020404" pitchFamily="49" charset="0"/>
-                <a:cs typeface="Courier New" panose="02070309020205020404" pitchFamily="49" charset="0"/>
-              </a:rPr>
-              <a:t>java</a:t>
-            </a:r>
-            <a:r>
-              <a:rPr lang="de-DE" dirty="0">
-                <a:latin typeface="Courier New" panose="02070309020205020404" pitchFamily="49" charset="0"/>
-                <a:cs typeface="Courier New" panose="02070309020205020404" pitchFamily="49" charset="0"/>
-              </a:rPr>
-              <a:t> </a:t>
-            </a:r>
-            <a:r>
-              <a:rPr lang="de-DE" dirty="0" err="1">
-                <a:latin typeface="Courier New" panose="02070309020205020404" pitchFamily="49" charset="0"/>
-                <a:cs typeface="Courier New" panose="02070309020205020404" pitchFamily="49" charset="0"/>
-              </a:rPr>
-              <a:t>HelloWorld</a:t>
-            </a:r>
-            <a:endParaRPr lang="de-DE" dirty="0">
-              <a:latin typeface="Courier New" panose="02070309020205020404" pitchFamily="49" charset="0"/>
-              <a:cs typeface="Courier New" panose="02070309020205020404" pitchFamily="49" charset="0"/>
-            </a:endParaRPr>
-          </a:p>
-          <a:p>
-            <a:pPr lvl="2"/>
-            <a:r>
-              <a:rPr lang="de-DE" dirty="0"/>
-              <a:t>Führt Java-Bytecode aus</a:t>
-            </a:r>
-          </a:p>
-          <a:p>
-            <a:pPr lvl="2"/>
-            <a:r>
-              <a:rPr lang="de-DE" dirty="0"/>
-              <a:t>Laufzeitumgebung:</a:t>
-            </a:r>
-          </a:p>
-          <a:p>
-            <a:pPr lvl="3"/>
-            <a:r>
-              <a:rPr lang="de-DE" dirty="0"/>
-              <a:t>Interpreter</a:t>
-            </a:r>
-          </a:p>
-          <a:p>
-            <a:pPr lvl="3"/>
-            <a:r>
-              <a:rPr lang="de-DE" dirty="0"/>
-              <a:t>JIT-Compiler</a:t>
-            </a:r>
-          </a:p>
-          <a:p>
-            <a:pPr lvl="3"/>
-            <a:r>
-              <a:rPr lang="de-DE" dirty="0"/>
-              <a:t>Standard-Bibliotheken</a:t>
-            </a:r>
+              <a:rPr lang="de-DE" dirty="0" err="1"/>
+              <a:t>code</a:t>
+            </a:r>
+            <a:endParaRPr lang="de-DE" dirty="0"/>
+          </a:p>
+          <a:p>
+            <a:pPr lvl="2"/>
+            <a:r>
+              <a:rPr lang="de-DE" dirty="0"/>
+              <a:t>Keine gemeinsam genutzte Datenbank</a:t>
+            </a:r>
+          </a:p>
+          <a:p>
+            <a:pPr lvl="2"/>
+            <a:r>
+              <a:rPr lang="de-DE" dirty="0"/>
+              <a:t>Unabhängiges </a:t>
+            </a:r>
+            <a:r>
+              <a:rPr lang="de-DE" dirty="0" err="1"/>
+              <a:t>Build</a:t>
+            </a:r>
+            <a:r>
+              <a:rPr lang="de-DE" dirty="0"/>
+              <a:t>/</a:t>
+            </a:r>
+            <a:r>
+              <a:rPr lang="de-DE" dirty="0" err="1"/>
+              <a:t>Deployment</a:t>
+            </a:r>
+            <a:endParaRPr lang="de-DE" dirty="0"/>
           </a:p>
         </p:txBody>
       </p:sp>
     </p:spTree>
     <p:extLst>
       <p:ext uri="{BB962C8B-B14F-4D97-AF65-F5344CB8AC3E}">
-        <p14:creationId xmlns:p14="http://schemas.microsoft.com/office/powerpoint/2010/main" val="2323058940"/>
+        <p14:creationId xmlns:p14="http://schemas.microsoft.com/office/powerpoint/2010/main" val="2321096448"/>
       </p:ext>
     </p:extLst>
   </p:cSld>
@@ -5874,12 +7375,9 @@
           <a:p>
             <a:r>
               <a:rPr lang="de-DE" dirty="0" err="1"/>
-              <a:t>Step</a:t>
-            </a:r>
-            <a:r>
-              <a:rPr lang="de-DE" dirty="0"/>
-              <a:t> 15</a:t>
-            </a:r>
+              <a:t>Microservices</a:t>
+            </a:r>
+            <a:endParaRPr lang="de-DE" dirty="0"/>
           </a:p>
         </p:txBody>
       </p:sp>
@@ -5901,176 +7399,79 @@
         </p:nvSpPr>
         <p:spPr/>
         <p:txBody>
-          <a:bodyPr/>
-          <a:lstStyle/>
-          <a:p>
-            <a:r>
-              <a:rPr lang="de-DE" dirty="0"/>
-              <a:t>Thema: </a:t>
-            </a:r>
-            <a:r>
-              <a:rPr lang="de-DE" dirty="0" err="1"/>
-              <a:t>Build</a:t>
-            </a:r>
-            <a:r>
-              <a:rPr lang="de-DE" dirty="0"/>
-              <a:t>-Management mit </a:t>
-            </a:r>
-            <a:r>
-              <a:rPr lang="de-DE" dirty="0" err="1"/>
-              <a:t>Maven</a:t>
-            </a:r>
+          <a:bodyPr>
+            <a:normAutofit/>
+          </a:bodyPr>
+          <a:lstStyle/>
+          <a:p>
+            <a:r>
+              <a:rPr lang="de-DE" dirty="0"/>
+              <a:t>Technik</a:t>
+            </a:r>
+          </a:p>
+          <a:p>
+            <a:pPr lvl="1"/>
+            <a:r>
+              <a:rPr lang="de-DE" dirty="0"/>
+              <a:t>Schnittstellen</a:t>
+            </a:r>
+          </a:p>
+          <a:p>
+            <a:pPr lvl="2"/>
+            <a:r>
+              <a:rPr lang="de-DE" dirty="0"/>
+              <a:t>REST/JSON</a:t>
+            </a:r>
+          </a:p>
+          <a:p>
+            <a:pPr lvl="2"/>
+            <a:r>
+              <a:rPr lang="de-DE" dirty="0"/>
+              <a:t>Messages</a:t>
+            </a:r>
+          </a:p>
+          <a:p>
+            <a:pPr lvl="2"/>
             <a:endParaRPr lang="de-DE" dirty="0"/>
           </a:p>
           <a:p>
             <a:pPr lvl="1"/>
             <a:r>
               <a:rPr lang="de-DE" dirty="0"/>
-              <a:t>„</a:t>
-            </a:r>
-            <a:r>
-              <a:rPr lang="de-DE" dirty="0" err="1"/>
-              <a:t>Maven</a:t>
-            </a:r>
-            <a:r>
-              <a:rPr lang="de-DE" dirty="0"/>
-              <a:t> ist ein auf Java basierendes </a:t>
-            </a:r>
-            <a:r>
-              <a:rPr lang="de-DE" dirty="0" err="1"/>
-              <a:t>Build</a:t>
-            </a:r>
-            <a:r>
-              <a:rPr lang="de-DE" dirty="0"/>
-              <a:t>-Management-Tool der Apache Software </a:t>
-            </a:r>
-            <a:r>
-              <a:rPr lang="de-DE" dirty="0" err="1"/>
-              <a:t>Foundation</a:t>
-            </a:r>
-            <a:r>
-              <a:rPr lang="de-DE" dirty="0"/>
-              <a:t>“ (Wikipedia)</a:t>
-            </a:r>
-          </a:p>
-          <a:p>
-            <a:pPr lvl="2"/>
-            <a:r>
-              <a:rPr lang="de-DE" dirty="0"/>
-              <a:t>Gibt Standard-Verzeichnisstruktur und Lebenszyklen (Standard-Ablauf) vor</a:t>
-            </a:r>
-          </a:p>
-          <a:p>
-            <a:pPr lvl="2"/>
-            <a:r>
-              <a:rPr lang="de-DE" dirty="0"/>
-              <a:t>Verwaltet Abhängigkeiten (innerhalb des Projekts und zu benutzten Bibliotheken)</a:t>
-            </a:r>
-          </a:p>
-          <a:p>
-            <a:pPr lvl="2"/>
-            <a:r>
-              <a:rPr lang="de-DE" dirty="0"/>
-              <a:t>Ist erweiterbar durch </a:t>
-            </a:r>
-            <a:r>
-              <a:rPr lang="de-DE" dirty="0" err="1"/>
-              <a:t>Plugins</a:t>
-            </a:r>
+              <a:t>Frameworks</a:t>
+            </a:r>
+          </a:p>
+          <a:p>
+            <a:pPr lvl="2"/>
+            <a:r>
+              <a:rPr lang="de-DE" dirty="0"/>
+              <a:t>Java: Spring Boot, </a:t>
+            </a:r>
+            <a:r>
+              <a:rPr lang="de-DE" dirty="0" err="1"/>
+              <a:t>Quarkus</a:t>
+            </a:r>
+            <a:r>
+              <a:rPr lang="de-DE" dirty="0"/>
+              <a:t>, …</a:t>
+            </a:r>
+          </a:p>
+          <a:p>
+            <a:pPr lvl="2"/>
             <a:endParaRPr lang="de-DE" dirty="0"/>
           </a:p>
           <a:p>
-            <a:pPr lvl="2"/>
-            <a:r>
-              <a:rPr lang="de-DE" dirty="0"/>
-              <a:t>Deklarative Definition des Projekts in </a:t>
-            </a:r>
-            <a:r>
-              <a:rPr lang="de-DE" dirty="0" err="1">
-                <a:latin typeface="Courier New" panose="02070309020205020404" pitchFamily="49" charset="0"/>
-                <a:cs typeface="Courier New" panose="02070309020205020404" pitchFamily="49" charset="0"/>
-              </a:rPr>
-              <a:t>pom.xml</a:t>
-            </a:r>
-            <a:r>
-              <a:rPr lang="de-DE" dirty="0">
-                <a:latin typeface="Courier New" panose="02070309020205020404" pitchFamily="49" charset="0"/>
-                <a:cs typeface="Courier New" panose="02070309020205020404" pitchFamily="49" charset="0"/>
-              </a:rPr>
-              <a:t> </a:t>
-            </a:r>
-            <a:r>
-              <a:rPr lang="de-DE" dirty="0"/>
-              <a:t>(Project </a:t>
-            </a:r>
-            <a:r>
-              <a:rPr lang="de-DE" dirty="0" err="1"/>
-              <a:t>Object</a:t>
-            </a:r>
-            <a:r>
-              <a:rPr lang="de-DE" dirty="0"/>
-              <a:t> Model)</a:t>
-            </a:r>
-          </a:p>
-          <a:p>
             <a:pPr lvl="1"/>
             <a:r>
               <a:rPr lang="de-DE" dirty="0"/>
-              <a:t>Kommando: </a:t>
-            </a:r>
-            <a:r>
-              <a:rPr lang="de-DE" dirty="0" err="1">
-                <a:latin typeface="Courier New" panose="02070309020205020404" pitchFamily="49" charset="0"/>
-                <a:cs typeface="Courier New" panose="02070309020205020404" pitchFamily="49" charset="0"/>
-              </a:rPr>
-              <a:t>mvn</a:t>
-            </a:r>
-            <a:r>
-              <a:rPr lang="de-DE" dirty="0">
-                <a:latin typeface="Courier New" panose="02070309020205020404" pitchFamily="49" charset="0"/>
-                <a:cs typeface="Courier New" panose="02070309020205020404" pitchFamily="49" charset="0"/>
-              </a:rPr>
-              <a:t> clean </a:t>
-            </a:r>
-            <a:r>
-              <a:rPr lang="de-DE" dirty="0" err="1">
-                <a:latin typeface="Courier New" panose="02070309020205020404" pitchFamily="49" charset="0"/>
-                <a:cs typeface="Courier New" panose="02070309020205020404" pitchFamily="49" charset="0"/>
-              </a:rPr>
-              <a:t>package</a:t>
-            </a:r>
-            <a:endParaRPr lang="de-DE" dirty="0">
-              <a:latin typeface="Courier New" panose="02070309020205020404" pitchFamily="49" charset="0"/>
-              <a:cs typeface="Courier New" panose="02070309020205020404" pitchFamily="49" charset="0"/>
-            </a:endParaRPr>
-          </a:p>
-          <a:p>
-            <a:pPr lvl="2"/>
-            <a:r>
-              <a:rPr lang="de-DE" dirty="0">
-                <a:latin typeface="Courier New" panose="02070309020205020404" pitchFamily="49" charset="0"/>
-                <a:cs typeface="Courier New" panose="02070309020205020404" pitchFamily="49" charset="0"/>
-              </a:rPr>
-              <a:t>clean</a:t>
-            </a:r>
-            <a:r>
-              <a:rPr lang="de-DE" dirty="0">
-                <a:cs typeface="Courier New" panose="02070309020205020404" pitchFamily="49" charset="0"/>
-              </a:rPr>
-              <a:t> und </a:t>
-            </a:r>
-            <a:r>
-              <a:rPr lang="de-DE" dirty="0" err="1">
-                <a:latin typeface="Courier New" panose="02070309020205020404" pitchFamily="49" charset="0"/>
-                <a:cs typeface="Courier New" panose="02070309020205020404" pitchFamily="49" charset="0"/>
-              </a:rPr>
-              <a:t>package</a:t>
-            </a:r>
-            <a:r>
-              <a:rPr lang="de-DE" dirty="0">
-                <a:cs typeface="Courier New" panose="02070309020205020404" pitchFamily="49" charset="0"/>
-              </a:rPr>
-              <a:t> sind Lebenszyklen</a:t>
+              <a:t>Kann auch in beliebigen anderen Programmiersprachen realisiert werden</a:t>
+            </a:r>
+          </a:p>
+          <a:p>
+            <a:pPr lvl="2"/>
+            <a:r>
+              <a:rPr lang="de-DE" dirty="0"/>
+              <a:t>C#, JavaScript, Python, …</a:t>
             </a:r>
           </a:p>
         </p:txBody>
@@ -6078,7 +7479,7 @@
     </p:spTree>
     <p:extLst>
       <p:ext uri="{BB962C8B-B14F-4D97-AF65-F5344CB8AC3E}">
-        <p14:creationId xmlns:p14="http://schemas.microsoft.com/office/powerpoint/2010/main" val="492142386"/>
+        <p14:creationId xmlns:p14="http://schemas.microsoft.com/office/powerpoint/2010/main" val="237707568"/>
       </p:ext>
     </p:extLst>
   </p:cSld>

--- a/Java-Starter.pptx
+++ b/Java-Starter.pptx
@@ -11,26 +11,33 @@
     <p:sldId id="271" r:id="rId5"/>
     <p:sldId id="272" r:id="rId6"/>
     <p:sldId id="273" r:id="rId7"/>
-    <p:sldId id="274" r:id="rId8"/>
-    <p:sldId id="275" r:id="rId9"/>
-    <p:sldId id="276" r:id="rId10"/>
-    <p:sldId id="277" r:id="rId11"/>
-    <p:sldId id="269" r:id="rId12"/>
-    <p:sldId id="268" r:id="rId13"/>
-    <p:sldId id="281" r:id="rId14"/>
-    <p:sldId id="283" r:id="rId15"/>
-    <p:sldId id="284" r:id="rId16"/>
-    <p:sldId id="282" r:id="rId17"/>
-    <p:sldId id="259" r:id="rId18"/>
-    <p:sldId id="279" r:id="rId19"/>
-    <p:sldId id="286" r:id="rId20"/>
+    <p:sldId id="275" r:id="rId8"/>
+    <p:sldId id="276" r:id="rId9"/>
+    <p:sldId id="277" r:id="rId10"/>
+    <p:sldId id="269" r:id="rId11"/>
+    <p:sldId id="268" r:id="rId12"/>
+    <p:sldId id="281" r:id="rId13"/>
+    <p:sldId id="283" r:id="rId14"/>
+    <p:sldId id="284" r:id="rId15"/>
+    <p:sldId id="282" r:id="rId16"/>
+    <p:sldId id="259" r:id="rId17"/>
+    <p:sldId id="279" r:id="rId18"/>
+    <p:sldId id="286" r:id="rId19"/>
+    <p:sldId id="296" r:id="rId20"/>
     <p:sldId id="261" r:id="rId21"/>
-    <p:sldId id="262" r:id="rId22"/>
-    <p:sldId id="263" r:id="rId23"/>
-    <p:sldId id="264" r:id="rId24"/>
-    <p:sldId id="265" r:id="rId25"/>
-    <p:sldId id="266" r:id="rId26"/>
-    <p:sldId id="267" r:id="rId27"/>
+    <p:sldId id="289" r:id="rId22"/>
+    <p:sldId id="291" r:id="rId23"/>
+    <p:sldId id="285" r:id="rId24"/>
+    <p:sldId id="290" r:id="rId25"/>
+    <p:sldId id="262" r:id="rId26"/>
+    <p:sldId id="294" r:id="rId27"/>
+    <p:sldId id="295" r:id="rId28"/>
+    <p:sldId id="293" r:id="rId29"/>
+    <p:sldId id="263" r:id="rId30"/>
+    <p:sldId id="264" r:id="rId31"/>
+    <p:sldId id="265" r:id="rId32"/>
+    <p:sldId id="266" r:id="rId33"/>
+    <p:sldId id="267" r:id="rId34"/>
   </p:sldIdLst>
   <p:sldSz cx="12192000" cy="6858000"/>
   <p:notesSz cx="6858000" cy="9144000"/>
@@ -284,7 +291,7 @@
           <a:p>
             <a:fld id="{D504FEAC-1E62-0E47-82AE-5BB4BD139FFA}" type="datetimeFigureOut">
               <a:rPr lang="de-DE" smtClean="0"/>
-              <a:t>27.03.22</a:t>
+              <a:t>03.04.22</a:t>
             </a:fld>
             <a:endParaRPr lang="de-DE"/>
           </a:p>
@@ -482,7 +489,7 @@
           <a:p>
             <a:fld id="{D504FEAC-1E62-0E47-82AE-5BB4BD139FFA}" type="datetimeFigureOut">
               <a:rPr lang="de-DE" smtClean="0"/>
-              <a:t>27.03.22</a:t>
+              <a:t>03.04.22</a:t>
             </a:fld>
             <a:endParaRPr lang="de-DE"/>
           </a:p>
@@ -690,7 +697,7 @@
           <a:p>
             <a:fld id="{D504FEAC-1E62-0E47-82AE-5BB4BD139FFA}" type="datetimeFigureOut">
               <a:rPr lang="de-DE" smtClean="0"/>
-              <a:t>27.03.22</a:t>
+              <a:t>03.04.22</a:t>
             </a:fld>
             <a:endParaRPr lang="de-DE"/>
           </a:p>
@@ -888,7 +895,7 @@
           <a:p>
             <a:fld id="{D504FEAC-1E62-0E47-82AE-5BB4BD139FFA}" type="datetimeFigureOut">
               <a:rPr lang="de-DE" smtClean="0"/>
-              <a:t>27.03.22</a:t>
+              <a:t>03.04.22</a:t>
             </a:fld>
             <a:endParaRPr lang="de-DE"/>
           </a:p>
@@ -1163,7 +1170,7 @@
           <a:p>
             <a:fld id="{D504FEAC-1E62-0E47-82AE-5BB4BD139FFA}" type="datetimeFigureOut">
               <a:rPr lang="de-DE" smtClean="0"/>
-              <a:t>27.03.22</a:t>
+              <a:t>03.04.22</a:t>
             </a:fld>
             <a:endParaRPr lang="de-DE"/>
           </a:p>
@@ -1428,7 +1435,7 @@
           <a:p>
             <a:fld id="{D504FEAC-1E62-0E47-82AE-5BB4BD139FFA}" type="datetimeFigureOut">
               <a:rPr lang="de-DE" smtClean="0"/>
-              <a:t>27.03.22</a:t>
+              <a:t>03.04.22</a:t>
             </a:fld>
             <a:endParaRPr lang="de-DE"/>
           </a:p>
@@ -1840,7 +1847,7 @@
           <a:p>
             <a:fld id="{D504FEAC-1E62-0E47-82AE-5BB4BD139FFA}" type="datetimeFigureOut">
               <a:rPr lang="de-DE" smtClean="0"/>
-              <a:t>27.03.22</a:t>
+              <a:t>03.04.22</a:t>
             </a:fld>
             <a:endParaRPr lang="de-DE"/>
           </a:p>
@@ -1981,7 +1988,7 @@
           <a:p>
             <a:fld id="{D504FEAC-1E62-0E47-82AE-5BB4BD139FFA}" type="datetimeFigureOut">
               <a:rPr lang="de-DE" smtClean="0"/>
-              <a:t>27.03.22</a:t>
+              <a:t>03.04.22</a:t>
             </a:fld>
             <a:endParaRPr lang="de-DE"/>
           </a:p>
@@ -2094,7 +2101,7 @@
           <a:p>
             <a:fld id="{D504FEAC-1E62-0E47-82AE-5BB4BD139FFA}" type="datetimeFigureOut">
               <a:rPr lang="de-DE" smtClean="0"/>
-              <a:t>27.03.22</a:t>
+              <a:t>03.04.22</a:t>
             </a:fld>
             <a:endParaRPr lang="de-DE"/>
           </a:p>
@@ -2405,7 +2412,7 @@
           <a:p>
             <a:fld id="{D504FEAC-1E62-0E47-82AE-5BB4BD139FFA}" type="datetimeFigureOut">
               <a:rPr lang="de-DE" smtClean="0"/>
-              <a:t>27.03.22</a:t>
+              <a:t>03.04.22</a:t>
             </a:fld>
             <a:endParaRPr lang="de-DE"/>
           </a:p>
@@ -2693,7 +2700,7 @@
           <a:p>
             <a:fld id="{D504FEAC-1E62-0E47-82AE-5BB4BD139FFA}" type="datetimeFigureOut">
               <a:rPr lang="de-DE" smtClean="0"/>
-              <a:t>27.03.22</a:t>
+              <a:t>03.04.22</a:t>
             </a:fld>
             <a:endParaRPr lang="de-DE"/>
           </a:p>
@@ -2934,7 +2941,7 @@
           <a:p>
             <a:fld id="{D504FEAC-1E62-0E47-82AE-5BB4BD139FFA}" type="datetimeFigureOut">
               <a:rPr lang="de-DE" smtClean="0"/>
-              <a:t>27.03.22</a:t>
+              <a:t>03.04.22</a:t>
             </a:fld>
             <a:endParaRPr lang="de-DE"/>
           </a:p>
@@ -3470,9 +3477,12 @@
           <a:p>
             <a:r>
               <a:rPr lang="de-DE" dirty="0" err="1"/>
-              <a:t>Microservices</a:t>
-            </a:r>
-            <a:endParaRPr lang="de-DE" dirty="0"/>
+              <a:t>Step</a:t>
+            </a:r>
+            <a:r>
+              <a:rPr lang="de-DE" dirty="0"/>
+              <a:t> 10</a:t>
+            </a:r>
           </a:p>
         </p:txBody>
       </p:sp>
@@ -3494,24 +3504,33 @@
         </p:nvSpPr>
         <p:spPr/>
         <p:txBody>
-          <a:bodyPr>
-            <a:normAutofit/>
-          </a:bodyPr>
-          <a:lstStyle/>
-          <a:p>
-            <a:r>
-              <a:rPr lang="de-DE" dirty="0"/>
-              <a:t>Praxis-Beispiel</a:t>
-            </a:r>
-          </a:p>
-          <a:p>
-            <a:endParaRPr lang="de-DE" dirty="0"/>
+          <a:bodyPr/>
+          <a:lstStyle/>
+          <a:p>
+            <a:r>
+              <a:rPr lang="de-DE" dirty="0"/>
+              <a:t>Thema: Java</a:t>
+            </a:r>
           </a:p>
           <a:p>
             <a:pPr lvl="1"/>
             <a:r>
               <a:rPr lang="de-DE" dirty="0"/>
-              <a:t>Neue Vertriebsplattform der Deutschen Bahn</a:t>
+              <a:t>Objektorientierte Programmiersprache</a:t>
+            </a:r>
+          </a:p>
+          <a:p>
+            <a:pPr lvl="1"/>
+            <a:r>
+              <a:rPr lang="de-DE" dirty="0"/>
+              <a:t>Erscheinungsjahr 1996</a:t>
+            </a:r>
+          </a:p>
+          <a:p>
+            <a:pPr lvl="1"/>
+            <a:r>
+              <a:rPr lang="de-DE" dirty="0"/>
+              <a:t>Angelehnt an C++</a:t>
             </a:r>
           </a:p>
           <a:p>
@@ -3519,34 +3538,38 @@
             <a:endParaRPr lang="de-DE" dirty="0"/>
           </a:p>
           <a:p>
+            <a:r>
+              <a:rPr lang="de-DE" dirty="0"/>
+              <a:t>Inzwischen: eine der am weitesten verbreiteten Programmiersprachen</a:t>
+            </a:r>
+            <a:br>
+              <a:rPr lang="de-DE" dirty="0"/>
+            </a:br>
+            <a:r>
+              <a:rPr lang="de-DE" dirty="0"/>
+              <a:t>(zumindest für Unternehmensanwendungen)</a:t>
+            </a:r>
+          </a:p>
+          <a:p>
             <a:pPr lvl="1"/>
             <a:r>
               <a:rPr lang="de-DE" dirty="0"/>
-              <a:t>Ca. 300 Mitarbeiter</a:t>
+              <a:t>Plattformunabhängigkeit</a:t>
             </a:r>
           </a:p>
           <a:p>
             <a:pPr lvl="1"/>
-            <a:endParaRPr lang="de-DE" dirty="0"/>
-          </a:p>
-          <a:p>
-            <a:pPr lvl="1"/>
-            <a:r>
-              <a:rPr lang="de-DE" dirty="0"/>
-              <a:t>&gt;100 </a:t>
-            </a:r>
-            <a:r>
-              <a:rPr lang="de-DE" dirty="0" err="1"/>
-              <a:t>Microservices</a:t>
-            </a:r>
-            <a:endParaRPr lang="de-DE" dirty="0"/>
+            <a:r>
+              <a:rPr lang="de-DE" dirty="0"/>
+              <a:t>Große Zahl an Bibliotheken</a:t>
+            </a:r>
           </a:p>
         </p:txBody>
       </p:sp>
     </p:spTree>
     <p:extLst>
       <p:ext uri="{BB962C8B-B14F-4D97-AF65-F5344CB8AC3E}">
-        <p14:creationId xmlns:p14="http://schemas.microsoft.com/office/powerpoint/2010/main" val="1063079574"/>
+        <p14:creationId xmlns:p14="http://schemas.microsoft.com/office/powerpoint/2010/main" val="1585598179"/>
       </p:ext>
     </p:extLst>
   </p:cSld>
@@ -3635,52 +3658,142 @@
             <a:pPr lvl="1"/>
             <a:r>
               <a:rPr lang="de-DE" dirty="0"/>
-              <a:t>Objektorientierte Programmiersprache</a:t>
+              <a:t>Compiler: </a:t>
+            </a:r>
+            <a:r>
+              <a:rPr lang="de-DE" dirty="0" err="1">
+                <a:latin typeface="Courier New" panose="02070309020205020404" pitchFamily="49" charset="0"/>
+                <a:cs typeface="Courier New" panose="02070309020205020404" pitchFamily="49" charset="0"/>
+              </a:rPr>
+              <a:t>javac</a:t>
+            </a:r>
+            <a:r>
+              <a:rPr lang="de-DE" dirty="0">
+                <a:latin typeface="Courier New" panose="02070309020205020404" pitchFamily="49" charset="0"/>
+                <a:cs typeface="Courier New" panose="02070309020205020404" pitchFamily="49" charset="0"/>
+              </a:rPr>
+              <a:t> </a:t>
+            </a:r>
+            <a:r>
+              <a:rPr lang="de-DE" dirty="0" err="1">
+                <a:latin typeface="Courier New" panose="02070309020205020404" pitchFamily="49" charset="0"/>
+                <a:cs typeface="Courier New" panose="02070309020205020404" pitchFamily="49" charset="0"/>
+              </a:rPr>
+              <a:t>HelloWorld.java</a:t>
+            </a:r>
+            <a:endParaRPr lang="de-DE" dirty="0">
+              <a:latin typeface="Courier New" panose="02070309020205020404" pitchFamily="49" charset="0"/>
+              <a:cs typeface="Courier New" panose="02070309020205020404" pitchFamily="49" charset="0"/>
+            </a:endParaRPr>
+          </a:p>
+          <a:p>
+            <a:pPr lvl="2"/>
+            <a:r>
+              <a:rPr lang="de-DE" dirty="0"/>
+              <a:t>Übersetzt Quelltext </a:t>
+            </a:r>
+            <a:r>
+              <a:rPr lang="de-DE" dirty="0">
+                <a:latin typeface="Courier New" panose="02070309020205020404" pitchFamily="49" charset="0"/>
+                <a:cs typeface="Courier New" panose="02070309020205020404" pitchFamily="49" charset="0"/>
+              </a:rPr>
+              <a:t>(*.</a:t>
+            </a:r>
+            <a:r>
+              <a:rPr lang="de-DE" dirty="0" err="1">
+                <a:latin typeface="Courier New" panose="02070309020205020404" pitchFamily="49" charset="0"/>
+                <a:cs typeface="Courier New" panose="02070309020205020404" pitchFamily="49" charset="0"/>
+              </a:rPr>
+              <a:t>java</a:t>
+            </a:r>
+            <a:r>
+              <a:rPr lang="de-DE" dirty="0"/>
+              <a:t>) in Java-Bytecode </a:t>
+            </a:r>
+            <a:r>
+              <a:rPr lang="de-DE" dirty="0">
+                <a:latin typeface="Courier New" panose="02070309020205020404" pitchFamily="49" charset="0"/>
+                <a:cs typeface="Courier New" panose="02070309020205020404" pitchFamily="49" charset="0"/>
+              </a:rPr>
+              <a:t>(*.</a:t>
+            </a:r>
+            <a:r>
+              <a:rPr lang="de-DE" dirty="0" err="1">
+                <a:latin typeface="Courier New" panose="02070309020205020404" pitchFamily="49" charset="0"/>
+                <a:cs typeface="Courier New" panose="02070309020205020404" pitchFamily="49" charset="0"/>
+              </a:rPr>
+              <a:t>class</a:t>
+            </a:r>
+            <a:r>
+              <a:rPr lang="de-DE" dirty="0"/>
+              <a:t>)</a:t>
             </a:r>
           </a:p>
           <a:p>
             <a:pPr lvl="1"/>
             <a:r>
               <a:rPr lang="de-DE" dirty="0"/>
-              <a:t>Erscheinungsjahr 1996</a:t>
-            </a:r>
-          </a:p>
-          <a:p>
-            <a:pPr lvl="1"/>
-            <a:r>
-              <a:rPr lang="de-DE" dirty="0"/>
-              <a:t>Angelehnt an C++</a:t>
-            </a:r>
-          </a:p>
-          <a:p>
-            <a:pPr lvl="1"/>
-            <a:endParaRPr lang="de-DE" dirty="0"/>
-          </a:p>
-          <a:p>
-            <a:r>
-              <a:rPr lang="de-DE" dirty="0"/>
-              <a:t>Inzwischen: eine der am weitesten verbreiteten Programmiersprachen</a:t>
-            </a:r>
-            <a:br>
-              <a:rPr lang="de-DE" dirty="0"/>
-            </a:br>
-            <a:r>
-              <a:rPr lang="de-DE" dirty="0"/>
-              <a:t>(zumindest für Unternehmensanwendungen)</a:t>
-            </a:r>
-          </a:p>
-          <a:p>
-            <a:pPr lvl="1"/>
-            <a:r>
-              <a:rPr lang="de-DE" dirty="0"/>
-              <a:t>Plattformunabhängigkeit</a:t>
-            </a:r>
-          </a:p>
-          <a:p>
-            <a:pPr lvl="1"/>
-            <a:r>
-              <a:rPr lang="de-DE" dirty="0"/>
-              <a:t>Große Zahl an Bibliotheken</a:t>
+              <a:t>Ausführung: </a:t>
+            </a:r>
+            <a:r>
+              <a:rPr lang="de-DE" dirty="0" err="1">
+                <a:latin typeface="Courier New" panose="02070309020205020404" pitchFamily="49" charset="0"/>
+                <a:cs typeface="Courier New" panose="02070309020205020404" pitchFamily="49" charset="0"/>
+              </a:rPr>
+              <a:t>java</a:t>
+            </a:r>
+            <a:r>
+              <a:rPr lang="de-DE" dirty="0">
+                <a:latin typeface="Courier New" panose="02070309020205020404" pitchFamily="49" charset="0"/>
+                <a:cs typeface="Courier New" panose="02070309020205020404" pitchFamily="49" charset="0"/>
+              </a:rPr>
+              <a:t> </a:t>
+            </a:r>
+            <a:r>
+              <a:rPr lang="de-DE" dirty="0" err="1">
+                <a:latin typeface="Courier New" panose="02070309020205020404" pitchFamily="49" charset="0"/>
+                <a:cs typeface="Courier New" panose="02070309020205020404" pitchFamily="49" charset="0"/>
+              </a:rPr>
+              <a:t>HelloWorld</a:t>
+            </a:r>
+            <a:endParaRPr lang="de-DE" dirty="0">
+              <a:latin typeface="Courier New" panose="02070309020205020404" pitchFamily="49" charset="0"/>
+              <a:cs typeface="Courier New" panose="02070309020205020404" pitchFamily="49" charset="0"/>
+            </a:endParaRPr>
+          </a:p>
+          <a:p>
+            <a:pPr lvl="2"/>
+            <a:r>
+              <a:rPr lang="de-DE" dirty="0"/>
+              <a:t>Führt Java-Bytecode aus</a:t>
+            </a:r>
+          </a:p>
+          <a:p>
+            <a:pPr lvl="2"/>
+            <a:r>
+              <a:rPr lang="de-DE" dirty="0"/>
+              <a:t>Laufzeitumgebung:</a:t>
+            </a:r>
+          </a:p>
+          <a:p>
+            <a:pPr lvl="3"/>
+            <a:r>
+              <a:rPr lang="de-DE" dirty="0"/>
+              <a:t>Interpreter</a:t>
+            </a:r>
+          </a:p>
+          <a:p>
+            <a:pPr lvl="3"/>
+            <a:r>
+              <a:rPr lang="de-DE" dirty="0"/>
+              <a:t>JIT-Compiler</a:t>
+            </a:r>
+          </a:p>
+          <a:p>
+            <a:pPr lvl="3"/>
+            <a:r>
+              <a:rPr lang="de-DE" dirty="0"/>
+              <a:t>Standard-Bibliotheken</a:t>
             </a:r>
           </a:p>
         </p:txBody>
@@ -3688,7 +3801,7 @@
     </p:spTree>
     <p:extLst>
       <p:ext uri="{BB962C8B-B14F-4D97-AF65-F5344CB8AC3E}">
-        <p14:creationId xmlns:p14="http://schemas.microsoft.com/office/powerpoint/2010/main" val="1585598179"/>
+        <p14:creationId xmlns:p14="http://schemas.microsoft.com/office/powerpoint/2010/main" val="2323058940"/>
       </p:ext>
     </p:extLst>
   </p:cSld>
@@ -3742,7 +3855,7 @@
             </a:r>
             <a:r>
               <a:rPr lang="de-DE" dirty="0"/>
-              <a:t> 10</a:t>
+              <a:t> 15</a:t>
             </a:r>
           </a:p>
         </p:txBody>
@@ -3770,21 +3883,91 @@
           <a:p>
             <a:r>
               <a:rPr lang="de-DE" dirty="0"/>
-              <a:t>Thema: Java</a:t>
-            </a:r>
+              <a:t>Thema: </a:t>
+            </a:r>
+            <a:r>
+              <a:rPr lang="de-DE" dirty="0" err="1"/>
+              <a:t>Build</a:t>
+            </a:r>
+            <a:r>
+              <a:rPr lang="de-DE" dirty="0"/>
+              <a:t>-Management mit </a:t>
+            </a:r>
+            <a:r>
+              <a:rPr lang="de-DE" dirty="0" err="1"/>
+              <a:t>Maven</a:t>
+            </a:r>
+            <a:endParaRPr lang="de-DE" dirty="0"/>
           </a:p>
           <a:p>
             <a:pPr lvl="1"/>
             <a:r>
               <a:rPr lang="de-DE" dirty="0"/>
-              <a:t>Compiler: </a:t>
+              <a:t>„</a:t>
+            </a:r>
+            <a:r>
+              <a:rPr lang="de-DE" dirty="0" err="1"/>
+              <a:t>Maven</a:t>
+            </a:r>
+            <a:r>
+              <a:rPr lang="de-DE" dirty="0"/>
+              <a:t> ist ein auf Java basierendes </a:t>
+            </a:r>
+            <a:r>
+              <a:rPr lang="de-DE" dirty="0" err="1"/>
+              <a:t>Build</a:t>
+            </a:r>
+            <a:r>
+              <a:rPr lang="de-DE" dirty="0"/>
+              <a:t>-Management-Tool der Apache Software </a:t>
+            </a:r>
+            <a:r>
+              <a:rPr lang="de-DE" dirty="0" err="1"/>
+              <a:t>Foundation</a:t>
+            </a:r>
+            <a:r>
+              <a:rPr lang="de-DE" dirty="0"/>
+              <a:t>“ (Wikipedia)</a:t>
+            </a:r>
+          </a:p>
+          <a:p>
+            <a:pPr lvl="2"/>
+            <a:r>
+              <a:rPr lang="de-DE" dirty="0"/>
+              <a:t>Gibt Standard-Verzeichnisstruktur und Lebenszyklen (Standard-Ablauf) vor</a:t>
+            </a:r>
+          </a:p>
+          <a:p>
+            <a:pPr lvl="2"/>
+            <a:r>
+              <a:rPr lang="de-DE" dirty="0"/>
+              <a:t>Verwaltet Abhängigkeiten (innerhalb des Projekts und zu benutzten Bibliotheken)</a:t>
+            </a:r>
+          </a:p>
+          <a:p>
+            <a:pPr lvl="2"/>
+            <a:r>
+              <a:rPr lang="de-DE" dirty="0"/>
+              <a:t>Ist erweiterbar durch </a:t>
+            </a:r>
+            <a:r>
+              <a:rPr lang="de-DE" dirty="0" err="1"/>
+              <a:t>Plugins</a:t>
+            </a:r>
+            <a:endParaRPr lang="de-DE" dirty="0"/>
+          </a:p>
+          <a:p>
+            <a:pPr lvl="2"/>
+            <a:r>
+              <a:rPr lang="de-DE" dirty="0"/>
+              <a:t>Deklarative Definition des Projekts in </a:t>
             </a:r>
             <a:r>
               <a:rPr lang="de-DE" dirty="0" err="1">
                 <a:latin typeface="Courier New" panose="02070309020205020404" pitchFamily="49" charset="0"/>
                 <a:cs typeface="Courier New" panose="02070309020205020404" pitchFamily="49" charset="0"/>
               </a:rPr>
-              <a:t>javac</a:t>
+              <a:t>pom.xml</a:t>
             </a:r>
             <a:r>
               <a:rPr lang="de-DE" dirty="0">
@@ -3794,125 +3977,16 @@
               <a:t> </a:t>
             </a:r>
             <a:r>
-              <a:rPr lang="de-DE" dirty="0" err="1">
-                <a:latin typeface="Courier New" panose="02070309020205020404" pitchFamily="49" charset="0"/>
-                <a:cs typeface="Courier New" panose="02070309020205020404" pitchFamily="49" charset="0"/>
-              </a:rPr>
-              <a:t>HelloWorld.java</a:t>
-            </a:r>
-            <a:endParaRPr lang="de-DE" dirty="0">
-              <a:latin typeface="Courier New" panose="02070309020205020404" pitchFamily="49" charset="0"/>
-              <a:cs typeface="Courier New" panose="02070309020205020404" pitchFamily="49" charset="0"/>
-            </a:endParaRPr>
-          </a:p>
-          <a:p>
-            <a:pPr lvl="2"/>
-            <a:r>
-              <a:rPr lang="de-DE" dirty="0"/>
-              <a:t>Übersetzt Quelltext </a:t>
-            </a:r>
-            <a:r>
-              <a:rPr lang="de-DE" dirty="0">
-                <a:latin typeface="Courier New" panose="02070309020205020404" pitchFamily="49" charset="0"/>
-                <a:cs typeface="Courier New" panose="02070309020205020404" pitchFamily="49" charset="0"/>
-              </a:rPr>
-              <a:t>(*.</a:t>
-            </a:r>
-            <a:r>
-              <a:rPr lang="de-DE" dirty="0" err="1">
-                <a:latin typeface="Courier New" panose="02070309020205020404" pitchFamily="49" charset="0"/>
-                <a:cs typeface="Courier New" panose="02070309020205020404" pitchFamily="49" charset="0"/>
-              </a:rPr>
-              <a:t>java</a:t>
-            </a:r>
-            <a:r>
-              <a:rPr lang="de-DE" dirty="0"/>
-              <a:t>) in Java-Bytecode </a:t>
-            </a:r>
-            <a:r>
-              <a:rPr lang="de-DE" dirty="0">
-                <a:latin typeface="Courier New" panose="02070309020205020404" pitchFamily="49" charset="0"/>
-                <a:cs typeface="Courier New" panose="02070309020205020404" pitchFamily="49" charset="0"/>
-              </a:rPr>
-              <a:t>(*.</a:t>
-            </a:r>
-            <a:r>
-              <a:rPr lang="de-DE" dirty="0" err="1">
-                <a:latin typeface="Courier New" panose="02070309020205020404" pitchFamily="49" charset="0"/>
-                <a:cs typeface="Courier New" panose="02070309020205020404" pitchFamily="49" charset="0"/>
-              </a:rPr>
-              <a:t>class</a:t>
-            </a:r>
-            <a:r>
-              <a:rPr lang="de-DE" dirty="0"/>
-              <a:t>)</a:t>
-            </a:r>
-          </a:p>
-          <a:p>
-            <a:pPr lvl="1"/>
-            <a:r>
-              <a:rPr lang="de-DE" dirty="0"/>
-              <a:t>Ausführung: </a:t>
-            </a:r>
-            <a:r>
-              <a:rPr lang="de-DE" dirty="0" err="1">
-                <a:latin typeface="Courier New" panose="02070309020205020404" pitchFamily="49" charset="0"/>
-                <a:cs typeface="Courier New" panose="02070309020205020404" pitchFamily="49" charset="0"/>
-              </a:rPr>
-              <a:t>java</a:t>
-            </a:r>
-            <a:r>
-              <a:rPr lang="de-DE" dirty="0">
-                <a:latin typeface="Courier New" panose="02070309020205020404" pitchFamily="49" charset="0"/>
-                <a:cs typeface="Courier New" panose="02070309020205020404" pitchFamily="49" charset="0"/>
-              </a:rPr>
-              <a:t> </a:t>
-            </a:r>
-            <a:r>
-              <a:rPr lang="de-DE" dirty="0" err="1">
-                <a:latin typeface="Courier New" panose="02070309020205020404" pitchFamily="49" charset="0"/>
-                <a:cs typeface="Courier New" panose="02070309020205020404" pitchFamily="49" charset="0"/>
-              </a:rPr>
-              <a:t>HelloWorld</a:t>
-            </a:r>
-            <a:endParaRPr lang="de-DE" dirty="0">
-              <a:latin typeface="Courier New" panose="02070309020205020404" pitchFamily="49" charset="0"/>
-              <a:cs typeface="Courier New" panose="02070309020205020404" pitchFamily="49" charset="0"/>
-            </a:endParaRPr>
-          </a:p>
-          <a:p>
-            <a:pPr lvl="2"/>
-            <a:r>
-              <a:rPr lang="de-DE" dirty="0"/>
-              <a:t>Führt Java-Bytecode aus</a:t>
-            </a:r>
-          </a:p>
-          <a:p>
-            <a:pPr lvl="2"/>
-            <a:r>
-              <a:rPr lang="de-DE" dirty="0"/>
-              <a:t>Laufzeitumgebung:</a:t>
-            </a:r>
-          </a:p>
-          <a:p>
-            <a:pPr lvl="3"/>
-            <a:r>
-              <a:rPr lang="de-DE" dirty="0"/>
-              <a:t>Interpreter</a:t>
-            </a:r>
-          </a:p>
-          <a:p>
-            <a:pPr lvl="3"/>
-            <a:r>
-              <a:rPr lang="de-DE" dirty="0"/>
-              <a:t>JIT-Compiler</a:t>
-            </a:r>
-          </a:p>
-          <a:p>
-            <a:pPr lvl="3"/>
-            <a:r>
-              <a:rPr lang="de-DE" dirty="0"/>
-              <a:t>Standard-Bibliotheken</a:t>
+              <a:rPr lang="de-DE" dirty="0"/>
+              <a:t>(Project </a:t>
+            </a:r>
+            <a:r>
+              <a:rPr lang="de-DE" dirty="0" err="1"/>
+              <a:t>Object</a:t>
+            </a:r>
+            <a:r>
+              <a:rPr lang="de-DE" dirty="0"/>
+              <a:t> Model)</a:t>
             </a:r>
           </a:p>
         </p:txBody>
@@ -3920,7 +3994,7 @@
     </p:spTree>
     <p:extLst>
       <p:ext uri="{BB962C8B-B14F-4D97-AF65-F5344CB8AC3E}">
-        <p14:creationId xmlns:p14="http://schemas.microsoft.com/office/powerpoint/2010/main" val="2323058940"/>
+        <p14:creationId xmlns:p14="http://schemas.microsoft.com/office/powerpoint/2010/main" val="3481766806"/>
       </p:ext>
     </p:extLst>
   </p:cSld>
@@ -3997,7 +4071,9 @@
         </p:nvSpPr>
         <p:spPr/>
         <p:txBody>
-          <a:bodyPr/>
+          <a:bodyPr>
+            <a:normAutofit/>
+          </a:bodyPr>
           <a:lstStyle/>
           <a:p>
             <a:r>
@@ -4022,15 +4098,7 @@
             <a:pPr lvl="1"/>
             <a:r>
               <a:rPr lang="de-DE" dirty="0"/>
-              <a:t>„</a:t>
-            </a:r>
-            <a:r>
-              <a:rPr lang="de-DE" dirty="0" err="1"/>
-              <a:t>Maven</a:t>
-            </a:r>
-            <a:r>
-              <a:rPr lang="de-DE" dirty="0"/>
-              <a:t> ist ein auf Java basierendes </a:t>
+              <a:t>Identifikation eines </a:t>
             </a:r>
             <a:r>
               <a:rPr lang="de-DE" dirty="0" err="1"/>
@@ -4038,74 +4106,202 @@
             </a:r>
             <a:r>
               <a:rPr lang="de-DE" dirty="0"/>
-              <a:t>-Management-Tool der Apache Software </a:t>
-            </a:r>
-            <a:r>
-              <a:rPr lang="de-DE" dirty="0" err="1"/>
-              <a:t>Foundation</a:t>
-            </a:r>
-            <a:r>
-              <a:rPr lang="de-DE" dirty="0"/>
-              <a:t>“ (Wikipedia)</a:t>
-            </a:r>
-          </a:p>
-          <a:p>
-            <a:pPr lvl="2"/>
-            <a:r>
-              <a:rPr lang="de-DE" dirty="0"/>
-              <a:t>Gibt Standard-Verzeichnisstruktur und Lebenszyklen (Standard-Ablauf) vor</a:t>
-            </a:r>
-          </a:p>
-          <a:p>
-            <a:pPr lvl="2"/>
-            <a:r>
-              <a:rPr lang="de-DE" dirty="0"/>
-              <a:t>Verwaltet Abhängigkeiten (innerhalb des Projekts und zu benutzten Bibliotheken)</a:t>
-            </a:r>
-          </a:p>
-          <a:p>
-            <a:pPr lvl="2"/>
-            <a:r>
-              <a:rPr lang="de-DE" dirty="0"/>
-              <a:t>Ist erweiterbar durch </a:t>
-            </a:r>
-            <a:r>
-              <a:rPr lang="de-DE" dirty="0" err="1"/>
-              <a:t>Plugins</a:t>
+              <a:t>-Ergebnis</a:t>
+            </a:r>
+            <a:br>
+              <a:rPr lang="de-DE" dirty="0"/>
+            </a:br>
+            <a:r>
+              <a:rPr lang="de-DE" dirty="0"/>
+              <a:t>(</a:t>
+            </a:r>
+            <a:r>
+              <a:rPr lang="de-DE" dirty="0">
+                <a:hlinkClick r:id="rId2"/>
+              </a:rPr>
+              <a:t>https://maven.apache.org/guides/mini/guide-naming-conventions.html</a:t>
+            </a:r>
+            <a:r>
+              <a:rPr lang="de-DE" dirty="0"/>
+              <a:t>)</a:t>
+            </a:r>
+          </a:p>
+          <a:p>
+            <a:pPr lvl="2"/>
+            <a:r>
+              <a:rPr lang="de-DE" dirty="0" err="1"/>
+              <a:t>groupId</a:t>
             </a:r>
             <a:endParaRPr lang="de-DE" dirty="0"/>
           </a:p>
           <a:p>
-            <a:pPr lvl="2"/>
-            <a:r>
-              <a:rPr lang="de-DE" dirty="0"/>
-              <a:t>Deklarative Definition des Projekts in </a:t>
-            </a:r>
-            <a:r>
-              <a:rPr lang="de-DE" dirty="0" err="1">
-                <a:latin typeface="Courier New" panose="02070309020205020404" pitchFamily="49" charset="0"/>
-                <a:cs typeface="Courier New" panose="02070309020205020404" pitchFamily="49" charset="0"/>
+            <a:pPr lvl="3"/>
+            <a:r>
+              <a:rPr lang="de-DE" dirty="0"/>
+              <a:t>Identifiziert das Projekt</a:t>
+            </a:r>
+          </a:p>
+          <a:p>
+            <a:pPr lvl="3"/>
+            <a:r>
+              <a:rPr lang="de-DE" dirty="0"/>
+              <a:t>Sollte Java </a:t>
+            </a:r>
+            <a:r>
+              <a:rPr lang="de-DE" dirty="0" err="1"/>
+              <a:t>package</a:t>
+            </a:r>
+            <a:r>
+              <a:rPr lang="de-DE" dirty="0"/>
+              <a:t> </a:t>
+            </a:r>
+            <a:r>
+              <a:rPr lang="de-DE" dirty="0" err="1"/>
+              <a:t>name</a:t>
+            </a:r>
+            <a:r>
+              <a:rPr lang="de-DE" dirty="0"/>
+              <a:t> </a:t>
+            </a:r>
+            <a:r>
+              <a:rPr lang="de-DE" dirty="0" err="1"/>
+              <a:t>rules</a:t>
+            </a:r>
+            <a:r>
+              <a:rPr lang="de-DE" dirty="0"/>
+              <a:t> folgen, z. B. </a:t>
+            </a:r>
+            <a:r>
+              <a:rPr lang="de-DE" dirty="0" err="1"/>
+              <a:t>de.conciso.starter</a:t>
+            </a:r>
+            <a:endParaRPr lang="de-DE" dirty="0"/>
+          </a:p>
+          <a:p>
+            <a:pPr lvl="2"/>
+            <a:r>
+              <a:rPr lang="de-DE" dirty="0" err="1"/>
+              <a:t>artifactid</a:t>
+            </a:r>
+            <a:endParaRPr lang="de-DE" dirty="0"/>
+          </a:p>
+          <a:p>
+            <a:pPr lvl="3"/>
+            <a:r>
+              <a:rPr lang="de-DE" dirty="0"/>
+              <a:t>Name des </a:t>
+            </a:r>
+            <a:r>
+              <a:rPr lang="de-DE" dirty="0" err="1"/>
+              <a:t>jar</a:t>
+            </a:r>
+            <a:r>
+              <a:rPr lang="de-DE" dirty="0"/>
+              <a:t> </a:t>
+            </a:r>
+            <a:r>
+              <a:rPr lang="de-DE" dirty="0" err="1"/>
+              <a:t>files</a:t>
+            </a:r>
+            <a:r>
+              <a:rPr lang="de-DE" dirty="0"/>
+              <a:t> (</a:t>
+            </a:r>
+            <a:r>
+              <a:rPr lang="de-DE" dirty="0" err="1"/>
+              <a:t>Build</a:t>
+            </a:r>
+            <a:r>
+              <a:rPr lang="de-DE" dirty="0"/>
+              <a:t>-Ergebnis)</a:t>
+            </a:r>
+          </a:p>
+          <a:p>
+            <a:pPr lvl="3"/>
+            <a:r>
+              <a:rPr lang="de-DE" dirty="0" err="1"/>
+              <a:t>Lowercase</a:t>
+            </a:r>
+            <a:r>
+              <a:rPr lang="de-DE" dirty="0"/>
+              <a:t> </a:t>
+            </a:r>
+            <a:r>
+              <a:rPr lang="de-DE" dirty="0" err="1"/>
+              <a:t>letters</a:t>
+            </a:r>
+            <a:r>
+              <a:rPr lang="de-DE" dirty="0"/>
+              <a:t>, </a:t>
+            </a:r>
+            <a:r>
+              <a:rPr lang="de-DE" dirty="0" err="1"/>
+              <a:t>no</a:t>
+            </a:r>
+            <a:r>
+              <a:rPr lang="de-DE" dirty="0"/>
+              <a:t> </a:t>
+            </a:r>
+            <a:r>
+              <a:rPr lang="de-DE" dirty="0" err="1"/>
+              <a:t>strange</a:t>
+            </a:r>
+            <a:r>
+              <a:rPr lang="de-DE" dirty="0"/>
+              <a:t> </a:t>
+            </a:r>
+            <a:r>
+              <a:rPr lang="de-DE" dirty="0" err="1"/>
+              <a:t>symbols</a:t>
+            </a:r>
+            <a:endParaRPr lang="de-DE" dirty="0"/>
+          </a:p>
+          <a:p>
+            <a:pPr lvl="2"/>
+            <a:r>
+              <a:rPr lang="de-DE" dirty="0" err="1"/>
+              <a:t>version</a:t>
+            </a:r>
+            <a:endParaRPr lang="de-DE" dirty="0"/>
+          </a:p>
+          <a:p>
+            <a:pPr lvl="3"/>
+            <a:r>
+              <a:rPr lang="de-DE" dirty="0"/>
+              <a:t>Typisch: Zahlen und Punkte, z. B. 1.0, 1.1, 1.0.1, …</a:t>
+            </a:r>
+          </a:p>
+          <a:p>
+            <a:pPr lvl="3"/>
+            <a:r>
+              <a:rPr lang="de-DE" dirty="0"/>
+              <a:t>Beispiel: </a:t>
+            </a:r>
+            <a:r>
+              <a:rPr lang="de-DE" dirty="0" err="1"/>
+              <a:t>Semantic</a:t>
+            </a:r>
+            <a:r>
+              <a:rPr lang="de-DE" dirty="0"/>
+              <a:t> </a:t>
+            </a:r>
+            <a:r>
+              <a:rPr lang="de-DE" dirty="0" err="1"/>
+              <a:t>Versioning</a:t>
+            </a:r>
+            <a:r>
+              <a:rPr lang="de-DE" dirty="0"/>
+              <a:t> (</a:t>
+            </a:r>
+            <a:r>
+              <a:rPr lang="de-DE" dirty="0">
+                <a:hlinkClick r:id="rId3"/>
               </a:rPr>
-              <a:t>pom.xml</a:t>
-            </a:r>
-            <a:r>
-              <a:rPr lang="de-DE" dirty="0">
-                <a:latin typeface="Courier New" panose="02070309020205020404" pitchFamily="49" charset="0"/>
-                <a:cs typeface="Courier New" panose="02070309020205020404" pitchFamily="49" charset="0"/>
-              </a:rPr>
-              <a:t> </a:t>
-            </a:r>
-            <a:r>
-              <a:rPr lang="de-DE" dirty="0"/>
-              <a:t>(Project </a:t>
-            </a:r>
-            <a:r>
-              <a:rPr lang="de-DE" dirty="0" err="1"/>
-              <a:t>Object</a:t>
-            </a:r>
-            <a:r>
-              <a:rPr lang="de-DE" dirty="0"/>
-              <a:t> Model)</a:t>
+              <a:t>https://semver.org/</a:t>
+            </a:r>
+            <a:r>
+              <a:rPr lang="de-DE" dirty="0"/>
+              <a:t>)</a:t>
             </a:r>
           </a:p>
         </p:txBody>
@@ -4113,7 +4309,7 @@
     </p:spTree>
     <p:extLst>
       <p:ext uri="{BB962C8B-B14F-4D97-AF65-F5344CB8AC3E}">
-        <p14:creationId xmlns:p14="http://schemas.microsoft.com/office/powerpoint/2010/main" val="3481766806"/>
+        <p14:creationId xmlns:p14="http://schemas.microsoft.com/office/powerpoint/2010/main" val="3657579033"/>
       </p:ext>
     </p:extLst>
   </p:cSld>
@@ -4190,9 +4386,7 @@
         </p:nvSpPr>
         <p:spPr/>
         <p:txBody>
-          <a:bodyPr>
-            <a:normAutofit/>
-          </a:bodyPr>
+          <a:bodyPr/>
           <a:lstStyle/>
           <a:p>
             <a:r>
@@ -4227,208 +4421,72 @@
               <a:rPr lang="de-DE" dirty="0"/>
               <a:t>-Ergebnis</a:t>
             </a:r>
-            <a:br>
-              <a:rPr lang="de-DE" dirty="0"/>
-            </a:br>
-            <a:r>
-              <a:rPr lang="de-DE" dirty="0"/>
-              <a:t>(</a:t>
-            </a:r>
+          </a:p>
+          <a:p>
+            <a:pPr lvl="2"/>
+            <a:r>
+              <a:rPr lang="de-DE" dirty="0"/>
+              <a:t>Identifikation unseres eigenen Produkts</a:t>
+            </a:r>
+          </a:p>
+          <a:p>
+            <a:pPr lvl="2"/>
+            <a:r>
+              <a:rPr lang="de-DE" dirty="0"/>
+              <a:t>Identifikation fremder </a:t>
+            </a:r>
+            <a:r>
+              <a:rPr lang="de-DE" dirty="0" err="1"/>
+              <a:t>Build</a:t>
+            </a:r>
+            <a:r>
+              <a:rPr lang="de-DE" dirty="0"/>
+              <a:t>-Ergebnisse, die wir nutzen wollen!</a:t>
+            </a:r>
+          </a:p>
+          <a:p>
+            <a:pPr lvl="3"/>
+            <a:r>
+              <a:rPr lang="de-DE" dirty="0"/>
+              <a:t>Woher kommen die?</a:t>
+            </a:r>
+          </a:p>
+          <a:p>
+            <a:pPr lvl="4"/>
             <a:r>
               <a:rPr lang="de-DE" dirty="0">
                 <a:hlinkClick r:id="rId2"/>
               </a:rPr>
-              <a:t>https://maven.apache.org/guides/mini/guide-naming-conventions.html</a:t>
-            </a:r>
-            <a:r>
-              <a:rPr lang="de-DE" dirty="0"/>
-              <a:t>)</a:t>
-            </a:r>
-          </a:p>
-          <a:p>
-            <a:pPr lvl="2"/>
-            <a:r>
-              <a:rPr lang="de-DE" dirty="0" err="1"/>
-              <a:t>groupId</a:t>
+              <a:t>https://mvnrepository.com/</a:t>
             </a:r>
             <a:endParaRPr lang="de-DE" dirty="0"/>
           </a:p>
           <a:p>
-            <a:pPr lvl="3"/>
-            <a:r>
-              <a:rPr lang="de-DE" dirty="0"/>
-              <a:t>Identifiziert das Projekt</a:t>
-            </a:r>
-          </a:p>
-          <a:p>
-            <a:pPr lvl="3"/>
-            <a:r>
-              <a:rPr lang="de-DE" dirty="0"/>
-              <a:t>Sollte Java </a:t>
-            </a:r>
-            <a:r>
-              <a:rPr lang="de-DE" dirty="0" err="1"/>
-              <a:t>package</a:t>
-            </a:r>
-            <a:r>
-              <a:rPr lang="de-DE" dirty="0"/>
-              <a:t> </a:t>
-            </a:r>
-            <a:r>
-              <a:rPr lang="de-DE" dirty="0" err="1"/>
-              <a:t>name</a:t>
-            </a:r>
-            <a:r>
-              <a:rPr lang="de-DE" dirty="0"/>
-              <a:t> </a:t>
-            </a:r>
-            <a:r>
-              <a:rPr lang="de-DE" dirty="0" err="1"/>
-              <a:t>rules</a:t>
-            </a:r>
-            <a:r>
-              <a:rPr lang="de-DE" dirty="0"/>
-              <a:t> folgen, z. B. </a:t>
-            </a:r>
-            <a:r>
-              <a:rPr lang="de-DE" dirty="0" err="1"/>
-              <a:t>de.conciso.starter</a:t>
-            </a:r>
-            <a:endParaRPr lang="de-DE" dirty="0"/>
-          </a:p>
-          <a:p>
-            <a:pPr lvl="2"/>
-            <a:r>
-              <a:rPr lang="de-DE" dirty="0" err="1"/>
-              <a:t>artifactid</a:t>
-            </a:r>
-            <a:endParaRPr lang="de-DE" dirty="0"/>
-          </a:p>
-          <a:p>
-            <a:pPr lvl="3"/>
-            <a:r>
-              <a:rPr lang="de-DE" dirty="0"/>
-              <a:t>Name des </a:t>
-            </a:r>
-            <a:r>
-              <a:rPr lang="de-DE" dirty="0" err="1"/>
-              <a:t>jar</a:t>
-            </a:r>
-            <a:r>
-              <a:rPr lang="de-DE" dirty="0"/>
-              <a:t> </a:t>
-            </a:r>
-            <a:r>
-              <a:rPr lang="de-DE" dirty="0" err="1"/>
-              <a:t>files</a:t>
-            </a:r>
-            <a:r>
-              <a:rPr lang="de-DE" dirty="0"/>
-              <a:t> (</a:t>
-            </a:r>
-            <a:r>
-              <a:rPr lang="de-DE" dirty="0" err="1"/>
-              <a:t>Build</a:t>
-            </a:r>
-            <a:r>
-              <a:rPr lang="de-DE" dirty="0"/>
-              <a:t>-Ergebnis)</a:t>
-            </a:r>
-          </a:p>
-          <a:p>
-            <a:pPr lvl="3"/>
-            <a:r>
-              <a:rPr lang="de-DE" dirty="0" err="1"/>
-              <a:t>Lowercase</a:t>
-            </a:r>
-            <a:r>
-              <a:rPr lang="de-DE" dirty="0"/>
-              <a:t> </a:t>
-            </a:r>
-            <a:r>
-              <a:rPr lang="de-DE" dirty="0" err="1"/>
-              <a:t>letters</a:t>
-            </a:r>
-            <a:r>
-              <a:rPr lang="de-DE" dirty="0"/>
-              <a:t>, </a:t>
-            </a:r>
-            <a:r>
-              <a:rPr lang="de-DE" dirty="0" err="1"/>
-              <a:t>no</a:t>
-            </a:r>
-            <a:r>
-              <a:rPr lang="de-DE" dirty="0"/>
-              <a:t> </a:t>
-            </a:r>
-            <a:r>
-              <a:rPr lang="de-DE" dirty="0" err="1"/>
-              <a:t>strange</a:t>
-            </a:r>
-            <a:r>
-              <a:rPr lang="de-DE" dirty="0"/>
-              <a:t> </a:t>
-            </a:r>
-            <a:r>
-              <a:rPr lang="de-DE" dirty="0" err="1"/>
-              <a:t>symbols</a:t>
-            </a:r>
-            <a:endParaRPr lang="de-DE" dirty="0"/>
-          </a:p>
-          <a:p>
-            <a:pPr lvl="2"/>
-            <a:r>
-              <a:rPr lang="de-DE" dirty="0" err="1"/>
-              <a:t>version</a:t>
-            </a:r>
-            <a:endParaRPr lang="de-DE" dirty="0"/>
-          </a:p>
-          <a:p>
-            <a:pPr lvl="3"/>
-            <a:r>
-              <a:rPr lang="de-DE" dirty="0"/>
-              <a:t>Typisch: Zahlen und Punkte, z. B. 1.0, 1.1, 1.0.1, …</a:t>
-            </a:r>
-          </a:p>
-          <a:p>
-            <a:pPr lvl="3"/>
+            <a:pPr lvl="4"/>
             <a:r>
               <a:rPr lang="de-DE" dirty="0"/>
               <a:t>Beispiel: </a:t>
-            </a:r>
-            <a:r>
-              <a:rPr lang="de-DE" dirty="0" err="1"/>
-              <a:t>Semantic</a:t>
-            </a:r>
-            <a:r>
-              <a:rPr lang="de-DE" dirty="0"/>
-              <a:t> </a:t>
-            </a:r>
-            <a:r>
-              <a:rPr lang="de-DE" dirty="0" err="1"/>
-              <a:t>Versioning</a:t>
-            </a:r>
-            <a:r>
-              <a:rPr lang="de-DE" dirty="0"/>
-              <a:t> (</a:t>
             </a:r>
             <a:r>
               <a:rPr lang="de-DE" dirty="0">
                 <a:hlinkClick r:id="rId3"/>
               </a:rPr>
-              <a:t>https://semver.org/</a:t>
-            </a:r>
-            <a:r>
-              <a:rPr lang="de-DE" dirty="0"/>
-              <a:t>)</a:t>
-            </a:r>
+              <a:t>https://mvnrepository.com/artifact/org.apache.logging.log4j/log4j-core</a:t>
+            </a:r>
+            <a:endParaRPr lang="de-DE" dirty="0"/>
+          </a:p>
+          <a:p>
+            <a:pPr marL="1828800" lvl="4" indent="0">
+              <a:buNone/>
+            </a:pPr>
+            <a:endParaRPr lang="de-DE" dirty="0"/>
           </a:p>
         </p:txBody>
       </p:sp>
     </p:spTree>
     <p:extLst>
       <p:ext uri="{BB962C8B-B14F-4D97-AF65-F5344CB8AC3E}">
-        <p14:creationId xmlns:p14="http://schemas.microsoft.com/office/powerpoint/2010/main" val="3657579033"/>
+        <p14:creationId xmlns:p14="http://schemas.microsoft.com/office/powerpoint/2010/main" val="797180529"/>
       </p:ext>
     </p:extLst>
   </p:cSld>
@@ -4530,82 +4588,115 @@
             <a:pPr lvl="1"/>
             <a:r>
               <a:rPr lang="de-DE" dirty="0"/>
-              <a:t>Identifikation eines </a:t>
-            </a:r>
-            <a:r>
-              <a:rPr lang="de-DE" dirty="0" err="1"/>
-              <a:t>Build</a:t>
-            </a:r>
-            <a:r>
-              <a:rPr lang="de-DE" dirty="0"/>
-              <a:t>-Ergebnis</a:t>
-            </a:r>
-          </a:p>
-          <a:p>
-            <a:pPr lvl="2"/>
-            <a:r>
-              <a:rPr lang="de-DE" dirty="0"/>
-              <a:t>Identifikation unseres eigenen Produkts</a:t>
-            </a:r>
-          </a:p>
-          <a:p>
-            <a:pPr lvl="2"/>
-            <a:r>
-              <a:rPr lang="de-DE" dirty="0"/>
-              <a:t>Identifikation fremder </a:t>
-            </a:r>
-            <a:r>
-              <a:rPr lang="de-DE" dirty="0" err="1"/>
-              <a:t>Build</a:t>
-            </a:r>
-            <a:r>
-              <a:rPr lang="de-DE" dirty="0"/>
-              <a:t>-Ergebnisse, die wir nutzen wollen!</a:t>
-            </a:r>
-          </a:p>
-          <a:p>
-            <a:pPr lvl="3"/>
-            <a:r>
-              <a:rPr lang="de-DE" dirty="0"/>
-              <a:t>Woher kommen die?</a:t>
-            </a:r>
-          </a:p>
-          <a:p>
-            <a:pPr lvl="4"/>
+              <a:t>Kommando: </a:t>
+            </a:r>
+            <a:r>
+              <a:rPr lang="de-DE" dirty="0" err="1">
+                <a:latin typeface="Courier New" panose="02070309020205020404" pitchFamily="49" charset="0"/>
+                <a:cs typeface="Courier New" panose="02070309020205020404" pitchFamily="49" charset="0"/>
+              </a:rPr>
+              <a:t>mvn</a:t>
+            </a:r>
             <a:r>
               <a:rPr lang="de-DE" dirty="0">
+                <a:latin typeface="Courier New" panose="02070309020205020404" pitchFamily="49" charset="0"/>
+                <a:cs typeface="Courier New" panose="02070309020205020404" pitchFamily="49" charset="0"/>
+              </a:rPr>
+              <a:t> clean </a:t>
+            </a:r>
+            <a:r>
+              <a:rPr lang="de-DE" dirty="0" err="1">
+                <a:latin typeface="Courier New" panose="02070309020205020404" pitchFamily="49" charset="0"/>
+                <a:cs typeface="Courier New" panose="02070309020205020404" pitchFamily="49" charset="0"/>
+              </a:rPr>
+              <a:t>package</a:t>
+            </a:r>
+            <a:endParaRPr lang="de-DE" dirty="0">
+              <a:latin typeface="Courier New" panose="02070309020205020404" pitchFamily="49" charset="0"/>
+              <a:cs typeface="Courier New" panose="02070309020205020404" pitchFamily="49" charset="0"/>
+            </a:endParaRPr>
+          </a:p>
+          <a:p>
+            <a:pPr lvl="2"/>
+            <a:r>
+              <a:rPr lang="de-DE" dirty="0">
+                <a:latin typeface="Courier New" panose="02070309020205020404" pitchFamily="49" charset="0"/>
+                <a:cs typeface="Courier New" panose="02070309020205020404" pitchFamily="49" charset="0"/>
+              </a:rPr>
+              <a:t>clean</a:t>
+            </a:r>
+            <a:r>
+              <a:rPr lang="de-DE" dirty="0">
+                <a:cs typeface="Courier New" panose="02070309020205020404" pitchFamily="49" charset="0"/>
+              </a:rPr>
+              <a:t> und </a:t>
+            </a:r>
+            <a:r>
+              <a:rPr lang="de-DE" dirty="0" err="1">
+                <a:latin typeface="Courier New" panose="02070309020205020404" pitchFamily="49" charset="0"/>
+                <a:cs typeface="Courier New" panose="02070309020205020404" pitchFamily="49" charset="0"/>
+              </a:rPr>
+              <a:t>package</a:t>
+            </a:r>
+            <a:r>
+              <a:rPr lang="de-DE" dirty="0">
+                <a:cs typeface="Courier New" panose="02070309020205020404" pitchFamily="49" charset="0"/>
+              </a:rPr>
+              <a:t> sind Lebenszyklen</a:t>
+            </a:r>
+          </a:p>
+          <a:p>
+            <a:pPr lvl="2"/>
+            <a:endParaRPr lang="de-DE" dirty="0">
+              <a:cs typeface="Courier New" panose="02070309020205020404" pitchFamily="49" charset="0"/>
+            </a:endParaRPr>
+          </a:p>
+          <a:p>
+            <a:pPr lvl="2"/>
+            <a:endParaRPr lang="de-DE" dirty="0">
+              <a:cs typeface="Courier New" panose="02070309020205020404" pitchFamily="49" charset="0"/>
+            </a:endParaRPr>
+          </a:p>
+          <a:p>
+            <a:r>
+              <a:rPr lang="de-DE" dirty="0">
+                <a:cs typeface="Courier New" panose="02070309020205020404" pitchFamily="49" charset="0"/>
+              </a:rPr>
+              <a:t>Weitere Informationen</a:t>
+            </a:r>
+          </a:p>
+          <a:p>
+            <a:pPr lvl="1"/>
+            <a:r>
+              <a:rPr lang="de-DE" dirty="0">
+                <a:cs typeface="Courier New" panose="02070309020205020404" pitchFamily="49" charset="0"/>
                 <a:hlinkClick r:id="rId2"/>
               </a:rPr>
-              <a:t>https://mvnrepository.com/</a:t>
-            </a:r>
-            <a:endParaRPr lang="de-DE" dirty="0"/>
-          </a:p>
-          <a:p>
-            <a:pPr lvl="4"/>
-            <a:r>
-              <a:rPr lang="de-DE" dirty="0"/>
-              <a:t>Beispiel: </a:t>
-            </a:r>
+              <a:t>https://maven.apache.org/</a:t>
+            </a:r>
+            <a:endParaRPr lang="de-DE" dirty="0">
+              <a:cs typeface="Courier New" panose="02070309020205020404" pitchFamily="49" charset="0"/>
+            </a:endParaRPr>
+          </a:p>
+          <a:p>
+            <a:pPr lvl="1"/>
             <a:r>
               <a:rPr lang="de-DE" dirty="0">
+                <a:cs typeface="Courier New" panose="02070309020205020404" pitchFamily="49" charset="0"/>
                 <a:hlinkClick r:id="rId3"/>
               </a:rPr>
-              <a:t>https://mvnrepository.com/artifact/org.apache.logging.log4j/log4j-core</a:t>
-            </a:r>
-            <a:endParaRPr lang="de-DE" dirty="0"/>
-          </a:p>
-          <a:p>
-            <a:pPr marL="1828800" lvl="4" indent="0">
-              <a:buNone/>
-            </a:pPr>
-            <a:endParaRPr lang="de-DE" dirty="0"/>
+              <a:t>https://www.baeldung.com/maven</a:t>
+            </a:r>
+            <a:endParaRPr lang="de-DE" dirty="0">
+              <a:cs typeface="Courier New" panose="02070309020205020404" pitchFamily="49" charset="0"/>
+            </a:endParaRPr>
           </a:p>
         </p:txBody>
       </p:sp>
     </p:spTree>
     <p:extLst>
       <p:ext uri="{BB962C8B-B14F-4D97-AF65-F5344CB8AC3E}">
-        <p14:creationId xmlns:p14="http://schemas.microsoft.com/office/powerpoint/2010/main" val="797180529"/>
+        <p14:creationId xmlns:p14="http://schemas.microsoft.com/office/powerpoint/2010/main" val="1999295126"/>
       </p:ext>
     </p:extLst>
   </p:cSld>
@@ -4659,7 +4750,7 @@
             </a:r>
             <a:r>
               <a:rPr lang="de-DE" dirty="0"/>
-              <a:t> 15</a:t>
+              <a:t> 20</a:t>
             </a:r>
           </a:p>
         </p:txBody>
@@ -4687,20 +4778,46 @@
           <a:p>
             <a:r>
               <a:rPr lang="de-DE" dirty="0"/>
-              <a:t>Thema: </a:t>
-            </a:r>
-            <a:r>
-              <a:rPr lang="de-DE" dirty="0" err="1"/>
-              <a:t>Build</a:t>
-            </a:r>
-            <a:r>
-              <a:rPr lang="de-DE" dirty="0"/>
-              <a:t>-Management mit </a:t>
+              <a:t>Thema: Nutzung eines </a:t>
+            </a:r>
+            <a:r>
+              <a:rPr lang="de-DE" dirty="0" err="1"/>
+              <a:t>Maven-Plugins</a:t>
+            </a:r>
+            <a:endParaRPr lang="de-DE" dirty="0"/>
+          </a:p>
+          <a:p>
+            <a:pPr lvl="1"/>
+            <a:r>
+              <a:rPr lang="de-DE" dirty="0"/>
+              <a:t>Das </a:t>
+            </a:r>
+            <a:r>
+              <a:rPr lang="de-DE" dirty="0" err="1">
+                <a:latin typeface="Courier New" panose="02070309020205020404" pitchFamily="49" charset="0"/>
+                <a:cs typeface="Courier New" panose="02070309020205020404" pitchFamily="49" charset="0"/>
+              </a:rPr>
+              <a:t>exec</a:t>
+            </a:r>
+            <a:r>
+              <a:rPr lang="de-DE" dirty="0" err="1"/>
+              <a:t>-Plugin</a:t>
+            </a:r>
+            <a:r>
+              <a:rPr lang="de-DE" dirty="0"/>
+              <a:t> ermöglicht es, Java-Programme aus </a:t>
             </a:r>
             <a:r>
               <a:rPr lang="de-DE" dirty="0" err="1"/>
               <a:t>Maven</a:t>
             </a:r>
+            <a:r>
+              <a:rPr lang="de-DE" dirty="0"/>
+              <a:t> heraus auszuführen</a:t>
+            </a:r>
+          </a:p>
+          <a:p>
+            <a:pPr lvl="2"/>
             <a:endParaRPr lang="de-DE" dirty="0"/>
           </a:p>
           <a:p>
@@ -4721,14 +4838,14 @@
                 <a:latin typeface="Courier New" panose="02070309020205020404" pitchFamily="49" charset="0"/>
                 <a:cs typeface="Courier New" panose="02070309020205020404" pitchFamily="49" charset="0"/>
               </a:rPr>
-              <a:t> clean </a:t>
+              <a:t> </a:t>
             </a:r>
             <a:r>
               <a:rPr lang="de-DE" dirty="0" err="1">
                 <a:latin typeface="Courier New" panose="02070309020205020404" pitchFamily="49" charset="0"/>
                 <a:cs typeface="Courier New" panose="02070309020205020404" pitchFamily="49" charset="0"/>
               </a:rPr>
-              <a:t>package</a:t>
+              <a:t>exec:java</a:t>
             </a:r>
             <a:endParaRPr lang="de-DE" dirty="0">
               <a:latin typeface="Courier New" panose="02070309020205020404" pitchFamily="49" charset="0"/>
@@ -4738,38 +4855,71 @@
           <a:p>
             <a:pPr lvl="2"/>
             <a:r>
+              <a:rPr lang="de-DE" dirty="0" err="1">
+                <a:latin typeface="Courier New" panose="02070309020205020404" pitchFamily="49" charset="0"/>
+                <a:cs typeface="Courier New" panose="02070309020205020404" pitchFamily="49" charset="0"/>
+              </a:rPr>
+              <a:t>exec:java</a:t>
+            </a:r>
+            <a:r>
               <a:rPr lang="de-DE" dirty="0">
                 <a:latin typeface="Courier New" panose="02070309020205020404" pitchFamily="49" charset="0"/>
                 <a:cs typeface="Courier New" panose="02070309020205020404" pitchFamily="49" charset="0"/>
               </a:rPr>
-              <a:t>clean</a:t>
-            </a:r>
+              <a:t> </a:t>
+            </a:r>
+            <a:r>
+              <a:rPr lang="de-DE" dirty="0"/>
+              <a:t>ist ein Goal</a:t>
+            </a:r>
+          </a:p>
+          <a:p>
+            <a:pPr lvl="2"/>
+            <a:endParaRPr lang="de-DE" dirty="0"/>
+          </a:p>
+          <a:p>
+            <a:pPr lvl="1"/>
+            <a:r>
+              <a:rPr lang="de-DE" dirty="0"/>
+              <a:t>Weitere Informationen</a:t>
+            </a:r>
+          </a:p>
+          <a:p>
+            <a:pPr lvl="2"/>
             <a:r>
               <a:rPr lang="de-DE" dirty="0">
-                <a:cs typeface="Courier New" panose="02070309020205020404" pitchFamily="49" charset="0"/>
+                <a:hlinkClick r:id="rId2"/>
               </a:rPr>
-              <a:t> und </a:t>
-            </a:r>
-            <a:r>
-              <a:rPr lang="de-DE" dirty="0" err="1">
-                <a:latin typeface="Courier New" panose="02070309020205020404" pitchFamily="49" charset="0"/>
-                <a:cs typeface="Courier New" panose="02070309020205020404" pitchFamily="49" charset="0"/>
+              <a:t>http://www.mojohaus.org/exec-maven-plugin/</a:t>
+            </a:r>
+            <a:endParaRPr lang="de-DE" dirty="0"/>
+          </a:p>
+          <a:p>
+            <a:pPr lvl="2"/>
+            <a:r>
+              <a:rPr lang="de-DE" dirty="0">
+                <a:hlinkClick r:id="rId3"/>
               </a:rPr>
-              <a:t>package</a:t>
-            </a:r>
+              <a:t>https://mvnrepository.com/artifact/org.codehaus.mojo/exec-maven-plugin</a:t>
+            </a:r>
+            <a:endParaRPr lang="de-DE" dirty="0"/>
+          </a:p>
+          <a:p>
+            <a:pPr lvl="2"/>
             <a:r>
               <a:rPr lang="de-DE" dirty="0">
-                <a:cs typeface="Courier New" panose="02070309020205020404" pitchFamily="49" charset="0"/>
+                <a:hlinkClick r:id="rId4"/>
               </a:rPr>
-              <a:t> sind Lebenszyklen</a:t>
-            </a:r>
+              <a:t>https://www.baeldung.com/maven-java-main-method</a:t>
+            </a:r>
+            <a:endParaRPr lang="de-DE" dirty="0"/>
           </a:p>
         </p:txBody>
       </p:sp>
     </p:spTree>
     <p:extLst>
       <p:ext uri="{BB962C8B-B14F-4D97-AF65-F5344CB8AC3E}">
-        <p14:creationId xmlns:p14="http://schemas.microsoft.com/office/powerpoint/2010/main" val="1999295126"/>
+        <p14:creationId xmlns:p14="http://schemas.microsoft.com/office/powerpoint/2010/main" val="3687928113"/>
       </p:ext>
     </p:extLst>
   </p:cSld>
@@ -4823,7 +4973,7 @@
             </a:r>
             <a:r>
               <a:rPr lang="de-DE" dirty="0"/>
-              <a:t> 20</a:t>
+              <a:t> 30</a:t>
             </a:r>
           </a:p>
         </p:txBody>
@@ -4851,123 +5001,68 @@
           <a:p>
             <a:r>
               <a:rPr lang="de-DE" dirty="0"/>
-              <a:t>Thema: Nutzung eines </a:t>
-            </a:r>
-            <a:r>
-              <a:rPr lang="de-DE" dirty="0" err="1"/>
-              <a:t>Maven-Plugins</a:t>
-            </a:r>
-            <a:endParaRPr lang="de-DE" dirty="0"/>
-          </a:p>
-          <a:p>
-            <a:pPr lvl="1"/>
-            <a:r>
-              <a:rPr lang="de-DE" dirty="0"/>
-              <a:t>Das </a:t>
-            </a:r>
-            <a:r>
-              <a:rPr lang="de-DE" dirty="0" err="1">
-                <a:latin typeface="Courier New" panose="02070309020205020404" pitchFamily="49" charset="0"/>
-                <a:cs typeface="Courier New" panose="02070309020205020404" pitchFamily="49" charset="0"/>
-              </a:rPr>
-              <a:t>exec</a:t>
-            </a:r>
-            <a:r>
-              <a:rPr lang="de-DE" dirty="0" err="1"/>
-              <a:t>-Plugin</a:t>
-            </a:r>
-            <a:r>
-              <a:rPr lang="de-DE" dirty="0"/>
-              <a:t> ermöglicht es, Java-Programme aus </a:t>
-            </a:r>
-            <a:r>
-              <a:rPr lang="de-DE" dirty="0" err="1"/>
-              <a:t>Maven</a:t>
-            </a:r>
-            <a:r>
-              <a:rPr lang="de-DE" dirty="0"/>
-              <a:t> heraus auszuführen</a:t>
-            </a:r>
-          </a:p>
-          <a:p>
-            <a:pPr lvl="2"/>
-            <a:r>
-              <a:rPr lang="de-DE" dirty="0">
-                <a:hlinkClick r:id="rId2"/>
-              </a:rPr>
-              <a:t>http://www.mojohaus.org/exec-maven-plugin/</a:t>
-            </a:r>
-            <a:endParaRPr lang="de-DE" dirty="0"/>
-          </a:p>
-          <a:p>
-            <a:pPr lvl="2"/>
-            <a:r>
-              <a:rPr lang="de-DE" dirty="0">
-                <a:hlinkClick r:id="rId3"/>
-              </a:rPr>
-              <a:t>https://mvnrepository.com/artifact/org.codehaus.mojo/exec-maven-plugin</a:t>
-            </a:r>
-            <a:endParaRPr lang="de-DE" dirty="0"/>
-          </a:p>
-          <a:p>
-            <a:pPr lvl="1"/>
-            <a:r>
-              <a:rPr lang="de-DE" dirty="0"/>
-              <a:t>Kommando: </a:t>
-            </a:r>
-            <a:r>
-              <a:rPr lang="de-DE" dirty="0" err="1">
-                <a:latin typeface="Courier New" panose="02070309020205020404" pitchFamily="49" charset="0"/>
-                <a:cs typeface="Courier New" panose="02070309020205020404" pitchFamily="49" charset="0"/>
-              </a:rPr>
-              <a:t>mvn</a:t>
+              <a:t>Thema: </a:t>
+            </a:r>
+            <a:r>
+              <a:rPr lang="de-DE" dirty="0" err="1"/>
+              <a:t>Logging</a:t>
+            </a:r>
+            <a:r>
+              <a:rPr lang="de-DE" dirty="0"/>
+              <a:t> mit </a:t>
             </a:r>
             <a:r>
               <a:rPr lang="de-DE" dirty="0">
                 <a:latin typeface="Courier New" panose="02070309020205020404" pitchFamily="49" charset="0"/>
                 <a:cs typeface="Courier New" panose="02070309020205020404" pitchFamily="49" charset="0"/>
               </a:rPr>
-              <a:t> </a:t>
-            </a:r>
-            <a:r>
-              <a:rPr lang="de-DE" dirty="0" err="1">
-                <a:latin typeface="Courier New" panose="02070309020205020404" pitchFamily="49" charset="0"/>
-                <a:cs typeface="Courier New" panose="02070309020205020404" pitchFamily="49" charset="0"/>
+              <a:t>log4j</a:t>
+            </a:r>
+          </a:p>
+          <a:p>
+            <a:pPr lvl="1"/>
+            <a:r>
+              <a:rPr lang="de-DE" dirty="0"/>
+              <a:t>Weit verbreitete Bibliothek für </a:t>
+            </a:r>
+            <a:r>
+              <a:rPr lang="de-DE" dirty="0" err="1"/>
+              <a:t>Logging</a:t>
+            </a:r>
+            <a:endParaRPr lang="de-DE" dirty="0"/>
+          </a:p>
+          <a:p>
+            <a:pPr lvl="2"/>
+            <a:r>
+              <a:rPr lang="de-DE" dirty="0">
+                <a:hlinkClick r:id="rId2"/>
               </a:rPr>
-              <a:t>exec:java</a:t>
-            </a:r>
-            <a:endParaRPr lang="de-DE" dirty="0">
-              <a:latin typeface="Courier New" panose="02070309020205020404" pitchFamily="49" charset="0"/>
-              <a:cs typeface="Courier New" panose="02070309020205020404" pitchFamily="49" charset="0"/>
-            </a:endParaRPr>
-          </a:p>
-          <a:p>
-            <a:pPr lvl="2"/>
-            <a:r>
-              <a:rPr lang="de-DE" dirty="0" err="1">
-                <a:latin typeface="Courier New" panose="02070309020205020404" pitchFamily="49" charset="0"/>
-                <a:cs typeface="Courier New" panose="02070309020205020404" pitchFamily="49" charset="0"/>
+              <a:t>https://logging.apache.org/log4j/2.x/</a:t>
+            </a:r>
+            <a:endParaRPr lang="de-DE" dirty="0"/>
+          </a:p>
+          <a:p>
+            <a:pPr lvl="2"/>
+            <a:r>
+              <a:rPr lang="de-DE" dirty="0">
+                <a:hlinkClick r:id="rId3"/>
               </a:rPr>
-              <a:t>exec:java</a:t>
-            </a:r>
-            <a:r>
-              <a:rPr lang="de-DE" dirty="0">
-                <a:latin typeface="Courier New" panose="02070309020205020404" pitchFamily="49" charset="0"/>
-                <a:cs typeface="Courier New" panose="02070309020205020404" pitchFamily="49" charset="0"/>
-              </a:rPr>
-              <a:t> </a:t>
-            </a:r>
-            <a:r>
-              <a:rPr lang="de-DE" dirty="0"/>
-              <a:t>ist ein Goal</a:t>
-            </a:r>
+              <a:t>https://mvnrepository.com/artifact/org.apache.logging.log4j/log4j-core</a:t>
+            </a:r>
+            <a:endParaRPr lang="de-DE" dirty="0"/>
+          </a:p>
+          <a:p>
+            <a:pPr marL="914400" lvl="2" indent="0">
+              <a:buNone/>
+            </a:pPr>
+            <a:endParaRPr lang="de-DE" dirty="0"/>
           </a:p>
         </p:txBody>
       </p:sp>
     </p:spTree>
     <p:extLst>
       <p:ext uri="{BB962C8B-B14F-4D97-AF65-F5344CB8AC3E}">
-        <p14:creationId xmlns:p14="http://schemas.microsoft.com/office/powerpoint/2010/main" val="3687928113"/>
+        <p14:creationId xmlns:p14="http://schemas.microsoft.com/office/powerpoint/2010/main" val="1390217071"/>
       </p:ext>
     </p:extLst>
   </p:cSld>
@@ -5071,16 +5166,73 @@
             <a:pPr lvl="1"/>
             <a:r>
               <a:rPr lang="de-DE" dirty="0"/>
-              <a:t>Weit verbreitete Bibliothek für </a:t>
-            </a:r>
-            <a:r>
-              <a:rPr lang="de-DE" dirty="0" err="1"/>
-              <a:t>Logging</a:t>
+              <a:t>Ausgaben sollten in produktivem Code nie mit </a:t>
+            </a:r>
+            <a:r>
+              <a:rPr lang="de-DE" dirty="0" err="1">
+                <a:latin typeface="Courier New" panose="02070309020205020404" pitchFamily="49" charset="0"/>
+                <a:cs typeface="Courier New" panose="02070309020205020404" pitchFamily="49" charset="0"/>
+              </a:rPr>
+              <a:t>System.out.println</a:t>
+            </a:r>
+            <a:r>
+              <a:rPr lang="de-DE" dirty="0"/>
+              <a:t> erfolgen!</a:t>
+            </a:r>
+          </a:p>
+          <a:p>
+            <a:pPr lvl="1"/>
+            <a:r>
+              <a:rPr lang="de-DE" dirty="0"/>
+              <a:t>Konzepte von </a:t>
+            </a:r>
+            <a:r>
+              <a:rPr lang="de-DE" dirty="0">
+                <a:latin typeface="Courier New" panose="02070309020205020404" pitchFamily="49" charset="0"/>
+                <a:cs typeface="Courier New" panose="02070309020205020404" pitchFamily="49" charset="0"/>
+              </a:rPr>
+              <a:t>log4j</a:t>
+            </a:r>
+            <a:r>
+              <a:rPr lang="de-DE" dirty="0"/>
+              <a:t>:</a:t>
+            </a:r>
+          </a:p>
+          <a:p>
+            <a:pPr lvl="2"/>
+            <a:r>
+              <a:rPr lang="de-DE" dirty="0"/>
+              <a:t>Logger</a:t>
+            </a:r>
+          </a:p>
+          <a:p>
+            <a:pPr lvl="2"/>
+            <a:r>
+              <a:rPr lang="de-DE" dirty="0" err="1"/>
+              <a:t>Appender</a:t>
             </a:r>
             <a:endParaRPr lang="de-DE" dirty="0"/>
           </a:p>
           <a:p>
             <a:pPr lvl="2"/>
+            <a:r>
+              <a:rPr lang="de-DE" dirty="0" err="1"/>
+              <a:t>Loglevel</a:t>
+            </a:r>
+            <a:endParaRPr lang="de-DE" dirty="0"/>
+          </a:p>
+          <a:p>
+            <a:pPr lvl="2"/>
+            <a:endParaRPr lang="de-DE" dirty="0"/>
+          </a:p>
+          <a:p>
+            <a:r>
+              <a:rPr lang="de-DE" dirty="0"/>
+              <a:t>Weitere Informationen</a:t>
+            </a:r>
+          </a:p>
+          <a:p>
+            <a:pPr lvl="1"/>
             <a:r>
               <a:rPr lang="de-DE" dirty="0">
                 <a:hlinkClick r:id="rId2"/>
@@ -5090,19 +5242,17 @@
             <a:endParaRPr lang="de-DE" dirty="0"/>
           </a:p>
           <a:p>
-            <a:pPr lvl="2"/>
+            <a:pPr lvl="1"/>
             <a:r>
               <a:rPr lang="de-DE" dirty="0">
                 <a:hlinkClick r:id="rId3"/>
               </a:rPr>
-              <a:t>https://mvnrepository.com/artifact/org.apache.logging.log4j/log4j-core</a:t>
+              <a:t>https://www.baeldung.com/java-logging-intro</a:t>
             </a:r>
             <a:endParaRPr lang="de-DE" dirty="0"/>
           </a:p>
           <a:p>
-            <a:pPr marL="914400" lvl="2" indent="0">
-              <a:buNone/>
-            </a:pPr>
+            <a:pPr lvl="2"/>
             <a:endParaRPr lang="de-DE" dirty="0"/>
           </a:p>
         </p:txBody>
@@ -5110,7 +5260,7 @@
     </p:spTree>
     <p:extLst>
       <p:ext uri="{BB962C8B-B14F-4D97-AF65-F5344CB8AC3E}">
-        <p14:creationId xmlns:p14="http://schemas.microsoft.com/office/powerpoint/2010/main" val="1390217071"/>
+        <p14:creationId xmlns:p14="http://schemas.microsoft.com/office/powerpoint/2010/main" val="3255580773"/>
       </p:ext>
     </p:extLst>
   </p:cSld>
@@ -5164,7 +5314,7 @@
             </a:r>
             <a:r>
               <a:rPr lang="de-DE" dirty="0"/>
-              <a:t> 30</a:t>
+              <a:t> 35</a:t>
             </a:r>
           </a:p>
         </p:txBody>
@@ -5192,82 +5342,53 @@
           <a:p>
             <a:r>
               <a:rPr lang="de-DE" dirty="0"/>
-              <a:t>Thema: </a:t>
-            </a:r>
-            <a:r>
-              <a:rPr lang="de-DE" dirty="0" err="1"/>
-              <a:t>Logging</a:t>
-            </a:r>
-            <a:r>
-              <a:rPr lang="de-DE" dirty="0"/>
-              <a:t> mit </a:t>
-            </a:r>
-            <a:r>
-              <a:rPr lang="de-DE" dirty="0">
-                <a:latin typeface="Courier New" panose="02070309020205020404" pitchFamily="49" charset="0"/>
-                <a:cs typeface="Courier New" panose="02070309020205020404" pitchFamily="49" charset="0"/>
-              </a:rPr>
-              <a:t>log4j</a:t>
+              <a:t>Thema: Implementierung einer Service-Klasse</a:t>
             </a:r>
           </a:p>
           <a:p>
             <a:pPr lvl="1"/>
-            <a:r>
-              <a:rPr lang="de-DE" dirty="0"/>
-              <a:t>Ausgaben sollten in produktivem Code nie mit </a:t>
-            </a:r>
-            <a:r>
-              <a:rPr lang="de-DE" dirty="0" err="1">
-                <a:latin typeface="Courier New" panose="02070309020205020404" pitchFamily="49" charset="0"/>
-                <a:cs typeface="Courier New" panose="02070309020205020404" pitchFamily="49" charset="0"/>
-              </a:rPr>
-              <a:t>System.out.println</a:t>
-            </a:r>
-            <a:r>
-              <a:rPr lang="de-DE" dirty="0"/>
-              <a:t> erfolgen!</a:t>
+            <a:endParaRPr lang="de-DE" dirty="0"/>
+          </a:p>
+          <a:p>
+            <a:r>
+              <a:rPr lang="de-DE" dirty="0"/>
+              <a:t>Warum machen wir das?</a:t>
             </a:r>
           </a:p>
           <a:p>
             <a:pPr lvl="1"/>
             <a:r>
               <a:rPr lang="de-DE" dirty="0"/>
-              <a:t>Konzepte von </a:t>
-            </a:r>
-            <a:r>
-              <a:rPr lang="de-DE" dirty="0">
-                <a:latin typeface="Courier New" panose="02070309020205020404" pitchFamily="49" charset="0"/>
-                <a:cs typeface="Courier New" panose="02070309020205020404" pitchFamily="49" charset="0"/>
-              </a:rPr>
-              <a:t>log4j</a:t>
-            </a:r>
-            <a:r>
-              <a:rPr lang="de-DE" dirty="0"/>
-              <a:t>:</a:t>
-            </a:r>
-          </a:p>
-          <a:p>
-            <a:pPr lvl="2"/>
-            <a:r>
-              <a:rPr lang="de-DE" dirty="0"/>
-              <a:t>Logger</a:t>
-            </a:r>
-          </a:p>
-          <a:p>
-            <a:pPr lvl="2"/>
-            <a:r>
-              <a:rPr lang="de-DE" dirty="0" err="1"/>
-              <a:t>Appender</a:t>
-            </a:r>
-            <a:endParaRPr lang="de-DE" dirty="0"/>
-          </a:p>
-          <a:p>
-            <a:pPr lvl="2"/>
-            <a:r>
-              <a:rPr lang="de-DE" dirty="0" err="1"/>
-              <a:t>Loglevel</a:t>
-            </a:r>
-            <a:endParaRPr lang="de-DE" dirty="0"/>
+              <a:t>Architektur-Grundprinzip: „Teile und herrsche!“</a:t>
+            </a:r>
+          </a:p>
+          <a:p>
+            <a:pPr lvl="2"/>
+            <a:r>
+              <a:rPr lang="de-DE" dirty="0"/>
+              <a:t>Jede Klasse soll einen Aspekt der Anwendung implementieren</a:t>
+            </a:r>
+          </a:p>
+          <a:p>
+            <a:pPr lvl="1"/>
+            <a:r>
+              <a:rPr lang="de-DE" dirty="0"/>
+              <a:t>Implementierungen eines Service sind austauschbar</a:t>
+            </a:r>
+          </a:p>
+          <a:p>
+            <a:pPr lvl="2"/>
+            <a:r>
+              <a:rPr lang="de-DE" dirty="0"/>
+              <a:t>Flexibilität für Änderungswünsche</a:t>
+            </a:r>
+          </a:p>
+          <a:p>
+            <a:pPr lvl="2"/>
+            <a:r>
+              <a:rPr lang="de-DE" dirty="0"/>
+              <a:t>Gut für Tests</a:t>
+            </a:r>
           </a:p>
           <a:p>
             <a:pPr lvl="2"/>
@@ -5278,7 +5399,7 @@
     </p:spTree>
     <p:extLst>
       <p:ext uri="{BB962C8B-B14F-4D97-AF65-F5344CB8AC3E}">
-        <p14:creationId xmlns:p14="http://schemas.microsoft.com/office/powerpoint/2010/main" val="3255580773"/>
+        <p14:creationId xmlns:p14="http://schemas.microsoft.com/office/powerpoint/2010/main" val="3345949849"/>
       </p:ext>
     </p:extLst>
   </p:cSld>
@@ -5586,6 +5707,61 @@
             </a:r>
           </a:p>
           <a:p>
+            <a:pPr lvl="1"/>
+            <a:endParaRPr lang="de-DE" dirty="0"/>
+          </a:p>
+          <a:p>
+            <a:r>
+              <a:rPr lang="de-DE" dirty="0"/>
+              <a:t>Warum machen wir das?</a:t>
+            </a:r>
+          </a:p>
+          <a:p>
+            <a:pPr lvl="1"/>
+            <a:r>
+              <a:rPr lang="de-DE" dirty="0"/>
+              <a:t>Architektur-Grundprinzip: „Teile und herrsche!“</a:t>
+            </a:r>
+          </a:p>
+          <a:p>
+            <a:pPr lvl="1"/>
+            <a:r>
+              <a:rPr lang="de-DE" dirty="0"/>
+              <a:t>Jedes Modul sollte für einen Teil-Aspekt der Gesamtanwendung zuständig sein</a:t>
+            </a:r>
+          </a:p>
+          <a:p>
+            <a:pPr lvl="1"/>
+            <a:r>
+              <a:rPr lang="de-DE" dirty="0"/>
+              <a:t>Gegensatz: „</a:t>
+            </a:r>
+            <a:r>
+              <a:rPr lang="de-DE" dirty="0" err="1"/>
+              <a:t>big</a:t>
+            </a:r>
+            <a:r>
+              <a:rPr lang="de-DE" dirty="0"/>
+              <a:t> ball </a:t>
+            </a:r>
+            <a:r>
+              <a:rPr lang="de-DE" dirty="0" err="1"/>
+              <a:t>of</a:t>
+            </a:r>
+            <a:r>
+              <a:rPr lang="de-DE" dirty="0"/>
+              <a:t> </a:t>
+            </a:r>
+            <a:r>
+              <a:rPr lang="de-DE" dirty="0" err="1"/>
+              <a:t>mud</a:t>
+            </a:r>
+            <a:r>
+              <a:rPr lang="de-DE" dirty="0"/>
+              <a:t>“</a:t>
+            </a:r>
+          </a:p>
+          <a:p>
             <a:pPr lvl="2"/>
             <a:endParaRPr lang="de-DE" dirty="0"/>
           </a:p>
@@ -5648,7 +5824,7 @@
             </a:r>
             <a:r>
               <a:rPr lang="de-DE" dirty="0"/>
-              <a:t> 50</a:t>
+              <a:t> 40</a:t>
             </a:r>
           </a:p>
         </p:txBody>
@@ -5676,90 +5852,55 @@
           <a:p>
             <a:r>
               <a:rPr lang="de-DE" dirty="0"/>
-              <a:t>Thema: Unit-Tests</a:t>
-            </a:r>
-            <a:endParaRPr lang="de-DE" dirty="0">
-              <a:latin typeface="Courier New" panose="02070309020205020404" pitchFamily="49" charset="0"/>
-              <a:cs typeface="Courier New" panose="02070309020205020404" pitchFamily="49" charset="0"/>
-            </a:endParaRPr>
+              <a:t>Exkurs: Hexagonale Architektur – Ports </a:t>
+            </a:r>
+            <a:r>
+              <a:rPr lang="de-DE" dirty="0" err="1"/>
+              <a:t>and</a:t>
+            </a:r>
+            <a:r>
+              <a:rPr lang="de-DE" dirty="0"/>
+              <a:t> Adapters</a:t>
+            </a:r>
+          </a:p>
+          <a:p>
+            <a:endParaRPr lang="de-DE" dirty="0"/>
           </a:p>
           <a:p>
             <a:pPr lvl="1"/>
             <a:r>
               <a:rPr lang="de-DE" dirty="0"/>
-              <a:t>Framework für Unit-Tests: </a:t>
-            </a:r>
-            <a:r>
-              <a:rPr lang="de-DE" dirty="0" err="1"/>
-              <a:t>Junit</a:t>
-            </a:r>
-            <a:endParaRPr lang="de-DE" dirty="0"/>
-          </a:p>
-          <a:p>
-            <a:pPr lvl="2"/>
-            <a:r>
-              <a:rPr lang="de-DE" dirty="0"/>
-              <a:t>Definition und Strukturierung von Tests</a:t>
-            </a:r>
-          </a:p>
-          <a:p>
-            <a:pPr lvl="2"/>
-            <a:r>
-              <a:rPr lang="de-DE" dirty="0"/>
-              <a:t>Ausführung der Tests</a:t>
-            </a:r>
-          </a:p>
-          <a:p>
-            <a:pPr lvl="2"/>
-            <a:r>
-              <a:rPr lang="de-DE" dirty="0"/>
-              <a:t>Darstellung der Ergebnisse</a:t>
-            </a:r>
-          </a:p>
-          <a:p>
-            <a:pPr lvl="1"/>
-            <a:r>
-              <a:rPr lang="de-DE" dirty="0"/>
-              <a:t>Bibliothek für </a:t>
-            </a:r>
-            <a:r>
-              <a:rPr lang="de-DE" dirty="0" err="1"/>
-              <a:t>Assertions</a:t>
-            </a:r>
-            <a:r>
-              <a:rPr lang="de-DE" dirty="0"/>
-              <a:t>: </a:t>
-            </a:r>
-            <a:r>
-              <a:rPr lang="de-DE" dirty="0" err="1"/>
-              <a:t>AssertJ</a:t>
-            </a:r>
-            <a:endParaRPr lang="de-DE" dirty="0"/>
-          </a:p>
-          <a:p>
-            <a:pPr lvl="2"/>
-            <a:r>
-              <a:rPr lang="de-DE" dirty="0"/>
-              <a:t>Formulierung von Test-erwartungen</a:t>
-            </a:r>
-          </a:p>
-          <a:p>
-            <a:pPr lvl="2"/>
-            <a:r>
-              <a:rPr lang="de-DE" dirty="0"/>
-              <a:t>Beispiel für interne DSL</a:t>
-            </a:r>
-          </a:p>
-          <a:p>
-            <a:pPr lvl="2"/>
-            <a:endParaRPr lang="de-DE" dirty="0"/>
+              <a:t>Domain </a:t>
+            </a:r>
+            <a:r>
+              <a:rPr lang="de-DE" dirty="0" err="1"/>
+              <a:t>core</a:t>
+            </a:r>
+            <a:r>
+              <a:rPr lang="de-DE" dirty="0"/>
+              <a:t>: Fachlogik</a:t>
+            </a:r>
+          </a:p>
+          <a:p>
+            <a:pPr lvl="2"/>
+            <a:r>
+              <a:rPr lang="de-DE" dirty="0"/>
+              <a:t>Pur Java</a:t>
+            </a:r>
+          </a:p>
+          <a:p>
+            <a:pPr lvl="2"/>
+            <a:r>
+              <a:rPr lang="de-DE" dirty="0"/>
+              <a:t>Keine Technologie</a:t>
+            </a:r>
           </a:p>
         </p:txBody>
       </p:sp>
     </p:spTree>
     <p:extLst>
       <p:ext uri="{BB962C8B-B14F-4D97-AF65-F5344CB8AC3E}">
-        <p14:creationId xmlns:p14="http://schemas.microsoft.com/office/powerpoint/2010/main" val="852841484"/>
+        <p14:creationId xmlns:p14="http://schemas.microsoft.com/office/powerpoint/2010/main" val="3295539589"/>
       </p:ext>
     </p:extLst>
   </p:cSld>
@@ -5813,7 +5954,7 @@
             </a:r>
             <a:r>
               <a:rPr lang="de-DE" dirty="0"/>
-              <a:t> 60</a:t>
+              <a:t> 40</a:t>
             </a:r>
           </a:p>
         </p:txBody>
@@ -5841,117 +5982,105 @@
           <a:p>
             <a:r>
               <a:rPr lang="de-DE" dirty="0"/>
-              <a:t>Thema: Implementierung eines REST-Endpunktes mit Spring Boot</a:t>
-            </a:r>
+              <a:t>Exkurs: Hexagonale Architektur – Ports </a:t>
+            </a:r>
+            <a:r>
+              <a:rPr lang="de-DE" dirty="0" err="1"/>
+              <a:t>and</a:t>
+            </a:r>
+            <a:r>
+              <a:rPr lang="de-DE" dirty="0"/>
+              <a:t> Adapters</a:t>
+            </a:r>
+          </a:p>
+          <a:p>
+            <a:pPr marL="914400" lvl="2" indent="0">
+              <a:buNone/>
+            </a:pPr>
+            <a:endParaRPr lang="de-DE" dirty="0"/>
           </a:p>
           <a:p>
             <a:pPr lvl="1"/>
             <a:r>
-              <a:rPr lang="de-DE" dirty="0">
-                <a:cs typeface="Courier New" panose="02070309020205020404" pitchFamily="49" charset="0"/>
-              </a:rPr>
-              <a:t>Spring</a:t>
-            </a:r>
-          </a:p>
-          <a:p>
-            <a:pPr lvl="2"/>
-            <a:r>
-              <a:rPr lang="de-DE" dirty="0">
-                <a:cs typeface="Courier New" panose="02070309020205020404" pitchFamily="49" charset="0"/>
-              </a:rPr>
-              <a:t>Java-Framework zur Implementierung von Enterprise </a:t>
-            </a:r>
-            <a:r>
-              <a:rPr lang="de-DE" dirty="0" err="1">
-                <a:cs typeface="Courier New" panose="02070309020205020404" pitchFamily="49" charset="0"/>
-              </a:rPr>
-              <a:t>Applications</a:t>
-            </a:r>
-            <a:endParaRPr lang="de-DE" dirty="0">
-              <a:cs typeface="Courier New" panose="02070309020205020404" pitchFamily="49" charset="0"/>
-            </a:endParaRPr>
-          </a:p>
-          <a:p>
-            <a:pPr lvl="2"/>
-            <a:r>
-              <a:rPr lang="de-DE" dirty="0">
-                <a:cs typeface="Courier New" panose="02070309020205020404" pitchFamily="49" charset="0"/>
-              </a:rPr>
-              <a:t>Kern: Framework für </a:t>
-            </a:r>
-            <a:r>
-              <a:rPr lang="de-DE" dirty="0" err="1">
-                <a:cs typeface="Courier New" panose="02070309020205020404" pitchFamily="49" charset="0"/>
-              </a:rPr>
-              <a:t>Dependency</a:t>
-            </a:r>
-            <a:r>
-              <a:rPr lang="de-DE" dirty="0">
-                <a:cs typeface="Courier New" panose="02070309020205020404" pitchFamily="49" charset="0"/>
-              </a:rPr>
-              <a:t> </a:t>
-            </a:r>
-            <a:r>
-              <a:rPr lang="de-DE" dirty="0" err="1">
-                <a:cs typeface="Courier New" panose="02070309020205020404" pitchFamily="49" charset="0"/>
-              </a:rPr>
-              <a:t>Injection</a:t>
-            </a:r>
-            <a:endParaRPr lang="de-DE" dirty="0">
-              <a:cs typeface="Courier New" panose="02070309020205020404" pitchFamily="49" charset="0"/>
-            </a:endParaRPr>
-          </a:p>
-          <a:p>
-            <a:pPr lvl="2"/>
-            <a:r>
-              <a:rPr lang="de-DE" dirty="0">
-                <a:cs typeface="Courier New" panose="02070309020205020404" pitchFamily="49" charset="0"/>
-              </a:rPr>
-              <a:t>Sehr umfangreich</a:t>
+              <a:rPr lang="de-DE" dirty="0"/>
+              <a:t>Adapter: Verbindung zur Außenwelt</a:t>
             </a:r>
           </a:p>
           <a:p>
             <a:pPr lvl="1"/>
-            <a:r>
-              <a:rPr lang="de-DE" dirty="0">
-                <a:cs typeface="Courier New" panose="02070309020205020404" pitchFamily="49" charset="0"/>
-              </a:rPr>
-              <a:t>Spring Boot</a:t>
-            </a:r>
-          </a:p>
-          <a:p>
-            <a:pPr lvl="2"/>
-            <a:r>
-              <a:rPr lang="de-DE" dirty="0">
-                <a:cs typeface="Courier New" panose="02070309020205020404" pitchFamily="49" charset="0"/>
-              </a:rPr>
-              <a:t>Vereinfachte Konfiguration von Spring-Anwendungen (vordefinierte Starter)</a:t>
-            </a:r>
-          </a:p>
-          <a:p>
-            <a:pPr lvl="2"/>
-            <a:r>
-              <a:rPr lang="de-DE" dirty="0">
-                <a:cs typeface="Courier New" panose="02070309020205020404" pitchFamily="49" charset="0"/>
-              </a:rPr>
-              <a:t>Sehr beliebt zur Implementierung von </a:t>
-            </a:r>
-            <a:r>
-              <a:rPr lang="de-DE" dirty="0" err="1">
-                <a:cs typeface="Courier New" panose="02070309020205020404" pitchFamily="49" charset="0"/>
-              </a:rPr>
-              <a:t>Microservices</a:t>
-            </a:r>
-            <a:endParaRPr lang="de-DE" dirty="0">
-              <a:cs typeface="Courier New" panose="02070309020205020404" pitchFamily="49" charset="0"/>
-            </a:endParaRPr>
+            <a:endParaRPr lang="de-DE" dirty="0"/>
+          </a:p>
+          <a:p>
+            <a:pPr lvl="2"/>
+            <a:r>
+              <a:rPr lang="de-DE" dirty="0" err="1"/>
+              <a:t>Incoming</a:t>
+            </a:r>
+            <a:r>
+              <a:rPr lang="de-DE" dirty="0"/>
+              <a:t>: Außenwelt ruft uns auf</a:t>
+            </a:r>
+          </a:p>
+          <a:p>
+            <a:pPr lvl="3"/>
+            <a:r>
+              <a:rPr lang="de-DE" dirty="0"/>
+              <a:t>Rest-Call, der unseren Service aufruft</a:t>
+            </a:r>
+          </a:p>
+          <a:p>
+            <a:pPr lvl="3"/>
+            <a:r>
+              <a:rPr lang="de-DE" dirty="0"/>
+              <a:t>Message, die an unseren Service gesendet wird</a:t>
+            </a:r>
+          </a:p>
+          <a:p>
+            <a:pPr lvl="3"/>
+            <a:endParaRPr lang="de-DE" dirty="0"/>
+          </a:p>
+          <a:p>
+            <a:pPr lvl="2"/>
+            <a:r>
+              <a:rPr lang="de-DE" dirty="0" err="1"/>
+              <a:t>Outgoing</a:t>
+            </a:r>
+            <a:r>
+              <a:rPr lang="de-DE" dirty="0"/>
+              <a:t>: wir wollen etwas von der Außenwelt</a:t>
+            </a:r>
+          </a:p>
+          <a:p>
+            <a:pPr lvl="3"/>
+            <a:r>
+              <a:rPr lang="de-DE" dirty="0"/>
+              <a:t>Datenbank, die unser Service nutzen will (lesend und schreibend)</a:t>
+            </a:r>
+          </a:p>
+          <a:p>
+            <a:pPr lvl="3"/>
+            <a:r>
+              <a:rPr lang="de-DE" dirty="0"/>
+              <a:t>Rest-Call, wenn wir einen anderen Service aufrufen wollen</a:t>
+            </a:r>
+          </a:p>
+          <a:p>
+            <a:pPr lvl="3"/>
+            <a:r>
+              <a:rPr lang="de-DE" dirty="0"/>
+              <a:t>Message, die wir an einen anderen Service senden wollen</a:t>
+            </a:r>
+          </a:p>
+          <a:p>
+            <a:pPr lvl="2"/>
+            <a:endParaRPr lang="de-DE" dirty="0"/>
           </a:p>
         </p:txBody>
       </p:sp>
     </p:spTree>
     <p:extLst>
       <p:ext uri="{BB962C8B-B14F-4D97-AF65-F5344CB8AC3E}">
-        <p14:creationId xmlns:p14="http://schemas.microsoft.com/office/powerpoint/2010/main" val="1717894978"/>
+        <p14:creationId xmlns:p14="http://schemas.microsoft.com/office/powerpoint/2010/main" val="4218236896"/>
       </p:ext>
     </p:extLst>
   </p:cSld>
@@ -5980,10 +6109,61 @@
       </p:grpSpPr>
       <p:sp>
         <p:nvSpPr>
-          <p:cNvPr id="2" name="Titel 1">
-            <a:extLst>
-              <a:ext uri="{FF2B5EF4-FFF2-40B4-BE49-F238E27FC236}">
-                <a16:creationId xmlns:a16="http://schemas.microsoft.com/office/drawing/2014/main" id="{0EC7A146-A8F2-A844-9033-A0ACC828AF47}"/>
+          <p:cNvPr id="5" name="Pfeil nach rechts 4">
+            <a:extLst>
+              <a:ext uri="{FF2B5EF4-FFF2-40B4-BE49-F238E27FC236}">
+                <a16:creationId xmlns:a16="http://schemas.microsoft.com/office/drawing/2014/main" id="{5A599D99-EF7D-ED4C-A8EA-2674EA6D04C6}"/>
+              </a:ext>
+            </a:extLst>
+          </p:cNvPr>
+          <p:cNvSpPr/>
+          <p:nvPr/>
+        </p:nvSpPr>
+        <p:spPr>
+          <a:xfrm rot="769307">
+            <a:off x="2629481" y="2666857"/>
+            <a:ext cx="2018288" cy="544989"/>
+          </a:xfrm>
+          <a:prstGeom prst="rightArrow">
+            <a:avLst/>
+          </a:prstGeom>
+          <a:solidFill>
+            <a:schemeClr val="accent2">
+              <a:lumMod val="75000"/>
+            </a:schemeClr>
+          </a:solidFill>
+        </p:spPr>
+        <p:style>
+          <a:lnRef idx="2">
+            <a:schemeClr val="accent1">
+              <a:shade val="50000"/>
+            </a:schemeClr>
+          </a:lnRef>
+          <a:fillRef idx="1">
+            <a:schemeClr val="accent1"/>
+          </a:fillRef>
+          <a:effectRef idx="0">
+            <a:schemeClr val="accent1"/>
+          </a:effectRef>
+          <a:fontRef idx="minor">
+            <a:schemeClr val="lt1"/>
+          </a:fontRef>
+        </p:style>
+        <p:txBody>
+          <a:bodyPr rtlCol="0" anchor="ctr"/>
+          <a:lstStyle/>
+          <a:p>
+            <a:pPr algn="ctr"/>
+            <a:endParaRPr lang="de-DE" dirty="0"/>
+          </a:p>
+        </p:txBody>
+      </p:sp>
+      <p:sp>
+        <p:nvSpPr>
+          <p:cNvPr id="7" name="Titel 1">
+            <a:extLst>
+              <a:ext uri="{FF2B5EF4-FFF2-40B4-BE49-F238E27FC236}">
+                <a16:creationId xmlns:a16="http://schemas.microsoft.com/office/drawing/2014/main" id="{BA2FB8AC-D170-934B-8806-4D1FEE7BBBD8}"/>
               </a:ext>
             </a:extLst>
           </p:cNvPr>
@@ -5994,70 +6174,1078 @@
             <p:ph type="title"/>
           </p:nvPr>
         </p:nvSpPr>
-        <p:spPr/>
-        <p:txBody>
-          <a:bodyPr/>
-          <a:lstStyle/>
-          <a:p>
-            <a:r>
-              <a:rPr lang="de-DE" dirty="0" err="1"/>
-              <a:t>Step</a:t>
-            </a:r>
-            <a:r>
-              <a:rPr lang="de-DE" dirty="0"/>
-              <a:t> 70</a:t>
-            </a:r>
-          </a:p>
-        </p:txBody>
-      </p:sp>
-      <p:sp>
-        <p:nvSpPr>
-          <p:cNvPr id="3" name="Inhaltsplatzhalter 2">
-            <a:extLst>
-              <a:ext uri="{FF2B5EF4-FFF2-40B4-BE49-F238E27FC236}">
-                <a16:creationId xmlns:a16="http://schemas.microsoft.com/office/drawing/2014/main" id="{2A5EBA90-6155-FD45-A74C-ECC42BCA72DF}"/>
-              </a:ext>
-            </a:extLst>
-          </p:cNvPr>
-          <p:cNvSpPr>
-            <a:spLocks noGrp="1"/>
-          </p:cNvSpPr>
-          <p:nvPr>
-            <p:ph idx="1"/>
-          </p:nvPr>
-        </p:nvSpPr>
-        <p:spPr/>
-        <p:txBody>
-          <a:bodyPr/>
-          <a:lstStyle/>
-          <a:p>
-            <a:r>
-              <a:rPr lang="de-DE" dirty="0"/>
-              <a:t>Thema: </a:t>
-            </a:r>
-            <a:r>
-              <a:rPr lang="de-DE" dirty="0" err="1"/>
-              <a:t>Dependency</a:t>
-            </a:r>
-            <a:r>
-              <a:rPr lang="de-DE" dirty="0"/>
-              <a:t> </a:t>
-            </a:r>
-            <a:r>
-              <a:rPr lang="de-DE" dirty="0" err="1"/>
-              <a:t>Injection</a:t>
-            </a:r>
-            <a:r>
-              <a:rPr lang="de-DE" dirty="0"/>
-              <a:t> mit Spring</a:t>
-            </a:r>
+        <p:spPr>
+          <a:xfrm>
+            <a:off x="838200" y="365125"/>
+            <a:ext cx="10515600" cy="1325563"/>
+          </a:xfrm>
+        </p:spPr>
+        <p:txBody>
+          <a:bodyPr/>
+          <a:lstStyle/>
+          <a:p>
+            <a:r>
+              <a:rPr lang="de-DE" dirty="0"/>
+              <a:t>Ports </a:t>
+            </a:r>
+            <a:r>
+              <a:rPr lang="de-DE" dirty="0" err="1"/>
+              <a:t>and</a:t>
+            </a:r>
+            <a:r>
+              <a:rPr lang="de-DE" dirty="0"/>
+              <a:t> Adapters </a:t>
+            </a:r>
+            <a:r>
+              <a:rPr lang="de-DE" dirty="0" err="1"/>
+              <a:t>Architecture</a:t>
+            </a:r>
+            <a:endParaRPr lang="de-DE" dirty="0"/>
+          </a:p>
+        </p:txBody>
+      </p:sp>
+      <p:sp>
+        <p:nvSpPr>
+          <p:cNvPr id="8" name="Abgerundetes Rechteck 7">
+            <a:extLst>
+              <a:ext uri="{FF2B5EF4-FFF2-40B4-BE49-F238E27FC236}">
+                <a16:creationId xmlns:a16="http://schemas.microsoft.com/office/drawing/2014/main" id="{474F1630-5EB2-094C-B942-DC9E3703966C}"/>
+              </a:ext>
+            </a:extLst>
+          </p:cNvPr>
+          <p:cNvSpPr/>
+          <p:nvPr/>
+        </p:nvSpPr>
+        <p:spPr>
+          <a:xfrm>
+            <a:off x="1094935" y="2368237"/>
+            <a:ext cx="1625150" cy="669005"/>
+          </a:xfrm>
+          <a:prstGeom prst="roundRect">
+            <a:avLst/>
+          </a:prstGeom>
+          <a:solidFill>
+            <a:schemeClr val="accent6">
+              <a:lumMod val="75000"/>
+            </a:schemeClr>
+          </a:solidFill>
+        </p:spPr>
+        <p:style>
+          <a:lnRef idx="2">
+            <a:schemeClr val="accent1">
+              <a:shade val="50000"/>
+            </a:schemeClr>
+          </a:lnRef>
+          <a:fillRef idx="1">
+            <a:schemeClr val="accent1"/>
+          </a:fillRef>
+          <a:effectRef idx="0">
+            <a:schemeClr val="accent1"/>
+          </a:effectRef>
+          <a:fontRef idx="minor">
+            <a:schemeClr val="lt1"/>
+          </a:fontRef>
+        </p:style>
+        <p:txBody>
+          <a:bodyPr rtlCol="0" anchor="ctr"/>
+          <a:lstStyle/>
+          <a:p>
+            <a:pPr algn="ctr"/>
+            <a:r>
+              <a:rPr lang="de-DE" dirty="0"/>
+              <a:t>REST-In</a:t>
+            </a:r>
+          </a:p>
+        </p:txBody>
+      </p:sp>
+      <p:sp>
+        <p:nvSpPr>
+          <p:cNvPr id="10" name="Pfeil nach rechts 9">
+            <a:extLst>
+              <a:ext uri="{FF2B5EF4-FFF2-40B4-BE49-F238E27FC236}">
+                <a16:creationId xmlns:a16="http://schemas.microsoft.com/office/drawing/2014/main" id="{48C04379-C729-7B4D-BD16-866AC65C1EC0}"/>
+              </a:ext>
+            </a:extLst>
+          </p:cNvPr>
+          <p:cNvSpPr/>
+          <p:nvPr/>
+        </p:nvSpPr>
+        <p:spPr>
+          <a:xfrm rot="21050164">
+            <a:off x="2594172" y="3691217"/>
+            <a:ext cx="2018288" cy="544989"/>
+          </a:xfrm>
+          <a:prstGeom prst="rightArrow">
+            <a:avLst/>
+          </a:prstGeom>
+          <a:solidFill>
+            <a:schemeClr val="accent2">
+              <a:lumMod val="75000"/>
+            </a:schemeClr>
+          </a:solidFill>
+        </p:spPr>
+        <p:style>
+          <a:lnRef idx="2">
+            <a:schemeClr val="accent1">
+              <a:shade val="50000"/>
+            </a:schemeClr>
+          </a:lnRef>
+          <a:fillRef idx="1">
+            <a:schemeClr val="accent1"/>
+          </a:fillRef>
+          <a:effectRef idx="0">
+            <a:schemeClr val="accent1"/>
+          </a:effectRef>
+          <a:fontRef idx="minor">
+            <a:schemeClr val="lt1"/>
+          </a:fontRef>
+        </p:style>
+        <p:txBody>
+          <a:bodyPr rtlCol="0" anchor="ctr"/>
+          <a:lstStyle/>
+          <a:p>
+            <a:pPr algn="ctr"/>
+            <a:endParaRPr lang="de-DE" dirty="0"/>
+          </a:p>
+        </p:txBody>
+      </p:sp>
+      <p:sp>
+        <p:nvSpPr>
+          <p:cNvPr id="9" name="Abgerundetes Rechteck 8">
+            <a:extLst>
+              <a:ext uri="{FF2B5EF4-FFF2-40B4-BE49-F238E27FC236}">
+                <a16:creationId xmlns:a16="http://schemas.microsoft.com/office/drawing/2014/main" id="{3932B2A9-E635-0E48-83D5-562F500AAA97}"/>
+              </a:ext>
+            </a:extLst>
+          </p:cNvPr>
+          <p:cNvSpPr/>
+          <p:nvPr/>
+        </p:nvSpPr>
+        <p:spPr>
+          <a:xfrm>
+            <a:off x="1094935" y="3706245"/>
+            <a:ext cx="1625150" cy="669005"/>
+          </a:xfrm>
+          <a:prstGeom prst="roundRect">
+            <a:avLst/>
+          </a:prstGeom>
+          <a:solidFill>
+            <a:schemeClr val="accent6">
+              <a:lumMod val="75000"/>
+            </a:schemeClr>
+          </a:solidFill>
+        </p:spPr>
+        <p:style>
+          <a:lnRef idx="2">
+            <a:schemeClr val="accent1">
+              <a:shade val="50000"/>
+            </a:schemeClr>
+          </a:lnRef>
+          <a:fillRef idx="1">
+            <a:schemeClr val="accent1"/>
+          </a:fillRef>
+          <a:effectRef idx="0">
+            <a:schemeClr val="accent1"/>
+          </a:effectRef>
+          <a:fontRef idx="minor">
+            <a:schemeClr val="lt1"/>
+          </a:fontRef>
+        </p:style>
+        <p:txBody>
+          <a:bodyPr rtlCol="0" anchor="ctr"/>
+          <a:lstStyle/>
+          <a:p>
+            <a:pPr algn="ctr"/>
+            <a:r>
+              <a:rPr lang="de-DE" dirty="0"/>
+              <a:t>Message-In</a:t>
+            </a:r>
+          </a:p>
+        </p:txBody>
+      </p:sp>
+      <p:sp>
+        <p:nvSpPr>
+          <p:cNvPr id="3" name="Textfeld 2">
+            <a:extLst>
+              <a:ext uri="{FF2B5EF4-FFF2-40B4-BE49-F238E27FC236}">
+                <a16:creationId xmlns:a16="http://schemas.microsoft.com/office/drawing/2014/main" id="{184587AE-7A51-8A45-B0CF-5B5F6F1E75F0}"/>
+              </a:ext>
+            </a:extLst>
+          </p:cNvPr>
+          <p:cNvSpPr txBox="1"/>
+          <p:nvPr/>
+        </p:nvSpPr>
+        <p:spPr>
+          <a:xfrm>
+            <a:off x="1377432" y="1703711"/>
+            <a:ext cx="1186222" cy="646331"/>
+          </a:xfrm>
+          <a:prstGeom prst="rect">
+            <a:avLst/>
+          </a:prstGeom>
+          <a:noFill/>
+        </p:spPr>
+        <p:txBody>
+          <a:bodyPr wrap="none" rtlCol="0">
+            <a:spAutoFit/>
+          </a:bodyPr>
+          <a:lstStyle/>
+          <a:p>
+            <a:r>
+              <a:rPr lang="de-DE" dirty="0"/>
+              <a:t>Adapter</a:t>
+            </a:r>
+            <a:br>
+              <a:rPr lang="de-DE" dirty="0"/>
+            </a:br>
+            <a:r>
+              <a:rPr lang="de-DE" dirty="0"/>
+              <a:t>(</a:t>
+            </a:r>
+            <a:r>
+              <a:rPr lang="de-DE" dirty="0" err="1"/>
+              <a:t>incoming</a:t>
+            </a:r>
+            <a:r>
+              <a:rPr lang="de-DE" dirty="0"/>
+              <a:t>)</a:t>
+            </a:r>
+          </a:p>
+        </p:txBody>
+      </p:sp>
+      <p:sp>
+        <p:nvSpPr>
+          <p:cNvPr id="11" name="Textfeld 10">
+            <a:extLst>
+              <a:ext uri="{FF2B5EF4-FFF2-40B4-BE49-F238E27FC236}">
+                <a16:creationId xmlns:a16="http://schemas.microsoft.com/office/drawing/2014/main" id="{2F9FC919-C824-F441-A979-A858745DCE8F}"/>
+              </a:ext>
+            </a:extLst>
+          </p:cNvPr>
+          <p:cNvSpPr txBox="1"/>
+          <p:nvPr/>
+        </p:nvSpPr>
+        <p:spPr>
+          <a:xfrm>
+            <a:off x="8931659" y="1706650"/>
+            <a:ext cx="1159292" cy="646331"/>
+          </a:xfrm>
+          <a:prstGeom prst="rect">
+            <a:avLst/>
+          </a:prstGeom>
+          <a:noFill/>
+        </p:spPr>
+        <p:txBody>
+          <a:bodyPr wrap="none" rtlCol="0">
+            <a:spAutoFit/>
+          </a:bodyPr>
+          <a:lstStyle/>
+          <a:p>
+            <a:r>
+              <a:rPr lang="de-DE" dirty="0"/>
+              <a:t>Adapter</a:t>
+            </a:r>
+            <a:br>
+              <a:rPr lang="de-DE" dirty="0"/>
+            </a:br>
+            <a:r>
+              <a:rPr lang="de-DE" dirty="0"/>
+              <a:t>(</a:t>
+            </a:r>
+            <a:r>
+              <a:rPr lang="de-DE" dirty="0" err="1"/>
+              <a:t>outgoing</a:t>
+            </a:r>
+            <a:r>
+              <a:rPr lang="de-DE" dirty="0"/>
+              <a:t>)</a:t>
+            </a:r>
+          </a:p>
+        </p:txBody>
+      </p:sp>
+      <p:sp>
+        <p:nvSpPr>
+          <p:cNvPr id="12" name="Abgerundetes Rechteck 11">
+            <a:extLst>
+              <a:ext uri="{FF2B5EF4-FFF2-40B4-BE49-F238E27FC236}">
+                <a16:creationId xmlns:a16="http://schemas.microsoft.com/office/drawing/2014/main" id="{B5A5D1A2-C4B5-9D47-B85A-E004364A36B2}"/>
+              </a:ext>
+            </a:extLst>
+          </p:cNvPr>
+          <p:cNvSpPr/>
+          <p:nvPr/>
+        </p:nvSpPr>
+        <p:spPr>
+          <a:xfrm>
+            <a:off x="8698730" y="2449703"/>
+            <a:ext cx="1625150" cy="669005"/>
+          </a:xfrm>
+          <a:prstGeom prst="roundRect">
+            <a:avLst/>
+          </a:prstGeom>
+          <a:solidFill>
+            <a:schemeClr val="accent6">
+              <a:lumMod val="75000"/>
+            </a:schemeClr>
+          </a:solidFill>
+        </p:spPr>
+        <p:style>
+          <a:lnRef idx="2">
+            <a:schemeClr val="accent1">
+              <a:shade val="50000"/>
+            </a:schemeClr>
+          </a:lnRef>
+          <a:fillRef idx="1">
+            <a:schemeClr val="accent1"/>
+          </a:fillRef>
+          <a:effectRef idx="0">
+            <a:schemeClr val="accent1"/>
+          </a:effectRef>
+          <a:fontRef idx="minor">
+            <a:schemeClr val="lt1"/>
+          </a:fontRef>
+        </p:style>
+        <p:txBody>
+          <a:bodyPr rtlCol="0" anchor="ctr"/>
+          <a:lstStyle/>
+          <a:p>
+            <a:pPr algn="ctr"/>
+            <a:r>
+              <a:rPr lang="de-DE" dirty="0"/>
+              <a:t>REST-Out</a:t>
+            </a:r>
+          </a:p>
+        </p:txBody>
+      </p:sp>
+      <p:sp>
+        <p:nvSpPr>
+          <p:cNvPr id="13" name="Pfeil nach rechts 12">
+            <a:extLst>
+              <a:ext uri="{FF2B5EF4-FFF2-40B4-BE49-F238E27FC236}">
+                <a16:creationId xmlns:a16="http://schemas.microsoft.com/office/drawing/2014/main" id="{157F4F64-C0A5-DF4D-93F8-8D31624D1C8C}"/>
+              </a:ext>
+            </a:extLst>
+          </p:cNvPr>
+          <p:cNvSpPr/>
+          <p:nvPr/>
+        </p:nvSpPr>
+        <p:spPr>
+          <a:xfrm rot="21050164">
+            <a:off x="6731883" y="2708362"/>
+            <a:ext cx="2018288" cy="544989"/>
+          </a:xfrm>
+          <a:prstGeom prst="rightArrow">
+            <a:avLst/>
+          </a:prstGeom>
+          <a:solidFill>
+            <a:schemeClr val="accent2">
+              <a:lumMod val="75000"/>
+            </a:schemeClr>
+          </a:solidFill>
+        </p:spPr>
+        <p:style>
+          <a:lnRef idx="2">
+            <a:schemeClr val="accent1">
+              <a:shade val="50000"/>
+            </a:schemeClr>
+          </a:lnRef>
+          <a:fillRef idx="1">
+            <a:schemeClr val="accent1"/>
+          </a:fillRef>
+          <a:effectRef idx="0">
+            <a:schemeClr val="accent1"/>
+          </a:effectRef>
+          <a:fontRef idx="minor">
+            <a:schemeClr val="lt1"/>
+          </a:fontRef>
+        </p:style>
+        <p:txBody>
+          <a:bodyPr rtlCol="0" anchor="ctr"/>
+          <a:lstStyle/>
+          <a:p>
+            <a:pPr algn="ctr"/>
+            <a:endParaRPr lang="de-DE" dirty="0"/>
+          </a:p>
+        </p:txBody>
+      </p:sp>
+      <p:sp>
+        <p:nvSpPr>
+          <p:cNvPr id="14" name="Abgerundetes Rechteck 13">
+            <a:extLst>
+              <a:ext uri="{FF2B5EF4-FFF2-40B4-BE49-F238E27FC236}">
+                <a16:creationId xmlns:a16="http://schemas.microsoft.com/office/drawing/2014/main" id="{38251D23-1AD8-F246-821C-1343ED398DAB}"/>
+              </a:ext>
+            </a:extLst>
+          </p:cNvPr>
+          <p:cNvSpPr/>
+          <p:nvPr/>
+        </p:nvSpPr>
+        <p:spPr>
+          <a:xfrm>
+            <a:off x="8698730" y="3294706"/>
+            <a:ext cx="1625150" cy="669005"/>
+          </a:xfrm>
+          <a:prstGeom prst="roundRect">
+            <a:avLst/>
+          </a:prstGeom>
+          <a:solidFill>
+            <a:schemeClr val="accent6">
+              <a:lumMod val="75000"/>
+            </a:schemeClr>
+          </a:solidFill>
+        </p:spPr>
+        <p:style>
+          <a:lnRef idx="2">
+            <a:schemeClr val="accent1">
+              <a:shade val="50000"/>
+            </a:schemeClr>
+          </a:lnRef>
+          <a:fillRef idx="1">
+            <a:schemeClr val="accent1"/>
+          </a:fillRef>
+          <a:effectRef idx="0">
+            <a:schemeClr val="accent1"/>
+          </a:effectRef>
+          <a:fontRef idx="minor">
+            <a:schemeClr val="lt1"/>
+          </a:fontRef>
+        </p:style>
+        <p:txBody>
+          <a:bodyPr rtlCol="0" anchor="ctr"/>
+          <a:lstStyle/>
+          <a:p>
+            <a:pPr algn="ctr"/>
+            <a:r>
+              <a:rPr lang="de-DE" dirty="0"/>
+              <a:t>Datenbank</a:t>
+            </a:r>
+          </a:p>
+        </p:txBody>
+      </p:sp>
+      <p:sp>
+        <p:nvSpPr>
+          <p:cNvPr id="15" name="Abgerundetes Rechteck 14">
+            <a:extLst>
+              <a:ext uri="{FF2B5EF4-FFF2-40B4-BE49-F238E27FC236}">
+                <a16:creationId xmlns:a16="http://schemas.microsoft.com/office/drawing/2014/main" id="{888D1408-12CB-E44F-89D1-A7CB725E5EA9}"/>
+              </a:ext>
+            </a:extLst>
+          </p:cNvPr>
+          <p:cNvSpPr/>
+          <p:nvPr/>
+        </p:nvSpPr>
+        <p:spPr>
+          <a:xfrm>
+            <a:off x="8698730" y="4139709"/>
+            <a:ext cx="1625150" cy="669005"/>
+          </a:xfrm>
+          <a:prstGeom prst="roundRect">
+            <a:avLst/>
+          </a:prstGeom>
+          <a:solidFill>
+            <a:schemeClr val="accent6">
+              <a:lumMod val="75000"/>
+            </a:schemeClr>
+          </a:solidFill>
+        </p:spPr>
+        <p:style>
+          <a:lnRef idx="2">
+            <a:schemeClr val="accent1">
+              <a:shade val="50000"/>
+            </a:schemeClr>
+          </a:lnRef>
+          <a:fillRef idx="1">
+            <a:schemeClr val="accent1"/>
+          </a:fillRef>
+          <a:effectRef idx="0">
+            <a:schemeClr val="accent1"/>
+          </a:effectRef>
+          <a:fontRef idx="minor">
+            <a:schemeClr val="lt1"/>
+          </a:fontRef>
+        </p:style>
+        <p:txBody>
+          <a:bodyPr rtlCol="0" anchor="ctr"/>
+          <a:lstStyle/>
+          <a:p>
+            <a:pPr algn="ctr"/>
+            <a:r>
+              <a:rPr lang="de-DE" dirty="0"/>
+              <a:t>Message-Out</a:t>
+            </a:r>
+          </a:p>
+        </p:txBody>
+      </p:sp>
+      <p:sp>
+        <p:nvSpPr>
+          <p:cNvPr id="16" name="Pfeil nach rechts 15">
+            <a:extLst>
+              <a:ext uri="{FF2B5EF4-FFF2-40B4-BE49-F238E27FC236}">
+                <a16:creationId xmlns:a16="http://schemas.microsoft.com/office/drawing/2014/main" id="{2F4275C8-2FF5-EB48-BA6A-5B7B4CAE3138}"/>
+              </a:ext>
+            </a:extLst>
+          </p:cNvPr>
+          <p:cNvSpPr/>
+          <p:nvPr/>
+        </p:nvSpPr>
+        <p:spPr>
+          <a:xfrm rot="769307">
+            <a:off x="6696574" y="3982507"/>
+            <a:ext cx="2018288" cy="544989"/>
+          </a:xfrm>
+          <a:prstGeom prst="rightArrow">
+            <a:avLst/>
+          </a:prstGeom>
+          <a:solidFill>
+            <a:schemeClr val="accent2">
+              <a:lumMod val="75000"/>
+            </a:schemeClr>
+          </a:solidFill>
+        </p:spPr>
+        <p:style>
+          <a:lnRef idx="2">
+            <a:schemeClr val="accent1">
+              <a:shade val="50000"/>
+            </a:schemeClr>
+          </a:lnRef>
+          <a:fillRef idx="1">
+            <a:schemeClr val="accent1"/>
+          </a:fillRef>
+          <a:effectRef idx="0">
+            <a:schemeClr val="accent1"/>
+          </a:effectRef>
+          <a:fontRef idx="minor">
+            <a:schemeClr val="lt1"/>
+          </a:fontRef>
+        </p:style>
+        <p:txBody>
+          <a:bodyPr rtlCol="0" anchor="ctr"/>
+          <a:lstStyle/>
+          <a:p>
+            <a:pPr algn="ctr"/>
+            <a:endParaRPr lang="de-DE" dirty="0"/>
+          </a:p>
+        </p:txBody>
+      </p:sp>
+      <p:sp>
+        <p:nvSpPr>
+          <p:cNvPr id="17" name="Pfeil nach rechts 16">
+            <a:extLst>
+              <a:ext uri="{FF2B5EF4-FFF2-40B4-BE49-F238E27FC236}">
+                <a16:creationId xmlns:a16="http://schemas.microsoft.com/office/drawing/2014/main" id="{9D4C8522-78F3-084D-8CCE-58FC2D34150C}"/>
+              </a:ext>
+            </a:extLst>
+          </p:cNvPr>
+          <p:cNvSpPr/>
+          <p:nvPr/>
+        </p:nvSpPr>
+        <p:spPr>
+          <a:xfrm>
+            <a:off x="6696574" y="3378778"/>
+            <a:ext cx="2018288" cy="544989"/>
+          </a:xfrm>
+          <a:prstGeom prst="rightArrow">
+            <a:avLst/>
+          </a:prstGeom>
+          <a:solidFill>
+            <a:schemeClr val="accent2">
+              <a:lumMod val="75000"/>
+            </a:schemeClr>
+          </a:solidFill>
+        </p:spPr>
+        <p:style>
+          <a:lnRef idx="2">
+            <a:schemeClr val="accent1">
+              <a:shade val="50000"/>
+            </a:schemeClr>
+          </a:lnRef>
+          <a:fillRef idx="1">
+            <a:schemeClr val="accent1"/>
+          </a:fillRef>
+          <a:effectRef idx="0">
+            <a:schemeClr val="accent1"/>
+          </a:effectRef>
+          <a:fontRef idx="minor">
+            <a:schemeClr val="lt1"/>
+          </a:fontRef>
+        </p:style>
+        <p:txBody>
+          <a:bodyPr rtlCol="0" anchor="ctr"/>
+          <a:lstStyle/>
+          <a:p>
+            <a:pPr algn="ctr"/>
+            <a:endParaRPr lang="de-DE" dirty="0"/>
+          </a:p>
+        </p:txBody>
+      </p:sp>
+      <p:sp>
+        <p:nvSpPr>
+          <p:cNvPr id="2" name="Abgerundetes Rechteck 1">
+            <a:extLst>
+              <a:ext uri="{FF2B5EF4-FFF2-40B4-BE49-F238E27FC236}">
+                <a16:creationId xmlns:a16="http://schemas.microsoft.com/office/drawing/2014/main" id="{23B659F1-9FDB-764C-8468-A98F151067B1}"/>
+              </a:ext>
+            </a:extLst>
+          </p:cNvPr>
+          <p:cNvSpPr/>
+          <p:nvPr/>
+        </p:nvSpPr>
+        <p:spPr>
+          <a:xfrm>
+            <a:off x="4612460" y="2702740"/>
+            <a:ext cx="2840305" cy="1731695"/>
+          </a:xfrm>
+          <a:prstGeom prst="roundRect">
+            <a:avLst/>
+          </a:prstGeom>
+        </p:spPr>
+        <p:style>
+          <a:lnRef idx="2">
+            <a:schemeClr val="accent1">
+              <a:shade val="50000"/>
+            </a:schemeClr>
+          </a:lnRef>
+          <a:fillRef idx="1">
+            <a:schemeClr val="accent1"/>
+          </a:fillRef>
+          <a:effectRef idx="0">
+            <a:schemeClr val="accent1"/>
+          </a:effectRef>
+          <a:fontRef idx="minor">
+            <a:schemeClr val="lt1"/>
+          </a:fontRef>
+        </p:style>
+        <p:txBody>
+          <a:bodyPr rtlCol="0" anchor="ctr"/>
+          <a:lstStyle/>
+          <a:p>
+            <a:pPr algn="ctr"/>
+            <a:r>
+              <a:rPr lang="de-DE" dirty="0"/>
+              <a:t>Core</a:t>
+            </a:r>
+          </a:p>
+        </p:txBody>
+      </p:sp>
+      <p:sp>
+        <p:nvSpPr>
+          <p:cNvPr id="4" name="Oval 3">
+            <a:extLst>
+              <a:ext uri="{FF2B5EF4-FFF2-40B4-BE49-F238E27FC236}">
+                <a16:creationId xmlns:a16="http://schemas.microsoft.com/office/drawing/2014/main" id="{8FD087E2-41B4-7A4F-920A-AD5D084E2BF3}"/>
+              </a:ext>
+            </a:extLst>
+          </p:cNvPr>
+          <p:cNvSpPr/>
+          <p:nvPr/>
+        </p:nvSpPr>
+        <p:spPr>
+          <a:xfrm>
+            <a:off x="4613440" y="2963277"/>
+            <a:ext cx="419086" cy="413887"/>
+          </a:xfrm>
+          <a:prstGeom prst="ellipse">
+            <a:avLst/>
+          </a:prstGeom>
+          <a:solidFill>
+            <a:schemeClr val="accent2"/>
+          </a:solidFill>
+        </p:spPr>
+        <p:style>
+          <a:lnRef idx="2">
+            <a:schemeClr val="accent1">
+              <a:shade val="50000"/>
+            </a:schemeClr>
+          </a:lnRef>
+          <a:fillRef idx="1">
+            <a:schemeClr val="accent1"/>
+          </a:fillRef>
+          <a:effectRef idx="0">
+            <a:schemeClr val="accent1"/>
+          </a:effectRef>
+          <a:fontRef idx="minor">
+            <a:schemeClr val="lt1"/>
+          </a:fontRef>
+        </p:style>
+        <p:txBody>
+          <a:bodyPr rtlCol="0" anchor="ctr"/>
+          <a:lstStyle/>
+          <a:p>
+            <a:pPr algn="ctr"/>
+            <a:endParaRPr lang="de-DE"/>
+          </a:p>
+        </p:txBody>
+      </p:sp>
+      <p:sp>
+        <p:nvSpPr>
+          <p:cNvPr id="18" name="Oval 17">
+            <a:extLst>
+              <a:ext uri="{FF2B5EF4-FFF2-40B4-BE49-F238E27FC236}">
+                <a16:creationId xmlns:a16="http://schemas.microsoft.com/office/drawing/2014/main" id="{45994A4C-39DB-2545-9FF8-B5D67E0820E6}"/>
+              </a:ext>
+            </a:extLst>
+          </p:cNvPr>
+          <p:cNvSpPr/>
+          <p:nvPr/>
+        </p:nvSpPr>
+        <p:spPr>
+          <a:xfrm>
+            <a:off x="4612459" y="3626860"/>
+            <a:ext cx="419086" cy="413887"/>
+          </a:xfrm>
+          <a:prstGeom prst="ellipse">
+            <a:avLst/>
+          </a:prstGeom>
+          <a:solidFill>
+            <a:schemeClr val="accent2"/>
+          </a:solidFill>
+        </p:spPr>
+        <p:style>
+          <a:lnRef idx="2">
+            <a:schemeClr val="accent1">
+              <a:shade val="50000"/>
+            </a:schemeClr>
+          </a:lnRef>
+          <a:fillRef idx="1">
+            <a:schemeClr val="accent1"/>
+          </a:fillRef>
+          <a:effectRef idx="0">
+            <a:schemeClr val="accent1"/>
+          </a:effectRef>
+          <a:fontRef idx="minor">
+            <a:schemeClr val="lt1"/>
+          </a:fontRef>
+        </p:style>
+        <p:txBody>
+          <a:bodyPr rtlCol="0" anchor="ctr"/>
+          <a:lstStyle/>
+          <a:p>
+            <a:pPr algn="ctr"/>
+            <a:endParaRPr lang="de-DE"/>
+          </a:p>
+        </p:txBody>
+      </p:sp>
+      <p:sp>
+        <p:nvSpPr>
+          <p:cNvPr id="19" name="Oval 18">
+            <a:extLst>
+              <a:ext uri="{FF2B5EF4-FFF2-40B4-BE49-F238E27FC236}">
+                <a16:creationId xmlns:a16="http://schemas.microsoft.com/office/drawing/2014/main" id="{14CC958C-19FA-434F-BEA2-C89B88886FD8}"/>
+              </a:ext>
+            </a:extLst>
+          </p:cNvPr>
+          <p:cNvSpPr/>
+          <p:nvPr/>
+        </p:nvSpPr>
+        <p:spPr>
+          <a:xfrm>
+            <a:off x="7071419" y="2837157"/>
+            <a:ext cx="419086" cy="413887"/>
+          </a:xfrm>
+          <a:prstGeom prst="ellipse">
+            <a:avLst/>
+          </a:prstGeom>
+          <a:solidFill>
+            <a:schemeClr val="accent2"/>
+          </a:solidFill>
+        </p:spPr>
+        <p:style>
+          <a:lnRef idx="2">
+            <a:schemeClr val="accent1">
+              <a:shade val="50000"/>
+            </a:schemeClr>
+          </a:lnRef>
+          <a:fillRef idx="1">
+            <a:schemeClr val="accent1"/>
+          </a:fillRef>
+          <a:effectRef idx="0">
+            <a:schemeClr val="accent1"/>
+          </a:effectRef>
+          <a:fontRef idx="minor">
+            <a:schemeClr val="lt1"/>
+          </a:fontRef>
+        </p:style>
+        <p:txBody>
+          <a:bodyPr rtlCol="0" anchor="ctr"/>
+          <a:lstStyle/>
+          <a:p>
+            <a:pPr algn="ctr"/>
+            <a:endParaRPr lang="de-DE"/>
+          </a:p>
+        </p:txBody>
+      </p:sp>
+      <p:sp>
+        <p:nvSpPr>
+          <p:cNvPr id="20" name="Oval 19">
+            <a:extLst>
+              <a:ext uri="{FF2B5EF4-FFF2-40B4-BE49-F238E27FC236}">
+                <a16:creationId xmlns:a16="http://schemas.microsoft.com/office/drawing/2014/main" id="{DE5CFDE4-ADBE-A145-9E7C-85331503F437}"/>
+              </a:ext>
+            </a:extLst>
+          </p:cNvPr>
+          <p:cNvSpPr/>
+          <p:nvPr/>
+        </p:nvSpPr>
+        <p:spPr>
+          <a:xfrm>
+            <a:off x="7068988" y="3454061"/>
+            <a:ext cx="419086" cy="413887"/>
+          </a:xfrm>
+          <a:prstGeom prst="ellipse">
+            <a:avLst/>
+          </a:prstGeom>
+          <a:solidFill>
+            <a:schemeClr val="accent2"/>
+          </a:solidFill>
+        </p:spPr>
+        <p:style>
+          <a:lnRef idx="2">
+            <a:schemeClr val="accent1">
+              <a:shade val="50000"/>
+            </a:schemeClr>
+          </a:lnRef>
+          <a:fillRef idx="1">
+            <a:schemeClr val="accent1"/>
+          </a:fillRef>
+          <a:effectRef idx="0">
+            <a:schemeClr val="accent1"/>
+          </a:effectRef>
+          <a:fontRef idx="minor">
+            <a:schemeClr val="lt1"/>
+          </a:fontRef>
+        </p:style>
+        <p:txBody>
+          <a:bodyPr rtlCol="0" anchor="ctr"/>
+          <a:lstStyle/>
+          <a:p>
+            <a:pPr algn="ctr"/>
+            <a:endParaRPr lang="de-DE"/>
+          </a:p>
+        </p:txBody>
+      </p:sp>
+      <p:sp>
+        <p:nvSpPr>
+          <p:cNvPr id="21" name="Oval 20">
+            <a:extLst>
+              <a:ext uri="{FF2B5EF4-FFF2-40B4-BE49-F238E27FC236}">
+                <a16:creationId xmlns:a16="http://schemas.microsoft.com/office/drawing/2014/main" id="{F7B8B7B0-2ABB-E64C-BD4D-C9FC145BB85D}"/>
+              </a:ext>
+            </a:extLst>
+          </p:cNvPr>
+          <p:cNvSpPr/>
+          <p:nvPr/>
+        </p:nvSpPr>
+        <p:spPr>
+          <a:xfrm>
+            <a:off x="7068988" y="3979558"/>
+            <a:ext cx="419086" cy="413887"/>
+          </a:xfrm>
+          <a:prstGeom prst="ellipse">
+            <a:avLst/>
+          </a:prstGeom>
+          <a:solidFill>
+            <a:schemeClr val="accent2"/>
+          </a:solidFill>
+        </p:spPr>
+        <p:style>
+          <a:lnRef idx="2">
+            <a:schemeClr val="accent1">
+              <a:shade val="50000"/>
+            </a:schemeClr>
+          </a:lnRef>
+          <a:fillRef idx="1">
+            <a:schemeClr val="accent1"/>
+          </a:fillRef>
+          <a:effectRef idx="0">
+            <a:schemeClr val="accent1"/>
+          </a:effectRef>
+          <a:fontRef idx="minor">
+            <a:schemeClr val="lt1"/>
+          </a:fontRef>
+        </p:style>
+        <p:txBody>
+          <a:bodyPr rtlCol="0" anchor="ctr"/>
+          <a:lstStyle/>
+          <a:p>
+            <a:pPr algn="ctr"/>
+            <a:endParaRPr lang="de-DE"/>
+          </a:p>
+        </p:txBody>
+      </p:sp>
+      <p:sp>
+        <p:nvSpPr>
+          <p:cNvPr id="22" name="Textfeld 21">
+            <a:extLst>
+              <a:ext uri="{FF2B5EF4-FFF2-40B4-BE49-F238E27FC236}">
+                <a16:creationId xmlns:a16="http://schemas.microsoft.com/office/drawing/2014/main" id="{6DAF6F74-DAAC-EE4A-A970-E654D177702A}"/>
+              </a:ext>
+            </a:extLst>
+          </p:cNvPr>
+          <p:cNvSpPr txBox="1"/>
+          <p:nvPr/>
+        </p:nvSpPr>
+        <p:spPr>
+          <a:xfrm>
+            <a:off x="4481655" y="5332249"/>
+            <a:ext cx="4824590" cy="369332"/>
+          </a:xfrm>
+          <a:prstGeom prst="rect">
+            <a:avLst/>
+          </a:prstGeom>
+          <a:noFill/>
+        </p:spPr>
+        <p:txBody>
+          <a:bodyPr wrap="none" rtlCol="0">
+            <a:spAutoFit/>
+          </a:bodyPr>
+          <a:lstStyle/>
+          <a:p>
+            <a:r>
+              <a:rPr lang="de-DE" dirty="0"/>
+              <a:t>Port = Schnittstellen-Spezifikation (Java-Interface)</a:t>
+            </a:r>
+          </a:p>
+        </p:txBody>
+      </p:sp>
+      <p:sp>
+        <p:nvSpPr>
+          <p:cNvPr id="23" name="Oval 22">
+            <a:extLst>
+              <a:ext uri="{FF2B5EF4-FFF2-40B4-BE49-F238E27FC236}">
+                <a16:creationId xmlns:a16="http://schemas.microsoft.com/office/drawing/2014/main" id="{8BD850BA-5A91-3741-91AE-26761372E9BC}"/>
+              </a:ext>
+            </a:extLst>
+          </p:cNvPr>
+          <p:cNvSpPr/>
+          <p:nvPr/>
+        </p:nvSpPr>
+        <p:spPr>
+          <a:xfrm>
+            <a:off x="3851993" y="5312382"/>
+            <a:ext cx="419086" cy="413887"/>
+          </a:xfrm>
+          <a:prstGeom prst="ellipse">
+            <a:avLst/>
+          </a:prstGeom>
+          <a:solidFill>
+            <a:schemeClr val="accent2"/>
+          </a:solidFill>
+        </p:spPr>
+        <p:style>
+          <a:lnRef idx="2">
+            <a:schemeClr val="accent1">
+              <a:shade val="50000"/>
+            </a:schemeClr>
+          </a:lnRef>
+          <a:fillRef idx="1">
+            <a:schemeClr val="accent1"/>
+          </a:fillRef>
+          <a:effectRef idx="0">
+            <a:schemeClr val="accent1"/>
+          </a:effectRef>
+          <a:fontRef idx="minor">
+            <a:schemeClr val="lt1"/>
+          </a:fontRef>
+        </p:style>
+        <p:txBody>
+          <a:bodyPr rtlCol="0" anchor="ctr"/>
+          <a:lstStyle/>
+          <a:p>
+            <a:pPr algn="ctr"/>
+            <a:endParaRPr lang="de-DE"/>
+          </a:p>
+        </p:txBody>
+      </p:sp>
+      <p:sp>
+        <p:nvSpPr>
+          <p:cNvPr id="24" name="Textfeld 23">
+            <a:extLst>
+              <a:ext uri="{FF2B5EF4-FFF2-40B4-BE49-F238E27FC236}">
+                <a16:creationId xmlns:a16="http://schemas.microsoft.com/office/drawing/2014/main" id="{17904CA8-5647-244A-856C-E77BA178CFE4}"/>
+              </a:ext>
+            </a:extLst>
+          </p:cNvPr>
+          <p:cNvSpPr txBox="1"/>
+          <p:nvPr/>
+        </p:nvSpPr>
+        <p:spPr>
+          <a:xfrm>
+            <a:off x="4457923" y="5987639"/>
+            <a:ext cx="1562735" cy="369332"/>
+          </a:xfrm>
+          <a:prstGeom prst="rect">
+            <a:avLst/>
+          </a:prstGeom>
+          <a:noFill/>
+        </p:spPr>
+        <p:txBody>
+          <a:bodyPr wrap="none" rtlCol="0">
+            <a:spAutoFit/>
+          </a:bodyPr>
+          <a:lstStyle/>
+          <a:p>
+            <a:r>
+              <a:rPr lang="de-DE" dirty="0"/>
+              <a:t>Aufrufrichtung</a:t>
+            </a:r>
+          </a:p>
+        </p:txBody>
+      </p:sp>
+      <p:sp>
+        <p:nvSpPr>
+          <p:cNvPr id="25" name="Pfeil nach rechts 24">
+            <a:extLst>
+              <a:ext uri="{FF2B5EF4-FFF2-40B4-BE49-F238E27FC236}">
+                <a16:creationId xmlns:a16="http://schemas.microsoft.com/office/drawing/2014/main" id="{30652773-5F35-5545-B561-904E09485380}"/>
+              </a:ext>
+            </a:extLst>
+          </p:cNvPr>
+          <p:cNvSpPr/>
+          <p:nvPr/>
+        </p:nvSpPr>
+        <p:spPr>
+          <a:xfrm>
+            <a:off x="3638625" y="5899811"/>
+            <a:ext cx="845822" cy="544989"/>
+          </a:xfrm>
+          <a:prstGeom prst="rightArrow">
+            <a:avLst/>
+          </a:prstGeom>
+          <a:solidFill>
+            <a:schemeClr val="accent2">
+              <a:lumMod val="75000"/>
+            </a:schemeClr>
+          </a:solidFill>
+        </p:spPr>
+        <p:style>
+          <a:lnRef idx="2">
+            <a:schemeClr val="accent1">
+              <a:shade val="50000"/>
+            </a:schemeClr>
+          </a:lnRef>
+          <a:fillRef idx="1">
+            <a:schemeClr val="accent1"/>
+          </a:fillRef>
+          <a:effectRef idx="0">
+            <a:schemeClr val="accent1"/>
+          </a:effectRef>
+          <a:fontRef idx="minor">
+            <a:schemeClr val="lt1"/>
+          </a:fontRef>
+        </p:style>
+        <p:txBody>
+          <a:bodyPr rtlCol="0" anchor="ctr"/>
+          <a:lstStyle/>
+          <a:p>
+            <a:pPr algn="ctr"/>
+            <a:endParaRPr lang="de-DE" dirty="0"/>
           </a:p>
         </p:txBody>
       </p:sp>
     </p:spTree>
     <p:extLst>
       <p:ext uri="{BB962C8B-B14F-4D97-AF65-F5344CB8AC3E}">
-        <p14:creationId xmlns:p14="http://schemas.microsoft.com/office/powerpoint/2010/main" val="2804024451"/>
+        <p14:creationId xmlns:p14="http://schemas.microsoft.com/office/powerpoint/2010/main" val="2302065922"/>
       </p:ext>
     </p:extLst>
   </p:cSld>
@@ -6111,7 +7299,7 @@
             </a:r>
             <a:r>
               <a:rPr lang="de-DE" dirty="0"/>
-              <a:t> 80</a:t>
+              <a:t> 40</a:t>
             </a:r>
           </a:p>
         </p:txBody>
@@ -6139,31 +7327,61 @@
           <a:p>
             <a:r>
               <a:rPr lang="de-DE" dirty="0"/>
-              <a:t>Thema: Testen mit Mocks</a:t>
-            </a:r>
+              <a:t>Thema: Strukturierung des Projekts in </a:t>
+            </a:r>
+            <a:r>
+              <a:rPr lang="de-DE" dirty="0" err="1"/>
+              <a:t>Maven</a:t>
+            </a:r>
+            <a:r>
+              <a:rPr lang="de-DE" dirty="0"/>
+              <a:t>-Module</a:t>
+            </a:r>
+          </a:p>
+          <a:p>
+            <a:endParaRPr lang="de-DE" dirty="0">
+              <a:latin typeface="Courier New" panose="02070309020205020404" pitchFamily="49" charset="0"/>
+              <a:cs typeface="Courier New" panose="02070309020205020404" pitchFamily="49" charset="0"/>
+            </a:endParaRPr>
           </a:p>
           <a:p>
             <a:pPr lvl="1"/>
             <a:r>
-              <a:rPr lang="de-DE" dirty="0" err="1"/>
-              <a:t>Mockito</a:t>
-            </a:r>
-            <a:r>
-              <a:rPr lang="de-DE" dirty="0"/>
-              <a:t>: Bibliothek zum Erstellen von Mock-Objekten </a:t>
-            </a:r>
-            <a:r>
-              <a:rPr lang="de-DE"/>
-              <a:t>in Unit-Tests</a:t>
-            </a:r>
-            <a:endParaRPr lang="de-DE" dirty="0"/>
+              <a:rPr lang="de-DE" dirty="0"/>
+              <a:t>Kommando: </a:t>
+            </a:r>
+            <a:r>
+              <a:rPr lang="de-DE" dirty="0" err="1">
+                <a:latin typeface="Courier New" panose="02070309020205020404" pitchFamily="49" charset="0"/>
+                <a:cs typeface="Courier New" panose="02070309020205020404" pitchFamily="49" charset="0"/>
+              </a:rPr>
+              <a:t>mvn</a:t>
+            </a:r>
+            <a:r>
+              <a:rPr lang="de-DE" dirty="0">
+                <a:latin typeface="Courier New" panose="02070309020205020404" pitchFamily="49" charset="0"/>
+                <a:cs typeface="Courier New" panose="02070309020205020404" pitchFamily="49" charset="0"/>
+              </a:rPr>
+              <a:t> </a:t>
+            </a:r>
+            <a:r>
+              <a:rPr lang="de-DE" dirty="0" err="1">
+                <a:latin typeface="Courier New" panose="02070309020205020404" pitchFamily="49" charset="0"/>
+                <a:cs typeface="Courier New" panose="02070309020205020404" pitchFamily="49" charset="0"/>
+              </a:rPr>
+              <a:t>exec:java</a:t>
+            </a:r>
+            <a:endParaRPr lang="de-DE" dirty="0">
+              <a:latin typeface="Courier New" panose="02070309020205020404" pitchFamily="49" charset="0"/>
+              <a:cs typeface="Courier New" panose="02070309020205020404" pitchFamily="49" charset="0"/>
+            </a:endParaRPr>
           </a:p>
         </p:txBody>
       </p:sp>
     </p:spTree>
     <p:extLst>
       <p:ext uri="{BB962C8B-B14F-4D97-AF65-F5344CB8AC3E}">
-        <p14:creationId xmlns:p14="http://schemas.microsoft.com/office/powerpoint/2010/main" val="1609070468"/>
+        <p14:creationId xmlns:p14="http://schemas.microsoft.com/office/powerpoint/2010/main" val="2575053634"/>
       </p:ext>
     </p:extLst>
   </p:cSld>
@@ -6217,7 +7435,7 @@
             </a:r>
             <a:r>
               <a:rPr lang="de-DE" dirty="0"/>
-              <a:t> 90</a:t>
+              <a:t> 50</a:t>
             </a:r>
           </a:p>
         </p:txBody>
@@ -6245,15 +7463,90 @@
           <a:p>
             <a:r>
               <a:rPr lang="de-DE" dirty="0"/>
-              <a:t>Thema: Persistenz mit Spring Data</a:t>
-            </a:r>
+              <a:t>Thema: Unit-Tests</a:t>
+            </a:r>
+            <a:endParaRPr lang="de-DE" dirty="0">
+              <a:latin typeface="Courier New" panose="02070309020205020404" pitchFamily="49" charset="0"/>
+              <a:cs typeface="Courier New" panose="02070309020205020404" pitchFamily="49" charset="0"/>
+            </a:endParaRPr>
+          </a:p>
+          <a:p>
+            <a:pPr lvl="1"/>
+            <a:r>
+              <a:rPr lang="de-DE" dirty="0"/>
+              <a:t>Framework für Unit-Tests: </a:t>
+            </a:r>
+            <a:r>
+              <a:rPr lang="de-DE" dirty="0" err="1"/>
+              <a:t>Junit</a:t>
+            </a:r>
+            <a:endParaRPr lang="de-DE" dirty="0"/>
+          </a:p>
+          <a:p>
+            <a:pPr lvl="2"/>
+            <a:r>
+              <a:rPr lang="de-DE" dirty="0"/>
+              <a:t>Definition und Strukturierung von Tests</a:t>
+            </a:r>
+          </a:p>
+          <a:p>
+            <a:pPr lvl="2"/>
+            <a:r>
+              <a:rPr lang="de-DE" dirty="0"/>
+              <a:t>Ausführung der Tests</a:t>
+            </a:r>
+          </a:p>
+          <a:p>
+            <a:pPr lvl="2"/>
+            <a:r>
+              <a:rPr lang="de-DE" dirty="0"/>
+              <a:t>Darstellung der Ergebnisse</a:t>
+            </a:r>
+          </a:p>
+          <a:p>
+            <a:pPr lvl="1"/>
+            <a:r>
+              <a:rPr lang="de-DE" dirty="0"/>
+              <a:t>Bibliothek für </a:t>
+            </a:r>
+            <a:r>
+              <a:rPr lang="de-DE" dirty="0" err="1"/>
+              <a:t>Assertions</a:t>
+            </a:r>
+            <a:r>
+              <a:rPr lang="de-DE" dirty="0"/>
+              <a:t>: </a:t>
+            </a:r>
+            <a:r>
+              <a:rPr lang="de-DE" dirty="0" err="1"/>
+              <a:t>AssertJ</a:t>
+            </a:r>
+            <a:endParaRPr lang="de-DE" dirty="0"/>
+          </a:p>
+          <a:p>
+            <a:pPr lvl="2"/>
+            <a:r>
+              <a:rPr lang="de-DE" dirty="0"/>
+              <a:t>Formulierung von Test-Erwartungen</a:t>
+            </a:r>
+          </a:p>
+          <a:p>
+            <a:pPr lvl="2"/>
+            <a:r>
+              <a:rPr lang="de-DE" dirty="0"/>
+              <a:t>Beispiel für interne DSL</a:t>
+            </a:r>
+          </a:p>
+          <a:p>
+            <a:pPr lvl="2"/>
+            <a:endParaRPr lang="de-DE" dirty="0"/>
           </a:p>
         </p:txBody>
       </p:sp>
     </p:spTree>
     <p:extLst>
       <p:ext uri="{BB962C8B-B14F-4D97-AF65-F5344CB8AC3E}">
-        <p14:creationId xmlns:p14="http://schemas.microsoft.com/office/powerpoint/2010/main" val="3263348999"/>
+        <p14:creationId xmlns:p14="http://schemas.microsoft.com/office/powerpoint/2010/main" val="852841484"/>
       </p:ext>
     </p:extLst>
   </p:cSld>
@@ -6307,7 +7600,7 @@
             </a:r>
             <a:r>
               <a:rPr lang="de-DE" dirty="0"/>
-              <a:t> 100</a:t>
+              <a:t> 50</a:t>
             </a:r>
           </a:p>
         </p:txBody>
@@ -6330,20 +7623,690 @@
         </p:nvSpPr>
         <p:spPr/>
         <p:txBody>
-          <a:bodyPr/>
-          <a:lstStyle/>
-          <a:p>
-            <a:r>
-              <a:rPr lang="de-DE" dirty="0"/>
-              <a:t>Thema: Service als Docker-Container</a:t>
-            </a:r>
+          <a:bodyPr>
+            <a:normAutofit lnSpcReduction="10000"/>
+          </a:bodyPr>
+          <a:lstStyle/>
+          <a:p>
+            <a:r>
+              <a:rPr lang="de-DE" dirty="0"/>
+              <a:t>Thema: Unit-Tests</a:t>
+            </a:r>
+            <a:endParaRPr lang="de-DE" dirty="0">
+              <a:latin typeface="Courier New" panose="02070309020205020404" pitchFamily="49" charset="0"/>
+              <a:cs typeface="Courier New" panose="02070309020205020404" pitchFamily="49" charset="0"/>
+            </a:endParaRPr>
+          </a:p>
+          <a:p>
+            <a:pPr lvl="1"/>
+            <a:r>
+              <a:rPr lang="de-DE" dirty="0"/>
+              <a:t>Muster</a:t>
+            </a:r>
+          </a:p>
+          <a:p>
+            <a:pPr lvl="2"/>
+            <a:r>
+              <a:rPr lang="de-DE" dirty="0" err="1"/>
+              <a:t>Arrange</a:t>
+            </a:r>
+            <a:r>
+              <a:rPr lang="de-DE" dirty="0"/>
+              <a:t>-Act-</a:t>
+            </a:r>
+            <a:r>
+              <a:rPr lang="de-DE" dirty="0" err="1"/>
+              <a:t>Assert</a:t>
+            </a:r>
+            <a:endParaRPr lang="de-DE" dirty="0"/>
+          </a:p>
+          <a:p>
+            <a:pPr lvl="2"/>
+            <a:r>
+              <a:rPr lang="de-DE" dirty="0"/>
+              <a:t>BDD mit </a:t>
+            </a:r>
+            <a:r>
+              <a:rPr lang="de-DE" dirty="0" err="1"/>
+              <a:t>Nested</a:t>
+            </a:r>
+            <a:r>
+              <a:rPr lang="de-DE" dirty="0"/>
+              <a:t> </a:t>
+            </a:r>
+            <a:r>
+              <a:rPr lang="de-DE" dirty="0" err="1"/>
+              <a:t>Classes</a:t>
+            </a:r>
+            <a:endParaRPr lang="de-DE" dirty="0"/>
+          </a:p>
+          <a:p>
+            <a:pPr lvl="3"/>
+            <a:r>
+              <a:rPr lang="de-DE" dirty="0" err="1"/>
+              <a:t>Given</a:t>
+            </a:r>
+            <a:endParaRPr lang="de-DE" dirty="0"/>
+          </a:p>
+          <a:p>
+            <a:pPr lvl="3"/>
+            <a:r>
+              <a:rPr lang="de-DE" dirty="0" err="1"/>
+              <a:t>When</a:t>
+            </a:r>
+            <a:endParaRPr lang="de-DE" dirty="0"/>
+          </a:p>
+          <a:p>
+            <a:pPr lvl="3"/>
+            <a:r>
+              <a:rPr lang="de-DE" dirty="0" err="1"/>
+              <a:t>Then</a:t>
+            </a:r>
+            <a:endParaRPr lang="de-DE" dirty="0"/>
+          </a:p>
+          <a:p>
+            <a:pPr lvl="2"/>
+            <a:endParaRPr lang="de-DE" dirty="0"/>
+          </a:p>
+          <a:p>
+            <a:r>
+              <a:rPr lang="de-DE" dirty="0"/>
+              <a:t>Weitere Informationen</a:t>
+            </a:r>
+          </a:p>
+          <a:p>
+            <a:pPr lvl="1"/>
+            <a:r>
+              <a:rPr lang="de-DE" dirty="0">
+                <a:hlinkClick r:id="rId2"/>
+              </a:rPr>
+              <a:t>https://automationpanda.com/2020/07/07/arrange-act-assert-a-pattern-for-writing-good-tests/</a:t>
+            </a:r>
+            <a:endParaRPr lang="de-DE" dirty="0"/>
+          </a:p>
+          <a:p>
+            <a:pPr lvl="1"/>
+            <a:r>
+              <a:rPr lang="de-DE" dirty="0">
+                <a:hlinkClick r:id="rId3"/>
+              </a:rPr>
+              <a:t>https://de.wikipedia.org/wiki/Behavior_Driven_Development</a:t>
+            </a:r>
+            <a:endParaRPr lang="de-DE" dirty="0"/>
+          </a:p>
+          <a:p>
+            <a:pPr lvl="2"/>
+            <a:endParaRPr lang="de-DE" dirty="0"/>
           </a:p>
         </p:txBody>
       </p:sp>
     </p:spTree>
     <p:extLst>
       <p:ext uri="{BB962C8B-B14F-4D97-AF65-F5344CB8AC3E}">
-        <p14:creationId xmlns:p14="http://schemas.microsoft.com/office/powerpoint/2010/main" val="1059597919"/>
+        <p14:creationId xmlns:p14="http://schemas.microsoft.com/office/powerpoint/2010/main" val="1792773330"/>
+      </p:ext>
+    </p:extLst>
+  </p:cSld>
+  <p:clrMapOvr>
+    <a:masterClrMapping/>
+  </p:clrMapOvr>
+</p:sld>
+</file>
+
+<file path=ppt/slides/slide27.xml><?xml version="1.0" encoding="utf-8"?>
+<p:sld xmlns:a="http://schemas.openxmlformats.org/drawingml/2006/main" xmlns:r="http://schemas.openxmlformats.org/officeDocument/2006/relationships" xmlns:p="http://schemas.openxmlformats.org/presentationml/2006/main">
+  <p:cSld>
+    <p:spTree>
+      <p:nvGrpSpPr>
+        <p:cNvPr id="1" name=""/>
+        <p:cNvGrpSpPr/>
+        <p:nvPr/>
+      </p:nvGrpSpPr>
+      <p:grpSpPr>
+        <a:xfrm>
+          <a:off x="0" y="0"/>
+          <a:ext cx="0" cy="0"/>
+          <a:chOff x="0" y="0"/>
+          <a:chExt cx="0" cy="0"/>
+        </a:xfrm>
+      </p:grpSpPr>
+      <p:sp>
+        <p:nvSpPr>
+          <p:cNvPr id="2" name="Titel 1">
+            <a:extLst>
+              <a:ext uri="{FF2B5EF4-FFF2-40B4-BE49-F238E27FC236}">
+                <a16:creationId xmlns:a16="http://schemas.microsoft.com/office/drawing/2014/main" id="{0EC7A146-A8F2-A844-9033-A0ACC828AF47}"/>
+              </a:ext>
+            </a:extLst>
+          </p:cNvPr>
+          <p:cNvSpPr>
+            <a:spLocks noGrp="1"/>
+          </p:cNvSpPr>
+          <p:nvPr>
+            <p:ph type="title"/>
+          </p:nvPr>
+        </p:nvSpPr>
+        <p:spPr/>
+        <p:txBody>
+          <a:bodyPr/>
+          <a:lstStyle/>
+          <a:p>
+            <a:r>
+              <a:rPr lang="de-DE" dirty="0" err="1"/>
+              <a:t>Step</a:t>
+            </a:r>
+            <a:r>
+              <a:rPr lang="de-DE" dirty="0"/>
+              <a:t> 50</a:t>
+            </a:r>
+          </a:p>
+        </p:txBody>
+      </p:sp>
+      <p:sp>
+        <p:nvSpPr>
+          <p:cNvPr id="3" name="Inhaltsplatzhalter 2">
+            <a:extLst>
+              <a:ext uri="{FF2B5EF4-FFF2-40B4-BE49-F238E27FC236}">
+                <a16:creationId xmlns:a16="http://schemas.microsoft.com/office/drawing/2014/main" id="{2A5EBA90-6155-FD45-A74C-ECC42BCA72DF}"/>
+              </a:ext>
+            </a:extLst>
+          </p:cNvPr>
+          <p:cNvSpPr>
+            <a:spLocks noGrp="1"/>
+          </p:cNvSpPr>
+          <p:nvPr>
+            <p:ph idx="1"/>
+          </p:nvPr>
+        </p:nvSpPr>
+        <p:spPr/>
+        <p:txBody>
+          <a:bodyPr>
+            <a:normAutofit/>
+          </a:bodyPr>
+          <a:lstStyle/>
+          <a:p>
+            <a:r>
+              <a:rPr lang="de-DE" dirty="0"/>
+              <a:t>Thema: Unit-Tests</a:t>
+            </a:r>
+            <a:endParaRPr lang="de-DE" dirty="0">
+              <a:latin typeface="Courier New" panose="02070309020205020404" pitchFamily="49" charset="0"/>
+              <a:cs typeface="Courier New" panose="02070309020205020404" pitchFamily="49" charset="0"/>
+            </a:endParaRPr>
+          </a:p>
+          <a:p>
+            <a:pPr lvl="1"/>
+            <a:r>
+              <a:rPr lang="de-DE" dirty="0"/>
+              <a:t>BDD mit </a:t>
+            </a:r>
+            <a:r>
+              <a:rPr lang="de-DE" dirty="0" err="1"/>
+              <a:t>JGiven</a:t>
+            </a:r>
+            <a:endParaRPr lang="de-DE" dirty="0"/>
+          </a:p>
+          <a:p>
+            <a:pPr lvl="2"/>
+            <a:r>
+              <a:rPr lang="de-DE" dirty="0"/>
+              <a:t>Hat jemand Interesse, das als Aufgabe zu nehmen?</a:t>
+            </a:r>
+          </a:p>
+          <a:p>
+            <a:pPr lvl="2"/>
+            <a:endParaRPr lang="de-DE" dirty="0"/>
+          </a:p>
+          <a:p>
+            <a:r>
+              <a:rPr lang="de-DE" dirty="0"/>
+              <a:t>Weitere Informationen</a:t>
+            </a:r>
+          </a:p>
+          <a:p>
+            <a:pPr lvl="1"/>
+            <a:r>
+              <a:rPr lang="de-DE" dirty="0">
+                <a:hlinkClick r:id="rId2"/>
+              </a:rPr>
+              <a:t>https://jgiven.org/</a:t>
+            </a:r>
+            <a:endParaRPr lang="de-DE" dirty="0"/>
+          </a:p>
+          <a:p>
+            <a:pPr marL="457200" lvl="1" indent="0">
+              <a:buNone/>
+            </a:pPr>
+            <a:endParaRPr lang="de-DE" dirty="0"/>
+          </a:p>
+        </p:txBody>
+      </p:sp>
+    </p:spTree>
+    <p:extLst>
+      <p:ext uri="{BB962C8B-B14F-4D97-AF65-F5344CB8AC3E}">
+        <p14:creationId xmlns:p14="http://schemas.microsoft.com/office/powerpoint/2010/main" val="416710462"/>
+      </p:ext>
+    </p:extLst>
+  </p:cSld>
+  <p:clrMapOvr>
+    <a:masterClrMapping/>
+  </p:clrMapOvr>
+</p:sld>
+</file>
+
+<file path=ppt/slides/slide28.xml><?xml version="1.0" encoding="utf-8"?>
+<p:sld xmlns:a="http://schemas.openxmlformats.org/drawingml/2006/main" xmlns:r="http://schemas.openxmlformats.org/officeDocument/2006/relationships" xmlns:p="http://schemas.openxmlformats.org/presentationml/2006/main">
+  <p:cSld>
+    <p:spTree>
+      <p:nvGrpSpPr>
+        <p:cNvPr id="1" name=""/>
+        <p:cNvGrpSpPr/>
+        <p:nvPr/>
+      </p:nvGrpSpPr>
+      <p:grpSpPr>
+        <a:xfrm>
+          <a:off x="0" y="0"/>
+          <a:ext cx="0" cy="0"/>
+          <a:chOff x="0" y="0"/>
+          <a:chExt cx="0" cy="0"/>
+        </a:xfrm>
+      </p:grpSpPr>
+      <p:sp>
+        <p:nvSpPr>
+          <p:cNvPr id="2" name="Titel 1">
+            <a:extLst>
+              <a:ext uri="{FF2B5EF4-FFF2-40B4-BE49-F238E27FC236}">
+                <a16:creationId xmlns:a16="http://schemas.microsoft.com/office/drawing/2014/main" id="{0EC7A146-A8F2-A844-9033-A0ACC828AF47}"/>
+              </a:ext>
+            </a:extLst>
+          </p:cNvPr>
+          <p:cNvSpPr>
+            <a:spLocks noGrp="1"/>
+          </p:cNvSpPr>
+          <p:nvPr>
+            <p:ph type="title"/>
+          </p:nvPr>
+        </p:nvSpPr>
+        <p:spPr/>
+        <p:txBody>
+          <a:bodyPr/>
+          <a:lstStyle/>
+          <a:p>
+            <a:r>
+              <a:rPr lang="de-DE" dirty="0" err="1"/>
+              <a:t>Step</a:t>
+            </a:r>
+            <a:r>
+              <a:rPr lang="de-DE" dirty="0"/>
+              <a:t> 55</a:t>
+            </a:r>
+          </a:p>
+        </p:txBody>
+      </p:sp>
+      <p:sp>
+        <p:nvSpPr>
+          <p:cNvPr id="3" name="Inhaltsplatzhalter 2">
+            <a:extLst>
+              <a:ext uri="{FF2B5EF4-FFF2-40B4-BE49-F238E27FC236}">
+                <a16:creationId xmlns:a16="http://schemas.microsoft.com/office/drawing/2014/main" id="{2A5EBA90-6155-FD45-A74C-ECC42BCA72DF}"/>
+              </a:ext>
+            </a:extLst>
+          </p:cNvPr>
+          <p:cNvSpPr>
+            <a:spLocks noGrp="1"/>
+          </p:cNvSpPr>
+          <p:nvPr>
+            <p:ph idx="1"/>
+          </p:nvPr>
+        </p:nvSpPr>
+        <p:spPr/>
+        <p:txBody>
+          <a:bodyPr/>
+          <a:lstStyle/>
+          <a:p>
+            <a:r>
+              <a:rPr lang="de-DE" dirty="0"/>
+              <a:t>Thema: Unit-Tests</a:t>
+            </a:r>
+            <a:endParaRPr lang="de-DE" dirty="0">
+              <a:latin typeface="Courier New" panose="02070309020205020404" pitchFamily="49" charset="0"/>
+              <a:cs typeface="Courier New" panose="02070309020205020404" pitchFamily="49" charset="0"/>
+            </a:endParaRPr>
+          </a:p>
+          <a:p>
+            <a:pPr lvl="1"/>
+            <a:r>
+              <a:rPr lang="de-DE" dirty="0" err="1">
+                <a:latin typeface="Courier New" panose="02070309020205020404" pitchFamily="49" charset="0"/>
+                <a:cs typeface="Courier New" panose="02070309020205020404" pitchFamily="49" charset="0"/>
+              </a:rPr>
+              <a:t>HelloWorldApplication</a:t>
+            </a:r>
+            <a:r>
+              <a:rPr lang="de-DE" dirty="0"/>
+              <a:t> lässt sich schlecht testen</a:t>
+            </a:r>
+          </a:p>
+          <a:p>
+            <a:pPr lvl="1"/>
+            <a:r>
+              <a:rPr lang="de-DE" dirty="0"/>
+              <a:t>Wie lässt sich das verbessern?</a:t>
+            </a:r>
+          </a:p>
+          <a:p>
+            <a:pPr lvl="2"/>
+            <a:r>
+              <a:rPr lang="de-DE" dirty="0" err="1"/>
+              <a:t>Dependency</a:t>
+            </a:r>
+            <a:r>
+              <a:rPr lang="de-DE" dirty="0"/>
+              <a:t> </a:t>
+            </a:r>
+            <a:r>
+              <a:rPr lang="de-DE" dirty="0" err="1"/>
+              <a:t>injection</a:t>
+            </a:r>
+            <a:endParaRPr lang="de-DE" dirty="0"/>
+          </a:p>
+          <a:p>
+            <a:pPr lvl="3"/>
+            <a:r>
+              <a:rPr lang="de-DE" dirty="0"/>
+              <a:t>Ein </a:t>
+            </a:r>
+            <a:r>
+              <a:rPr lang="de-DE" dirty="0" err="1">
+                <a:latin typeface="Courier New" panose="02070309020205020404" pitchFamily="49" charset="0"/>
+                <a:cs typeface="Courier New" panose="02070309020205020404" pitchFamily="49" charset="0"/>
+              </a:rPr>
+              <a:t>Greeter</a:t>
+            </a:r>
+            <a:r>
+              <a:rPr lang="de-DE" dirty="0"/>
+              <a:t> wird nicht innerhalb </a:t>
+            </a:r>
+            <a:r>
+              <a:rPr lang="de-DE" dirty="0" err="1">
+                <a:latin typeface="Courier New" panose="02070309020205020404" pitchFamily="49" charset="0"/>
+                <a:cs typeface="Courier New" panose="02070309020205020404" pitchFamily="49" charset="0"/>
+              </a:rPr>
+              <a:t>HelloWorldApplication</a:t>
+            </a:r>
+            <a:r>
+              <a:rPr lang="de-DE" dirty="0"/>
+              <a:t> erzeugt, sondern von außen übergeben (</a:t>
+            </a:r>
+            <a:r>
+              <a:rPr lang="de-DE" dirty="0" err="1"/>
+              <a:t>injected</a:t>
+            </a:r>
+            <a:r>
+              <a:rPr lang="de-DE" dirty="0"/>
+              <a:t>)</a:t>
+            </a:r>
+          </a:p>
+          <a:p>
+            <a:pPr lvl="3"/>
+            <a:r>
+              <a:rPr lang="de-DE" dirty="0"/>
+              <a:t>Vorteil: wir können ein spezielles Test-Objekt nutzen</a:t>
+            </a:r>
+          </a:p>
+          <a:p>
+            <a:pPr lvl="2"/>
+            <a:r>
+              <a:rPr lang="de-DE" dirty="0" err="1"/>
+              <a:t>Mocking</a:t>
+            </a:r>
+            <a:endParaRPr lang="de-DE" dirty="0"/>
+          </a:p>
+          <a:p>
+            <a:pPr lvl="3"/>
+            <a:r>
+              <a:rPr lang="de-DE" dirty="0"/>
+              <a:t>Statt des </a:t>
+            </a:r>
+            <a:r>
+              <a:rPr lang="de-DE" dirty="0" err="1">
+                <a:latin typeface="Courier New" panose="02070309020205020404" pitchFamily="49" charset="0"/>
+                <a:cs typeface="Courier New" panose="02070309020205020404" pitchFamily="49" charset="0"/>
+              </a:rPr>
+              <a:t>Greeter</a:t>
+            </a:r>
+            <a:r>
+              <a:rPr lang="de-DE" dirty="0"/>
+              <a:t>-Service wird ein spezielles Test-Objekt (</a:t>
+            </a:r>
+            <a:r>
+              <a:rPr lang="de-DE" dirty="0" err="1">
+                <a:latin typeface="Courier New" panose="02070309020205020404" pitchFamily="49" charset="0"/>
+                <a:cs typeface="Courier New" panose="02070309020205020404" pitchFamily="49" charset="0"/>
+              </a:rPr>
+              <a:t>GreeterMock</a:t>
+            </a:r>
+            <a:r>
+              <a:rPr lang="de-DE" dirty="0"/>
+              <a:t>) genutzt</a:t>
+            </a:r>
+          </a:p>
+          <a:p>
+            <a:pPr lvl="3"/>
+            <a:r>
+              <a:rPr lang="de-DE" dirty="0"/>
+              <a:t>Dieses Test-Objekt ermöglicht uns zu prüfen, was </a:t>
+            </a:r>
+            <a:r>
+              <a:rPr lang="de-DE" dirty="0" err="1">
+                <a:latin typeface="Courier New" panose="02070309020205020404" pitchFamily="49" charset="0"/>
+                <a:cs typeface="Courier New" panose="02070309020205020404" pitchFamily="49" charset="0"/>
+              </a:rPr>
+              <a:t>HelloWorldApplication</a:t>
+            </a:r>
+            <a:r>
+              <a:rPr lang="de-DE" dirty="0"/>
+              <a:t> tatsächlich tut</a:t>
+            </a:r>
+          </a:p>
+        </p:txBody>
+      </p:sp>
+    </p:spTree>
+    <p:extLst>
+      <p:ext uri="{BB962C8B-B14F-4D97-AF65-F5344CB8AC3E}">
+        <p14:creationId xmlns:p14="http://schemas.microsoft.com/office/powerpoint/2010/main" val="1186333636"/>
+      </p:ext>
+    </p:extLst>
+  </p:cSld>
+  <p:clrMapOvr>
+    <a:masterClrMapping/>
+  </p:clrMapOvr>
+</p:sld>
+</file>
+
+<file path=ppt/slides/slide29.xml><?xml version="1.0" encoding="utf-8"?>
+<p:sld xmlns:a="http://schemas.openxmlformats.org/drawingml/2006/main" xmlns:r="http://schemas.openxmlformats.org/officeDocument/2006/relationships" xmlns:p="http://schemas.openxmlformats.org/presentationml/2006/main">
+  <p:cSld>
+    <p:spTree>
+      <p:nvGrpSpPr>
+        <p:cNvPr id="1" name=""/>
+        <p:cNvGrpSpPr/>
+        <p:nvPr/>
+      </p:nvGrpSpPr>
+      <p:grpSpPr>
+        <a:xfrm>
+          <a:off x="0" y="0"/>
+          <a:ext cx="0" cy="0"/>
+          <a:chOff x="0" y="0"/>
+          <a:chExt cx="0" cy="0"/>
+        </a:xfrm>
+      </p:grpSpPr>
+      <p:sp>
+        <p:nvSpPr>
+          <p:cNvPr id="2" name="Titel 1">
+            <a:extLst>
+              <a:ext uri="{FF2B5EF4-FFF2-40B4-BE49-F238E27FC236}">
+                <a16:creationId xmlns:a16="http://schemas.microsoft.com/office/drawing/2014/main" id="{0EC7A146-A8F2-A844-9033-A0ACC828AF47}"/>
+              </a:ext>
+            </a:extLst>
+          </p:cNvPr>
+          <p:cNvSpPr>
+            <a:spLocks noGrp="1"/>
+          </p:cNvSpPr>
+          <p:nvPr>
+            <p:ph type="title"/>
+          </p:nvPr>
+        </p:nvSpPr>
+        <p:spPr/>
+        <p:txBody>
+          <a:bodyPr/>
+          <a:lstStyle/>
+          <a:p>
+            <a:r>
+              <a:rPr lang="de-DE" dirty="0" err="1"/>
+              <a:t>Step</a:t>
+            </a:r>
+            <a:r>
+              <a:rPr lang="de-DE" dirty="0"/>
+              <a:t> 60</a:t>
+            </a:r>
+          </a:p>
+        </p:txBody>
+      </p:sp>
+      <p:sp>
+        <p:nvSpPr>
+          <p:cNvPr id="3" name="Inhaltsplatzhalter 2">
+            <a:extLst>
+              <a:ext uri="{FF2B5EF4-FFF2-40B4-BE49-F238E27FC236}">
+                <a16:creationId xmlns:a16="http://schemas.microsoft.com/office/drawing/2014/main" id="{2A5EBA90-6155-FD45-A74C-ECC42BCA72DF}"/>
+              </a:ext>
+            </a:extLst>
+          </p:cNvPr>
+          <p:cNvSpPr>
+            <a:spLocks noGrp="1"/>
+          </p:cNvSpPr>
+          <p:nvPr>
+            <p:ph idx="1"/>
+          </p:nvPr>
+        </p:nvSpPr>
+        <p:spPr/>
+        <p:txBody>
+          <a:bodyPr/>
+          <a:lstStyle/>
+          <a:p>
+            <a:r>
+              <a:rPr lang="de-DE" dirty="0"/>
+              <a:t>Thema: Implementierung eines REST-Endpunktes mit Spring Boot</a:t>
+            </a:r>
+          </a:p>
+          <a:p>
+            <a:pPr lvl="1"/>
+            <a:r>
+              <a:rPr lang="de-DE" dirty="0">
+                <a:cs typeface="Courier New" panose="02070309020205020404" pitchFamily="49" charset="0"/>
+              </a:rPr>
+              <a:t>Spring</a:t>
+            </a:r>
+          </a:p>
+          <a:p>
+            <a:pPr lvl="2"/>
+            <a:r>
+              <a:rPr lang="de-DE" dirty="0">
+                <a:cs typeface="Courier New" panose="02070309020205020404" pitchFamily="49" charset="0"/>
+              </a:rPr>
+              <a:t>Java-Framework zur Implementierung von Enterprise </a:t>
+            </a:r>
+            <a:r>
+              <a:rPr lang="de-DE" dirty="0" err="1">
+                <a:cs typeface="Courier New" panose="02070309020205020404" pitchFamily="49" charset="0"/>
+              </a:rPr>
+              <a:t>Applications</a:t>
+            </a:r>
+            <a:endParaRPr lang="de-DE" dirty="0">
+              <a:cs typeface="Courier New" panose="02070309020205020404" pitchFamily="49" charset="0"/>
+            </a:endParaRPr>
+          </a:p>
+          <a:p>
+            <a:pPr lvl="2"/>
+            <a:r>
+              <a:rPr lang="de-DE" dirty="0">
+                <a:cs typeface="Courier New" panose="02070309020205020404" pitchFamily="49" charset="0"/>
+              </a:rPr>
+              <a:t>Kern: Framework für </a:t>
+            </a:r>
+            <a:r>
+              <a:rPr lang="de-DE" dirty="0" err="1">
+                <a:cs typeface="Courier New" panose="02070309020205020404" pitchFamily="49" charset="0"/>
+              </a:rPr>
+              <a:t>Dependency</a:t>
+            </a:r>
+            <a:r>
+              <a:rPr lang="de-DE" dirty="0">
+                <a:cs typeface="Courier New" panose="02070309020205020404" pitchFamily="49" charset="0"/>
+              </a:rPr>
+              <a:t> </a:t>
+            </a:r>
+            <a:r>
+              <a:rPr lang="de-DE" dirty="0" err="1">
+                <a:cs typeface="Courier New" panose="02070309020205020404" pitchFamily="49" charset="0"/>
+              </a:rPr>
+              <a:t>Injection</a:t>
+            </a:r>
+            <a:endParaRPr lang="de-DE" dirty="0">
+              <a:cs typeface="Courier New" panose="02070309020205020404" pitchFamily="49" charset="0"/>
+            </a:endParaRPr>
+          </a:p>
+          <a:p>
+            <a:pPr lvl="2"/>
+            <a:r>
+              <a:rPr lang="de-DE" dirty="0">
+                <a:cs typeface="Courier New" panose="02070309020205020404" pitchFamily="49" charset="0"/>
+              </a:rPr>
+              <a:t>Sehr umfangreich</a:t>
+            </a:r>
+          </a:p>
+          <a:p>
+            <a:pPr lvl="1"/>
+            <a:r>
+              <a:rPr lang="de-DE" dirty="0">
+                <a:cs typeface="Courier New" panose="02070309020205020404" pitchFamily="49" charset="0"/>
+              </a:rPr>
+              <a:t>Spring Boot</a:t>
+            </a:r>
+          </a:p>
+          <a:p>
+            <a:pPr lvl="2"/>
+            <a:r>
+              <a:rPr lang="de-DE" dirty="0">
+                <a:cs typeface="Courier New" panose="02070309020205020404" pitchFamily="49" charset="0"/>
+              </a:rPr>
+              <a:t>Vereinfachte Konfiguration von Spring-Anwendungen (vordefinierte Starter)</a:t>
+            </a:r>
+          </a:p>
+          <a:p>
+            <a:pPr lvl="2"/>
+            <a:r>
+              <a:rPr lang="de-DE" dirty="0">
+                <a:cs typeface="Courier New" panose="02070309020205020404" pitchFamily="49" charset="0"/>
+              </a:rPr>
+              <a:t>Sehr beliebt zur Implementierung von </a:t>
+            </a:r>
+            <a:r>
+              <a:rPr lang="de-DE" dirty="0" err="1">
+                <a:cs typeface="Courier New" panose="02070309020205020404" pitchFamily="49" charset="0"/>
+              </a:rPr>
+              <a:t>Microservices</a:t>
+            </a:r>
+            <a:endParaRPr lang="de-DE" dirty="0">
+              <a:cs typeface="Courier New" panose="02070309020205020404" pitchFamily="49" charset="0"/>
+            </a:endParaRPr>
+          </a:p>
+        </p:txBody>
+      </p:sp>
+    </p:spTree>
+    <p:extLst>
+      <p:ext uri="{BB962C8B-B14F-4D97-AF65-F5344CB8AC3E}">
+        <p14:creationId xmlns:p14="http://schemas.microsoft.com/office/powerpoint/2010/main" val="1717894978"/>
       </p:ext>
     </p:extLst>
   </p:cSld>
@@ -6516,6 +8479,398 @@
     <p:extLst>
       <p:ext uri="{BB962C8B-B14F-4D97-AF65-F5344CB8AC3E}">
         <p14:creationId xmlns:p14="http://schemas.microsoft.com/office/powerpoint/2010/main" val="2168013348"/>
+      </p:ext>
+    </p:extLst>
+  </p:cSld>
+  <p:clrMapOvr>
+    <a:masterClrMapping/>
+  </p:clrMapOvr>
+</p:sld>
+</file>
+
+<file path=ppt/slides/slide30.xml><?xml version="1.0" encoding="utf-8"?>
+<p:sld xmlns:a="http://schemas.openxmlformats.org/drawingml/2006/main" xmlns:r="http://schemas.openxmlformats.org/officeDocument/2006/relationships" xmlns:p="http://schemas.openxmlformats.org/presentationml/2006/main">
+  <p:cSld>
+    <p:spTree>
+      <p:nvGrpSpPr>
+        <p:cNvPr id="1" name=""/>
+        <p:cNvGrpSpPr/>
+        <p:nvPr/>
+      </p:nvGrpSpPr>
+      <p:grpSpPr>
+        <a:xfrm>
+          <a:off x="0" y="0"/>
+          <a:ext cx="0" cy="0"/>
+          <a:chOff x="0" y="0"/>
+          <a:chExt cx="0" cy="0"/>
+        </a:xfrm>
+      </p:grpSpPr>
+      <p:sp>
+        <p:nvSpPr>
+          <p:cNvPr id="2" name="Titel 1">
+            <a:extLst>
+              <a:ext uri="{FF2B5EF4-FFF2-40B4-BE49-F238E27FC236}">
+                <a16:creationId xmlns:a16="http://schemas.microsoft.com/office/drawing/2014/main" id="{0EC7A146-A8F2-A844-9033-A0ACC828AF47}"/>
+              </a:ext>
+            </a:extLst>
+          </p:cNvPr>
+          <p:cNvSpPr>
+            <a:spLocks noGrp="1"/>
+          </p:cNvSpPr>
+          <p:nvPr>
+            <p:ph type="title"/>
+          </p:nvPr>
+        </p:nvSpPr>
+        <p:spPr/>
+        <p:txBody>
+          <a:bodyPr/>
+          <a:lstStyle/>
+          <a:p>
+            <a:r>
+              <a:rPr lang="de-DE" dirty="0" err="1"/>
+              <a:t>Step</a:t>
+            </a:r>
+            <a:r>
+              <a:rPr lang="de-DE" dirty="0"/>
+              <a:t> 70</a:t>
+            </a:r>
+          </a:p>
+        </p:txBody>
+      </p:sp>
+      <p:sp>
+        <p:nvSpPr>
+          <p:cNvPr id="3" name="Inhaltsplatzhalter 2">
+            <a:extLst>
+              <a:ext uri="{FF2B5EF4-FFF2-40B4-BE49-F238E27FC236}">
+                <a16:creationId xmlns:a16="http://schemas.microsoft.com/office/drawing/2014/main" id="{2A5EBA90-6155-FD45-A74C-ECC42BCA72DF}"/>
+              </a:ext>
+            </a:extLst>
+          </p:cNvPr>
+          <p:cNvSpPr>
+            <a:spLocks noGrp="1"/>
+          </p:cNvSpPr>
+          <p:nvPr>
+            <p:ph idx="1"/>
+          </p:nvPr>
+        </p:nvSpPr>
+        <p:spPr/>
+        <p:txBody>
+          <a:bodyPr/>
+          <a:lstStyle/>
+          <a:p>
+            <a:r>
+              <a:rPr lang="de-DE" dirty="0"/>
+              <a:t>Thema: </a:t>
+            </a:r>
+            <a:r>
+              <a:rPr lang="de-DE" dirty="0" err="1"/>
+              <a:t>Dependency</a:t>
+            </a:r>
+            <a:r>
+              <a:rPr lang="de-DE" dirty="0"/>
+              <a:t> </a:t>
+            </a:r>
+            <a:r>
+              <a:rPr lang="de-DE" dirty="0" err="1"/>
+              <a:t>Injection</a:t>
+            </a:r>
+            <a:r>
+              <a:rPr lang="de-DE" dirty="0"/>
+              <a:t> mit Spring</a:t>
+            </a:r>
+          </a:p>
+        </p:txBody>
+      </p:sp>
+    </p:spTree>
+    <p:extLst>
+      <p:ext uri="{BB962C8B-B14F-4D97-AF65-F5344CB8AC3E}">
+        <p14:creationId xmlns:p14="http://schemas.microsoft.com/office/powerpoint/2010/main" val="2804024451"/>
+      </p:ext>
+    </p:extLst>
+  </p:cSld>
+  <p:clrMapOvr>
+    <a:masterClrMapping/>
+  </p:clrMapOvr>
+</p:sld>
+</file>
+
+<file path=ppt/slides/slide31.xml><?xml version="1.0" encoding="utf-8"?>
+<p:sld xmlns:a="http://schemas.openxmlformats.org/drawingml/2006/main" xmlns:r="http://schemas.openxmlformats.org/officeDocument/2006/relationships" xmlns:p="http://schemas.openxmlformats.org/presentationml/2006/main">
+  <p:cSld>
+    <p:spTree>
+      <p:nvGrpSpPr>
+        <p:cNvPr id="1" name=""/>
+        <p:cNvGrpSpPr/>
+        <p:nvPr/>
+      </p:nvGrpSpPr>
+      <p:grpSpPr>
+        <a:xfrm>
+          <a:off x="0" y="0"/>
+          <a:ext cx="0" cy="0"/>
+          <a:chOff x="0" y="0"/>
+          <a:chExt cx="0" cy="0"/>
+        </a:xfrm>
+      </p:grpSpPr>
+      <p:sp>
+        <p:nvSpPr>
+          <p:cNvPr id="2" name="Titel 1">
+            <a:extLst>
+              <a:ext uri="{FF2B5EF4-FFF2-40B4-BE49-F238E27FC236}">
+                <a16:creationId xmlns:a16="http://schemas.microsoft.com/office/drawing/2014/main" id="{0EC7A146-A8F2-A844-9033-A0ACC828AF47}"/>
+              </a:ext>
+            </a:extLst>
+          </p:cNvPr>
+          <p:cNvSpPr>
+            <a:spLocks noGrp="1"/>
+          </p:cNvSpPr>
+          <p:nvPr>
+            <p:ph type="title"/>
+          </p:nvPr>
+        </p:nvSpPr>
+        <p:spPr/>
+        <p:txBody>
+          <a:bodyPr/>
+          <a:lstStyle/>
+          <a:p>
+            <a:r>
+              <a:rPr lang="de-DE" dirty="0" err="1"/>
+              <a:t>Step</a:t>
+            </a:r>
+            <a:r>
+              <a:rPr lang="de-DE" dirty="0"/>
+              <a:t> 80</a:t>
+            </a:r>
+          </a:p>
+        </p:txBody>
+      </p:sp>
+      <p:sp>
+        <p:nvSpPr>
+          <p:cNvPr id="3" name="Inhaltsplatzhalter 2">
+            <a:extLst>
+              <a:ext uri="{FF2B5EF4-FFF2-40B4-BE49-F238E27FC236}">
+                <a16:creationId xmlns:a16="http://schemas.microsoft.com/office/drawing/2014/main" id="{2A5EBA90-6155-FD45-A74C-ECC42BCA72DF}"/>
+              </a:ext>
+            </a:extLst>
+          </p:cNvPr>
+          <p:cNvSpPr>
+            <a:spLocks noGrp="1"/>
+          </p:cNvSpPr>
+          <p:nvPr>
+            <p:ph idx="1"/>
+          </p:nvPr>
+        </p:nvSpPr>
+        <p:spPr/>
+        <p:txBody>
+          <a:bodyPr/>
+          <a:lstStyle/>
+          <a:p>
+            <a:r>
+              <a:rPr lang="de-DE" dirty="0"/>
+              <a:t>Thema: Testen mit Mocks</a:t>
+            </a:r>
+          </a:p>
+          <a:p>
+            <a:pPr lvl="1"/>
+            <a:r>
+              <a:rPr lang="de-DE" dirty="0" err="1"/>
+              <a:t>Mockito</a:t>
+            </a:r>
+            <a:r>
+              <a:rPr lang="de-DE" dirty="0"/>
+              <a:t>: Bibliothek zum Erstellen von Mock-Objekten </a:t>
+            </a:r>
+            <a:r>
+              <a:rPr lang="de-DE"/>
+              <a:t>in Unit-Tests</a:t>
+            </a:r>
+            <a:endParaRPr lang="de-DE" dirty="0"/>
+          </a:p>
+        </p:txBody>
+      </p:sp>
+    </p:spTree>
+    <p:extLst>
+      <p:ext uri="{BB962C8B-B14F-4D97-AF65-F5344CB8AC3E}">
+        <p14:creationId xmlns:p14="http://schemas.microsoft.com/office/powerpoint/2010/main" val="1609070468"/>
+      </p:ext>
+    </p:extLst>
+  </p:cSld>
+  <p:clrMapOvr>
+    <a:masterClrMapping/>
+  </p:clrMapOvr>
+</p:sld>
+</file>
+
+<file path=ppt/slides/slide32.xml><?xml version="1.0" encoding="utf-8"?>
+<p:sld xmlns:a="http://schemas.openxmlformats.org/drawingml/2006/main" xmlns:r="http://schemas.openxmlformats.org/officeDocument/2006/relationships" xmlns:p="http://schemas.openxmlformats.org/presentationml/2006/main">
+  <p:cSld>
+    <p:spTree>
+      <p:nvGrpSpPr>
+        <p:cNvPr id="1" name=""/>
+        <p:cNvGrpSpPr/>
+        <p:nvPr/>
+      </p:nvGrpSpPr>
+      <p:grpSpPr>
+        <a:xfrm>
+          <a:off x="0" y="0"/>
+          <a:ext cx="0" cy="0"/>
+          <a:chOff x="0" y="0"/>
+          <a:chExt cx="0" cy="0"/>
+        </a:xfrm>
+      </p:grpSpPr>
+      <p:sp>
+        <p:nvSpPr>
+          <p:cNvPr id="2" name="Titel 1">
+            <a:extLst>
+              <a:ext uri="{FF2B5EF4-FFF2-40B4-BE49-F238E27FC236}">
+                <a16:creationId xmlns:a16="http://schemas.microsoft.com/office/drawing/2014/main" id="{0EC7A146-A8F2-A844-9033-A0ACC828AF47}"/>
+              </a:ext>
+            </a:extLst>
+          </p:cNvPr>
+          <p:cNvSpPr>
+            <a:spLocks noGrp="1"/>
+          </p:cNvSpPr>
+          <p:nvPr>
+            <p:ph type="title"/>
+          </p:nvPr>
+        </p:nvSpPr>
+        <p:spPr/>
+        <p:txBody>
+          <a:bodyPr/>
+          <a:lstStyle/>
+          <a:p>
+            <a:r>
+              <a:rPr lang="de-DE" dirty="0" err="1"/>
+              <a:t>Step</a:t>
+            </a:r>
+            <a:r>
+              <a:rPr lang="de-DE" dirty="0"/>
+              <a:t> 90</a:t>
+            </a:r>
+          </a:p>
+        </p:txBody>
+      </p:sp>
+      <p:sp>
+        <p:nvSpPr>
+          <p:cNvPr id="3" name="Inhaltsplatzhalter 2">
+            <a:extLst>
+              <a:ext uri="{FF2B5EF4-FFF2-40B4-BE49-F238E27FC236}">
+                <a16:creationId xmlns:a16="http://schemas.microsoft.com/office/drawing/2014/main" id="{2A5EBA90-6155-FD45-A74C-ECC42BCA72DF}"/>
+              </a:ext>
+            </a:extLst>
+          </p:cNvPr>
+          <p:cNvSpPr>
+            <a:spLocks noGrp="1"/>
+          </p:cNvSpPr>
+          <p:nvPr>
+            <p:ph idx="1"/>
+          </p:nvPr>
+        </p:nvSpPr>
+        <p:spPr/>
+        <p:txBody>
+          <a:bodyPr/>
+          <a:lstStyle/>
+          <a:p>
+            <a:r>
+              <a:rPr lang="de-DE" dirty="0"/>
+              <a:t>Thema: Persistenz mit Spring Data</a:t>
+            </a:r>
+          </a:p>
+        </p:txBody>
+      </p:sp>
+    </p:spTree>
+    <p:extLst>
+      <p:ext uri="{BB962C8B-B14F-4D97-AF65-F5344CB8AC3E}">
+        <p14:creationId xmlns:p14="http://schemas.microsoft.com/office/powerpoint/2010/main" val="3263348999"/>
+      </p:ext>
+    </p:extLst>
+  </p:cSld>
+  <p:clrMapOvr>
+    <a:masterClrMapping/>
+  </p:clrMapOvr>
+</p:sld>
+</file>
+
+<file path=ppt/slides/slide33.xml><?xml version="1.0" encoding="utf-8"?>
+<p:sld xmlns:a="http://schemas.openxmlformats.org/drawingml/2006/main" xmlns:r="http://schemas.openxmlformats.org/officeDocument/2006/relationships" xmlns:p="http://schemas.openxmlformats.org/presentationml/2006/main">
+  <p:cSld>
+    <p:spTree>
+      <p:nvGrpSpPr>
+        <p:cNvPr id="1" name=""/>
+        <p:cNvGrpSpPr/>
+        <p:nvPr/>
+      </p:nvGrpSpPr>
+      <p:grpSpPr>
+        <a:xfrm>
+          <a:off x="0" y="0"/>
+          <a:ext cx="0" cy="0"/>
+          <a:chOff x="0" y="0"/>
+          <a:chExt cx="0" cy="0"/>
+        </a:xfrm>
+      </p:grpSpPr>
+      <p:sp>
+        <p:nvSpPr>
+          <p:cNvPr id="2" name="Titel 1">
+            <a:extLst>
+              <a:ext uri="{FF2B5EF4-FFF2-40B4-BE49-F238E27FC236}">
+                <a16:creationId xmlns:a16="http://schemas.microsoft.com/office/drawing/2014/main" id="{0EC7A146-A8F2-A844-9033-A0ACC828AF47}"/>
+              </a:ext>
+            </a:extLst>
+          </p:cNvPr>
+          <p:cNvSpPr>
+            <a:spLocks noGrp="1"/>
+          </p:cNvSpPr>
+          <p:nvPr>
+            <p:ph type="title"/>
+          </p:nvPr>
+        </p:nvSpPr>
+        <p:spPr/>
+        <p:txBody>
+          <a:bodyPr/>
+          <a:lstStyle/>
+          <a:p>
+            <a:r>
+              <a:rPr lang="de-DE" dirty="0" err="1"/>
+              <a:t>Step</a:t>
+            </a:r>
+            <a:r>
+              <a:rPr lang="de-DE" dirty="0"/>
+              <a:t> 100</a:t>
+            </a:r>
+          </a:p>
+        </p:txBody>
+      </p:sp>
+      <p:sp>
+        <p:nvSpPr>
+          <p:cNvPr id="3" name="Inhaltsplatzhalter 2">
+            <a:extLst>
+              <a:ext uri="{FF2B5EF4-FFF2-40B4-BE49-F238E27FC236}">
+                <a16:creationId xmlns:a16="http://schemas.microsoft.com/office/drawing/2014/main" id="{2A5EBA90-6155-FD45-A74C-ECC42BCA72DF}"/>
+              </a:ext>
+            </a:extLst>
+          </p:cNvPr>
+          <p:cNvSpPr>
+            <a:spLocks noGrp="1"/>
+          </p:cNvSpPr>
+          <p:nvPr>
+            <p:ph idx="1"/>
+          </p:nvPr>
+        </p:nvSpPr>
+        <p:spPr/>
+        <p:txBody>
+          <a:bodyPr/>
+          <a:lstStyle/>
+          <a:p>
+            <a:r>
+              <a:rPr lang="de-DE" dirty="0"/>
+              <a:t>Thema: Service als Docker-Container</a:t>
+            </a:r>
+          </a:p>
+        </p:txBody>
+      </p:sp>
+    </p:spTree>
+    <p:extLst>
+      <p:ext uri="{BB962C8B-B14F-4D97-AF65-F5344CB8AC3E}">
+        <p14:creationId xmlns:p14="http://schemas.microsoft.com/office/powerpoint/2010/main" val="1059597919"/>
       </p:ext>
     </p:extLst>
   </p:cSld>
@@ -7055,9 +9410,31 @@
             </a:r>
           </a:p>
           <a:p>
+            <a:endParaRPr lang="de-DE" dirty="0"/>
+          </a:p>
+          <a:p>
             <a:pPr lvl="1"/>
             <a:r>
               <a:rPr lang="de-DE" dirty="0"/>
+              <a:t>Jeder </a:t>
+            </a:r>
+            <a:r>
+              <a:rPr lang="de-DE" dirty="0" err="1"/>
+              <a:t>Microservice</a:t>
+            </a:r>
+            <a:r>
+              <a:rPr lang="de-DE" dirty="0"/>
+              <a:t>: eigenständig laufende Anwendung</a:t>
+            </a:r>
+          </a:p>
+          <a:p>
+            <a:pPr lvl="1"/>
+            <a:endParaRPr lang="de-DE" dirty="0"/>
+          </a:p>
+          <a:p>
+            <a:pPr lvl="1"/>
+            <a:r>
+              <a:rPr lang="de-DE" dirty="0"/>
               <a:t>Vollständige Unabhängigkeit</a:t>
             </a:r>
           </a:p>
@@ -7106,53 +9483,6 @@
               <a:rPr lang="de-DE" dirty="0" err="1"/>
               <a:t>Deployment</a:t>
             </a:r>
-            <a:endParaRPr lang="de-DE" dirty="0"/>
-          </a:p>
-          <a:p>
-            <a:pPr lvl="1"/>
-            <a:r>
-              <a:rPr lang="de-DE" dirty="0"/>
-              <a:t>Technik</a:t>
-            </a:r>
-          </a:p>
-          <a:p>
-            <a:pPr lvl="2"/>
-            <a:r>
-              <a:rPr lang="de-DE" dirty="0"/>
-              <a:t>Jeder </a:t>
-            </a:r>
-            <a:r>
-              <a:rPr lang="de-DE" dirty="0" err="1"/>
-              <a:t>Microservice</a:t>
-            </a:r>
-            <a:r>
-              <a:rPr lang="de-DE" dirty="0"/>
-              <a:t>: eigenständige Anwendung</a:t>
-            </a:r>
-          </a:p>
-          <a:p>
-            <a:pPr lvl="2"/>
-            <a:r>
-              <a:rPr lang="de-DE" dirty="0"/>
-              <a:t>Schnittstellen</a:t>
-            </a:r>
-          </a:p>
-          <a:p>
-            <a:pPr lvl="3"/>
-            <a:r>
-              <a:rPr lang="de-DE" dirty="0"/>
-              <a:t>REST/JSON</a:t>
-            </a:r>
-          </a:p>
-          <a:p>
-            <a:pPr lvl="3"/>
-            <a:r>
-              <a:rPr lang="de-DE" dirty="0"/>
-              <a:t>Messages</a:t>
-            </a:r>
-          </a:p>
-          <a:p>
-            <a:pPr lvl="2"/>
             <a:endParaRPr lang="de-DE" dirty="0"/>
           </a:p>
         </p:txBody>
@@ -7160,7 +9490,7 @@
     </p:spTree>
     <p:extLst>
       <p:ext uri="{BB962C8B-B14F-4D97-AF65-F5344CB8AC3E}">
-        <p14:creationId xmlns:p14="http://schemas.microsoft.com/office/powerpoint/2010/main" val="2470449297"/>
+        <p14:creationId xmlns:p14="http://schemas.microsoft.com/office/powerpoint/2010/main" val="2321096448"/>
       </p:ext>
     </p:extLst>
   </p:cSld>
@@ -7241,91 +9571,80 @@
           <a:p>
             <a:r>
               <a:rPr lang="de-DE" dirty="0"/>
-              <a:t>Prinzipien</a:t>
-            </a:r>
-          </a:p>
-          <a:p>
+              <a:t>Technik</a:t>
+            </a:r>
+          </a:p>
+          <a:p>
+            <a:pPr lvl="1"/>
+            <a:r>
+              <a:rPr lang="de-DE" dirty="0"/>
+              <a:t>Schnittstellen</a:t>
+            </a:r>
+          </a:p>
+          <a:p>
+            <a:pPr lvl="2"/>
+            <a:r>
+              <a:rPr lang="de-DE" dirty="0"/>
+              <a:t>REST/JSON</a:t>
+            </a:r>
+          </a:p>
+          <a:p>
+            <a:pPr lvl="2"/>
+            <a:r>
+              <a:rPr lang="de-DE" dirty="0"/>
+              <a:t>Messages</a:t>
+            </a:r>
+          </a:p>
+          <a:p>
+            <a:pPr lvl="2"/>
             <a:endParaRPr lang="de-DE" dirty="0"/>
           </a:p>
           <a:p>
             <a:pPr lvl="1"/>
             <a:r>
               <a:rPr lang="de-DE" dirty="0"/>
-              <a:t>Jeder </a:t>
-            </a:r>
-            <a:r>
-              <a:rPr lang="de-DE" dirty="0" err="1"/>
-              <a:t>Microservice</a:t>
-            </a:r>
-            <a:r>
-              <a:rPr lang="de-DE" dirty="0"/>
-              <a:t>: eigenständig laufende Anwendung</a:t>
-            </a:r>
+              <a:t>Frameworks</a:t>
+            </a:r>
+          </a:p>
+          <a:p>
+            <a:pPr lvl="2"/>
+            <a:r>
+              <a:rPr lang="de-DE" dirty="0"/>
+              <a:t>Java: Spring Boot, </a:t>
+            </a:r>
+            <a:r>
+              <a:rPr lang="de-DE" dirty="0" err="1"/>
+              <a:t>Quarkus</a:t>
+            </a:r>
+            <a:r>
+              <a:rPr lang="de-DE" dirty="0"/>
+              <a:t>, …</a:t>
+            </a:r>
+          </a:p>
+          <a:p>
+            <a:pPr lvl="2"/>
+            <a:endParaRPr lang="de-DE" dirty="0"/>
           </a:p>
           <a:p>
             <a:pPr lvl="1"/>
-            <a:endParaRPr lang="de-DE" dirty="0"/>
-          </a:p>
-          <a:p>
-            <a:pPr lvl="1"/>
-            <a:r>
-              <a:rPr lang="de-DE" dirty="0"/>
-              <a:t>Vollständige Unabhängigkeit</a:t>
-            </a:r>
-          </a:p>
-          <a:p>
-            <a:pPr lvl="2"/>
-            <a:r>
-              <a:rPr lang="de-DE" dirty="0"/>
-              <a:t>Kein </a:t>
-            </a:r>
-            <a:r>
-              <a:rPr lang="de-DE" dirty="0" err="1"/>
-              <a:t>shared</a:t>
-            </a:r>
-            <a:r>
-              <a:rPr lang="de-DE" dirty="0"/>
-              <a:t> </a:t>
-            </a:r>
-            <a:r>
-              <a:rPr lang="de-DE" dirty="0" err="1"/>
-              <a:t>code</a:t>
-            </a:r>
-            <a:endParaRPr lang="de-DE" dirty="0"/>
-          </a:p>
-          <a:p>
-            <a:pPr lvl="2"/>
-            <a:r>
-              <a:rPr lang="de-DE" dirty="0"/>
-              <a:t>Keine gemeinsam genutzte Datenbank</a:t>
-            </a:r>
-          </a:p>
-          <a:p>
-            <a:pPr lvl="2"/>
-            <a:r>
-              <a:rPr lang="de-DE" dirty="0"/>
-              <a:t>Unabhängiges </a:t>
-            </a:r>
-            <a:r>
-              <a:rPr lang="de-DE" dirty="0" err="1"/>
-              <a:t>Build</a:t>
-            </a:r>
-            <a:r>
-              <a:rPr lang="de-DE" dirty="0"/>
-              <a:t>/</a:t>
-            </a:r>
-            <a:r>
-              <a:rPr lang="de-DE" dirty="0" err="1"/>
-              <a:t>Deployment</a:t>
-            </a:r>
-            <a:endParaRPr lang="de-DE" dirty="0"/>
+            <a:r>
+              <a:rPr lang="de-DE" dirty="0"/>
+              <a:t>Kann auch in beliebigen anderen Programmiersprachen realisiert werden</a:t>
+            </a:r>
+          </a:p>
+          <a:p>
+            <a:pPr lvl="2"/>
+            <a:r>
+              <a:rPr lang="de-DE" dirty="0"/>
+              <a:t>C#, JavaScript, Python, …</a:t>
+            </a:r>
           </a:p>
         </p:txBody>
       </p:sp>
     </p:spTree>
     <p:extLst>
       <p:ext uri="{BB962C8B-B14F-4D97-AF65-F5344CB8AC3E}">
-        <p14:creationId xmlns:p14="http://schemas.microsoft.com/office/powerpoint/2010/main" val="2321096448"/>
+        <p14:creationId xmlns:p14="http://schemas.microsoft.com/office/powerpoint/2010/main" val="237707568"/>
       </p:ext>
     </p:extLst>
   </p:cSld>
@@ -7406,80 +9725,52 @@
           <a:p>
             <a:r>
               <a:rPr lang="de-DE" dirty="0"/>
-              <a:t>Technik</a:t>
-            </a:r>
+              <a:t>Praxis-Beispiel</a:t>
+            </a:r>
+          </a:p>
+          <a:p>
+            <a:endParaRPr lang="de-DE" dirty="0"/>
           </a:p>
           <a:p>
             <a:pPr lvl="1"/>
             <a:r>
               <a:rPr lang="de-DE" dirty="0"/>
-              <a:t>Schnittstellen</a:t>
-            </a:r>
-          </a:p>
-          <a:p>
-            <a:pPr lvl="2"/>
-            <a:r>
-              <a:rPr lang="de-DE" dirty="0"/>
-              <a:t>REST/JSON</a:t>
-            </a:r>
-          </a:p>
-          <a:p>
-            <a:pPr lvl="2"/>
-            <a:r>
-              <a:rPr lang="de-DE" dirty="0"/>
-              <a:t>Messages</a:t>
-            </a:r>
-          </a:p>
-          <a:p>
-            <a:pPr lvl="2"/>
+              <a:t>Neue Vertriebsplattform der Deutschen Bahn</a:t>
+            </a:r>
+          </a:p>
+          <a:p>
+            <a:pPr lvl="1"/>
             <a:endParaRPr lang="de-DE" dirty="0"/>
           </a:p>
           <a:p>
             <a:pPr lvl="1"/>
             <a:r>
               <a:rPr lang="de-DE" dirty="0"/>
-              <a:t>Frameworks</a:t>
-            </a:r>
-          </a:p>
-          <a:p>
-            <a:pPr lvl="2"/>
-            <a:r>
-              <a:rPr lang="de-DE" dirty="0"/>
-              <a:t>Java: Spring Boot, </a:t>
-            </a:r>
-            <a:r>
-              <a:rPr lang="de-DE" dirty="0" err="1"/>
-              <a:t>Quarkus</a:t>
-            </a:r>
-            <a:r>
-              <a:rPr lang="de-DE" dirty="0"/>
-              <a:t>, …</a:t>
-            </a:r>
-          </a:p>
-          <a:p>
-            <a:pPr lvl="2"/>
+              <a:t>Ca. 300 Mitarbeiter</a:t>
+            </a:r>
+          </a:p>
+          <a:p>
+            <a:pPr lvl="1"/>
             <a:endParaRPr lang="de-DE" dirty="0"/>
           </a:p>
           <a:p>
             <a:pPr lvl="1"/>
             <a:r>
               <a:rPr lang="de-DE" dirty="0"/>
-              <a:t>Kann auch in beliebigen anderen Programmiersprachen realisiert werden</a:t>
-            </a:r>
-          </a:p>
-          <a:p>
-            <a:pPr lvl="2"/>
-            <a:r>
-              <a:rPr lang="de-DE" dirty="0"/>
-              <a:t>C#, JavaScript, Python, …</a:t>
-            </a:r>
+              <a:t>&gt;100 </a:t>
+            </a:r>
+            <a:r>
+              <a:rPr lang="de-DE" dirty="0" err="1"/>
+              <a:t>Microservices</a:t>
+            </a:r>
+            <a:endParaRPr lang="de-DE" dirty="0"/>
           </a:p>
         </p:txBody>
       </p:sp>
     </p:spTree>
     <p:extLst>
       <p:ext uri="{BB962C8B-B14F-4D97-AF65-F5344CB8AC3E}">
-        <p14:creationId xmlns:p14="http://schemas.microsoft.com/office/powerpoint/2010/main" val="237707568"/>
+        <p14:creationId xmlns:p14="http://schemas.microsoft.com/office/powerpoint/2010/main" val="1063079574"/>
       </p:ext>
     </p:extLst>
   </p:cSld>

--- a/Java-Starter.pptx
+++ b/Java-Starter.pptx
@@ -34,10 +34,17 @@
     <p:sldId id="295" r:id="rId28"/>
     <p:sldId id="293" r:id="rId29"/>
     <p:sldId id="263" r:id="rId30"/>
-    <p:sldId id="264" r:id="rId31"/>
-    <p:sldId id="265" r:id="rId32"/>
-    <p:sldId id="266" r:id="rId33"/>
-    <p:sldId id="267" r:id="rId34"/>
+    <p:sldId id="298" r:id="rId31"/>
+    <p:sldId id="302" r:id="rId32"/>
+    <p:sldId id="303" r:id="rId33"/>
+    <p:sldId id="301" r:id="rId34"/>
+    <p:sldId id="300" r:id="rId35"/>
+    <p:sldId id="297" r:id="rId36"/>
+    <p:sldId id="299" r:id="rId37"/>
+    <p:sldId id="264" r:id="rId38"/>
+    <p:sldId id="265" r:id="rId39"/>
+    <p:sldId id="266" r:id="rId40"/>
+    <p:sldId id="267" r:id="rId41"/>
   </p:sldIdLst>
   <p:sldSz cx="12192000" cy="6858000"/>
   <p:notesSz cx="6858000" cy="9144000"/>
@@ -291,7 +298,7 @@
           <a:p>
             <a:fld id="{D504FEAC-1E62-0E47-82AE-5BB4BD139FFA}" type="datetimeFigureOut">
               <a:rPr lang="de-DE" smtClean="0"/>
-              <a:t>03.04.22</a:t>
+              <a:t>04.04.22</a:t>
             </a:fld>
             <a:endParaRPr lang="de-DE"/>
           </a:p>
@@ -489,7 +496,7 @@
           <a:p>
             <a:fld id="{D504FEAC-1E62-0E47-82AE-5BB4BD139FFA}" type="datetimeFigureOut">
               <a:rPr lang="de-DE" smtClean="0"/>
-              <a:t>03.04.22</a:t>
+              <a:t>04.04.22</a:t>
             </a:fld>
             <a:endParaRPr lang="de-DE"/>
           </a:p>
@@ -697,7 +704,7 @@
           <a:p>
             <a:fld id="{D504FEAC-1E62-0E47-82AE-5BB4BD139FFA}" type="datetimeFigureOut">
               <a:rPr lang="de-DE" smtClean="0"/>
-              <a:t>03.04.22</a:t>
+              <a:t>04.04.22</a:t>
             </a:fld>
             <a:endParaRPr lang="de-DE"/>
           </a:p>
@@ -895,7 +902,7 @@
           <a:p>
             <a:fld id="{D504FEAC-1E62-0E47-82AE-5BB4BD139FFA}" type="datetimeFigureOut">
               <a:rPr lang="de-DE" smtClean="0"/>
-              <a:t>03.04.22</a:t>
+              <a:t>04.04.22</a:t>
             </a:fld>
             <a:endParaRPr lang="de-DE"/>
           </a:p>
@@ -1170,7 +1177,7 @@
           <a:p>
             <a:fld id="{D504FEAC-1E62-0E47-82AE-5BB4BD139FFA}" type="datetimeFigureOut">
               <a:rPr lang="de-DE" smtClean="0"/>
-              <a:t>03.04.22</a:t>
+              <a:t>04.04.22</a:t>
             </a:fld>
             <a:endParaRPr lang="de-DE"/>
           </a:p>
@@ -1435,7 +1442,7 @@
           <a:p>
             <a:fld id="{D504FEAC-1E62-0E47-82AE-5BB4BD139FFA}" type="datetimeFigureOut">
               <a:rPr lang="de-DE" smtClean="0"/>
-              <a:t>03.04.22</a:t>
+              <a:t>04.04.22</a:t>
             </a:fld>
             <a:endParaRPr lang="de-DE"/>
           </a:p>
@@ -1847,7 +1854,7 @@
           <a:p>
             <a:fld id="{D504FEAC-1E62-0E47-82AE-5BB4BD139FFA}" type="datetimeFigureOut">
               <a:rPr lang="de-DE" smtClean="0"/>
-              <a:t>03.04.22</a:t>
+              <a:t>04.04.22</a:t>
             </a:fld>
             <a:endParaRPr lang="de-DE"/>
           </a:p>
@@ -1988,7 +1995,7 @@
           <a:p>
             <a:fld id="{D504FEAC-1E62-0E47-82AE-5BB4BD139FFA}" type="datetimeFigureOut">
               <a:rPr lang="de-DE" smtClean="0"/>
-              <a:t>03.04.22</a:t>
+              <a:t>04.04.22</a:t>
             </a:fld>
             <a:endParaRPr lang="de-DE"/>
           </a:p>
@@ -2101,7 +2108,7 @@
           <a:p>
             <a:fld id="{D504FEAC-1E62-0E47-82AE-5BB4BD139FFA}" type="datetimeFigureOut">
               <a:rPr lang="de-DE" smtClean="0"/>
-              <a:t>03.04.22</a:t>
+              <a:t>04.04.22</a:t>
             </a:fld>
             <a:endParaRPr lang="de-DE"/>
           </a:p>
@@ -2412,7 +2419,7 @@
           <a:p>
             <a:fld id="{D504FEAC-1E62-0E47-82AE-5BB4BD139FFA}" type="datetimeFigureOut">
               <a:rPr lang="de-DE" smtClean="0"/>
-              <a:t>03.04.22</a:t>
+              <a:t>04.04.22</a:t>
             </a:fld>
             <a:endParaRPr lang="de-DE"/>
           </a:p>
@@ -2700,7 +2707,7 @@
           <a:p>
             <a:fld id="{D504FEAC-1E62-0E47-82AE-5BB4BD139FFA}" type="datetimeFigureOut">
               <a:rPr lang="de-DE" smtClean="0"/>
-              <a:t>03.04.22</a:t>
+              <a:t>04.04.22</a:t>
             </a:fld>
             <a:endParaRPr lang="de-DE"/>
           </a:p>
@@ -2941,7 +2948,7 @@
           <a:p>
             <a:fld id="{D504FEAC-1E62-0E47-82AE-5BB4BD139FFA}" type="datetimeFigureOut">
               <a:rPr lang="de-DE" smtClean="0"/>
-              <a:t>03.04.22</a:t>
+              <a:t>04.04.22</a:t>
             </a:fld>
             <a:endParaRPr lang="de-DE"/>
           </a:p>
@@ -8196,106 +8203,92 @@
           <a:p>
             <a:r>
               <a:rPr lang="de-DE" dirty="0"/>
-              <a:t>Thema: Implementierung eines REST-Endpunktes mit Spring Boot</a:t>
+              <a:t>HTTP – das Protokoll des Internets</a:t>
             </a:r>
           </a:p>
           <a:p>
             <a:pPr lvl="1"/>
+            <a:r>
+              <a:rPr lang="de-DE" dirty="0"/>
+              <a:t> zustandsloses Protokoll zur Übertragung von Daten über ein Rechnernetz</a:t>
+            </a:r>
+          </a:p>
+          <a:p>
             <a:r>
               <a:rPr lang="de-DE" dirty="0">
                 <a:cs typeface="Courier New" panose="02070309020205020404" pitchFamily="49" charset="0"/>
               </a:rPr>
-              <a:t>Spring</a:t>
-            </a:r>
-          </a:p>
-          <a:p>
-            <a:pPr lvl="2"/>
+              <a:t>Eng verknüpft mit</a:t>
+            </a:r>
+          </a:p>
+          <a:p>
+            <a:pPr lvl="1"/>
             <a:r>
               <a:rPr lang="de-DE" dirty="0">
                 <a:cs typeface="Courier New" panose="02070309020205020404" pitchFamily="49" charset="0"/>
               </a:rPr>
-              <a:t>Java-Framework zur Implementierung von Enterprise </a:t>
+              <a:t>URLs (URIs)</a:t>
+            </a:r>
+          </a:p>
+          <a:p>
+            <a:pPr lvl="2"/>
+            <a:r>
+              <a:rPr lang="de-DE" dirty="0">
+                <a:cs typeface="Courier New" panose="02070309020205020404" pitchFamily="49" charset="0"/>
+              </a:rPr>
+              <a:t>Identifiziert eine Ressource in Computernetzwerken</a:t>
+            </a:r>
+          </a:p>
+          <a:p>
+            <a:pPr lvl="2"/>
+            <a:r>
+              <a:rPr lang="de-DE" dirty="0">
+                <a:cs typeface="Courier New" panose="02070309020205020404" pitchFamily="49" charset="0"/>
+              </a:rPr>
+              <a:t>Beispiel: </a:t>
+            </a:r>
+            <a:r>
+              <a:rPr lang="de-DE" dirty="0">
+                <a:cs typeface="Courier New" panose="02070309020205020404" pitchFamily="49" charset="0"/>
+                <a:hlinkClick r:id="rId2"/>
+              </a:rPr>
+              <a:t>http://localhost:8080/hello.html</a:t>
+            </a:r>
+            <a:endParaRPr lang="de-DE" dirty="0">
+              <a:cs typeface="Courier New" panose="02070309020205020404" pitchFamily="49" charset="0"/>
+            </a:endParaRPr>
+          </a:p>
+          <a:p>
+            <a:pPr lvl="1"/>
+            <a:r>
+              <a:rPr lang="de-DE" dirty="0">
+                <a:cs typeface="Courier New" panose="02070309020205020404" pitchFamily="49" charset="0"/>
+              </a:rPr>
+              <a:t>HTML</a:t>
+            </a:r>
+          </a:p>
+          <a:p>
+            <a:pPr lvl="2"/>
+            <a:r>
+              <a:rPr lang="de-DE" dirty="0">
+                <a:cs typeface="Courier New" panose="02070309020205020404" pitchFamily="49" charset="0"/>
+              </a:rPr>
+              <a:t>Auszeichnungssprache zur Strukturierung elektronischer Dokumente wie Texte mit Hyperlinks, Bildern und anderen Inhalten</a:t>
+            </a:r>
+          </a:p>
+          <a:p>
+            <a:pPr lvl="2"/>
+            <a:r>
+              <a:rPr lang="de-DE" dirty="0">
+                <a:cs typeface="Courier New" panose="02070309020205020404" pitchFamily="49" charset="0"/>
+              </a:rPr>
+              <a:t> Beispiel: </a:t>
             </a:r>
             <a:r>
               <a:rPr lang="de-DE" dirty="0" err="1">
                 <a:cs typeface="Courier New" panose="02070309020205020404" pitchFamily="49" charset="0"/>
               </a:rPr>
-              <a:t>Applications</a:t>
-            </a:r>
-            <a:endParaRPr lang="de-DE" dirty="0">
-              <a:cs typeface="Courier New" panose="02070309020205020404" pitchFamily="49" charset="0"/>
-            </a:endParaRPr>
-          </a:p>
-          <a:p>
-            <a:pPr lvl="2"/>
-            <a:r>
-              <a:rPr lang="de-DE" dirty="0">
-                <a:cs typeface="Courier New" panose="02070309020205020404" pitchFamily="49" charset="0"/>
-              </a:rPr>
-              <a:t>Kern: Framework für </a:t>
-            </a:r>
-            <a:r>
-              <a:rPr lang="de-DE" dirty="0" err="1">
-                <a:cs typeface="Courier New" panose="02070309020205020404" pitchFamily="49" charset="0"/>
-              </a:rPr>
-              <a:t>Dependency</a:t>
-            </a:r>
-            <a:r>
-              <a:rPr lang="de-DE" dirty="0">
-                <a:cs typeface="Courier New" panose="02070309020205020404" pitchFamily="49" charset="0"/>
-              </a:rPr>
-              <a:t> </a:t>
-            </a:r>
-            <a:r>
-              <a:rPr lang="de-DE" dirty="0" err="1">
-                <a:cs typeface="Courier New" panose="02070309020205020404" pitchFamily="49" charset="0"/>
-              </a:rPr>
-              <a:t>Injection</a:t>
-            </a:r>
-            <a:endParaRPr lang="de-DE" dirty="0">
-              <a:cs typeface="Courier New" panose="02070309020205020404" pitchFamily="49" charset="0"/>
-            </a:endParaRPr>
-          </a:p>
-          <a:p>
-            <a:pPr lvl="2"/>
-            <a:r>
-              <a:rPr lang="de-DE" dirty="0">
-                <a:cs typeface="Courier New" panose="02070309020205020404" pitchFamily="49" charset="0"/>
-              </a:rPr>
-              <a:t>Sehr umfangreich</a:t>
-            </a:r>
-          </a:p>
-          <a:p>
-            <a:pPr lvl="1"/>
-            <a:r>
-              <a:rPr lang="de-DE" dirty="0">
-                <a:cs typeface="Courier New" panose="02070309020205020404" pitchFamily="49" charset="0"/>
-              </a:rPr>
-              <a:t>Spring Boot</a:t>
-            </a:r>
-          </a:p>
-          <a:p>
-            <a:pPr lvl="2"/>
-            <a:r>
-              <a:rPr lang="de-DE" dirty="0">
-                <a:cs typeface="Courier New" panose="02070309020205020404" pitchFamily="49" charset="0"/>
-              </a:rPr>
-              <a:t>Vereinfachte Konfiguration von Spring-Anwendungen (vordefinierte Starter)</a:t>
-            </a:r>
-          </a:p>
-          <a:p>
-            <a:pPr lvl="2"/>
-            <a:r>
-              <a:rPr lang="de-DE" dirty="0">
-                <a:cs typeface="Courier New" panose="02070309020205020404" pitchFamily="49" charset="0"/>
-              </a:rPr>
-              <a:t>Sehr beliebt zur Implementierung von </a:t>
-            </a:r>
-            <a:r>
-              <a:rPr lang="de-DE" dirty="0" err="1">
-                <a:cs typeface="Courier New" panose="02070309020205020404" pitchFamily="49" charset="0"/>
-              </a:rPr>
-              <a:t>Microservices</a:t>
+              <a:t>hello.html</a:t>
             </a:r>
             <a:endParaRPr lang="de-DE" dirty="0">
               <a:cs typeface="Courier New" panose="02070309020205020404" pitchFamily="49" charset="0"/>
@@ -8532,7 +8525,7 @@
             </a:r>
             <a:r>
               <a:rPr lang="de-DE" dirty="0"/>
-              <a:t> 70</a:t>
+              <a:t> 60</a:t>
             </a:r>
           </a:p>
         </p:txBody>
@@ -8555,28 +8548,51 @@
         </p:nvSpPr>
         <p:spPr/>
         <p:txBody>
-          <a:bodyPr/>
-          <a:lstStyle/>
-          <a:p>
-            <a:r>
-              <a:rPr lang="de-DE" dirty="0"/>
-              <a:t>Thema: </a:t>
-            </a:r>
-            <a:r>
-              <a:rPr lang="de-DE" dirty="0" err="1"/>
-              <a:t>Dependency</a:t>
-            </a:r>
-            <a:r>
-              <a:rPr lang="de-DE" dirty="0"/>
-              <a:t> </a:t>
-            </a:r>
-            <a:r>
-              <a:rPr lang="de-DE" dirty="0" err="1"/>
-              <a:t>Injection</a:t>
-            </a:r>
-            <a:r>
-              <a:rPr lang="de-DE" dirty="0"/>
-              <a:t> mit Spring</a:t>
+          <a:bodyPr>
+            <a:normAutofit/>
+          </a:bodyPr>
+          <a:lstStyle/>
+          <a:p>
+            <a:r>
+              <a:rPr lang="de-DE" dirty="0"/>
+              <a:t>REST-Endpunkt</a:t>
+            </a:r>
+          </a:p>
+          <a:p>
+            <a:pPr lvl="1"/>
+            <a:r>
+              <a:rPr lang="de-DE" dirty="0"/>
+              <a:t>Schnittstelle eines </a:t>
+            </a:r>
+            <a:r>
+              <a:rPr lang="de-DE" dirty="0" err="1"/>
+              <a:t>Microservices</a:t>
+            </a:r>
+            <a:r>
+              <a:rPr lang="de-DE" dirty="0"/>
+              <a:t>, über die Funktionen des </a:t>
+            </a:r>
+            <a:r>
+              <a:rPr lang="de-DE" dirty="0" err="1"/>
+              <a:t>Microservice</a:t>
+            </a:r>
+            <a:r>
+              <a:rPr lang="de-DE" dirty="0"/>
+              <a:t> aufgerufen werden können</a:t>
+            </a:r>
+          </a:p>
+          <a:p>
+            <a:pPr lvl="1"/>
+            <a:r>
+              <a:rPr lang="de-DE" dirty="0"/>
+              <a:t>Basierend auf dem HTTP-Protokoll</a:t>
+            </a:r>
+          </a:p>
+          <a:p>
+            <a:pPr lvl="1"/>
+            <a:r>
+              <a:rPr lang="de-DE" dirty="0"/>
+              <a:t>Codierung der Daten als JSON</a:t>
             </a:r>
           </a:p>
         </p:txBody>
@@ -8584,7 +8600,7 @@
     </p:spTree>
     <p:extLst>
       <p:ext uri="{BB962C8B-B14F-4D97-AF65-F5344CB8AC3E}">
-        <p14:creationId xmlns:p14="http://schemas.microsoft.com/office/powerpoint/2010/main" val="2804024451"/>
+        <p14:creationId xmlns:p14="http://schemas.microsoft.com/office/powerpoint/2010/main" val="254585829"/>
       </p:ext>
     </p:extLst>
   </p:cSld>
@@ -8638,7 +8654,7 @@
             </a:r>
             <a:r>
               <a:rPr lang="de-DE" dirty="0"/>
-              <a:t> 80</a:t>
+              <a:t> 60</a:t>
             </a:r>
           </a:p>
         </p:txBody>
@@ -8661,36 +8677,78 @@
         </p:nvSpPr>
         <p:spPr/>
         <p:txBody>
-          <a:bodyPr/>
-          <a:lstStyle/>
-          <a:p>
-            <a:r>
-              <a:rPr lang="de-DE" dirty="0"/>
-              <a:t>Thema: Testen mit Mocks</a:t>
+          <a:bodyPr>
+            <a:normAutofit/>
+          </a:bodyPr>
+          <a:lstStyle/>
+          <a:p>
+            <a:r>
+              <a:rPr lang="de-DE" dirty="0"/>
+              <a:t>REST-Endpunkt</a:t>
             </a:r>
           </a:p>
           <a:p>
             <a:pPr lvl="1"/>
             <a:r>
-              <a:rPr lang="de-DE" dirty="0" err="1"/>
-              <a:t>Mockito</a:t>
-            </a:r>
-            <a:r>
-              <a:rPr lang="de-DE" dirty="0"/>
-              <a:t>: Bibliothek zum Erstellen von Mock-Objekten </a:t>
-            </a:r>
-            <a:r>
-              <a:rPr lang="de-DE"/>
-              <a:t>in Unit-Tests</a:t>
-            </a:r>
-            <a:endParaRPr lang="de-DE" dirty="0"/>
+              <a:rPr lang="de-DE" dirty="0"/>
+              <a:t>Aufruf</a:t>
+            </a:r>
+          </a:p>
+          <a:p>
+            <a:pPr lvl="2"/>
+            <a:r>
+              <a:rPr lang="de-DE" dirty="0"/>
+              <a:t>Methode (POST, PUT, GET, DELETE)</a:t>
+            </a:r>
+          </a:p>
+          <a:p>
+            <a:pPr lvl="2"/>
+            <a:r>
+              <a:rPr lang="de-DE" dirty="0"/>
+              <a:t>URL</a:t>
+            </a:r>
+          </a:p>
+          <a:p>
+            <a:pPr lvl="2"/>
+            <a:r>
+              <a:rPr lang="de-DE" dirty="0"/>
+              <a:t>Request-Header</a:t>
+            </a:r>
+          </a:p>
+          <a:p>
+            <a:pPr lvl="3"/>
+            <a:r>
+              <a:rPr lang="de-DE" dirty="0"/>
+              <a:t>Steuer-Parameter/Meta-Informationen, z. B. Format, Zeichensatz</a:t>
+            </a:r>
+          </a:p>
+          <a:p>
+            <a:pPr lvl="2"/>
+            <a:r>
+              <a:rPr lang="de-DE" dirty="0"/>
+              <a:t>Request-Body</a:t>
+            </a:r>
+          </a:p>
+          <a:p>
+            <a:pPr lvl="3"/>
+            <a:r>
+              <a:rPr lang="de-DE" dirty="0"/>
+              <a:t>Eingabe-Daten</a:t>
+            </a:r>
+          </a:p>
+          <a:p>
+            <a:pPr lvl="3"/>
+            <a:r>
+              <a:rPr lang="de-DE" dirty="0"/>
+              <a:t>JSON-Format</a:t>
+            </a:r>
           </a:p>
         </p:txBody>
       </p:sp>
     </p:spTree>
     <p:extLst>
       <p:ext uri="{BB962C8B-B14F-4D97-AF65-F5344CB8AC3E}">
-        <p14:creationId xmlns:p14="http://schemas.microsoft.com/office/powerpoint/2010/main" val="1609070468"/>
+        <p14:creationId xmlns:p14="http://schemas.microsoft.com/office/powerpoint/2010/main" val="3155125537"/>
       </p:ext>
     </p:extLst>
   </p:cSld>
@@ -8744,7 +8802,7 @@
             </a:r>
             <a:r>
               <a:rPr lang="de-DE" dirty="0"/>
-              <a:t> 90</a:t>
+              <a:t> 60</a:t>
             </a:r>
           </a:p>
         </p:txBody>
@@ -8767,20 +8825,65 @@
         </p:nvSpPr>
         <p:spPr/>
         <p:txBody>
-          <a:bodyPr/>
-          <a:lstStyle/>
-          <a:p>
-            <a:r>
-              <a:rPr lang="de-DE" dirty="0"/>
-              <a:t>Thema: Persistenz mit Spring Data</a:t>
-            </a:r>
+          <a:bodyPr>
+            <a:normAutofit/>
+          </a:bodyPr>
+          <a:lstStyle/>
+          <a:p>
+            <a:r>
+              <a:rPr lang="de-DE" dirty="0"/>
+              <a:t>REST-Endpunkt</a:t>
+            </a:r>
+          </a:p>
+          <a:p>
+            <a:pPr lvl="1"/>
+            <a:r>
+              <a:rPr lang="de-DE" dirty="0"/>
+              <a:t>Ergebnis</a:t>
+            </a:r>
+          </a:p>
+          <a:p>
+            <a:pPr lvl="2"/>
+            <a:r>
+              <a:rPr lang="de-DE" dirty="0"/>
+              <a:t>Response-Header</a:t>
+            </a:r>
+          </a:p>
+          <a:p>
+            <a:pPr lvl="3"/>
+            <a:r>
+              <a:rPr lang="de-DE" dirty="0"/>
+              <a:t>Steuer-Parameter/Meta-Informationen, z. B. Format, Zeichensatz</a:t>
+            </a:r>
+          </a:p>
+          <a:p>
+            <a:pPr lvl="2"/>
+            <a:r>
+              <a:rPr lang="de-DE" dirty="0"/>
+              <a:t>Request-Body</a:t>
+            </a:r>
+          </a:p>
+          <a:p>
+            <a:pPr lvl="3"/>
+            <a:r>
+              <a:rPr lang="de-DE" dirty="0"/>
+              <a:t>Ausgabe-Daten</a:t>
+            </a:r>
+          </a:p>
+          <a:p>
+            <a:pPr lvl="3"/>
+            <a:r>
+              <a:rPr lang="de-DE"/>
+              <a:t>JSON-Format</a:t>
+            </a:r>
+            <a:endParaRPr lang="de-DE" dirty="0"/>
           </a:p>
         </p:txBody>
       </p:sp>
     </p:spTree>
     <p:extLst>
       <p:ext uri="{BB962C8B-B14F-4D97-AF65-F5344CB8AC3E}">
-        <p14:creationId xmlns:p14="http://schemas.microsoft.com/office/powerpoint/2010/main" val="3263348999"/>
+        <p14:creationId xmlns:p14="http://schemas.microsoft.com/office/powerpoint/2010/main" val="3667401884"/>
       </p:ext>
     </p:extLst>
   </p:cSld>
@@ -8834,7 +8937,7 @@
             </a:r>
             <a:r>
               <a:rPr lang="de-DE" dirty="0"/>
-              <a:t> 100</a:t>
+              <a:t> 60</a:t>
             </a:r>
           </a:p>
         </p:txBody>
@@ -8862,7 +8965,143 @@
           <a:p>
             <a:r>
               <a:rPr lang="de-DE" dirty="0"/>
-              <a:t>Thema: Service als Docker-Container</a:t>
+              <a:t>Typische Methoden für REST-Endpunkt</a:t>
+            </a:r>
+          </a:p>
+          <a:p>
+            <a:pPr lvl="1"/>
+            <a:r>
+              <a:rPr lang="de-DE" dirty="0"/>
+              <a:t>POST /</a:t>
+            </a:r>
+            <a:r>
+              <a:rPr lang="de-DE" dirty="0" err="1"/>
+              <a:t>api</a:t>
+            </a:r>
+            <a:r>
+              <a:rPr lang="de-DE" dirty="0"/>
+              <a:t>/</a:t>
+            </a:r>
+            <a:r>
+              <a:rPr lang="de-DE" dirty="0" err="1"/>
+              <a:t>person</a:t>
+            </a:r>
+            <a:endParaRPr lang="de-DE" dirty="0"/>
+          </a:p>
+          <a:p>
+            <a:pPr lvl="2"/>
+            <a:r>
+              <a:rPr lang="de-DE" dirty="0"/>
+              <a:t>Erzeugt Person</a:t>
+            </a:r>
+          </a:p>
+          <a:p>
+            <a:pPr lvl="2"/>
+            <a:r>
+              <a:rPr lang="de-DE" dirty="0"/>
+              <a:t>Liefert ID</a:t>
+            </a:r>
+          </a:p>
+          <a:p>
+            <a:pPr lvl="1"/>
+            <a:r>
+              <a:rPr lang="de-DE" dirty="0"/>
+              <a:t>PUT /</a:t>
+            </a:r>
+            <a:r>
+              <a:rPr lang="de-DE" dirty="0" err="1"/>
+              <a:t>api</a:t>
+            </a:r>
+            <a:r>
+              <a:rPr lang="de-DE" dirty="0"/>
+              <a:t>/</a:t>
+            </a:r>
+            <a:r>
+              <a:rPr lang="de-DE" dirty="0" err="1"/>
+              <a:t>person</a:t>
+            </a:r>
+            <a:r>
+              <a:rPr lang="de-DE" dirty="0"/>
+              <a:t>/{ID}</a:t>
+            </a:r>
+          </a:p>
+          <a:p>
+            <a:pPr lvl="2"/>
+            <a:r>
+              <a:rPr lang="de-DE" dirty="0"/>
+              <a:t>Ändert Person</a:t>
+            </a:r>
+          </a:p>
+          <a:p>
+            <a:pPr lvl="1"/>
+            <a:r>
+              <a:rPr lang="de-DE" dirty="0"/>
+              <a:t>GET /</a:t>
+            </a:r>
+            <a:r>
+              <a:rPr lang="de-DE" dirty="0" err="1"/>
+              <a:t>api</a:t>
+            </a:r>
+            <a:r>
+              <a:rPr lang="de-DE" dirty="0"/>
+              <a:t>/</a:t>
+            </a:r>
+            <a:r>
+              <a:rPr lang="de-DE" dirty="0" err="1"/>
+              <a:t>person</a:t>
+            </a:r>
+            <a:r>
+              <a:rPr lang="de-DE" dirty="0"/>
+              <a:t>/{ID}</a:t>
+            </a:r>
+          </a:p>
+          <a:p>
+            <a:pPr lvl="2"/>
+            <a:r>
+              <a:rPr lang="de-DE" dirty="0"/>
+              <a:t>Holt Person</a:t>
+            </a:r>
+          </a:p>
+          <a:p>
+            <a:pPr lvl="1"/>
+            <a:r>
+              <a:rPr lang="de-DE" dirty="0"/>
+              <a:t>GET /</a:t>
+            </a:r>
+            <a:r>
+              <a:rPr lang="de-DE" dirty="0" err="1"/>
+              <a:t>api</a:t>
+            </a:r>
+            <a:r>
+              <a:rPr lang="de-DE" dirty="0"/>
+              <a:t>/</a:t>
+            </a:r>
+            <a:r>
+              <a:rPr lang="de-DE" dirty="0" err="1"/>
+              <a:t>person</a:t>
+            </a:r>
+            <a:endParaRPr lang="de-DE" dirty="0"/>
+          </a:p>
+          <a:p>
+            <a:pPr lvl="2"/>
+            <a:r>
+              <a:rPr lang="de-DE" dirty="0"/>
+              <a:t>Holt </a:t>
+            </a:r>
+            <a:r>
+              <a:rPr lang="de-DE" b="1" dirty="0"/>
+              <a:t>alle</a:t>
+            </a:r>
+            <a:r>
+              <a:rPr lang="de-DE" dirty="0"/>
+              <a:t> Personen</a:t>
+            </a:r>
+          </a:p>
+          <a:p>
+            <a:pPr lvl="2"/>
+            <a:r>
+              <a:rPr lang="de-DE" dirty="0"/>
+              <a:t>Und wenn das sehr viele sind (Millionen)?</a:t>
             </a:r>
           </a:p>
         </p:txBody>
@@ -8870,7 +9109,765 @@
     </p:spTree>
     <p:extLst>
       <p:ext uri="{BB962C8B-B14F-4D97-AF65-F5344CB8AC3E}">
-        <p14:creationId xmlns:p14="http://schemas.microsoft.com/office/powerpoint/2010/main" val="1059597919"/>
+        <p14:creationId xmlns:p14="http://schemas.microsoft.com/office/powerpoint/2010/main" val="213345787"/>
+      </p:ext>
+    </p:extLst>
+  </p:cSld>
+  <p:clrMapOvr>
+    <a:masterClrMapping/>
+  </p:clrMapOvr>
+</p:sld>
+</file>
+
+<file path=ppt/slides/slide34.xml><?xml version="1.0" encoding="utf-8"?>
+<p:sld xmlns:a="http://schemas.openxmlformats.org/drawingml/2006/main" xmlns:r="http://schemas.openxmlformats.org/officeDocument/2006/relationships" xmlns:p="http://schemas.openxmlformats.org/presentationml/2006/main">
+  <p:cSld>
+    <p:spTree>
+      <p:nvGrpSpPr>
+        <p:cNvPr id="1" name=""/>
+        <p:cNvGrpSpPr/>
+        <p:nvPr/>
+      </p:nvGrpSpPr>
+      <p:grpSpPr>
+        <a:xfrm>
+          <a:off x="0" y="0"/>
+          <a:ext cx="0" cy="0"/>
+          <a:chOff x="0" y="0"/>
+          <a:chExt cx="0" cy="0"/>
+        </a:xfrm>
+      </p:grpSpPr>
+      <p:sp>
+        <p:nvSpPr>
+          <p:cNvPr id="2" name="Titel 1">
+            <a:extLst>
+              <a:ext uri="{FF2B5EF4-FFF2-40B4-BE49-F238E27FC236}">
+                <a16:creationId xmlns:a16="http://schemas.microsoft.com/office/drawing/2014/main" id="{0EC7A146-A8F2-A844-9033-A0ACC828AF47}"/>
+              </a:ext>
+            </a:extLst>
+          </p:cNvPr>
+          <p:cNvSpPr>
+            <a:spLocks noGrp="1"/>
+          </p:cNvSpPr>
+          <p:nvPr>
+            <p:ph type="title"/>
+          </p:nvPr>
+        </p:nvSpPr>
+        <p:spPr/>
+        <p:txBody>
+          <a:bodyPr/>
+          <a:lstStyle/>
+          <a:p>
+            <a:r>
+              <a:rPr lang="de-DE" dirty="0" err="1"/>
+              <a:t>Step</a:t>
+            </a:r>
+            <a:r>
+              <a:rPr lang="de-DE" dirty="0"/>
+              <a:t> 60</a:t>
+            </a:r>
+          </a:p>
+        </p:txBody>
+      </p:sp>
+      <p:sp>
+        <p:nvSpPr>
+          <p:cNvPr id="3" name="Inhaltsplatzhalter 2">
+            <a:extLst>
+              <a:ext uri="{FF2B5EF4-FFF2-40B4-BE49-F238E27FC236}">
+                <a16:creationId xmlns:a16="http://schemas.microsoft.com/office/drawing/2014/main" id="{2A5EBA90-6155-FD45-A74C-ECC42BCA72DF}"/>
+              </a:ext>
+            </a:extLst>
+          </p:cNvPr>
+          <p:cNvSpPr>
+            <a:spLocks noGrp="1"/>
+          </p:cNvSpPr>
+          <p:nvPr>
+            <p:ph idx="1"/>
+          </p:nvPr>
+        </p:nvSpPr>
+        <p:spPr/>
+        <p:txBody>
+          <a:bodyPr/>
+          <a:lstStyle/>
+          <a:p>
+            <a:r>
+              <a:rPr lang="de-DE" dirty="0"/>
+              <a:t>Thema: Implementierung eines REST-Endpunktes mit Spring Boot</a:t>
+            </a:r>
+          </a:p>
+          <a:p>
+            <a:pPr lvl="1"/>
+            <a:r>
+              <a:rPr lang="de-DE" dirty="0">
+                <a:cs typeface="Courier New" panose="02070309020205020404" pitchFamily="49" charset="0"/>
+              </a:rPr>
+              <a:t>Spring</a:t>
+            </a:r>
+          </a:p>
+          <a:p>
+            <a:pPr lvl="2"/>
+            <a:r>
+              <a:rPr lang="de-DE" dirty="0">
+                <a:cs typeface="Courier New" panose="02070309020205020404" pitchFamily="49" charset="0"/>
+              </a:rPr>
+              <a:t>Java-Framework zur Implementierung von Enterprise </a:t>
+            </a:r>
+            <a:r>
+              <a:rPr lang="de-DE" dirty="0" err="1">
+                <a:cs typeface="Courier New" panose="02070309020205020404" pitchFamily="49" charset="0"/>
+              </a:rPr>
+              <a:t>Applications</a:t>
+            </a:r>
+            <a:endParaRPr lang="de-DE" dirty="0">
+              <a:cs typeface="Courier New" panose="02070309020205020404" pitchFamily="49" charset="0"/>
+            </a:endParaRPr>
+          </a:p>
+          <a:p>
+            <a:pPr lvl="2"/>
+            <a:r>
+              <a:rPr lang="de-DE" dirty="0">
+                <a:cs typeface="Courier New" panose="02070309020205020404" pitchFamily="49" charset="0"/>
+              </a:rPr>
+              <a:t>Kern (Spring </a:t>
+            </a:r>
+            <a:r>
+              <a:rPr lang="de-DE">
+                <a:cs typeface="Courier New" panose="02070309020205020404" pitchFamily="49" charset="0"/>
+              </a:rPr>
+              <a:t>core): </a:t>
+            </a:r>
+            <a:r>
+              <a:rPr lang="de-DE" dirty="0">
+                <a:cs typeface="Courier New" panose="02070309020205020404" pitchFamily="49" charset="0"/>
+              </a:rPr>
+              <a:t>Framework für </a:t>
+            </a:r>
+            <a:r>
+              <a:rPr lang="de-DE" dirty="0" err="1">
+                <a:cs typeface="Courier New" panose="02070309020205020404" pitchFamily="49" charset="0"/>
+              </a:rPr>
+              <a:t>Dependency</a:t>
+            </a:r>
+            <a:r>
+              <a:rPr lang="de-DE" dirty="0">
+                <a:cs typeface="Courier New" panose="02070309020205020404" pitchFamily="49" charset="0"/>
+              </a:rPr>
+              <a:t> </a:t>
+            </a:r>
+            <a:r>
+              <a:rPr lang="de-DE" dirty="0" err="1">
+                <a:cs typeface="Courier New" panose="02070309020205020404" pitchFamily="49" charset="0"/>
+              </a:rPr>
+              <a:t>Injection</a:t>
+            </a:r>
+            <a:endParaRPr lang="de-DE" dirty="0">
+              <a:cs typeface="Courier New" panose="02070309020205020404" pitchFamily="49" charset="0"/>
+            </a:endParaRPr>
+          </a:p>
+          <a:p>
+            <a:pPr lvl="2"/>
+            <a:r>
+              <a:rPr lang="de-DE" dirty="0">
+                <a:cs typeface="Courier New" panose="02070309020205020404" pitchFamily="49" charset="0"/>
+              </a:rPr>
+              <a:t>Sehr umfangreich</a:t>
+            </a:r>
+          </a:p>
+          <a:p>
+            <a:pPr lvl="1"/>
+            <a:r>
+              <a:rPr lang="de-DE" dirty="0">
+                <a:cs typeface="Courier New" panose="02070309020205020404" pitchFamily="49" charset="0"/>
+              </a:rPr>
+              <a:t>Spring Boot</a:t>
+            </a:r>
+          </a:p>
+          <a:p>
+            <a:pPr lvl="2"/>
+            <a:r>
+              <a:rPr lang="de-DE" dirty="0">
+                <a:cs typeface="Courier New" panose="02070309020205020404" pitchFamily="49" charset="0"/>
+              </a:rPr>
+              <a:t>Vereinfachte Konfiguration von Spring-Anwendungen (vordefinierte Starter)</a:t>
+            </a:r>
+          </a:p>
+          <a:p>
+            <a:pPr lvl="2"/>
+            <a:r>
+              <a:rPr lang="de-DE" dirty="0">
+                <a:cs typeface="Courier New" panose="02070309020205020404" pitchFamily="49" charset="0"/>
+              </a:rPr>
+              <a:t>Sehr beliebt zur Implementierung von </a:t>
+            </a:r>
+            <a:r>
+              <a:rPr lang="de-DE" dirty="0" err="1">
+                <a:cs typeface="Courier New" panose="02070309020205020404" pitchFamily="49" charset="0"/>
+              </a:rPr>
+              <a:t>Microservices</a:t>
+            </a:r>
+            <a:endParaRPr lang="de-DE" dirty="0">
+              <a:cs typeface="Courier New" panose="02070309020205020404" pitchFamily="49" charset="0"/>
+            </a:endParaRPr>
+          </a:p>
+        </p:txBody>
+      </p:sp>
+    </p:spTree>
+    <p:extLst>
+      <p:ext uri="{BB962C8B-B14F-4D97-AF65-F5344CB8AC3E}">
+        <p14:creationId xmlns:p14="http://schemas.microsoft.com/office/powerpoint/2010/main" val="192711415"/>
+      </p:ext>
+    </p:extLst>
+  </p:cSld>
+  <p:clrMapOvr>
+    <a:masterClrMapping/>
+  </p:clrMapOvr>
+</p:sld>
+</file>
+
+<file path=ppt/slides/slide35.xml><?xml version="1.0" encoding="utf-8"?>
+<p:sld xmlns:a="http://schemas.openxmlformats.org/drawingml/2006/main" xmlns:r="http://schemas.openxmlformats.org/officeDocument/2006/relationships" xmlns:p="http://schemas.openxmlformats.org/presentationml/2006/main">
+  <p:cSld>
+    <p:spTree>
+      <p:nvGrpSpPr>
+        <p:cNvPr id="1" name=""/>
+        <p:cNvGrpSpPr/>
+        <p:nvPr/>
+      </p:nvGrpSpPr>
+      <p:grpSpPr>
+        <a:xfrm>
+          <a:off x="0" y="0"/>
+          <a:ext cx="0" cy="0"/>
+          <a:chOff x="0" y="0"/>
+          <a:chExt cx="0" cy="0"/>
+        </a:xfrm>
+      </p:grpSpPr>
+      <p:sp>
+        <p:nvSpPr>
+          <p:cNvPr id="2" name="Titel 1">
+            <a:extLst>
+              <a:ext uri="{FF2B5EF4-FFF2-40B4-BE49-F238E27FC236}">
+                <a16:creationId xmlns:a16="http://schemas.microsoft.com/office/drawing/2014/main" id="{0EC7A146-A8F2-A844-9033-A0ACC828AF47}"/>
+              </a:ext>
+            </a:extLst>
+          </p:cNvPr>
+          <p:cNvSpPr>
+            <a:spLocks noGrp="1"/>
+          </p:cNvSpPr>
+          <p:nvPr>
+            <p:ph type="title"/>
+          </p:nvPr>
+        </p:nvSpPr>
+        <p:spPr/>
+        <p:txBody>
+          <a:bodyPr/>
+          <a:lstStyle/>
+          <a:p>
+            <a:r>
+              <a:rPr lang="de-DE" dirty="0" err="1"/>
+              <a:t>Step</a:t>
+            </a:r>
+            <a:r>
+              <a:rPr lang="de-DE" dirty="0"/>
+              <a:t> 65</a:t>
+            </a:r>
+          </a:p>
+        </p:txBody>
+      </p:sp>
+      <p:sp>
+        <p:nvSpPr>
+          <p:cNvPr id="3" name="Inhaltsplatzhalter 2">
+            <a:extLst>
+              <a:ext uri="{FF2B5EF4-FFF2-40B4-BE49-F238E27FC236}">
+                <a16:creationId xmlns:a16="http://schemas.microsoft.com/office/drawing/2014/main" id="{2A5EBA90-6155-FD45-A74C-ECC42BCA72DF}"/>
+              </a:ext>
+            </a:extLst>
+          </p:cNvPr>
+          <p:cNvSpPr>
+            <a:spLocks noGrp="1"/>
+          </p:cNvSpPr>
+          <p:nvPr>
+            <p:ph idx="1"/>
+          </p:nvPr>
+        </p:nvSpPr>
+        <p:spPr/>
+        <p:txBody>
+          <a:bodyPr/>
+          <a:lstStyle/>
+          <a:p>
+            <a:r>
+              <a:rPr lang="de-DE" dirty="0"/>
+              <a:t>Thema: REST-Endpunkt mit Pfad-Variable</a:t>
+            </a:r>
+          </a:p>
+        </p:txBody>
+      </p:sp>
+    </p:spTree>
+    <p:extLst>
+      <p:ext uri="{BB962C8B-B14F-4D97-AF65-F5344CB8AC3E}">
+        <p14:creationId xmlns:p14="http://schemas.microsoft.com/office/powerpoint/2010/main" val="1108630757"/>
+      </p:ext>
+    </p:extLst>
+  </p:cSld>
+  <p:clrMapOvr>
+    <a:masterClrMapping/>
+  </p:clrMapOvr>
+</p:sld>
+</file>
+
+<file path=ppt/slides/slide36.xml><?xml version="1.0" encoding="utf-8"?>
+<p:sld xmlns:a="http://schemas.openxmlformats.org/drawingml/2006/main" xmlns:r="http://schemas.openxmlformats.org/officeDocument/2006/relationships" xmlns:p="http://schemas.openxmlformats.org/presentationml/2006/main">
+  <p:cSld>
+    <p:spTree>
+      <p:nvGrpSpPr>
+        <p:cNvPr id="1" name=""/>
+        <p:cNvGrpSpPr/>
+        <p:nvPr/>
+      </p:nvGrpSpPr>
+      <p:grpSpPr>
+        <a:xfrm>
+          <a:off x="0" y="0"/>
+          <a:ext cx="0" cy="0"/>
+          <a:chOff x="0" y="0"/>
+          <a:chExt cx="0" cy="0"/>
+        </a:xfrm>
+      </p:grpSpPr>
+      <p:sp>
+        <p:nvSpPr>
+          <p:cNvPr id="2" name="Titel 1">
+            <a:extLst>
+              <a:ext uri="{FF2B5EF4-FFF2-40B4-BE49-F238E27FC236}">
+                <a16:creationId xmlns:a16="http://schemas.microsoft.com/office/drawing/2014/main" id="{0EC7A146-A8F2-A844-9033-A0ACC828AF47}"/>
+              </a:ext>
+            </a:extLst>
+          </p:cNvPr>
+          <p:cNvSpPr>
+            <a:spLocks noGrp="1"/>
+          </p:cNvSpPr>
+          <p:nvPr>
+            <p:ph type="title"/>
+          </p:nvPr>
+        </p:nvSpPr>
+        <p:spPr/>
+        <p:txBody>
+          <a:bodyPr/>
+          <a:lstStyle/>
+          <a:p>
+            <a:r>
+              <a:rPr lang="de-DE" dirty="0" err="1"/>
+              <a:t>Step</a:t>
+            </a:r>
+            <a:r>
+              <a:rPr lang="de-DE" dirty="0"/>
+              <a:t> 65</a:t>
+            </a:r>
+          </a:p>
+        </p:txBody>
+      </p:sp>
+      <p:sp>
+        <p:nvSpPr>
+          <p:cNvPr id="3" name="Inhaltsplatzhalter 2">
+            <a:extLst>
+              <a:ext uri="{FF2B5EF4-FFF2-40B4-BE49-F238E27FC236}">
+                <a16:creationId xmlns:a16="http://schemas.microsoft.com/office/drawing/2014/main" id="{2A5EBA90-6155-FD45-A74C-ECC42BCA72DF}"/>
+              </a:ext>
+            </a:extLst>
+          </p:cNvPr>
+          <p:cNvSpPr>
+            <a:spLocks noGrp="1"/>
+          </p:cNvSpPr>
+          <p:nvPr>
+            <p:ph idx="1"/>
+          </p:nvPr>
+        </p:nvSpPr>
+        <p:spPr/>
+        <p:txBody>
+          <a:bodyPr/>
+          <a:lstStyle/>
+          <a:p>
+            <a:r>
+              <a:rPr lang="de-DE" dirty="0"/>
+              <a:t>Typische Methoden für REST-Endpunkt</a:t>
+            </a:r>
+          </a:p>
+          <a:p>
+            <a:pPr lvl="1"/>
+            <a:r>
+              <a:rPr lang="de-DE" dirty="0"/>
+              <a:t>DELETE /</a:t>
+            </a:r>
+            <a:r>
+              <a:rPr lang="de-DE" dirty="0" err="1"/>
+              <a:t>api</a:t>
+            </a:r>
+            <a:r>
+              <a:rPr lang="de-DE" dirty="0"/>
+              <a:t>/</a:t>
+            </a:r>
+            <a:r>
+              <a:rPr lang="de-DE" dirty="0" err="1"/>
+              <a:t>person</a:t>
+            </a:r>
+            <a:r>
+              <a:rPr lang="de-DE" dirty="0"/>
+              <a:t>/{ID}</a:t>
+            </a:r>
+          </a:p>
+          <a:p>
+            <a:pPr lvl="2"/>
+            <a:r>
+              <a:rPr lang="de-DE" dirty="0"/>
+              <a:t>Löscht Person</a:t>
+            </a:r>
+          </a:p>
+          <a:p>
+            <a:pPr lvl="1"/>
+            <a:r>
+              <a:rPr lang="de-DE" dirty="0"/>
+              <a:t>DELETE /</a:t>
+            </a:r>
+            <a:r>
+              <a:rPr lang="de-DE" dirty="0" err="1"/>
+              <a:t>api</a:t>
+            </a:r>
+            <a:r>
+              <a:rPr lang="de-DE" dirty="0"/>
+              <a:t>/</a:t>
+            </a:r>
+            <a:r>
+              <a:rPr lang="de-DE" dirty="0" err="1"/>
+              <a:t>person</a:t>
+            </a:r>
+            <a:endParaRPr lang="de-DE" dirty="0"/>
+          </a:p>
+          <a:p>
+            <a:pPr lvl="2"/>
+            <a:r>
+              <a:rPr lang="de-DE" dirty="0"/>
+              <a:t>Loscht </a:t>
+            </a:r>
+            <a:r>
+              <a:rPr lang="de-DE" b="1" dirty="0"/>
+              <a:t>alle</a:t>
+            </a:r>
+            <a:r>
+              <a:rPr lang="de-DE" dirty="0"/>
+              <a:t> Personen</a:t>
+            </a:r>
+          </a:p>
+          <a:p>
+            <a:pPr lvl="2"/>
+            <a:r>
+              <a:rPr lang="de-DE" dirty="0"/>
+              <a:t>Ist das gefährlich?</a:t>
+            </a:r>
+          </a:p>
+        </p:txBody>
+      </p:sp>
+    </p:spTree>
+    <p:extLst>
+      <p:ext uri="{BB962C8B-B14F-4D97-AF65-F5344CB8AC3E}">
+        <p14:creationId xmlns:p14="http://schemas.microsoft.com/office/powerpoint/2010/main" val="1274039183"/>
+      </p:ext>
+    </p:extLst>
+  </p:cSld>
+  <p:clrMapOvr>
+    <a:masterClrMapping/>
+  </p:clrMapOvr>
+</p:sld>
+</file>
+
+<file path=ppt/slides/slide37.xml><?xml version="1.0" encoding="utf-8"?>
+<p:sld xmlns:a="http://schemas.openxmlformats.org/drawingml/2006/main" xmlns:r="http://schemas.openxmlformats.org/officeDocument/2006/relationships" xmlns:p="http://schemas.openxmlformats.org/presentationml/2006/main">
+  <p:cSld>
+    <p:spTree>
+      <p:nvGrpSpPr>
+        <p:cNvPr id="1" name=""/>
+        <p:cNvGrpSpPr/>
+        <p:nvPr/>
+      </p:nvGrpSpPr>
+      <p:grpSpPr>
+        <a:xfrm>
+          <a:off x="0" y="0"/>
+          <a:ext cx="0" cy="0"/>
+          <a:chOff x="0" y="0"/>
+          <a:chExt cx="0" cy="0"/>
+        </a:xfrm>
+      </p:grpSpPr>
+      <p:sp>
+        <p:nvSpPr>
+          <p:cNvPr id="2" name="Titel 1">
+            <a:extLst>
+              <a:ext uri="{FF2B5EF4-FFF2-40B4-BE49-F238E27FC236}">
+                <a16:creationId xmlns:a16="http://schemas.microsoft.com/office/drawing/2014/main" id="{0EC7A146-A8F2-A844-9033-A0ACC828AF47}"/>
+              </a:ext>
+            </a:extLst>
+          </p:cNvPr>
+          <p:cNvSpPr>
+            <a:spLocks noGrp="1"/>
+          </p:cNvSpPr>
+          <p:nvPr>
+            <p:ph type="title"/>
+          </p:nvPr>
+        </p:nvSpPr>
+        <p:spPr/>
+        <p:txBody>
+          <a:bodyPr/>
+          <a:lstStyle/>
+          <a:p>
+            <a:r>
+              <a:rPr lang="de-DE" dirty="0" err="1"/>
+              <a:t>Step</a:t>
+            </a:r>
+            <a:r>
+              <a:rPr lang="de-DE" dirty="0"/>
+              <a:t> 70</a:t>
+            </a:r>
+          </a:p>
+        </p:txBody>
+      </p:sp>
+      <p:sp>
+        <p:nvSpPr>
+          <p:cNvPr id="3" name="Inhaltsplatzhalter 2">
+            <a:extLst>
+              <a:ext uri="{FF2B5EF4-FFF2-40B4-BE49-F238E27FC236}">
+                <a16:creationId xmlns:a16="http://schemas.microsoft.com/office/drawing/2014/main" id="{2A5EBA90-6155-FD45-A74C-ECC42BCA72DF}"/>
+              </a:ext>
+            </a:extLst>
+          </p:cNvPr>
+          <p:cNvSpPr>
+            <a:spLocks noGrp="1"/>
+          </p:cNvSpPr>
+          <p:nvPr>
+            <p:ph idx="1"/>
+          </p:nvPr>
+        </p:nvSpPr>
+        <p:spPr/>
+        <p:txBody>
+          <a:bodyPr/>
+          <a:lstStyle/>
+          <a:p>
+            <a:r>
+              <a:rPr lang="de-DE" dirty="0"/>
+              <a:t>Thema: </a:t>
+            </a:r>
+            <a:r>
+              <a:rPr lang="de-DE" dirty="0" err="1"/>
+              <a:t>Dependency</a:t>
+            </a:r>
+            <a:r>
+              <a:rPr lang="de-DE" dirty="0"/>
+              <a:t> </a:t>
+            </a:r>
+            <a:r>
+              <a:rPr lang="de-DE" dirty="0" err="1"/>
+              <a:t>Injection</a:t>
+            </a:r>
+            <a:r>
+              <a:rPr lang="de-DE" dirty="0"/>
+              <a:t> mit Spring</a:t>
+            </a:r>
+          </a:p>
+        </p:txBody>
+      </p:sp>
+    </p:spTree>
+    <p:extLst>
+      <p:ext uri="{BB962C8B-B14F-4D97-AF65-F5344CB8AC3E}">
+        <p14:creationId xmlns:p14="http://schemas.microsoft.com/office/powerpoint/2010/main" val="2804024451"/>
+      </p:ext>
+    </p:extLst>
+  </p:cSld>
+  <p:clrMapOvr>
+    <a:masterClrMapping/>
+  </p:clrMapOvr>
+</p:sld>
+</file>
+
+<file path=ppt/slides/slide38.xml><?xml version="1.0" encoding="utf-8"?>
+<p:sld xmlns:a="http://schemas.openxmlformats.org/drawingml/2006/main" xmlns:r="http://schemas.openxmlformats.org/officeDocument/2006/relationships" xmlns:p="http://schemas.openxmlformats.org/presentationml/2006/main">
+  <p:cSld>
+    <p:spTree>
+      <p:nvGrpSpPr>
+        <p:cNvPr id="1" name=""/>
+        <p:cNvGrpSpPr/>
+        <p:nvPr/>
+      </p:nvGrpSpPr>
+      <p:grpSpPr>
+        <a:xfrm>
+          <a:off x="0" y="0"/>
+          <a:ext cx="0" cy="0"/>
+          <a:chOff x="0" y="0"/>
+          <a:chExt cx="0" cy="0"/>
+        </a:xfrm>
+      </p:grpSpPr>
+      <p:sp>
+        <p:nvSpPr>
+          <p:cNvPr id="2" name="Titel 1">
+            <a:extLst>
+              <a:ext uri="{FF2B5EF4-FFF2-40B4-BE49-F238E27FC236}">
+                <a16:creationId xmlns:a16="http://schemas.microsoft.com/office/drawing/2014/main" id="{0EC7A146-A8F2-A844-9033-A0ACC828AF47}"/>
+              </a:ext>
+            </a:extLst>
+          </p:cNvPr>
+          <p:cNvSpPr>
+            <a:spLocks noGrp="1"/>
+          </p:cNvSpPr>
+          <p:nvPr>
+            <p:ph type="title"/>
+          </p:nvPr>
+        </p:nvSpPr>
+        <p:spPr/>
+        <p:txBody>
+          <a:bodyPr/>
+          <a:lstStyle/>
+          <a:p>
+            <a:r>
+              <a:rPr lang="de-DE" dirty="0" err="1"/>
+              <a:t>Step</a:t>
+            </a:r>
+            <a:r>
+              <a:rPr lang="de-DE" dirty="0"/>
+              <a:t> 80</a:t>
+            </a:r>
+          </a:p>
+        </p:txBody>
+      </p:sp>
+      <p:sp>
+        <p:nvSpPr>
+          <p:cNvPr id="3" name="Inhaltsplatzhalter 2">
+            <a:extLst>
+              <a:ext uri="{FF2B5EF4-FFF2-40B4-BE49-F238E27FC236}">
+                <a16:creationId xmlns:a16="http://schemas.microsoft.com/office/drawing/2014/main" id="{2A5EBA90-6155-FD45-A74C-ECC42BCA72DF}"/>
+              </a:ext>
+            </a:extLst>
+          </p:cNvPr>
+          <p:cNvSpPr>
+            <a:spLocks noGrp="1"/>
+          </p:cNvSpPr>
+          <p:nvPr>
+            <p:ph idx="1"/>
+          </p:nvPr>
+        </p:nvSpPr>
+        <p:spPr/>
+        <p:txBody>
+          <a:bodyPr/>
+          <a:lstStyle/>
+          <a:p>
+            <a:r>
+              <a:rPr lang="de-DE" dirty="0"/>
+              <a:t>Thema: Testen mit Mocks</a:t>
+            </a:r>
+          </a:p>
+          <a:p>
+            <a:pPr lvl="1"/>
+            <a:r>
+              <a:rPr lang="de-DE" dirty="0" err="1"/>
+              <a:t>Mockito</a:t>
+            </a:r>
+            <a:r>
+              <a:rPr lang="de-DE" dirty="0"/>
+              <a:t>: Bibliothek zum Erstellen von Mock-Objekten </a:t>
+            </a:r>
+            <a:r>
+              <a:rPr lang="de-DE"/>
+              <a:t>in Unit-Tests</a:t>
+            </a:r>
+            <a:endParaRPr lang="de-DE" dirty="0"/>
+          </a:p>
+        </p:txBody>
+      </p:sp>
+    </p:spTree>
+    <p:extLst>
+      <p:ext uri="{BB962C8B-B14F-4D97-AF65-F5344CB8AC3E}">
+        <p14:creationId xmlns:p14="http://schemas.microsoft.com/office/powerpoint/2010/main" val="1609070468"/>
+      </p:ext>
+    </p:extLst>
+  </p:cSld>
+  <p:clrMapOvr>
+    <a:masterClrMapping/>
+  </p:clrMapOvr>
+</p:sld>
+</file>
+
+<file path=ppt/slides/slide39.xml><?xml version="1.0" encoding="utf-8"?>
+<p:sld xmlns:a="http://schemas.openxmlformats.org/drawingml/2006/main" xmlns:r="http://schemas.openxmlformats.org/officeDocument/2006/relationships" xmlns:p="http://schemas.openxmlformats.org/presentationml/2006/main">
+  <p:cSld>
+    <p:spTree>
+      <p:nvGrpSpPr>
+        <p:cNvPr id="1" name=""/>
+        <p:cNvGrpSpPr/>
+        <p:nvPr/>
+      </p:nvGrpSpPr>
+      <p:grpSpPr>
+        <a:xfrm>
+          <a:off x="0" y="0"/>
+          <a:ext cx="0" cy="0"/>
+          <a:chOff x="0" y="0"/>
+          <a:chExt cx="0" cy="0"/>
+        </a:xfrm>
+      </p:grpSpPr>
+      <p:sp>
+        <p:nvSpPr>
+          <p:cNvPr id="2" name="Titel 1">
+            <a:extLst>
+              <a:ext uri="{FF2B5EF4-FFF2-40B4-BE49-F238E27FC236}">
+                <a16:creationId xmlns:a16="http://schemas.microsoft.com/office/drawing/2014/main" id="{0EC7A146-A8F2-A844-9033-A0ACC828AF47}"/>
+              </a:ext>
+            </a:extLst>
+          </p:cNvPr>
+          <p:cNvSpPr>
+            <a:spLocks noGrp="1"/>
+          </p:cNvSpPr>
+          <p:nvPr>
+            <p:ph type="title"/>
+          </p:nvPr>
+        </p:nvSpPr>
+        <p:spPr/>
+        <p:txBody>
+          <a:bodyPr/>
+          <a:lstStyle/>
+          <a:p>
+            <a:r>
+              <a:rPr lang="de-DE" dirty="0" err="1"/>
+              <a:t>Step</a:t>
+            </a:r>
+            <a:r>
+              <a:rPr lang="de-DE" dirty="0"/>
+              <a:t> 90</a:t>
+            </a:r>
+          </a:p>
+        </p:txBody>
+      </p:sp>
+      <p:sp>
+        <p:nvSpPr>
+          <p:cNvPr id="3" name="Inhaltsplatzhalter 2">
+            <a:extLst>
+              <a:ext uri="{FF2B5EF4-FFF2-40B4-BE49-F238E27FC236}">
+                <a16:creationId xmlns:a16="http://schemas.microsoft.com/office/drawing/2014/main" id="{2A5EBA90-6155-FD45-A74C-ECC42BCA72DF}"/>
+              </a:ext>
+            </a:extLst>
+          </p:cNvPr>
+          <p:cNvSpPr>
+            <a:spLocks noGrp="1"/>
+          </p:cNvSpPr>
+          <p:nvPr>
+            <p:ph idx="1"/>
+          </p:nvPr>
+        </p:nvSpPr>
+        <p:spPr/>
+        <p:txBody>
+          <a:bodyPr/>
+          <a:lstStyle/>
+          <a:p>
+            <a:r>
+              <a:rPr lang="de-DE" dirty="0"/>
+              <a:t>Thema: Persistenz mit Spring Data</a:t>
+            </a:r>
+          </a:p>
+        </p:txBody>
+      </p:sp>
+    </p:spTree>
+    <p:extLst>
+      <p:ext uri="{BB962C8B-B14F-4D97-AF65-F5344CB8AC3E}">
+        <p14:creationId xmlns:p14="http://schemas.microsoft.com/office/powerpoint/2010/main" val="3263348999"/>
       </p:ext>
     </p:extLst>
   </p:cSld>
@@ -9028,6 +10025,96 @@
     <p:extLst>
       <p:ext uri="{BB962C8B-B14F-4D97-AF65-F5344CB8AC3E}">
         <p14:creationId xmlns:p14="http://schemas.microsoft.com/office/powerpoint/2010/main" val="2378491230"/>
+      </p:ext>
+    </p:extLst>
+  </p:cSld>
+  <p:clrMapOvr>
+    <a:masterClrMapping/>
+  </p:clrMapOvr>
+</p:sld>
+</file>
+
+<file path=ppt/slides/slide40.xml><?xml version="1.0" encoding="utf-8"?>
+<p:sld xmlns:a="http://schemas.openxmlformats.org/drawingml/2006/main" xmlns:r="http://schemas.openxmlformats.org/officeDocument/2006/relationships" xmlns:p="http://schemas.openxmlformats.org/presentationml/2006/main">
+  <p:cSld>
+    <p:spTree>
+      <p:nvGrpSpPr>
+        <p:cNvPr id="1" name=""/>
+        <p:cNvGrpSpPr/>
+        <p:nvPr/>
+      </p:nvGrpSpPr>
+      <p:grpSpPr>
+        <a:xfrm>
+          <a:off x="0" y="0"/>
+          <a:ext cx="0" cy="0"/>
+          <a:chOff x="0" y="0"/>
+          <a:chExt cx="0" cy="0"/>
+        </a:xfrm>
+      </p:grpSpPr>
+      <p:sp>
+        <p:nvSpPr>
+          <p:cNvPr id="2" name="Titel 1">
+            <a:extLst>
+              <a:ext uri="{FF2B5EF4-FFF2-40B4-BE49-F238E27FC236}">
+                <a16:creationId xmlns:a16="http://schemas.microsoft.com/office/drawing/2014/main" id="{0EC7A146-A8F2-A844-9033-A0ACC828AF47}"/>
+              </a:ext>
+            </a:extLst>
+          </p:cNvPr>
+          <p:cNvSpPr>
+            <a:spLocks noGrp="1"/>
+          </p:cNvSpPr>
+          <p:nvPr>
+            <p:ph type="title"/>
+          </p:nvPr>
+        </p:nvSpPr>
+        <p:spPr/>
+        <p:txBody>
+          <a:bodyPr/>
+          <a:lstStyle/>
+          <a:p>
+            <a:r>
+              <a:rPr lang="de-DE" dirty="0" err="1"/>
+              <a:t>Step</a:t>
+            </a:r>
+            <a:r>
+              <a:rPr lang="de-DE" dirty="0"/>
+              <a:t> 100</a:t>
+            </a:r>
+          </a:p>
+        </p:txBody>
+      </p:sp>
+      <p:sp>
+        <p:nvSpPr>
+          <p:cNvPr id="3" name="Inhaltsplatzhalter 2">
+            <a:extLst>
+              <a:ext uri="{FF2B5EF4-FFF2-40B4-BE49-F238E27FC236}">
+                <a16:creationId xmlns:a16="http://schemas.microsoft.com/office/drawing/2014/main" id="{2A5EBA90-6155-FD45-A74C-ECC42BCA72DF}"/>
+              </a:ext>
+            </a:extLst>
+          </p:cNvPr>
+          <p:cNvSpPr>
+            <a:spLocks noGrp="1"/>
+          </p:cNvSpPr>
+          <p:nvPr>
+            <p:ph idx="1"/>
+          </p:nvPr>
+        </p:nvSpPr>
+        <p:spPr/>
+        <p:txBody>
+          <a:bodyPr/>
+          <a:lstStyle/>
+          <a:p>
+            <a:r>
+              <a:rPr lang="de-DE" dirty="0"/>
+              <a:t>Thema: Service als Docker-Container</a:t>
+            </a:r>
+          </a:p>
+        </p:txBody>
+      </p:sp>
+    </p:spTree>
+    <p:extLst>
+      <p:ext uri="{BB962C8B-B14F-4D97-AF65-F5344CB8AC3E}">
+        <p14:creationId xmlns:p14="http://schemas.microsoft.com/office/powerpoint/2010/main" val="1059597919"/>
       </p:ext>
     </p:extLst>
   </p:cSld>

--- a/Java-Starter.pptx
+++ b/Java-Starter.pptx
@@ -38,13 +38,16 @@
     <p:sldId id="302" r:id="rId32"/>
     <p:sldId id="303" r:id="rId33"/>
     <p:sldId id="301" r:id="rId34"/>
-    <p:sldId id="300" r:id="rId35"/>
-    <p:sldId id="297" r:id="rId36"/>
-    <p:sldId id="299" r:id="rId37"/>
+    <p:sldId id="299" r:id="rId35"/>
+    <p:sldId id="300" r:id="rId36"/>
+    <p:sldId id="297" r:id="rId37"/>
     <p:sldId id="264" r:id="rId38"/>
     <p:sldId id="265" r:id="rId39"/>
     <p:sldId id="266" r:id="rId40"/>
     <p:sldId id="267" r:id="rId41"/>
+    <p:sldId id="304" r:id="rId42"/>
+    <p:sldId id="305" r:id="rId43"/>
+    <p:sldId id="306" r:id="rId44"/>
   </p:sldIdLst>
   <p:sldSz cx="12192000" cy="6858000"/>
   <p:notesSz cx="6858000" cy="9144000"/>
@@ -298,7 +301,7 @@
           <a:p>
             <a:fld id="{D504FEAC-1E62-0E47-82AE-5BB4BD139FFA}" type="datetimeFigureOut">
               <a:rPr lang="de-DE" smtClean="0"/>
-              <a:t>04.04.22</a:t>
+              <a:t>06.04.22</a:t>
             </a:fld>
             <a:endParaRPr lang="de-DE"/>
           </a:p>
@@ -496,7 +499,7 @@
           <a:p>
             <a:fld id="{D504FEAC-1E62-0E47-82AE-5BB4BD139FFA}" type="datetimeFigureOut">
               <a:rPr lang="de-DE" smtClean="0"/>
-              <a:t>04.04.22</a:t>
+              <a:t>06.04.22</a:t>
             </a:fld>
             <a:endParaRPr lang="de-DE"/>
           </a:p>
@@ -704,7 +707,7 @@
           <a:p>
             <a:fld id="{D504FEAC-1E62-0E47-82AE-5BB4BD139FFA}" type="datetimeFigureOut">
               <a:rPr lang="de-DE" smtClean="0"/>
-              <a:t>04.04.22</a:t>
+              <a:t>06.04.22</a:t>
             </a:fld>
             <a:endParaRPr lang="de-DE"/>
           </a:p>
@@ -902,7 +905,7 @@
           <a:p>
             <a:fld id="{D504FEAC-1E62-0E47-82AE-5BB4BD139FFA}" type="datetimeFigureOut">
               <a:rPr lang="de-DE" smtClean="0"/>
-              <a:t>04.04.22</a:t>
+              <a:t>06.04.22</a:t>
             </a:fld>
             <a:endParaRPr lang="de-DE"/>
           </a:p>
@@ -1177,7 +1180,7 @@
           <a:p>
             <a:fld id="{D504FEAC-1E62-0E47-82AE-5BB4BD139FFA}" type="datetimeFigureOut">
               <a:rPr lang="de-DE" smtClean="0"/>
-              <a:t>04.04.22</a:t>
+              <a:t>06.04.22</a:t>
             </a:fld>
             <a:endParaRPr lang="de-DE"/>
           </a:p>
@@ -1442,7 +1445,7 @@
           <a:p>
             <a:fld id="{D504FEAC-1E62-0E47-82AE-5BB4BD139FFA}" type="datetimeFigureOut">
               <a:rPr lang="de-DE" smtClean="0"/>
-              <a:t>04.04.22</a:t>
+              <a:t>06.04.22</a:t>
             </a:fld>
             <a:endParaRPr lang="de-DE"/>
           </a:p>
@@ -1854,7 +1857,7 @@
           <a:p>
             <a:fld id="{D504FEAC-1E62-0E47-82AE-5BB4BD139FFA}" type="datetimeFigureOut">
               <a:rPr lang="de-DE" smtClean="0"/>
-              <a:t>04.04.22</a:t>
+              <a:t>06.04.22</a:t>
             </a:fld>
             <a:endParaRPr lang="de-DE"/>
           </a:p>
@@ -1995,7 +1998,7 @@
           <a:p>
             <a:fld id="{D504FEAC-1E62-0E47-82AE-5BB4BD139FFA}" type="datetimeFigureOut">
               <a:rPr lang="de-DE" smtClean="0"/>
-              <a:t>04.04.22</a:t>
+              <a:t>06.04.22</a:t>
             </a:fld>
             <a:endParaRPr lang="de-DE"/>
           </a:p>
@@ -2108,7 +2111,7 @@
           <a:p>
             <a:fld id="{D504FEAC-1E62-0E47-82AE-5BB4BD139FFA}" type="datetimeFigureOut">
               <a:rPr lang="de-DE" smtClean="0"/>
-              <a:t>04.04.22</a:t>
+              <a:t>06.04.22</a:t>
             </a:fld>
             <a:endParaRPr lang="de-DE"/>
           </a:p>
@@ -2419,7 +2422,7 @@
           <a:p>
             <a:fld id="{D504FEAC-1E62-0E47-82AE-5BB4BD139FFA}" type="datetimeFigureOut">
               <a:rPr lang="de-DE" smtClean="0"/>
-              <a:t>04.04.22</a:t>
+              <a:t>06.04.22</a:t>
             </a:fld>
             <a:endParaRPr lang="de-DE"/>
           </a:p>
@@ -2707,7 +2710,7 @@
           <a:p>
             <a:fld id="{D504FEAC-1E62-0E47-82AE-5BB4BD139FFA}" type="datetimeFigureOut">
               <a:rPr lang="de-DE" smtClean="0"/>
-              <a:t>04.04.22</a:t>
+              <a:t>06.04.22</a:t>
             </a:fld>
             <a:endParaRPr lang="de-DE"/>
           </a:p>
@@ -2948,7 +2951,7 @@
           <a:p>
             <a:fld id="{D504FEAC-1E62-0E47-82AE-5BB4BD139FFA}" type="datetimeFigureOut">
               <a:rPr lang="de-DE" smtClean="0"/>
-              <a:t>04.04.22</a:t>
+              <a:t>06.04.22</a:t>
             </a:fld>
             <a:endParaRPr lang="de-DE"/>
           </a:p>
@@ -9191,129 +9194,87 @@
           <a:p>
             <a:r>
               <a:rPr lang="de-DE" dirty="0"/>
-              <a:t>Thema: Implementierung eines REST-Endpunktes mit Spring Boot</a:t>
+              <a:t>Typische Methoden für REST-Endpunkt</a:t>
             </a:r>
           </a:p>
           <a:p>
             <a:pPr lvl="1"/>
             <a:r>
-              <a:rPr lang="de-DE" dirty="0">
-                <a:cs typeface="Courier New" panose="02070309020205020404" pitchFamily="49" charset="0"/>
-              </a:rPr>
-              <a:t>Spring</a:t>
-            </a:r>
-          </a:p>
-          <a:p>
-            <a:pPr lvl="2"/>
-            <a:r>
-              <a:rPr lang="de-DE" dirty="0">
-                <a:cs typeface="Courier New" panose="02070309020205020404" pitchFamily="49" charset="0"/>
-              </a:rPr>
-              <a:t>Java-Framework zur Implementierung von Enterprise </a:t>
-            </a:r>
-            <a:r>
-              <a:rPr lang="de-DE" dirty="0" err="1">
-                <a:cs typeface="Courier New" panose="02070309020205020404" pitchFamily="49" charset="0"/>
-              </a:rPr>
-              <a:t>Applications</a:t>
-            </a:r>
-            <a:endParaRPr lang="de-DE" dirty="0">
-              <a:cs typeface="Courier New" panose="02070309020205020404" pitchFamily="49" charset="0"/>
-            </a:endParaRPr>
-          </a:p>
-          <a:p>
-            <a:pPr lvl="2"/>
-            <a:r>
-              <a:rPr lang="de-DE" dirty="0">
-                <a:cs typeface="Courier New" panose="02070309020205020404" pitchFamily="49" charset="0"/>
-              </a:rPr>
-              <a:t>Kern (Spring </a:t>
-            </a:r>
-            <a:r>
-              <a:rPr lang="de-DE">
-                <a:cs typeface="Courier New" panose="02070309020205020404" pitchFamily="49" charset="0"/>
-              </a:rPr>
-              <a:t>core): </a:t>
-            </a:r>
-            <a:r>
-              <a:rPr lang="de-DE" dirty="0">
-                <a:cs typeface="Courier New" panose="02070309020205020404" pitchFamily="49" charset="0"/>
-              </a:rPr>
-              <a:t>Framework für </a:t>
-            </a:r>
-            <a:r>
-              <a:rPr lang="de-DE" dirty="0" err="1">
-                <a:cs typeface="Courier New" panose="02070309020205020404" pitchFamily="49" charset="0"/>
-              </a:rPr>
-              <a:t>Dependency</a:t>
-            </a:r>
-            <a:r>
-              <a:rPr lang="de-DE" dirty="0">
-                <a:cs typeface="Courier New" panose="02070309020205020404" pitchFamily="49" charset="0"/>
-              </a:rPr>
-              <a:t> </a:t>
-            </a:r>
-            <a:r>
-              <a:rPr lang="de-DE" dirty="0" err="1">
-                <a:cs typeface="Courier New" panose="02070309020205020404" pitchFamily="49" charset="0"/>
-              </a:rPr>
-              <a:t>Injection</a:t>
-            </a:r>
-            <a:endParaRPr lang="de-DE" dirty="0">
-              <a:cs typeface="Courier New" panose="02070309020205020404" pitchFamily="49" charset="0"/>
-            </a:endParaRPr>
-          </a:p>
-          <a:p>
-            <a:pPr lvl="2"/>
-            <a:r>
-              <a:rPr lang="de-DE" dirty="0">
-                <a:cs typeface="Courier New" panose="02070309020205020404" pitchFamily="49" charset="0"/>
-              </a:rPr>
-              <a:t>Sehr umfangreich</a:t>
+              <a:rPr lang="de-DE" dirty="0"/>
+              <a:t>DELETE /</a:t>
+            </a:r>
+            <a:r>
+              <a:rPr lang="de-DE" dirty="0" err="1"/>
+              <a:t>api</a:t>
+            </a:r>
+            <a:r>
+              <a:rPr lang="de-DE" dirty="0"/>
+              <a:t>/</a:t>
+            </a:r>
+            <a:r>
+              <a:rPr lang="de-DE" dirty="0" err="1"/>
+              <a:t>person</a:t>
+            </a:r>
+            <a:r>
+              <a:rPr lang="de-DE" dirty="0"/>
+              <a:t>/{ID}</a:t>
+            </a:r>
+          </a:p>
+          <a:p>
+            <a:pPr lvl="2"/>
+            <a:r>
+              <a:rPr lang="de-DE" dirty="0"/>
+              <a:t>Löscht Person</a:t>
             </a:r>
           </a:p>
           <a:p>
             <a:pPr lvl="1"/>
             <a:r>
-              <a:rPr lang="de-DE" dirty="0">
-                <a:cs typeface="Courier New" panose="02070309020205020404" pitchFamily="49" charset="0"/>
-              </a:rPr>
-              <a:t>Spring Boot</a:t>
-            </a:r>
-          </a:p>
-          <a:p>
-            <a:pPr lvl="2"/>
-            <a:r>
-              <a:rPr lang="de-DE" dirty="0">
-                <a:cs typeface="Courier New" panose="02070309020205020404" pitchFamily="49" charset="0"/>
-              </a:rPr>
-              <a:t>Vereinfachte Konfiguration von Spring-Anwendungen (vordefinierte Starter)</a:t>
-            </a:r>
-          </a:p>
-          <a:p>
-            <a:pPr lvl="2"/>
-            <a:r>
-              <a:rPr lang="de-DE" dirty="0">
-                <a:cs typeface="Courier New" panose="02070309020205020404" pitchFamily="49" charset="0"/>
-              </a:rPr>
-              <a:t>Sehr beliebt zur Implementierung von </a:t>
-            </a:r>
-            <a:r>
-              <a:rPr lang="de-DE" dirty="0" err="1">
-                <a:cs typeface="Courier New" panose="02070309020205020404" pitchFamily="49" charset="0"/>
-              </a:rPr>
-              <a:t>Microservices</a:t>
-            </a:r>
-            <a:endParaRPr lang="de-DE" dirty="0">
-              <a:cs typeface="Courier New" panose="02070309020205020404" pitchFamily="49" charset="0"/>
-            </a:endParaRPr>
+              <a:rPr lang="de-DE" dirty="0"/>
+              <a:t>DELETE /</a:t>
+            </a:r>
+            <a:r>
+              <a:rPr lang="de-DE" dirty="0" err="1"/>
+              <a:t>api</a:t>
+            </a:r>
+            <a:r>
+              <a:rPr lang="de-DE" dirty="0"/>
+              <a:t>/</a:t>
+            </a:r>
+            <a:r>
+              <a:rPr lang="de-DE" dirty="0" err="1"/>
+              <a:t>person</a:t>
+            </a:r>
+            <a:endParaRPr lang="de-DE" dirty="0"/>
+          </a:p>
+          <a:p>
+            <a:pPr lvl="2"/>
+            <a:r>
+              <a:rPr lang="de-DE" dirty="0"/>
+              <a:t>Loscht </a:t>
+            </a:r>
+            <a:r>
+              <a:rPr lang="de-DE" b="1" dirty="0"/>
+              <a:t>alle</a:t>
+            </a:r>
+            <a:r>
+              <a:rPr lang="de-DE" dirty="0"/>
+              <a:t> Personen</a:t>
+            </a:r>
+          </a:p>
+          <a:p>
+            <a:pPr lvl="2"/>
+            <a:r>
+              <a:rPr lang="de-DE" dirty="0"/>
+              <a:t>Ist das gefährlich?</a:t>
+            </a:r>
           </a:p>
         </p:txBody>
       </p:sp>
     </p:spTree>
     <p:extLst>
       <p:ext uri="{BB962C8B-B14F-4D97-AF65-F5344CB8AC3E}">
-        <p14:creationId xmlns:p14="http://schemas.microsoft.com/office/powerpoint/2010/main" val="192711415"/>
+        <p14:creationId xmlns:p14="http://schemas.microsoft.com/office/powerpoint/2010/main" val="1274039183"/>
       </p:ext>
     </p:extLst>
   </p:cSld>
@@ -9367,7 +9328,7 @@
             </a:r>
             <a:r>
               <a:rPr lang="de-DE" dirty="0"/>
-              <a:t> 65</a:t>
+              <a:t> 60</a:t>
             </a:r>
           </a:p>
         </p:txBody>
@@ -9395,15 +9356,129 @@
           <a:p>
             <a:r>
               <a:rPr lang="de-DE" dirty="0"/>
-              <a:t>Thema: REST-Endpunkt mit Pfad-Variable</a:t>
-            </a:r>
+              <a:t>Thema: Implementierung eines REST-Endpunktes mit Spring Boot</a:t>
+            </a:r>
+          </a:p>
+          <a:p>
+            <a:pPr lvl="1"/>
+            <a:r>
+              <a:rPr lang="de-DE" dirty="0">
+                <a:cs typeface="Courier New" panose="02070309020205020404" pitchFamily="49" charset="0"/>
+              </a:rPr>
+              <a:t>Spring</a:t>
+            </a:r>
+          </a:p>
+          <a:p>
+            <a:pPr lvl="2"/>
+            <a:r>
+              <a:rPr lang="de-DE" dirty="0">
+                <a:cs typeface="Courier New" panose="02070309020205020404" pitchFamily="49" charset="0"/>
+              </a:rPr>
+              <a:t>Java-Framework zur Implementierung von Enterprise </a:t>
+            </a:r>
+            <a:r>
+              <a:rPr lang="de-DE" dirty="0" err="1">
+                <a:cs typeface="Courier New" panose="02070309020205020404" pitchFamily="49" charset="0"/>
+              </a:rPr>
+              <a:t>Applications</a:t>
+            </a:r>
+            <a:endParaRPr lang="de-DE" dirty="0">
+              <a:cs typeface="Courier New" panose="02070309020205020404" pitchFamily="49" charset="0"/>
+            </a:endParaRPr>
+          </a:p>
+          <a:p>
+            <a:pPr lvl="2"/>
+            <a:r>
+              <a:rPr lang="de-DE" dirty="0">
+                <a:cs typeface="Courier New" panose="02070309020205020404" pitchFamily="49" charset="0"/>
+              </a:rPr>
+              <a:t>Kern (Spring </a:t>
+            </a:r>
+            <a:r>
+              <a:rPr lang="de-DE">
+                <a:cs typeface="Courier New" panose="02070309020205020404" pitchFamily="49" charset="0"/>
+              </a:rPr>
+              <a:t>core): </a:t>
+            </a:r>
+            <a:r>
+              <a:rPr lang="de-DE" dirty="0">
+                <a:cs typeface="Courier New" panose="02070309020205020404" pitchFamily="49" charset="0"/>
+              </a:rPr>
+              <a:t>Framework für </a:t>
+            </a:r>
+            <a:r>
+              <a:rPr lang="de-DE" dirty="0" err="1">
+                <a:cs typeface="Courier New" panose="02070309020205020404" pitchFamily="49" charset="0"/>
+              </a:rPr>
+              <a:t>Dependency</a:t>
+            </a:r>
+            <a:r>
+              <a:rPr lang="de-DE" dirty="0">
+                <a:cs typeface="Courier New" panose="02070309020205020404" pitchFamily="49" charset="0"/>
+              </a:rPr>
+              <a:t> </a:t>
+            </a:r>
+            <a:r>
+              <a:rPr lang="de-DE" dirty="0" err="1">
+                <a:cs typeface="Courier New" panose="02070309020205020404" pitchFamily="49" charset="0"/>
+              </a:rPr>
+              <a:t>Injection</a:t>
+            </a:r>
+            <a:endParaRPr lang="de-DE" dirty="0">
+              <a:cs typeface="Courier New" panose="02070309020205020404" pitchFamily="49" charset="0"/>
+            </a:endParaRPr>
+          </a:p>
+          <a:p>
+            <a:pPr lvl="2"/>
+            <a:r>
+              <a:rPr lang="de-DE" dirty="0">
+                <a:cs typeface="Courier New" panose="02070309020205020404" pitchFamily="49" charset="0"/>
+              </a:rPr>
+              <a:t>Sehr umfangreich</a:t>
+            </a:r>
+          </a:p>
+          <a:p>
+            <a:pPr lvl="1"/>
+            <a:r>
+              <a:rPr lang="de-DE" dirty="0">
+                <a:cs typeface="Courier New" panose="02070309020205020404" pitchFamily="49" charset="0"/>
+              </a:rPr>
+              <a:t>Spring Boot</a:t>
+            </a:r>
+          </a:p>
+          <a:p>
+            <a:pPr lvl="2"/>
+            <a:r>
+              <a:rPr lang="de-DE" dirty="0">
+                <a:cs typeface="Courier New" panose="02070309020205020404" pitchFamily="49" charset="0"/>
+              </a:rPr>
+              <a:t>Vereinfachte Konfiguration von Spring-Anwendungen (vordefinierte Starter)</a:t>
+            </a:r>
+          </a:p>
+          <a:p>
+            <a:pPr lvl="2"/>
+            <a:r>
+              <a:rPr lang="de-DE" dirty="0">
+                <a:cs typeface="Courier New" panose="02070309020205020404" pitchFamily="49" charset="0"/>
+              </a:rPr>
+              <a:t>Sehr beliebt zur Implementierung von </a:t>
+            </a:r>
+            <a:r>
+              <a:rPr lang="de-DE" dirty="0" err="1">
+                <a:cs typeface="Courier New" panose="02070309020205020404" pitchFamily="49" charset="0"/>
+              </a:rPr>
+              <a:t>Microservices</a:t>
+            </a:r>
+            <a:endParaRPr lang="de-DE" dirty="0">
+              <a:cs typeface="Courier New" panose="02070309020205020404" pitchFamily="49" charset="0"/>
+            </a:endParaRPr>
           </a:p>
         </p:txBody>
       </p:sp>
     </p:spTree>
     <p:extLst>
       <p:ext uri="{BB962C8B-B14F-4D97-AF65-F5344CB8AC3E}">
-        <p14:creationId xmlns:p14="http://schemas.microsoft.com/office/powerpoint/2010/main" val="1108630757"/>
+        <p14:creationId xmlns:p14="http://schemas.microsoft.com/office/powerpoint/2010/main" val="192711415"/>
       </p:ext>
     </p:extLst>
   </p:cSld>
@@ -9485,87 +9560,69 @@
           <a:p>
             <a:r>
               <a:rPr lang="de-DE" dirty="0"/>
-              <a:t>Typische Methoden für REST-Endpunkt</a:t>
+              <a:t>Thema: REST-Endpunkt mit Pfad-Variable</a:t>
             </a:r>
           </a:p>
           <a:p>
             <a:pPr lvl="1"/>
             <a:r>
               <a:rPr lang="de-DE" dirty="0"/>
-              <a:t>DELETE /</a:t>
-            </a:r>
-            <a:r>
-              <a:rPr lang="de-DE" dirty="0" err="1"/>
-              <a:t>api</a:t>
-            </a:r>
-            <a:r>
-              <a:rPr lang="de-DE" dirty="0"/>
-              <a:t>/</a:t>
-            </a:r>
-            <a:r>
-              <a:rPr lang="de-DE" dirty="0" err="1"/>
-              <a:t>person</a:t>
-            </a:r>
-            <a:r>
-              <a:rPr lang="de-DE" dirty="0"/>
-              <a:t>/{ID}</a:t>
-            </a:r>
-          </a:p>
-          <a:p>
-            <a:pPr lvl="2"/>
-            <a:r>
-              <a:rPr lang="de-DE" dirty="0"/>
-              <a:t>Löscht Person</a:t>
-            </a:r>
+              <a:t>Query-Parameter (HTML-Form)</a:t>
+            </a:r>
+          </a:p>
+          <a:p>
+            <a:pPr lvl="2"/>
+            <a:r>
+              <a:rPr lang="de-DE" dirty="0">
+                <a:hlinkClick r:id="rId2"/>
+              </a:rPr>
+              <a:t>http://localhost:8080/api/hello?name=Georg</a:t>
+            </a:r>
+            <a:endParaRPr lang="de-DE" dirty="0"/>
+          </a:p>
+          <a:p>
+            <a:pPr lvl="2"/>
+            <a:r>
+              <a:rPr lang="de-DE" dirty="0">
+                <a:hlinkClick r:id="rId3"/>
+              </a:rPr>
+              <a:t>http://localhost:8080/api/person?id=1</a:t>
+            </a:r>
+            <a:endParaRPr lang="de-DE" dirty="0"/>
           </a:p>
           <a:p>
             <a:pPr lvl="1"/>
             <a:r>
               <a:rPr lang="de-DE" dirty="0"/>
-              <a:t>DELETE /</a:t>
-            </a:r>
-            <a:r>
-              <a:rPr lang="de-DE" dirty="0" err="1"/>
-              <a:t>api</a:t>
-            </a:r>
-            <a:r>
-              <a:rPr lang="de-DE" dirty="0"/>
-              <a:t>/</a:t>
-            </a:r>
-            <a:r>
-              <a:rPr lang="de-DE" dirty="0" err="1"/>
-              <a:t>person</a:t>
+              <a:t>Pfad-Variable</a:t>
+            </a:r>
+          </a:p>
+          <a:p>
+            <a:pPr lvl="2"/>
+            <a:r>
+              <a:rPr lang="de-DE" dirty="0">
+                <a:hlinkClick r:id="rId4"/>
+              </a:rPr>
+              <a:t>http://localhost:8080/api/hello/Georg</a:t>
             </a:r>
             <a:endParaRPr lang="de-DE" dirty="0"/>
           </a:p>
           <a:p>
             <a:pPr lvl="2"/>
             <a:r>
-              <a:rPr lang="de-DE" dirty="0"/>
-              <a:t>Loscht </a:t>
-            </a:r>
-            <a:r>
-              <a:rPr lang="de-DE" b="1" dirty="0"/>
-              <a:t>alle</a:t>
-            </a:r>
-            <a:r>
-              <a:rPr lang="de-DE" dirty="0"/>
-              <a:t> Personen</a:t>
-            </a:r>
-          </a:p>
-          <a:p>
-            <a:pPr lvl="2"/>
-            <a:r>
-              <a:rPr lang="de-DE" dirty="0"/>
-              <a:t>Ist das gefährlich?</a:t>
-            </a:r>
+              <a:rPr lang="de-DE" dirty="0">
+                <a:hlinkClick r:id="rId5"/>
+              </a:rPr>
+              <a:t>http://localhost:8080/api/person/1</a:t>
+            </a:r>
+            <a:endParaRPr lang="de-DE" dirty="0"/>
           </a:p>
         </p:txBody>
       </p:sp>
     </p:spTree>
     <p:extLst>
       <p:ext uri="{BB962C8B-B14F-4D97-AF65-F5344CB8AC3E}">
-        <p14:creationId xmlns:p14="http://schemas.microsoft.com/office/powerpoint/2010/main" val="1274039183"/>
+        <p14:creationId xmlns:p14="http://schemas.microsoft.com/office/powerpoint/2010/main" val="1108630757"/>
       </p:ext>
     </p:extLst>
   </p:cSld>
@@ -10115,6 +10172,362 @@
     <p:extLst>
       <p:ext uri="{BB962C8B-B14F-4D97-AF65-F5344CB8AC3E}">
         <p14:creationId xmlns:p14="http://schemas.microsoft.com/office/powerpoint/2010/main" val="1059597919"/>
+      </p:ext>
+    </p:extLst>
+  </p:cSld>
+  <p:clrMapOvr>
+    <a:masterClrMapping/>
+  </p:clrMapOvr>
+</p:sld>
+</file>
+
+<file path=ppt/slides/slide41.xml><?xml version="1.0" encoding="utf-8"?>
+<p:sld xmlns:a="http://schemas.openxmlformats.org/drawingml/2006/main" xmlns:r="http://schemas.openxmlformats.org/officeDocument/2006/relationships" xmlns:p="http://schemas.openxmlformats.org/presentationml/2006/main">
+  <p:cSld>
+    <p:spTree>
+      <p:nvGrpSpPr>
+        <p:cNvPr id="1" name=""/>
+        <p:cNvGrpSpPr/>
+        <p:nvPr/>
+      </p:nvGrpSpPr>
+      <p:grpSpPr>
+        <a:xfrm>
+          <a:off x="0" y="0"/>
+          <a:ext cx="0" cy="0"/>
+          <a:chOff x="0" y="0"/>
+          <a:chExt cx="0" cy="0"/>
+        </a:xfrm>
+      </p:grpSpPr>
+      <p:sp>
+        <p:nvSpPr>
+          <p:cNvPr id="2" name="Titel 1">
+            <a:extLst>
+              <a:ext uri="{FF2B5EF4-FFF2-40B4-BE49-F238E27FC236}">
+                <a16:creationId xmlns:a16="http://schemas.microsoft.com/office/drawing/2014/main" id="{0EC7A146-A8F2-A844-9033-A0ACC828AF47}"/>
+              </a:ext>
+            </a:extLst>
+          </p:cNvPr>
+          <p:cNvSpPr>
+            <a:spLocks noGrp="1"/>
+          </p:cNvSpPr>
+          <p:nvPr>
+            <p:ph type="title"/>
+          </p:nvPr>
+        </p:nvSpPr>
+        <p:spPr/>
+        <p:txBody>
+          <a:bodyPr/>
+          <a:lstStyle/>
+          <a:p>
+            <a:r>
+              <a:rPr lang="de-DE" dirty="0" err="1"/>
+              <a:t>Step</a:t>
+            </a:r>
+            <a:r>
+              <a:rPr lang="de-DE" dirty="0"/>
+              <a:t> 110</a:t>
+            </a:r>
+          </a:p>
+        </p:txBody>
+      </p:sp>
+      <p:sp>
+        <p:nvSpPr>
+          <p:cNvPr id="3" name="Inhaltsplatzhalter 2">
+            <a:extLst>
+              <a:ext uri="{FF2B5EF4-FFF2-40B4-BE49-F238E27FC236}">
+                <a16:creationId xmlns:a16="http://schemas.microsoft.com/office/drawing/2014/main" id="{2A5EBA90-6155-FD45-A74C-ECC42BCA72DF}"/>
+              </a:ext>
+            </a:extLst>
+          </p:cNvPr>
+          <p:cNvSpPr>
+            <a:spLocks noGrp="1"/>
+          </p:cNvSpPr>
+          <p:nvPr>
+            <p:ph idx="1"/>
+          </p:nvPr>
+        </p:nvSpPr>
+        <p:spPr/>
+        <p:txBody>
+          <a:bodyPr/>
+          <a:lstStyle/>
+          <a:p>
+            <a:r>
+              <a:rPr lang="de-DE" dirty="0"/>
+              <a:t>Thema: Sicherheit</a:t>
+            </a:r>
+          </a:p>
+          <a:p>
+            <a:pPr lvl="1"/>
+            <a:r>
+              <a:rPr lang="de-DE" dirty="0"/>
+              <a:t>Identity </a:t>
+            </a:r>
+            <a:r>
+              <a:rPr lang="de-DE" dirty="0" err="1"/>
+              <a:t>and</a:t>
+            </a:r>
+            <a:r>
+              <a:rPr lang="de-DE" dirty="0"/>
+              <a:t> Access Management (</a:t>
+            </a:r>
+            <a:r>
+              <a:rPr lang="de-DE" dirty="0" err="1"/>
+              <a:t>IdM</a:t>
+            </a:r>
+            <a:r>
+              <a:rPr lang="de-DE" dirty="0"/>
+              <a:t>, IAM, </a:t>
+            </a:r>
+            <a:r>
+              <a:rPr lang="de-DE" dirty="0" err="1"/>
+              <a:t>IdAM</a:t>
+            </a:r>
+            <a:r>
+              <a:rPr lang="de-DE" dirty="0"/>
+              <a:t>)</a:t>
+            </a:r>
+          </a:p>
+          <a:p>
+            <a:pPr lvl="2"/>
+            <a:r>
+              <a:rPr lang="de-DE" dirty="0"/>
+              <a:t>Software: </a:t>
+            </a:r>
+            <a:r>
+              <a:rPr lang="de-DE" dirty="0" err="1"/>
+              <a:t>Keycloak</a:t>
+            </a:r>
+            <a:endParaRPr lang="de-DE" dirty="0"/>
+          </a:p>
+          <a:p>
+            <a:pPr lvl="1"/>
+            <a:r>
+              <a:rPr lang="de-DE" dirty="0"/>
+              <a:t>Sicherung der Anwendung</a:t>
+            </a:r>
+          </a:p>
+          <a:p>
+            <a:pPr lvl="2"/>
+            <a:r>
+              <a:rPr lang="de-DE" dirty="0"/>
+              <a:t>Framework: Spring Security</a:t>
+            </a:r>
+          </a:p>
+        </p:txBody>
+      </p:sp>
+    </p:spTree>
+    <p:extLst>
+      <p:ext uri="{BB962C8B-B14F-4D97-AF65-F5344CB8AC3E}">
+        <p14:creationId xmlns:p14="http://schemas.microsoft.com/office/powerpoint/2010/main" val="1812459713"/>
+      </p:ext>
+    </p:extLst>
+  </p:cSld>
+  <p:clrMapOvr>
+    <a:masterClrMapping/>
+  </p:clrMapOvr>
+</p:sld>
+</file>
+
+<file path=ppt/slides/slide42.xml><?xml version="1.0" encoding="utf-8"?>
+<p:sld xmlns:a="http://schemas.openxmlformats.org/drawingml/2006/main" xmlns:r="http://schemas.openxmlformats.org/officeDocument/2006/relationships" xmlns:p="http://schemas.openxmlformats.org/presentationml/2006/main">
+  <p:cSld>
+    <p:spTree>
+      <p:nvGrpSpPr>
+        <p:cNvPr id="1" name=""/>
+        <p:cNvGrpSpPr/>
+        <p:nvPr/>
+      </p:nvGrpSpPr>
+      <p:grpSpPr>
+        <a:xfrm>
+          <a:off x="0" y="0"/>
+          <a:ext cx="0" cy="0"/>
+          <a:chOff x="0" y="0"/>
+          <a:chExt cx="0" cy="0"/>
+        </a:xfrm>
+      </p:grpSpPr>
+      <p:sp>
+        <p:nvSpPr>
+          <p:cNvPr id="2" name="Titel 1">
+            <a:extLst>
+              <a:ext uri="{FF2B5EF4-FFF2-40B4-BE49-F238E27FC236}">
+                <a16:creationId xmlns:a16="http://schemas.microsoft.com/office/drawing/2014/main" id="{0EC7A146-A8F2-A844-9033-A0ACC828AF47}"/>
+              </a:ext>
+            </a:extLst>
+          </p:cNvPr>
+          <p:cNvSpPr>
+            <a:spLocks noGrp="1"/>
+          </p:cNvSpPr>
+          <p:nvPr>
+            <p:ph type="title"/>
+          </p:nvPr>
+        </p:nvSpPr>
+        <p:spPr/>
+        <p:txBody>
+          <a:bodyPr/>
+          <a:lstStyle/>
+          <a:p>
+            <a:r>
+              <a:rPr lang="de-DE" dirty="0" err="1"/>
+              <a:t>Step</a:t>
+            </a:r>
+            <a:r>
+              <a:rPr lang="de-DE" dirty="0"/>
+              <a:t> 120</a:t>
+            </a:r>
+          </a:p>
+        </p:txBody>
+      </p:sp>
+      <p:sp>
+        <p:nvSpPr>
+          <p:cNvPr id="3" name="Inhaltsplatzhalter 2">
+            <a:extLst>
+              <a:ext uri="{FF2B5EF4-FFF2-40B4-BE49-F238E27FC236}">
+                <a16:creationId xmlns:a16="http://schemas.microsoft.com/office/drawing/2014/main" id="{2A5EBA90-6155-FD45-A74C-ECC42BCA72DF}"/>
+              </a:ext>
+            </a:extLst>
+          </p:cNvPr>
+          <p:cNvSpPr>
+            <a:spLocks noGrp="1"/>
+          </p:cNvSpPr>
+          <p:nvPr>
+            <p:ph idx="1"/>
+          </p:nvPr>
+        </p:nvSpPr>
+        <p:spPr/>
+        <p:txBody>
+          <a:bodyPr/>
+          <a:lstStyle/>
+          <a:p>
+            <a:r>
+              <a:rPr lang="de-DE" dirty="0"/>
+              <a:t>Thema: </a:t>
+            </a:r>
+            <a:r>
+              <a:rPr lang="de-DE" dirty="0" err="1"/>
+              <a:t>Lombok</a:t>
+            </a:r>
+            <a:endParaRPr lang="de-DE" dirty="0"/>
+          </a:p>
+        </p:txBody>
+      </p:sp>
+    </p:spTree>
+    <p:extLst>
+      <p:ext uri="{BB962C8B-B14F-4D97-AF65-F5344CB8AC3E}">
+        <p14:creationId xmlns:p14="http://schemas.microsoft.com/office/powerpoint/2010/main" val="386866240"/>
+      </p:ext>
+    </p:extLst>
+  </p:cSld>
+  <p:clrMapOvr>
+    <a:masterClrMapping/>
+  </p:clrMapOvr>
+</p:sld>
+</file>
+
+<file path=ppt/slides/slide43.xml><?xml version="1.0" encoding="utf-8"?>
+<p:sld xmlns:a="http://schemas.openxmlformats.org/drawingml/2006/main" xmlns:r="http://schemas.openxmlformats.org/officeDocument/2006/relationships" xmlns:p="http://schemas.openxmlformats.org/presentationml/2006/main">
+  <p:cSld>
+    <p:spTree>
+      <p:nvGrpSpPr>
+        <p:cNvPr id="1" name=""/>
+        <p:cNvGrpSpPr/>
+        <p:nvPr/>
+      </p:nvGrpSpPr>
+      <p:grpSpPr>
+        <a:xfrm>
+          <a:off x="0" y="0"/>
+          <a:ext cx="0" cy="0"/>
+          <a:chOff x="0" y="0"/>
+          <a:chExt cx="0" cy="0"/>
+        </a:xfrm>
+      </p:grpSpPr>
+      <p:sp>
+        <p:nvSpPr>
+          <p:cNvPr id="2" name="Titel 1">
+            <a:extLst>
+              <a:ext uri="{FF2B5EF4-FFF2-40B4-BE49-F238E27FC236}">
+                <a16:creationId xmlns:a16="http://schemas.microsoft.com/office/drawing/2014/main" id="{0EC7A146-A8F2-A844-9033-A0ACC828AF47}"/>
+              </a:ext>
+            </a:extLst>
+          </p:cNvPr>
+          <p:cNvSpPr>
+            <a:spLocks noGrp="1"/>
+          </p:cNvSpPr>
+          <p:nvPr>
+            <p:ph type="title"/>
+          </p:nvPr>
+        </p:nvSpPr>
+        <p:spPr/>
+        <p:txBody>
+          <a:bodyPr/>
+          <a:lstStyle/>
+          <a:p>
+            <a:r>
+              <a:rPr lang="de-DE" dirty="0" err="1"/>
+              <a:t>Step</a:t>
+            </a:r>
+            <a:r>
+              <a:rPr lang="de-DE" dirty="0"/>
+              <a:t> 130</a:t>
+            </a:r>
+          </a:p>
+        </p:txBody>
+      </p:sp>
+      <p:sp>
+        <p:nvSpPr>
+          <p:cNvPr id="3" name="Inhaltsplatzhalter 2">
+            <a:extLst>
+              <a:ext uri="{FF2B5EF4-FFF2-40B4-BE49-F238E27FC236}">
+                <a16:creationId xmlns:a16="http://schemas.microsoft.com/office/drawing/2014/main" id="{2A5EBA90-6155-FD45-A74C-ECC42BCA72DF}"/>
+              </a:ext>
+            </a:extLst>
+          </p:cNvPr>
+          <p:cNvSpPr>
+            <a:spLocks noGrp="1"/>
+          </p:cNvSpPr>
+          <p:nvPr>
+            <p:ph idx="1"/>
+          </p:nvPr>
+        </p:nvSpPr>
+        <p:spPr/>
+        <p:txBody>
+          <a:bodyPr/>
+          <a:lstStyle/>
+          <a:p>
+            <a:r>
+              <a:rPr lang="de-DE" dirty="0"/>
+              <a:t>Thema: Aufruf eines anderen </a:t>
+            </a:r>
+            <a:r>
+              <a:rPr lang="de-DE" dirty="0" err="1"/>
+              <a:t>Microservice</a:t>
+            </a:r>
+            <a:endParaRPr lang="de-DE" dirty="0"/>
+          </a:p>
+          <a:p>
+            <a:pPr lvl="1"/>
+            <a:r>
+              <a:rPr lang="de-DE" dirty="0"/>
+              <a:t>Absetzen eines REST-Calls</a:t>
+            </a:r>
+          </a:p>
+          <a:p>
+            <a:pPr lvl="2"/>
+            <a:r>
+              <a:rPr lang="de-DE" dirty="0"/>
+              <a:t>Framework: Spring </a:t>
+            </a:r>
+            <a:r>
+              <a:rPr lang="de-DE"/>
+              <a:t>WebFlux</a:t>
+            </a:r>
+            <a:endParaRPr lang="de-DE" dirty="0"/>
+          </a:p>
+        </p:txBody>
+      </p:sp>
+    </p:spTree>
+    <p:extLst>
+      <p:ext uri="{BB962C8B-B14F-4D97-AF65-F5344CB8AC3E}">
+        <p14:creationId xmlns:p14="http://schemas.microsoft.com/office/powerpoint/2010/main" val="1753332930"/>
       </p:ext>
     </p:extLst>
   </p:cSld>

--- a/Java-Starter.pptx
+++ b/Java-Starter.pptx
@@ -32,22 +32,26 @@
     <p:sldId id="262" r:id="rId26"/>
     <p:sldId id="294" r:id="rId27"/>
     <p:sldId id="295" r:id="rId28"/>
-    <p:sldId id="293" r:id="rId29"/>
-    <p:sldId id="263" r:id="rId30"/>
-    <p:sldId id="298" r:id="rId31"/>
-    <p:sldId id="302" r:id="rId32"/>
-    <p:sldId id="303" r:id="rId33"/>
-    <p:sldId id="301" r:id="rId34"/>
-    <p:sldId id="299" r:id="rId35"/>
-    <p:sldId id="300" r:id="rId36"/>
-    <p:sldId id="297" r:id="rId37"/>
-    <p:sldId id="264" r:id="rId38"/>
-    <p:sldId id="265" r:id="rId39"/>
-    <p:sldId id="266" r:id="rId40"/>
-    <p:sldId id="267" r:id="rId41"/>
-    <p:sldId id="304" r:id="rId42"/>
-    <p:sldId id="305" r:id="rId43"/>
-    <p:sldId id="306" r:id="rId44"/>
+    <p:sldId id="263" r:id="rId29"/>
+    <p:sldId id="307" r:id="rId30"/>
+    <p:sldId id="308" r:id="rId31"/>
+    <p:sldId id="309" r:id="rId32"/>
+    <p:sldId id="311" r:id="rId33"/>
+    <p:sldId id="298" r:id="rId34"/>
+    <p:sldId id="302" r:id="rId35"/>
+    <p:sldId id="303" r:id="rId36"/>
+    <p:sldId id="301" r:id="rId37"/>
+    <p:sldId id="299" r:id="rId38"/>
+    <p:sldId id="300" r:id="rId39"/>
+    <p:sldId id="297" r:id="rId40"/>
+    <p:sldId id="293" r:id="rId41"/>
+    <p:sldId id="264" r:id="rId42"/>
+    <p:sldId id="265" r:id="rId43"/>
+    <p:sldId id="266" r:id="rId44"/>
+    <p:sldId id="267" r:id="rId45"/>
+    <p:sldId id="304" r:id="rId46"/>
+    <p:sldId id="305" r:id="rId47"/>
+    <p:sldId id="306" r:id="rId48"/>
   </p:sldIdLst>
   <p:sldSz cx="12192000" cy="6858000"/>
   <p:notesSz cx="6858000" cy="9144000"/>
@@ -301,7 +305,7 @@
           <a:p>
             <a:fld id="{D504FEAC-1E62-0E47-82AE-5BB4BD139FFA}" type="datetimeFigureOut">
               <a:rPr lang="de-DE" smtClean="0"/>
-              <a:t>06.04.22</a:t>
+              <a:t>11.04.22</a:t>
             </a:fld>
             <a:endParaRPr lang="de-DE"/>
           </a:p>
@@ -499,7 +503,7 @@
           <a:p>
             <a:fld id="{D504FEAC-1E62-0E47-82AE-5BB4BD139FFA}" type="datetimeFigureOut">
               <a:rPr lang="de-DE" smtClean="0"/>
-              <a:t>06.04.22</a:t>
+              <a:t>11.04.22</a:t>
             </a:fld>
             <a:endParaRPr lang="de-DE"/>
           </a:p>
@@ -707,7 +711,7 @@
           <a:p>
             <a:fld id="{D504FEAC-1E62-0E47-82AE-5BB4BD139FFA}" type="datetimeFigureOut">
               <a:rPr lang="de-DE" smtClean="0"/>
-              <a:t>06.04.22</a:t>
+              <a:t>11.04.22</a:t>
             </a:fld>
             <a:endParaRPr lang="de-DE"/>
           </a:p>
@@ -905,7 +909,7 @@
           <a:p>
             <a:fld id="{D504FEAC-1E62-0E47-82AE-5BB4BD139FFA}" type="datetimeFigureOut">
               <a:rPr lang="de-DE" smtClean="0"/>
-              <a:t>06.04.22</a:t>
+              <a:t>11.04.22</a:t>
             </a:fld>
             <a:endParaRPr lang="de-DE"/>
           </a:p>
@@ -1180,7 +1184,7 @@
           <a:p>
             <a:fld id="{D504FEAC-1E62-0E47-82AE-5BB4BD139FFA}" type="datetimeFigureOut">
               <a:rPr lang="de-DE" smtClean="0"/>
-              <a:t>06.04.22</a:t>
+              <a:t>11.04.22</a:t>
             </a:fld>
             <a:endParaRPr lang="de-DE"/>
           </a:p>
@@ -1445,7 +1449,7 @@
           <a:p>
             <a:fld id="{D504FEAC-1E62-0E47-82AE-5BB4BD139FFA}" type="datetimeFigureOut">
               <a:rPr lang="de-DE" smtClean="0"/>
-              <a:t>06.04.22</a:t>
+              <a:t>11.04.22</a:t>
             </a:fld>
             <a:endParaRPr lang="de-DE"/>
           </a:p>
@@ -1857,7 +1861,7 @@
           <a:p>
             <a:fld id="{D504FEAC-1E62-0E47-82AE-5BB4BD139FFA}" type="datetimeFigureOut">
               <a:rPr lang="de-DE" smtClean="0"/>
-              <a:t>06.04.22</a:t>
+              <a:t>11.04.22</a:t>
             </a:fld>
             <a:endParaRPr lang="de-DE"/>
           </a:p>
@@ -1998,7 +2002,7 @@
           <a:p>
             <a:fld id="{D504FEAC-1E62-0E47-82AE-5BB4BD139FFA}" type="datetimeFigureOut">
               <a:rPr lang="de-DE" smtClean="0"/>
-              <a:t>06.04.22</a:t>
+              <a:t>11.04.22</a:t>
             </a:fld>
             <a:endParaRPr lang="de-DE"/>
           </a:p>
@@ -2111,7 +2115,7 @@
           <a:p>
             <a:fld id="{D504FEAC-1E62-0E47-82AE-5BB4BD139FFA}" type="datetimeFigureOut">
               <a:rPr lang="de-DE" smtClean="0"/>
-              <a:t>06.04.22</a:t>
+              <a:t>11.04.22</a:t>
             </a:fld>
             <a:endParaRPr lang="de-DE"/>
           </a:p>
@@ -2422,7 +2426,7 @@
           <a:p>
             <a:fld id="{D504FEAC-1E62-0E47-82AE-5BB4BD139FFA}" type="datetimeFigureOut">
               <a:rPr lang="de-DE" smtClean="0"/>
-              <a:t>06.04.22</a:t>
+              <a:t>11.04.22</a:t>
             </a:fld>
             <a:endParaRPr lang="de-DE"/>
           </a:p>
@@ -2710,7 +2714,7 @@
           <a:p>
             <a:fld id="{D504FEAC-1E62-0E47-82AE-5BB4BD139FFA}" type="datetimeFigureOut">
               <a:rPr lang="de-DE" smtClean="0"/>
-              <a:t>06.04.22</a:t>
+              <a:t>11.04.22</a:t>
             </a:fld>
             <a:endParaRPr lang="de-DE"/>
           </a:p>
@@ -2951,7 +2955,7 @@
           <a:p>
             <a:fld id="{D504FEAC-1E62-0E47-82AE-5BB4BD139FFA}" type="datetimeFigureOut">
               <a:rPr lang="de-DE" smtClean="0"/>
-              <a:t>06.04.22</a:t>
+              <a:t>11.04.22</a:t>
             </a:fld>
             <a:endParaRPr lang="de-DE"/>
           </a:p>
@@ -7948,7 +7952,7 @@
             </a:r>
             <a:r>
               <a:rPr lang="de-DE" dirty="0"/>
-              <a:t> 55</a:t>
+              <a:t> 60</a:t>
             </a:r>
           </a:p>
         </p:txBody>
@@ -7976,155 +7980,103 @@
           <a:p>
             <a:r>
               <a:rPr lang="de-DE" dirty="0"/>
-              <a:t>Thema: Unit-Tests</a:t>
+              <a:t>HTTP – das Protokoll des Internets</a:t>
+            </a:r>
+          </a:p>
+          <a:p>
+            <a:pPr lvl="1"/>
+            <a:r>
+              <a:rPr lang="de-DE" dirty="0"/>
+              <a:t> zustandsloses Protokoll zur Übertragung von Daten über ein Rechnernetz</a:t>
+            </a:r>
+          </a:p>
+          <a:p>
+            <a:r>
+              <a:rPr lang="de-DE" dirty="0">
+                <a:cs typeface="Courier New" panose="02070309020205020404" pitchFamily="49" charset="0"/>
+              </a:rPr>
+              <a:t>Eng verknüpft mit</a:t>
+            </a:r>
+          </a:p>
+          <a:p>
+            <a:pPr lvl="1"/>
+            <a:r>
+              <a:rPr lang="de-DE" dirty="0">
+                <a:cs typeface="Courier New" panose="02070309020205020404" pitchFamily="49" charset="0"/>
+              </a:rPr>
+              <a:t>URLs (URIs)</a:t>
+            </a:r>
+          </a:p>
+          <a:p>
+            <a:pPr lvl="2"/>
+            <a:r>
+              <a:rPr lang="de-DE" dirty="0">
+                <a:cs typeface="Courier New" panose="02070309020205020404" pitchFamily="49" charset="0"/>
+              </a:rPr>
+              <a:t>Identifiziert eine Ressource in Computernetzwerken</a:t>
+            </a:r>
+          </a:p>
+          <a:p>
+            <a:pPr lvl="2"/>
+            <a:r>
+              <a:rPr lang="de-DE" dirty="0">
+                <a:cs typeface="Courier New" panose="02070309020205020404" pitchFamily="49" charset="0"/>
+              </a:rPr>
+              <a:t>Beispiel: </a:t>
+            </a:r>
+            <a:r>
+              <a:rPr lang="de-DE" dirty="0">
+                <a:cs typeface="Courier New" panose="02070309020205020404" pitchFamily="49" charset="0"/>
+                <a:hlinkClick r:id="rId2"/>
+              </a:rPr>
+              <a:t>http://localhost:8080/hello.html</a:t>
             </a:r>
             <a:endParaRPr lang="de-DE" dirty="0">
-              <a:latin typeface="Courier New" panose="02070309020205020404" pitchFamily="49" charset="0"/>
               <a:cs typeface="Courier New" panose="02070309020205020404" pitchFamily="49" charset="0"/>
             </a:endParaRPr>
           </a:p>
           <a:p>
             <a:pPr lvl="1"/>
             <a:r>
+              <a:rPr lang="de-DE" dirty="0">
+                <a:cs typeface="Courier New" panose="02070309020205020404" pitchFamily="49" charset="0"/>
+              </a:rPr>
+              <a:t>HTML</a:t>
+            </a:r>
+          </a:p>
+          <a:p>
+            <a:pPr lvl="2"/>
+            <a:r>
+              <a:rPr lang="de-DE" dirty="0">
+                <a:cs typeface="Courier New" panose="02070309020205020404" pitchFamily="49" charset="0"/>
+              </a:rPr>
+              <a:t>Auszeichnungssprache zur Strukturierung elektronischer Dokumente wie Texte mit Hyperlinks, Bildern und anderen Inhalten</a:t>
+            </a:r>
+          </a:p>
+          <a:p>
+            <a:pPr lvl="2"/>
+            <a:r>
+              <a:rPr lang="de-DE" dirty="0">
+                <a:cs typeface="Courier New" panose="02070309020205020404" pitchFamily="49" charset="0"/>
+              </a:rPr>
+              <a:t> Beispiel: </a:t>
+            </a:r>
+            <a:r>
               <a:rPr lang="de-DE" dirty="0" err="1">
-                <a:latin typeface="Courier New" panose="02070309020205020404" pitchFamily="49" charset="0"/>
-                <a:cs typeface="Courier New" panose="02070309020205020404" pitchFamily="49" charset="0"/>
-              </a:rPr>
-              <a:t>HelloWorldApplication</a:t>
-            </a:r>
-            <a:r>
-              <a:rPr lang="de-DE" dirty="0"/>
-              <a:t> lässt sich schlecht testen</a:t>
-            </a:r>
-          </a:p>
-          <a:p>
-            <a:pPr lvl="1"/>
-            <a:r>
-              <a:rPr lang="de-DE" dirty="0"/>
-              <a:t>Wie lässt sich das verbessern?</a:t>
-            </a:r>
-          </a:p>
-          <a:p>
-            <a:pPr lvl="2"/>
-            <a:r>
-              <a:rPr lang="de-DE" dirty="0" err="1"/>
-              <a:t>Dependency</a:t>
-            </a:r>
-            <a:r>
-              <a:rPr lang="de-DE" dirty="0"/>
-              <a:t> </a:t>
-            </a:r>
-            <a:r>
-              <a:rPr lang="de-DE" dirty="0" err="1"/>
-              <a:t>injection</a:t>
-            </a:r>
-            <a:endParaRPr lang="de-DE" dirty="0"/>
-          </a:p>
-          <a:p>
-            <a:pPr lvl="3"/>
-            <a:r>
-              <a:rPr lang="de-DE" dirty="0"/>
-              <a:t>Ein </a:t>
-            </a:r>
-            <a:r>
-              <a:rPr lang="de-DE" dirty="0" err="1">
-                <a:latin typeface="Courier New" panose="02070309020205020404" pitchFamily="49" charset="0"/>
-                <a:cs typeface="Courier New" panose="02070309020205020404" pitchFamily="49" charset="0"/>
-              </a:rPr>
-              <a:t>Greeter</a:t>
-            </a:r>
-            <a:r>
-              <a:rPr lang="de-DE" dirty="0"/>
-              <a:t> wird nicht innerhalb </a:t>
-            </a:r>
-            <a:r>
-              <a:rPr lang="de-DE" dirty="0" err="1">
-                <a:latin typeface="Courier New" panose="02070309020205020404" pitchFamily="49" charset="0"/>
-                <a:cs typeface="Courier New" panose="02070309020205020404" pitchFamily="49" charset="0"/>
-              </a:rPr>
-              <a:t>HelloWorldApplication</a:t>
-            </a:r>
-            <a:r>
-              <a:rPr lang="de-DE" dirty="0"/>
-              <a:t> erzeugt, sondern von außen übergeben (</a:t>
-            </a:r>
-            <a:r>
-              <a:rPr lang="de-DE" dirty="0" err="1"/>
-              <a:t>injected</a:t>
-            </a:r>
-            <a:r>
-              <a:rPr lang="de-DE" dirty="0"/>
-              <a:t>)</a:t>
-            </a:r>
-          </a:p>
-          <a:p>
-            <a:pPr lvl="3"/>
-            <a:r>
-              <a:rPr lang="de-DE" dirty="0"/>
-              <a:t>Vorteil: wir können ein spezielles Test-Objekt nutzen</a:t>
-            </a:r>
-          </a:p>
-          <a:p>
-            <a:pPr lvl="2"/>
-            <a:r>
-              <a:rPr lang="de-DE" dirty="0" err="1"/>
-              <a:t>Mocking</a:t>
-            </a:r>
-            <a:endParaRPr lang="de-DE" dirty="0"/>
-          </a:p>
-          <a:p>
-            <a:pPr lvl="3"/>
-            <a:r>
-              <a:rPr lang="de-DE" dirty="0"/>
-              <a:t>Statt des </a:t>
-            </a:r>
-            <a:r>
-              <a:rPr lang="de-DE" dirty="0" err="1">
-                <a:latin typeface="Courier New" panose="02070309020205020404" pitchFamily="49" charset="0"/>
-                <a:cs typeface="Courier New" panose="02070309020205020404" pitchFamily="49" charset="0"/>
-              </a:rPr>
-              <a:t>Greeter</a:t>
-            </a:r>
-            <a:r>
-              <a:rPr lang="de-DE" dirty="0"/>
-              <a:t>-Service wird ein spezielles Test-Objekt (</a:t>
-            </a:r>
-            <a:r>
-              <a:rPr lang="de-DE" dirty="0" err="1">
-                <a:latin typeface="Courier New" panose="02070309020205020404" pitchFamily="49" charset="0"/>
-                <a:cs typeface="Courier New" panose="02070309020205020404" pitchFamily="49" charset="0"/>
-              </a:rPr>
-              <a:t>GreeterMock</a:t>
-            </a:r>
-            <a:r>
-              <a:rPr lang="de-DE" dirty="0"/>
-              <a:t>) genutzt</a:t>
-            </a:r>
-          </a:p>
-          <a:p>
-            <a:pPr lvl="3"/>
-            <a:r>
-              <a:rPr lang="de-DE" dirty="0"/>
-              <a:t>Dieses Test-Objekt ermöglicht uns zu prüfen, was </a:t>
-            </a:r>
-            <a:r>
-              <a:rPr lang="de-DE" dirty="0" err="1">
-                <a:latin typeface="Courier New" panose="02070309020205020404" pitchFamily="49" charset="0"/>
-                <a:cs typeface="Courier New" panose="02070309020205020404" pitchFamily="49" charset="0"/>
-              </a:rPr>
-              <a:t>HelloWorldApplication</a:t>
-            </a:r>
-            <a:r>
-              <a:rPr lang="de-DE" dirty="0"/>
-              <a:t> tatsächlich tut</a:t>
-            </a:r>
+                <a:cs typeface="Courier New" panose="02070309020205020404" pitchFamily="49" charset="0"/>
+              </a:rPr>
+              <a:t>hello.html</a:t>
+            </a:r>
+            <a:endParaRPr lang="de-DE" dirty="0">
+              <a:cs typeface="Courier New" panose="02070309020205020404" pitchFamily="49" charset="0"/>
+            </a:endParaRPr>
           </a:p>
         </p:txBody>
       </p:sp>
     </p:spTree>
     <p:extLst>
       <p:ext uri="{BB962C8B-B14F-4D97-AF65-F5344CB8AC3E}">
-        <p14:creationId xmlns:p14="http://schemas.microsoft.com/office/powerpoint/2010/main" val="1186333636"/>
+        <p14:creationId xmlns:p14="http://schemas.microsoft.com/office/powerpoint/2010/main" val="1717894978"/>
       </p:ext>
     </p:extLst>
   </p:cSld>
@@ -8206,22 +8158,24 @@
           <a:p>
             <a:r>
               <a:rPr lang="de-DE" dirty="0"/>
-              <a:t>HTTP – das Protokoll des Internets</a:t>
+              <a:t>JSON – JavaScript </a:t>
+            </a:r>
+            <a:r>
+              <a:rPr lang="de-DE" dirty="0" err="1"/>
+              <a:t>Object</a:t>
+            </a:r>
+            <a:r>
+              <a:rPr lang="de-DE" dirty="0"/>
+              <a:t> Notation</a:t>
             </a:r>
           </a:p>
           <a:p>
             <a:pPr lvl="1"/>
             <a:r>
-              <a:rPr lang="de-DE" dirty="0"/>
-              <a:t> zustandsloses Protokoll zur Übertragung von Daten über ein Rechnernetz</a:t>
-            </a:r>
-          </a:p>
-          <a:p>
-            <a:r>
-              <a:rPr lang="de-DE" dirty="0">
-                <a:cs typeface="Courier New" panose="02070309020205020404" pitchFamily="49" charset="0"/>
-              </a:rPr>
-              <a:t>Eng verknüpft mit</a:t>
+              <a:rPr lang="de-DE" dirty="0">
+                <a:cs typeface="Courier New" panose="02070309020205020404" pitchFamily="49" charset="0"/>
+              </a:rPr>
+              <a:t>Datenformat in Textform zum Datenaustausch</a:t>
             </a:r>
           </a:p>
           <a:p>
@@ -8230,79 +8184,142 @@
               <a:rPr lang="de-DE" dirty="0">
                 <a:cs typeface="Courier New" panose="02070309020205020404" pitchFamily="49" charset="0"/>
               </a:rPr>
-              <a:t>URLs (URIs)</a:t>
-            </a:r>
-          </a:p>
-          <a:p>
-            <a:pPr lvl="2"/>
-            <a:r>
-              <a:rPr lang="de-DE" dirty="0">
-                <a:cs typeface="Courier New" panose="02070309020205020404" pitchFamily="49" charset="0"/>
-              </a:rPr>
-              <a:t>Identifiziert eine Ressource in Computernetzwerken</a:t>
-            </a:r>
-          </a:p>
-          <a:p>
-            <a:pPr lvl="2"/>
-            <a:r>
-              <a:rPr lang="de-DE" dirty="0">
-                <a:cs typeface="Courier New" panose="02070309020205020404" pitchFamily="49" charset="0"/>
-              </a:rPr>
-              <a:t>Beispiel: </a:t>
-            </a:r>
-            <a:r>
-              <a:rPr lang="de-DE" dirty="0">
-                <a:cs typeface="Courier New" panose="02070309020205020404" pitchFamily="49" charset="0"/>
-                <a:hlinkClick r:id="rId2"/>
-              </a:rPr>
-              <a:t>http://localhost:8080/hello.html</a:t>
+              <a:t>Werte</a:t>
+            </a:r>
+          </a:p>
+          <a:p>
+            <a:pPr lvl="2"/>
+            <a:r>
+              <a:rPr lang="de-DE" dirty="0" err="1">
+                <a:cs typeface="Courier New" panose="02070309020205020404" pitchFamily="49" charset="0"/>
+              </a:rPr>
+              <a:t>Nullwert</a:t>
+            </a:r>
+            <a:r>
+              <a:rPr lang="de-DE" dirty="0">
+                <a:cs typeface="Courier New" panose="02070309020205020404" pitchFamily="49" charset="0"/>
+              </a:rPr>
+              <a:t> – </a:t>
+            </a:r>
+            <a:r>
+              <a:rPr lang="de-DE" dirty="0">
+                <a:latin typeface="Courier New" panose="02070309020205020404" pitchFamily="49" charset="0"/>
+                <a:cs typeface="Courier New" panose="02070309020205020404" pitchFamily="49" charset="0"/>
+              </a:rPr>
+              <a:t>null</a:t>
+            </a:r>
+          </a:p>
+          <a:p>
+            <a:pPr lvl="2"/>
+            <a:r>
+              <a:rPr lang="de-DE" dirty="0">
+                <a:cs typeface="Courier New" panose="02070309020205020404" pitchFamily="49" charset="0"/>
+              </a:rPr>
+              <a:t>Boolescher Wert - </a:t>
+            </a:r>
+            <a:r>
+              <a:rPr lang="de-DE" dirty="0" err="1">
+                <a:latin typeface="Courier New" panose="02070309020205020404" pitchFamily="49" charset="0"/>
+                <a:cs typeface="Courier New" panose="02070309020205020404" pitchFamily="49" charset="0"/>
+              </a:rPr>
+              <a:t>true</a:t>
+            </a:r>
+            <a:r>
+              <a:rPr lang="de-DE" dirty="0">
+                <a:cs typeface="Courier New" panose="02070309020205020404" pitchFamily="49" charset="0"/>
+              </a:rPr>
+              <a:t>, </a:t>
+            </a:r>
+            <a:r>
+              <a:rPr lang="de-DE" dirty="0" err="1">
+                <a:latin typeface="Courier New" panose="02070309020205020404" pitchFamily="49" charset="0"/>
+                <a:cs typeface="Courier New" panose="02070309020205020404" pitchFamily="49" charset="0"/>
+              </a:rPr>
+              <a:t>false</a:t>
             </a:r>
             <a:endParaRPr lang="de-DE" dirty="0">
+              <a:latin typeface="Courier New" panose="02070309020205020404" pitchFamily="49" charset="0"/>
               <a:cs typeface="Courier New" panose="02070309020205020404" pitchFamily="49" charset="0"/>
             </a:endParaRPr>
           </a:p>
           <a:p>
-            <a:pPr lvl="1"/>
-            <a:r>
-              <a:rPr lang="de-DE" dirty="0">
-                <a:cs typeface="Courier New" panose="02070309020205020404" pitchFamily="49" charset="0"/>
-              </a:rPr>
-              <a:t>HTML</a:t>
-            </a:r>
-          </a:p>
-          <a:p>
-            <a:pPr lvl="2"/>
-            <a:r>
-              <a:rPr lang="de-DE" dirty="0">
-                <a:cs typeface="Courier New" panose="02070309020205020404" pitchFamily="49" charset="0"/>
-              </a:rPr>
-              <a:t>Auszeichnungssprache zur Strukturierung elektronischer Dokumente wie Texte mit Hyperlinks, Bildern und anderen Inhalten</a:t>
-            </a:r>
-          </a:p>
-          <a:p>
-            <a:pPr lvl="2"/>
-            <a:r>
-              <a:rPr lang="de-DE" dirty="0">
-                <a:cs typeface="Courier New" panose="02070309020205020404" pitchFamily="49" charset="0"/>
-              </a:rPr>
-              <a:t> Beispiel: </a:t>
+            <a:pPr lvl="2"/>
+            <a:r>
+              <a:rPr lang="de-DE" dirty="0">
+                <a:cs typeface="Courier New" panose="02070309020205020404" pitchFamily="49" charset="0"/>
+              </a:rPr>
+              <a:t>Zahl – </a:t>
+            </a:r>
+            <a:r>
+              <a:rPr lang="de-DE" dirty="0">
+                <a:latin typeface="Courier New" panose="02070309020205020404" pitchFamily="49" charset="0"/>
+                <a:cs typeface="Courier New" panose="02070309020205020404" pitchFamily="49" charset="0"/>
+              </a:rPr>
+              <a:t>42</a:t>
+            </a:r>
+            <a:r>
+              <a:rPr lang="de-DE" dirty="0">
+                <a:cs typeface="Courier New" panose="02070309020205020404" pitchFamily="49" charset="0"/>
+              </a:rPr>
+              <a:t>, </a:t>
+            </a:r>
+            <a:r>
+              <a:rPr lang="de-DE" dirty="0">
+                <a:latin typeface="Courier New" panose="02070309020205020404" pitchFamily="49" charset="0"/>
+                <a:cs typeface="Courier New" panose="02070309020205020404" pitchFamily="49" charset="0"/>
+              </a:rPr>
+              <a:t>3.141</a:t>
+            </a:r>
+            <a:r>
+              <a:rPr lang="de-DE" dirty="0">
+                <a:cs typeface="Courier New" panose="02070309020205020404" pitchFamily="49" charset="0"/>
+              </a:rPr>
+              <a:t>, </a:t>
+            </a:r>
+            <a:r>
+              <a:rPr lang="de-DE" dirty="0">
+                <a:latin typeface="Courier New" panose="02070309020205020404" pitchFamily="49" charset="0"/>
+                <a:cs typeface="Courier New" panose="02070309020205020404" pitchFamily="49" charset="0"/>
+              </a:rPr>
+              <a:t>-17.2</a:t>
+            </a:r>
+          </a:p>
+          <a:p>
+            <a:pPr lvl="2"/>
+            <a:r>
+              <a:rPr lang="de-DE" dirty="0">
+                <a:cs typeface="Courier New" panose="02070309020205020404" pitchFamily="49" charset="0"/>
+              </a:rPr>
+              <a:t>Zeichenkette – </a:t>
+            </a:r>
+            <a:r>
+              <a:rPr lang="de-DE" dirty="0">
+                <a:latin typeface="Courier New" panose="02070309020205020404" pitchFamily="49" charset="0"/>
+                <a:cs typeface="Courier New" panose="02070309020205020404" pitchFamily="49" charset="0"/>
+              </a:rPr>
+              <a:t>"</a:t>
             </a:r>
             <a:r>
               <a:rPr lang="de-DE" dirty="0" err="1">
-                <a:cs typeface="Courier New" panose="02070309020205020404" pitchFamily="49" charset="0"/>
-              </a:rPr>
-              <a:t>hello.html</a:t>
-            </a:r>
-            <a:endParaRPr lang="de-DE" dirty="0">
-              <a:cs typeface="Courier New" panose="02070309020205020404" pitchFamily="49" charset="0"/>
-            </a:endParaRPr>
+                <a:latin typeface="Courier New" panose="02070309020205020404" pitchFamily="49" charset="0"/>
+                <a:cs typeface="Courier New" panose="02070309020205020404" pitchFamily="49" charset="0"/>
+              </a:rPr>
+              <a:t>Hello</a:t>
+            </a:r>
+            <a:r>
+              <a:rPr lang="de-DE" dirty="0">
+                <a:latin typeface="Courier New" panose="02070309020205020404" pitchFamily="49" charset="0"/>
+                <a:cs typeface="Courier New" panose="02070309020205020404" pitchFamily="49" charset="0"/>
+              </a:rPr>
+              <a:t> World"</a:t>
+            </a:r>
           </a:p>
         </p:txBody>
       </p:sp>
     </p:spTree>
     <p:extLst>
       <p:ext uri="{BB962C8B-B14F-4D97-AF65-F5344CB8AC3E}">
-        <p14:creationId xmlns:p14="http://schemas.microsoft.com/office/powerpoint/2010/main" val="1717894978"/>
+        <p14:creationId xmlns:p14="http://schemas.microsoft.com/office/powerpoint/2010/main" val="4268162482"/>
       </p:ext>
     </p:extLst>
   </p:cSld>
@@ -8551,51 +8568,198 @@
         </p:nvSpPr>
         <p:spPr/>
         <p:txBody>
-          <a:bodyPr>
-            <a:normAutofit/>
-          </a:bodyPr>
-          <a:lstStyle/>
-          <a:p>
-            <a:r>
-              <a:rPr lang="de-DE" dirty="0"/>
-              <a:t>REST-Endpunkt</a:t>
+          <a:bodyPr/>
+          <a:lstStyle/>
+          <a:p>
+            <a:r>
+              <a:rPr lang="de-DE" dirty="0"/>
+              <a:t>JSON – JavaScript </a:t>
+            </a:r>
+            <a:r>
+              <a:rPr lang="de-DE" dirty="0" err="1"/>
+              <a:t>Object</a:t>
+            </a:r>
+            <a:r>
+              <a:rPr lang="de-DE" dirty="0"/>
+              <a:t> Notation</a:t>
             </a:r>
           </a:p>
           <a:p>
             <a:pPr lvl="1"/>
             <a:r>
-              <a:rPr lang="de-DE" dirty="0"/>
-              <a:t>Schnittstelle eines </a:t>
-            </a:r>
-            <a:r>
-              <a:rPr lang="de-DE" dirty="0" err="1"/>
-              <a:t>Microservices</a:t>
-            </a:r>
-            <a:r>
-              <a:rPr lang="de-DE" dirty="0"/>
-              <a:t>, über die Funktionen des </a:t>
-            </a:r>
-            <a:r>
-              <a:rPr lang="de-DE" dirty="0" err="1"/>
-              <a:t>Microservice</a:t>
-            </a:r>
-            <a:r>
-              <a:rPr lang="de-DE" dirty="0"/>
-              <a:t> aufgerufen werden können</a:t>
+              <a:rPr lang="de-DE" dirty="0">
+                <a:cs typeface="Courier New" panose="02070309020205020404" pitchFamily="49" charset="0"/>
+              </a:rPr>
+              <a:t>Datenformat in Textform zum Datenaustausch</a:t>
             </a:r>
           </a:p>
           <a:p>
             <a:pPr lvl="1"/>
             <a:r>
-              <a:rPr lang="de-DE" dirty="0"/>
-              <a:t>Basierend auf dem HTTP-Protokoll</a:t>
-            </a:r>
-          </a:p>
-          <a:p>
-            <a:pPr lvl="1"/>
-            <a:r>
-              <a:rPr lang="de-DE" dirty="0"/>
-              <a:t>Codierung der Daten als JSON</a:t>
+              <a:rPr lang="de-DE" dirty="0">
+                <a:cs typeface="Courier New" panose="02070309020205020404" pitchFamily="49" charset="0"/>
+              </a:rPr>
+              <a:t>Werte</a:t>
+            </a:r>
+          </a:p>
+          <a:p>
+            <a:pPr lvl="2"/>
+            <a:r>
+              <a:rPr lang="de-DE" dirty="0">
+                <a:cs typeface="Courier New" panose="02070309020205020404" pitchFamily="49" charset="0"/>
+              </a:rPr>
+              <a:t>Array – </a:t>
+            </a:r>
+            <a:r>
+              <a:rPr lang="de-DE" dirty="0">
+                <a:latin typeface="Courier New" panose="02070309020205020404" pitchFamily="49" charset="0"/>
+                <a:cs typeface="Courier New" panose="02070309020205020404" pitchFamily="49" charset="0"/>
+              </a:rPr>
+              <a:t>[</a:t>
+            </a:r>
+            <a:r>
+              <a:rPr lang="de-DE" dirty="0">
+                <a:cs typeface="Courier New" panose="02070309020205020404" pitchFamily="49" charset="0"/>
+              </a:rPr>
+              <a:t> … </a:t>
+            </a:r>
+            <a:r>
+              <a:rPr lang="de-DE" dirty="0">
+                <a:latin typeface="Courier New" panose="02070309020205020404" pitchFamily="49" charset="0"/>
+                <a:cs typeface="Courier New" panose="02070309020205020404" pitchFamily="49" charset="0"/>
+              </a:rPr>
+              <a:t>,</a:t>
+            </a:r>
+            <a:r>
+              <a:rPr lang="de-DE" dirty="0">
+                <a:cs typeface="Courier New" panose="02070309020205020404" pitchFamily="49" charset="0"/>
+              </a:rPr>
+              <a:t> … </a:t>
+            </a:r>
+            <a:r>
+              <a:rPr lang="de-DE" dirty="0">
+                <a:latin typeface="Courier New" panose="02070309020205020404" pitchFamily="49" charset="0"/>
+                <a:cs typeface="Courier New" panose="02070309020205020404" pitchFamily="49" charset="0"/>
+              </a:rPr>
+              <a:t>,</a:t>
+            </a:r>
+            <a:r>
+              <a:rPr lang="de-DE" dirty="0">
+                <a:cs typeface="Courier New" panose="02070309020205020404" pitchFamily="49" charset="0"/>
+              </a:rPr>
+              <a:t> … </a:t>
+            </a:r>
+            <a:r>
+              <a:rPr lang="de-DE" dirty="0">
+                <a:latin typeface="Courier New" panose="02070309020205020404" pitchFamily="49" charset="0"/>
+                <a:cs typeface="Courier New" panose="02070309020205020404" pitchFamily="49" charset="0"/>
+              </a:rPr>
+              <a:t>]</a:t>
+            </a:r>
+          </a:p>
+          <a:p>
+            <a:pPr lvl="3"/>
+            <a:r>
+              <a:rPr lang="de-DE" dirty="0">
+                <a:cs typeface="Courier New" panose="02070309020205020404" pitchFamily="49" charset="0"/>
+              </a:rPr>
+              <a:t>Liste von Elementen (Array, </a:t>
+            </a:r>
+            <a:r>
+              <a:rPr lang="de-DE" dirty="0" err="1">
+                <a:cs typeface="Courier New" panose="02070309020205020404" pitchFamily="49" charset="0"/>
+              </a:rPr>
+              <a:t>Object</a:t>
+            </a:r>
+            <a:r>
+              <a:rPr lang="de-DE" dirty="0">
+                <a:cs typeface="Courier New" panose="02070309020205020404" pitchFamily="49" charset="0"/>
+              </a:rPr>
+              <a:t>)</a:t>
+            </a:r>
+          </a:p>
+          <a:p>
+            <a:pPr lvl="2"/>
+            <a:r>
+              <a:rPr lang="de-DE" dirty="0" err="1">
+                <a:cs typeface="Courier New" panose="02070309020205020404" pitchFamily="49" charset="0"/>
+              </a:rPr>
+              <a:t>Object</a:t>
+            </a:r>
+            <a:r>
+              <a:rPr lang="de-DE" dirty="0">
+                <a:cs typeface="Courier New" panose="02070309020205020404" pitchFamily="49" charset="0"/>
+              </a:rPr>
+              <a:t> – </a:t>
+            </a:r>
+            <a:r>
+              <a:rPr lang="de-DE" dirty="0">
+                <a:latin typeface="Courier New" panose="02070309020205020404" pitchFamily="49" charset="0"/>
+                <a:cs typeface="Courier New" panose="02070309020205020404" pitchFamily="49" charset="0"/>
+              </a:rPr>
+              <a:t>{</a:t>
+            </a:r>
+            <a:r>
+              <a:rPr lang="de-DE" dirty="0">
+                <a:cs typeface="Courier New" panose="02070309020205020404" pitchFamily="49" charset="0"/>
+              </a:rPr>
+              <a:t> … </a:t>
+            </a:r>
+            <a:r>
+              <a:rPr lang="de-DE" dirty="0">
+                <a:latin typeface="Courier New" panose="02070309020205020404" pitchFamily="49" charset="0"/>
+                <a:cs typeface="Courier New" panose="02070309020205020404" pitchFamily="49" charset="0"/>
+              </a:rPr>
+              <a:t>,</a:t>
+            </a:r>
+            <a:r>
+              <a:rPr lang="de-DE" dirty="0">
+                <a:cs typeface="Courier New" panose="02070309020205020404" pitchFamily="49" charset="0"/>
+              </a:rPr>
+              <a:t> … </a:t>
+            </a:r>
+            <a:r>
+              <a:rPr lang="de-DE" dirty="0">
+                <a:latin typeface="Courier New" panose="02070309020205020404" pitchFamily="49" charset="0"/>
+                <a:cs typeface="Courier New" panose="02070309020205020404" pitchFamily="49" charset="0"/>
+              </a:rPr>
+              <a:t>,</a:t>
+            </a:r>
+            <a:r>
+              <a:rPr lang="de-DE" dirty="0">
+                <a:cs typeface="Courier New" panose="02070309020205020404" pitchFamily="49" charset="0"/>
+              </a:rPr>
+              <a:t> … }</a:t>
+            </a:r>
+          </a:p>
+          <a:p>
+            <a:pPr lvl="3"/>
+            <a:r>
+              <a:rPr lang="de-DE" dirty="0">
+                <a:cs typeface="Courier New" panose="02070309020205020404" pitchFamily="49" charset="0"/>
+              </a:rPr>
+              <a:t>Liste von Eigenschaften - </a:t>
+            </a:r>
+            <a:r>
+              <a:rPr lang="de-DE" dirty="0">
+                <a:latin typeface="Courier New" panose="02070309020205020404" pitchFamily="49" charset="0"/>
+                <a:cs typeface="Courier New" panose="02070309020205020404" pitchFamily="49" charset="0"/>
+              </a:rPr>
+              <a:t>"</a:t>
+            </a:r>
+            <a:r>
+              <a:rPr lang="de-DE" dirty="0" err="1">
+                <a:latin typeface="Courier New" panose="02070309020205020404" pitchFamily="49" charset="0"/>
+                <a:cs typeface="Courier New" panose="02070309020205020404" pitchFamily="49" charset="0"/>
+              </a:rPr>
+              <a:t>vorname</a:t>
+            </a:r>
+            <a:r>
+              <a:rPr lang="de-DE" dirty="0">
+                <a:latin typeface="Courier New" panose="02070309020205020404" pitchFamily="49" charset="0"/>
+                <a:cs typeface="Courier New" panose="02070309020205020404" pitchFamily="49" charset="0"/>
+              </a:rPr>
+              <a:t>" : " Georg"</a:t>
             </a:r>
           </a:p>
         </p:txBody>
@@ -8603,7 +8767,7 @@
     </p:spTree>
     <p:extLst>
       <p:ext uri="{BB962C8B-B14F-4D97-AF65-F5344CB8AC3E}">
-        <p14:creationId xmlns:p14="http://schemas.microsoft.com/office/powerpoint/2010/main" val="254585829"/>
+        <p14:creationId xmlns:p14="http://schemas.microsoft.com/office/powerpoint/2010/main" val="3126683541"/>
       </p:ext>
     </p:extLst>
   </p:cSld>
@@ -8632,38 +8796,6 @@
       </p:grpSpPr>
       <p:sp>
         <p:nvSpPr>
-          <p:cNvPr id="2" name="Titel 1">
-            <a:extLst>
-              <a:ext uri="{FF2B5EF4-FFF2-40B4-BE49-F238E27FC236}">
-                <a16:creationId xmlns:a16="http://schemas.microsoft.com/office/drawing/2014/main" id="{0EC7A146-A8F2-A844-9033-A0ACC828AF47}"/>
-              </a:ext>
-            </a:extLst>
-          </p:cNvPr>
-          <p:cNvSpPr>
-            <a:spLocks noGrp="1"/>
-          </p:cNvSpPr>
-          <p:nvPr>
-            <p:ph type="title"/>
-          </p:nvPr>
-        </p:nvSpPr>
-        <p:spPr/>
-        <p:txBody>
-          <a:bodyPr/>
-          <a:lstStyle/>
-          <a:p>
-            <a:r>
-              <a:rPr lang="de-DE" dirty="0" err="1"/>
-              <a:t>Step</a:t>
-            </a:r>
-            <a:r>
-              <a:rPr lang="de-DE" dirty="0"/>
-              <a:t> 60</a:t>
-            </a:r>
-          </a:p>
-        </p:txBody>
-      </p:sp>
-      <p:sp>
-        <p:nvSpPr>
           <p:cNvPr id="3" name="Inhaltsplatzhalter 2">
             <a:extLst>
               <a:ext uri="{FF2B5EF4-FFF2-40B4-BE49-F238E27FC236}">
@@ -8678,72 +8810,359 @@
             <p:ph idx="1"/>
           </p:nvPr>
         </p:nvSpPr>
-        <p:spPr/>
+        <p:spPr>
+          <a:xfrm>
+            <a:off x="838200" y="145774"/>
+            <a:ext cx="10515600" cy="6031189"/>
+          </a:xfrm>
+        </p:spPr>
         <p:txBody>
           <a:bodyPr>
-            <a:normAutofit/>
+            <a:normAutofit fontScale="70000" lnSpcReduction="20000"/>
           </a:bodyPr>
           <a:lstStyle/>
           <a:p>
-            <a:r>
-              <a:rPr lang="de-DE" dirty="0"/>
-              <a:t>REST-Endpunkt</a:t>
-            </a:r>
-          </a:p>
-          <a:p>
-            <a:pPr lvl="1"/>
-            <a:r>
-              <a:rPr lang="de-DE" dirty="0"/>
-              <a:t>Aufruf</a:t>
-            </a:r>
-          </a:p>
-          <a:p>
-            <a:pPr lvl="2"/>
-            <a:r>
-              <a:rPr lang="de-DE" dirty="0"/>
-              <a:t>Methode (POST, PUT, GET, DELETE)</a:t>
-            </a:r>
-          </a:p>
-          <a:p>
-            <a:pPr lvl="2"/>
-            <a:r>
-              <a:rPr lang="de-DE" dirty="0"/>
-              <a:t>URL</a:t>
-            </a:r>
-          </a:p>
-          <a:p>
-            <a:pPr lvl="2"/>
-            <a:r>
-              <a:rPr lang="de-DE" dirty="0"/>
-              <a:t>Request-Header</a:t>
-            </a:r>
-          </a:p>
-          <a:p>
-            <a:pPr lvl="3"/>
-            <a:r>
-              <a:rPr lang="de-DE" dirty="0"/>
-              <a:t>Steuer-Parameter/Meta-Informationen, z. B. Format, Zeichensatz</a:t>
-            </a:r>
-          </a:p>
-          <a:p>
-            <a:pPr lvl="2"/>
-            <a:r>
-              <a:rPr lang="de-DE" dirty="0"/>
-              <a:t>Request-Body</a:t>
-            </a:r>
-          </a:p>
-          <a:p>
-            <a:pPr lvl="3"/>
-            <a:r>
-              <a:rPr lang="de-DE" dirty="0"/>
-              <a:t>Eingabe-Daten</a:t>
-            </a:r>
-          </a:p>
-          <a:p>
-            <a:pPr lvl="3"/>
-            <a:r>
-              <a:rPr lang="de-DE" dirty="0"/>
-              <a:t>JSON-Format</a:t>
+            <a:pPr marL="0" indent="0">
+              <a:buNone/>
+            </a:pPr>
+            <a:r>
+              <a:rPr lang="de-DE" dirty="0">
+                <a:latin typeface="Courier New" panose="02070309020205020404" pitchFamily="49" charset="0"/>
+                <a:cs typeface="Courier New" panose="02070309020205020404" pitchFamily="49" charset="0"/>
+              </a:rPr>
+              <a:t>{</a:t>
+            </a:r>
+          </a:p>
+          <a:p>
+            <a:pPr marL="0" indent="0">
+              <a:buNone/>
+            </a:pPr>
+            <a:r>
+              <a:rPr lang="de-DE" dirty="0">
+                <a:latin typeface="Courier New" panose="02070309020205020404" pitchFamily="49" charset="0"/>
+                <a:cs typeface="Courier New" panose="02070309020205020404" pitchFamily="49" charset="0"/>
+              </a:rPr>
+              <a:t>    "</a:t>
+            </a:r>
+            <a:r>
+              <a:rPr lang="de-DE" dirty="0" err="1">
+                <a:latin typeface="Courier New" panose="02070309020205020404" pitchFamily="49" charset="0"/>
+                <a:cs typeface="Courier New" panose="02070309020205020404" pitchFamily="49" charset="0"/>
+              </a:rPr>
+              <a:t>id</a:t>
+            </a:r>
+            <a:r>
+              <a:rPr lang="de-DE" dirty="0">
+                <a:latin typeface="Courier New" panose="02070309020205020404" pitchFamily="49" charset="0"/>
+                <a:cs typeface="Courier New" panose="02070309020205020404" pitchFamily="49" charset="0"/>
+              </a:rPr>
+              <a:t>": 1,</a:t>
+            </a:r>
+          </a:p>
+          <a:p>
+            <a:pPr marL="0" indent="0">
+              <a:buNone/>
+            </a:pPr>
+            <a:r>
+              <a:rPr lang="de-DE" dirty="0">
+                <a:latin typeface="Courier New" panose="02070309020205020404" pitchFamily="49" charset="0"/>
+                <a:cs typeface="Courier New" panose="02070309020205020404" pitchFamily="49" charset="0"/>
+              </a:rPr>
+              <a:t>    "</a:t>
+            </a:r>
+            <a:r>
+              <a:rPr lang="de-DE" dirty="0" err="1">
+                <a:latin typeface="Courier New" panose="02070309020205020404" pitchFamily="49" charset="0"/>
+                <a:cs typeface="Courier New" panose="02070309020205020404" pitchFamily="49" charset="0"/>
+              </a:rPr>
+              <a:t>vorname</a:t>
+            </a:r>
+            <a:r>
+              <a:rPr lang="de-DE" dirty="0">
+                <a:latin typeface="Courier New" panose="02070309020205020404" pitchFamily="49" charset="0"/>
+                <a:cs typeface="Courier New" panose="02070309020205020404" pitchFamily="49" charset="0"/>
+              </a:rPr>
+              <a:t>": "Georg",</a:t>
+            </a:r>
+          </a:p>
+          <a:p>
+            <a:pPr marL="0" indent="0">
+              <a:buNone/>
+            </a:pPr>
+            <a:r>
+              <a:rPr lang="de-DE" dirty="0">
+                <a:latin typeface="Courier New" panose="02070309020205020404" pitchFamily="49" charset="0"/>
+                <a:cs typeface="Courier New" panose="02070309020205020404" pitchFamily="49" charset="0"/>
+              </a:rPr>
+              <a:t>    "</a:t>
+            </a:r>
+            <a:r>
+              <a:rPr lang="de-DE" dirty="0" err="1">
+                <a:latin typeface="Courier New" panose="02070309020205020404" pitchFamily="49" charset="0"/>
+                <a:cs typeface="Courier New" panose="02070309020205020404" pitchFamily="49" charset="0"/>
+              </a:rPr>
+              <a:t>name</a:t>
+            </a:r>
+            <a:r>
+              <a:rPr lang="de-DE" dirty="0">
+                <a:latin typeface="Courier New" panose="02070309020205020404" pitchFamily="49" charset="0"/>
+                <a:cs typeface="Courier New" panose="02070309020205020404" pitchFamily="49" charset="0"/>
+              </a:rPr>
+              <a:t>": "Pietrek",</a:t>
+            </a:r>
+          </a:p>
+          <a:p>
+            <a:pPr marL="0" indent="0">
+              <a:buNone/>
+            </a:pPr>
+            <a:r>
+              <a:rPr lang="de-DE" dirty="0">
+                <a:latin typeface="Courier New" panose="02070309020205020404" pitchFamily="49" charset="0"/>
+                <a:cs typeface="Courier New" panose="02070309020205020404" pitchFamily="49" charset="0"/>
+              </a:rPr>
+              <a:t>    "</a:t>
+            </a:r>
+            <a:r>
+              <a:rPr lang="de-DE" dirty="0" err="1">
+                <a:latin typeface="Courier New" panose="02070309020205020404" pitchFamily="49" charset="0"/>
+                <a:cs typeface="Courier New" panose="02070309020205020404" pitchFamily="49" charset="0"/>
+              </a:rPr>
+              <a:t>addresses</a:t>
+            </a:r>
+            <a:r>
+              <a:rPr lang="de-DE" dirty="0">
+                <a:latin typeface="Courier New" panose="02070309020205020404" pitchFamily="49" charset="0"/>
+                <a:cs typeface="Courier New" panose="02070309020205020404" pitchFamily="49" charset="0"/>
+              </a:rPr>
+              <a:t>": [</a:t>
+            </a:r>
+          </a:p>
+          <a:p>
+            <a:pPr marL="0" indent="0">
+              <a:buNone/>
+            </a:pPr>
+            <a:r>
+              <a:rPr lang="de-DE" dirty="0">
+                <a:latin typeface="Courier New" panose="02070309020205020404" pitchFamily="49" charset="0"/>
+                <a:cs typeface="Courier New" panose="02070309020205020404" pitchFamily="49" charset="0"/>
+              </a:rPr>
+              <a:t>        {</a:t>
+            </a:r>
+          </a:p>
+          <a:p>
+            <a:pPr marL="0" indent="0">
+              <a:buNone/>
+            </a:pPr>
+            <a:r>
+              <a:rPr lang="de-DE" dirty="0">
+                <a:latin typeface="Courier New" panose="02070309020205020404" pitchFamily="49" charset="0"/>
+                <a:cs typeface="Courier New" panose="02070309020205020404" pitchFamily="49" charset="0"/>
+              </a:rPr>
+              <a:t>            "</a:t>
+            </a:r>
+            <a:r>
+              <a:rPr lang="de-DE" dirty="0" err="1">
+                <a:latin typeface="Courier New" panose="02070309020205020404" pitchFamily="49" charset="0"/>
+                <a:cs typeface="Courier New" panose="02070309020205020404" pitchFamily="49" charset="0"/>
+              </a:rPr>
+              <a:t>strasse</a:t>
+            </a:r>
+            <a:r>
+              <a:rPr lang="de-DE" dirty="0">
+                <a:latin typeface="Courier New" panose="02070309020205020404" pitchFamily="49" charset="0"/>
+                <a:cs typeface="Courier New" panose="02070309020205020404" pitchFamily="49" charset="0"/>
+              </a:rPr>
+              <a:t>": "Pariser Bogen 7",</a:t>
+            </a:r>
+          </a:p>
+          <a:p>
+            <a:pPr marL="0" indent="0">
+              <a:buNone/>
+            </a:pPr>
+            <a:r>
+              <a:rPr lang="de-DE" dirty="0">
+                <a:latin typeface="Courier New" panose="02070309020205020404" pitchFamily="49" charset="0"/>
+                <a:cs typeface="Courier New" panose="02070309020205020404" pitchFamily="49" charset="0"/>
+              </a:rPr>
+              <a:t>            "</a:t>
+            </a:r>
+            <a:r>
+              <a:rPr lang="de-DE" dirty="0" err="1">
+                <a:latin typeface="Courier New" panose="02070309020205020404" pitchFamily="49" charset="0"/>
+                <a:cs typeface="Courier New" panose="02070309020205020404" pitchFamily="49" charset="0"/>
+              </a:rPr>
+              <a:t>plz</a:t>
+            </a:r>
+            <a:r>
+              <a:rPr lang="de-DE" dirty="0">
+                <a:latin typeface="Courier New" panose="02070309020205020404" pitchFamily="49" charset="0"/>
+                <a:cs typeface="Courier New" panose="02070309020205020404" pitchFamily="49" charset="0"/>
+              </a:rPr>
+              <a:t>": 44269,</a:t>
+            </a:r>
+          </a:p>
+          <a:p>
+            <a:pPr marL="0" indent="0">
+              <a:buNone/>
+            </a:pPr>
+            <a:r>
+              <a:rPr lang="de-DE" dirty="0">
+                <a:latin typeface="Courier New" panose="02070309020205020404" pitchFamily="49" charset="0"/>
+                <a:cs typeface="Courier New" panose="02070309020205020404" pitchFamily="49" charset="0"/>
+              </a:rPr>
+              <a:t>            "</a:t>
+            </a:r>
+            <a:r>
+              <a:rPr lang="de-DE" dirty="0" err="1">
+                <a:latin typeface="Courier New" panose="02070309020205020404" pitchFamily="49" charset="0"/>
+                <a:cs typeface="Courier New" panose="02070309020205020404" pitchFamily="49" charset="0"/>
+              </a:rPr>
+              <a:t>ort</a:t>
+            </a:r>
+            <a:r>
+              <a:rPr lang="de-DE" dirty="0">
+                <a:latin typeface="Courier New" panose="02070309020205020404" pitchFamily="49" charset="0"/>
+                <a:cs typeface="Courier New" panose="02070309020205020404" pitchFamily="49" charset="0"/>
+              </a:rPr>
+              <a:t>": "Dortmund"</a:t>
+            </a:r>
+          </a:p>
+          <a:p>
+            <a:pPr marL="0" indent="0">
+              <a:buNone/>
+            </a:pPr>
+            <a:r>
+              <a:rPr lang="de-DE" dirty="0">
+                <a:latin typeface="Courier New" panose="02070309020205020404" pitchFamily="49" charset="0"/>
+                <a:cs typeface="Courier New" panose="02070309020205020404" pitchFamily="49" charset="0"/>
+              </a:rPr>
+              <a:t>        },</a:t>
+            </a:r>
+          </a:p>
+          <a:p>
+            <a:pPr marL="0" indent="0">
+              <a:buNone/>
+            </a:pPr>
+            <a:r>
+              <a:rPr lang="de-DE" dirty="0">
+                <a:latin typeface="Courier New" panose="02070309020205020404" pitchFamily="49" charset="0"/>
+                <a:cs typeface="Courier New" panose="02070309020205020404" pitchFamily="49" charset="0"/>
+              </a:rPr>
+              <a:t>        {</a:t>
+            </a:r>
+          </a:p>
+          <a:p>
+            <a:pPr marL="0" indent="0">
+              <a:buNone/>
+            </a:pPr>
+            <a:r>
+              <a:rPr lang="de-DE" dirty="0">
+                <a:latin typeface="Courier New" panose="02070309020205020404" pitchFamily="49" charset="0"/>
+                <a:cs typeface="Courier New" panose="02070309020205020404" pitchFamily="49" charset="0"/>
+              </a:rPr>
+              <a:t>            "</a:t>
+            </a:r>
+            <a:r>
+              <a:rPr lang="de-DE" dirty="0" err="1">
+                <a:latin typeface="Courier New" panose="02070309020205020404" pitchFamily="49" charset="0"/>
+                <a:cs typeface="Courier New" panose="02070309020205020404" pitchFamily="49" charset="0"/>
+              </a:rPr>
+              <a:t>strasse</a:t>
+            </a:r>
+            <a:r>
+              <a:rPr lang="de-DE" dirty="0">
+                <a:latin typeface="Courier New" panose="02070309020205020404" pitchFamily="49" charset="0"/>
+                <a:cs typeface="Courier New" panose="02070309020205020404" pitchFamily="49" charset="0"/>
+              </a:rPr>
+              <a:t>": "Westfalendamm 251",</a:t>
+            </a:r>
+          </a:p>
+          <a:p>
+            <a:pPr marL="0" indent="0">
+              <a:buNone/>
+            </a:pPr>
+            <a:r>
+              <a:rPr lang="de-DE" dirty="0">
+                <a:latin typeface="Courier New" panose="02070309020205020404" pitchFamily="49" charset="0"/>
+                <a:cs typeface="Courier New" panose="02070309020205020404" pitchFamily="49" charset="0"/>
+              </a:rPr>
+              <a:t>            "</a:t>
+            </a:r>
+            <a:r>
+              <a:rPr lang="de-DE" dirty="0" err="1">
+                <a:latin typeface="Courier New" panose="02070309020205020404" pitchFamily="49" charset="0"/>
+                <a:cs typeface="Courier New" panose="02070309020205020404" pitchFamily="49" charset="0"/>
+              </a:rPr>
+              <a:t>plz</a:t>
+            </a:r>
+            <a:r>
+              <a:rPr lang="de-DE" dirty="0">
+                <a:latin typeface="Courier New" panose="02070309020205020404" pitchFamily="49" charset="0"/>
+                <a:cs typeface="Courier New" panose="02070309020205020404" pitchFamily="49" charset="0"/>
+              </a:rPr>
+              <a:t>": 44141,</a:t>
+            </a:r>
+          </a:p>
+          <a:p>
+            <a:pPr marL="0" indent="0">
+              <a:buNone/>
+            </a:pPr>
+            <a:r>
+              <a:rPr lang="de-DE" dirty="0">
+                <a:latin typeface="Courier New" panose="02070309020205020404" pitchFamily="49" charset="0"/>
+                <a:cs typeface="Courier New" panose="02070309020205020404" pitchFamily="49" charset="0"/>
+              </a:rPr>
+              <a:t>            "</a:t>
+            </a:r>
+            <a:r>
+              <a:rPr lang="de-DE" dirty="0" err="1">
+                <a:latin typeface="Courier New" panose="02070309020205020404" pitchFamily="49" charset="0"/>
+                <a:cs typeface="Courier New" panose="02070309020205020404" pitchFamily="49" charset="0"/>
+              </a:rPr>
+              <a:t>ort</a:t>
+            </a:r>
+            <a:r>
+              <a:rPr lang="de-DE" dirty="0">
+                <a:latin typeface="Courier New" panose="02070309020205020404" pitchFamily="49" charset="0"/>
+                <a:cs typeface="Courier New" panose="02070309020205020404" pitchFamily="49" charset="0"/>
+              </a:rPr>
+              <a:t>": "Dortmund"</a:t>
+            </a:r>
+          </a:p>
+          <a:p>
+            <a:pPr marL="0" indent="0">
+              <a:buNone/>
+            </a:pPr>
+            <a:r>
+              <a:rPr lang="de-DE" dirty="0">
+                <a:latin typeface="Courier New" panose="02070309020205020404" pitchFamily="49" charset="0"/>
+                <a:cs typeface="Courier New" panose="02070309020205020404" pitchFamily="49" charset="0"/>
+              </a:rPr>
+              <a:t>        }</a:t>
+            </a:r>
+          </a:p>
+          <a:p>
+            <a:pPr marL="0" indent="0">
+              <a:buNone/>
+            </a:pPr>
+            <a:r>
+              <a:rPr lang="de-DE" dirty="0">
+                <a:latin typeface="Courier New" panose="02070309020205020404" pitchFamily="49" charset="0"/>
+                <a:cs typeface="Courier New" panose="02070309020205020404" pitchFamily="49" charset="0"/>
+              </a:rPr>
+              <a:t>    ]</a:t>
+            </a:r>
+          </a:p>
+          <a:p>
+            <a:pPr marL="0" indent="0">
+              <a:buNone/>
+            </a:pPr>
+            <a:r>
+              <a:rPr lang="de-DE" dirty="0">
+                <a:latin typeface="Courier New" panose="02070309020205020404" pitchFamily="49" charset="0"/>
+                <a:cs typeface="Courier New" panose="02070309020205020404" pitchFamily="49" charset="0"/>
+              </a:rPr>
+              <a:t>}</a:t>
             </a:r>
           </a:p>
         </p:txBody>
@@ -8751,7 +9170,7 @@
     </p:spTree>
     <p:extLst>
       <p:ext uri="{BB962C8B-B14F-4D97-AF65-F5344CB8AC3E}">
-        <p14:creationId xmlns:p14="http://schemas.microsoft.com/office/powerpoint/2010/main" val="3155125537"/>
+        <p14:creationId xmlns:p14="http://schemas.microsoft.com/office/powerpoint/2010/main" val="4284060759"/>
       </p:ext>
     </p:extLst>
   </p:cSld>
@@ -8780,38 +9199,6 @@
       </p:grpSpPr>
       <p:sp>
         <p:nvSpPr>
-          <p:cNvPr id="2" name="Titel 1">
-            <a:extLst>
-              <a:ext uri="{FF2B5EF4-FFF2-40B4-BE49-F238E27FC236}">
-                <a16:creationId xmlns:a16="http://schemas.microsoft.com/office/drawing/2014/main" id="{0EC7A146-A8F2-A844-9033-A0ACC828AF47}"/>
-              </a:ext>
-            </a:extLst>
-          </p:cNvPr>
-          <p:cNvSpPr>
-            <a:spLocks noGrp="1"/>
-          </p:cNvSpPr>
-          <p:nvPr>
-            <p:ph type="title"/>
-          </p:nvPr>
-        </p:nvSpPr>
-        <p:spPr/>
-        <p:txBody>
-          <a:bodyPr/>
-          <a:lstStyle/>
-          <a:p>
-            <a:r>
-              <a:rPr lang="de-DE" dirty="0" err="1"/>
-              <a:t>Step</a:t>
-            </a:r>
-            <a:r>
-              <a:rPr lang="de-DE" dirty="0"/>
-              <a:t> 60</a:t>
-            </a:r>
-          </a:p>
-        </p:txBody>
-      </p:sp>
-      <p:sp>
-        <p:nvSpPr>
           <p:cNvPr id="3" name="Inhaltsplatzhalter 2">
             <a:extLst>
               <a:ext uri="{FF2B5EF4-FFF2-40B4-BE49-F238E27FC236}">
@@ -8826,67 +9213,633 @@
             <p:ph idx="1"/>
           </p:nvPr>
         </p:nvSpPr>
-        <p:spPr/>
+        <p:spPr>
+          <a:xfrm>
+            <a:off x="838200" y="145774"/>
+            <a:ext cx="10515600" cy="6031189"/>
+          </a:xfrm>
+        </p:spPr>
         <p:txBody>
           <a:bodyPr>
-            <a:normAutofit/>
+            <a:normAutofit fontScale="70000" lnSpcReduction="20000"/>
           </a:bodyPr>
           <a:lstStyle/>
           <a:p>
-            <a:r>
-              <a:rPr lang="de-DE" dirty="0"/>
-              <a:t>REST-Endpunkt</a:t>
-            </a:r>
-          </a:p>
-          <a:p>
-            <a:pPr lvl="1"/>
-            <a:r>
-              <a:rPr lang="de-DE" dirty="0"/>
-              <a:t>Ergebnis</a:t>
-            </a:r>
-          </a:p>
-          <a:p>
-            <a:pPr lvl="2"/>
-            <a:r>
-              <a:rPr lang="de-DE" dirty="0"/>
-              <a:t>Response-Header</a:t>
-            </a:r>
-          </a:p>
-          <a:p>
-            <a:pPr lvl="3"/>
-            <a:r>
-              <a:rPr lang="de-DE" dirty="0"/>
-              <a:t>Steuer-Parameter/Meta-Informationen, z. B. Format, Zeichensatz</a:t>
-            </a:r>
-          </a:p>
-          <a:p>
-            <a:pPr lvl="2"/>
-            <a:r>
-              <a:rPr lang="de-DE" dirty="0"/>
-              <a:t>Request-Body</a:t>
-            </a:r>
-          </a:p>
-          <a:p>
-            <a:pPr lvl="3"/>
-            <a:r>
-              <a:rPr lang="de-DE" dirty="0"/>
-              <a:t>Ausgabe-Daten</a:t>
-            </a:r>
-          </a:p>
-          <a:p>
-            <a:pPr lvl="3"/>
-            <a:r>
-              <a:rPr lang="de-DE"/>
-              <a:t>JSON-Format</a:t>
-            </a:r>
-            <a:endParaRPr lang="de-DE" dirty="0"/>
-          </a:p>
-        </p:txBody>
-      </p:sp>
+            <a:pPr marL="0" indent="0">
+              <a:buNone/>
+            </a:pPr>
+            <a:r>
+              <a:rPr lang="de-DE" dirty="0">
+                <a:latin typeface="Courier New" panose="02070309020205020404" pitchFamily="49" charset="0"/>
+                <a:cs typeface="Courier New" panose="02070309020205020404" pitchFamily="49" charset="0"/>
+              </a:rPr>
+              <a:t>{</a:t>
+            </a:r>
+          </a:p>
+          <a:p>
+            <a:pPr marL="0" indent="0">
+              <a:buNone/>
+            </a:pPr>
+            <a:r>
+              <a:rPr lang="de-DE" dirty="0">
+                <a:latin typeface="Courier New" panose="02070309020205020404" pitchFamily="49" charset="0"/>
+                <a:cs typeface="Courier New" panose="02070309020205020404" pitchFamily="49" charset="0"/>
+              </a:rPr>
+              <a:t>    "</a:t>
+            </a:r>
+            <a:r>
+              <a:rPr lang="de-DE" dirty="0" err="1">
+                <a:latin typeface="Courier New" panose="02070309020205020404" pitchFamily="49" charset="0"/>
+                <a:cs typeface="Courier New" panose="02070309020205020404" pitchFamily="49" charset="0"/>
+              </a:rPr>
+              <a:t>id</a:t>
+            </a:r>
+            <a:r>
+              <a:rPr lang="de-DE" dirty="0">
+                <a:latin typeface="Courier New" panose="02070309020205020404" pitchFamily="49" charset="0"/>
+                <a:cs typeface="Courier New" panose="02070309020205020404" pitchFamily="49" charset="0"/>
+              </a:rPr>
+              <a:t>": 1,</a:t>
+            </a:r>
+          </a:p>
+          <a:p>
+            <a:pPr marL="0" indent="0">
+              <a:buNone/>
+            </a:pPr>
+            <a:r>
+              <a:rPr lang="de-DE" dirty="0">
+                <a:latin typeface="Courier New" panose="02070309020205020404" pitchFamily="49" charset="0"/>
+                <a:cs typeface="Courier New" panose="02070309020205020404" pitchFamily="49" charset="0"/>
+              </a:rPr>
+              <a:t>    "</a:t>
+            </a:r>
+            <a:r>
+              <a:rPr lang="de-DE" dirty="0" err="1">
+                <a:latin typeface="Courier New" panose="02070309020205020404" pitchFamily="49" charset="0"/>
+                <a:cs typeface="Courier New" panose="02070309020205020404" pitchFamily="49" charset="0"/>
+              </a:rPr>
+              <a:t>vorname</a:t>
+            </a:r>
+            <a:r>
+              <a:rPr lang="de-DE" dirty="0">
+                <a:latin typeface="Courier New" panose="02070309020205020404" pitchFamily="49" charset="0"/>
+                <a:cs typeface="Courier New" panose="02070309020205020404" pitchFamily="49" charset="0"/>
+              </a:rPr>
+              <a:t>": "Georg",</a:t>
+            </a:r>
+          </a:p>
+          <a:p>
+            <a:pPr marL="0" indent="0">
+              <a:buNone/>
+            </a:pPr>
+            <a:r>
+              <a:rPr lang="de-DE" dirty="0">
+                <a:latin typeface="Courier New" panose="02070309020205020404" pitchFamily="49" charset="0"/>
+                <a:cs typeface="Courier New" panose="02070309020205020404" pitchFamily="49" charset="0"/>
+              </a:rPr>
+              <a:t>    "</a:t>
+            </a:r>
+            <a:r>
+              <a:rPr lang="de-DE" dirty="0" err="1">
+                <a:latin typeface="Courier New" panose="02070309020205020404" pitchFamily="49" charset="0"/>
+                <a:cs typeface="Courier New" panose="02070309020205020404" pitchFamily="49" charset="0"/>
+              </a:rPr>
+              <a:t>name</a:t>
+            </a:r>
+            <a:r>
+              <a:rPr lang="de-DE" dirty="0">
+                <a:latin typeface="Courier New" panose="02070309020205020404" pitchFamily="49" charset="0"/>
+                <a:cs typeface="Courier New" panose="02070309020205020404" pitchFamily="49" charset="0"/>
+              </a:rPr>
+              <a:t>": "Pietrek",</a:t>
+            </a:r>
+          </a:p>
+          <a:p>
+            <a:pPr marL="0" indent="0">
+              <a:buNone/>
+            </a:pPr>
+            <a:r>
+              <a:rPr lang="de-DE" dirty="0">
+                <a:latin typeface="Courier New" panose="02070309020205020404" pitchFamily="49" charset="0"/>
+                <a:cs typeface="Courier New" panose="02070309020205020404" pitchFamily="49" charset="0"/>
+              </a:rPr>
+              <a:t>    "</a:t>
+            </a:r>
+            <a:r>
+              <a:rPr lang="de-DE" dirty="0" err="1">
+                <a:latin typeface="Courier New" panose="02070309020205020404" pitchFamily="49" charset="0"/>
+                <a:cs typeface="Courier New" panose="02070309020205020404" pitchFamily="49" charset="0"/>
+              </a:rPr>
+              <a:t>addresses</a:t>
+            </a:r>
+            <a:r>
+              <a:rPr lang="de-DE" dirty="0">
+                <a:latin typeface="Courier New" panose="02070309020205020404" pitchFamily="49" charset="0"/>
+                <a:cs typeface="Courier New" panose="02070309020205020404" pitchFamily="49" charset="0"/>
+              </a:rPr>
+              <a:t>": [</a:t>
+            </a:r>
+          </a:p>
+          <a:p>
+            <a:pPr marL="0" indent="0">
+              <a:buNone/>
+            </a:pPr>
+            <a:r>
+              <a:rPr lang="de-DE" dirty="0">
+                <a:latin typeface="Courier New" panose="02070309020205020404" pitchFamily="49" charset="0"/>
+                <a:cs typeface="Courier New" panose="02070309020205020404" pitchFamily="49" charset="0"/>
+              </a:rPr>
+              <a:t>        {</a:t>
+            </a:r>
+          </a:p>
+          <a:p>
+            <a:pPr marL="0" indent="0">
+              <a:buNone/>
+            </a:pPr>
+            <a:r>
+              <a:rPr lang="de-DE" dirty="0">
+                <a:latin typeface="Courier New" panose="02070309020205020404" pitchFamily="49" charset="0"/>
+                <a:cs typeface="Courier New" panose="02070309020205020404" pitchFamily="49" charset="0"/>
+              </a:rPr>
+              <a:t>            "</a:t>
+            </a:r>
+            <a:r>
+              <a:rPr lang="de-DE" dirty="0" err="1">
+                <a:latin typeface="Courier New" panose="02070309020205020404" pitchFamily="49" charset="0"/>
+                <a:cs typeface="Courier New" panose="02070309020205020404" pitchFamily="49" charset="0"/>
+              </a:rPr>
+              <a:t>strasse</a:t>
+            </a:r>
+            <a:r>
+              <a:rPr lang="de-DE" dirty="0">
+                <a:latin typeface="Courier New" panose="02070309020205020404" pitchFamily="49" charset="0"/>
+                <a:cs typeface="Courier New" panose="02070309020205020404" pitchFamily="49" charset="0"/>
+              </a:rPr>
+              <a:t>": "Pariser Bogen 7",</a:t>
+            </a:r>
+          </a:p>
+          <a:p>
+            <a:pPr marL="0" indent="0">
+              <a:buNone/>
+            </a:pPr>
+            <a:r>
+              <a:rPr lang="de-DE" dirty="0">
+                <a:latin typeface="Courier New" panose="02070309020205020404" pitchFamily="49" charset="0"/>
+                <a:cs typeface="Courier New" panose="02070309020205020404" pitchFamily="49" charset="0"/>
+              </a:rPr>
+              <a:t>            "</a:t>
+            </a:r>
+            <a:r>
+              <a:rPr lang="de-DE" dirty="0" err="1">
+                <a:latin typeface="Courier New" panose="02070309020205020404" pitchFamily="49" charset="0"/>
+                <a:cs typeface="Courier New" panose="02070309020205020404" pitchFamily="49" charset="0"/>
+              </a:rPr>
+              <a:t>plz</a:t>
+            </a:r>
+            <a:r>
+              <a:rPr lang="de-DE" dirty="0">
+                <a:latin typeface="Courier New" panose="02070309020205020404" pitchFamily="49" charset="0"/>
+                <a:cs typeface="Courier New" panose="02070309020205020404" pitchFamily="49" charset="0"/>
+              </a:rPr>
+              <a:t>": 44269,</a:t>
+            </a:r>
+          </a:p>
+          <a:p>
+            <a:pPr marL="0" indent="0">
+              <a:buNone/>
+            </a:pPr>
+            <a:r>
+              <a:rPr lang="de-DE" dirty="0">
+                <a:latin typeface="Courier New" panose="02070309020205020404" pitchFamily="49" charset="0"/>
+                <a:cs typeface="Courier New" panose="02070309020205020404" pitchFamily="49" charset="0"/>
+              </a:rPr>
+              <a:t>            "</a:t>
+            </a:r>
+            <a:r>
+              <a:rPr lang="de-DE" dirty="0" err="1">
+                <a:latin typeface="Courier New" panose="02070309020205020404" pitchFamily="49" charset="0"/>
+                <a:cs typeface="Courier New" panose="02070309020205020404" pitchFamily="49" charset="0"/>
+              </a:rPr>
+              <a:t>ort</a:t>
+            </a:r>
+            <a:r>
+              <a:rPr lang="de-DE" dirty="0">
+                <a:latin typeface="Courier New" panose="02070309020205020404" pitchFamily="49" charset="0"/>
+                <a:cs typeface="Courier New" panose="02070309020205020404" pitchFamily="49" charset="0"/>
+              </a:rPr>
+              <a:t>": "Dortmund"</a:t>
+            </a:r>
+          </a:p>
+          <a:p>
+            <a:pPr marL="0" indent="0">
+              <a:buNone/>
+            </a:pPr>
+            <a:r>
+              <a:rPr lang="de-DE" dirty="0">
+                <a:latin typeface="Courier New" panose="02070309020205020404" pitchFamily="49" charset="0"/>
+                <a:cs typeface="Courier New" panose="02070309020205020404" pitchFamily="49" charset="0"/>
+              </a:rPr>
+              <a:t>        },</a:t>
+            </a:r>
+          </a:p>
+          <a:p>
+            <a:pPr marL="0" indent="0">
+              <a:buNone/>
+            </a:pPr>
+            <a:r>
+              <a:rPr lang="de-DE" dirty="0">
+                <a:latin typeface="Courier New" panose="02070309020205020404" pitchFamily="49" charset="0"/>
+                <a:cs typeface="Courier New" panose="02070309020205020404" pitchFamily="49" charset="0"/>
+              </a:rPr>
+              <a:t>        {</a:t>
+            </a:r>
+          </a:p>
+          <a:p>
+            <a:pPr marL="0" indent="0">
+              <a:buNone/>
+            </a:pPr>
+            <a:r>
+              <a:rPr lang="de-DE" dirty="0">
+                <a:latin typeface="Courier New" panose="02070309020205020404" pitchFamily="49" charset="0"/>
+                <a:cs typeface="Courier New" panose="02070309020205020404" pitchFamily="49" charset="0"/>
+              </a:rPr>
+              <a:t>            "</a:t>
+            </a:r>
+            <a:r>
+              <a:rPr lang="de-DE" dirty="0" err="1">
+                <a:latin typeface="Courier New" panose="02070309020205020404" pitchFamily="49" charset="0"/>
+                <a:cs typeface="Courier New" panose="02070309020205020404" pitchFamily="49" charset="0"/>
+              </a:rPr>
+              <a:t>strasse</a:t>
+            </a:r>
+            <a:r>
+              <a:rPr lang="de-DE" dirty="0">
+                <a:latin typeface="Courier New" panose="02070309020205020404" pitchFamily="49" charset="0"/>
+                <a:cs typeface="Courier New" panose="02070309020205020404" pitchFamily="49" charset="0"/>
+              </a:rPr>
+              <a:t>": "Westfalendamm 251",</a:t>
+            </a:r>
+          </a:p>
+          <a:p>
+            <a:pPr marL="0" indent="0">
+              <a:buNone/>
+            </a:pPr>
+            <a:r>
+              <a:rPr lang="de-DE" dirty="0">
+                <a:latin typeface="Courier New" panose="02070309020205020404" pitchFamily="49" charset="0"/>
+                <a:cs typeface="Courier New" panose="02070309020205020404" pitchFamily="49" charset="0"/>
+              </a:rPr>
+              <a:t>            "</a:t>
+            </a:r>
+            <a:r>
+              <a:rPr lang="de-DE" dirty="0" err="1">
+                <a:latin typeface="Courier New" panose="02070309020205020404" pitchFamily="49" charset="0"/>
+                <a:cs typeface="Courier New" panose="02070309020205020404" pitchFamily="49" charset="0"/>
+              </a:rPr>
+              <a:t>plz</a:t>
+            </a:r>
+            <a:r>
+              <a:rPr lang="de-DE" dirty="0">
+                <a:latin typeface="Courier New" panose="02070309020205020404" pitchFamily="49" charset="0"/>
+                <a:cs typeface="Courier New" panose="02070309020205020404" pitchFamily="49" charset="0"/>
+              </a:rPr>
+              <a:t>": 44141,</a:t>
+            </a:r>
+          </a:p>
+          <a:p>
+            <a:pPr marL="0" indent="0">
+              <a:buNone/>
+            </a:pPr>
+            <a:r>
+              <a:rPr lang="de-DE" dirty="0">
+                <a:latin typeface="Courier New" panose="02070309020205020404" pitchFamily="49" charset="0"/>
+                <a:cs typeface="Courier New" panose="02070309020205020404" pitchFamily="49" charset="0"/>
+              </a:rPr>
+              <a:t>            "</a:t>
+            </a:r>
+            <a:r>
+              <a:rPr lang="de-DE" dirty="0" err="1">
+                <a:latin typeface="Courier New" panose="02070309020205020404" pitchFamily="49" charset="0"/>
+                <a:cs typeface="Courier New" panose="02070309020205020404" pitchFamily="49" charset="0"/>
+              </a:rPr>
+              <a:t>ort</a:t>
+            </a:r>
+            <a:r>
+              <a:rPr lang="de-DE" dirty="0">
+                <a:latin typeface="Courier New" panose="02070309020205020404" pitchFamily="49" charset="0"/>
+                <a:cs typeface="Courier New" panose="02070309020205020404" pitchFamily="49" charset="0"/>
+              </a:rPr>
+              <a:t>": "Dortmund"</a:t>
+            </a:r>
+          </a:p>
+          <a:p>
+            <a:pPr marL="0" indent="0">
+              <a:buNone/>
+            </a:pPr>
+            <a:r>
+              <a:rPr lang="de-DE" dirty="0">
+                <a:latin typeface="Courier New" panose="02070309020205020404" pitchFamily="49" charset="0"/>
+                <a:cs typeface="Courier New" panose="02070309020205020404" pitchFamily="49" charset="0"/>
+              </a:rPr>
+              <a:t>        }</a:t>
+            </a:r>
+          </a:p>
+          <a:p>
+            <a:pPr marL="0" indent="0">
+              <a:buNone/>
+            </a:pPr>
+            <a:r>
+              <a:rPr lang="de-DE" dirty="0">
+                <a:latin typeface="Courier New" panose="02070309020205020404" pitchFamily="49" charset="0"/>
+                <a:cs typeface="Courier New" panose="02070309020205020404" pitchFamily="49" charset="0"/>
+              </a:rPr>
+              <a:t>    ]</a:t>
+            </a:r>
+          </a:p>
+          <a:p>
+            <a:pPr marL="0" indent="0">
+              <a:buNone/>
+            </a:pPr>
+            <a:r>
+              <a:rPr lang="de-DE" dirty="0">
+                <a:latin typeface="Courier New" panose="02070309020205020404" pitchFamily="49" charset="0"/>
+                <a:cs typeface="Courier New" panose="02070309020205020404" pitchFamily="49" charset="0"/>
+              </a:rPr>
+              <a:t>}</a:t>
+            </a:r>
+          </a:p>
+        </p:txBody>
+      </p:sp>
+      <p:grpSp>
+        <p:nvGrpSpPr>
+          <p:cNvPr id="4" name="Gruppieren 3">
+            <a:extLst>
+              <a:ext uri="{FF2B5EF4-FFF2-40B4-BE49-F238E27FC236}">
+                <a16:creationId xmlns:a16="http://schemas.microsoft.com/office/drawing/2014/main" id="{1E7668F6-22E9-074A-A261-8973E4B87336}"/>
+              </a:ext>
+            </a:extLst>
+          </p:cNvPr>
+          <p:cNvGrpSpPr/>
+          <p:nvPr/>
+        </p:nvGrpSpPr>
+        <p:grpSpPr>
+          <a:xfrm>
+            <a:off x="7932845" y="681037"/>
+            <a:ext cx="3864429" cy="2357552"/>
+            <a:chOff x="6302828" y="2079171"/>
+            <a:chExt cx="3864429" cy="2357552"/>
+          </a:xfrm>
+        </p:grpSpPr>
+        <p:sp>
+          <p:nvSpPr>
+            <p:cNvPr id="5" name="Abgerundetes Rechteck 4">
+              <a:extLst>
+                <a:ext uri="{FF2B5EF4-FFF2-40B4-BE49-F238E27FC236}">
+                  <a16:creationId xmlns:a16="http://schemas.microsoft.com/office/drawing/2014/main" id="{8891FFC3-52C0-C549-8C13-0BAF8B7A5C8E}"/>
+                </a:ext>
+              </a:extLst>
+            </p:cNvPr>
+            <p:cNvSpPr/>
+            <p:nvPr/>
+          </p:nvSpPr>
+          <p:spPr>
+            <a:xfrm>
+              <a:off x="7184571" y="2079171"/>
+              <a:ext cx="1763486" cy="870858"/>
+            </a:xfrm>
+            <a:prstGeom prst="roundRect">
+              <a:avLst/>
+            </a:prstGeom>
+          </p:spPr>
+          <p:style>
+            <a:lnRef idx="2">
+              <a:schemeClr val="accent1">
+                <a:shade val="50000"/>
+              </a:schemeClr>
+            </a:lnRef>
+            <a:fillRef idx="1">
+              <a:schemeClr val="accent1"/>
+            </a:fillRef>
+            <a:effectRef idx="0">
+              <a:schemeClr val="accent1"/>
+            </a:effectRef>
+            <a:fontRef idx="minor">
+              <a:schemeClr val="lt1"/>
+            </a:fontRef>
+          </p:style>
+          <p:txBody>
+            <a:bodyPr rtlCol="0" anchor="ctr"/>
+            <a:lstStyle/>
+            <a:p>
+              <a:pPr algn="ctr"/>
+              <a:r>
+                <a:rPr lang="de-DE" dirty="0" err="1"/>
+                <a:t>person</a:t>
+              </a:r>
+              <a:endParaRPr lang="de-DE" dirty="0"/>
+            </a:p>
+          </p:txBody>
+        </p:sp>
+        <p:sp>
+          <p:nvSpPr>
+            <p:cNvPr id="6" name="Abgerundetes Rechteck 5">
+              <a:extLst>
+                <a:ext uri="{FF2B5EF4-FFF2-40B4-BE49-F238E27FC236}">
+                  <a16:creationId xmlns:a16="http://schemas.microsoft.com/office/drawing/2014/main" id="{DDA51E39-A99C-9843-AFE3-635592381326}"/>
+                </a:ext>
+              </a:extLst>
+            </p:cNvPr>
+            <p:cNvSpPr/>
+            <p:nvPr/>
+          </p:nvSpPr>
+          <p:spPr>
+            <a:xfrm>
+              <a:off x="6302828" y="3565865"/>
+              <a:ext cx="1763486" cy="870858"/>
+            </a:xfrm>
+            <a:prstGeom prst="roundRect">
+              <a:avLst/>
+            </a:prstGeom>
+            <a:solidFill>
+              <a:schemeClr val="accent2">
+                <a:lumMod val="75000"/>
+              </a:schemeClr>
+            </a:solidFill>
+          </p:spPr>
+          <p:style>
+            <a:lnRef idx="2">
+              <a:schemeClr val="accent1">
+                <a:shade val="50000"/>
+              </a:schemeClr>
+            </a:lnRef>
+            <a:fillRef idx="1">
+              <a:schemeClr val="accent1"/>
+            </a:fillRef>
+            <a:effectRef idx="0">
+              <a:schemeClr val="accent1"/>
+            </a:effectRef>
+            <a:fontRef idx="minor">
+              <a:schemeClr val="lt1"/>
+            </a:fontRef>
+          </p:style>
+          <p:txBody>
+            <a:bodyPr rtlCol="0" anchor="ctr"/>
+            <a:lstStyle/>
+            <a:p>
+              <a:pPr algn="ctr"/>
+              <a:r>
+                <a:rPr lang="de-DE" dirty="0" err="1"/>
+                <a:t>adresse</a:t>
+              </a:r>
+              <a:endParaRPr lang="de-DE" dirty="0"/>
+            </a:p>
+          </p:txBody>
+        </p:sp>
+        <p:sp>
+          <p:nvSpPr>
+            <p:cNvPr id="7" name="Abgerundetes Rechteck 6">
+              <a:extLst>
+                <a:ext uri="{FF2B5EF4-FFF2-40B4-BE49-F238E27FC236}">
+                  <a16:creationId xmlns:a16="http://schemas.microsoft.com/office/drawing/2014/main" id="{E4BB884D-DDFE-E84B-9330-8FCE82FEEC23}"/>
+                </a:ext>
+              </a:extLst>
+            </p:cNvPr>
+            <p:cNvSpPr/>
+            <p:nvPr/>
+          </p:nvSpPr>
+          <p:spPr>
+            <a:xfrm>
+              <a:off x="8403771" y="3565865"/>
+              <a:ext cx="1763486" cy="870858"/>
+            </a:xfrm>
+            <a:prstGeom prst="roundRect">
+              <a:avLst/>
+            </a:prstGeom>
+            <a:solidFill>
+              <a:schemeClr val="accent2">
+                <a:lumMod val="75000"/>
+              </a:schemeClr>
+            </a:solidFill>
+          </p:spPr>
+          <p:style>
+            <a:lnRef idx="2">
+              <a:schemeClr val="accent1">
+                <a:shade val="50000"/>
+              </a:schemeClr>
+            </a:lnRef>
+            <a:fillRef idx="1">
+              <a:schemeClr val="accent1"/>
+            </a:fillRef>
+            <a:effectRef idx="0">
+              <a:schemeClr val="accent1"/>
+            </a:effectRef>
+            <a:fontRef idx="minor">
+              <a:schemeClr val="lt1"/>
+            </a:fontRef>
+          </p:style>
+          <p:txBody>
+            <a:bodyPr rtlCol="0" anchor="ctr"/>
+            <a:lstStyle/>
+            <a:p>
+              <a:pPr algn="ctr"/>
+              <a:r>
+                <a:rPr lang="de-DE" dirty="0" err="1"/>
+                <a:t>adresse</a:t>
+              </a:r>
+              <a:endParaRPr lang="de-DE" dirty="0"/>
+            </a:p>
+          </p:txBody>
+        </p:sp>
+        <p:cxnSp>
+          <p:nvCxnSpPr>
+            <p:cNvPr id="8" name="Gerade Verbindung mit Pfeil 7">
+              <a:extLst>
+                <a:ext uri="{FF2B5EF4-FFF2-40B4-BE49-F238E27FC236}">
+                  <a16:creationId xmlns:a16="http://schemas.microsoft.com/office/drawing/2014/main" id="{83CCABD6-7884-3E4A-83C9-E27F919DC19C}"/>
+                </a:ext>
+              </a:extLst>
+            </p:cNvPr>
+            <p:cNvCxnSpPr>
+              <a:stCxn id="5" idx="2"/>
+              <a:endCxn id="7" idx="0"/>
+            </p:cNvCxnSpPr>
+            <p:nvPr/>
+          </p:nvCxnSpPr>
+          <p:spPr>
+            <a:xfrm>
+              <a:off x="8066314" y="2950029"/>
+              <a:ext cx="1219200" cy="615836"/>
+            </a:xfrm>
+            <a:prstGeom prst="straightConnector1">
+              <a:avLst/>
+            </a:prstGeom>
+            <a:ln w="31750">
+              <a:tailEnd type="triangle"/>
+            </a:ln>
+          </p:spPr>
+          <p:style>
+            <a:lnRef idx="1">
+              <a:schemeClr val="accent1"/>
+            </a:lnRef>
+            <a:fillRef idx="0">
+              <a:schemeClr val="accent1"/>
+            </a:fillRef>
+            <a:effectRef idx="0">
+              <a:schemeClr val="accent1"/>
+            </a:effectRef>
+            <a:fontRef idx="minor">
+              <a:schemeClr val="tx1"/>
+            </a:fontRef>
+          </p:style>
+        </p:cxnSp>
+        <p:cxnSp>
+          <p:nvCxnSpPr>
+            <p:cNvPr id="9" name="Gerade Verbindung mit Pfeil 8">
+              <a:extLst>
+                <a:ext uri="{FF2B5EF4-FFF2-40B4-BE49-F238E27FC236}">
+                  <a16:creationId xmlns:a16="http://schemas.microsoft.com/office/drawing/2014/main" id="{0AF0B6DD-CFE0-0B4E-9E17-71A248180DB6}"/>
+                </a:ext>
+              </a:extLst>
+            </p:cNvPr>
+            <p:cNvCxnSpPr>
+              <a:cxnSpLocks/>
+              <a:stCxn id="5" idx="2"/>
+              <a:endCxn id="6" idx="0"/>
+            </p:cNvCxnSpPr>
+            <p:nvPr/>
+          </p:nvCxnSpPr>
+          <p:spPr>
+            <a:xfrm flipH="1">
+              <a:off x="7184571" y="2950029"/>
+              <a:ext cx="881743" cy="615836"/>
+            </a:xfrm>
+            <a:prstGeom prst="straightConnector1">
+              <a:avLst/>
+            </a:prstGeom>
+            <a:ln w="31750">
+              <a:tailEnd type="triangle"/>
+            </a:ln>
+          </p:spPr>
+          <p:style>
+            <a:lnRef idx="1">
+              <a:schemeClr val="accent1"/>
+            </a:lnRef>
+            <a:fillRef idx="0">
+              <a:schemeClr val="accent1"/>
+            </a:fillRef>
+            <a:effectRef idx="0">
+              <a:schemeClr val="accent1"/>
+            </a:effectRef>
+            <a:fontRef idx="minor">
+              <a:schemeClr val="tx1"/>
+            </a:fontRef>
+          </p:style>
+        </p:cxnSp>
+      </p:grpSp>
     </p:spTree>
     <p:extLst>
       <p:ext uri="{BB962C8B-B14F-4D97-AF65-F5344CB8AC3E}">
-        <p14:creationId xmlns:p14="http://schemas.microsoft.com/office/powerpoint/2010/main" val="3667401884"/>
+        <p14:creationId xmlns:p14="http://schemas.microsoft.com/office/powerpoint/2010/main" val="4063623067"/>
       </p:ext>
     </p:extLst>
   </p:cSld>
@@ -8963,148 +9916,51 @@
         </p:nvSpPr>
         <p:spPr/>
         <p:txBody>
-          <a:bodyPr/>
-          <a:lstStyle/>
-          <a:p>
-            <a:r>
-              <a:rPr lang="de-DE" dirty="0"/>
-              <a:t>Typische Methoden für REST-Endpunkt</a:t>
+          <a:bodyPr>
+            <a:normAutofit/>
+          </a:bodyPr>
+          <a:lstStyle/>
+          <a:p>
+            <a:r>
+              <a:rPr lang="de-DE" dirty="0"/>
+              <a:t>REST-Endpunkt</a:t>
             </a:r>
           </a:p>
           <a:p>
             <a:pPr lvl="1"/>
             <a:r>
               <a:rPr lang="de-DE" dirty="0"/>
-              <a:t>POST /</a:t>
-            </a:r>
-            <a:r>
-              <a:rPr lang="de-DE" dirty="0" err="1"/>
-              <a:t>api</a:t>
-            </a:r>
-            <a:r>
-              <a:rPr lang="de-DE" dirty="0"/>
-              <a:t>/</a:t>
-            </a:r>
-            <a:r>
-              <a:rPr lang="de-DE" dirty="0" err="1"/>
-              <a:t>person</a:t>
-            </a:r>
-            <a:endParaRPr lang="de-DE" dirty="0"/>
-          </a:p>
-          <a:p>
-            <a:pPr lvl="2"/>
-            <a:r>
-              <a:rPr lang="de-DE" dirty="0"/>
-              <a:t>Erzeugt Person</a:t>
-            </a:r>
-          </a:p>
-          <a:p>
-            <a:pPr lvl="2"/>
-            <a:r>
-              <a:rPr lang="de-DE" dirty="0"/>
-              <a:t>Liefert ID</a:t>
+              <a:t>Schnittstelle eines </a:t>
+            </a:r>
+            <a:r>
+              <a:rPr lang="de-DE" dirty="0" err="1"/>
+              <a:t>Microservices</a:t>
+            </a:r>
+            <a:r>
+              <a:rPr lang="de-DE" dirty="0"/>
+              <a:t>, über die Funktionen des </a:t>
+            </a:r>
+            <a:r>
+              <a:rPr lang="de-DE" dirty="0" err="1"/>
+              <a:t>Microservice</a:t>
+            </a:r>
+            <a:r>
+              <a:rPr lang="de-DE" dirty="0"/>
+              <a:t> aufgerufen werden können</a:t>
             </a:r>
           </a:p>
           <a:p>
             <a:pPr lvl="1"/>
             <a:r>
               <a:rPr lang="de-DE" dirty="0"/>
-              <a:t>PUT /</a:t>
-            </a:r>
-            <a:r>
-              <a:rPr lang="de-DE" dirty="0" err="1"/>
-              <a:t>api</a:t>
-            </a:r>
-            <a:r>
-              <a:rPr lang="de-DE" dirty="0"/>
-              <a:t>/</a:t>
-            </a:r>
-            <a:r>
-              <a:rPr lang="de-DE" dirty="0" err="1"/>
-              <a:t>person</a:t>
-            </a:r>
-            <a:r>
-              <a:rPr lang="de-DE" dirty="0"/>
-              <a:t>/{ID}</a:t>
-            </a:r>
-          </a:p>
-          <a:p>
-            <a:pPr lvl="2"/>
-            <a:r>
-              <a:rPr lang="de-DE" dirty="0"/>
-              <a:t>Ändert Person</a:t>
+              <a:t>Basierend auf dem HTTP-Protokoll</a:t>
             </a:r>
           </a:p>
           <a:p>
             <a:pPr lvl="1"/>
             <a:r>
               <a:rPr lang="de-DE" dirty="0"/>
-              <a:t>GET /</a:t>
-            </a:r>
-            <a:r>
-              <a:rPr lang="de-DE" dirty="0" err="1"/>
-              <a:t>api</a:t>
-            </a:r>
-            <a:r>
-              <a:rPr lang="de-DE" dirty="0"/>
-              <a:t>/</a:t>
-            </a:r>
-            <a:r>
-              <a:rPr lang="de-DE" dirty="0" err="1"/>
-              <a:t>person</a:t>
-            </a:r>
-            <a:r>
-              <a:rPr lang="de-DE" dirty="0"/>
-              <a:t>/{ID}</a:t>
-            </a:r>
-          </a:p>
-          <a:p>
-            <a:pPr lvl="2"/>
-            <a:r>
-              <a:rPr lang="de-DE" dirty="0"/>
-              <a:t>Holt Person</a:t>
-            </a:r>
-          </a:p>
-          <a:p>
-            <a:pPr lvl="1"/>
-            <a:r>
-              <a:rPr lang="de-DE" dirty="0"/>
-              <a:t>GET /</a:t>
-            </a:r>
-            <a:r>
-              <a:rPr lang="de-DE" dirty="0" err="1"/>
-              <a:t>api</a:t>
-            </a:r>
-            <a:r>
-              <a:rPr lang="de-DE" dirty="0"/>
-              <a:t>/</a:t>
-            </a:r>
-            <a:r>
-              <a:rPr lang="de-DE" dirty="0" err="1"/>
-              <a:t>person</a:t>
-            </a:r>
-            <a:endParaRPr lang="de-DE" dirty="0"/>
-          </a:p>
-          <a:p>
-            <a:pPr lvl="2"/>
-            <a:r>
-              <a:rPr lang="de-DE" dirty="0"/>
-              <a:t>Holt </a:t>
-            </a:r>
-            <a:r>
-              <a:rPr lang="de-DE" b="1" dirty="0"/>
-              <a:t>alle</a:t>
-            </a:r>
-            <a:r>
-              <a:rPr lang="de-DE" dirty="0"/>
-              <a:t> Personen</a:t>
-            </a:r>
-          </a:p>
-          <a:p>
-            <a:pPr lvl="2"/>
-            <a:r>
-              <a:rPr lang="de-DE" dirty="0"/>
-              <a:t>Und wenn das sehr viele sind (Millionen)?</a:t>
+              <a:t>Codierung der Daten als JSON</a:t>
             </a:r>
           </a:p>
         </p:txBody>
@@ -9112,7 +9968,7 @@
     </p:spTree>
     <p:extLst>
       <p:ext uri="{BB962C8B-B14F-4D97-AF65-F5344CB8AC3E}">
-        <p14:creationId xmlns:p14="http://schemas.microsoft.com/office/powerpoint/2010/main" val="213345787"/>
+        <p14:creationId xmlns:p14="http://schemas.microsoft.com/office/powerpoint/2010/main" val="254585829"/>
       </p:ext>
     </p:extLst>
   </p:cSld>
@@ -9189,84 +10045,70 @@
         </p:nvSpPr>
         <p:spPr/>
         <p:txBody>
-          <a:bodyPr/>
-          <a:lstStyle/>
-          <a:p>
-            <a:r>
-              <a:rPr lang="de-DE" dirty="0"/>
-              <a:t>Typische Methoden für REST-Endpunkt</a:t>
+          <a:bodyPr>
+            <a:normAutofit/>
+          </a:bodyPr>
+          <a:lstStyle/>
+          <a:p>
+            <a:r>
+              <a:rPr lang="de-DE" dirty="0"/>
+              <a:t>REST-Endpunkt</a:t>
             </a:r>
           </a:p>
           <a:p>
             <a:pPr lvl="1"/>
             <a:r>
               <a:rPr lang="de-DE" dirty="0"/>
-              <a:t>DELETE /</a:t>
-            </a:r>
-            <a:r>
-              <a:rPr lang="de-DE" dirty="0" err="1"/>
-              <a:t>api</a:t>
-            </a:r>
-            <a:r>
-              <a:rPr lang="de-DE" dirty="0"/>
-              <a:t>/</a:t>
-            </a:r>
-            <a:r>
-              <a:rPr lang="de-DE" dirty="0" err="1"/>
-              <a:t>person</a:t>
-            </a:r>
-            <a:r>
-              <a:rPr lang="de-DE" dirty="0"/>
-              <a:t>/{ID}</a:t>
-            </a:r>
-          </a:p>
-          <a:p>
-            <a:pPr lvl="2"/>
-            <a:r>
-              <a:rPr lang="de-DE" dirty="0"/>
-              <a:t>Löscht Person</a:t>
-            </a:r>
-          </a:p>
-          <a:p>
-            <a:pPr lvl="1"/>
-            <a:r>
-              <a:rPr lang="de-DE" dirty="0"/>
-              <a:t>DELETE /</a:t>
-            </a:r>
-            <a:r>
-              <a:rPr lang="de-DE" dirty="0" err="1"/>
-              <a:t>api</a:t>
-            </a:r>
-            <a:r>
-              <a:rPr lang="de-DE" dirty="0"/>
-              <a:t>/</a:t>
-            </a:r>
-            <a:r>
-              <a:rPr lang="de-DE" dirty="0" err="1"/>
-              <a:t>person</a:t>
-            </a:r>
-            <a:endParaRPr lang="de-DE" dirty="0"/>
-          </a:p>
-          <a:p>
-            <a:pPr lvl="2"/>
-            <a:r>
-              <a:rPr lang="de-DE" dirty="0"/>
-              <a:t>Loscht </a:t>
-            </a:r>
-            <a:r>
-              <a:rPr lang="de-DE" b="1" dirty="0"/>
-              <a:t>alle</a:t>
-            </a:r>
-            <a:r>
-              <a:rPr lang="de-DE" dirty="0"/>
-              <a:t> Personen</a:t>
-            </a:r>
-          </a:p>
-          <a:p>
-            <a:pPr lvl="2"/>
-            <a:r>
-              <a:rPr lang="de-DE" dirty="0"/>
-              <a:t>Ist das gefährlich?</a:t>
+              <a:t>Aufruf (Request)</a:t>
+            </a:r>
+          </a:p>
+          <a:p>
+            <a:pPr lvl="2"/>
+            <a:r>
+              <a:rPr lang="de-DE" dirty="0"/>
+              <a:t>Methode (POST, PUT, GET, DELETE)</a:t>
+            </a:r>
+          </a:p>
+          <a:p>
+            <a:pPr lvl="2"/>
+            <a:r>
+              <a:rPr lang="de-DE" dirty="0"/>
+              <a:t>URL</a:t>
+            </a:r>
+          </a:p>
+          <a:p>
+            <a:pPr lvl="2"/>
+            <a:r>
+              <a:rPr lang="de-DE" dirty="0"/>
+              <a:t>Request-Header</a:t>
+            </a:r>
+          </a:p>
+          <a:p>
+            <a:pPr lvl="3"/>
+            <a:r>
+              <a:rPr lang="de-DE" dirty="0"/>
+              <a:t>Steuer-Parameter/Meta-Informationen, z. B. Format, Zeichensatz</a:t>
+            </a:r>
+          </a:p>
+          <a:p>
+            <a:pPr lvl="2"/>
+            <a:r>
+              <a:rPr lang="de-DE" dirty="0"/>
+              <a:t>Request-Body</a:t>
+            </a:r>
+          </a:p>
+          <a:p>
+            <a:pPr lvl="3"/>
+            <a:r>
+              <a:rPr lang="de-DE" dirty="0"/>
+              <a:t>Eingabe-Daten</a:t>
+            </a:r>
+          </a:p>
+          <a:p>
+            <a:pPr lvl="3"/>
+            <a:r>
+              <a:rPr lang="de-DE" dirty="0"/>
+              <a:t>JSON-Format</a:t>
             </a:r>
           </a:p>
         </p:txBody>
@@ -9274,7 +10116,7 @@
     </p:spTree>
     <p:extLst>
       <p:ext uri="{BB962C8B-B14F-4D97-AF65-F5344CB8AC3E}">
-        <p14:creationId xmlns:p14="http://schemas.microsoft.com/office/powerpoint/2010/main" val="1274039183"/>
+        <p14:creationId xmlns:p14="http://schemas.microsoft.com/office/powerpoint/2010/main" val="3155125537"/>
       </p:ext>
     </p:extLst>
   </p:cSld>
@@ -9351,134 +10193,108 @@
         </p:nvSpPr>
         <p:spPr/>
         <p:txBody>
-          <a:bodyPr/>
-          <a:lstStyle/>
-          <a:p>
-            <a:r>
-              <a:rPr lang="de-DE" dirty="0"/>
-              <a:t>Thema: Implementierung eines REST-Endpunktes mit Spring Boot</a:t>
+          <a:bodyPr>
+            <a:normAutofit/>
+          </a:bodyPr>
+          <a:lstStyle/>
+          <a:p>
+            <a:r>
+              <a:rPr lang="de-DE" dirty="0"/>
+              <a:t>REST-Endpunkt</a:t>
             </a:r>
           </a:p>
           <a:p>
             <a:pPr lvl="1"/>
             <a:r>
-              <a:rPr lang="de-DE" dirty="0">
-                <a:cs typeface="Courier New" panose="02070309020205020404" pitchFamily="49" charset="0"/>
-              </a:rPr>
-              <a:t>Spring</a:t>
-            </a:r>
-          </a:p>
-          <a:p>
-            <a:pPr lvl="2"/>
-            <a:r>
-              <a:rPr lang="de-DE" dirty="0">
-                <a:cs typeface="Courier New" panose="02070309020205020404" pitchFamily="49" charset="0"/>
-              </a:rPr>
-              <a:t>Java-Framework zur Implementierung von Enterprise </a:t>
-            </a:r>
-            <a:r>
-              <a:rPr lang="de-DE" dirty="0" err="1">
-                <a:cs typeface="Courier New" panose="02070309020205020404" pitchFamily="49" charset="0"/>
-              </a:rPr>
-              <a:t>Applications</a:t>
-            </a:r>
-            <a:endParaRPr lang="de-DE" dirty="0">
-              <a:cs typeface="Courier New" panose="02070309020205020404" pitchFamily="49" charset="0"/>
-            </a:endParaRPr>
-          </a:p>
-          <a:p>
-            <a:pPr lvl="2"/>
-            <a:r>
-              <a:rPr lang="de-DE" dirty="0">
-                <a:cs typeface="Courier New" panose="02070309020205020404" pitchFamily="49" charset="0"/>
-              </a:rPr>
-              <a:t>Kern (Spring </a:t>
-            </a:r>
-            <a:r>
-              <a:rPr lang="de-DE">
-                <a:cs typeface="Courier New" panose="02070309020205020404" pitchFamily="49" charset="0"/>
-              </a:rPr>
-              <a:t>core): </a:t>
-            </a:r>
-            <a:r>
-              <a:rPr lang="de-DE" dirty="0">
-                <a:cs typeface="Courier New" panose="02070309020205020404" pitchFamily="49" charset="0"/>
-              </a:rPr>
-              <a:t>Framework für </a:t>
-            </a:r>
-            <a:r>
-              <a:rPr lang="de-DE" dirty="0" err="1">
-                <a:cs typeface="Courier New" panose="02070309020205020404" pitchFamily="49" charset="0"/>
-              </a:rPr>
-              <a:t>Dependency</a:t>
-            </a:r>
-            <a:r>
-              <a:rPr lang="de-DE" dirty="0">
-                <a:cs typeface="Courier New" panose="02070309020205020404" pitchFamily="49" charset="0"/>
-              </a:rPr>
-              <a:t> </a:t>
-            </a:r>
-            <a:r>
-              <a:rPr lang="de-DE" dirty="0" err="1">
-                <a:cs typeface="Courier New" panose="02070309020205020404" pitchFamily="49" charset="0"/>
-              </a:rPr>
-              <a:t>Injection</a:t>
-            </a:r>
-            <a:endParaRPr lang="de-DE" dirty="0">
-              <a:cs typeface="Courier New" panose="02070309020205020404" pitchFamily="49" charset="0"/>
-            </a:endParaRPr>
-          </a:p>
-          <a:p>
-            <a:pPr lvl="2"/>
-            <a:r>
-              <a:rPr lang="de-DE" dirty="0">
-                <a:cs typeface="Courier New" panose="02070309020205020404" pitchFamily="49" charset="0"/>
-              </a:rPr>
-              <a:t>Sehr umfangreich</a:t>
-            </a:r>
-          </a:p>
-          <a:p>
-            <a:pPr lvl="1"/>
-            <a:r>
-              <a:rPr lang="de-DE" dirty="0">
-                <a:cs typeface="Courier New" panose="02070309020205020404" pitchFamily="49" charset="0"/>
-              </a:rPr>
-              <a:t>Spring Boot</a:t>
-            </a:r>
-          </a:p>
-          <a:p>
-            <a:pPr lvl="2"/>
-            <a:r>
-              <a:rPr lang="de-DE" dirty="0">
-                <a:cs typeface="Courier New" panose="02070309020205020404" pitchFamily="49" charset="0"/>
-              </a:rPr>
-              <a:t>Vereinfachte Konfiguration von Spring-Anwendungen (vordefinierte Starter)</a:t>
-            </a:r>
-          </a:p>
-          <a:p>
-            <a:pPr lvl="2"/>
-            <a:r>
-              <a:rPr lang="de-DE" dirty="0">
-                <a:cs typeface="Courier New" panose="02070309020205020404" pitchFamily="49" charset="0"/>
-              </a:rPr>
-              <a:t>Sehr beliebt zur Implementierung von </a:t>
-            </a:r>
-            <a:r>
-              <a:rPr lang="de-DE" dirty="0" err="1">
-                <a:cs typeface="Courier New" panose="02070309020205020404" pitchFamily="49" charset="0"/>
-              </a:rPr>
-              <a:t>Microservices</a:t>
-            </a:r>
-            <a:endParaRPr lang="de-DE" dirty="0">
-              <a:cs typeface="Courier New" panose="02070309020205020404" pitchFamily="49" charset="0"/>
-            </a:endParaRPr>
+              <a:rPr lang="de-DE" dirty="0"/>
+              <a:t>Ergebnis (</a:t>
+            </a:r>
+            <a:r>
+              <a:rPr lang="de-DE" dirty="0" err="1"/>
+              <a:t>Rersponse</a:t>
+            </a:r>
+            <a:r>
+              <a:rPr lang="de-DE" dirty="0"/>
+              <a:t>)</a:t>
+            </a:r>
+          </a:p>
+          <a:p>
+            <a:pPr lvl="2"/>
+            <a:r>
+              <a:rPr lang="de-DE" dirty="0"/>
+              <a:t>Status-Code</a:t>
+            </a:r>
+          </a:p>
+          <a:p>
+            <a:pPr lvl="3"/>
+            <a:r>
+              <a:rPr lang="de-DE" dirty="0"/>
+              <a:t>Erfolg/</a:t>
+            </a:r>
+            <a:r>
+              <a:rPr lang="de-DE" dirty="0" err="1"/>
+              <a:t>Mißerfolg</a:t>
+            </a:r>
+            <a:r>
+              <a:rPr lang="de-DE" dirty="0"/>
+              <a:t> des Aufrufs</a:t>
+            </a:r>
+          </a:p>
+          <a:p>
+            <a:pPr lvl="4"/>
+            <a:r>
+              <a:rPr lang="de-DE" dirty="0"/>
+              <a:t>200 – OK</a:t>
+            </a:r>
+          </a:p>
+          <a:p>
+            <a:pPr lvl="4"/>
+            <a:r>
+              <a:rPr lang="de-DE" dirty="0"/>
+              <a:t>400 – Bad Request</a:t>
+            </a:r>
+          </a:p>
+          <a:p>
+            <a:pPr lvl="2"/>
+            <a:r>
+              <a:rPr lang="de-DE" dirty="0"/>
+              <a:t>Response-Header</a:t>
+            </a:r>
+          </a:p>
+          <a:p>
+            <a:pPr lvl="3"/>
+            <a:r>
+              <a:rPr lang="de-DE" dirty="0"/>
+              <a:t>Steuer-Parameter/Meta-Informationen, z. B. Format, Zeichensatz</a:t>
+            </a:r>
+          </a:p>
+          <a:p>
+            <a:pPr lvl="2"/>
+            <a:r>
+              <a:rPr lang="de-DE" dirty="0"/>
+              <a:t>Request-Body</a:t>
+            </a:r>
+          </a:p>
+          <a:p>
+            <a:pPr lvl="3"/>
+            <a:r>
+              <a:rPr lang="de-DE" dirty="0"/>
+              <a:t>Ausgabe-Daten</a:t>
+            </a:r>
+          </a:p>
+          <a:p>
+            <a:pPr lvl="3"/>
+            <a:r>
+              <a:rPr lang="de-DE" dirty="0"/>
+              <a:t>JSON-Format</a:t>
+            </a:r>
           </a:p>
         </p:txBody>
       </p:sp>
     </p:spTree>
     <p:extLst>
       <p:ext uri="{BB962C8B-B14F-4D97-AF65-F5344CB8AC3E}">
-        <p14:creationId xmlns:p14="http://schemas.microsoft.com/office/powerpoint/2010/main" val="192711415"/>
+        <p14:creationId xmlns:p14="http://schemas.microsoft.com/office/powerpoint/2010/main" val="3667401884"/>
       </p:ext>
     </p:extLst>
   </p:cSld>
@@ -9532,7 +10348,7 @@
             </a:r>
             <a:r>
               <a:rPr lang="de-DE" dirty="0"/>
-              <a:t> 65</a:t>
+              <a:t> 60</a:t>
             </a:r>
           </a:p>
         </p:txBody>
@@ -9560,69 +10376,151 @@
           <a:p>
             <a:r>
               <a:rPr lang="de-DE" dirty="0"/>
-              <a:t>Thema: REST-Endpunkt mit Pfad-Variable</a:t>
+              <a:t>Typische Methoden für REST-Endpunkt</a:t>
             </a:r>
           </a:p>
           <a:p>
             <a:pPr lvl="1"/>
             <a:r>
               <a:rPr lang="de-DE" dirty="0"/>
-              <a:t>Query-Parameter (HTML-Form)</a:t>
-            </a:r>
-          </a:p>
-          <a:p>
-            <a:pPr lvl="2"/>
-            <a:r>
-              <a:rPr lang="de-DE" dirty="0">
-                <a:hlinkClick r:id="rId2"/>
-              </a:rPr>
-              <a:t>http://localhost:8080/api/hello?name=Georg</a:t>
+              <a:t>POST /</a:t>
+            </a:r>
+            <a:r>
+              <a:rPr lang="de-DE" dirty="0" err="1"/>
+              <a:t>api</a:t>
+            </a:r>
+            <a:r>
+              <a:rPr lang="de-DE" dirty="0"/>
+              <a:t>/</a:t>
+            </a:r>
+            <a:r>
+              <a:rPr lang="de-DE" dirty="0" err="1"/>
+              <a:t>person</a:t>
             </a:r>
             <a:endParaRPr lang="de-DE" dirty="0"/>
           </a:p>
           <a:p>
             <a:pPr lvl="2"/>
             <a:r>
-              <a:rPr lang="de-DE" dirty="0">
-                <a:hlinkClick r:id="rId3"/>
-              </a:rPr>
-              <a:t>http://localhost:8080/api/person?id=1</a:t>
+              <a:rPr lang="de-DE" dirty="0"/>
+              <a:t>Erzeugt Person</a:t>
+            </a:r>
+          </a:p>
+          <a:p>
+            <a:pPr lvl="2"/>
+            <a:r>
+              <a:rPr lang="de-DE" dirty="0"/>
+              <a:t>Liefert ID</a:t>
+            </a:r>
+          </a:p>
+          <a:p>
+            <a:pPr lvl="1"/>
+            <a:r>
+              <a:rPr lang="de-DE" dirty="0"/>
+              <a:t>PUT /</a:t>
+            </a:r>
+            <a:r>
+              <a:rPr lang="de-DE" dirty="0" err="1"/>
+              <a:t>api</a:t>
+            </a:r>
+            <a:r>
+              <a:rPr lang="de-DE" dirty="0"/>
+              <a:t>/</a:t>
+            </a:r>
+            <a:r>
+              <a:rPr lang="de-DE" dirty="0" err="1"/>
+              <a:t>person</a:t>
+            </a:r>
+            <a:r>
+              <a:rPr lang="de-DE" dirty="0"/>
+              <a:t>/{ID}</a:t>
+            </a:r>
+          </a:p>
+          <a:p>
+            <a:pPr lvl="2"/>
+            <a:r>
+              <a:rPr lang="de-DE" dirty="0"/>
+              <a:t>Ändert Person</a:t>
+            </a:r>
+          </a:p>
+          <a:p>
+            <a:pPr lvl="1"/>
+            <a:r>
+              <a:rPr lang="de-DE" dirty="0"/>
+              <a:t>GET /</a:t>
+            </a:r>
+            <a:r>
+              <a:rPr lang="de-DE" dirty="0" err="1"/>
+              <a:t>api</a:t>
+            </a:r>
+            <a:r>
+              <a:rPr lang="de-DE" dirty="0"/>
+              <a:t>/</a:t>
+            </a:r>
+            <a:r>
+              <a:rPr lang="de-DE" dirty="0" err="1"/>
+              <a:t>person</a:t>
+            </a:r>
+            <a:r>
+              <a:rPr lang="de-DE" dirty="0"/>
+              <a:t>/{ID}</a:t>
+            </a:r>
+          </a:p>
+          <a:p>
+            <a:pPr lvl="2"/>
+            <a:r>
+              <a:rPr lang="de-DE" dirty="0"/>
+              <a:t>Holt Person</a:t>
+            </a:r>
+          </a:p>
+          <a:p>
+            <a:pPr lvl="1"/>
+            <a:r>
+              <a:rPr lang="de-DE" dirty="0"/>
+              <a:t>GET /</a:t>
+            </a:r>
+            <a:r>
+              <a:rPr lang="de-DE" dirty="0" err="1"/>
+              <a:t>api</a:t>
+            </a:r>
+            <a:r>
+              <a:rPr lang="de-DE" dirty="0"/>
+              <a:t>/</a:t>
+            </a:r>
+            <a:r>
+              <a:rPr lang="de-DE" dirty="0" err="1"/>
+              <a:t>person</a:t>
             </a:r>
             <a:endParaRPr lang="de-DE" dirty="0"/>
           </a:p>
           <a:p>
-            <a:pPr lvl="1"/>
-            <a:r>
-              <a:rPr lang="de-DE" dirty="0"/>
-              <a:t>Pfad-Variable</a:t>
-            </a:r>
-          </a:p>
-          <a:p>
-            <a:pPr lvl="2"/>
-            <a:r>
-              <a:rPr lang="de-DE" dirty="0">
-                <a:hlinkClick r:id="rId4"/>
-              </a:rPr>
-              <a:t>http://localhost:8080/api/hello/Georg</a:t>
-            </a:r>
-            <a:endParaRPr lang="de-DE" dirty="0"/>
-          </a:p>
-          <a:p>
-            <a:pPr lvl="2"/>
-            <a:r>
-              <a:rPr lang="de-DE" dirty="0">
-                <a:hlinkClick r:id="rId5"/>
-              </a:rPr>
-              <a:t>http://localhost:8080/api/person/1</a:t>
-            </a:r>
-            <a:endParaRPr lang="de-DE" dirty="0"/>
+            <a:pPr lvl="2"/>
+            <a:r>
+              <a:rPr lang="de-DE" dirty="0"/>
+              <a:t>Holt </a:t>
+            </a:r>
+            <a:r>
+              <a:rPr lang="de-DE" b="1" dirty="0"/>
+              <a:t>alle</a:t>
+            </a:r>
+            <a:r>
+              <a:rPr lang="de-DE" dirty="0"/>
+              <a:t> Personen</a:t>
+            </a:r>
+          </a:p>
+          <a:p>
+            <a:pPr lvl="2"/>
+            <a:r>
+              <a:rPr lang="de-DE" dirty="0"/>
+              <a:t>Und wenn das sehr viele sind (Millionen)?</a:t>
+            </a:r>
           </a:p>
         </p:txBody>
       </p:sp>
     </p:spTree>
     <p:extLst>
       <p:ext uri="{BB962C8B-B14F-4D97-AF65-F5344CB8AC3E}">
-        <p14:creationId xmlns:p14="http://schemas.microsoft.com/office/powerpoint/2010/main" val="1108630757"/>
+        <p14:creationId xmlns:p14="http://schemas.microsoft.com/office/powerpoint/2010/main" val="213345787"/>
       </p:ext>
     </p:extLst>
   </p:cSld>
@@ -9676,7 +10574,7 @@
             </a:r>
             <a:r>
               <a:rPr lang="de-DE" dirty="0"/>
-              <a:t> 70</a:t>
+              <a:t> 60</a:t>
             </a:r>
           </a:p>
         </p:txBody>
@@ -9704,23 +10602,79 @@
           <a:p>
             <a:r>
               <a:rPr lang="de-DE" dirty="0"/>
-              <a:t>Thema: </a:t>
-            </a:r>
-            <a:r>
-              <a:rPr lang="de-DE" dirty="0" err="1"/>
-              <a:t>Dependency</a:t>
-            </a:r>
-            <a:r>
-              <a:rPr lang="de-DE" dirty="0"/>
-              <a:t> </a:t>
-            </a:r>
-            <a:r>
-              <a:rPr lang="de-DE" dirty="0" err="1"/>
-              <a:t>Injection</a:t>
-            </a:r>
-            <a:r>
-              <a:rPr lang="de-DE" dirty="0"/>
-              <a:t> mit Spring</a:t>
+              <a:t>Typische Methoden für REST-Endpunkt</a:t>
+            </a:r>
+          </a:p>
+          <a:p>
+            <a:pPr lvl="1"/>
+            <a:r>
+              <a:rPr lang="de-DE" dirty="0"/>
+              <a:t>DELETE /</a:t>
+            </a:r>
+            <a:r>
+              <a:rPr lang="de-DE" dirty="0" err="1"/>
+              <a:t>api</a:t>
+            </a:r>
+            <a:r>
+              <a:rPr lang="de-DE" dirty="0"/>
+              <a:t>/</a:t>
+            </a:r>
+            <a:r>
+              <a:rPr lang="de-DE" dirty="0" err="1"/>
+              <a:t>person</a:t>
+            </a:r>
+            <a:r>
+              <a:rPr lang="de-DE" dirty="0"/>
+              <a:t>/{ID}</a:t>
+            </a:r>
+          </a:p>
+          <a:p>
+            <a:pPr lvl="2"/>
+            <a:r>
+              <a:rPr lang="de-DE" dirty="0"/>
+              <a:t>Löscht Person</a:t>
+            </a:r>
+          </a:p>
+          <a:p>
+            <a:pPr lvl="1"/>
+            <a:r>
+              <a:rPr lang="de-DE" dirty="0"/>
+              <a:t>DELETE /</a:t>
+            </a:r>
+            <a:r>
+              <a:rPr lang="de-DE" dirty="0" err="1"/>
+              <a:t>api</a:t>
+            </a:r>
+            <a:r>
+              <a:rPr lang="de-DE" dirty="0"/>
+              <a:t>/</a:t>
+            </a:r>
+            <a:r>
+              <a:rPr lang="de-DE" dirty="0" err="1"/>
+              <a:t>person</a:t>
+            </a:r>
+            <a:endParaRPr lang="de-DE" dirty="0"/>
+          </a:p>
+          <a:p>
+            <a:pPr lvl="2"/>
+            <a:r>
+              <a:rPr lang="de-DE" dirty="0"/>
+              <a:t>Loscht </a:t>
+            </a:r>
+            <a:r>
+              <a:rPr lang="de-DE" b="1" dirty="0"/>
+              <a:t>alle</a:t>
+            </a:r>
+            <a:r>
+              <a:rPr lang="de-DE" dirty="0"/>
+              <a:t> Personen</a:t>
+            </a:r>
+          </a:p>
+          <a:p>
+            <a:pPr lvl="2"/>
+            <a:r>
+              <a:rPr lang="de-DE" dirty="0"/>
+              <a:t>Ist das gefährlich?</a:t>
             </a:r>
           </a:p>
         </p:txBody>
@@ -9728,7 +10682,7 @@
     </p:spTree>
     <p:extLst>
       <p:ext uri="{BB962C8B-B14F-4D97-AF65-F5344CB8AC3E}">
-        <p14:creationId xmlns:p14="http://schemas.microsoft.com/office/powerpoint/2010/main" val="2804024451"/>
+        <p14:creationId xmlns:p14="http://schemas.microsoft.com/office/powerpoint/2010/main" val="1274039183"/>
       </p:ext>
     </p:extLst>
   </p:cSld>
@@ -9782,7 +10736,7 @@
             </a:r>
             <a:r>
               <a:rPr lang="de-DE" dirty="0"/>
-              <a:t> 80</a:t>
+              <a:t> 60</a:t>
             </a:r>
           </a:p>
         </p:txBody>
@@ -9810,31 +10764,129 @@
           <a:p>
             <a:r>
               <a:rPr lang="de-DE" dirty="0"/>
-              <a:t>Thema: Testen mit Mocks</a:t>
+              <a:t>Thema: Implementierung eines REST-Endpunktes mit Spring Boot</a:t>
             </a:r>
           </a:p>
           <a:p>
             <a:pPr lvl="1"/>
             <a:r>
-              <a:rPr lang="de-DE" dirty="0" err="1"/>
-              <a:t>Mockito</a:t>
-            </a:r>
-            <a:r>
-              <a:rPr lang="de-DE" dirty="0"/>
-              <a:t>: Bibliothek zum Erstellen von Mock-Objekten </a:t>
-            </a:r>
-            <a:r>
-              <a:rPr lang="de-DE"/>
-              <a:t>in Unit-Tests</a:t>
-            </a:r>
-            <a:endParaRPr lang="de-DE" dirty="0"/>
+              <a:rPr lang="de-DE" dirty="0">
+                <a:cs typeface="Courier New" panose="02070309020205020404" pitchFamily="49" charset="0"/>
+              </a:rPr>
+              <a:t>Spring</a:t>
+            </a:r>
+          </a:p>
+          <a:p>
+            <a:pPr lvl="2"/>
+            <a:r>
+              <a:rPr lang="de-DE" dirty="0">
+                <a:cs typeface="Courier New" panose="02070309020205020404" pitchFamily="49" charset="0"/>
+              </a:rPr>
+              <a:t>Java-Framework zur Implementierung von Enterprise </a:t>
+            </a:r>
+            <a:r>
+              <a:rPr lang="de-DE" dirty="0" err="1">
+                <a:cs typeface="Courier New" panose="02070309020205020404" pitchFamily="49" charset="0"/>
+              </a:rPr>
+              <a:t>Applications</a:t>
+            </a:r>
+            <a:endParaRPr lang="de-DE" dirty="0">
+              <a:cs typeface="Courier New" panose="02070309020205020404" pitchFamily="49" charset="0"/>
+            </a:endParaRPr>
+          </a:p>
+          <a:p>
+            <a:pPr lvl="2"/>
+            <a:r>
+              <a:rPr lang="de-DE" dirty="0">
+                <a:cs typeface="Courier New" panose="02070309020205020404" pitchFamily="49" charset="0"/>
+              </a:rPr>
+              <a:t>Kern (Spring </a:t>
+            </a:r>
+            <a:r>
+              <a:rPr lang="de-DE">
+                <a:cs typeface="Courier New" panose="02070309020205020404" pitchFamily="49" charset="0"/>
+              </a:rPr>
+              <a:t>core): </a:t>
+            </a:r>
+            <a:r>
+              <a:rPr lang="de-DE" dirty="0">
+                <a:cs typeface="Courier New" panose="02070309020205020404" pitchFamily="49" charset="0"/>
+              </a:rPr>
+              <a:t>Framework für </a:t>
+            </a:r>
+            <a:r>
+              <a:rPr lang="de-DE" dirty="0" err="1">
+                <a:cs typeface="Courier New" panose="02070309020205020404" pitchFamily="49" charset="0"/>
+              </a:rPr>
+              <a:t>Dependency</a:t>
+            </a:r>
+            <a:r>
+              <a:rPr lang="de-DE" dirty="0">
+                <a:cs typeface="Courier New" panose="02070309020205020404" pitchFamily="49" charset="0"/>
+              </a:rPr>
+              <a:t> </a:t>
+            </a:r>
+            <a:r>
+              <a:rPr lang="de-DE" dirty="0" err="1">
+                <a:cs typeface="Courier New" panose="02070309020205020404" pitchFamily="49" charset="0"/>
+              </a:rPr>
+              <a:t>Injection</a:t>
+            </a:r>
+            <a:endParaRPr lang="de-DE" dirty="0">
+              <a:cs typeface="Courier New" panose="02070309020205020404" pitchFamily="49" charset="0"/>
+            </a:endParaRPr>
+          </a:p>
+          <a:p>
+            <a:pPr lvl="2"/>
+            <a:r>
+              <a:rPr lang="de-DE" dirty="0">
+                <a:cs typeface="Courier New" panose="02070309020205020404" pitchFamily="49" charset="0"/>
+              </a:rPr>
+              <a:t>Sehr umfangreich</a:t>
+            </a:r>
+          </a:p>
+          <a:p>
+            <a:pPr lvl="1"/>
+            <a:r>
+              <a:rPr lang="de-DE" dirty="0">
+                <a:cs typeface="Courier New" panose="02070309020205020404" pitchFamily="49" charset="0"/>
+              </a:rPr>
+              <a:t>Spring Boot</a:t>
+            </a:r>
+          </a:p>
+          <a:p>
+            <a:pPr lvl="2"/>
+            <a:r>
+              <a:rPr lang="de-DE" dirty="0">
+                <a:cs typeface="Courier New" panose="02070309020205020404" pitchFamily="49" charset="0"/>
+              </a:rPr>
+              <a:t>Vereinfachte Konfiguration von Spring-Anwendungen (vordefinierte Starter)</a:t>
+            </a:r>
+          </a:p>
+          <a:p>
+            <a:pPr lvl="2"/>
+            <a:r>
+              <a:rPr lang="de-DE" dirty="0">
+                <a:cs typeface="Courier New" panose="02070309020205020404" pitchFamily="49" charset="0"/>
+              </a:rPr>
+              <a:t>Sehr beliebt zur Implementierung von </a:t>
+            </a:r>
+            <a:r>
+              <a:rPr lang="de-DE" dirty="0" err="1">
+                <a:cs typeface="Courier New" panose="02070309020205020404" pitchFamily="49" charset="0"/>
+              </a:rPr>
+              <a:t>Microservices</a:t>
+            </a:r>
+            <a:endParaRPr lang="de-DE" dirty="0">
+              <a:cs typeface="Courier New" panose="02070309020205020404" pitchFamily="49" charset="0"/>
+            </a:endParaRPr>
           </a:p>
         </p:txBody>
       </p:sp>
     </p:spTree>
     <p:extLst>
       <p:ext uri="{BB962C8B-B14F-4D97-AF65-F5344CB8AC3E}">
-        <p14:creationId xmlns:p14="http://schemas.microsoft.com/office/powerpoint/2010/main" val="1609070468"/>
+        <p14:creationId xmlns:p14="http://schemas.microsoft.com/office/powerpoint/2010/main" val="192711415"/>
       </p:ext>
     </p:extLst>
   </p:cSld>
@@ -9888,7 +10940,7 @@
             </a:r>
             <a:r>
               <a:rPr lang="de-DE" dirty="0"/>
-              <a:t> 90</a:t>
+              <a:t> 65</a:t>
             </a:r>
           </a:p>
         </p:txBody>
@@ -9916,15 +10968,69 @@
           <a:p>
             <a:r>
               <a:rPr lang="de-DE" dirty="0"/>
-              <a:t>Thema: Persistenz mit Spring Data</a:t>
-            </a:r>
+              <a:t>Thema: REST-Endpunkt mit Pfad-Variable</a:t>
+            </a:r>
+          </a:p>
+          <a:p>
+            <a:pPr lvl="1"/>
+            <a:r>
+              <a:rPr lang="de-DE" dirty="0"/>
+              <a:t>Query-Parameter (HTML-Form)</a:t>
+            </a:r>
+          </a:p>
+          <a:p>
+            <a:pPr lvl="2"/>
+            <a:r>
+              <a:rPr lang="de-DE" dirty="0">
+                <a:hlinkClick r:id="rId2"/>
+              </a:rPr>
+              <a:t>http://localhost:8080/api/hello?name=Georg</a:t>
+            </a:r>
+            <a:endParaRPr lang="de-DE" dirty="0"/>
+          </a:p>
+          <a:p>
+            <a:pPr lvl="2"/>
+            <a:r>
+              <a:rPr lang="de-DE" dirty="0">
+                <a:hlinkClick r:id="rId3"/>
+              </a:rPr>
+              <a:t>http://localhost:8080/api/person?id=1</a:t>
+            </a:r>
+            <a:endParaRPr lang="de-DE" dirty="0"/>
+          </a:p>
+          <a:p>
+            <a:pPr lvl="1"/>
+            <a:r>
+              <a:rPr lang="de-DE" dirty="0"/>
+              <a:t>Pfad-Variable</a:t>
+            </a:r>
+          </a:p>
+          <a:p>
+            <a:pPr lvl="2"/>
+            <a:r>
+              <a:rPr lang="de-DE" dirty="0">
+                <a:hlinkClick r:id="rId4"/>
+              </a:rPr>
+              <a:t>http://localhost:8080/api/hello/Georg</a:t>
+            </a:r>
+            <a:endParaRPr lang="de-DE" dirty="0"/>
+          </a:p>
+          <a:p>
+            <a:pPr lvl="2"/>
+            <a:r>
+              <a:rPr lang="de-DE" dirty="0">
+                <a:hlinkClick r:id="rId5"/>
+              </a:rPr>
+              <a:t>http://localhost:8080/api/person/1</a:t>
+            </a:r>
+            <a:endParaRPr lang="de-DE" dirty="0"/>
           </a:p>
         </p:txBody>
       </p:sp>
     </p:spTree>
     <p:extLst>
       <p:ext uri="{BB962C8B-B14F-4D97-AF65-F5344CB8AC3E}">
-        <p14:creationId xmlns:p14="http://schemas.microsoft.com/office/powerpoint/2010/main" val="3263348999"/>
+        <p14:creationId xmlns:p14="http://schemas.microsoft.com/office/powerpoint/2010/main" val="1108630757"/>
       </p:ext>
     </p:extLst>
   </p:cSld>
@@ -10134,9 +11240,10 @@
               <a:t>Step</a:t>
             </a:r>
             <a:r>
-              <a:rPr lang="de-DE" dirty="0"/>
-              <a:t> 100</a:t>
-            </a:r>
+              <a:rPr lang="de-DE"/>
+              <a:t> 55</a:t>
+            </a:r>
+            <a:endParaRPr lang="de-DE" dirty="0"/>
           </a:p>
         </p:txBody>
       </p:sp>
@@ -10163,7 +11270,147 @@
           <a:p>
             <a:r>
               <a:rPr lang="de-DE" dirty="0"/>
-              <a:t>Thema: Service als Docker-Container</a:t>
+              <a:t>Thema: Unit-Tests</a:t>
+            </a:r>
+            <a:endParaRPr lang="de-DE" dirty="0">
+              <a:latin typeface="Courier New" panose="02070309020205020404" pitchFamily="49" charset="0"/>
+              <a:cs typeface="Courier New" panose="02070309020205020404" pitchFamily="49" charset="0"/>
+            </a:endParaRPr>
+          </a:p>
+          <a:p>
+            <a:pPr lvl="1"/>
+            <a:r>
+              <a:rPr lang="de-DE" dirty="0" err="1">
+                <a:latin typeface="Courier New" panose="02070309020205020404" pitchFamily="49" charset="0"/>
+                <a:cs typeface="Courier New" panose="02070309020205020404" pitchFamily="49" charset="0"/>
+              </a:rPr>
+              <a:t>HelloWorldApplication</a:t>
+            </a:r>
+            <a:r>
+              <a:rPr lang="de-DE" dirty="0"/>
+              <a:t> lässt sich schlecht testen</a:t>
+            </a:r>
+          </a:p>
+          <a:p>
+            <a:pPr lvl="1"/>
+            <a:r>
+              <a:rPr lang="de-DE" dirty="0"/>
+              <a:t>Wie lässt sich das verbessern?</a:t>
+            </a:r>
+          </a:p>
+          <a:p>
+            <a:pPr lvl="2"/>
+            <a:r>
+              <a:rPr lang="de-DE" dirty="0" err="1"/>
+              <a:t>Dependency</a:t>
+            </a:r>
+            <a:r>
+              <a:rPr lang="de-DE" dirty="0"/>
+              <a:t> </a:t>
+            </a:r>
+            <a:r>
+              <a:rPr lang="de-DE" dirty="0" err="1"/>
+              <a:t>injection</a:t>
+            </a:r>
+            <a:endParaRPr lang="de-DE" dirty="0"/>
+          </a:p>
+          <a:p>
+            <a:pPr lvl="3"/>
+            <a:r>
+              <a:rPr lang="de-DE" dirty="0"/>
+              <a:t>Ein </a:t>
+            </a:r>
+            <a:r>
+              <a:rPr lang="de-DE" dirty="0" err="1">
+                <a:latin typeface="Courier New" panose="02070309020205020404" pitchFamily="49" charset="0"/>
+                <a:cs typeface="Courier New" panose="02070309020205020404" pitchFamily="49" charset="0"/>
+              </a:rPr>
+              <a:t>Greeter</a:t>
+            </a:r>
+            <a:r>
+              <a:rPr lang="de-DE" dirty="0"/>
+              <a:t> wird nicht innerhalb </a:t>
+            </a:r>
+            <a:r>
+              <a:rPr lang="de-DE" dirty="0" err="1">
+                <a:latin typeface="Courier New" panose="02070309020205020404" pitchFamily="49" charset="0"/>
+                <a:cs typeface="Courier New" panose="02070309020205020404" pitchFamily="49" charset="0"/>
+              </a:rPr>
+              <a:t>HelloWorldApplication</a:t>
+            </a:r>
+            <a:r>
+              <a:rPr lang="de-DE" dirty="0"/>
+              <a:t> erzeugt, sondern von außen übergeben (</a:t>
+            </a:r>
+            <a:r>
+              <a:rPr lang="de-DE" dirty="0" err="1"/>
+              <a:t>injected</a:t>
+            </a:r>
+            <a:r>
+              <a:rPr lang="de-DE" dirty="0"/>
+              <a:t>)</a:t>
+            </a:r>
+          </a:p>
+          <a:p>
+            <a:pPr lvl="3"/>
+            <a:r>
+              <a:rPr lang="de-DE" dirty="0"/>
+              <a:t>Vorteil: wir können ein spezielles Test-Objekt nutzen</a:t>
+            </a:r>
+          </a:p>
+          <a:p>
+            <a:pPr lvl="2"/>
+            <a:r>
+              <a:rPr lang="de-DE" dirty="0" err="1"/>
+              <a:t>Mocking</a:t>
+            </a:r>
+            <a:endParaRPr lang="de-DE" dirty="0"/>
+          </a:p>
+          <a:p>
+            <a:pPr lvl="3"/>
+            <a:r>
+              <a:rPr lang="de-DE" dirty="0"/>
+              <a:t>Statt des </a:t>
+            </a:r>
+            <a:r>
+              <a:rPr lang="de-DE" dirty="0" err="1">
+                <a:latin typeface="Courier New" panose="02070309020205020404" pitchFamily="49" charset="0"/>
+                <a:cs typeface="Courier New" panose="02070309020205020404" pitchFamily="49" charset="0"/>
+              </a:rPr>
+              <a:t>Greeter</a:t>
+            </a:r>
+            <a:r>
+              <a:rPr lang="de-DE" dirty="0"/>
+              <a:t>-Service wird ein spezielles Test-Objekt (</a:t>
+            </a:r>
+            <a:r>
+              <a:rPr lang="de-DE" dirty="0" err="1">
+                <a:latin typeface="Courier New" panose="02070309020205020404" pitchFamily="49" charset="0"/>
+                <a:cs typeface="Courier New" panose="02070309020205020404" pitchFamily="49" charset="0"/>
+              </a:rPr>
+              <a:t>GreeterMock</a:t>
+            </a:r>
+            <a:r>
+              <a:rPr lang="de-DE" dirty="0"/>
+              <a:t>) genutzt</a:t>
+            </a:r>
+          </a:p>
+          <a:p>
+            <a:pPr lvl="3"/>
+            <a:r>
+              <a:rPr lang="de-DE" dirty="0"/>
+              <a:t>Dieses Test-Objekt ermöglicht uns zu prüfen, was </a:t>
+            </a:r>
+            <a:r>
+              <a:rPr lang="de-DE" dirty="0" err="1">
+                <a:latin typeface="Courier New" panose="02070309020205020404" pitchFamily="49" charset="0"/>
+                <a:cs typeface="Courier New" panose="02070309020205020404" pitchFamily="49" charset="0"/>
+              </a:rPr>
+              <a:t>HelloWorldApplication</a:t>
+            </a:r>
+            <a:r>
+              <a:rPr lang="de-DE" dirty="0"/>
+              <a:t> tatsächlich tut</a:t>
             </a:r>
           </a:p>
         </p:txBody>
@@ -10171,7 +11418,7 @@
     </p:spTree>
     <p:extLst>
       <p:ext uri="{BB962C8B-B14F-4D97-AF65-F5344CB8AC3E}">
-        <p14:creationId xmlns:p14="http://schemas.microsoft.com/office/powerpoint/2010/main" val="1059597919"/>
+        <p14:creationId xmlns:p14="http://schemas.microsoft.com/office/powerpoint/2010/main" val="1186333636"/>
       </p:ext>
     </p:extLst>
   </p:cSld>
@@ -10225,7 +11472,7 @@
             </a:r>
             <a:r>
               <a:rPr lang="de-DE" dirty="0"/>
-              <a:t> 110</a:t>
+              <a:t> 70</a:t>
             </a:r>
           </a:p>
         </p:txBody>
@@ -10253,64 +11500,23 @@
           <a:p>
             <a:r>
               <a:rPr lang="de-DE" dirty="0"/>
-              <a:t>Thema: Sicherheit</a:t>
-            </a:r>
-          </a:p>
-          <a:p>
-            <a:pPr lvl="1"/>
-            <a:r>
-              <a:rPr lang="de-DE" dirty="0"/>
-              <a:t>Identity </a:t>
-            </a:r>
-            <a:r>
-              <a:rPr lang="de-DE" dirty="0" err="1"/>
-              <a:t>and</a:t>
-            </a:r>
-            <a:r>
-              <a:rPr lang="de-DE" dirty="0"/>
-              <a:t> Access Management (</a:t>
-            </a:r>
-            <a:r>
-              <a:rPr lang="de-DE" dirty="0" err="1"/>
-              <a:t>IdM</a:t>
-            </a:r>
-            <a:r>
-              <a:rPr lang="de-DE" dirty="0"/>
-              <a:t>, IAM, </a:t>
-            </a:r>
-            <a:r>
-              <a:rPr lang="de-DE" dirty="0" err="1"/>
-              <a:t>IdAM</a:t>
-            </a:r>
-            <a:r>
-              <a:rPr lang="de-DE" dirty="0"/>
-              <a:t>)</a:t>
-            </a:r>
-          </a:p>
-          <a:p>
-            <a:pPr lvl="2"/>
-            <a:r>
-              <a:rPr lang="de-DE" dirty="0"/>
-              <a:t>Software: </a:t>
-            </a:r>
-            <a:r>
-              <a:rPr lang="de-DE" dirty="0" err="1"/>
-              <a:t>Keycloak</a:t>
-            </a:r>
-            <a:endParaRPr lang="de-DE" dirty="0"/>
-          </a:p>
-          <a:p>
-            <a:pPr lvl="1"/>
-            <a:r>
-              <a:rPr lang="de-DE" dirty="0"/>
-              <a:t>Sicherung der Anwendung</a:t>
-            </a:r>
-          </a:p>
-          <a:p>
-            <a:pPr lvl="2"/>
-            <a:r>
-              <a:rPr lang="de-DE" dirty="0"/>
-              <a:t>Framework: Spring Security</a:t>
+              <a:t>Thema: </a:t>
+            </a:r>
+            <a:r>
+              <a:rPr lang="de-DE" dirty="0" err="1"/>
+              <a:t>Dependency</a:t>
+            </a:r>
+            <a:r>
+              <a:rPr lang="de-DE" dirty="0"/>
+              <a:t> </a:t>
+            </a:r>
+            <a:r>
+              <a:rPr lang="de-DE" dirty="0" err="1"/>
+              <a:t>Injection</a:t>
+            </a:r>
+            <a:r>
+              <a:rPr lang="de-DE" dirty="0"/>
+              <a:t> mit Spring</a:t>
             </a:r>
           </a:p>
         </p:txBody>
@@ -10318,7 +11524,7 @@
     </p:spTree>
     <p:extLst>
       <p:ext uri="{BB962C8B-B14F-4D97-AF65-F5344CB8AC3E}">
-        <p14:creationId xmlns:p14="http://schemas.microsoft.com/office/powerpoint/2010/main" val="1812459713"/>
+        <p14:creationId xmlns:p14="http://schemas.microsoft.com/office/powerpoint/2010/main" val="2804024451"/>
       </p:ext>
     </p:extLst>
   </p:cSld>
@@ -10372,6 +11578,439 @@
             </a:r>
             <a:r>
               <a:rPr lang="de-DE" dirty="0"/>
+              <a:t> 80</a:t>
+            </a:r>
+          </a:p>
+        </p:txBody>
+      </p:sp>
+      <p:sp>
+        <p:nvSpPr>
+          <p:cNvPr id="3" name="Inhaltsplatzhalter 2">
+            <a:extLst>
+              <a:ext uri="{FF2B5EF4-FFF2-40B4-BE49-F238E27FC236}">
+                <a16:creationId xmlns:a16="http://schemas.microsoft.com/office/drawing/2014/main" id="{2A5EBA90-6155-FD45-A74C-ECC42BCA72DF}"/>
+              </a:ext>
+            </a:extLst>
+          </p:cNvPr>
+          <p:cNvSpPr>
+            <a:spLocks noGrp="1"/>
+          </p:cNvSpPr>
+          <p:nvPr>
+            <p:ph idx="1"/>
+          </p:nvPr>
+        </p:nvSpPr>
+        <p:spPr/>
+        <p:txBody>
+          <a:bodyPr/>
+          <a:lstStyle/>
+          <a:p>
+            <a:r>
+              <a:rPr lang="de-DE" dirty="0"/>
+              <a:t>Thema: Testen mit Mocks</a:t>
+            </a:r>
+          </a:p>
+          <a:p>
+            <a:pPr lvl="1"/>
+            <a:r>
+              <a:rPr lang="de-DE" dirty="0" err="1"/>
+              <a:t>Mockito</a:t>
+            </a:r>
+            <a:r>
+              <a:rPr lang="de-DE" dirty="0"/>
+              <a:t>: Bibliothek zum Erstellen von Mock-Objekten </a:t>
+            </a:r>
+            <a:r>
+              <a:rPr lang="de-DE"/>
+              <a:t>in Unit-Tests</a:t>
+            </a:r>
+            <a:endParaRPr lang="de-DE" dirty="0"/>
+          </a:p>
+        </p:txBody>
+      </p:sp>
+    </p:spTree>
+    <p:extLst>
+      <p:ext uri="{BB962C8B-B14F-4D97-AF65-F5344CB8AC3E}">
+        <p14:creationId xmlns:p14="http://schemas.microsoft.com/office/powerpoint/2010/main" val="1609070468"/>
+      </p:ext>
+    </p:extLst>
+  </p:cSld>
+  <p:clrMapOvr>
+    <a:masterClrMapping/>
+  </p:clrMapOvr>
+</p:sld>
+</file>
+
+<file path=ppt/slides/slide43.xml><?xml version="1.0" encoding="utf-8"?>
+<p:sld xmlns:a="http://schemas.openxmlformats.org/drawingml/2006/main" xmlns:r="http://schemas.openxmlformats.org/officeDocument/2006/relationships" xmlns:p="http://schemas.openxmlformats.org/presentationml/2006/main">
+  <p:cSld>
+    <p:spTree>
+      <p:nvGrpSpPr>
+        <p:cNvPr id="1" name=""/>
+        <p:cNvGrpSpPr/>
+        <p:nvPr/>
+      </p:nvGrpSpPr>
+      <p:grpSpPr>
+        <a:xfrm>
+          <a:off x="0" y="0"/>
+          <a:ext cx="0" cy="0"/>
+          <a:chOff x="0" y="0"/>
+          <a:chExt cx="0" cy="0"/>
+        </a:xfrm>
+      </p:grpSpPr>
+      <p:sp>
+        <p:nvSpPr>
+          <p:cNvPr id="2" name="Titel 1">
+            <a:extLst>
+              <a:ext uri="{FF2B5EF4-FFF2-40B4-BE49-F238E27FC236}">
+                <a16:creationId xmlns:a16="http://schemas.microsoft.com/office/drawing/2014/main" id="{0EC7A146-A8F2-A844-9033-A0ACC828AF47}"/>
+              </a:ext>
+            </a:extLst>
+          </p:cNvPr>
+          <p:cNvSpPr>
+            <a:spLocks noGrp="1"/>
+          </p:cNvSpPr>
+          <p:nvPr>
+            <p:ph type="title"/>
+          </p:nvPr>
+        </p:nvSpPr>
+        <p:spPr/>
+        <p:txBody>
+          <a:bodyPr/>
+          <a:lstStyle/>
+          <a:p>
+            <a:r>
+              <a:rPr lang="de-DE" dirty="0" err="1"/>
+              <a:t>Step</a:t>
+            </a:r>
+            <a:r>
+              <a:rPr lang="de-DE" dirty="0"/>
+              <a:t> 90</a:t>
+            </a:r>
+          </a:p>
+        </p:txBody>
+      </p:sp>
+      <p:sp>
+        <p:nvSpPr>
+          <p:cNvPr id="3" name="Inhaltsplatzhalter 2">
+            <a:extLst>
+              <a:ext uri="{FF2B5EF4-FFF2-40B4-BE49-F238E27FC236}">
+                <a16:creationId xmlns:a16="http://schemas.microsoft.com/office/drawing/2014/main" id="{2A5EBA90-6155-FD45-A74C-ECC42BCA72DF}"/>
+              </a:ext>
+            </a:extLst>
+          </p:cNvPr>
+          <p:cNvSpPr>
+            <a:spLocks noGrp="1"/>
+          </p:cNvSpPr>
+          <p:nvPr>
+            <p:ph idx="1"/>
+          </p:nvPr>
+        </p:nvSpPr>
+        <p:spPr/>
+        <p:txBody>
+          <a:bodyPr/>
+          <a:lstStyle/>
+          <a:p>
+            <a:r>
+              <a:rPr lang="de-DE" dirty="0"/>
+              <a:t>Thema: Persistenz mit Spring Data</a:t>
+            </a:r>
+          </a:p>
+        </p:txBody>
+      </p:sp>
+    </p:spTree>
+    <p:extLst>
+      <p:ext uri="{BB962C8B-B14F-4D97-AF65-F5344CB8AC3E}">
+        <p14:creationId xmlns:p14="http://schemas.microsoft.com/office/powerpoint/2010/main" val="3263348999"/>
+      </p:ext>
+    </p:extLst>
+  </p:cSld>
+  <p:clrMapOvr>
+    <a:masterClrMapping/>
+  </p:clrMapOvr>
+</p:sld>
+</file>
+
+<file path=ppt/slides/slide44.xml><?xml version="1.0" encoding="utf-8"?>
+<p:sld xmlns:a="http://schemas.openxmlformats.org/drawingml/2006/main" xmlns:r="http://schemas.openxmlformats.org/officeDocument/2006/relationships" xmlns:p="http://schemas.openxmlformats.org/presentationml/2006/main">
+  <p:cSld>
+    <p:spTree>
+      <p:nvGrpSpPr>
+        <p:cNvPr id="1" name=""/>
+        <p:cNvGrpSpPr/>
+        <p:nvPr/>
+      </p:nvGrpSpPr>
+      <p:grpSpPr>
+        <a:xfrm>
+          <a:off x="0" y="0"/>
+          <a:ext cx="0" cy="0"/>
+          <a:chOff x="0" y="0"/>
+          <a:chExt cx="0" cy="0"/>
+        </a:xfrm>
+      </p:grpSpPr>
+      <p:sp>
+        <p:nvSpPr>
+          <p:cNvPr id="2" name="Titel 1">
+            <a:extLst>
+              <a:ext uri="{FF2B5EF4-FFF2-40B4-BE49-F238E27FC236}">
+                <a16:creationId xmlns:a16="http://schemas.microsoft.com/office/drawing/2014/main" id="{0EC7A146-A8F2-A844-9033-A0ACC828AF47}"/>
+              </a:ext>
+            </a:extLst>
+          </p:cNvPr>
+          <p:cNvSpPr>
+            <a:spLocks noGrp="1"/>
+          </p:cNvSpPr>
+          <p:nvPr>
+            <p:ph type="title"/>
+          </p:nvPr>
+        </p:nvSpPr>
+        <p:spPr/>
+        <p:txBody>
+          <a:bodyPr/>
+          <a:lstStyle/>
+          <a:p>
+            <a:r>
+              <a:rPr lang="de-DE" dirty="0" err="1"/>
+              <a:t>Step</a:t>
+            </a:r>
+            <a:r>
+              <a:rPr lang="de-DE" dirty="0"/>
+              <a:t> 100</a:t>
+            </a:r>
+          </a:p>
+        </p:txBody>
+      </p:sp>
+      <p:sp>
+        <p:nvSpPr>
+          <p:cNvPr id="3" name="Inhaltsplatzhalter 2">
+            <a:extLst>
+              <a:ext uri="{FF2B5EF4-FFF2-40B4-BE49-F238E27FC236}">
+                <a16:creationId xmlns:a16="http://schemas.microsoft.com/office/drawing/2014/main" id="{2A5EBA90-6155-FD45-A74C-ECC42BCA72DF}"/>
+              </a:ext>
+            </a:extLst>
+          </p:cNvPr>
+          <p:cNvSpPr>
+            <a:spLocks noGrp="1"/>
+          </p:cNvSpPr>
+          <p:nvPr>
+            <p:ph idx="1"/>
+          </p:nvPr>
+        </p:nvSpPr>
+        <p:spPr/>
+        <p:txBody>
+          <a:bodyPr/>
+          <a:lstStyle/>
+          <a:p>
+            <a:r>
+              <a:rPr lang="de-DE" dirty="0"/>
+              <a:t>Thema: Service als Docker-Container</a:t>
+            </a:r>
+          </a:p>
+        </p:txBody>
+      </p:sp>
+    </p:spTree>
+    <p:extLst>
+      <p:ext uri="{BB962C8B-B14F-4D97-AF65-F5344CB8AC3E}">
+        <p14:creationId xmlns:p14="http://schemas.microsoft.com/office/powerpoint/2010/main" val="1059597919"/>
+      </p:ext>
+    </p:extLst>
+  </p:cSld>
+  <p:clrMapOvr>
+    <a:masterClrMapping/>
+  </p:clrMapOvr>
+</p:sld>
+</file>
+
+<file path=ppt/slides/slide45.xml><?xml version="1.0" encoding="utf-8"?>
+<p:sld xmlns:a="http://schemas.openxmlformats.org/drawingml/2006/main" xmlns:r="http://schemas.openxmlformats.org/officeDocument/2006/relationships" xmlns:p="http://schemas.openxmlformats.org/presentationml/2006/main">
+  <p:cSld>
+    <p:spTree>
+      <p:nvGrpSpPr>
+        <p:cNvPr id="1" name=""/>
+        <p:cNvGrpSpPr/>
+        <p:nvPr/>
+      </p:nvGrpSpPr>
+      <p:grpSpPr>
+        <a:xfrm>
+          <a:off x="0" y="0"/>
+          <a:ext cx="0" cy="0"/>
+          <a:chOff x="0" y="0"/>
+          <a:chExt cx="0" cy="0"/>
+        </a:xfrm>
+      </p:grpSpPr>
+      <p:sp>
+        <p:nvSpPr>
+          <p:cNvPr id="2" name="Titel 1">
+            <a:extLst>
+              <a:ext uri="{FF2B5EF4-FFF2-40B4-BE49-F238E27FC236}">
+                <a16:creationId xmlns:a16="http://schemas.microsoft.com/office/drawing/2014/main" id="{0EC7A146-A8F2-A844-9033-A0ACC828AF47}"/>
+              </a:ext>
+            </a:extLst>
+          </p:cNvPr>
+          <p:cNvSpPr>
+            <a:spLocks noGrp="1"/>
+          </p:cNvSpPr>
+          <p:nvPr>
+            <p:ph type="title"/>
+          </p:nvPr>
+        </p:nvSpPr>
+        <p:spPr/>
+        <p:txBody>
+          <a:bodyPr/>
+          <a:lstStyle/>
+          <a:p>
+            <a:r>
+              <a:rPr lang="de-DE" dirty="0" err="1"/>
+              <a:t>Step</a:t>
+            </a:r>
+            <a:r>
+              <a:rPr lang="de-DE" dirty="0"/>
+              <a:t> 110</a:t>
+            </a:r>
+          </a:p>
+        </p:txBody>
+      </p:sp>
+      <p:sp>
+        <p:nvSpPr>
+          <p:cNvPr id="3" name="Inhaltsplatzhalter 2">
+            <a:extLst>
+              <a:ext uri="{FF2B5EF4-FFF2-40B4-BE49-F238E27FC236}">
+                <a16:creationId xmlns:a16="http://schemas.microsoft.com/office/drawing/2014/main" id="{2A5EBA90-6155-FD45-A74C-ECC42BCA72DF}"/>
+              </a:ext>
+            </a:extLst>
+          </p:cNvPr>
+          <p:cNvSpPr>
+            <a:spLocks noGrp="1"/>
+          </p:cNvSpPr>
+          <p:nvPr>
+            <p:ph idx="1"/>
+          </p:nvPr>
+        </p:nvSpPr>
+        <p:spPr/>
+        <p:txBody>
+          <a:bodyPr/>
+          <a:lstStyle/>
+          <a:p>
+            <a:r>
+              <a:rPr lang="de-DE" dirty="0"/>
+              <a:t>Thema: Sicherheit</a:t>
+            </a:r>
+          </a:p>
+          <a:p>
+            <a:pPr lvl="1"/>
+            <a:r>
+              <a:rPr lang="de-DE" dirty="0"/>
+              <a:t>Identity </a:t>
+            </a:r>
+            <a:r>
+              <a:rPr lang="de-DE" dirty="0" err="1"/>
+              <a:t>and</a:t>
+            </a:r>
+            <a:r>
+              <a:rPr lang="de-DE" dirty="0"/>
+              <a:t> Access Management (</a:t>
+            </a:r>
+            <a:r>
+              <a:rPr lang="de-DE" dirty="0" err="1"/>
+              <a:t>IdM</a:t>
+            </a:r>
+            <a:r>
+              <a:rPr lang="de-DE" dirty="0"/>
+              <a:t>, IAM, </a:t>
+            </a:r>
+            <a:r>
+              <a:rPr lang="de-DE" dirty="0" err="1"/>
+              <a:t>IdAM</a:t>
+            </a:r>
+            <a:r>
+              <a:rPr lang="de-DE" dirty="0"/>
+              <a:t>)</a:t>
+            </a:r>
+          </a:p>
+          <a:p>
+            <a:pPr lvl="2"/>
+            <a:r>
+              <a:rPr lang="de-DE" dirty="0"/>
+              <a:t>Software: </a:t>
+            </a:r>
+            <a:r>
+              <a:rPr lang="de-DE" dirty="0" err="1"/>
+              <a:t>Keycloak</a:t>
+            </a:r>
+            <a:endParaRPr lang="de-DE" dirty="0"/>
+          </a:p>
+          <a:p>
+            <a:pPr lvl="1"/>
+            <a:r>
+              <a:rPr lang="de-DE" dirty="0"/>
+              <a:t>Sicherung der Anwendung</a:t>
+            </a:r>
+          </a:p>
+          <a:p>
+            <a:pPr lvl="2"/>
+            <a:r>
+              <a:rPr lang="de-DE" dirty="0"/>
+              <a:t>Framework: Spring Security</a:t>
+            </a:r>
+          </a:p>
+        </p:txBody>
+      </p:sp>
+    </p:spTree>
+    <p:extLst>
+      <p:ext uri="{BB962C8B-B14F-4D97-AF65-F5344CB8AC3E}">
+        <p14:creationId xmlns:p14="http://schemas.microsoft.com/office/powerpoint/2010/main" val="1812459713"/>
+      </p:ext>
+    </p:extLst>
+  </p:cSld>
+  <p:clrMapOvr>
+    <a:masterClrMapping/>
+  </p:clrMapOvr>
+</p:sld>
+</file>
+
+<file path=ppt/slides/slide46.xml><?xml version="1.0" encoding="utf-8"?>
+<p:sld xmlns:a="http://schemas.openxmlformats.org/drawingml/2006/main" xmlns:r="http://schemas.openxmlformats.org/officeDocument/2006/relationships" xmlns:p="http://schemas.openxmlformats.org/presentationml/2006/main">
+  <p:cSld>
+    <p:spTree>
+      <p:nvGrpSpPr>
+        <p:cNvPr id="1" name=""/>
+        <p:cNvGrpSpPr/>
+        <p:nvPr/>
+      </p:nvGrpSpPr>
+      <p:grpSpPr>
+        <a:xfrm>
+          <a:off x="0" y="0"/>
+          <a:ext cx="0" cy="0"/>
+          <a:chOff x="0" y="0"/>
+          <a:chExt cx="0" cy="0"/>
+        </a:xfrm>
+      </p:grpSpPr>
+      <p:sp>
+        <p:nvSpPr>
+          <p:cNvPr id="2" name="Titel 1">
+            <a:extLst>
+              <a:ext uri="{FF2B5EF4-FFF2-40B4-BE49-F238E27FC236}">
+                <a16:creationId xmlns:a16="http://schemas.microsoft.com/office/drawing/2014/main" id="{0EC7A146-A8F2-A844-9033-A0ACC828AF47}"/>
+              </a:ext>
+            </a:extLst>
+          </p:cNvPr>
+          <p:cNvSpPr>
+            <a:spLocks noGrp="1"/>
+          </p:cNvSpPr>
+          <p:nvPr>
+            <p:ph type="title"/>
+          </p:nvPr>
+        </p:nvSpPr>
+        <p:spPr/>
+        <p:txBody>
+          <a:bodyPr/>
+          <a:lstStyle/>
+          <a:p>
+            <a:r>
+              <a:rPr lang="de-DE" dirty="0" err="1"/>
+              <a:t>Step</a:t>
+            </a:r>
+            <a:r>
+              <a:rPr lang="de-DE" dirty="0"/>
               <a:t> 120</a:t>
             </a:r>
           </a:p>
@@ -10423,7 +12062,7 @@
 </p:sld>
 </file>
 
-<file path=ppt/slides/slide43.xml><?xml version="1.0" encoding="utf-8"?>
+<file path=ppt/slides/slide47.xml><?xml version="1.0" encoding="utf-8"?>
 <p:sld xmlns:a="http://schemas.openxmlformats.org/drawingml/2006/main" xmlns:r="http://schemas.openxmlformats.org/officeDocument/2006/relationships" xmlns:p="http://schemas.openxmlformats.org/presentationml/2006/main">
   <p:cSld>
     <p:spTree>

--- a/Java-Starter.pptx
+++ b/Java-Starter.pptx
@@ -43,15 +43,27 @@
     <p:sldId id="301" r:id="rId37"/>
     <p:sldId id="299" r:id="rId38"/>
     <p:sldId id="300" r:id="rId39"/>
-    <p:sldId id="297" r:id="rId40"/>
-    <p:sldId id="293" r:id="rId41"/>
-    <p:sldId id="264" r:id="rId42"/>
-    <p:sldId id="265" r:id="rId43"/>
-    <p:sldId id="266" r:id="rId44"/>
-    <p:sldId id="267" r:id="rId45"/>
-    <p:sldId id="304" r:id="rId46"/>
-    <p:sldId id="305" r:id="rId47"/>
-    <p:sldId id="306" r:id="rId48"/>
+    <p:sldId id="312" r:id="rId40"/>
+    <p:sldId id="313" r:id="rId41"/>
+    <p:sldId id="314" r:id="rId42"/>
+    <p:sldId id="297" r:id="rId43"/>
+    <p:sldId id="293" r:id="rId44"/>
+    <p:sldId id="264" r:id="rId45"/>
+    <p:sldId id="322" r:id="rId46"/>
+    <p:sldId id="323" r:id="rId47"/>
+    <p:sldId id="321" r:id="rId48"/>
+    <p:sldId id="265" r:id="rId49"/>
+    <p:sldId id="266" r:id="rId50"/>
+    <p:sldId id="316" r:id="rId51"/>
+    <p:sldId id="317" r:id="rId52"/>
+    <p:sldId id="318" r:id="rId53"/>
+    <p:sldId id="319" r:id="rId54"/>
+    <p:sldId id="320" r:id="rId55"/>
+    <p:sldId id="267" r:id="rId56"/>
+    <p:sldId id="304" r:id="rId57"/>
+    <p:sldId id="305" r:id="rId58"/>
+    <p:sldId id="306" r:id="rId59"/>
+    <p:sldId id="315" r:id="rId60"/>
   </p:sldIdLst>
   <p:sldSz cx="12192000" cy="6858000"/>
   <p:notesSz cx="6858000" cy="9144000"/>
@@ -305,7 +317,7 @@
           <a:p>
             <a:fld id="{D504FEAC-1E62-0E47-82AE-5BB4BD139FFA}" type="datetimeFigureOut">
               <a:rPr lang="de-DE" smtClean="0"/>
-              <a:t>11.04.22</a:t>
+              <a:t>21.04.22</a:t>
             </a:fld>
             <a:endParaRPr lang="de-DE"/>
           </a:p>
@@ -503,7 +515,7 @@
           <a:p>
             <a:fld id="{D504FEAC-1E62-0E47-82AE-5BB4BD139FFA}" type="datetimeFigureOut">
               <a:rPr lang="de-DE" smtClean="0"/>
-              <a:t>11.04.22</a:t>
+              <a:t>21.04.22</a:t>
             </a:fld>
             <a:endParaRPr lang="de-DE"/>
           </a:p>
@@ -711,7 +723,7 @@
           <a:p>
             <a:fld id="{D504FEAC-1E62-0E47-82AE-5BB4BD139FFA}" type="datetimeFigureOut">
               <a:rPr lang="de-DE" smtClean="0"/>
-              <a:t>11.04.22</a:t>
+              <a:t>21.04.22</a:t>
             </a:fld>
             <a:endParaRPr lang="de-DE"/>
           </a:p>
@@ -909,7 +921,7 @@
           <a:p>
             <a:fld id="{D504FEAC-1E62-0E47-82AE-5BB4BD139FFA}" type="datetimeFigureOut">
               <a:rPr lang="de-DE" smtClean="0"/>
-              <a:t>11.04.22</a:t>
+              <a:t>21.04.22</a:t>
             </a:fld>
             <a:endParaRPr lang="de-DE"/>
           </a:p>
@@ -1184,7 +1196,7 @@
           <a:p>
             <a:fld id="{D504FEAC-1E62-0E47-82AE-5BB4BD139FFA}" type="datetimeFigureOut">
               <a:rPr lang="de-DE" smtClean="0"/>
-              <a:t>11.04.22</a:t>
+              <a:t>21.04.22</a:t>
             </a:fld>
             <a:endParaRPr lang="de-DE"/>
           </a:p>
@@ -1449,7 +1461,7 @@
           <a:p>
             <a:fld id="{D504FEAC-1E62-0E47-82AE-5BB4BD139FFA}" type="datetimeFigureOut">
               <a:rPr lang="de-DE" smtClean="0"/>
-              <a:t>11.04.22</a:t>
+              <a:t>21.04.22</a:t>
             </a:fld>
             <a:endParaRPr lang="de-DE"/>
           </a:p>
@@ -1861,7 +1873,7 @@
           <a:p>
             <a:fld id="{D504FEAC-1E62-0E47-82AE-5BB4BD139FFA}" type="datetimeFigureOut">
               <a:rPr lang="de-DE" smtClean="0"/>
-              <a:t>11.04.22</a:t>
+              <a:t>21.04.22</a:t>
             </a:fld>
             <a:endParaRPr lang="de-DE"/>
           </a:p>
@@ -2002,7 +2014,7 @@
           <a:p>
             <a:fld id="{D504FEAC-1E62-0E47-82AE-5BB4BD139FFA}" type="datetimeFigureOut">
               <a:rPr lang="de-DE" smtClean="0"/>
-              <a:t>11.04.22</a:t>
+              <a:t>21.04.22</a:t>
             </a:fld>
             <a:endParaRPr lang="de-DE"/>
           </a:p>
@@ -2115,7 +2127,7 @@
           <a:p>
             <a:fld id="{D504FEAC-1E62-0E47-82AE-5BB4BD139FFA}" type="datetimeFigureOut">
               <a:rPr lang="de-DE" smtClean="0"/>
-              <a:t>11.04.22</a:t>
+              <a:t>21.04.22</a:t>
             </a:fld>
             <a:endParaRPr lang="de-DE"/>
           </a:p>
@@ -2426,7 +2438,7 @@
           <a:p>
             <a:fld id="{D504FEAC-1E62-0E47-82AE-5BB4BD139FFA}" type="datetimeFigureOut">
               <a:rPr lang="de-DE" smtClean="0"/>
-              <a:t>11.04.22</a:t>
+              <a:t>21.04.22</a:t>
             </a:fld>
             <a:endParaRPr lang="de-DE"/>
           </a:p>
@@ -2714,7 +2726,7 @@
           <a:p>
             <a:fld id="{D504FEAC-1E62-0E47-82AE-5BB4BD139FFA}" type="datetimeFigureOut">
               <a:rPr lang="de-DE" smtClean="0"/>
-              <a:t>11.04.22</a:t>
+              <a:t>21.04.22</a:t>
             </a:fld>
             <a:endParaRPr lang="de-DE"/>
           </a:p>
@@ -2955,7 +2967,7 @@
           <a:p>
             <a:fld id="{D504FEAC-1E62-0E47-82AE-5BB4BD139FFA}" type="datetimeFigureOut">
               <a:rPr lang="de-DE" smtClean="0"/>
-              <a:t>11.04.22</a:t>
+              <a:t>21.04.22</a:t>
             </a:fld>
             <a:endParaRPr lang="de-DE"/>
           </a:p>
@@ -10207,15 +10219,7 @@
             <a:pPr lvl="1"/>
             <a:r>
               <a:rPr lang="de-DE" dirty="0"/>
-              <a:t>Ergebnis (</a:t>
-            </a:r>
-            <a:r>
-              <a:rPr lang="de-DE" dirty="0" err="1"/>
-              <a:t>Rersponse</a:t>
-            </a:r>
-            <a:r>
-              <a:rPr lang="de-DE" dirty="0"/>
-              <a:t>)</a:t>
+              <a:t>Ergebnis (Response)</a:t>
             </a:r>
           </a:p>
           <a:p>
@@ -10659,7 +10663,7 @@
             <a:pPr lvl="2"/>
             <a:r>
               <a:rPr lang="de-DE" dirty="0"/>
-              <a:t>Loscht </a:t>
+              <a:t>Löscht </a:t>
             </a:r>
             <a:r>
               <a:rPr lang="de-DE" b="1" dirty="0"/>
@@ -10736,7 +10740,15 @@
             </a:r>
             <a:r>
               <a:rPr lang="de-DE" dirty="0"/>
-              <a:t> 60</a:t>
+              <a:t> 60 / </a:t>
+            </a:r>
+            <a:r>
+              <a:rPr lang="de-DE" dirty="0" err="1"/>
+              <a:t>calculator</a:t>
+            </a:r>
+            <a:r>
+              <a:rPr lang="de-DE" dirty="0"/>
+              <a:t> 61</a:t>
             </a:r>
           </a:p>
         </p:txBody>
@@ -10803,16 +10815,16 @@
               <a:t>Kern (Spring </a:t>
             </a:r>
             <a:r>
-              <a:rPr lang="de-DE">
+              <a:rPr lang="de-DE" dirty="0" err="1">
                 <a:cs typeface="Courier New" panose="02070309020205020404" pitchFamily="49" charset="0"/>
               </a:rPr>
-              <a:t>core): </a:t>
+              <a:t>core</a:t>
             </a:r>
             <a:r>
               <a:rPr lang="de-DE" dirty="0">
                 <a:cs typeface="Courier New" panose="02070309020205020404" pitchFamily="49" charset="0"/>
               </a:rPr>
-              <a:t>Framework für </a:t>
+              <a:t>): Framework für </a:t>
             </a:r>
             <a:r>
               <a:rPr lang="de-DE" dirty="0" err="1">
@@ -10940,97 +10952,293 @@
             </a:r>
             <a:r>
               <a:rPr lang="de-DE" dirty="0"/>
-              <a:t> 65</a:t>
-            </a:r>
-          </a:p>
-        </p:txBody>
-      </p:sp>
-      <p:sp>
-        <p:nvSpPr>
-          <p:cNvPr id="3" name="Inhaltsplatzhalter 2">
-            <a:extLst>
-              <a:ext uri="{FF2B5EF4-FFF2-40B4-BE49-F238E27FC236}">
-                <a16:creationId xmlns:a16="http://schemas.microsoft.com/office/drawing/2014/main" id="{2A5EBA90-6155-FD45-A74C-ECC42BCA72DF}"/>
-              </a:ext>
-            </a:extLst>
-          </p:cNvPr>
-          <p:cNvSpPr>
-            <a:spLocks noGrp="1"/>
-          </p:cNvSpPr>
-          <p:nvPr>
-            <p:ph idx="1"/>
-          </p:nvPr>
-        </p:nvSpPr>
-        <p:spPr/>
-        <p:txBody>
-          <a:bodyPr/>
-          <a:lstStyle/>
-          <a:p>
-            <a:r>
-              <a:rPr lang="de-DE" dirty="0"/>
-              <a:t>Thema: REST-Endpunkt mit Pfad-Variable</a:t>
-            </a:r>
-          </a:p>
-          <a:p>
-            <a:pPr lvl="1"/>
-            <a:r>
-              <a:rPr lang="de-DE" dirty="0"/>
-              <a:t>Query-Parameter (HTML-Form)</a:t>
-            </a:r>
-          </a:p>
-          <a:p>
-            <a:pPr lvl="2"/>
-            <a:r>
-              <a:rPr lang="de-DE" dirty="0">
-                <a:hlinkClick r:id="rId2"/>
-              </a:rPr>
-              <a:t>http://localhost:8080/api/hello?name=Georg</a:t>
+              <a:t> </a:t>
+            </a:r>
+            <a:r>
+              <a:rPr lang="de-DE" dirty="0" err="1"/>
+              <a:t>calculator</a:t>
+            </a:r>
+            <a:r>
+              <a:rPr lang="de-DE" dirty="0"/>
+              <a:t> 61</a:t>
+            </a:r>
+          </a:p>
+        </p:txBody>
+      </p:sp>
+      <p:sp>
+        <p:nvSpPr>
+          <p:cNvPr id="6" name="Rechteck 5">
+            <a:extLst>
+              <a:ext uri="{FF2B5EF4-FFF2-40B4-BE49-F238E27FC236}">
+                <a16:creationId xmlns:a16="http://schemas.microsoft.com/office/drawing/2014/main" id="{B906EBE3-4A4E-5F2A-A60B-710D032D045B}"/>
+              </a:ext>
+            </a:extLst>
+          </p:cNvPr>
+          <p:cNvSpPr/>
+          <p:nvPr/>
+        </p:nvSpPr>
+        <p:spPr>
+          <a:xfrm>
+            <a:off x="4321629" y="1690688"/>
+            <a:ext cx="3320142" cy="685800"/>
+          </a:xfrm>
+          <a:prstGeom prst="rect">
+            <a:avLst/>
+          </a:prstGeom>
+          <a:solidFill>
+            <a:schemeClr val="accent2"/>
+          </a:solidFill>
+        </p:spPr>
+        <p:style>
+          <a:lnRef idx="2">
+            <a:schemeClr val="accent1">
+              <a:shade val="50000"/>
+            </a:schemeClr>
+          </a:lnRef>
+          <a:fillRef idx="1">
+            <a:schemeClr val="accent1"/>
+          </a:fillRef>
+          <a:effectRef idx="0">
+            <a:schemeClr val="accent1"/>
+          </a:effectRef>
+          <a:fontRef idx="minor">
+            <a:schemeClr val="lt1"/>
+          </a:fontRef>
+        </p:style>
+        <p:txBody>
+          <a:bodyPr rtlCol="0" anchor="ctr"/>
+          <a:lstStyle/>
+          <a:p>
+            <a:pPr algn="ctr"/>
+            <a:r>
+              <a:rPr lang="de-DE" dirty="0"/>
+              <a:t>@</a:t>
+            </a:r>
+            <a:r>
+              <a:rPr lang="de-DE" dirty="0" err="1"/>
+              <a:t>SpringBootApplication</a:t>
+            </a:r>
+            <a:br>
+              <a:rPr lang="de-DE" dirty="0"/>
+            </a:br>
+            <a:r>
+              <a:rPr lang="de-DE" dirty="0" err="1"/>
+              <a:t>StarterApplication</a:t>
             </a:r>
             <a:endParaRPr lang="de-DE" dirty="0"/>
           </a:p>
-          <a:p>
-            <a:pPr lvl="2"/>
-            <a:r>
-              <a:rPr lang="de-DE" dirty="0">
-                <a:hlinkClick r:id="rId3"/>
-              </a:rPr>
-              <a:t>http://localhost:8080/api/person?id=1</a:t>
+        </p:txBody>
+      </p:sp>
+      <p:sp>
+        <p:nvSpPr>
+          <p:cNvPr id="7" name="Rechteck 6">
+            <a:extLst>
+              <a:ext uri="{FF2B5EF4-FFF2-40B4-BE49-F238E27FC236}">
+                <a16:creationId xmlns:a16="http://schemas.microsoft.com/office/drawing/2014/main" id="{E79398D4-028A-6B9E-7B38-736CD6063FDD}"/>
+              </a:ext>
+            </a:extLst>
+          </p:cNvPr>
+          <p:cNvSpPr/>
+          <p:nvPr/>
+        </p:nvSpPr>
+        <p:spPr>
+          <a:xfrm>
+            <a:off x="4321629" y="3293723"/>
+            <a:ext cx="3320142" cy="685800"/>
+          </a:xfrm>
+          <a:prstGeom prst="rect">
+            <a:avLst/>
+          </a:prstGeom>
+        </p:spPr>
+        <p:style>
+          <a:lnRef idx="2">
+            <a:schemeClr val="accent1">
+              <a:shade val="50000"/>
+            </a:schemeClr>
+          </a:lnRef>
+          <a:fillRef idx="1">
+            <a:schemeClr val="accent1"/>
+          </a:fillRef>
+          <a:effectRef idx="0">
+            <a:schemeClr val="accent1"/>
+          </a:effectRef>
+          <a:fontRef idx="minor">
+            <a:schemeClr val="lt1"/>
+          </a:fontRef>
+        </p:style>
+        <p:txBody>
+          <a:bodyPr rtlCol="0" anchor="ctr"/>
+          <a:lstStyle/>
+          <a:p>
+            <a:pPr algn="ctr"/>
+            <a:r>
+              <a:rPr lang="de-DE" dirty="0"/>
+              <a:t>@</a:t>
+            </a:r>
+            <a:r>
+              <a:rPr lang="de-DE" dirty="0" err="1"/>
+              <a:t>RestController</a:t>
+            </a:r>
+            <a:br>
+              <a:rPr lang="de-DE" dirty="0"/>
+            </a:br>
+            <a:r>
+              <a:rPr lang="de-DE" dirty="0" err="1"/>
+              <a:t>CalculatorController</a:t>
             </a:r>
             <a:endParaRPr lang="de-DE" dirty="0"/>
           </a:p>
-          <a:p>
-            <a:pPr lvl="1"/>
-            <a:r>
-              <a:rPr lang="de-DE" dirty="0"/>
-              <a:t>Pfad-Variable</a:t>
-            </a:r>
-          </a:p>
-          <a:p>
-            <a:pPr lvl="2"/>
-            <a:r>
-              <a:rPr lang="de-DE" dirty="0">
-                <a:hlinkClick r:id="rId4"/>
-              </a:rPr>
-              <a:t>http://localhost:8080/api/hello/Georg</a:t>
+        </p:txBody>
+      </p:sp>
+      <p:cxnSp>
+        <p:nvCxnSpPr>
+          <p:cNvPr id="9" name="Gerade Verbindung mit Pfeil 8">
+            <a:extLst>
+              <a:ext uri="{FF2B5EF4-FFF2-40B4-BE49-F238E27FC236}">
+                <a16:creationId xmlns:a16="http://schemas.microsoft.com/office/drawing/2014/main" id="{C12B59DB-07D9-3FE3-DD12-DD614A55D74D}"/>
+              </a:ext>
+            </a:extLst>
+          </p:cNvPr>
+          <p:cNvCxnSpPr>
+            <a:stCxn id="6" idx="2"/>
+            <a:endCxn id="7" idx="0"/>
+          </p:cNvCxnSpPr>
+          <p:nvPr/>
+        </p:nvCxnSpPr>
+        <p:spPr>
+          <a:xfrm>
+            <a:off x="5981700" y="2376488"/>
+            <a:ext cx="0" cy="917235"/>
+          </a:xfrm>
+          <a:prstGeom prst="straightConnector1">
+            <a:avLst/>
+          </a:prstGeom>
+          <a:ln w="38100">
+            <a:tailEnd type="triangle"/>
+          </a:ln>
+        </p:spPr>
+        <p:style>
+          <a:lnRef idx="1">
+            <a:schemeClr val="accent1"/>
+          </a:lnRef>
+          <a:fillRef idx="0">
+            <a:schemeClr val="accent1"/>
+          </a:fillRef>
+          <a:effectRef idx="0">
+            <a:schemeClr val="accent1"/>
+          </a:effectRef>
+          <a:fontRef idx="minor">
+            <a:schemeClr val="tx1"/>
+          </a:fontRef>
+        </p:style>
+      </p:cxnSp>
+      <p:sp>
+        <p:nvSpPr>
+          <p:cNvPr id="15" name="Rechteck 14">
+            <a:extLst>
+              <a:ext uri="{FF2B5EF4-FFF2-40B4-BE49-F238E27FC236}">
+                <a16:creationId xmlns:a16="http://schemas.microsoft.com/office/drawing/2014/main" id="{56EF523D-CB35-FF52-9753-13900AF4B035}"/>
+              </a:ext>
+            </a:extLst>
+          </p:cNvPr>
+          <p:cNvSpPr/>
+          <p:nvPr/>
+        </p:nvSpPr>
+        <p:spPr>
+          <a:xfrm>
+            <a:off x="4321629" y="4940300"/>
+            <a:ext cx="3320142" cy="685800"/>
+          </a:xfrm>
+          <a:prstGeom prst="rect">
+            <a:avLst/>
+          </a:prstGeom>
+          <a:solidFill>
+            <a:schemeClr val="accent6"/>
+          </a:solidFill>
+        </p:spPr>
+        <p:style>
+          <a:lnRef idx="2">
+            <a:schemeClr val="accent1">
+              <a:shade val="50000"/>
+            </a:schemeClr>
+          </a:lnRef>
+          <a:fillRef idx="1">
+            <a:schemeClr val="accent1"/>
+          </a:fillRef>
+          <a:effectRef idx="0">
+            <a:schemeClr val="accent1"/>
+          </a:effectRef>
+          <a:fontRef idx="minor">
+            <a:schemeClr val="lt1"/>
+          </a:fontRef>
+        </p:style>
+        <p:txBody>
+          <a:bodyPr rtlCol="0" anchor="ctr"/>
+          <a:lstStyle/>
+          <a:p>
+            <a:pPr algn="ctr"/>
+            <a:r>
+              <a:rPr lang="de-DE" dirty="0"/>
+              <a:t>@Service</a:t>
+            </a:r>
+            <a:br>
+              <a:rPr lang="de-DE" dirty="0"/>
+            </a:br>
+            <a:r>
+              <a:rPr lang="de-DE" dirty="0" err="1"/>
+              <a:t>CalculatorService</a:t>
             </a:r>
             <a:endParaRPr lang="de-DE" dirty="0"/>
           </a:p>
-          <a:p>
-            <a:pPr lvl="2"/>
-            <a:r>
-              <a:rPr lang="de-DE" dirty="0">
-                <a:hlinkClick r:id="rId5"/>
-              </a:rPr>
-              <a:t>http://localhost:8080/api/person/1</a:t>
-            </a:r>
-            <a:endParaRPr lang="de-DE" dirty="0"/>
-          </a:p>
-        </p:txBody>
-      </p:sp>
+        </p:txBody>
+      </p:sp>
+      <p:cxnSp>
+        <p:nvCxnSpPr>
+          <p:cNvPr id="16" name="Gerade Verbindung mit Pfeil 15">
+            <a:extLst>
+              <a:ext uri="{FF2B5EF4-FFF2-40B4-BE49-F238E27FC236}">
+                <a16:creationId xmlns:a16="http://schemas.microsoft.com/office/drawing/2014/main" id="{65943534-19AA-1EC7-3429-CC69E6E47484}"/>
+              </a:ext>
+            </a:extLst>
+          </p:cNvPr>
+          <p:cNvCxnSpPr>
+            <a:cxnSpLocks/>
+            <a:stCxn id="7" idx="2"/>
+            <a:endCxn id="15" idx="0"/>
+          </p:cNvCxnSpPr>
+          <p:nvPr/>
+        </p:nvCxnSpPr>
+        <p:spPr>
+          <a:xfrm>
+            <a:off x="5981700" y="3979523"/>
+            <a:ext cx="0" cy="960777"/>
+          </a:xfrm>
+          <a:prstGeom prst="straightConnector1">
+            <a:avLst/>
+          </a:prstGeom>
+          <a:ln w="38100">
+            <a:tailEnd type="triangle"/>
+          </a:ln>
+        </p:spPr>
+        <p:style>
+          <a:lnRef idx="1">
+            <a:schemeClr val="accent1"/>
+          </a:lnRef>
+          <a:fillRef idx="0">
+            <a:schemeClr val="accent1"/>
+          </a:fillRef>
+          <a:effectRef idx="0">
+            <a:schemeClr val="accent1"/>
+          </a:effectRef>
+          <a:fontRef idx="minor">
+            <a:schemeClr val="tx1"/>
+          </a:fontRef>
+        </p:style>
+      </p:cxnSp>
     </p:spTree>
     <p:extLst>
       <p:ext uri="{BB962C8B-B14F-4D97-AF65-F5344CB8AC3E}">
-        <p14:creationId xmlns:p14="http://schemas.microsoft.com/office/powerpoint/2010/main" val="1108630757"/>
+        <p14:creationId xmlns:p14="http://schemas.microsoft.com/office/powerpoint/2010/main" val="645158263"/>
       </p:ext>
     </p:extLst>
   </p:cSld>
@@ -11240,8 +11448,79 @@
               <a:t>Step</a:t>
             </a:r>
             <a:r>
-              <a:rPr lang="de-DE"/>
-              <a:t> 55</a:t>
+              <a:rPr lang="de-DE" dirty="0"/>
+              <a:t> </a:t>
+            </a:r>
+            <a:r>
+              <a:rPr lang="de-DE" dirty="0" err="1"/>
+              <a:t>calculator</a:t>
+            </a:r>
+            <a:r>
+              <a:rPr lang="de-DE" dirty="0"/>
+              <a:t> 61</a:t>
+            </a:r>
+          </a:p>
+        </p:txBody>
+      </p:sp>
+      <p:sp>
+        <p:nvSpPr>
+          <p:cNvPr id="6" name="Rechteck 5">
+            <a:extLst>
+              <a:ext uri="{FF2B5EF4-FFF2-40B4-BE49-F238E27FC236}">
+                <a16:creationId xmlns:a16="http://schemas.microsoft.com/office/drawing/2014/main" id="{B906EBE3-4A4E-5F2A-A60B-710D032D045B}"/>
+              </a:ext>
+            </a:extLst>
+          </p:cNvPr>
+          <p:cNvSpPr/>
+          <p:nvPr/>
+        </p:nvSpPr>
+        <p:spPr>
+          <a:xfrm>
+            <a:off x="4321629" y="1690688"/>
+            <a:ext cx="3320142" cy="685800"/>
+          </a:xfrm>
+          <a:prstGeom prst="rect">
+            <a:avLst/>
+          </a:prstGeom>
+          <a:solidFill>
+            <a:schemeClr val="accent2"/>
+          </a:solidFill>
+        </p:spPr>
+        <p:style>
+          <a:lnRef idx="2">
+            <a:schemeClr val="accent1">
+              <a:shade val="50000"/>
+            </a:schemeClr>
+          </a:lnRef>
+          <a:fillRef idx="1">
+            <a:schemeClr val="accent1"/>
+          </a:fillRef>
+          <a:effectRef idx="0">
+            <a:schemeClr val="accent1"/>
+          </a:effectRef>
+          <a:fontRef idx="minor">
+            <a:schemeClr val="lt1"/>
+          </a:fontRef>
+        </p:style>
+        <p:txBody>
+          <a:bodyPr rtlCol="0" anchor="ctr"/>
+          <a:lstStyle/>
+          <a:p>
+            <a:pPr algn="ctr"/>
+            <a:r>
+              <a:rPr lang="de-DE" dirty="0"/>
+              <a:t>@</a:t>
+            </a:r>
+            <a:r>
+              <a:rPr lang="de-DE" dirty="0" err="1"/>
+              <a:t>SpringBootApplication</a:t>
+            </a:r>
+            <a:br>
+              <a:rPr lang="de-DE" dirty="0"/>
+            </a:br>
+            <a:r>
+              <a:rPr lang="de-DE" dirty="0" err="1"/>
+              <a:t>StarterApplication</a:t>
             </a:r>
             <a:endParaRPr lang="de-DE" dirty="0"/>
           </a:p>
@@ -11249,176 +11528,627 @@
       </p:sp>
       <p:sp>
         <p:nvSpPr>
-          <p:cNvPr id="3" name="Inhaltsplatzhalter 2">
-            <a:extLst>
-              <a:ext uri="{FF2B5EF4-FFF2-40B4-BE49-F238E27FC236}">
-                <a16:creationId xmlns:a16="http://schemas.microsoft.com/office/drawing/2014/main" id="{2A5EBA90-6155-FD45-A74C-ECC42BCA72DF}"/>
-              </a:ext>
-            </a:extLst>
-          </p:cNvPr>
-          <p:cNvSpPr>
-            <a:spLocks noGrp="1"/>
-          </p:cNvSpPr>
-          <p:nvPr>
-            <p:ph idx="1"/>
-          </p:nvPr>
-        </p:nvSpPr>
-        <p:spPr/>
-        <p:txBody>
-          <a:bodyPr/>
-          <a:lstStyle/>
-          <a:p>
-            <a:r>
-              <a:rPr lang="de-DE" dirty="0"/>
-              <a:t>Thema: Unit-Tests</a:t>
-            </a:r>
-            <a:endParaRPr lang="de-DE" dirty="0">
-              <a:latin typeface="Courier New" panose="02070309020205020404" pitchFamily="49" charset="0"/>
-              <a:cs typeface="Courier New" panose="02070309020205020404" pitchFamily="49" charset="0"/>
-            </a:endParaRPr>
-          </a:p>
-          <a:p>
-            <a:pPr lvl="1"/>
-            <a:r>
-              <a:rPr lang="de-DE" dirty="0" err="1">
-                <a:latin typeface="Courier New" panose="02070309020205020404" pitchFamily="49" charset="0"/>
-                <a:cs typeface="Courier New" panose="02070309020205020404" pitchFamily="49" charset="0"/>
-              </a:rPr>
-              <a:t>HelloWorldApplication</a:t>
-            </a:r>
-            <a:r>
-              <a:rPr lang="de-DE" dirty="0"/>
-              <a:t> lässt sich schlecht testen</a:t>
-            </a:r>
-          </a:p>
-          <a:p>
-            <a:pPr lvl="1"/>
-            <a:r>
-              <a:rPr lang="de-DE" dirty="0"/>
-              <a:t>Wie lässt sich das verbessern?</a:t>
-            </a:r>
-          </a:p>
-          <a:p>
-            <a:pPr lvl="2"/>
-            <a:r>
-              <a:rPr lang="de-DE" dirty="0" err="1"/>
-              <a:t>Dependency</a:t>
-            </a:r>
-            <a:r>
-              <a:rPr lang="de-DE" dirty="0"/>
-              <a:t> </a:t>
-            </a:r>
-            <a:r>
-              <a:rPr lang="de-DE" dirty="0" err="1"/>
-              <a:t>injection</a:t>
+          <p:cNvPr id="7" name="Rechteck 6">
+            <a:extLst>
+              <a:ext uri="{FF2B5EF4-FFF2-40B4-BE49-F238E27FC236}">
+                <a16:creationId xmlns:a16="http://schemas.microsoft.com/office/drawing/2014/main" id="{E79398D4-028A-6B9E-7B38-736CD6063FDD}"/>
+              </a:ext>
+            </a:extLst>
+          </p:cNvPr>
+          <p:cNvSpPr/>
+          <p:nvPr/>
+        </p:nvSpPr>
+        <p:spPr>
+          <a:xfrm>
+            <a:off x="2438401" y="3429000"/>
+            <a:ext cx="3320142" cy="685800"/>
+          </a:xfrm>
+          <a:prstGeom prst="rect">
+            <a:avLst/>
+          </a:prstGeom>
+        </p:spPr>
+        <p:style>
+          <a:lnRef idx="2">
+            <a:schemeClr val="accent1">
+              <a:shade val="50000"/>
+            </a:schemeClr>
+          </a:lnRef>
+          <a:fillRef idx="1">
+            <a:schemeClr val="accent1"/>
+          </a:fillRef>
+          <a:effectRef idx="0">
+            <a:schemeClr val="accent1"/>
+          </a:effectRef>
+          <a:fontRef idx="minor">
+            <a:schemeClr val="lt1"/>
+          </a:fontRef>
+        </p:style>
+        <p:txBody>
+          <a:bodyPr rtlCol="0" anchor="ctr"/>
+          <a:lstStyle/>
+          <a:p>
+            <a:pPr algn="ctr"/>
+            <a:r>
+              <a:rPr lang="de-DE" dirty="0"/>
+              <a:t>@</a:t>
+            </a:r>
+            <a:r>
+              <a:rPr lang="de-DE" dirty="0" err="1"/>
+              <a:t>RestController</a:t>
+            </a:r>
+            <a:br>
+              <a:rPr lang="de-DE" dirty="0"/>
+            </a:br>
+            <a:r>
+              <a:rPr lang="de-DE" dirty="0" err="1"/>
+              <a:t>CalculatorController</a:t>
             </a:r>
             <a:endParaRPr lang="de-DE" dirty="0"/>
           </a:p>
-          <a:p>
-            <a:pPr lvl="3"/>
-            <a:r>
-              <a:rPr lang="de-DE" dirty="0"/>
-              <a:t>Ein </a:t>
-            </a:r>
-            <a:r>
-              <a:rPr lang="de-DE" dirty="0" err="1">
-                <a:latin typeface="Courier New" panose="02070309020205020404" pitchFamily="49" charset="0"/>
-                <a:cs typeface="Courier New" panose="02070309020205020404" pitchFamily="49" charset="0"/>
-              </a:rPr>
-              <a:t>Greeter</a:t>
-            </a:r>
-            <a:r>
-              <a:rPr lang="de-DE" dirty="0"/>
-              <a:t> wird nicht innerhalb </a:t>
-            </a:r>
-            <a:r>
-              <a:rPr lang="de-DE" dirty="0" err="1">
-                <a:latin typeface="Courier New" panose="02070309020205020404" pitchFamily="49" charset="0"/>
-                <a:cs typeface="Courier New" panose="02070309020205020404" pitchFamily="49" charset="0"/>
-              </a:rPr>
-              <a:t>HelloWorldApplication</a:t>
-            </a:r>
-            <a:r>
-              <a:rPr lang="de-DE" dirty="0"/>
-              <a:t> erzeugt, sondern von außen übergeben (</a:t>
-            </a:r>
-            <a:r>
-              <a:rPr lang="de-DE" dirty="0" err="1"/>
-              <a:t>injected</a:t>
-            </a:r>
-            <a:r>
-              <a:rPr lang="de-DE" dirty="0"/>
-              <a:t>)</a:t>
-            </a:r>
-          </a:p>
-          <a:p>
-            <a:pPr lvl="3"/>
-            <a:r>
-              <a:rPr lang="de-DE" dirty="0"/>
-              <a:t>Vorteil: wir können ein spezielles Test-Objekt nutzen</a:t>
-            </a:r>
-          </a:p>
-          <a:p>
-            <a:pPr lvl="2"/>
-            <a:r>
-              <a:rPr lang="de-DE" dirty="0" err="1"/>
-              <a:t>Mocking</a:t>
+        </p:txBody>
+      </p:sp>
+      <p:cxnSp>
+        <p:nvCxnSpPr>
+          <p:cNvPr id="9" name="Gerade Verbindung mit Pfeil 8">
+            <a:extLst>
+              <a:ext uri="{FF2B5EF4-FFF2-40B4-BE49-F238E27FC236}">
+                <a16:creationId xmlns:a16="http://schemas.microsoft.com/office/drawing/2014/main" id="{C12B59DB-07D9-3FE3-DD12-DD614A55D74D}"/>
+              </a:ext>
+            </a:extLst>
+          </p:cNvPr>
+          <p:cNvCxnSpPr>
+            <a:stCxn id="6" idx="2"/>
+            <a:endCxn id="7" idx="0"/>
+          </p:cNvCxnSpPr>
+          <p:nvPr/>
+        </p:nvCxnSpPr>
+        <p:spPr>
+          <a:xfrm flipH="1">
+            <a:off x="4098472" y="2376488"/>
+            <a:ext cx="1883228" cy="1052512"/>
+          </a:xfrm>
+          <a:prstGeom prst="straightConnector1">
+            <a:avLst/>
+          </a:prstGeom>
+          <a:ln w="38100">
+            <a:tailEnd type="triangle"/>
+          </a:ln>
+        </p:spPr>
+        <p:style>
+          <a:lnRef idx="1">
+            <a:schemeClr val="accent1"/>
+          </a:lnRef>
+          <a:fillRef idx="0">
+            <a:schemeClr val="accent1"/>
+          </a:fillRef>
+          <a:effectRef idx="0">
+            <a:schemeClr val="accent1"/>
+          </a:effectRef>
+          <a:fontRef idx="minor">
+            <a:schemeClr val="tx1"/>
+          </a:fontRef>
+        </p:style>
+      </p:cxnSp>
+      <p:sp>
+        <p:nvSpPr>
+          <p:cNvPr id="10" name="Rechteck 9">
+            <a:extLst>
+              <a:ext uri="{FF2B5EF4-FFF2-40B4-BE49-F238E27FC236}">
+                <a16:creationId xmlns:a16="http://schemas.microsoft.com/office/drawing/2014/main" id="{1D7EE23F-4668-2CE1-8169-7B825946B545}"/>
+              </a:ext>
+            </a:extLst>
+          </p:cNvPr>
+          <p:cNvSpPr/>
+          <p:nvPr/>
+        </p:nvSpPr>
+        <p:spPr>
+          <a:xfrm>
+            <a:off x="6692901" y="3429000"/>
+            <a:ext cx="3320142" cy="685800"/>
+          </a:xfrm>
+          <a:prstGeom prst="rect">
+            <a:avLst/>
+          </a:prstGeom>
+        </p:spPr>
+        <p:style>
+          <a:lnRef idx="2">
+            <a:schemeClr val="accent1">
+              <a:shade val="50000"/>
+            </a:schemeClr>
+          </a:lnRef>
+          <a:fillRef idx="1">
+            <a:schemeClr val="accent1"/>
+          </a:fillRef>
+          <a:effectRef idx="0">
+            <a:schemeClr val="accent1"/>
+          </a:effectRef>
+          <a:fontRef idx="minor">
+            <a:schemeClr val="lt1"/>
+          </a:fontRef>
+        </p:style>
+        <p:txBody>
+          <a:bodyPr rtlCol="0" anchor="ctr"/>
+          <a:lstStyle/>
+          <a:p>
+            <a:pPr algn="ctr"/>
+            <a:r>
+              <a:rPr lang="de-DE" dirty="0"/>
+              <a:t>@</a:t>
+            </a:r>
+            <a:r>
+              <a:rPr lang="de-DE" dirty="0" err="1"/>
+              <a:t>RestController</a:t>
+            </a:r>
+            <a:br>
+              <a:rPr lang="de-DE" dirty="0"/>
+            </a:br>
+            <a:r>
+              <a:rPr lang="de-DE" dirty="0" err="1"/>
+              <a:t>OtherController</a:t>
             </a:r>
             <a:endParaRPr lang="de-DE" dirty="0"/>
           </a:p>
-          <a:p>
-            <a:pPr lvl="3"/>
-            <a:r>
-              <a:rPr lang="de-DE" dirty="0"/>
-              <a:t>Statt des </a:t>
-            </a:r>
-            <a:r>
-              <a:rPr lang="de-DE" dirty="0" err="1">
-                <a:latin typeface="Courier New" panose="02070309020205020404" pitchFamily="49" charset="0"/>
-                <a:cs typeface="Courier New" panose="02070309020205020404" pitchFamily="49" charset="0"/>
-              </a:rPr>
-              <a:t>Greeter</a:t>
-            </a:r>
-            <a:r>
-              <a:rPr lang="de-DE" dirty="0"/>
-              <a:t>-Service wird ein spezielles Test-Objekt (</a:t>
-            </a:r>
-            <a:r>
-              <a:rPr lang="de-DE" dirty="0" err="1">
-                <a:latin typeface="Courier New" panose="02070309020205020404" pitchFamily="49" charset="0"/>
-                <a:cs typeface="Courier New" panose="02070309020205020404" pitchFamily="49" charset="0"/>
-              </a:rPr>
-              <a:t>GreeterMock</a:t>
-            </a:r>
-            <a:r>
-              <a:rPr lang="de-DE" dirty="0"/>
-              <a:t>) genutzt</a:t>
-            </a:r>
-          </a:p>
-          <a:p>
-            <a:pPr lvl="3"/>
-            <a:r>
-              <a:rPr lang="de-DE" dirty="0"/>
-              <a:t>Dieses Test-Objekt ermöglicht uns zu prüfen, was </a:t>
-            </a:r>
-            <a:r>
-              <a:rPr lang="de-DE" dirty="0" err="1">
-                <a:latin typeface="Courier New" panose="02070309020205020404" pitchFamily="49" charset="0"/>
-                <a:cs typeface="Courier New" panose="02070309020205020404" pitchFamily="49" charset="0"/>
-              </a:rPr>
-              <a:t>HelloWorldApplication</a:t>
-            </a:r>
-            <a:r>
-              <a:rPr lang="de-DE" dirty="0"/>
-              <a:t> tatsächlich tut</a:t>
-            </a:r>
-          </a:p>
-        </p:txBody>
-      </p:sp>
+        </p:txBody>
+      </p:sp>
+      <p:cxnSp>
+        <p:nvCxnSpPr>
+          <p:cNvPr id="11" name="Gerade Verbindung mit Pfeil 10">
+            <a:extLst>
+              <a:ext uri="{FF2B5EF4-FFF2-40B4-BE49-F238E27FC236}">
+                <a16:creationId xmlns:a16="http://schemas.microsoft.com/office/drawing/2014/main" id="{935BE337-1825-A642-2304-CA5BBCD5D599}"/>
+              </a:ext>
+            </a:extLst>
+          </p:cNvPr>
+          <p:cNvCxnSpPr>
+            <a:cxnSpLocks/>
+            <a:stCxn id="6" idx="2"/>
+            <a:endCxn id="10" idx="0"/>
+          </p:cNvCxnSpPr>
+          <p:nvPr/>
+        </p:nvCxnSpPr>
+        <p:spPr>
+          <a:xfrm>
+            <a:off x="5981700" y="2376488"/>
+            <a:ext cx="2371272" cy="1052512"/>
+          </a:xfrm>
+          <a:prstGeom prst="straightConnector1">
+            <a:avLst/>
+          </a:prstGeom>
+          <a:ln w="38100">
+            <a:tailEnd type="triangle"/>
+          </a:ln>
+        </p:spPr>
+        <p:style>
+          <a:lnRef idx="1">
+            <a:schemeClr val="accent1"/>
+          </a:lnRef>
+          <a:fillRef idx="0">
+            <a:schemeClr val="accent1"/>
+          </a:fillRef>
+          <a:effectRef idx="0">
+            <a:schemeClr val="accent1"/>
+          </a:effectRef>
+          <a:fontRef idx="minor">
+            <a:schemeClr val="tx1"/>
+          </a:fontRef>
+        </p:style>
+      </p:cxnSp>
+      <p:sp>
+        <p:nvSpPr>
+          <p:cNvPr id="15" name="Rechteck 14">
+            <a:extLst>
+              <a:ext uri="{FF2B5EF4-FFF2-40B4-BE49-F238E27FC236}">
+                <a16:creationId xmlns:a16="http://schemas.microsoft.com/office/drawing/2014/main" id="{56EF523D-CB35-FF52-9753-13900AF4B035}"/>
+              </a:ext>
+            </a:extLst>
+          </p:cNvPr>
+          <p:cNvSpPr/>
+          <p:nvPr/>
+        </p:nvSpPr>
+        <p:spPr>
+          <a:xfrm>
+            <a:off x="1251859" y="4940300"/>
+            <a:ext cx="3320142" cy="685800"/>
+          </a:xfrm>
+          <a:prstGeom prst="rect">
+            <a:avLst/>
+          </a:prstGeom>
+          <a:solidFill>
+            <a:schemeClr val="accent6"/>
+          </a:solidFill>
+        </p:spPr>
+        <p:style>
+          <a:lnRef idx="2">
+            <a:schemeClr val="accent1">
+              <a:shade val="50000"/>
+            </a:schemeClr>
+          </a:lnRef>
+          <a:fillRef idx="1">
+            <a:schemeClr val="accent1"/>
+          </a:fillRef>
+          <a:effectRef idx="0">
+            <a:schemeClr val="accent1"/>
+          </a:effectRef>
+          <a:fontRef idx="minor">
+            <a:schemeClr val="lt1"/>
+          </a:fontRef>
+        </p:style>
+        <p:txBody>
+          <a:bodyPr rtlCol="0" anchor="ctr"/>
+          <a:lstStyle/>
+          <a:p>
+            <a:pPr algn="ctr"/>
+            <a:r>
+              <a:rPr lang="de-DE" dirty="0"/>
+              <a:t>@Service</a:t>
+            </a:r>
+            <a:br>
+              <a:rPr lang="de-DE" dirty="0"/>
+            </a:br>
+            <a:r>
+              <a:rPr lang="de-DE" dirty="0" err="1"/>
+              <a:t>CalculatorService</a:t>
+            </a:r>
+            <a:endParaRPr lang="de-DE" dirty="0"/>
+          </a:p>
+        </p:txBody>
+      </p:sp>
+      <p:cxnSp>
+        <p:nvCxnSpPr>
+          <p:cNvPr id="16" name="Gerade Verbindung mit Pfeil 15">
+            <a:extLst>
+              <a:ext uri="{FF2B5EF4-FFF2-40B4-BE49-F238E27FC236}">
+                <a16:creationId xmlns:a16="http://schemas.microsoft.com/office/drawing/2014/main" id="{65943534-19AA-1EC7-3429-CC69E6E47484}"/>
+              </a:ext>
+            </a:extLst>
+          </p:cNvPr>
+          <p:cNvCxnSpPr>
+            <a:cxnSpLocks/>
+            <a:stCxn id="7" idx="2"/>
+            <a:endCxn id="15" idx="0"/>
+          </p:cNvCxnSpPr>
+          <p:nvPr/>
+        </p:nvCxnSpPr>
+        <p:spPr>
+          <a:xfrm flipH="1">
+            <a:off x="2911930" y="4114800"/>
+            <a:ext cx="1186542" cy="825500"/>
+          </a:xfrm>
+          <a:prstGeom prst="straightConnector1">
+            <a:avLst/>
+          </a:prstGeom>
+          <a:ln w="38100">
+            <a:tailEnd type="triangle"/>
+          </a:ln>
+        </p:spPr>
+        <p:style>
+          <a:lnRef idx="1">
+            <a:schemeClr val="accent1"/>
+          </a:lnRef>
+          <a:fillRef idx="0">
+            <a:schemeClr val="accent1"/>
+          </a:fillRef>
+          <a:effectRef idx="0">
+            <a:schemeClr val="accent1"/>
+          </a:effectRef>
+          <a:fontRef idx="minor">
+            <a:schemeClr val="tx1"/>
+          </a:fontRef>
+        </p:style>
+      </p:cxnSp>
+      <p:sp>
+        <p:nvSpPr>
+          <p:cNvPr id="20" name="Rechteck 19">
+            <a:extLst>
+              <a:ext uri="{FF2B5EF4-FFF2-40B4-BE49-F238E27FC236}">
+                <a16:creationId xmlns:a16="http://schemas.microsoft.com/office/drawing/2014/main" id="{0BEC28F9-305E-755E-C27C-37F0FB3EE738}"/>
+              </a:ext>
+            </a:extLst>
+          </p:cNvPr>
+          <p:cNvSpPr/>
+          <p:nvPr/>
+        </p:nvSpPr>
+        <p:spPr>
+          <a:xfrm>
+            <a:off x="5163458" y="4940300"/>
+            <a:ext cx="3320142" cy="685800"/>
+          </a:xfrm>
+          <a:prstGeom prst="rect">
+            <a:avLst/>
+          </a:prstGeom>
+          <a:solidFill>
+            <a:schemeClr val="accent6"/>
+          </a:solidFill>
+        </p:spPr>
+        <p:style>
+          <a:lnRef idx="2">
+            <a:schemeClr val="accent1">
+              <a:shade val="50000"/>
+            </a:schemeClr>
+          </a:lnRef>
+          <a:fillRef idx="1">
+            <a:schemeClr val="accent1"/>
+          </a:fillRef>
+          <a:effectRef idx="0">
+            <a:schemeClr val="accent1"/>
+          </a:effectRef>
+          <a:fontRef idx="minor">
+            <a:schemeClr val="lt1"/>
+          </a:fontRef>
+        </p:style>
+        <p:txBody>
+          <a:bodyPr rtlCol="0" anchor="ctr"/>
+          <a:lstStyle/>
+          <a:p>
+            <a:pPr algn="ctr"/>
+            <a:r>
+              <a:rPr lang="de-DE" dirty="0"/>
+              <a:t>@Service</a:t>
+            </a:r>
+            <a:br>
+              <a:rPr lang="de-DE" dirty="0"/>
+            </a:br>
+            <a:r>
+              <a:rPr lang="de-DE" dirty="0" err="1"/>
+              <a:t>AnotherService</a:t>
+            </a:r>
+            <a:endParaRPr lang="de-DE" dirty="0"/>
+          </a:p>
+        </p:txBody>
+      </p:sp>
+      <p:sp>
+        <p:nvSpPr>
+          <p:cNvPr id="21" name="Rechteck 20">
+            <a:extLst>
+              <a:ext uri="{FF2B5EF4-FFF2-40B4-BE49-F238E27FC236}">
+                <a16:creationId xmlns:a16="http://schemas.microsoft.com/office/drawing/2014/main" id="{EA51C038-3DB5-C517-7FFA-5B5AA0844A98}"/>
+              </a:ext>
+            </a:extLst>
+          </p:cNvPr>
+          <p:cNvSpPr/>
+          <p:nvPr/>
+        </p:nvSpPr>
+        <p:spPr>
+          <a:xfrm>
+            <a:off x="8601528" y="4940300"/>
+            <a:ext cx="3320142" cy="685800"/>
+          </a:xfrm>
+          <a:prstGeom prst="rect">
+            <a:avLst/>
+          </a:prstGeom>
+          <a:solidFill>
+            <a:schemeClr val="accent6"/>
+          </a:solidFill>
+        </p:spPr>
+        <p:style>
+          <a:lnRef idx="2">
+            <a:schemeClr val="accent1">
+              <a:shade val="50000"/>
+            </a:schemeClr>
+          </a:lnRef>
+          <a:fillRef idx="1">
+            <a:schemeClr val="accent1"/>
+          </a:fillRef>
+          <a:effectRef idx="0">
+            <a:schemeClr val="accent1"/>
+          </a:effectRef>
+          <a:fontRef idx="minor">
+            <a:schemeClr val="lt1"/>
+          </a:fontRef>
+        </p:style>
+        <p:txBody>
+          <a:bodyPr rtlCol="0" anchor="ctr"/>
+          <a:lstStyle/>
+          <a:p>
+            <a:pPr algn="ctr"/>
+            <a:r>
+              <a:rPr lang="de-DE" dirty="0"/>
+              <a:t>@Service</a:t>
+            </a:r>
+            <a:br>
+              <a:rPr lang="de-DE" dirty="0"/>
+            </a:br>
+            <a:r>
+              <a:rPr lang="de-DE" dirty="0" err="1"/>
+              <a:t>YetAnotherService</a:t>
+            </a:r>
+            <a:endParaRPr lang="de-DE" dirty="0"/>
+          </a:p>
+        </p:txBody>
+      </p:sp>
+      <p:cxnSp>
+        <p:nvCxnSpPr>
+          <p:cNvPr id="23" name="Gerade Verbindung mit Pfeil 22">
+            <a:extLst>
+              <a:ext uri="{FF2B5EF4-FFF2-40B4-BE49-F238E27FC236}">
+                <a16:creationId xmlns:a16="http://schemas.microsoft.com/office/drawing/2014/main" id="{B2A5D451-99BD-5A95-64ED-75FA216988A8}"/>
+              </a:ext>
+            </a:extLst>
+          </p:cNvPr>
+          <p:cNvCxnSpPr>
+            <a:cxnSpLocks/>
+            <a:stCxn id="10" idx="2"/>
+            <a:endCxn id="21" idx="0"/>
+          </p:cNvCxnSpPr>
+          <p:nvPr/>
+        </p:nvCxnSpPr>
+        <p:spPr>
+          <a:xfrm>
+            <a:off x="8352972" y="4114800"/>
+            <a:ext cx="1908627" cy="825500"/>
+          </a:xfrm>
+          <a:prstGeom prst="straightConnector1">
+            <a:avLst/>
+          </a:prstGeom>
+          <a:ln w="38100">
+            <a:tailEnd type="triangle"/>
+          </a:ln>
+        </p:spPr>
+        <p:style>
+          <a:lnRef idx="1">
+            <a:schemeClr val="accent1"/>
+          </a:lnRef>
+          <a:fillRef idx="0">
+            <a:schemeClr val="accent1"/>
+          </a:fillRef>
+          <a:effectRef idx="0">
+            <a:schemeClr val="accent1"/>
+          </a:effectRef>
+          <a:fontRef idx="minor">
+            <a:schemeClr val="tx1"/>
+          </a:fontRef>
+        </p:style>
+      </p:cxnSp>
+      <p:cxnSp>
+        <p:nvCxnSpPr>
+          <p:cNvPr id="26" name="Gerade Verbindung mit Pfeil 25">
+            <a:extLst>
+              <a:ext uri="{FF2B5EF4-FFF2-40B4-BE49-F238E27FC236}">
+                <a16:creationId xmlns:a16="http://schemas.microsoft.com/office/drawing/2014/main" id="{1828FDE8-A596-C30A-D720-A2BAA9D1D597}"/>
+              </a:ext>
+            </a:extLst>
+          </p:cNvPr>
+          <p:cNvCxnSpPr>
+            <a:cxnSpLocks/>
+            <a:stCxn id="10" idx="2"/>
+            <a:endCxn id="20" idx="0"/>
+          </p:cNvCxnSpPr>
+          <p:nvPr/>
+        </p:nvCxnSpPr>
+        <p:spPr>
+          <a:xfrm flipH="1">
+            <a:off x="6823529" y="4114800"/>
+            <a:ext cx="1529443" cy="825500"/>
+          </a:xfrm>
+          <a:prstGeom prst="straightConnector1">
+            <a:avLst/>
+          </a:prstGeom>
+          <a:ln w="38100">
+            <a:tailEnd type="triangle"/>
+          </a:ln>
+        </p:spPr>
+        <p:style>
+          <a:lnRef idx="1">
+            <a:schemeClr val="accent1"/>
+          </a:lnRef>
+          <a:fillRef idx="0">
+            <a:schemeClr val="accent1"/>
+          </a:fillRef>
+          <a:effectRef idx="0">
+            <a:schemeClr val="accent1"/>
+          </a:effectRef>
+          <a:fontRef idx="minor">
+            <a:schemeClr val="tx1"/>
+          </a:fontRef>
+        </p:style>
+      </p:cxnSp>
+      <p:sp>
+        <p:nvSpPr>
+          <p:cNvPr id="29" name="Rechteck 28">
+            <a:extLst>
+              <a:ext uri="{FF2B5EF4-FFF2-40B4-BE49-F238E27FC236}">
+                <a16:creationId xmlns:a16="http://schemas.microsoft.com/office/drawing/2014/main" id="{7F9B6B58-AD4B-2EE2-0C33-A5FC60A30E22}"/>
+              </a:ext>
+            </a:extLst>
+          </p:cNvPr>
+          <p:cNvSpPr/>
+          <p:nvPr/>
+        </p:nvSpPr>
+        <p:spPr>
+          <a:xfrm>
+            <a:off x="5163458" y="6108700"/>
+            <a:ext cx="3320142" cy="685800"/>
+          </a:xfrm>
+          <a:prstGeom prst="rect">
+            <a:avLst/>
+          </a:prstGeom>
+          <a:solidFill>
+            <a:schemeClr val="accent6"/>
+          </a:solidFill>
+        </p:spPr>
+        <p:style>
+          <a:lnRef idx="2">
+            <a:schemeClr val="accent1">
+              <a:shade val="50000"/>
+            </a:schemeClr>
+          </a:lnRef>
+          <a:fillRef idx="1">
+            <a:schemeClr val="accent1"/>
+          </a:fillRef>
+          <a:effectRef idx="0">
+            <a:schemeClr val="accent1"/>
+          </a:effectRef>
+          <a:fontRef idx="minor">
+            <a:schemeClr val="lt1"/>
+          </a:fontRef>
+        </p:style>
+        <p:txBody>
+          <a:bodyPr rtlCol="0" anchor="ctr"/>
+          <a:lstStyle/>
+          <a:p>
+            <a:pPr algn="ctr"/>
+            <a:r>
+              <a:rPr lang="de-DE" dirty="0"/>
+              <a:t>@Service</a:t>
+            </a:r>
+            <a:br>
+              <a:rPr lang="de-DE" dirty="0"/>
+            </a:br>
+            <a:r>
+              <a:rPr lang="de-DE" dirty="0" err="1"/>
+              <a:t>SubService</a:t>
+            </a:r>
+            <a:endParaRPr lang="de-DE" dirty="0"/>
+          </a:p>
+        </p:txBody>
+      </p:sp>
+      <p:cxnSp>
+        <p:nvCxnSpPr>
+          <p:cNvPr id="30" name="Gerade Verbindung mit Pfeil 29">
+            <a:extLst>
+              <a:ext uri="{FF2B5EF4-FFF2-40B4-BE49-F238E27FC236}">
+                <a16:creationId xmlns:a16="http://schemas.microsoft.com/office/drawing/2014/main" id="{8CCFEBB7-52A2-BCE3-F9E4-312736E93D3F}"/>
+              </a:ext>
+            </a:extLst>
+          </p:cNvPr>
+          <p:cNvCxnSpPr>
+            <a:cxnSpLocks/>
+            <a:stCxn id="20" idx="2"/>
+            <a:endCxn id="29" idx="0"/>
+          </p:cNvCxnSpPr>
+          <p:nvPr/>
+        </p:nvCxnSpPr>
+        <p:spPr>
+          <a:xfrm>
+            <a:off x="6823529" y="5626100"/>
+            <a:ext cx="0" cy="482600"/>
+          </a:xfrm>
+          <a:prstGeom prst="straightConnector1">
+            <a:avLst/>
+          </a:prstGeom>
+          <a:ln w="38100">
+            <a:tailEnd type="triangle"/>
+          </a:ln>
+        </p:spPr>
+        <p:style>
+          <a:lnRef idx="1">
+            <a:schemeClr val="accent1"/>
+          </a:lnRef>
+          <a:fillRef idx="0">
+            <a:schemeClr val="accent1"/>
+          </a:fillRef>
+          <a:effectRef idx="0">
+            <a:schemeClr val="accent1"/>
+          </a:effectRef>
+          <a:fontRef idx="minor">
+            <a:schemeClr val="tx1"/>
+          </a:fontRef>
+        </p:style>
+      </p:cxnSp>
     </p:spTree>
     <p:extLst>
       <p:ext uri="{BB962C8B-B14F-4D97-AF65-F5344CB8AC3E}">
-        <p14:creationId xmlns:p14="http://schemas.microsoft.com/office/powerpoint/2010/main" val="1186333636"/>
+        <p14:creationId xmlns:p14="http://schemas.microsoft.com/office/powerpoint/2010/main" val="3403542724"/>
       </p:ext>
     </p:extLst>
   </p:cSld>
@@ -11467,64 +12197,1009 @@
           <a:lstStyle/>
           <a:p>
             <a:r>
+              <a:rPr lang="de-DE" dirty="0"/>
+              <a:t>Ausblick: </a:t>
+            </a:r>
+            <a:r>
               <a:rPr lang="de-DE" dirty="0" err="1"/>
               <a:t>Step</a:t>
             </a:r>
             <a:r>
               <a:rPr lang="de-DE" dirty="0"/>
-              <a:t> 70</a:t>
-            </a:r>
-          </a:p>
-        </p:txBody>
-      </p:sp>
-      <p:sp>
-        <p:nvSpPr>
-          <p:cNvPr id="3" name="Inhaltsplatzhalter 2">
-            <a:extLst>
-              <a:ext uri="{FF2B5EF4-FFF2-40B4-BE49-F238E27FC236}">
-                <a16:creationId xmlns:a16="http://schemas.microsoft.com/office/drawing/2014/main" id="{2A5EBA90-6155-FD45-A74C-ECC42BCA72DF}"/>
-              </a:ext>
-            </a:extLst>
-          </p:cNvPr>
-          <p:cNvSpPr>
-            <a:spLocks noGrp="1"/>
-          </p:cNvSpPr>
-          <p:nvPr>
-            <p:ph idx="1"/>
-          </p:nvPr>
-        </p:nvSpPr>
-        <p:spPr/>
-        <p:txBody>
-          <a:bodyPr/>
-          <a:lstStyle/>
-          <a:p>
-            <a:r>
-              <a:rPr lang="de-DE" dirty="0"/>
-              <a:t>Thema: </a:t>
-            </a:r>
-            <a:r>
-              <a:rPr lang="de-DE" dirty="0" err="1"/>
-              <a:t>Dependency</a:t>
-            </a:r>
-            <a:r>
-              <a:rPr lang="de-DE" dirty="0"/>
-              <a:t> </a:t>
-            </a:r>
-            <a:r>
-              <a:rPr lang="de-DE" dirty="0" err="1"/>
-              <a:t>Injection</a:t>
-            </a:r>
-            <a:r>
-              <a:rPr lang="de-DE" dirty="0"/>
-              <a:t> mit Spring</a:t>
-            </a:r>
-          </a:p>
-        </p:txBody>
-      </p:sp>
+              <a:t> 130</a:t>
+            </a:r>
+          </a:p>
+        </p:txBody>
+      </p:sp>
+      <p:grpSp>
+        <p:nvGrpSpPr>
+          <p:cNvPr id="4" name="Gruppieren 3">
+            <a:extLst>
+              <a:ext uri="{FF2B5EF4-FFF2-40B4-BE49-F238E27FC236}">
+                <a16:creationId xmlns:a16="http://schemas.microsoft.com/office/drawing/2014/main" id="{D24B6789-D522-56DB-BFBB-E28E2760B4CA}"/>
+              </a:ext>
+            </a:extLst>
+          </p:cNvPr>
+          <p:cNvGrpSpPr/>
+          <p:nvPr/>
+        </p:nvGrpSpPr>
+        <p:grpSpPr>
+          <a:xfrm>
+            <a:off x="5163458" y="1491003"/>
+            <a:ext cx="6758212" cy="5303497"/>
+            <a:chOff x="5163458" y="1491003"/>
+            <a:chExt cx="6758212" cy="5303497"/>
+          </a:xfrm>
+        </p:grpSpPr>
+        <p:sp>
+          <p:nvSpPr>
+            <p:cNvPr id="6" name="Rechteck 5">
+              <a:extLst>
+                <a:ext uri="{FF2B5EF4-FFF2-40B4-BE49-F238E27FC236}">
+                  <a16:creationId xmlns:a16="http://schemas.microsoft.com/office/drawing/2014/main" id="{B906EBE3-4A4E-5F2A-A60B-710D032D045B}"/>
+                </a:ext>
+              </a:extLst>
+            </p:cNvPr>
+            <p:cNvSpPr/>
+            <p:nvPr/>
+          </p:nvSpPr>
+          <p:spPr>
+            <a:xfrm>
+              <a:off x="6692901" y="1491003"/>
+              <a:ext cx="3320142" cy="685800"/>
+            </a:xfrm>
+            <a:prstGeom prst="rect">
+              <a:avLst/>
+            </a:prstGeom>
+            <a:solidFill>
+              <a:schemeClr val="accent2"/>
+            </a:solidFill>
+          </p:spPr>
+          <p:style>
+            <a:lnRef idx="2">
+              <a:schemeClr val="accent1">
+                <a:shade val="50000"/>
+              </a:schemeClr>
+            </a:lnRef>
+            <a:fillRef idx="1">
+              <a:schemeClr val="accent1"/>
+            </a:fillRef>
+            <a:effectRef idx="0">
+              <a:schemeClr val="accent1"/>
+            </a:effectRef>
+            <a:fontRef idx="minor">
+              <a:schemeClr val="lt1"/>
+            </a:fontRef>
+          </p:style>
+          <p:txBody>
+            <a:bodyPr rtlCol="0" anchor="ctr"/>
+            <a:lstStyle/>
+            <a:p>
+              <a:pPr algn="ctr"/>
+              <a:r>
+                <a:rPr lang="de-DE" dirty="0"/>
+                <a:t>@</a:t>
+              </a:r>
+              <a:r>
+                <a:rPr lang="de-DE" dirty="0" err="1"/>
+                <a:t>SpringBootApplication</a:t>
+              </a:r>
+              <a:br>
+                <a:rPr lang="de-DE" dirty="0"/>
+              </a:br>
+              <a:r>
+                <a:rPr lang="de-DE" dirty="0"/>
+                <a:t>StarterApplication2</a:t>
+              </a:r>
+            </a:p>
+          </p:txBody>
+        </p:sp>
+        <p:sp>
+          <p:nvSpPr>
+            <p:cNvPr id="10" name="Rechteck 9">
+              <a:extLst>
+                <a:ext uri="{FF2B5EF4-FFF2-40B4-BE49-F238E27FC236}">
+                  <a16:creationId xmlns:a16="http://schemas.microsoft.com/office/drawing/2014/main" id="{1D7EE23F-4668-2CE1-8169-7B825946B545}"/>
+                </a:ext>
+              </a:extLst>
+            </p:cNvPr>
+            <p:cNvSpPr/>
+            <p:nvPr/>
+          </p:nvSpPr>
+          <p:spPr>
+            <a:xfrm>
+              <a:off x="6692901" y="3429000"/>
+              <a:ext cx="3320142" cy="685800"/>
+            </a:xfrm>
+            <a:prstGeom prst="rect">
+              <a:avLst/>
+            </a:prstGeom>
+          </p:spPr>
+          <p:style>
+            <a:lnRef idx="2">
+              <a:schemeClr val="accent1">
+                <a:shade val="50000"/>
+              </a:schemeClr>
+            </a:lnRef>
+            <a:fillRef idx="1">
+              <a:schemeClr val="accent1"/>
+            </a:fillRef>
+            <a:effectRef idx="0">
+              <a:schemeClr val="accent1"/>
+            </a:effectRef>
+            <a:fontRef idx="minor">
+              <a:schemeClr val="lt1"/>
+            </a:fontRef>
+          </p:style>
+          <p:txBody>
+            <a:bodyPr rtlCol="0" anchor="ctr"/>
+            <a:lstStyle/>
+            <a:p>
+              <a:pPr algn="ctr"/>
+              <a:r>
+                <a:rPr lang="de-DE" dirty="0"/>
+                <a:t>@</a:t>
+              </a:r>
+              <a:r>
+                <a:rPr lang="de-DE" dirty="0" err="1"/>
+                <a:t>RestController</a:t>
+              </a:r>
+              <a:br>
+                <a:rPr lang="de-DE" dirty="0"/>
+              </a:br>
+              <a:r>
+                <a:rPr lang="de-DE" dirty="0"/>
+                <a:t>OtherController2</a:t>
+              </a:r>
+            </a:p>
+          </p:txBody>
+        </p:sp>
+        <p:cxnSp>
+          <p:nvCxnSpPr>
+            <p:cNvPr id="11" name="Gerade Verbindung mit Pfeil 10">
+              <a:extLst>
+                <a:ext uri="{FF2B5EF4-FFF2-40B4-BE49-F238E27FC236}">
+                  <a16:creationId xmlns:a16="http://schemas.microsoft.com/office/drawing/2014/main" id="{935BE337-1825-A642-2304-CA5BBCD5D599}"/>
+                </a:ext>
+              </a:extLst>
+            </p:cNvPr>
+            <p:cNvCxnSpPr>
+              <a:cxnSpLocks/>
+              <a:stCxn id="6" idx="2"/>
+              <a:endCxn id="10" idx="0"/>
+            </p:cNvCxnSpPr>
+            <p:nvPr/>
+          </p:nvCxnSpPr>
+          <p:spPr>
+            <a:xfrm>
+              <a:off x="8352972" y="2176803"/>
+              <a:ext cx="0" cy="1252197"/>
+            </a:xfrm>
+            <a:prstGeom prst="straightConnector1">
+              <a:avLst/>
+            </a:prstGeom>
+            <a:ln w="38100">
+              <a:tailEnd type="triangle"/>
+            </a:ln>
+          </p:spPr>
+          <p:style>
+            <a:lnRef idx="1">
+              <a:schemeClr val="accent1"/>
+            </a:lnRef>
+            <a:fillRef idx="0">
+              <a:schemeClr val="accent1"/>
+            </a:fillRef>
+            <a:effectRef idx="0">
+              <a:schemeClr val="accent1"/>
+            </a:effectRef>
+            <a:fontRef idx="minor">
+              <a:schemeClr val="tx1"/>
+            </a:fontRef>
+          </p:style>
+        </p:cxnSp>
+        <p:sp>
+          <p:nvSpPr>
+            <p:cNvPr id="20" name="Rechteck 19">
+              <a:extLst>
+                <a:ext uri="{FF2B5EF4-FFF2-40B4-BE49-F238E27FC236}">
+                  <a16:creationId xmlns:a16="http://schemas.microsoft.com/office/drawing/2014/main" id="{0BEC28F9-305E-755E-C27C-37F0FB3EE738}"/>
+                </a:ext>
+              </a:extLst>
+            </p:cNvPr>
+            <p:cNvSpPr/>
+            <p:nvPr/>
+          </p:nvSpPr>
+          <p:spPr>
+            <a:xfrm>
+              <a:off x="5163458" y="4940300"/>
+              <a:ext cx="3320142" cy="685800"/>
+            </a:xfrm>
+            <a:prstGeom prst="rect">
+              <a:avLst/>
+            </a:prstGeom>
+            <a:solidFill>
+              <a:schemeClr val="accent6"/>
+            </a:solidFill>
+          </p:spPr>
+          <p:style>
+            <a:lnRef idx="2">
+              <a:schemeClr val="accent1">
+                <a:shade val="50000"/>
+              </a:schemeClr>
+            </a:lnRef>
+            <a:fillRef idx="1">
+              <a:schemeClr val="accent1"/>
+            </a:fillRef>
+            <a:effectRef idx="0">
+              <a:schemeClr val="accent1"/>
+            </a:effectRef>
+            <a:fontRef idx="minor">
+              <a:schemeClr val="lt1"/>
+            </a:fontRef>
+          </p:style>
+          <p:txBody>
+            <a:bodyPr rtlCol="0" anchor="ctr"/>
+            <a:lstStyle/>
+            <a:p>
+              <a:pPr algn="ctr"/>
+              <a:r>
+                <a:rPr lang="de-DE" dirty="0"/>
+                <a:t>@Service</a:t>
+              </a:r>
+              <a:br>
+                <a:rPr lang="de-DE" dirty="0"/>
+              </a:br>
+              <a:r>
+                <a:rPr lang="de-DE" dirty="0"/>
+                <a:t>AnotherService2</a:t>
+              </a:r>
+            </a:p>
+          </p:txBody>
+        </p:sp>
+        <p:sp>
+          <p:nvSpPr>
+            <p:cNvPr id="21" name="Rechteck 20">
+              <a:extLst>
+                <a:ext uri="{FF2B5EF4-FFF2-40B4-BE49-F238E27FC236}">
+                  <a16:creationId xmlns:a16="http://schemas.microsoft.com/office/drawing/2014/main" id="{EA51C038-3DB5-C517-7FFA-5B5AA0844A98}"/>
+                </a:ext>
+              </a:extLst>
+            </p:cNvPr>
+            <p:cNvSpPr/>
+            <p:nvPr/>
+          </p:nvSpPr>
+          <p:spPr>
+            <a:xfrm>
+              <a:off x="8601528" y="4940300"/>
+              <a:ext cx="3320142" cy="685800"/>
+            </a:xfrm>
+            <a:prstGeom prst="rect">
+              <a:avLst/>
+            </a:prstGeom>
+            <a:solidFill>
+              <a:schemeClr val="accent6"/>
+            </a:solidFill>
+          </p:spPr>
+          <p:style>
+            <a:lnRef idx="2">
+              <a:schemeClr val="accent1">
+                <a:shade val="50000"/>
+              </a:schemeClr>
+            </a:lnRef>
+            <a:fillRef idx="1">
+              <a:schemeClr val="accent1"/>
+            </a:fillRef>
+            <a:effectRef idx="0">
+              <a:schemeClr val="accent1"/>
+            </a:effectRef>
+            <a:fontRef idx="minor">
+              <a:schemeClr val="lt1"/>
+            </a:fontRef>
+          </p:style>
+          <p:txBody>
+            <a:bodyPr rtlCol="0" anchor="ctr"/>
+            <a:lstStyle/>
+            <a:p>
+              <a:pPr algn="ctr"/>
+              <a:r>
+                <a:rPr lang="de-DE" dirty="0"/>
+                <a:t>@Service</a:t>
+              </a:r>
+              <a:br>
+                <a:rPr lang="de-DE" dirty="0"/>
+              </a:br>
+              <a:r>
+                <a:rPr lang="de-DE" dirty="0"/>
+                <a:t>YetAnotherService2</a:t>
+              </a:r>
+            </a:p>
+          </p:txBody>
+        </p:sp>
+        <p:cxnSp>
+          <p:nvCxnSpPr>
+            <p:cNvPr id="23" name="Gerade Verbindung mit Pfeil 22">
+              <a:extLst>
+                <a:ext uri="{FF2B5EF4-FFF2-40B4-BE49-F238E27FC236}">
+                  <a16:creationId xmlns:a16="http://schemas.microsoft.com/office/drawing/2014/main" id="{B2A5D451-99BD-5A95-64ED-75FA216988A8}"/>
+                </a:ext>
+              </a:extLst>
+            </p:cNvPr>
+            <p:cNvCxnSpPr>
+              <a:cxnSpLocks/>
+              <a:stCxn id="10" idx="2"/>
+              <a:endCxn id="21" idx="0"/>
+            </p:cNvCxnSpPr>
+            <p:nvPr/>
+          </p:nvCxnSpPr>
+          <p:spPr>
+            <a:xfrm>
+              <a:off x="8352972" y="4114800"/>
+              <a:ext cx="1908627" cy="825500"/>
+            </a:xfrm>
+            <a:prstGeom prst="straightConnector1">
+              <a:avLst/>
+            </a:prstGeom>
+            <a:ln w="38100">
+              <a:tailEnd type="triangle"/>
+            </a:ln>
+          </p:spPr>
+          <p:style>
+            <a:lnRef idx="1">
+              <a:schemeClr val="accent1"/>
+            </a:lnRef>
+            <a:fillRef idx="0">
+              <a:schemeClr val="accent1"/>
+            </a:fillRef>
+            <a:effectRef idx="0">
+              <a:schemeClr val="accent1"/>
+            </a:effectRef>
+            <a:fontRef idx="minor">
+              <a:schemeClr val="tx1"/>
+            </a:fontRef>
+          </p:style>
+        </p:cxnSp>
+        <p:cxnSp>
+          <p:nvCxnSpPr>
+            <p:cNvPr id="26" name="Gerade Verbindung mit Pfeil 25">
+              <a:extLst>
+                <a:ext uri="{FF2B5EF4-FFF2-40B4-BE49-F238E27FC236}">
+                  <a16:creationId xmlns:a16="http://schemas.microsoft.com/office/drawing/2014/main" id="{1828FDE8-A596-C30A-D720-A2BAA9D1D597}"/>
+                </a:ext>
+              </a:extLst>
+            </p:cNvPr>
+            <p:cNvCxnSpPr>
+              <a:cxnSpLocks/>
+              <a:stCxn id="10" idx="2"/>
+              <a:endCxn id="20" idx="0"/>
+            </p:cNvCxnSpPr>
+            <p:nvPr/>
+          </p:nvCxnSpPr>
+          <p:spPr>
+            <a:xfrm flipH="1">
+              <a:off x="6823529" y="4114800"/>
+              <a:ext cx="1529443" cy="825500"/>
+            </a:xfrm>
+            <a:prstGeom prst="straightConnector1">
+              <a:avLst/>
+            </a:prstGeom>
+            <a:ln w="38100">
+              <a:tailEnd type="triangle"/>
+            </a:ln>
+          </p:spPr>
+          <p:style>
+            <a:lnRef idx="1">
+              <a:schemeClr val="accent1"/>
+            </a:lnRef>
+            <a:fillRef idx="0">
+              <a:schemeClr val="accent1"/>
+            </a:fillRef>
+            <a:effectRef idx="0">
+              <a:schemeClr val="accent1"/>
+            </a:effectRef>
+            <a:fontRef idx="minor">
+              <a:schemeClr val="tx1"/>
+            </a:fontRef>
+          </p:style>
+        </p:cxnSp>
+        <p:sp>
+          <p:nvSpPr>
+            <p:cNvPr id="29" name="Rechteck 28">
+              <a:extLst>
+                <a:ext uri="{FF2B5EF4-FFF2-40B4-BE49-F238E27FC236}">
+                  <a16:creationId xmlns:a16="http://schemas.microsoft.com/office/drawing/2014/main" id="{7F9B6B58-AD4B-2EE2-0C33-A5FC60A30E22}"/>
+                </a:ext>
+              </a:extLst>
+            </p:cNvPr>
+            <p:cNvSpPr/>
+            <p:nvPr/>
+          </p:nvSpPr>
+          <p:spPr>
+            <a:xfrm>
+              <a:off x="5163458" y="6108700"/>
+              <a:ext cx="3320142" cy="685800"/>
+            </a:xfrm>
+            <a:prstGeom prst="rect">
+              <a:avLst/>
+            </a:prstGeom>
+            <a:solidFill>
+              <a:schemeClr val="accent6"/>
+            </a:solidFill>
+          </p:spPr>
+          <p:style>
+            <a:lnRef idx="2">
+              <a:schemeClr val="accent1">
+                <a:shade val="50000"/>
+              </a:schemeClr>
+            </a:lnRef>
+            <a:fillRef idx="1">
+              <a:schemeClr val="accent1"/>
+            </a:fillRef>
+            <a:effectRef idx="0">
+              <a:schemeClr val="accent1"/>
+            </a:effectRef>
+            <a:fontRef idx="minor">
+              <a:schemeClr val="lt1"/>
+            </a:fontRef>
+          </p:style>
+          <p:txBody>
+            <a:bodyPr rtlCol="0" anchor="ctr"/>
+            <a:lstStyle/>
+            <a:p>
+              <a:pPr algn="ctr"/>
+              <a:r>
+                <a:rPr lang="de-DE" dirty="0"/>
+                <a:t>@Service</a:t>
+              </a:r>
+              <a:br>
+                <a:rPr lang="de-DE" dirty="0"/>
+              </a:br>
+              <a:r>
+                <a:rPr lang="de-DE" dirty="0"/>
+                <a:t>SubService2</a:t>
+              </a:r>
+            </a:p>
+          </p:txBody>
+        </p:sp>
+        <p:cxnSp>
+          <p:nvCxnSpPr>
+            <p:cNvPr id="30" name="Gerade Verbindung mit Pfeil 29">
+              <a:extLst>
+                <a:ext uri="{FF2B5EF4-FFF2-40B4-BE49-F238E27FC236}">
+                  <a16:creationId xmlns:a16="http://schemas.microsoft.com/office/drawing/2014/main" id="{8CCFEBB7-52A2-BCE3-F9E4-312736E93D3F}"/>
+                </a:ext>
+              </a:extLst>
+            </p:cNvPr>
+            <p:cNvCxnSpPr>
+              <a:cxnSpLocks/>
+              <a:stCxn id="20" idx="2"/>
+              <a:endCxn id="29" idx="0"/>
+            </p:cNvCxnSpPr>
+            <p:nvPr/>
+          </p:nvCxnSpPr>
+          <p:spPr>
+            <a:xfrm>
+              <a:off x="6823529" y="5626100"/>
+              <a:ext cx="0" cy="482600"/>
+            </a:xfrm>
+            <a:prstGeom prst="straightConnector1">
+              <a:avLst/>
+            </a:prstGeom>
+            <a:ln w="38100">
+              <a:tailEnd type="triangle"/>
+            </a:ln>
+          </p:spPr>
+          <p:style>
+            <a:lnRef idx="1">
+              <a:schemeClr val="accent1"/>
+            </a:lnRef>
+            <a:fillRef idx="0">
+              <a:schemeClr val="accent1"/>
+            </a:fillRef>
+            <a:effectRef idx="0">
+              <a:schemeClr val="accent1"/>
+            </a:effectRef>
+            <a:fontRef idx="minor">
+              <a:schemeClr val="tx1"/>
+            </a:fontRef>
+          </p:style>
+        </p:cxnSp>
+      </p:grpSp>
+      <p:grpSp>
+        <p:nvGrpSpPr>
+          <p:cNvPr id="18" name="Gruppieren 17">
+            <a:extLst>
+              <a:ext uri="{FF2B5EF4-FFF2-40B4-BE49-F238E27FC236}">
+                <a16:creationId xmlns:a16="http://schemas.microsoft.com/office/drawing/2014/main" id="{6E0494A1-F17E-C1A1-BDFE-BA33F82A17F5}"/>
+              </a:ext>
+            </a:extLst>
+          </p:cNvPr>
+          <p:cNvGrpSpPr/>
+          <p:nvPr/>
+        </p:nvGrpSpPr>
+        <p:grpSpPr>
+          <a:xfrm>
+            <a:off x="65317" y="1534206"/>
+            <a:ext cx="4849585" cy="5303497"/>
+            <a:chOff x="5163458" y="1491003"/>
+            <a:chExt cx="4849585" cy="5303497"/>
+          </a:xfrm>
+        </p:grpSpPr>
+        <p:sp>
+          <p:nvSpPr>
+            <p:cNvPr id="19" name="Rechteck 18">
+              <a:extLst>
+                <a:ext uri="{FF2B5EF4-FFF2-40B4-BE49-F238E27FC236}">
+                  <a16:creationId xmlns:a16="http://schemas.microsoft.com/office/drawing/2014/main" id="{A47B5E26-0EDF-C158-EBA0-6BF1021EE9BB}"/>
+                </a:ext>
+              </a:extLst>
+            </p:cNvPr>
+            <p:cNvSpPr/>
+            <p:nvPr/>
+          </p:nvSpPr>
+          <p:spPr>
+            <a:xfrm>
+              <a:off x="6692901" y="1491003"/>
+              <a:ext cx="3320142" cy="685800"/>
+            </a:xfrm>
+            <a:prstGeom prst="rect">
+              <a:avLst/>
+            </a:prstGeom>
+            <a:solidFill>
+              <a:schemeClr val="accent2"/>
+            </a:solidFill>
+          </p:spPr>
+          <p:style>
+            <a:lnRef idx="2">
+              <a:schemeClr val="accent1">
+                <a:shade val="50000"/>
+              </a:schemeClr>
+            </a:lnRef>
+            <a:fillRef idx="1">
+              <a:schemeClr val="accent1"/>
+            </a:fillRef>
+            <a:effectRef idx="0">
+              <a:schemeClr val="accent1"/>
+            </a:effectRef>
+            <a:fontRef idx="minor">
+              <a:schemeClr val="lt1"/>
+            </a:fontRef>
+          </p:style>
+          <p:txBody>
+            <a:bodyPr rtlCol="0" anchor="ctr"/>
+            <a:lstStyle/>
+            <a:p>
+              <a:pPr algn="ctr"/>
+              <a:r>
+                <a:rPr lang="de-DE" dirty="0"/>
+                <a:t>@</a:t>
+              </a:r>
+              <a:r>
+                <a:rPr lang="de-DE" dirty="0" err="1"/>
+                <a:t>SpringBootApplication</a:t>
+              </a:r>
+              <a:br>
+                <a:rPr lang="de-DE" dirty="0"/>
+              </a:br>
+              <a:r>
+                <a:rPr lang="de-DE" dirty="0"/>
+                <a:t>StarterApplication1</a:t>
+              </a:r>
+            </a:p>
+          </p:txBody>
+        </p:sp>
+        <p:sp>
+          <p:nvSpPr>
+            <p:cNvPr id="22" name="Rechteck 21">
+              <a:extLst>
+                <a:ext uri="{FF2B5EF4-FFF2-40B4-BE49-F238E27FC236}">
+                  <a16:creationId xmlns:a16="http://schemas.microsoft.com/office/drawing/2014/main" id="{7589F2FB-2076-E6CE-6522-3C229DD88B4C}"/>
+                </a:ext>
+              </a:extLst>
+            </p:cNvPr>
+            <p:cNvSpPr/>
+            <p:nvPr/>
+          </p:nvSpPr>
+          <p:spPr>
+            <a:xfrm>
+              <a:off x="6692901" y="3429000"/>
+              <a:ext cx="3320142" cy="685800"/>
+            </a:xfrm>
+            <a:prstGeom prst="rect">
+              <a:avLst/>
+            </a:prstGeom>
+          </p:spPr>
+          <p:style>
+            <a:lnRef idx="2">
+              <a:schemeClr val="accent1">
+                <a:shade val="50000"/>
+              </a:schemeClr>
+            </a:lnRef>
+            <a:fillRef idx="1">
+              <a:schemeClr val="accent1"/>
+            </a:fillRef>
+            <a:effectRef idx="0">
+              <a:schemeClr val="accent1"/>
+            </a:effectRef>
+            <a:fontRef idx="minor">
+              <a:schemeClr val="lt1"/>
+            </a:fontRef>
+          </p:style>
+          <p:txBody>
+            <a:bodyPr rtlCol="0" anchor="ctr"/>
+            <a:lstStyle/>
+            <a:p>
+              <a:pPr algn="ctr"/>
+              <a:r>
+                <a:rPr lang="de-DE" dirty="0"/>
+                <a:t>@</a:t>
+              </a:r>
+              <a:r>
+                <a:rPr lang="de-DE" dirty="0" err="1"/>
+                <a:t>RestController</a:t>
+              </a:r>
+              <a:br>
+                <a:rPr lang="de-DE" dirty="0"/>
+              </a:br>
+              <a:r>
+                <a:rPr lang="de-DE" dirty="0"/>
+                <a:t>OtherController1</a:t>
+              </a:r>
+            </a:p>
+          </p:txBody>
+        </p:sp>
+        <p:cxnSp>
+          <p:nvCxnSpPr>
+            <p:cNvPr id="24" name="Gerade Verbindung mit Pfeil 23">
+              <a:extLst>
+                <a:ext uri="{FF2B5EF4-FFF2-40B4-BE49-F238E27FC236}">
+                  <a16:creationId xmlns:a16="http://schemas.microsoft.com/office/drawing/2014/main" id="{4D5F9213-B800-A89B-E38D-37102A0BD698}"/>
+                </a:ext>
+              </a:extLst>
+            </p:cNvPr>
+            <p:cNvCxnSpPr>
+              <a:cxnSpLocks/>
+              <a:stCxn id="19" idx="2"/>
+              <a:endCxn id="22" idx="0"/>
+            </p:cNvCxnSpPr>
+            <p:nvPr/>
+          </p:nvCxnSpPr>
+          <p:spPr>
+            <a:xfrm>
+              <a:off x="8352972" y="2176803"/>
+              <a:ext cx="0" cy="1252197"/>
+            </a:xfrm>
+            <a:prstGeom prst="straightConnector1">
+              <a:avLst/>
+            </a:prstGeom>
+            <a:ln w="38100">
+              <a:tailEnd type="triangle"/>
+            </a:ln>
+          </p:spPr>
+          <p:style>
+            <a:lnRef idx="1">
+              <a:schemeClr val="accent1"/>
+            </a:lnRef>
+            <a:fillRef idx="0">
+              <a:schemeClr val="accent1"/>
+            </a:fillRef>
+            <a:effectRef idx="0">
+              <a:schemeClr val="accent1"/>
+            </a:effectRef>
+            <a:fontRef idx="minor">
+              <a:schemeClr val="tx1"/>
+            </a:fontRef>
+          </p:style>
+        </p:cxnSp>
+        <p:sp>
+          <p:nvSpPr>
+            <p:cNvPr id="25" name="Rechteck 24">
+              <a:extLst>
+                <a:ext uri="{FF2B5EF4-FFF2-40B4-BE49-F238E27FC236}">
+                  <a16:creationId xmlns:a16="http://schemas.microsoft.com/office/drawing/2014/main" id="{6DEEBBEE-B7FB-BE68-C60B-1527E22EEBCD}"/>
+                </a:ext>
+              </a:extLst>
+            </p:cNvPr>
+            <p:cNvSpPr/>
+            <p:nvPr/>
+          </p:nvSpPr>
+          <p:spPr>
+            <a:xfrm>
+              <a:off x="5163458" y="4940300"/>
+              <a:ext cx="3320142" cy="685800"/>
+            </a:xfrm>
+            <a:prstGeom prst="rect">
+              <a:avLst/>
+            </a:prstGeom>
+            <a:solidFill>
+              <a:schemeClr val="accent6"/>
+            </a:solidFill>
+          </p:spPr>
+          <p:style>
+            <a:lnRef idx="2">
+              <a:schemeClr val="accent1">
+                <a:shade val="50000"/>
+              </a:schemeClr>
+            </a:lnRef>
+            <a:fillRef idx="1">
+              <a:schemeClr val="accent1"/>
+            </a:fillRef>
+            <a:effectRef idx="0">
+              <a:schemeClr val="accent1"/>
+            </a:effectRef>
+            <a:fontRef idx="minor">
+              <a:schemeClr val="lt1"/>
+            </a:fontRef>
+          </p:style>
+          <p:txBody>
+            <a:bodyPr rtlCol="0" anchor="ctr"/>
+            <a:lstStyle/>
+            <a:p>
+              <a:pPr algn="ctr"/>
+              <a:r>
+                <a:rPr lang="de-DE" dirty="0"/>
+                <a:t>@Service</a:t>
+              </a:r>
+              <a:br>
+                <a:rPr lang="de-DE" dirty="0"/>
+              </a:br>
+              <a:r>
+                <a:rPr lang="de-DE" dirty="0"/>
+                <a:t>AnotherService1</a:t>
+              </a:r>
+            </a:p>
+          </p:txBody>
+        </p:sp>
+        <p:cxnSp>
+          <p:nvCxnSpPr>
+            <p:cNvPr id="31" name="Gerade Verbindung mit Pfeil 30">
+              <a:extLst>
+                <a:ext uri="{FF2B5EF4-FFF2-40B4-BE49-F238E27FC236}">
+                  <a16:creationId xmlns:a16="http://schemas.microsoft.com/office/drawing/2014/main" id="{76BD43A4-B4CB-69D3-3812-F057451D519E}"/>
+                </a:ext>
+              </a:extLst>
+            </p:cNvPr>
+            <p:cNvCxnSpPr>
+              <a:cxnSpLocks/>
+              <a:stCxn id="22" idx="2"/>
+              <a:endCxn id="25" idx="0"/>
+            </p:cNvCxnSpPr>
+            <p:nvPr/>
+          </p:nvCxnSpPr>
+          <p:spPr>
+            <a:xfrm flipH="1">
+              <a:off x="6823529" y="4114800"/>
+              <a:ext cx="1529443" cy="825500"/>
+            </a:xfrm>
+            <a:prstGeom prst="straightConnector1">
+              <a:avLst/>
+            </a:prstGeom>
+            <a:ln w="38100">
+              <a:tailEnd type="triangle"/>
+            </a:ln>
+          </p:spPr>
+          <p:style>
+            <a:lnRef idx="1">
+              <a:schemeClr val="accent1"/>
+            </a:lnRef>
+            <a:fillRef idx="0">
+              <a:schemeClr val="accent1"/>
+            </a:fillRef>
+            <a:effectRef idx="0">
+              <a:schemeClr val="accent1"/>
+            </a:effectRef>
+            <a:fontRef idx="minor">
+              <a:schemeClr val="tx1"/>
+            </a:fontRef>
+          </p:style>
+        </p:cxnSp>
+        <p:sp>
+          <p:nvSpPr>
+            <p:cNvPr id="32" name="Rechteck 31">
+              <a:extLst>
+                <a:ext uri="{FF2B5EF4-FFF2-40B4-BE49-F238E27FC236}">
+                  <a16:creationId xmlns:a16="http://schemas.microsoft.com/office/drawing/2014/main" id="{DE7E185F-3A61-3191-BF30-4BAE9B5E6BF6}"/>
+                </a:ext>
+              </a:extLst>
+            </p:cNvPr>
+            <p:cNvSpPr/>
+            <p:nvPr/>
+          </p:nvSpPr>
+          <p:spPr>
+            <a:xfrm>
+              <a:off x="5163458" y="6108700"/>
+              <a:ext cx="3320142" cy="685800"/>
+            </a:xfrm>
+            <a:prstGeom prst="rect">
+              <a:avLst/>
+            </a:prstGeom>
+            <a:solidFill>
+              <a:schemeClr val="accent6"/>
+            </a:solidFill>
+          </p:spPr>
+          <p:style>
+            <a:lnRef idx="2">
+              <a:schemeClr val="accent1">
+                <a:shade val="50000"/>
+              </a:schemeClr>
+            </a:lnRef>
+            <a:fillRef idx="1">
+              <a:schemeClr val="accent1"/>
+            </a:fillRef>
+            <a:effectRef idx="0">
+              <a:schemeClr val="accent1"/>
+            </a:effectRef>
+            <a:fontRef idx="minor">
+              <a:schemeClr val="lt1"/>
+            </a:fontRef>
+          </p:style>
+          <p:txBody>
+            <a:bodyPr rtlCol="0" anchor="ctr"/>
+            <a:lstStyle/>
+            <a:p>
+              <a:pPr algn="ctr"/>
+              <a:r>
+                <a:rPr lang="de-DE" dirty="0"/>
+                <a:t>@Service</a:t>
+              </a:r>
+              <a:br>
+                <a:rPr lang="de-DE" dirty="0"/>
+              </a:br>
+              <a:r>
+                <a:rPr lang="de-DE" dirty="0"/>
+                <a:t>SubService1</a:t>
+              </a:r>
+            </a:p>
+          </p:txBody>
+        </p:sp>
+        <p:cxnSp>
+          <p:nvCxnSpPr>
+            <p:cNvPr id="33" name="Gerade Verbindung mit Pfeil 32">
+              <a:extLst>
+                <a:ext uri="{FF2B5EF4-FFF2-40B4-BE49-F238E27FC236}">
+                  <a16:creationId xmlns:a16="http://schemas.microsoft.com/office/drawing/2014/main" id="{C37F8B4D-FB24-089E-987C-E59DD21B44A4}"/>
+                </a:ext>
+              </a:extLst>
+            </p:cNvPr>
+            <p:cNvCxnSpPr>
+              <a:cxnSpLocks/>
+              <a:stCxn id="25" idx="2"/>
+              <a:endCxn id="32" idx="0"/>
+            </p:cNvCxnSpPr>
+            <p:nvPr/>
+          </p:nvCxnSpPr>
+          <p:spPr>
+            <a:xfrm>
+              <a:off x="6823529" y="5626100"/>
+              <a:ext cx="0" cy="482600"/>
+            </a:xfrm>
+            <a:prstGeom prst="straightConnector1">
+              <a:avLst/>
+            </a:prstGeom>
+            <a:ln w="38100">
+              <a:tailEnd type="triangle"/>
+            </a:ln>
+          </p:spPr>
+          <p:style>
+            <a:lnRef idx="1">
+              <a:schemeClr val="accent1"/>
+            </a:lnRef>
+            <a:fillRef idx="0">
+              <a:schemeClr val="accent1"/>
+            </a:fillRef>
+            <a:effectRef idx="0">
+              <a:schemeClr val="accent1"/>
+            </a:effectRef>
+            <a:fontRef idx="minor">
+              <a:schemeClr val="tx1"/>
+            </a:fontRef>
+          </p:style>
+        </p:cxnSp>
+      </p:grpSp>
+      <p:grpSp>
+        <p:nvGrpSpPr>
+          <p:cNvPr id="13" name="Gruppieren 12">
+            <a:extLst>
+              <a:ext uri="{FF2B5EF4-FFF2-40B4-BE49-F238E27FC236}">
+                <a16:creationId xmlns:a16="http://schemas.microsoft.com/office/drawing/2014/main" id="{EAB2DF71-0B5A-2D66-7E51-6C06E8AB8803}"/>
+              </a:ext>
+            </a:extLst>
+          </p:cNvPr>
+          <p:cNvGrpSpPr/>
+          <p:nvPr/>
+        </p:nvGrpSpPr>
+        <p:grpSpPr>
+          <a:xfrm>
+            <a:off x="3385459" y="1833903"/>
+            <a:ext cx="3643239" cy="4660900"/>
+            <a:chOff x="3385459" y="1833903"/>
+            <a:chExt cx="3643239" cy="4660900"/>
+          </a:xfrm>
+        </p:grpSpPr>
+        <p:cxnSp>
+          <p:nvCxnSpPr>
+            <p:cNvPr id="8" name="Gerade Verbindung mit Pfeil 7">
+              <a:extLst>
+                <a:ext uri="{FF2B5EF4-FFF2-40B4-BE49-F238E27FC236}">
+                  <a16:creationId xmlns:a16="http://schemas.microsoft.com/office/drawing/2014/main" id="{608399C1-311D-C155-AB94-C7FDACB127E2}"/>
+                </a:ext>
+              </a:extLst>
+            </p:cNvPr>
+            <p:cNvCxnSpPr>
+              <a:stCxn id="32" idx="3"/>
+              <a:endCxn id="6" idx="1"/>
+            </p:cNvCxnSpPr>
+            <p:nvPr/>
+          </p:nvCxnSpPr>
+          <p:spPr>
+            <a:xfrm flipV="1">
+              <a:off x="3385459" y="1833903"/>
+              <a:ext cx="3307442" cy="4660900"/>
+            </a:xfrm>
+            <a:prstGeom prst="straightConnector1">
+              <a:avLst/>
+            </a:prstGeom>
+            <a:ln w="38100">
+              <a:solidFill>
+                <a:srgbClr val="FF0000"/>
+              </a:solidFill>
+              <a:tailEnd type="triangle"/>
+            </a:ln>
+          </p:spPr>
+          <p:style>
+            <a:lnRef idx="1">
+              <a:schemeClr val="accent1"/>
+            </a:lnRef>
+            <a:fillRef idx="0">
+              <a:schemeClr val="accent1"/>
+            </a:fillRef>
+            <a:effectRef idx="0">
+              <a:schemeClr val="accent1"/>
+            </a:effectRef>
+            <a:fontRef idx="minor">
+              <a:schemeClr val="tx1"/>
+            </a:fontRef>
+          </p:style>
+        </p:cxnSp>
+        <p:sp>
+          <p:nvSpPr>
+            <p:cNvPr id="12" name="Textfeld 11">
+              <a:extLst>
+                <a:ext uri="{FF2B5EF4-FFF2-40B4-BE49-F238E27FC236}">
+                  <a16:creationId xmlns:a16="http://schemas.microsoft.com/office/drawing/2014/main" id="{A7A14BBD-2626-FB21-FFD9-09C88A0F5360}"/>
+                </a:ext>
+              </a:extLst>
+            </p:cNvPr>
+            <p:cNvSpPr txBox="1"/>
+            <p:nvPr/>
+          </p:nvSpPr>
+          <p:spPr>
+            <a:xfrm>
+              <a:off x="6040222" y="2677937"/>
+              <a:ext cx="988476" cy="369332"/>
+            </a:xfrm>
+            <a:prstGeom prst="rect">
+              <a:avLst/>
+            </a:prstGeom>
+            <a:noFill/>
+          </p:spPr>
+          <p:txBody>
+            <a:bodyPr wrap="none" rtlCol="0">
+              <a:spAutoFit/>
+            </a:bodyPr>
+            <a:lstStyle/>
+            <a:p>
+              <a:r>
+                <a:rPr lang="de-DE" dirty="0"/>
+                <a:t>Rest-Call</a:t>
+              </a:r>
+            </a:p>
+          </p:txBody>
+        </p:sp>
+      </p:grpSp>
     </p:spTree>
     <p:extLst>
       <p:ext uri="{BB962C8B-B14F-4D97-AF65-F5344CB8AC3E}">
-        <p14:creationId xmlns:p14="http://schemas.microsoft.com/office/powerpoint/2010/main" val="2804024451"/>
+        <p14:creationId xmlns:p14="http://schemas.microsoft.com/office/powerpoint/2010/main" val="1629891405"/>
       </p:ext>
     </p:extLst>
   </p:cSld>
@@ -11578,7 +13253,7 @@
             </a:r>
             <a:r>
               <a:rPr lang="de-DE" dirty="0"/>
-              <a:t> 80</a:t>
+              <a:t> 65</a:t>
             </a:r>
           </a:p>
         </p:txBody>
@@ -11606,22 +13281,60 @@
           <a:p>
             <a:r>
               <a:rPr lang="de-DE" dirty="0"/>
-              <a:t>Thema: Testen mit Mocks</a:t>
+              <a:t>Thema: REST-Endpunkt mit Pfad-Variable</a:t>
             </a:r>
           </a:p>
           <a:p>
             <a:pPr lvl="1"/>
             <a:r>
-              <a:rPr lang="de-DE" dirty="0" err="1"/>
-              <a:t>Mockito</a:t>
-            </a:r>
-            <a:r>
-              <a:rPr lang="de-DE" dirty="0"/>
-              <a:t>: Bibliothek zum Erstellen von Mock-Objekten </a:t>
-            </a:r>
-            <a:r>
-              <a:rPr lang="de-DE"/>
-              <a:t>in Unit-Tests</a:t>
+              <a:rPr lang="de-DE" dirty="0"/>
+              <a:t>Query-Parameter (HTML-Form)</a:t>
+            </a:r>
+          </a:p>
+          <a:p>
+            <a:pPr lvl="2"/>
+            <a:r>
+              <a:rPr lang="de-DE" dirty="0">
+                <a:hlinkClick r:id="rId2"/>
+              </a:rPr>
+              <a:t>http://localhost:8080/api/hello?name=Georg</a:t>
+            </a:r>
+            <a:endParaRPr lang="de-DE" dirty="0"/>
+          </a:p>
+          <a:p>
+            <a:pPr lvl="2"/>
+            <a:r>
+              <a:rPr lang="de-DE" dirty="0">
+                <a:hlinkClick r:id="rId3"/>
+              </a:rPr>
+              <a:t>http://localhost:8080/api/person?id=1</a:t>
+            </a:r>
+            <a:endParaRPr lang="de-DE" dirty="0"/>
+          </a:p>
+          <a:p>
+            <a:pPr lvl="1"/>
+            <a:r>
+              <a:rPr lang="de-DE" dirty="0"/>
+              <a:t>Pfad-Variable</a:t>
+            </a:r>
+          </a:p>
+          <a:p>
+            <a:pPr lvl="2"/>
+            <a:r>
+              <a:rPr lang="de-DE" dirty="0">
+                <a:hlinkClick r:id="rId4"/>
+              </a:rPr>
+              <a:t>http://localhost:8080/api/hello/Georg</a:t>
+            </a:r>
+            <a:endParaRPr lang="de-DE" dirty="0"/>
+          </a:p>
+          <a:p>
+            <a:pPr lvl="2"/>
+            <a:r>
+              <a:rPr lang="de-DE" dirty="0">
+                <a:hlinkClick r:id="rId5"/>
+              </a:rPr>
+              <a:t>http://localhost:8080/api/person/1</a:t>
             </a:r>
             <a:endParaRPr lang="de-DE" dirty="0"/>
           </a:p>
@@ -11630,7 +13343,7 @@
     </p:spTree>
     <p:extLst>
       <p:ext uri="{BB962C8B-B14F-4D97-AF65-F5344CB8AC3E}">
-        <p14:creationId xmlns:p14="http://schemas.microsoft.com/office/powerpoint/2010/main" val="1609070468"/>
+        <p14:creationId xmlns:p14="http://schemas.microsoft.com/office/powerpoint/2010/main" val="1108630757"/>
       </p:ext>
     </p:extLst>
   </p:cSld>
@@ -11683,9 +13396,10 @@
               <a:t>Step</a:t>
             </a:r>
             <a:r>
-              <a:rPr lang="de-DE" dirty="0"/>
-              <a:t> 90</a:t>
-            </a:r>
+              <a:rPr lang="de-DE"/>
+              <a:t> 55</a:t>
+            </a:r>
+            <a:endParaRPr lang="de-DE" dirty="0"/>
           </a:p>
         </p:txBody>
       </p:sp>
@@ -11712,7 +13426,147 @@
           <a:p>
             <a:r>
               <a:rPr lang="de-DE" dirty="0"/>
-              <a:t>Thema: Persistenz mit Spring Data</a:t>
+              <a:t>Thema: Unit-Tests</a:t>
+            </a:r>
+            <a:endParaRPr lang="de-DE" dirty="0">
+              <a:latin typeface="Courier New" panose="02070309020205020404" pitchFamily="49" charset="0"/>
+              <a:cs typeface="Courier New" panose="02070309020205020404" pitchFamily="49" charset="0"/>
+            </a:endParaRPr>
+          </a:p>
+          <a:p>
+            <a:pPr lvl="1"/>
+            <a:r>
+              <a:rPr lang="de-DE" dirty="0" err="1">
+                <a:latin typeface="Courier New" panose="02070309020205020404" pitchFamily="49" charset="0"/>
+                <a:cs typeface="Courier New" panose="02070309020205020404" pitchFamily="49" charset="0"/>
+              </a:rPr>
+              <a:t>HelloWorldApplication</a:t>
+            </a:r>
+            <a:r>
+              <a:rPr lang="de-DE" dirty="0"/>
+              <a:t> lässt sich schlecht testen</a:t>
+            </a:r>
+          </a:p>
+          <a:p>
+            <a:pPr lvl="1"/>
+            <a:r>
+              <a:rPr lang="de-DE" dirty="0"/>
+              <a:t>Wie lässt sich das verbessern?</a:t>
+            </a:r>
+          </a:p>
+          <a:p>
+            <a:pPr lvl="2"/>
+            <a:r>
+              <a:rPr lang="de-DE" dirty="0" err="1"/>
+              <a:t>Dependency</a:t>
+            </a:r>
+            <a:r>
+              <a:rPr lang="de-DE" dirty="0"/>
+              <a:t> </a:t>
+            </a:r>
+            <a:r>
+              <a:rPr lang="de-DE" dirty="0" err="1"/>
+              <a:t>injection</a:t>
+            </a:r>
+            <a:endParaRPr lang="de-DE" dirty="0"/>
+          </a:p>
+          <a:p>
+            <a:pPr lvl="3"/>
+            <a:r>
+              <a:rPr lang="de-DE" dirty="0"/>
+              <a:t>Ein </a:t>
+            </a:r>
+            <a:r>
+              <a:rPr lang="de-DE" dirty="0" err="1">
+                <a:latin typeface="Courier New" panose="02070309020205020404" pitchFamily="49" charset="0"/>
+                <a:cs typeface="Courier New" panose="02070309020205020404" pitchFamily="49" charset="0"/>
+              </a:rPr>
+              <a:t>Greeter</a:t>
+            </a:r>
+            <a:r>
+              <a:rPr lang="de-DE" dirty="0"/>
+              <a:t> wird nicht innerhalb </a:t>
+            </a:r>
+            <a:r>
+              <a:rPr lang="de-DE" dirty="0" err="1">
+                <a:latin typeface="Courier New" panose="02070309020205020404" pitchFamily="49" charset="0"/>
+                <a:cs typeface="Courier New" panose="02070309020205020404" pitchFamily="49" charset="0"/>
+              </a:rPr>
+              <a:t>HelloWorldApplication</a:t>
+            </a:r>
+            <a:r>
+              <a:rPr lang="de-DE" dirty="0"/>
+              <a:t> erzeugt, sondern von außen übergeben (</a:t>
+            </a:r>
+            <a:r>
+              <a:rPr lang="de-DE" dirty="0" err="1"/>
+              <a:t>injected</a:t>
+            </a:r>
+            <a:r>
+              <a:rPr lang="de-DE" dirty="0"/>
+              <a:t>)</a:t>
+            </a:r>
+          </a:p>
+          <a:p>
+            <a:pPr lvl="3"/>
+            <a:r>
+              <a:rPr lang="de-DE" dirty="0"/>
+              <a:t>Vorteil: wir können ein spezielles Test-Objekt nutzen</a:t>
+            </a:r>
+          </a:p>
+          <a:p>
+            <a:pPr lvl="2"/>
+            <a:r>
+              <a:rPr lang="de-DE" dirty="0" err="1"/>
+              <a:t>Mocking</a:t>
+            </a:r>
+            <a:endParaRPr lang="de-DE" dirty="0"/>
+          </a:p>
+          <a:p>
+            <a:pPr lvl="3"/>
+            <a:r>
+              <a:rPr lang="de-DE" dirty="0"/>
+              <a:t>Statt des </a:t>
+            </a:r>
+            <a:r>
+              <a:rPr lang="de-DE" dirty="0" err="1">
+                <a:latin typeface="Courier New" panose="02070309020205020404" pitchFamily="49" charset="0"/>
+                <a:cs typeface="Courier New" panose="02070309020205020404" pitchFamily="49" charset="0"/>
+              </a:rPr>
+              <a:t>Greeter</a:t>
+            </a:r>
+            <a:r>
+              <a:rPr lang="de-DE" dirty="0"/>
+              <a:t>-Service wird ein spezielles Test-Objekt (</a:t>
+            </a:r>
+            <a:r>
+              <a:rPr lang="de-DE" dirty="0" err="1">
+                <a:latin typeface="Courier New" panose="02070309020205020404" pitchFamily="49" charset="0"/>
+                <a:cs typeface="Courier New" panose="02070309020205020404" pitchFamily="49" charset="0"/>
+              </a:rPr>
+              <a:t>GreeterMock</a:t>
+            </a:r>
+            <a:r>
+              <a:rPr lang="de-DE" dirty="0"/>
+              <a:t>) genutzt</a:t>
+            </a:r>
+          </a:p>
+          <a:p>
+            <a:pPr lvl="3"/>
+            <a:r>
+              <a:rPr lang="de-DE" dirty="0"/>
+              <a:t>Dieses Test-Objekt ermöglicht uns zu prüfen, was </a:t>
+            </a:r>
+            <a:r>
+              <a:rPr lang="de-DE" dirty="0" err="1">
+                <a:latin typeface="Courier New" panose="02070309020205020404" pitchFamily="49" charset="0"/>
+                <a:cs typeface="Courier New" panose="02070309020205020404" pitchFamily="49" charset="0"/>
+              </a:rPr>
+              <a:t>HelloWorldApplication</a:t>
+            </a:r>
+            <a:r>
+              <a:rPr lang="de-DE" dirty="0"/>
+              <a:t> tatsächlich tut</a:t>
             </a:r>
           </a:p>
         </p:txBody>
@@ -11720,7 +13574,7 @@
     </p:spTree>
     <p:extLst>
       <p:ext uri="{BB962C8B-B14F-4D97-AF65-F5344CB8AC3E}">
-        <p14:creationId xmlns:p14="http://schemas.microsoft.com/office/powerpoint/2010/main" val="3263348999"/>
+        <p14:creationId xmlns:p14="http://schemas.microsoft.com/office/powerpoint/2010/main" val="1186333636"/>
       </p:ext>
     </p:extLst>
   </p:cSld>
@@ -11774,7 +13628,15 @@
             </a:r>
             <a:r>
               <a:rPr lang="de-DE" dirty="0"/>
-              <a:t> 100</a:t>
+              <a:t> </a:t>
+            </a:r>
+            <a:r>
+              <a:rPr lang="de-DE" dirty="0" err="1"/>
+              <a:t>calculator</a:t>
+            </a:r>
+            <a:r>
+              <a:rPr lang="de-DE" dirty="0"/>
+              <a:t> 62</a:t>
             </a:r>
           </a:p>
         </p:txBody>
@@ -11802,7 +13664,7 @@
           <a:p>
             <a:r>
               <a:rPr lang="de-DE" dirty="0"/>
-              <a:t>Thema: Service als Docker-Container</a:t>
+              <a:t>Thema: JSON</a:t>
             </a:r>
           </a:p>
         </p:txBody>
@@ -11810,7 +13672,7 @@
     </p:spTree>
     <p:extLst>
       <p:ext uri="{BB962C8B-B14F-4D97-AF65-F5344CB8AC3E}">
-        <p14:creationId xmlns:p14="http://schemas.microsoft.com/office/powerpoint/2010/main" val="1059597919"/>
+        <p14:creationId xmlns:p14="http://schemas.microsoft.com/office/powerpoint/2010/main" val="2804024451"/>
       </p:ext>
     </p:extLst>
   </p:cSld>
@@ -11864,7 +13726,23 @@
             </a:r>
             <a:r>
               <a:rPr lang="de-DE" dirty="0"/>
-              <a:t> 110</a:t>
+              <a:t> </a:t>
+            </a:r>
+            <a:r>
+              <a:rPr lang="de-DE" dirty="0" err="1"/>
+              <a:t>calculator</a:t>
+            </a:r>
+            <a:r>
+              <a:rPr lang="de-DE" dirty="0"/>
+              <a:t> 63 (</a:t>
+            </a:r>
+            <a:r>
+              <a:rPr lang="de-DE" dirty="0" err="1"/>
+              <a:t>Step</a:t>
+            </a:r>
+            <a:r>
+              <a:rPr lang="de-DE" dirty="0"/>
+              <a:t> 70 + 80)</a:t>
             </a:r>
           </a:p>
         </p:txBody>
@@ -11892,72 +13770,51 @@
           <a:p>
             <a:r>
               <a:rPr lang="de-DE" dirty="0"/>
-              <a:t>Thema: Sicherheit</a:t>
+              <a:t>Thema: </a:t>
+            </a:r>
+            <a:r>
+              <a:rPr lang="de-DE" dirty="0" err="1"/>
+              <a:t>Dependency</a:t>
+            </a:r>
+            <a:r>
+              <a:rPr lang="de-DE" dirty="0"/>
+              <a:t> </a:t>
+            </a:r>
+            <a:r>
+              <a:rPr lang="de-DE" dirty="0" err="1"/>
+              <a:t>Injection</a:t>
+            </a:r>
+            <a:r>
+              <a:rPr lang="de-DE" dirty="0"/>
+              <a:t> mit Spring</a:t>
+            </a:r>
+          </a:p>
+          <a:p>
+            <a:r>
+              <a:rPr lang="de-DE" dirty="0"/>
+              <a:t>Thema: Testen mit Mocks</a:t>
             </a:r>
           </a:p>
           <a:p>
             <a:pPr lvl="1"/>
             <a:r>
-              <a:rPr lang="de-DE" dirty="0"/>
-              <a:t>Identity </a:t>
-            </a:r>
-            <a:r>
-              <a:rPr lang="de-DE" dirty="0" err="1"/>
-              <a:t>and</a:t>
-            </a:r>
-            <a:r>
-              <a:rPr lang="de-DE" dirty="0"/>
-              <a:t> Access Management (</a:t>
-            </a:r>
-            <a:r>
-              <a:rPr lang="de-DE" dirty="0" err="1"/>
-              <a:t>IdM</a:t>
-            </a:r>
-            <a:r>
-              <a:rPr lang="de-DE" dirty="0"/>
-              <a:t>, IAM, </a:t>
-            </a:r>
-            <a:r>
-              <a:rPr lang="de-DE" dirty="0" err="1"/>
-              <a:t>IdAM</a:t>
-            </a:r>
-            <a:r>
-              <a:rPr lang="de-DE" dirty="0"/>
-              <a:t>)</a:t>
-            </a:r>
-          </a:p>
-          <a:p>
-            <a:pPr lvl="2"/>
-            <a:r>
-              <a:rPr lang="de-DE" dirty="0"/>
-              <a:t>Software: </a:t>
-            </a:r>
-            <a:r>
-              <a:rPr lang="de-DE" dirty="0" err="1"/>
-              <a:t>Keycloak</a:t>
-            </a:r>
+              <a:rPr lang="de-DE" dirty="0" err="1"/>
+              <a:t>Mockito</a:t>
+            </a:r>
+            <a:r>
+              <a:rPr lang="de-DE" dirty="0"/>
+              <a:t>: Bibliothek zum Erstellen von Mock-Objekten in Unit-Tests</a:t>
+            </a:r>
+          </a:p>
+          <a:p>
             <a:endParaRPr lang="de-DE" dirty="0"/>
-          </a:p>
-          <a:p>
-            <a:pPr lvl="1"/>
-            <a:r>
-              <a:rPr lang="de-DE" dirty="0"/>
-              <a:t>Sicherung der Anwendung</a:t>
-            </a:r>
-          </a:p>
-          <a:p>
-            <a:pPr lvl="2"/>
-            <a:r>
-              <a:rPr lang="de-DE" dirty="0"/>
-              <a:t>Framework: Spring Security</a:t>
-            </a:r>
           </a:p>
         </p:txBody>
       </p:sp>
     </p:spTree>
     <p:extLst>
       <p:ext uri="{BB962C8B-B14F-4D97-AF65-F5344CB8AC3E}">
-        <p14:creationId xmlns:p14="http://schemas.microsoft.com/office/powerpoint/2010/main" val="1812459713"/>
+        <p14:creationId xmlns:p14="http://schemas.microsoft.com/office/powerpoint/2010/main" val="653769003"/>
       </p:ext>
     </p:extLst>
   </p:cSld>
@@ -12011,7 +13868,23 @@
             </a:r>
             <a:r>
               <a:rPr lang="de-DE" dirty="0"/>
-              <a:t> 120</a:t>
+              <a:t> </a:t>
+            </a:r>
+            <a:r>
+              <a:rPr lang="de-DE" dirty="0" err="1"/>
+              <a:t>calculator</a:t>
+            </a:r>
+            <a:r>
+              <a:rPr lang="de-DE" dirty="0"/>
+              <a:t> 64 (</a:t>
+            </a:r>
+            <a:r>
+              <a:rPr lang="de-DE" dirty="0" err="1"/>
+              <a:t>Step</a:t>
+            </a:r>
+            <a:r>
+              <a:rPr lang="de-DE" dirty="0"/>
+              <a:t> 120)</a:t>
             </a:r>
           </a:p>
         </p:txBody>
@@ -12034,17 +13907,118 @@
         </p:nvSpPr>
         <p:spPr/>
         <p:txBody>
-          <a:bodyPr/>
-          <a:lstStyle/>
-          <a:p>
-            <a:r>
-              <a:rPr lang="de-DE" dirty="0"/>
-              <a:t>Thema: </a:t>
-            </a:r>
-            <a:r>
-              <a:rPr lang="de-DE" dirty="0" err="1"/>
-              <a:t>Lombok</a:t>
-            </a:r>
+          <a:bodyPr>
+            <a:normAutofit lnSpcReduction="10000"/>
+          </a:bodyPr>
+          <a:lstStyle/>
+          <a:p>
+            <a:r>
+              <a:rPr lang="de-DE" dirty="0"/>
+              <a:t>Thema: Lombok</a:t>
+            </a:r>
+          </a:p>
+          <a:p>
+            <a:pPr lvl="1"/>
+            <a:r>
+              <a:rPr lang="de-DE" dirty="0"/>
+              <a:t>Bibliothek zur Anreicherung von Java-Klassen</a:t>
+            </a:r>
+          </a:p>
+          <a:p>
+            <a:pPr lvl="2"/>
+            <a:r>
+              <a:rPr lang="de-DE" dirty="0"/>
+              <a:t>Getter</a:t>
+            </a:r>
+          </a:p>
+          <a:p>
+            <a:pPr lvl="2"/>
+            <a:r>
+              <a:rPr lang="de-DE" dirty="0"/>
+              <a:t>Setter</a:t>
+            </a:r>
+          </a:p>
+          <a:p>
+            <a:pPr lvl="2"/>
+            <a:r>
+              <a:rPr lang="de-DE" dirty="0"/>
+              <a:t>Equals</a:t>
+            </a:r>
+          </a:p>
+          <a:p>
+            <a:pPr lvl="2"/>
+            <a:r>
+              <a:rPr lang="de-DE" dirty="0" err="1"/>
+              <a:t>Hashcode</a:t>
+            </a:r>
+            <a:endParaRPr lang="de-DE" dirty="0"/>
+          </a:p>
+          <a:p>
+            <a:pPr lvl="2"/>
+            <a:r>
+              <a:rPr lang="de-DE" dirty="0" err="1"/>
+              <a:t>Builder</a:t>
+            </a:r>
+            <a:endParaRPr lang="de-DE" dirty="0"/>
+          </a:p>
+          <a:p>
+            <a:pPr lvl="2"/>
+            <a:r>
+              <a:rPr lang="de-DE" dirty="0"/>
+              <a:t>…</a:t>
+            </a:r>
+          </a:p>
+          <a:p>
+            <a:pPr lvl="1"/>
+            <a:r>
+              <a:rPr lang="de-DE" dirty="0">
+                <a:hlinkClick r:id="rId2"/>
+              </a:rPr>
+              <a:t>https://projectlombok.org/</a:t>
+            </a:r>
+            <a:endParaRPr lang="de-DE" dirty="0"/>
+          </a:p>
+          <a:p>
+            <a:pPr lvl="1"/>
+            <a:endParaRPr lang="de-DE" dirty="0"/>
+          </a:p>
+          <a:p>
+            <a:r>
+              <a:rPr lang="de-DE" dirty="0"/>
+              <a:t>Alternative: </a:t>
+            </a:r>
+            <a:r>
+              <a:rPr lang="de-DE" dirty="0" err="1"/>
+              <a:t>Immutables</a:t>
+            </a:r>
+            <a:r>
+              <a:rPr lang="de-DE" dirty="0"/>
+              <a:t> </a:t>
+            </a:r>
+          </a:p>
+          <a:p>
+            <a:pPr lvl="1"/>
+            <a:r>
+              <a:rPr lang="de-DE" dirty="0">
+                <a:hlinkClick r:id="rId3"/>
+              </a:rPr>
+              <a:t>https://immutables.github.io</a:t>
+            </a:r>
+            <a:r>
+              <a:rPr lang="de-DE">
+                <a:hlinkClick r:id="rId3"/>
+              </a:rPr>
+              <a:t>/</a:t>
+            </a:r>
+            <a:endParaRPr lang="de-DE"/>
+          </a:p>
+          <a:p>
+            <a:pPr marL="457200" lvl="1" indent="0">
+              <a:buNone/>
+            </a:pPr>
+            <a:endParaRPr lang="de-DE" dirty="0"/>
+          </a:p>
+          <a:p>
             <a:endParaRPr lang="de-DE" dirty="0"/>
           </a:p>
         </p:txBody>
@@ -12052,7 +14026,7 @@
     </p:spTree>
     <p:extLst>
       <p:ext uri="{BB962C8B-B14F-4D97-AF65-F5344CB8AC3E}">
-        <p14:creationId xmlns:p14="http://schemas.microsoft.com/office/powerpoint/2010/main" val="386866240"/>
+        <p14:creationId xmlns:p14="http://schemas.microsoft.com/office/powerpoint/2010/main" val="2434252146"/>
       </p:ext>
     </p:extLst>
   </p:cSld>
@@ -12106,7 +14080,7 @@
             </a:r>
             <a:r>
               <a:rPr lang="de-DE" dirty="0"/>
-              <a:t> 130</a:t>
+              <a:t> 70</a:t>
             </a:r>
           </a:p>
         </p:txBody>
@@ -12134,39 +14108,222 @@
           <a:p>
             <a:r>
               <a:rPr lang="de-DE" dirty="0"/>
-              <a:t>Thema: Aufruf eines anderen </a:t>
-            </a:r>
-            <a:r>
-              <a:rPr lang="de-DE" dirty="0" err="1"/>
-              <a:t>Microservice</a:t>
-            </a:r>
-            <a:endParaRPr lang="de-DE" dirty="0"/>
-          </a:p>
-          <a:p>
-            <a:pPr lvl="1"/>
-            <a:r>
-              <a:rPr lang="de-DE" dirty="0"/>
-              <a:t>Absetzen eines REST-Calls</a:t>
-            </a:r>
-          </a:p>
-          <a:p>
-            <a:pPr lvl="2"/>
-            <a:r>
-              <a:rPr lang="de-DE" dirty="0"/>
-              <a:t>Framework: Spring </a:t>
-            </a:r>
-            <a:r>
-              <a:rPr lang="de-DE"/>
-              <a:t>WebFlux</a:t>
-            </a:r>
-            <a:endParaRPr lang="de-DE" dirty="0"/>
+              <a:t>Thema: </a:t>
+            </a:r>
+            <a:r>
+              <a:rPr lang="de-DE" dirty="0" err="1"/>
+              <a:t>Dependency</a:t>
+            </a:r>
+            <a:r>
+              <a:rPr lang="de-DE" dirty="0"/>
+              <a:t> </a:t>
+            </a:r>
+            <a:r>
+              <a:rPr lang="de-DE" dirty="0" err="1"/>
+              <a:t>Injection</a:t>
+            </a:r>
+            <a:r>
+              <a:rPr lang="de-DE" dirty="0"/>
+              <a:t> mit Spring</a:t>
+            </a:r>
           </a:p>
         </p:txBody>
       </p:sp>
     </p:spTree>
     <p:extLst>
       <p:ext uri="{BB962C8B-B14F-4D97-AF65-F5344CB8AC3E}">
-        <p14:creationId xmlns:p14="http://schemas.microsoft.com/office/powerpoint/2010/main" val="1753332930"/>
+        <p14:creationId xmlns:p14="http://schemas.microsoft.com/office/powerpoint/2010/main" val="1607655202"/>
+      </p:ext>
+    </p:extLst>
+  </p:cSld>
+  <p:clrMapOvr>
+    <a:masterClrMapping/>
+  </p:clrMapOvr>
+</p:sld>
+</file>
+
+<file path=ppt/slides/slide48.xml><?xml version="1.0" encoding="utf-8"?>
+<p:sld xmlns:a="http://schemas.openxmlformats.org/drawingml/2006/main" xmlns:r="http://schemas.openxmlformats.org/officeDocument/2006/relationships" xmlns:p="http://schemas.openxmlformats.org/presentationml/2006/main">
+  <p:cSld>
+    <p:spTree>
+      <p:nvGrpSpPr>
+        <p:cNvPr id="1" name=""/>
+        <p:cNvGrpSpPr/>
+        <p:nvPr/>
+      </p:nvGrpSpPr>
+      <p:grpSpPr>
+        <a:xfrm>
+          <a:off x="0" y="0"/>
+          <a:ext cx="0" cy="0"/>
+          <a:chOff x="0" y="0"/>
+          <a:chExt cx="0" cy="0"/>
+        </a:xfrm>
+      </p:grpSpPr>
+      <p:sp>
+        <p:nvSpPr>
+          <p:cNvPr id="2" name="Titel 1">
+            <a:extLst>
+              <a:ext uri="{FF2B5EF4-FFF2-40B4-BE49-F238E27FC236}">
+                <a16:creationId xmlns:a16="http://schemas.microsoft.com/office/drawing/2014/main" id="{0EC7A146-A8F2-A844-9033-A0ACC828AF47}"/>
+              </a:ext>
+            </a:extLst>
+          </p:cNvPr>
+          <p:cNvSpPr>
+            <a:spLocks noGrp="1"/>
+          </p:cNvSpPr>
+          <p:nvPr>
+            <p:ph type="title"/>
+          </p:nvPr>
+        </p:nvSpPr>
+        <p:spPr/>
+        <p:txBody>
+          <a:bodyPr/>
+          <a:lstStyle/>
+          <a:p>
+            <a:r>
+              <a:rPr lang="de-DE" dirty="0" err="1"/>
+              <a:t>Step</a:t>
+            </a:r>
+            <a:r>
+              <a:rPr lang="de-DE" dirty="0"/>
+              <a:t> 80</a:t>
+            </a:r>
+          </a:p>
+        </p:txBody>
+      </p:sp>
+      <p:sp>
+        <p:nvSpPr>
+          <p:cNvPr id="3" name="Inhaltsplatzhalter 2">
+            <a:extLst>
+              <a:ext uri="{FF2B5EF4-FFF2-40B4-BE49-F238E27FC236}">
+                <a16:creationId xmlns:a16="http://schemas.microsoft.com/office/drawing/2014/main" id="{2A5EBA90-6155-FD45-A74C-ECC42BCA72DF}"/>
+              </a:ext>
+            </a:extLst>
+          </p:cNvPr>
+          <p:cNvSpPr>
+            <a:spLocks noGrp="1"/>
+          </p:cNvSpPr>
+          <p:nvPr>
+            <p:ph idx="1"/>
+          </p:nvPr>
+        </p:nvSpPr>
+        <p:spPr/>
+        <p:txBody>
+          <a:bodyPr/>
+          <a:lstStyle/>
+          <a:p>
+            <a:r>
+              <a:rPr lang="de-DE" dirty="0"/>
+              <a:t>Thema: Testen mit Mocks</a:t>
+            </a:r>
+          </a:p>
+          <a:p>
+            <a:pPr lvl="1"/>
+            <a:r>
+              <a:rPr lang="de-DE" dirty="0" err="1"/>
+              <a:t>Mockito</a:t>
+            </a:r>
+            <a:r>
+              <a:rPr lang="de-DE" dirty="0"/>
+              <a:t>: Bibliothek zum Erstellen von Mock-Objekten in Unit-Tests</a:t>
+            </a:r>
+          </a:p>
+        </p:txBody>
+      </p:sp>
+    </p:spTree>
+    <p:extLst>
+      <p:ext uri="{BB962C8B-B14F-4D97-AF65-F5344CB8AC3E}">
+        <p14:creationId xmlns:p14="http://schemas.microsoft.com/office/powerpoint/2010/main" val="1609070468"/>
+      </p:ext>
+    </p:extLst>
+  </p:cSld>
+  <p:clrMapOvr>
+    <a:masterClrMapping/>
+  </p:clrMapOvr>
+</p:sld>
+</file>
+
+<file path=ppt/slides/slide49.xml><?xml version="1.0" encoding="utf-8"?>
+<p:sld xmlns:a="http://schemas.openxmlformats.org/drawingml/2006/main" xmlns:r="http://schemas.openxmlformats.org/officeDocument/2006/relationships" xmlns:p="http://schemas.openxmlformats.org/presentationml/2006/main">
+  <p:cSld>
+    <p:spTree>
+      <p:nvGrpSpPr>
+        <p:cNvPr id="1" name=""/>
+        <p:cNvGrpSpPr/>
+        <p:nvPr/>
+      </p:nvGrpSpPr>
+      <p:grpSpPr>
+        <a:xfrm>
+          <a:off x="0" y="0"/>
+          <a:ext cx="0" cy="0"/>
+          <a:chOff x="0" y="0"/>
+          <a:chExt cx="0" cy="0"/>
+        </a:xfrm>
+      </p:grpSpPr>
+      <p:sp>
+        <p:nvSpPr>
+          <p:cNvPr id="2" name="Titel 1">
+            <a:extLst>
+              <a:ext uri="{FF2B5EF4-FFF2-40B4-BE49-F238E27FC236}">
+                <a16:creationId xmlns:a16="http://schemas.microsoft.com/office/drawing/2014/main" id="{0EC7A146-A8F2-A844-9033-A0ACC828AF47}"/>
+              </a:ext>
+            </a:extLst>
+          </p:cNvPr>
+          <p:cNvSpPr>
+            <a:spLocks noGrp="1"/>
+          </p:cNvSpPr>
+          <p:nvPr>
+            <p:ph type="title"/>
+          </p:nvPr>
+        </p:nvSpPr>
+        <p:spPr/>
+        <p:txBody>
+          <a:bodyPr/>
+          <a:lstStyle/>
+          <a:p>
+            <a:r>
+              <a:rPr lang="de-DE" dirty="0" err="1"/>
+              <a:t>Step</a:t>
+            </a:r>
+            <a:r>
+              <a:rPr lang="de-DE" dirty="0"/>
+              <a:t> 90</a:t>
+            </a:r>
+          </a:p>
+        </p:txBody>
+      </p:sp>
+      <p:sp>
+        <p:nvSpPr>
+          <p:cNvPr id="3" name="Inhaltsplatzhalter 2">
+            <a:extLst>
+              <a:ext uri="{FF2B5EF4-FFF2-40B4-BE49-F238E27FC236}">
+                <a16:creationId xmlns:a16="http://schemas.microsoft.com/office/drawing/2014/main" id="{2A5EBA90-6155-FD45-A74C-ECC42BCA72DF}"/>
+              </a:ext>
+            </a:extLst>
+          </p:cNvPr>
+          <p:cNvSpPr>
+            <a:spLocks noGrp="1"/>
+          </p:cNvSpPr>
+          <p:nvPr>
+            <p:ph idx="1"/>
+          </p:nvPr>
+        </p:nvSpPr>
+        <p:spPr/>
+        <p:txBody>
+          <a:bodyPr/>
+          <a:lstStyle/>
+          <a:p>
+            <a:r>
+              <a:rPr lang="de-DE" dirty="0"/>
+              <a:t>Thema: Persistenz mit Spring Data</a:t>
+            </a:r>
+          </a:p>
+        </p:txBody>
+      </p:sp>
+    </p:spTree>
+    <p:extLst>
+      <p:ext uri="{BB962C8B-B14F-4D97-AF65-F5344CB8AC3E}">
+        <p14:creationId xmlns:p14="http://schemas.microsoft.com/office/powerpoint/2010/main" val="3263348999"/>
       </p:ext>
     </p:extLst>
   </p:cSld>
@@ -12329,6 +14486,3903 @@
     <p:extLst>
       <p:ext uri="{BB962C8B-B14F-4D97-AF65-F5344CB8AC3E}">
         <p14:creationId xmlns:p14="http://schemas.microsoft.com/office/powerpoint/2010/main" val="318696221"/>
+      </p:ext>
+    </p:extLst>
+  </p:cSld>
+  <p:clrMapOvr>
+    <a:masterClrMapping/>
+  </p:clrMapOvr>
+</p:sld>
+</file>
+
+<file path=ppt/slides/slide50.xml><?xml version="1.0" encoding="utf-8"?>
+<p:sld xmlns:a="http://schemas.openxmlformats.org/drawingml/2006/main" xmlns:r="http://schemas.openxmlformats.org/officeDocument/2006/relationships" xmlns:p="http://schemas.openxmlformats.org/presentationml/2006/main">
+  <p:cSld>
+    <p:spTree>
+      <p:nvGrpSpPr>
+        <p:cNvPr id="1" name=""/>
+        <p:cNvGrpSpPr/>
+        <p:nvPr/>
+      </p:nvGrpSpPr>
+      <p:grpSpPr>
+        <a:xfrm>
+          <a:off x="0" y="0"/>
+          <a:ext cx="0" cy="0"/>
+          <a:chOff x="0" y="0"/>
+          <a:chExt cx="0" cy="0"/>
+        </a:xfrm>
+      </p:grpSpPr>
+      <p:sp>
+        <p:nvSpPr>
+          <p:cNvPr id="8" name="Rechteck 7">
+            <a:extLst>
+              <a:ext uri="{FF2B5EF4-FFF2-40B4-BE49-F238E27FC236}">
+                <a16:creationId xmlns:a16="http://schemas.microsoft.com/office/drawing/2014/main" id="{FD829AED-643C-1E44-321E-7E0865B6FEAB}"/>
+              </a:ext>
+            </a:extLst>
+          </p:cNvPr>
+          <p:cNvSpPr/>
+          <p:nvPr/>
+        </p:nvSpPr>
+        <p:spPr>
+          <a:xfrm>
+            <a:off x="1197429" y="1426029"/>
+            <a:ext cx="10689771" cy="5159828"/>
+          </a:xfrm>
+          <a:prstGeom prst="rect">
+            <a:avLst/>
+          </a:prstGeom>
+        </p:spPr>
+        <p:style>
+          <a:lnRef idx="2">
+            <a:schemeClr val="accent1">
+              <a:shade val="50000"/>
+            </a:schemeClr>
+          </a:lnRef>
+          <a:fillRef idx="1">
+            <a:schemeClr val="accent1"/>
+          </a:fillRef>
+          <a:effectRef idx="0">
+            <a:schemeClr val="accent1"/>
+          </a:effectRef>
+          <a:fontRef idx="minor">
+            <a:schemeClr val="lt1"/>
+          </a:fontRef>
+        </p:style>
+        <p:txBody>
+          <a:bodyPr rtlCol="0" anchor="ctr"/>
+          <a:lstStyle/>
+          <a:p>
+            <a:pPr algn="ctr"/>
+            <a:endParaRPr lang="de-DE" dirty="0"/>
+          </a:p>
+        </p:txBody>
+      </p:sp>
+      <p:sp>
+        <p:nvSpPr>
+          <p:cNvPr id="9" name="Textfeld 8">
+            <a:extLst>
+              <a:ext uri="{FF2B5EF4-FFF2-40B4-BE49-F238E27FC236}">
+                <a16:creationId xmlns:a16="http://schemas.microsoft.com/office/drawing/2014/main" id="{A68B0423-37BC-34B2-B50A-18A96AFF7160}"/>
+              </a:ext>
+            </a:extLst>
+          </p:cNvPr>
+          <p:cNvSpPr txBox="1"/>
+          <p:nvPr/>
+        </p:nvSpPr>
+        <p:spPr>
+          <a:xfrm>
+            <a:off x="5734689" y="1828801"/>
+            <a:ext cx="1615250" cy="369332"/>
+          </a:xfrm>
+          <a:prstGeom prst="rect">
+            <a:avLst/>
+          </a:prstGeom>
+          <a:noFill/>
+        </p:spPr>
+        <p:txBody>
+          <a:bodyPr wrap="none" rtlCol="0">
+            <a:spAutoFit/>
+          </a:bodyPr>
+          <a:lstStyle/>
+          <a:p>
+            <a:r>
+              <a:rPr lang="de-DE" dirty="0" err="1"/>
+              <a:t>MeinComputer</a:t>
+            </a:r>
+            <a:endParaRPr lang="de-DE" dirty="0"/>
+          </a:p>
+        </p:txBody>
+      </p:sp>
+      <p:sp>
+        <p:nvSpPr>
+          <p:cNvPr id="10" name="Rechteck 9">
+            <a:extLst>
+              <a:ext uri="{FF2B5EF4-FFF2-40B4-BE49-F238E27FC236}">
+                <a16:creationId xmlns:a16="http://schemas.microsoft.com/office/drawing/2014/main" id="{F703253C-59DE-F7F3-A2A3-7F96B2641A70}"/>
+              </a:ext>
+            </a:extLst>
+          </p:cNvPr>
+          <p:cNvSpPr/>
+          <p:nvPr/>
+        </p:nvSpPr>
+        <p:spPr>
+          <a:xfrm>
+            <a:off x="3102429" y="3429000"/>
+            <a:ext cx="2373085" cy="1404257"/>
+          </a:xfrm>
+          <a:prstGeom prst="rect">
+            <a:avLst/>
+          </a:prstGeom>
+          <a:solidFill>
+            <a:schemeClr val="accent6"/>
+          </a:solidFill>
+        </p:spPr>
+        <p:style>
+          <a:lnRef idx="2">
+            <a:schemeClr val="accent1">
+              <a:shade val="50000"/>
+            </a:schemeClr>
+          </a:lnRef>
+          <a:fillRef idx="1">
+            <a:schemeClr val="accent1"/>
+          </a:fillRef>
+          <a:effectRef idx="0">
+            <a:schemeClr val="accent1"/>
+          </a:effectRef>
+          <a:fontRef idx="minor">
+            <a:schemeClr val="lt1"/>
+          </a:fontRef>
+        </p:style>
+        <p:txBody>
+          <a:bodyPr rtlCol="0" anchor="ctr"/>
+          <a:lstStyle/>
+          <a:p>
+            <a:pPr algn="ctr"/>
+            <a:r>
+              <a:rPr lang="de-DE" dirty="0"/>
+              <a:t>Person </a:t>
+            </a:r>
+            <a:r>
+              <a:rPr lang="de-DE" dirty="0" err="1"/>
+              <a:t>microservice</a:t>
+            </a:r>
+            <a:endParaRPr lang="de-DE" dirty="0"/>
+          </a:p>
+        </p:txBody>
+      </p:sp>
+      <p:sp>
+        <p:nvSpPr>
+          <p:cNvPr id="11" name="Rechteck 10">
+            <a:extLst>
+              <a:ext uri="{FF2B5EF4-FFF2-40B4-BE49-F238E27FC236}">
+                <a16:creationId xmlns:a16="http://schemas.microsoft.com/office/drawing/2014/main" id="{430C7F14-FE0A-2A9A-875A-FE6B06E395EA}"/>
+              </a:ext>
+            </a:extLst>
+          </p:cNvPr>
+          <p:cNvSpPr/>
+          <p:nvPr/>
+        </p:nvSpPr>
+        <p:spPr>
+          <a:xfrm>
+            <a:off x="6716488" y="3429000"/>
+            <a:ext cx="2373085" cy="1404257"/>
+          </a:xfrm>
+          <a:prstGeom prst="rect">
+            <a:avLst/>
+          </a:prstGeom>
+          <a:solidFill>
+            <a:schemeClr val="accent6"/>
+          </a:solidFill>
+        </p:spPr>
+        <p:style>
+          <a:lnRef idx="2">
+            <a:schemeClr val="accent1">
+              <a:shade val="50000"/>
+            </a:schemeClr>
+          </a:lnRef>
+          <a:fillRef idx="1">
+            <a:schemeClr val="accent1"/>
+          </a:fillRef>
+          <a:effectRef idx="0">
+            <a:schemeClr val="accent1"/>
+          </a:effectRef>
+          <a:fontRef idx="minor">
+            <a:schemeClr val="lt1"/>
+          </a:fontRef>
+        </p:style>
+        <p:txBody>
+          <a:bodyPr rtlCol="0" anchor="ctr"/>
+          <a:lstStyle/>
+          <a:p>
+            <a:pPr algn="ctr"/>
+            <a:r>
+              <a:rPr lang="de-DE" dirty="0"/>
+              <a:t>Datenbank</a:t>
+            </a:r>
+          </a:p>
+        </p:txBody>
+      </p:sp>
+      <p:cxnSp>
+        <p:nvCxnSpPr>
+          <p:cNvPr id="13" name="Gerade Verbindung mit Pfeil 12">
+            <a:extLst>
+              <a:ext uri="{FF2B5EF4-FFF2-40B4-BE49-F238E27FC236}">
+                <a16:creationId xmlns:a16="http://schemas.microsoft.com/office/drawing/2014/main" id="{96B270E3-22BA-C088-1968-C4CEDE244AD3}"/>
+              </a:ext>
+            </a:extLst>
+          </p:cNvPr>
+          <p:cNvCxnSpPr>
+            <a:stCxn id="10" idx="3"/>
+            <a:endCxn id="11" idx="1"/>
+          </p:cNvCxnSpPr>
+          <p:nvPr/>
+        </p:nvCxnSpPr>
+        <p:spPr>
+          <a:xfrm>
+            <a:off x="5475514" y="4131129"/>
+            <a:ext cx="1240974" cy="0"/>
+          </a:xfrm>
+          <a:prstGeom prst="straightConnector1">
+            <a:avLst/>
+          </a:prstGeom>
+          <a:ln w="38100">
+            <a:solidFill>
+              <a:srgbClr val="FF0000"/>
+            </a:solidFill>
+            <a:tailEnd type="triangle"/>
+          </a:ln>
+        </p:spPr>
+        <p:style>
+          <a:lnRef idx="1">
+            <a:schemeClr val="accent1"/>
+          </a:lnRef>
+          <a:fillRef idx="0">
+            <a:schemeClr val="accent1"/>
+          </a:fillRef>
+          <a:effectRef idx="0">
+            <a:schemeClr val="accent1"/>
+          </a:effectRef>
+          <a:fontRef idx="minor">
+            <a:schemeClr val="tx1"/>
+          </a:fontRef>
+        </p:style>
+      </p:cxnSp>
+    </p:spTree>
+    <p:extLst>
+      <p:ext uri="{BB962C8B-B14F-4D97-AF65-F5344CB8AC3E}">
+        <p14:creationId xmlns:p14="http://schemas.microsoft.com/office/powerpoint/2010/main" val="552793647"/>
+      </p:ext>
+    </p:extLst>
+  </p:cSld>
+  <p:clrMapOvr>
+    <a:masterClrMapping/>
+  </p:clrMapOvr>
+</p:sld>
+</file>
+
+<file path=ppt/slides/slide51.xml><?xml version="1.0" encoding="utf-8"?>
+<p:sld xmlns:a="http://schemas.openxmlformats.org/drawingml/2006/main" xmlns:r="http://schemas.openxmlformats.org/officeDocument/2006/relationships" xmlns:p="http://schemas.openxmlformats.org/presentationml/2006/main">
+  <p:cSld>
+    <p:spTree>
+      <p:nvGrpSpPr>
+        <p:cNvPr id="1" name=""/>
+        <p:cNvGrpSpPr/>
+        <p:nvPr/>
+      </p:nvGrpSpPr>
+      <p:grpSpPr>
+        <a:xfrm>
+          <a:off x="0" y="0"/>
+          <a:ext cx="0" cy="0"/>
+          <a:chOff x="0" y="0"/>
+          <a:chExt cx="0" cy="0"/>
+        </a:xfrm>
+      </p:grpSpPr>
+      <p:sp>
+        <p:nvSpPr>
+          <p:cNvPr id="8" name="Rechteck 7">
+            <a:extLst>
+              <a:ext uri="{FF2B5EF4-FFF2-40B4-BE49-F238E27FC236}">
+                <a16:creationId xmlns:a16="http://schemas.microsoft.com/office/drawing/2014/main" id="{FD829AED-643C-1E44-321E-7E0865B6FEAB}"/>
+              </a:ext>
+            </a:extLst>
+          </p:cNvPr>
+          <p:cNvSpPr/>
+          <p:nvPr/>
+        </p:nvSpPr>
+        <p:spPr>
+          <a:xfrm>
+            <a:off x="1197429" y="1426029"/>
+            <a:ext cx="10689771" cy="5159828"/>
+          </a:xfrm>
+          <a:prstGeom prst="rect">
+            <a:avLst/>
+          </a:prstGeom>
+        </p:spPr>
+        <p:style>
+          <a:lnRef idx="2">
+            <a:schemeClr val="accent1">
+              <a:shade val="50000"/>
+            </a:schemeClr>
+          </a:lnRef>
+          <a:fillRef idx="1">
+            <a:schemeClr val="accent1"/>
+          </a:fillRef>
+          <a:effectRef idx="0">
+            <a:schemeClr val="accent1"/>
+          </a:effectRef>
+          <a:fontRef idx="minor">
+            <a:schemeClr val="lt1"/>
+          </a:fontRef>
+        </p:style>
+        <p:txBody>
+          <a:bodyPr rtlCol="0" anchor="ctr"/>
+          <a:lstStyle/>
+          <a:p>
+            <a:pPr algn="ctr"/>
+            <a:endParaRPr lang="de-DE" dirty="0"/>
+          </a:p>
+        </p:txBody>
+      </p:sp>
+      <p:sp>
+        <p:nvSpPr>
+          <p:cNvPr id="9" name="Textfeld 8">
+            <a:extLst>
+              <a:ext uri="{FF2B5EF4-FFF2-40B4-BE49-F238E27FC236}">
+                <a16:creationId xmlns:a16="http://schemas.microsoft.com/office/drawing/2014/main" id="{A68B0423-37BC-34B2-B50A-18A96AFF7160}"/>
+              </a:ext>
+            </a:extLst>
+          </p:cNvPr>
+          <p:cNvSpPr txBox="1"/>
+          <p:nvPr/>
+        </p:nvSpPr>
+        <p:spPr>
+          <a:xfrm>
+            <a:off x="5734689" y="1828801"/>
+            <a:ext cx="1615250" cy="369332"/>
+          </a:xfrm>
+          <a:prstGeom prst="rect">
+            <a:avLst/>
+          </a:prstGeom>
+          <a:noFill/>
+        </p:spPr>
+        <p:txBody>
+          <a:bodyPr wrap="none" rtlCol="0">
+            <a:spAutoFit/>
+          </a:bodyPr>
+          <a:lstStyle/>
+          <a:p>
+            <a:r>
+              <a:rPr lang="de-DE" dirty="0" err="1"/>
+              <a:t>MeinComputer</a:t>
+            </a:r>
+            <a:endParaRPr lang="de-DE" dirty="0"/>
+          </a:p>
+        </p:txBody>
+      </p:sp>
+      <p:sp>
+        <p:nvSpPr>
+          <p:cNvPr id="10" name="Rechteck 9">
+            <a:extLst>
+              <a:ext uri="{FF2B5EF4-FFF2-40B4-BE49-F238E27FC236}">
+                <a16:creationId xmlns:a16="http://schemas.microsoft.com/office/drawing/2014/main" id="{F703253C-59DE-F7F3-A2A3-7F96B2641A70}"/>
+              </a:ext>
+            </a:extLst>
+          </p:cNvPr>
+          <p:cNvSpPr/>
+          <p:nvPr/>
+        </p:nvSpPr>
+        <p:spPr>
+          <a:xfrm>
+            <a:off x="3102429" y="3429000"/>
+            <a:ext cx="2373085" cy="1404257"/>
+          </a:xfrm>
+          <a:prstGeom prst="rect">
+            <a:avLst/>
+          </a:prstGeom>
+          <a:solidFill>
+            <a:schemeClr val="accent6"/>
+          </a:solidFill>
+        </p:spPr>
+        <p:style>
+          <a:lnRef idx="2">
+            <a:schemeClr val="accent1">
+              <a:shade val="50000"/>
+            </a:schemeClr>
+          </a:lnRef>
+          <a:fillRef idx="1">
+            <a:schemeClr val="accent1"/>
+          </a:fillRef>
+          <a:effectRef idx="0">
+            <a:schemeClr val="accent1"/>
+          </a:effectRef>
+          <a:fontRef idx="minor">
+            <a:schemeClr val="lt1"/>
+          </a:fontRef>
+        </p:style>
+        <p:txBody>
+          <a:bodyPr rtlCol="0" anchor="ctr"/>
+          <a:lstStyle/>
+          <a:p>
+            <a:pPr algn="ctr"/>
+            <a:r>
+              <a:rPr lang="de-DE" dirty="0"/>
+              <a:t>Person </a:t>
+            </a:r>
+            <a:r>
+              <a:rPr lang="de-DE" dirty="0" err="1"/>
+              <a:t>microservice</a:t>
+            </a:r>
+            <a:endParaRPr lang="de-DE" dirty="0"/>
+          </a:p>
+        </p:txBody>
+      </p:sp>
+      <p:sp>
+        <p:nvSpPr>
+          <p:cNvPr id="5" name="Rechteck 4">
+            <a:extLst>
+              <a:ext uri="{FF2B5EF4-FFF2-40B4-BE49-F238E27FC236}">
+                <a16:creationId xmlns:a16="http://schemas.microsoft.com/office/drawing/2014/main" id="{5532E77D-6233-2927-6431-D6D7300EF2AC}"/>
+              </a:ext>
+            </a:extLst>
+          </p:cNvPr>
+          <p:cNvSpPr/>
+          <p:nvPr/>
+        </p:nvSpPr>
+        <p:spPr>
+          <a:xfrm>
+            <a:off x="6646460" y="2565779"/>
+            <a:ext cx="4531056" cy="3220872"/>
+          </a:xfrm>
+          <a:prstGeom prst="rect">
+            <a:avLst/>
+          </a:prstGeom>
+          <a:solidFill>
+            <a:schemeClr val="accent1">
+              <a:lumMod val="20000"/>
+              <a:lumOff val="80000"/>
+            </a:schemeClr>
+          </a:solidFill>
+        </p:spPr>
+        <p:style>
+          <a:lnRef idx="2">
+            <a:schemeClr val="accent1">
+              <a:shade val="50000"/>
+            </a:schemeClr>
+          </a:lnRef>
+          <a:fillRef idx="1">
+            <a:schemeClr val="accent1"/>
+          </a:fillRef>
+          <a:effectRef idx="0">
+            <a:schemeClr val="accent1"/>
+          </a:effectRef>
+          <a:fontRef idx="minor">
+            <a:schemeClr val="lt1"/>
+          </a:fontRef>
+        </p:style>
+        <p:txBody>
+          <a:bodyPr rtlCol="0" anchor="ctr"/>
+          <a:lstStyle/>
+          <a:p>
+            <a:pPr algn="ctr"/>
+            <a:endParaRPr lang="de-DE"/>
+          </a:p>
+        </p:txBody>
+      </p:sp>
+      <p:sp>
+        <p:nvSpPr>
+          <p:cNvPr id="2" name="Rechteck 1">
+            <a:extLst>
+              <a:ext uri="{FF2B5EF4-FFF2-40B4-BE49-F238E27FC236}">
+                <a16:creationId xmlns:a16="http://schemas.microsoft.com/office/drawing/2014/main" id="{B793B692-EA57-9663-72DD-3E1BE3E30AB8}"/>
+              </a:ext>
+            </a:extLst>
+          </p:cNvPr>
+          <p:cNvSpPr/>
+          <p:nvPr/>
+        </p:nvSpPr>
+        <p:spPr>
+          <a:xfrm>
+            <a:off x="7349937" y="3114791"/>
+            <a:ext cx="3029803" cy="2032673"/>
+          </a:xfrm>
+          <a:prstGeom prst="rect">
+            <a:avLst/>
+          </a:prstGeom>
+          <a:solidFill>
+            <a:schemeClr val="accent1">
+              <a:lumMod val="40000"/>
+              <a:lumOff val="60000"/>
+            </a:schemeClr>
+          </a:solidFill>
+        </p:spPr>
+        <p:style>
+          <a:lnRef idx="2">
+            <a:schemeClr val="accent1">
+              <a:shade val="50000"/>
+            </a:schemeClr>
+          </a:lnRef>
+          <a:fillRef idx="1">
+            <a:schemeClr val="accent1"/>
+          </a:fillRef>
+          <a:effectRef idx="0">
+            <a:schemeClr val="accent1"/>
+          </a:effectRef>
+          <a:fontRef idx="minor">
+            <a:schemeClr val="lt1"/>
+          </a:fontRef>
+        </p:style>
+        <p:txBody>
+          <a:bodyPr rtlCol="0" anchor="ctr"/>
+          <a:lstStyle/>
+          <a:p>
+            <a:pPr algn="ctr"/>
+            <a:endParaRPr lang="de-DE" dirty="0"/>
+          </a:p>
+        </p:txBody>
+      </p:sp>
+      <p:sp>
+        <p:nvSpPr>
+          <p:cNvPr id="3" name="Textfeld 2">
+            <a:extLst>
+              <a:ext uri="{FF2B5EF4-FFF2-40B4-BE49-F238E27FC236}">
+                <a16:creationId xmlns:a16="http://schemas.microsoft.com/office/drawing/2014/main" id="{FEFFED6A-7C71-D1EA-64A4-30DDD64C85F8}"/>
+              </a:ext>
+            </a:extLst>
+          </p:cNvPr>
+          <p:cNvSpPr txBox="1"/>
+          <p:nvPr/>
+        </p:nvSpPr>
+        <p:spPr>
+          <a:xfrm>
+            <a:off x="7903194" y="3244334"/>
+            <a:ext cx="2061783" cy="369332"/>
+          </a:xfrm>
+          <a:prstGeom prst="rect">
+            <a:avLst/>
+          </a:prstGeom>
+          <a:noFill/>
+        </p:spPr>
+        <p:txBody>
+          <a:bodyPr wrap="none" rtlCol="0">
+            <a:spAutoFit/>
+          </a:bodyPr>
+          <a:lstStyle/>
+          <a:p>
+            <a:r>
+              <a:rPr lang="de-DE" dirty="0" err="1"/>
+              <a:t>VirtuelleMaschine</a:t>
+            </a:r>
+            <a:r>
+              <a:rPr lang="de-DE" dirty="0"/>
+              <a:t> 1</a:t>
+            </a:r>
+          </a:p>
+        </p:txBody>
+      </p:sp>
+      <p:sp>
+        <p:nvSpPr>
+          <p:cNvPr id="11" name="Rechteck 10">
+            <a:extLst>
+              <a:ext uri="{FF2B5EF4-FFF2-40B4-BE49-F238E27FC236}">
+                <a16:creationId xmlns:a16="http://schemas.microsoft.com/office/drawing/2014/main" id="{430C7F14-FE0A-2A9A-875A-FE6B06E395EA}"/>
+              </a:ext>
+            </a:extLst>
+          </p:cNvPr>
+          <p:cNvSpPr/>
+          <p:nvPr/>
+        </p:nvSpPr>
+        <p:spPr>
+          <a:xfrm>
+            <a:off x="7678297" y="3647794"/>
+            <a:ext cx="2373085" cy="1404257"/>
+          </a:xfrm>
+          <a:prstGeom prst="rect">
+            <a:avLst/>
+          </a:prstGeom>
+          <a:solidFill>
+            <a:schemeClr val="accent6"/>
+          </a:solidFill>
+        </p:spPr>
+        <p:style>
+          <a:lnRef idx="2">
+            <a:schemeClr val="accent1">
+              <a:shade val="50000"/>
+            </a:schemeClr>
+          </a:lnRef>
+          <a:fillRef idx="1">
+            <a:schemeClr val="accent1"/>
+          </a:fillRef>
+          <a:effectRef idx="0">
+            <a:schemeClr val="accent1"/>
+          </a:effectRef>
+          <a:fontRef idx="minor">
+            <a:schemeClr val="lt1"/>
+          </a:fontRef>
+        </p:style>
+        <p:txBody>
+          <a:bodyPr rtlCol="0" anchor="ctr"/>
+          <a:lstStyle/>
+          <a:p>
+            <a:pPr algn="ctr"/>
+            <a:r>
+              <a:rPr lang="de-DE" dirty="0"/>
+              <a:t>Datenbank</a:t>
+            </a:r>
+          </a:p>
+        </p:txBody>
+      </p:sp>
+      <p:cxnSp>
+        <p:nvCxnSpPr>
+          <p:cNvPr id="13" name="Gerade Verbindung mit Pfeil 12">
+            <a:extLst>
+              <a:ext uri="{FF2B5EF4-FFF2-40B4-BE49-F238E27FC236}">
+                <a16:creationId xmlns:a16="http://schemas.microsoft.com/office/drawing/2014/main" id="{96B270E3-22BA-C088-1968-C4CEDE244AD3}"/>
+              </a:ext>
+            </a:extLst>
+          </p:cNvPr>
+          <p:cNvCxnSpPr>
+            <a:stCxn id="10" idx="3"/>
+            <a:endCxn id="11" idx="1"/>
+          </p:cNvCxnSpPr>
+          <p:nvPr/>
+        </p:nvCxnSpPr>
+        <p:spPr>
+          <a:xfrm>
+            <a:off x="5475514" y="4131129"/>
+            <a:ext cx="2202783" cy="218794"/>
+          </a:xfrm>
+          <a:prstGeom prst="straightConnector1">
+            <a:avLst/>
+          </a:prstGeom>
+          <a:ln w="38100">
+            <a:solidFill>
+              <a:srgbClr val="FF0000"/>
+            </a:solidFill>
+            <a:tailEnd type="triangle"/>
+          </a:ln>
+        </p:spPr>
+        <p:style>
+          <a:lnRef idx="1">
+            <a:schemeClr val="accent1"/>
+          </a:lnRef>
+          <a:fillRef idx="0">
+            <a:schemeClr val="accent1"/>
+          </a:fillRef>
+          <a:effectRef idx="0">
+            <a:schemeClr val="accent1"/>
+          </a:effectRef>
+          <a:fontRef idx="minor">
+            <a:schemeClr val="tx1"/>
+          </a:fontRef>
+        </p:style>
+      </p:cxnSp>
+      <p:sp>
+        <p:nvSpPr>
+          <p:cNvPr id="6" name="Textfeld 5">
+            <a:extLst>
+              <a:ext uri="{FF2B5EF4-FFF2-40B4-BE49-F238E27FC236}">
+                <a16:creationId xmlns:a16="http://schemas.microsoft.com/office/drawing/2014/main" id="{623EDF90-E300-28E2-7E22-0885A21D4B01}"/>
+              </a:ext>
+            </a:extLst>
+          </p:cNvPr>
+          <p:cNvSpPr txBox="1"/>
+          <p:nvPr/>
+        </p:nvSpPr>
+        <p:spPr>
+          <a:xfrm>
+            <a:off x="8357808" y="2691179"/>
+            <a:ext cx="1014060" cy="369332"/>
+          </a:xfrm>
+          <a:prstGeom prst="rect">
+            <a:avLst/>
+          </a:prstGeom>
+          <a:noFill/>
+        </p:spPr>
+        <p:txBody>
+          <a:bodyPr wrap="none" rtlCol="0">
+            <a:spAutoFit/>
+          </a:bodyPr>
+          <a:lstStyle/>
+          <a:p>
+            <a:r>
+              <a:rPr lang="de-DE" dirty="0"/>
+              <a:t>VM-Host</a:t>
+            </a:r>
+          </a:p>
+        </p:txBody>
+      </p:sp>
+      <p:sp>
+        <p:nvSpPr>
+          <p:cNvPr id="7" name="Textfeld 6">
+            <a:extLst>
+              <a:ext uri="{FF2B5EF4-FFF2-40B4-BE49-F238E27FC236}">
+                <a16:creationId xmlns:a16="http://schemas.microsoft.com/office/drawing/2014/main" id="{61C9DCCE-C274-A309-883A-5C78B048E0A8}"/>
+              </a:ext>
+            </a:extLst>
+          </p:cNvPr>
+          <p:cNvSpPr txBox="1"/>
+          <p:nvPr/>
+        </p:nvSpPr>
+        <p:spPr>
+          <a:xfrm>
+            <a:off x="1812260" y="436728"/>
+            <a:ext cx="6396303" cy="369332"/>
+          </a:xfrm>
+          <a:prstGeom prst="rect">
+            <a:avLst/>
+          </a:prstGeom>
+          <a:noFill/>
+        </p:spPr>
+        <p:txBody>
+          <a:bodyPr wrap="none" rtlCol="0">
+            <a:spAutoFit/>
+          </a:bodyPr>
+          <a:lstStyle/>
+          <a:p>
+            <a:r>
+              <a:rPr lang="de-DE" dirty="0"/>
+              <a:t>VM-Hosts (Beispiele): VirtualBox, </a:t>
+            </a:r>
+            <a:r>
+              <a:rPr lang="de-DE" dirty="0" err="1"/>
+              <a:t>VMWare</a:t>
+            </a:r>
+            <a:r>
+              <a:rPr lang="de-DE" dirty="0"/>
+              <a:t>, Parallels, </a:t>
+            </a:r>
+            <a:r>
+              <a:rPr lang="de-DE" dirty="0" err="1"/>
+              <a:t>HyperV</a:t>
+            </a:r>
+            <a:r>
+              <a:rPr lang="de-DE" dirty="0"/>
+              <a:t>, KVM</a:t>
+            </a:r>
+          </a:p>
+        </p:txBody>
+      </p:sp>
+    </p:spTree>
+    <p:extLst>
+      <p:ext uri="{BB962C8B-B14F-4D97-AF65-F5344CB8AC3E}">
+        <p14:creationId xmlns:p14="http://schemas.microsoft.com/office/powerpoint/2010/main" val="2208554846"/>
+      </p:ext>
+    </p:extLst>
+  </p:cSld>
+  <p:clrMapOvr>
+    <a:masterClrMapping/>
+  </p:clrMapOvr>
+</p:sld>
+</file>
+
+<file path=ppt/slides/slide52.xml><?xml version="1.0" encoding="utf-8"?>
+<p:sld xmlns:a="http://schemas.openxmlformats.org/drawingml/2006/main" xmlns:r="http://schemas.openxmlformats.org/officeDocument/2006/relationships" xmlns:p="http://schemas.openxmlformats.org/presentationml/2006/main">
+  <p:cSld>
+    <p:spTree>
+      <p:nvGrpSpPr>
+        <p:cNvPr id="1" name=""/>
+        <p:cNvGrpSpPr/>
+        <p:nvPr/>
+      </p:nvGrpSpPr>
+      <p:grpSpPr>
+        <a:xfrm>
+          <a:off x="0" y="0"/>
+          <a:ext cx="0" cy="0"/>
+          <a:chOff x="0" y="0"/>
+          <a:chExt cx="0" cy="0"/>
+        </a:xfrm>
+      </p:grpSpPr>
+      <p:sp>
+        <p:nvSpPr>
+          <p:cNvPr id="8" name="Rechteck 7">
+            <a:extLst>
+              <a:ext uri="{FF2B5EF4-FFF2-40B4-BE49-F238E27FC236}">
+                <a16:creationId xmlns:a16="http://schemas.microsoft.com/office/drawing/2014/main" id="{FD829AED-643C-1E44-321E-7E0865B6FEAB}"/>
+              </a:ext>
+            </a:extLst>
+          </p:cNvPr>
+          <p:cNvSpPr/>
+          <p:nvPr/>
+        </p:nvSpPr>
+        <p:spPr>
+          <a:xfrm>
+            <a:off x="1197429" y="1426029"/>
+            <a:ext cx="10689771" cy="5159828"/>
+          </a:xfrm>
+          <a:prstGeom prst="rect">
+            <a:avLst/>
+          </a:prstGeom>
+        </p:spPr>
+        <p:style>
+          <a:lnRef idx="2">
+            <a:schemeClr val="accent1">
+              <a:shade val="50000"/>
+            </a:schemeClr>
+          </a:lnRef>
+          <a:fillRef idx="1">
+            <a:schemeClr val="accent1"/>
+          </a:fillRef>
+          <a:effectRef idx="0">
+            <a:schemeClr val="accent1"/>
+          </a:effectRef>
+          <a:fontRef idx="minor">
+            <a:schemeClr val="lt1"/>
+          </a:fontRef>
+        </p:style>
+        <p:txBody>
+          <a:bodyPr rtlCol="0" anchor="ctr"/>
+          <a:lstStyle/>
+          <a:p>
+            <a:pPr algn="ctr"/>
+            <a:endParaRPr lang="de-DE" dirty="0"/>
+          </a:p>
+        </p:txBody>
+      </p:sp>
+      <p:sp>
+        <p:nvSpPr>
+          <p:cNvPr id="9" name="Textfeld 8">
+            <a:extLst>
+              <a:ext uri="{FF2B5EF4-FFF2-40B4-BE49-F238E27FC236}">
+                <a16:creationId xmlns:a16="http://schemas.microsoft.com/office/drawing/2014/main" id="{A68B0423-37BC-34B2-B50A-18A96AFF7160}"/>
+              </a:ext>
+            </a:extLst>
+          </p:cNvPr>
+          <p:cNvSpPr txBox="1"/>
+          <p:nvPr/>
+        </p:nvSpPr>
+        <p:spPr>
+          <a:xfrm>
+            <a:off x="5734689" y="1828801"/>
+            <a:ext cx="1615250" cy="369332"/>
+          </a:xfrm>
+          <a:prstGeom prst="rect">
+            <a:avLst/>
+          </a:prstGeom>
+          <a:noFill/>
+        </p:spPr>
+        <p:txBody>
+          <a:bodyPr wrap="none" rtlCol="0">
+            <a:spAutoFit/>
+          </a:bodyPr>
+          <a:lstStyle/>
+          <a:p>
+            <a:r>
+              <a:rPr lang="de-DE" dirty="0" err="1"/>
+              <a:t>MeinComputer</a:t>
+            </a:r>
+            <a:endParaRPr lang="de-DE" dirty="0"/>
+          </a:p>
+        </p:txBody>
+      </p:sp>
+      <p:sp>
+        <p:nvSpPr>
+          <p:cNvPr id="10" name="Rechteck 9">
+            <a:extLst>
+              <a:ext uri="{FF2B5EF4-FFF2-40B4-BE49-F238E27FC236}">
+                <a16:creationId xmlns:a16="http://schemas.microsoft.com/office/drawing/2014/main" id="{F703253C-59DE-F7F3-A2A3-7F96B2641A70}"/>
+              </a:ext>
+            </a:extLst>
+          </p:cNvPr>
+          <p:cNvSpPr/>
+          <p:nvPr/>
+        </p:nvSpPr>
+        <p:spPr>
+          <a:xfrm>
+            <a:off x="3102429" y="3429000"/>
+            <a:ext cx="2373085" cy="1404257"/>
+          </a:xfrm>
+          <a:prstGeom prst="rect">
+            <a:avLst/>
+          </a:prstGeom>
+          <a:solidFill>
+            <a:schemeClr val="accent6"/>
+          </a:solidFill>
+        </p:spPr>
+        <p:style>
+          <a:lnRef idx="2">
+            <a:schemeClr val="accent1">
+              <a:shade val="50000"/>
+            </a:schemeClr>
+          </a:lnRef>
+          <a:fillRef idx="1">
+            <a:schemeClr val="accent1"/>
+          </a:fillRef>
+          <a:effectRef idx="0">
+            <a:schemeClr val="accent1"/>
+          </a:effectRef>
+          <a:fontRef idx="minor">
+            <a:schemeClr val="lt1"/>
+          </a:fontRef>
+        </p:style>
+        <p:txBody>
+          <a:bodyPr rtlCol="0" anchor="ctr"/>
+          <a:lstStyle/>
+          <a:p>
+            <a:pPr algn="ctr"/>
+            <a:r>
+              <a:rPr lang="de-DE" dirty="0"/>
+              <a:t>Person </a:t>
+            </a:r>
+            <a:r>
+              <a:rPr lang="de-DE" dirty="0" err="1"/>
+              <a:t>microservice</a:t>
+            </a:r>
+            <a:endParaRPr lang="de-DE" dirty="0"/>
+          </a:p>
+        </p:txBody>
+      </p:sp>
+      <p:sp>
+        <p:nvSpPr>
+          <p:cNvPr id="4" name="Rechteck 3">
+            <a:extLst>
+              <a:ext uri="{FF2B5EF4-FFF2-40B4-BE49-F238E27FC236}">
+                <a16:creationId xmlns:a16="http://schemas.microsoft.com/office/drawing/2014/main" id="{0976E51F-A6A9-C790-9430-3BC124426D1C}"/>
+              </a:ext>
+            </a:extLst>
+          </p:cNvPr>
+          <p:cNvSpPr/>
+          <p:nvPr/>
+        </p:nvSpPr>
+        <p:spPr>
+          <a:xfrm>
+            <a:off x="6096000" y="2593075"/>
+            <a:ext cx="5504597" cy="3398292"/>
+          </a:xfrm>
+          <a:prstGeom prst="rect">
+            <a:avLst/>
+          </a:prstGeom>
+          <a:solidFill>
+            <a:schemeClr val="accent1">
+              <a:lumMod val="20000"/>
+              <a:lumOff val="80000"/>
+            </a:schemeClr>
+          </a:solidFill>
+        </p:spPr>
+        <p:style>
+          <a:lnRef idx="2">
+            <a:schemeClr val="accent1">
+              <a:shade val="50000"/>
+            </a:schemeClr>
+          </a:lnRef>
+          <a:fillRef idx="1">
+            <a:schemeClr val="accent1"/>
+          </a:fillRef>
+          <a:effectRef idx="0">
+            <a:schemeClr val="accent1"/>
+          </a:effectRef>
+          <a:fontRef idx="minor">
+            <a:schemeClr val="lt1"/>
+          </a:fontRef>
+        </p:style>
+        <p:txBody>
+          <a:bodyPr rtlCol="0" anchor="ctr"/>
+          <a:lstStyle/>
+          <a:p>
+            <a:pPr algn="ctr"/>
+            <a:endParaRPr lang="de-DE"/>
+          </a:p>
+        </p:txBody>
+      </p:sp>
+      <p:sp>
+        <p:nvSpPr>
+          <p:cNvPr id="2" name="Rechteck 1">
+            <a:extLst>
+              <a:ext uri="{FF2B5EF4-FFF2-40B4-BE49-F238E27FC236}">
+                <a16:creationId xmlns:a16="http://schemas.microsoft.com/office/drawing/2014/main" id="{B793B692-EA57-9663-72DD-3E1BE3E30AB8}"/>
+              </a:ext>
+            </a:extLst>
+          </p:cNvPr>
+          <p:cNvSpPr/>
+          <p:nvPr/>
+        </p:nvSpPr>
+        <p:spPr>
+          <a:xfrm>
+            <a:off x="7349937" y="3114791"/>
+            <a:ext cx="3029803" cy="2032673"/>
+          </a:xfrm>
+          <a:prstGeom prst="rect">
+            <a:avLst/>
+          </a:prstGeom>
+          <a:solidFill>
+            <a:schemeClr val="accent1">
+              <a:lumMod val="40000"/>
+              <a:lumOff val="60000"/>
+            </a:schemeClr>
+          </a:solidFill>
+        </p:spPr>
+        <p:style>
+          <a:lnRef idx="2">
+            <a:schemeClr val="accent1">
+              <a:shade val="50000"/>
+            </a:schemeClr>
+          </a:lnRef>
+          <a:fillRef idx="1">
+            <a:schemeClr val="accent1"/>
+          </a:fillRef>
+          <a:effectRef idx="0">
+            <a:schemeClr val="accent1"/>
+          </a:effectRef>
+          <a:fontRef idx="minor">
+            <a:schemeClr val="lt1"/>
+          </a:fontRef>
+        </p:style>
+        <p:txBody>
+          <a:bodyPr rtlCol="0" anchor="ctr"/>
+          <a:lstStyle/>
+          <a:p>
+            <a:pPr algn="ctr"/>
+            <a:endParaRPr lang="de-DE" dirty="0"/>
+          </a:p>
+        </p:txBody>
+      </p:sp>
+      <p:sp>
+        <p:nvSpPr>
+          <p:cNvPr id="3" name="Textfeld 2">
+            <a:extLst>
+              <a:ext uri="{FF2B5EF4-FFF2-40B4-BE49-F238E27FC236}">
+                <a16:creationId xmlns:a16="http://schemas.microsoft.com/office/drawing/2014/main" id="{FEFFED6A-7C71-D1EA-64A4-30DDD64C85F8}"/>
+              </a:ext>
+            </a:extLst>
+          </p:cNvPr>
+          <p:cNvSpPr txBox="1"/>
+          <p:nvPr/>
+        </p:nvSpPr>
+        <p:spPr>
+          <a:xfrm>
+            <a:off x="7903194" y="3244334"/>
+            <a:ext cx="1274580" cy="369332"/>
+          </a:xfrm>
+          <a:prstGeom prst="rect">
+            <a:avLst/>
+          </a:prstGeom>
+          <a:noFill/>
+        </p:spPr>
+        <p:txBody>
+          <a:bodyPr wrap="none" rtlCol="0">
+            <a:spAutoFit/>
+          </a:bodyPr>
+          <a:lstStyle/>
+          <a:p>
+            <a:r>
+              <a:rPr lang="de-DE" dirty="0"/>
+              <a:t>Container 1</a:t>
+            </a:r>
+          </a:p>
+        </p:txBody>
+      </p:sp>
+      <p:sp>
+        <p:nvSpPr>
+          <p:cNvPr id="11" name="Rechteck 10">
+            <a:extLst>
+              <a:ext uri="{FF2B5EF4-FFF2-40B4-BE49-F238E27FC236}">
+                <a16:creationId xmlns:a16="http://schemas.microsoft.com/office/drawing/2014/main" id="{430C7F14-FE0A-2A9A-875A-FE6B06E395EA}"/>
+              </a:ext>
+            </a:extLst>
+          </p:cNvPr>
+          <p:cNvSpPr/>
+          <p:nvPr/>
+        </p:nvSpPr>
+        <p:spPr>
+          <a:xfrm>
+            <a:off x="7678297" y="3647794"/>
+            <a:ext cx="2373085" cy="1404257"/>
+          </a:xfrm>
+          <a:prstGeom prst="rect">
+            <a:avLst/>
+          </a:prstGeom>
+          <a:solidFill>
+            <a:schemeClr val="accent6"/>
+          </a:solidFill>
+        </p:spPr>
+        <p:style>
+          <a:lnRef idx="2">
+            <a:schemeClr val="accent1">
+              <a:shade val="50000"/>
+            </a:schemeClr>
+          </a:lnRef>
+          <a:fillRef idx="1">
+            <a:schemeClr val="accent1"/>
+          </a:fillRef>
+          <a:effectRef idx="0">
+            <a:schemeClr val="accent1"/>
+          </a:effectRef>
+          <a:fontRef idx="minor">
+            <a:schemeClr val="lt1"/>
+          </a:fontRef>
+        </p:style>
+        <p:txBody>
+          <a:bodyPr rtlCol="0" anchor="ctr"/>
+          <a:lstStyle/>
+          <a:p>
+            <a:pPr algn="ctr"/>
+            <a:r>
+              <a:rPr lang="de-DE" dirty="0"/>
+              <a:t>Datenbank</a:t>
+            </a:r>
+          </a:p>
+        </p:txBody>
+      </p:sp>
+      <p:cxnSp>
+        <p:nvCxnSpPr>
+          <p:cNvPr id="13" name="Gerade Verbindung mit Pfeil 12">
+            <a:extLst>
+              <a:ext uri="{FF2B5EF4-FFF2-40B4-BE49-F238E27FC236}">
+                <a16:creationId xmlns:a16="http://schemas.microsoft.com/office/drawing/2014/main" id="{96B270E3-22BA-C088-1968-C4CEDE244AD3}"/>
+              </a:ext>
+            </a:extLst>
+          </p:cNvPr>
+          <p:cNvCxnSpPr>
+            <a:stCxn id="10" idx="3"/>
+            <a:endCxn id="11" idx="1"/>
+          </p:cNvCxnSpPr>
+          <p:nvPr/>
+        </p:nvCxnSpPr>
+        <p:spPr>
+          <a:xfrm>
+            <a:off x="5475514" y="4131129"/>
+            <a:ext cx="2202783" cy="218794"/>
+          </a:xfrm>
+          <a:prstGeom prst="straightConnector1">
+            <a:avLst/>
+          </a:prstGeom>
+          <a:ln w="38100">
+            <a:solidFill>
+              <a:srgbClr val="FF0000"/>
+            </a:solidFill>
+            <a:tailEnd type="triangle"/>
+          </a:ln>
+        </p:spPr>
+        <p:style>
+          <a:lnRef idx="1">
+            <a:schemeClr val="accent1"/>
+          </a:lnRef>
+          <a:fillRef idx="0">
+            <a:schemeClr val="accent1"/>
+          </a:fillRef>
+          <a:effectRef idx="0">
+            <a:schemeClr val="accent1"/>
+          </a:effectRef>
+          <a:fontRef idx="minor">
+            <a:schemeClr val="tx1"/>
+          </a:fontRef>
+        </p:style>
+      </p:cxnSp>
+      <p:sp>
+        <p:nvSpPr>
+          <p:cNvPr id="5" name="Textfeld 4">
+            <a:extLst>
+              <a:ext uri="{FF2B5EF4-FFF2-40B4-BE49-F238E27FC236}">
+                <a16:creationId xmlns:a16="http://schemas.microsoft.com/office/drawing/2014/main" id="{8C61BD20-7A5C-E96C-4542-AC868DA6C617}"/>
+              </a:ext>
+            </a:extLst>
+          </p:cNvPr>
+          <p:cNvSpPr txBox="1"/>
+          <p:nvPr/>
+        </p:nvSpPr>
+        <p:spPr>
+          <a:xfrm>
+            <a:off x="8338505" y="2758295"/>
+            <a:ext cx="839269" cy="369332"/>
+          </a:xfrm>
+          <a:prstGeom prst="rect">
+            <a:avLst/>
+          </a:prstGeom>
+          <a:noFill/>
+        </p:spPr>
+        <p:txBody>
+          <a:bodyPr wrap="none" rtlCol="0">
+            <a:spAutoFit/>
+          </a:bodyPr>
+          <a:lstStyle/>
+          <a:p>
+            <a:r>
+              <a:rPr lang="de-DE" dirty="0"/>
+              <a:t>Docker</a:t>
+            </a:r>
+          </a:p>
+        </p:txBody>
+      </p:sp>
+      <p:sp>
+        <p:nvSpPr>
+          <p:cNvPr id="6" name="Textfeld 5">
+            <a:extLst>
+              <a:ext uri="{FF2B5EF4-FFF2-40B4-BE49-F238E27FC236}">
+                <a16:creationId xmlns:a16="http://schemas.microsoft.com/office/drawing/2014/main" id="{62ECC9DC-FAA1-9470-E01E-AD3E4ADE45AC}"/>
+              </a:ext>
+            </a:extLst>
+          </p:cNvPr>
+          <p:cNvSpPr txBox="1"/>
+          <p:nvPr/>
+        </p:nvSpPr>
+        <p:spPr>
+          <a:xfrm>
+            <a:off x="6884451" y="4331655"/>
+            <a:ext cx="652743" cy="369332"/>
+          </a:xfrm>
+          <a:prstGeom prst="rect">
+            <a:avLst/>
+          </a:prstGeom>
+          <a:noFill/>
+        </p:spPr>
+        <p:txBody>
+          <a:bodyPr wrap="none" rtlCol="0">
+            <a:spAutoFit/>
+          </a:bodyPr>
+          <a:lstStyle/>
+          <a:p>
+            <a:r>
+              <a:rPr lang="de-DE" dirty="0"/>
+              <a:t>5432</a:t>
+            </a:r>
+          </a:p>
+        </p:txBody>
+      </p:sp>
+      <p:sp>
+        <p:nvSpPr>
+          <p:cNvPr id="7" name="Textfeld 6">
+            <a:extLst>
+              <a:ext uri="{FF2B5EF4-FFF2-40B4-BE49-F238E27FC236}">
+                <a16:creationId xmlns:a16="http://schemas.microsoft.com/office/drawing/2014/main" id="{BB698380-BB82-054A-3110-1DD2609B9D43}"/>
+              </a:ext>
+            </a:extLst>
+          </p:cNvPr>
+          <p:cNvSpPr txBox="1"/>
+          <p:nvPr/>
+        </p:nvSpPr>
+        <p:spPr>
+          <a:xfrm>
+            <a:off x="5759571" y="3761795"/>
+            <a:ext cx="652743" cy="369332"/>
+          </a:xfrm>
+          <a:prstGeom prst="rect">
+            <a:avLst/>
+          </a:prstGeom>
+          <a:noFill/>
+        </p:spPr>
+        <p:txBody>
+          <a:bodyPr wrap="none" rtlCol="0">
+            <a:spAutoFit/>
+          </a:bodyPr>
+          <a:lstStyle/>
+          <a:p>
+            <a:r>
+              <a:rPr lang="de-DE" dirty="0"/>
+              <a:t>5432</a:t>
+            </a:r>
+          </a:p>
+        </p:txBody>
+      </p:sp>
+      <p:sp>
+        <p:nvSpPr>
+          <p:cNvPr id="16" name="Textfeld 15">
+            <a:extLst>
+              <a:ext uri="{FF2B5EF4-FFF2-40B4-BE49-F238E27FC236}">
+                <a16:creationId xmlns:a16="http://schemas.microsoft.com/office/drawing/2014/main" id="{80057846-A6B7-E451-FB47-CFCC3D61FE18}"/>
+              </a:ext>
+            </a:extLst>
+          </p:cNvPr>
+          <p:cNvSpPr txBox="1"/>
+          <p:nvPr/>
+        </p:nvSpPr>
+        <p:spPr>
+          <a:xfrm>
+            <a:off x="1812260" y="436728"/>
+            <a:ext cx="7229158" cy="646331"/>
+          </a:xfrm>
+          <a:prstGeom prst="rect">
+            <a:avLst/>
+          </a:prstGeom>
+          <a:noFill/>
+        </p:spPr>
+        <p:txBody>
+          <a:bodyPr wrap="none" rtlCol="0">
+            <a:spAutoFit/>
+          </a:bodyPr>
+          <a:lstStyle/>
+          <a:p>
+            <a:r>
+              <a:rPr lang="de-DE" dirty="0"/>
+              <a:t>Jeder Docker-Container verhält sich wie eine eigenständige Linux-Maschine</a:t>
+            </a:r>
+            <a:br>
+              <a:rPr lang="de-DE" dirty="0"/>
+            </a:br>
+            <a:r>
+              <a:rPr lang="de-DE" dirty="0"/>
+              <a:t>(nutzt Linux-Kernel-Virtualisierung)</a:t>
+            </a:r>
+          </a:p>
+        </p:txBody>
+      </p:sp>
+      <p:sp>
+        <p:nvSpPr>
+          <p:cNvPr id="17" name="Rechteck 16">
+            <a:extLst>
+              <a:ext uri="{FF2B5EF4-FFF2-40B4-BE49-F238E27FC236}">
+                <a16:creationId xmlns:a16="http://schemas.microsoft.com/office/drawing/2014/main" id="{68E783D0-D70F-3293-8013-1FC1A2F55871}"/>
+              </a:ext>
+            </a:extLst>
+          </p:cNvPr>
+          <p:cNvSpPr/>
+          <p:nvPr/>
+        </p:nvSpPr>
+        <p:spPr>
+          <a:xfrm>
+            <a:off x="3051361" y="1875518"/>
+            <a:ext cx="2373085" cy="751514"/>
+          </a:xfrm>
+          <a:prstGeom prst="rect">
+            <a:avLst/>
+          </a:prstGeom>
+          <a:solidFill>
+            <a:schemeClr val="accent6"/>
+          </a:solidFill>
+        </p:spPr>
+        <p:style>
+          <a:lnRef idx="2">
+            <a:schemeClr val="accent1">
+              <a:shade val="50000"/>
+            </a:schemeClr>
+          </a:lnRef>
+          <a:fillRef idx="1">
+            <a:schemeClr val="accent1"/>
+          </a:fillRef>
+          <a:effectRef idx="0">
+            <a:schemeClr val="accent1"/>
+          </a:effectRef>
+          <a:fontRef idx="minor">
+            <a:schemeClr val="lt1"/>
+          </a:fontRef>
+        </p:style>
+        <p:txBody>
+          <a:bodyPr rtlCol="0" anchor="ctr"/>
+          <a:lstStyle/>
+          <a:p>
+            <a:pPr algn="ctr"/>
+            <a:r>
+              <a:rPr lang="de-DE" dirty="0"/>
+              <a:t>Browser</a:t>
+            </a:r>
+          </a:p>
+        </p:txBody>
+      </p:sp>
+      <p:cxnSp>
+        <p:nvCxnSpPr>
+          <p:cNvPr id="18" name="Gerade Verbindung mit Pfeil 17">
+            <a:extLst>
+              <a:ext uri="{FF2B5EF4-FFF2-40B4-BE49-F238E27FC236}">
+                <a16:creationId xmlns:a16="http://schemas.microsoft.com/office/drawing/2014/main" id="{9A1A92FD-F215-DABE-0B7D-934A72A16C55}"/>
+              </a:ext>
+            </a:extLst>
+          </p:cNvPr>
+          <p:cNvCxnSpPr>
+            <a:cxnSpLocks/>
+            <a:stCxn id="17" idx="2"/>
+            <a:endCxn id="10" idx="0"/>
+          </p:cNvCxnSpPr>
+          <p:nvPr/>
+        </p:nvCxnSpPr>
+        <p:spPr>
+          <a:xfrm>
+            <a:off x="4237904" y="2627032"/>
+            <a:ext cx="51068" cy="801968"/>
+          </a:xfrm>
+          <a:prstGeom prst="straightConnector1">
+            <a:avLst/>
+          </a:prstGeom>
+          <a:ln w="38100">
+            <a:solidFill>
+              <a:srgbClr val="FF0000"/>
+            </a:solidFill>
+            <a:tailEnd type="triangle"/>
+          </a:ln>
+        </p:spPr>
+        <p:style>
+          <a:lnRef idx="1">
+            <a:schemeClr val="accent1"/>
+          </a:lnRef>
+          <a:fillRef idx="0">
+            <a:schemeClr val="accent1"/>
+          </a:fillRef>
+          <a:effectRef idx="0">
+            <a:schemeClr val="accent1"/>
+          </a:effectRef>
+          <a:fontRef idx="minor">
+            <a:schemeClr val="tx1"/>
+          </a:fontRef>
+        </p:style>
+      </p:cxnSp>
+      <p:sp>
+        <p:nvSpPr>
+          <p:cNvPr id="23" name="Textfeld 22">
+            <a:extLst>
+              <a:ext uri="{FF2B5EF4-FFF2-40B4-BE49-F238E27FC236}">
+                <a16:creationId xmlns:a16="http://schemas.microsoft.com/office/drawing/2014/main" id="{75BC5FA8-EC54-8AEF-5341-8C398DDC8215}"/>
+              </a:ext>
+            </a:extLst>
+          </p:cNvPr>
+          <p:cNvSpPr txBox="1"/>
+          <p:nvPr/>
+        </p:nvSpPr>
+        <p:spPr>
+          <a:xfrm>
+            <a:off x="4282766" y="3086030"/>
+            <a:ext cx="652743" cy="369332"/>
+          </a:xfrm>
+          <a:prstGeom prst="rect">
+            <a:avLst/>
+          </a:prstGeom>
+          <a:noFill/>
+        </p:spPr>
+        <p:txBody>
+          <a:bodyPr wrap="none" rtlCol="0">
+            <a:spAutoFit/>
+          </a:bodyPr>
+          <a:lstStyle/>
+          <a:p>
+            <a:r>
+              <a:rPr lang="de-DE" dirty="0"/>
+              <a:t>8080</a:t>
+            </a:r>
+          </a:p>
+        </p:txBody>
+      </p:sp>
+    </p:spTree>
+    <p:extLst>
+      <p:ext uri="{BB962C8B-B14F-4D97-AF65-F5344CB8AC3E}">
+        <p14:creationId xmlns:p14="http://schemas.microsoft.com/office/powerpoint/2010/main" val="3492998218"/>
+      </p:ext>
+    </p:extLst>
+  </p:cSld>
+  <p:clrMapOvr>
+    <a:masterClrMapping/>
+  </p:clrMapOvr>
+</p:sld>
+</file>
+
+<file path=ppt/slides/slide53.xml><?xml version="1.0" encoding="utf-8"?>
+<p:sld xmlns:a="http://schemas.openxmlformats.org/drawingml/2006/main" xmlns:r="http://schemas.openxmlformats.org/officeDocument/2006/relationships" xmlns:p="http://schemas.openxmlformats.org/presentationml/2006/main">
+  <p:cSld>
+    <p:spTree>
+      <p:nvGrpSpPr>
+        <p:cNvPr id="1" name=""/>
+        <p:cNvGrpSpPr/>
+        <p:nvPr/>
+      </p:nvGrpSpPr>
+      <p:grpSpPr>
+        <a:xfrm>
+          <a:off x="0" y="0"/>
+          <a:ext cx="0" cy="0"/>
+          <a:chOff x="0" y="0"/>
+          <a:chExt cx="0" cy="0"/>
+        </a:xfrm>
+      </p:grpSpPr>
+      <p:sp>
+        <p:nvSpPr>
+          <p:cNvPr id="8" name="Rechteck 7">
+            <a:extLst>
+              <a:ext uri="{FF2B5EF4-FFF2-40B4-BE49-F238E27FC236}">
+                <a16:creationId xmlns:a16="http://schemas.microsoft.com/office/drawing/2014/main" id="{FD829AED-643C-1E44-321E-7E0865B6FEAB}"/>
+              </a:ext>
+            </a:extLst>
+          </p:cNvPr>
+          <p:cNvSpPr/>
+          <p:nvPr/>
+        </p:nvSpPr>
+        <p:spPr>
+          <a:xfrm>
+            <a:off x="1197429" y="1426029"/>
+            <a:ext cx="10689771" cy="5159828"/>
+          </a:xfrm>
+          <a:prstGeom prst="rect">
+            <a:avLst/>
+          </a:prstGeom>
+        </p:spPr>
+        <p:style>
+          <a:lnRef idx="2">
+            <a:schemeClr val="accent1">
+              <a:shade val="50000"/>
+            </a:schemeClr>
+          </a:lnRef>
+          <a:fillRef idx="1">
+            <a:schemeClr val="accent1"/>
+          </a:fillRef>
+          <a:effectRef idx="0">
+            <a:schemeClr val="accent1"/>
+          </a:effectRef>
+          <a:fontRef idx="minor">
+            <a:schemeClr val="lt1"/>
+          </a:fontRef>
+        </p:style>
+        <p:txBody>
+          <a:bodyPr rtlCol="0" anchor="ctr"/>
+          <a:lstStyle/>
+          <a:p>
+            <a:pPr algn="ctr"/>
+            <a:endParaRPr lang="de-DE" dirty="0"/>
+          </a:p>
+        </p:txBody>
+      </p:sp>
+      <p:sp>
+        <p:nvSpPr>
+          <p:cNvPr id="9" name="Textfeld 8">
+            <a:extLst>
+              <a:ext uri="{FF2B5EF4-FFF2-40B4-BE49-F238E27FC236}">
+                <a16:creationId xmlns:a16="http://schemas.microsoft.com/office/drawing/2014/main" id="{A68B0423-37BC-34B2-B50A-18A96AFF7160}"/>
+              </a:ext>
+            </a:extLst>
+          </p:cNvPr>
+          <p:cNvSpPr txBox="1"/>
+          <p:nvPr/>
+        </p:nvSpPr>
+        <p:spPr>
+          <a:xfrm>
+            <a:off x="5734689" y="1828801"/>
+            <a:ext cx="1615250" cy="369332"/>
+          </a:xfrm>
+          <a:prstGeom prst="rect">
+            <a:avLst/>
+          </a:prstGeom>
+          <a:noFill/>
+        </p:spPr>
+        <p:txBody>
+          <a:bodyPr wrap="none" rtlCol="0">
+            <a:spAutoFit/>
+          </a:bodyPr>
+          <a:lstStyle/>
+          <a:p>
+            <a:r>
+              <a:rPr lang="de-DE" dirty="0" err="1">
+                <a:solidFill>
+                  <a:schemeClr val="bg1"/>
+                </a:solidFill>
+              </a:rPr>
+              <a:t>MeinComputer</a:t>
+            </a:r>
+            <a:endParaRPr lang="de-DE" dirty="0">
+              <a:solidFill>
+                <a:schemeClr val="bg1"/>
+              </a:solidFill>
+            </a:endParaRPr>
+          </a:p>
+        </p:txBody>
+      </p:sp>
+      <p:sp>
+        <p:nvSpPr>
+          <p:cNvPr id="4" name="Rechteck 3">
+            <a:extLst>
+              <a:ext uri="{FF2B5EF4-FFF2-40B4-BE49-F238E27FC236}">
+                <a16:creationId xmlns:a16="http://schemas.microsoft.com/office/drawing/2014/main" id="{0976E51F-A6A9-C790-9430-3BC124426D1C}"/>
+              </a:ext>
+            </a:extLst>
+          </p:cNvPr>
+          <p:cNvSpPr/>
+          <p:nvPr/>
+        </p:nvSpPr>
+        <p:spPr>
+          <a:xfrm>
+            <a:off x="1812324" y="3046696"/>
+            <a:ext cx="9459979" cy="3398292"/>
+          </a:xfrm>
+          <a:prstGeom prst="rect">
+            <a:avLst/>
+          </a:prstGeom>
+          <a:solidFill>
+            <a:schemeClr val="accent1">
+              <a:lumMod val="20000"/>
+              <a:lumOff val="80000"/>
+            </a:schemeClr>
+          </a:solidFill>
+        </p:spPr>
+        <p:style>
+          <a:lnRef idx="2">
+            <a:schemeClr val="accent1">
+              <a:shade val="50000"/>
+            </a:schemeClr>
+          </a:lnRef>
+          <a:fillRef idx="1">
+            <a:schemeClr val="accent1"/>
+          </a:fillRef>
+          <a:effectRef idx="0">
+            <a:schemeClr val="accent1"/>
+          </a:effectRef>
+          <a:fontRef idx="minor">
+            <a:schemeClr val="lt1"/>
+          </a:fontRef>
+        </p:style>
+        <p:txBody>
+          <a:bodyPr rtlCol="0" anchor="ctr"/>
+          <a:lstStyle/>
+          <a:p>
+            <a:pPr algn="ctr"/>
+            <a:endParaRPr lang="de-DE"/>
+          </a:p>
+        </p:txBody>
+      </p:sp>
+      <p:sp>
+        <p:nvSpPr>
+          <p:cNvPr id="2" name="Rechteck 1">
+            <a:extLst>
+              <a:ext uri="{FF2B5EF4-FFF2-40B4-BE49-F238E27FC236}">
+                <a16:creationId xmlns:a16="http://schemas.microsoft.com/office/drawing/2014/main" id="{B793B692-EA57-9663-72DD-3E1BE3E30AB8}"/>
+              </a:ext>
+            </a:extLst>
+          </p:cNvPr>
+          <p:cNvSpPr/>
+          <p:nvPr/>
+        </p:nvSpPr>
+        <p:spPr>
+          <a:xfrm>
+            <a:off x="7021643" y="3568412"/>
+            <a:ext cx="3029803" cy="2032673"/>
+          </a:xfrm>
+          <a:prstGeom prst="rect">
+            <a:avLst/>
+          </a:prstGeom>
+          <a:solidFill>
+            <a:schemeClr val="accent1">
+              <a:lumMod val="40000"/>
+              <a:lumOff val="60000"/>
+            </a:schemeClr>
+          </a:solidFill>
+        </p:spPr>
+        <p:style>
+          <a:lnRef idx="2">
+            <a:schemeClr val="accent1">
+              <a:shade val="50000"/>
+            </a:schemeClr>
+          </a:lnRef>
+          <a:fillRef idx="1">
+            <a:schemeClr val="accent1"/>
+          </a:fillRef>
+          <a:effectRef idx="0">
+            <a:schemeClr val="accent1"/>
+          </a:effectRef>
+          <a:fontRef idx="minor">
+            <a:schemeClr val="lt1"/>
+          </a:fontRef>
+        </p:style>
+        <p:txBody>
+          <a:bodyPr rtlCol="0" anchor="ctr"/>
+          <a:lstStyle/>
+          <a:p>
+            <a:pPr algn="ctr"/>
+            <a:endParaRPr lang="de-DE" dirty="0"/>
+          </a:p>
+        </p:txBody>
+      </p:sp>
+      <p:sp>
+        <p:nvSpPr>
+          <p:cNvPr id="12" name="Rechteck 11">
+            <a:extLst>
+              <a:ext uri="{FF2B5EF4-FFF2-40B4-BE49-F238E27FC236}">
+                <a16:creationId xmlns:a16="http://schemas.microsoft.com/office/drawing/2014/main" id="{6C4CF849-464A-1C85-BE35-B353E9AE870C}"/>
+              </a:ext>
+            </a:extLst>
+          </p:cNvPr>
+          <p:cNvSpPr/>
+          <p:nvPr/>
+        </p:nvSpPr>
+        <p:spPr>
+          <a:xfrm>
+            <a:off x="2445776" y="3568411"/>
+            <a:ext cx="3029803" cy="2032673"/>
+          </a:xfrm>
+          <a:prstGeom prst="rect">
+            <a:avLst/>
+          </a:prstGeom>
+          <a:solidFill>
+            <a:schemeClr val="accent1">
+              <a:lumMod val="40000"/>
+              <a:lumOff val="60000"/>
+            </a:schemeClr>
+          </a:solidFill>
+        </p:spPr>
+        <p:style>
+          <a:lnRef idx="2">
+            <a:schemeClr val="accent1">
+              <a:shade val="50000"/>
+            </a:schemeClr>
+          </a:lnRef>
+          <a:fillRef idx="1">
+            <a:schemeClr val="accent1"/>
+          </a:fillRef>
+          <a:effectRef idx="0">
+            <a:schemeClr val="accent1"/>
+          </a:effectRef>
+          <a:fontRef idx="minor">
+            <a:schemeClr val="lt1"/>
+          </a:fontRef>
+        </p:style>
+        <p:txBody>
+          <a:bodyPr rtlCol="0" anchor="ctr"/>
+          <a:lstStyle/>
+          <a:p>
+            <a:pPr algn="ctr"/>
+            <a:endParaRPr lang="de-DE" dirty="0"/>
+          </a:p>
+        </p:txBody>
+      </p:sp>
+      <p:sp>
+        <p:nvSpPr>
+          <p:cNvPr id="3" name="Textfeld 2">
+            <a:extLst>
+              <a:ext uri="{FF2B5EF4-FFF2-40B4-BE49-F238E27FC236}">
+                <a16:creationId xmlns:a16="http://schemas.microsoft.com/office/drawing/2014/main" id="{FEFFED6A-7C71-D1EA-64A4-30DDD64C85F8}"/>
+              </a:ext>
+            </a:extLst>
+          </p:cNvPr>
+          <p:cNvSpPr txBox="1"/>
+          <p:nvPr/>
+        </p:nvSpPr>
+        <p:spPr>
+          <a:xfrm>
+            <a:off x="7574900" y="3697955"/>
+            <a:ext cx="428322" cy="369332"/>
+          </a:xfrm>
+          <a:prstGeom prst="rect">
+            <a:avLst/>
+          </a:prstGeom>
+          <a:noFill/>
+        </p:spPr>
+        <p:txBody>
+          <a:bodyPr wrap="none" rtlCol="0">
+            <a:spAutoFit/>
+          </a:bodyPr>
+          <a:lstStyle/>
+          <a:p>
+            <a:r>
+              <a:rPr lang="de-DE" dirty="0" err="1"/>
+              <a:t>db</a:t>
+            </a:r>
+            <a:endParaRPr lang="de-DE" dirty="0"/>
+          </a:p>
+        </p:txBody>
+      </p:sp>
+      <p:sp>
+        <p:nvSpPr>
+          <p:cNvPr id="11" name="Rechteck 10">
+            <a:extLst>
+              <a:ext uri="{FF2B5EF4-FFF2-40B4-BE49-F238E27FC236}">
+                <a16:creationId xmlns:a16="http://schemas.microsoft.com/office/drawing/2014/main" id="{430C7F14-FE0A-2A9A-875A-FE6B06E395EA}"/>
+              </a:ext>
+            </a:extLst>
+          </p:cNvPr>
+          <p:cNvSpPr/>
+          <p:nvPr/>
+        </p:nvSpPr>
+        <p:spPr>
+          <a:xfrm>
+            <a:off x="7350003" y="4101415"/>
+            <a:ext cx="2373085" cy="1404257"/>
+          </a:xfrm>
+          <a:prstGeom prst="rect">
+            <a:avLst/>
+          </a:prstGeom>
+          <a:solidFill>
+            <a:schemeClr val="accent6"/>
+          </a:solidFill>
+        </p:spPr>
+        <p:style>
+          <a:lnRef idx="2">
+            <a:schemeClr val="accent1">
+              <a:shade val="50000"/>
+            </a:schemeClr>
+          </a:lnRef>
+          <a:fillRef idx="1">
+            <a:schemeClr val="accent1"/>
+          </a:fillRef>
+          <a:effectRef idx="0">
+            <a:schemeClr val="accent1"/>
+          </a:effectRef>
+          <a:fontRef idx="minor">
+            <a:schemeClr val="lt1"/>
+          </a:fontRef>
+        </p:style>
+        <p:txBody>
+          <a:bodyPr rtlCol="0" anchor="ctr"/>
+          <a:lstStyle/>
+          <a:p>
+            <a:pPr algn="ctr"/>
+            <a:r>
+              <a:rPr lang="de-DE" dirty="0"/>
+              <a:t>Datenbank</a:t>
+            </a:r>
+          </a:p>
+        </p:txBody>
+      </p:sp>
+      <p:cxnSp>
+        <p:nvCxnSpPr>
+          <p:cNvPr id="13" name="Gerade Verbindung mit Pfeil 12">
+            <a:extLst>
+              <a:ext uri="{FF2B5EF4-FFF2-40B4-BE49-F238E27FC236}">
+                <a16:creationId xmlns:a16="http://schemas.microsoft.com/office/drawing/2014/main" id="{96B270E3-22BA-C088-1968-C4CEDE244AD3}"/>
+              </a:ext>
+            </a:extLst>
+          </p:cNvPr>
+          <p:cNvCxnSpPr>
+            <a:cxnSpLocks/>
+          </p:cNvCxnSpPr>
+          <p:nvPr/>
+        </p:nvCxnSpPr>
+        <p:spPr>
+          <a:xfrm flipH="1">
+            <a:off x="5447794" y="4005943"/>
+            <a:ext cx="724981" cy="0"/>
+          </a:xfrm>
+          <a:prstGeom prst="straightConnector1">
+            <a:avLst/>
+          </a:prstGeom>
+          <a:ln w="38100">
+            <a:solidFill>
+              <a:srgbClr val="FF0000"/>
+            </a:solidFill>
+            <a:tailEnd type="triangle"/>
+          </a:ln>
+        </p:spPr>
+        <p:style>
+          <a:lnRef idx="1">
+            <a:schemeClr val="accent1"/>
+          </a:lnRef>
+          <a:fillRef idx="0">
+            <a:schemeClr val="accent1"/>
+          </a:fillRef>
+          <a:effectRef idx="0">
+            <a:schemeClr val="accent1"/>
+          </a:effectRef>
+          <a:fontRef idx="minor">
+            <a:schemeClr val="tx1"/>
+          </a:fontRef>
+        </p:style>
+      </p:cxnSp>
+      <p:sp>
+        <p:nvSpPr>
+          <p:cNvPr id="5" name="Textfeld 4">
+            <a:extLst>
+              <a:ext uri="{FF2B5EF4-FFF2-40B4-BE49-F238E27FC236}">
+                <a16:creationId xmlns:a16="http://schemas.microsoft.com/office/drawing/2014/main" id="{8C61BD20-7A5C-E96C-4542-AC868DA6C617}"/>
+              </a:ext>
+            </a:extLst>
+          </p:cNvPr>
+          <p:cNvSpPr txBox="1"/>
+          <p:nvPr/>
+        </p:nvSpPr>
+        <p:spPr>
+          <a:xfrm>
+            <a:off x="5703044" y="3103144"/>
+            <a:ext cx="839269" cy="369332"/>
+          </a:xfrm>
+          <a:prstGeom prst="rect">
+            <a:avLst/>
+          </a:prstGeom>
+          <a:noFill/>
+        </p:spPr>
+        <p:txBody>
+          <a:bodyPr wrap="none" rtlCol="0">
+            <a:spAutoFit/>
+          </a:bodyPr>
+          <a:lstStyle/>
+          <a:p>
+            <a:r>
+              <a:rPr lang="de-DE" dirty="0"/>
+              <a:t>Docker</a:t>
+            </a:r>
+          </a:p>
+        </p:txBody>
+      </p:sp>
+      <p:sp>
+        <p:nvSpPr>
+          <p:cNvPr id="10" name="Rechteck 9">
+            <a:extLst>
+              <a:ext uri="{FF2B5EF4-FFF2-40B4-BE49-F238E27FC236}">
+                <a16:creationId xmlns:a16="http://schemas.microsoft.com/office/drawing/2014/main" id="{F703253C-59DE-F7F3-A2A3-7F96B2641A70}"/>
+              </a:ext>
+            </a:extLst>
+          </p:cNvPr>
+          <p:cNvSpPr/>
+          <p:nvPr/>
+        </p:nvSpPr>
+        <p:spPr>
+          <a:xfrm>
+            <a:off x="2774135" y="3882621"/>
+            <a:ext cx="2373085" cy="1404257"/>
+          </a:xfrm>
+          <a:prstGeom prst="rect">
+            <a:avLst/>
+          </a:prstGeom>
+          <a:solidFill>
+            <a:schemeClr val="accent6"/>
+          </a:solidFill>
+        </p:spPr>
+        <p:style>
+          <a:lnRef idx="2">
+            <a:schemeClr val="accent1">
+              <a:shade val="50000"/>
+            </a:schemeClr>
+          </a:lnRef>
+          <a:fillRef idx="1">
+            <a:schemeClr val="accent1"/>
+          </a:fillRef>
+          <a:effectRef idx="0">
+            <a:schemeClr val="accent1"/>
+          </a:effectRef>
+          <a:fontRef idx="minor">
+            <a:schemeClr val="lt1"/>
+          </a:fontRef>
+        </p:style>
+        <p:txBody>
+          <a:bodyPr rtlCol="0" anchor="ctr"/>
+          <a:lstStyle/>
+          <a:p>
+            <a:pPr algn="ctr"/>
+            <a:r>
+              <a:rPr lang="de-DE" dirty="0"/>
+              <a:t>Person </a:t>
+            </a:r>
+            <a:r>
+              <a:rPr lang="de-DE" dirty="0" err="1"/>
+              <a:t>microservice</a:t>
+            </a:r>
+            <a:endParaRPr lang="de-DE" dirty="0"/>
+          </a:p>
+        </p:txBody>
+      </p:sp>
+      <p:sp>
+        <p:nvSpPr>
+          <p:cNvPr id="16" name="Textfeld 15">
+            <a:extLst>
+              <a:ext uri="{FF2B5EF4-FFF2-40B4-BE49-F238E27FC236}">
+                <a16:creationId xmlns:a16="http://schemas.microsoft.com/office/drawing/2014/main" id="{A7173BF9-E884-40FD-ED09-7955AC71F222}"/>
+              </a:ext>
+            </a:extLst>
+          </p:cNvPr>
+          <p:cNvSpPr txBox="1"/>
+          <p:nvPr/>
+        </p:nvSpPr>
+        <p:spPr>
+          <a:xfrm>
+            <a:off x="3525202" y="3494399"/>
+            <a:ext cx="1269194" cy="369332"/>
+          </a:xfrm>
+          <a:prstGeom prst="rect">
+            <a:avLst/>
+          </a:prstGeom>
+          <a:noFill/>
+        </p:spPr>
+        <p:txBody>
+          <a:bodyPr wrap="none" rtlCol="0">
+            <a:spAutoFit/>
+          </a:bodyPr>
+          <a:lstStyle/>
+          <a:p>
+            <a:r>
+              <a:rPr lang="de-DE" dirty="0"/>
+              <a:t>Java-starter</a:t>
+            </a:r>
+          </a:p>
+        </p:txBody>
+      </p:sp>
+      <p:sp>
+        <p:nvSpPr>
+          <p:cNvPr id="17" name="Rechteck 16">
+            <a:extLst>
+              <a:ext uri="{FF2B5EF4-FFF2-40B4-BE49-F238E27FC236}">
+                <a16:creationId xmlns:a16="http://schemas.microsoft.com/office/drawing/2014/main" id="{FAC8843C-E156-2013-39F6-279162EC4858}"/>
+              </a:ext>
+            </a:extLst>
+          </p:cNvPr>
+          <p:cNvSpPr/>
+          <p:nvPr/>
+        </p:nvSpPr>
+        <p:spPr>
+          <a:xfrm>
+            <a:off x="2953073" y="1684361"/>
+            <a:ext cx="2169617" cy="628447"/>
+          </a:xfrm>
+          <a:prstGeom prst="rect">
+            <a:avLst/>
+          </a:prstGeom>
+          <a:solidFill>
+            <a:schemeClr val="accent6"/>
+          </a:solidFill>
+        </p:spPr>
+        <p:style>
+          <a:lnRef idx="2">
+            <a:schemeClr val="accent1">
+              <a:shade val="50000"/>
+            </a:schemeClr>
+          </a:lnRef>
+          <a:fillRef idx="1">
+            <a:schemeClr val="accent1"/>
+          </a:fillRef>
+          <a:effectRef idx="0">
+            <a:schemeClr val="accent1"/>
+          </a:effectRef>
+          <a:fontRef idx="minor">
+            <a:schemeClr val="lt1"/>
+          </a:fontRef>
+        </p:style>
+        <p:txBody>
+          <a:bodyPr rtlCol="0" anchor="ctr"/>
+          <a:lstStyle/>
+          <a:p>
+            <a:pPr algn="ctr"/>
+            <a:r>
+              <a:rPr lang="de-DE" dirty="0"/>
+              <a:t>Browser</a:t>
+            </a:r>
+          </a:p>
+        </p:txBody>
+      </p:sp>
+      <p:sp>
+        <p:nvSpPr>
+          <p:cNvPr id="6" name="Rechteck 5">
+            <a:extLst>
+              <a:ext uri="{FF2B5EF4-FFF2-40B4-BE49-F238E27FC236}">
+                <a16:creationId xmlns:a16="http://schemas.microsoft.com/office/drawing/2014/main" id="{4C21BB95-9C8E-396A-BA72-0C7DD10E28BD}"/>
+              </a:ext>
+            </a:extLst>
+          </p:cNvPr>
+          <p:cNvSpPr/>
+          <p:nvPr/>
+        </p:nvSpPr>
+        <p:spPr>
+          <a:xfrm>
+            <a:off x="2791390" y="2627635"/>
+            <a:ext cx="4758844" cy="45719"/>
+          </a:xfrm>
+          <a:prstGeom prst="rect">
+            <a:avLst/>
+          </a:prstGeom>
+          <a:solidFill>
+            <a:schemeClr val="tx1"/>
+          </a:solidFill>
+        </p:spPr>
+        <p:style>
+          <a:lnRef idx="2">
+            <a:schemeClr val="accent1">
+              <a:shade val="50000"/>
+            </a:schemeClr>
+          </a:lnRef>
+          <a:fillRef idx="1">
+            <a:schemeClr val="accent1"/>
+          </a:fillRef>
+          <a:effectRef idx="0">
+            <a:schemeClr val="accent1"/>
+          </a:effectRef>
+          <a:fontRef idx="minor">
+            <a:schemeClr val="lt1"/>
+          </a:fontRef>
+        </p:style>
+        <p:txBody>
+          <a:bodyPr rtlCol="0" anchor="ctr"/>
+          <a:lstStyle/>
+          <a:p>
+            <a:pPr algn="ctr"/>
+            <a:endParaRPr lang="de-DE"/>
+          </a:p>
+        </p:txBody>
+      </p:sp>
+      <p:cxnSp>
+        <p:nvCxnSpPr>
+          <p:cNvPr id="19" name="Gerade Verbindung mit Pfeil 18">
+            <a:extLst>
+              <a:ext uri="{FF2B5EF4-FFF2-40B4-BE49-F238E27FC236}">
+                <a16:creationId xmlns:a16="http://schemas.microsoft.com/office/drawing/2014/main" id="{530BFEF6-AB67-1116-F56A-EE5D0894EA83}"/>
+              </a:ext>
+            </a:extLst>
+          </p:cNvPr>
+          <p:cNvCxnSpPr>
+            <a:cxnSpLocks/>
+            <a:stCxn id="17" idx="2"/>
+          </p:cNvCxnSpPr>
+          <p:nvPr/>
+        </p:nvCxnSpPr>
+        <p:spPr>
+          <a:xfrm>
+            <a:off x="4037882" y="2312808"/>
+            <a:ext cx="0" cy="360546"/>
+          </a:xfrm>
+          <a:prstGeom prst="straightConnector1">
+            <a:avLst/>
+          </a:prstGeom>
+          <a:ln w="38100">
+            <a:solidFill>
+              <a:srgbClr val="FF0000"/>
+            </a:solidFill>
+            <a:tailEnd type="triangle"/>
+          </a:ln>
+        </p:spPr>
+        <p:style>
+          <a:lnRef idx="1">
+            <a:schemeClr val="accent1"/>
+          </a:lnRef>
+          <a:fillRef idx="0">
+            <a:schemeClr val="accent1"/>
+          </a:fillRef>
+          <a:effectRef idx="0">
+            <a:schemeClr val="accent1"/>
+          </a:effectRef>
+          <a:fontRef idx="minor">
+            <a:schemeClr val="tx1"/>
+          </a:fontRef>
+        </p:style>
+      </p:cxnSp>
+      <p:sp>
+        <p:nvSpPr>
+          <p:cNvPr id="24" name="Textfeld 23">
+            <a:extLst>
+              <a:ext uri="{FF2B5EF4-FFF2-40B4-BE49-F238E27FC236}">
+                <a16:creationId xmlns:a16="http://schemas.microsoft.com/office/drawing/2014/main" id="{0D1075ED-7B9F-3155-EC11-6BC68FA80A84}"/>
+              </a:ext>
+            </a:extLst>
+          </p:cNvPr>
+          <p:cNvSpPr txBox="1"/>
+          <p:nvPr/>
+        </p:nvSpPr>
+        <p:spPr>
+          <a:xfrm>
+            <a:off x="4037881" y="2292883"/>
+            <a:ext cx="1026563" cy="646331"/>
+          </a:xfrm>
+          <a:prstGeom prst="rect">
+            <a:avLst/>
+          </a:prstGeom>
+          <a:noFill/>
+        </p:spPr>
+        <p:txBody>
+          <a:bodyPr wrap="none" rtlCol="0">
+            <a:spAutoFit/>
+          </a:bodyPr>
+          <a:lstStyle/>
+          <a:p>
+            <a:r>
+              <a:rPr lang="de-DE" dirty="0" err="1">
+                <a:solidFill>
+                  <a:srgbClr val="FF0000"/>
+                </a:solidFill>
+              </a:rPr>
+              <a:t>localhost</a:t>
+            </a:r>
+            <a:br>
+              <a:rPr lang="de-DE" dirty="0">
+                <a:solidFill>
+                  <a:srgbClr val="FF0000"/>
+                </a:solidFill>
+              </a:rPr>
+            </a:br>
+            <a:r>
+              <a:rPr lang="de-DE" dirty="0">
+                <a:solidFill>
+                  <a:srgbClr val="FF0000"/>
+                </a:solidFill>
+              </a:rPr>
+              <a:t>8080</a:t>
+            </a:r>
+          </a:p>
+        </p:txBody>
+      </p:sp>
+      <p:sp>
+        <p:nvSpPr>
+          <p:cNvPr id="26" name="Textfeld 25">
+            <a:extLst>
+              <a:ext uri="{FF2B5EF4-FFF2-40B4-BE49-F238E27FC236}">
+                <a16:creationId xmlns:a16="http://schemas.microsoft.com/office/drawing/2014/main" id="{AEFBDB9A-8EF0-0131-CC19-EAFE9A6F50BB}"/>
+              </a:ext>
+            </a:extLst>
+          </p:cNvPr>
+          <p:cNvSpPr txBox="1"/>
+          <p:nvPr/>
+        </p:nvSpPr>
+        <p:spPr>
+          <a:xfrm>
+            <a:off x="5408317" y="3661152"/>
+            <a:ext cx="1269194" cy="646331"/>
+          </a:xfrm>
+          <a:prstGeom prst="rect">
+            <a:avLst/>
+          </a:prstGeom>
+          <a:noFill/>
+        </p:spPr>
+        <p:txBody>
+          <a:bodyPr wrap="none" rtlCol="0">
+            <a:spAutoFit/>
+          </a:bodyPr>
+          <a:lstStyle/>
+          <a:p>
+            <a:r>
+              <a:rPr lang="de-DE" dirty="0">
+                <a:solidFill>
+                  <a:srgbClr val="FF0000"/>
+                </a:solidFill>
+              </a:rPr>
+              <a:t>Java-starter</a:t>
+            </a:r>
+            <a:br>
+              <a:rPr lang="de-DE" dirty="0">
+                <a:solidFill>
+                  <a:srgbClr val="FF0000"/>
+                </a:solidFill>
+              </a:rPr>
+            </a:br>
+            <a:r>
+              <a:rPr lang="de-DE" dirty="0">
+                <a:solidFill>
+                  <a:srgbClr val="FF0000"/>
+                </a:solidFill>
+              </a:rPr>
+              <a:t>8080</a:t>
+            </a:r>
+          </a:p>
+        </p:txBody>
+      </p:sp>
+      <p:sp>
+        <p:nvSpPr>
+          <p:cNvPr id="27" name="Rechteck 26">
+            <a:extLst>
+              <a:ext uri="{FF2B5EF4-FFF2-40B4-BE49-F238E27FC236}">
+                <a16:creationId xmlns:a16="http://schemas.microsoft.com/office/drawing/2014/main" id="{40C40330-E8ED-473F-BB53-1716E8E3BADB}"/>
+              </a:ext>
+            </a:extLst>
+          </p:cNvPr>
+          <p:cNvSpPr/>
+          <p:nvPr/>
+        </p:nvSpPr>
+        <p:spPr>
+          <a:xfrm rot="5400000" flipV="1">
+            <a:off x="5218382" y="4576510"/>
+            <a:ext cx="2032673" cy="45719"/>
+          </a:xfrm>
+          <a:prstGeom prst="rect">
+            <a:avLst/>
+          </a:prstGeom>
+          <a:solidFill>
+            <a:schemeClr val="tx1"/>
+          </a:solidFill>
+        </p:spPr>
+        <p:style>
+          <a:lnRef idx="2">
+            <a:schemeClr val="accent1">
+              <a:shade val="50000"/>
+            </a:schemeClr>
+          </a:lnRef>
+          <a:fillRef idx="1">
+            <a:schemeClr val="accent1"/>
+          </a:fillRef>
+          <a:effectRef idx="0">
+            <a:schemeClr val="accent1"/>
+          </a:effectRef>
+          <a:fontRef idx="minor">
+            <a:schemeClr val="lt1"/>
+          </a:fontRef>
+        </p:style>
+        <p:txBody>
+          <a:bodyPr rtlCol="0" anchor="ctr"/>
+          <a:lstStyle/>
+          <a:p>
+            <a:pPr algn="ctr"/>
+            <a:endParaRPr lang="de-DE"/>
+          </a:p>
+        </p:txBody>
+      </p:sp>
+      <p:cxnSp>
+        <p:nvCxnSpPr>
+          <p:cNvPr id="28" name="Gerade Verbindung mit Pfeil 27">
+            <a:extLst>
+              <a:ext uri="{FF2B5EF4-FFF2-40B4-BE49-F238E27FC236}">
+                <a16:creationId xmlns:a16="http://schemas.microsoft.com/office/drawing/2014/main" id="{295CC962-C4B6-5A0C-3D64-F32969520C4A}"/>
+              </a:ext>
+            </a:extLst>
+          </p:cNvPr>
+          <p:cNvCxnSpPr>
+            <a:cxnSpLocks/>
+            <a:stCxn id="12" idx="3"/>
+            <a:endCxn id="27" idx="0"/>
+          </p:cNvCxnSpPr>
+          <p:nvPr/>
+        </p:nvCxnSpPr>
+        <p:spPr>
+          <a:xfrm>
+            <a:off x="5475579" y="4584748"/>
+            <a:ext cx="736280" cy="14622"/>
+          </a:xfrm>
+          <a:prstGeom prst="straightConnector1">
+            <a:avLst/>
+          </a:prstGeom>
+          <a:ln w="38100">
+            <a:solidFill>
+              <a:srgbClr val="FF0000"/>
+            </a:solidFill>
+            <a:tailEnd type="triangle"/>
+          </a:ln>
+        </p:spPr>
+        <p:style>
+          <a:lnRef idx="1">
+            <a:schemeClr val="accent1"/>
+          </a:lnRef>
+          <a:fillRef idx="0">
+            <a:schemeClr val="accent1"/>
+          </a:fillRef>
+          <a:effectRef idx="0">
+            <a:schemeClr val="accent1"/>
+          </a:effectRef>
+          <a:fontRef idx="minor">
+            <a:schemeClr val="tx1"/>
+          </a:fontRef>
+        </p:style>
+      </p:cxnSp>
+      <p:cxnSp>
+        <p:nvCxnSpPr>
+          <p:cNvPr id="31" name="Gerade Verbindung mit Pfeil 30">
+            <a:extLst>
+              <a:ext uri="{FF2B5EF4-FFF2-40B4-BE49-F238E27FC236}">
+                <a16:creationId xmlns:a16="http://schemas.microsoft.com/office/drawing/2014/main" id="{51B06C8F-3089-1DE1-C93C-41B52F78B834}"/>
+              </a:ext>
+            </a:extLst>
+          </p:cNvPr>
+          <p:cNvCxnSpPr>
+            <a:cxnSpLocks/>
+            <a:endCxn id="2" idx="1"/>
+          </p:cNvCxnSpPr>
+          <p:nvPr/>
+        </p:nvCxnSpPr>
+        <p:spPr>
+          <a:xfrm>
+            <a:off x="6257578" y="4584747"/>
+            <a:ext cx="764065" cy="2"/>
+          </a:xfrm>
+          <a:prstGeom prst="straightConnector1">
+            <a:avLst/>
+          </a:prstGeom>
+          <a:ln w="38100">
+            <a:solidFill>
+              <a:srgbClr val="FF0000"/>
+            </a:solidFill>
+            <a:tailEnd type="triangle"/>
+          </a:ln>
+        </p:spPr>
+        <p:style>
+          <a:lnRef idx="1">
+            <a:schemeClr val="accent1"/>
+          </a:lnRef>
+          <a:fillRef idx="0">
+            <a:schemeClr val="accent1"/>
+          </a:fillRef>
+          <a:effectRef idx="0">
+            <a:schemeClr val="accent1"/>
+          </a:effectRef>
+          <a:fontRef idx="minor">
+            <a:schemeClr val="tx1"/>
+          </a:fontRef>
+        </p:style>
+      </p:cxnSp>
+      <p:sp>
+        <p:nvSpPr>
+          <p:cNvPr id="35" name="Textfeld 34">
+            <a:extLst>
+              <a:ext uri="{FF2B5EF4-FFF2-40B4-BE49-F238E27FC236}">
+                <a16:creationId xmlns:a16="http://schemas.microsoft.com/office/drawing/2014/main" id="{76E6BBFC-1B5D-1DC1-93FA-50F8434F62D9}"/>
+              </a:ext>
+            </a:extLst>
+          </p:cNvPr>
+          <p:cNvSpPr txBox="1"/>
+          <p:nvPr/>
+        </p:nvSpPr>
+        <p:spPr>
+          <a:xfrm>
+            <a:off x="6419284" y="4207194"/>
+            <a:ext cx="652743" cy="646331"/>
+          </a:xfrm>
+          <a:prstGeom prst="rect">
+            <a:avLst/>
+          </a:prstGeom>
+          <a:noFill/>
+        </p:spPr>
+        <p:txBody>
+          <a:bodyPr wrap="none" rtlCol="0">
+            <a:spAutoFit/>
+          </a:bodyPr>
+          <a:lstStyle/>
+          <a:p>
+            <a:r>
+              <a:rPr lang="de-DE" dirty="0" err="1">
+                <a:solidFill>
+                  <a:srgbClr val="FF0000"/>
+                </a:solidFill>
+              </a:rPr>
+              <a:t>db</a:t>
+            </a:r>
+            <a:br>
+              <a:rPr lang="de-DE" dirty="0">
+                <a:solidFill>
+                  <a:srgbClr val="FF0000"/>
+                </a:solidFill>
+              </a:rPr>
+            </a:br>
+            <a:r>
+              <a:rPr lang="de-DE" dirty="0">
+                <a:solidFill>
+                  <a:srgbClr val="FF0000"/>
+                </a:solidFill>
+              </a:rPr>
+              <a:t>5432</a:t>
+            </a:r>
+          </a:p>
+        </p:txBody>
+      </p:sp>
+      <p:sp>
+        <p:nvSpPr>
+          <p:cNvPr id="39" name="Bogen 38">
+            <a:extLst>
+              <a:ext uri="{FF2B5EF4-FFF2-40B4-BE49-F238E27FC236}">
+                <a16:creationId xmlns:a16="http://schemas.microsoft.com/office/drawing/2014/main" id="{96A7824F-1777-AF0C-4A16-75F527AD380E}"/>
+              </a:ext>
+            </a:extLst>
+          </p:cNvPr>
+          <p:cNvSpPr/>
+          <p:nvPr/>
+        </p:nvSpPr>
+        <p:spPr>
+          <a:xfrm>
+            <a:off x="4037881" y="2673354"/>
+            <a:ext cx="914400" cy="914400"/>
+          </a:xfrm>
+          <a:prstGeom prst="arc">
+            <a:avLst/>
+          </a:prstGeom>
+        </p:spPr>
+        <p:style>
+          <a:lnRef idx="1">
+            <a:schemeClr val="accent1"/>
+          </a:lnRef>
+          <a:fillRef idx="0">
+            <a:schemeClr val="accent1"/>
+          </a:fillRef>
+          <a:effectRef idx="0">
+            <a:schemeClr val="accent1"/>
+          </a:effectRef>
+          <a:fontRef idx="minor">
+            <a:schemeClr val="tx1"/>
+          </a:fontRef>
+        </p:style>
+        <p:txBody>
+          <a:bodyPr rtlCol="0" anchor="ctr"/>
+          <a:lstStyle/>
+          <a:p>
+            <a:pPr algn="ctr"/>
+            <a:endParaRPr lang="de-DE"/>
+          </a:p>
+        </p:txBody>
+      </p:sp>
+      <p:sp>
+        <p:nvSpPr>
+          <p:cNvPr id="44" name="Oval 43">
+            <a:extLst>
+              <a:ext uri="{FF2B5EF4-FFF2-40B4-BE49-F238E27FC236}">
+                <a16:creationId xmlns:a16="http://schemas.microsoft.com/office/drawing/2014/main" id="{ECC562B2-E72E-8F08-CAEC-BCCC0400BA94}"/>
+              </a:ext>
+            </a:extLst>
+          </p:cNvPr>
+          <p:cNvSpPr/>
+          <p:nvPr/>
+        </p:nvSpPr>
+        <p:spPr>
+          <a:xfrm rot="2139162">
+            <a:off x="3691360" y="2855638"/>
+            <a:ext cx="2848977" cy="1007896"/>
+          </a:xfrm>
+          <a:prstGeom prst="ellipse">
+            <a:avLst/>
+          </a:prstGeom>
+          <a:solidFill>
+            <a:srgbClr val="FF0000">
+              <a:alpha val="23000"/>
+            </a:srgbClr>
+          </a:solidFill>
+        </p:spPr>
+        <p:style>
+          <a:lnRef idx="2">
+            <a:schemeClr val="accent1">
+              <a:shade val="50000"/>
+            </a:schemeClr>
+          </a:lnRef>
+          <a:fillRef idx="1">
+            <a:schemeClr val="accent1"/>
+          </a:fillRef>
+          <a:effectRef idx="0">
+            <a:schemeClr val="accent1"/>
+          </a:effectRef>
+          <a:fontRef idx="minor">
+            <a:schemeClr val="lt1"/>
+          </a:fontRef>
+        </p:style>
+        <p:txBody>
+          <a:bodyPr rtlCol="0" anchor="ctr"/>
+          <a:lstStyle/>
+          <a:p>
+            <a:pPr algn="ctr"/>
+            <a:endParaRPr lang="de-DE" dirty="0"/>
+          </a:p>
+        </p:txBody>
+      </p:sp>
+      <p:sp>
+        <p:nvSpPr>
+          <p:cNvPr id="45" name="Oval 44">
+            <a:extLst>
+              <a:ext uri="{FF2B5EF4-FFF2-40B4-BE49-F238E27FC236}">
+                <a16:creationId xmlns:a16="http://schemas.microsoft.com/office/drawing/2014/main" id="{FC2564D9-56F3-21C8-BBFA-F1D6D365C1FA}"/>
+              </a:ext>
+            </a:extLst>
+          </p:cNvPr>
+          <p:cNvSpPr/>
+          <p:nvPr/>
+        </p:nvSpPr>
+        <p:spPr>
+          <a:xfrm>
+            <a:off x="3033360" y="407222"/>
+            <a:ext cx="2642927" cy="593094"/>
+          </a:xfrm>
+          <a:prstGeom prst="ellipse">
+            <a:avLst/>
+          </a:prstGeom>
+          <a:solidFill>
+            <a:srgbClr val="FF0000">
+              <a:alpha val="23000"/>
+            </a:srgbClr>
+          </a:solidFill>
+        </p:spPr>
+        <p:style>
+          <a:lnRef idx="2">
+            <a:schemeClr val="accent1">
+              <a:shade val="50000"/>
+            </a:schemeClr>
+          </a:lnRef>
+          <a:fillRef idx="1">
+            <a:schemeClr val="accent1"/>
+          </a:fillRef>
+          <a:effectRef idx="0">
+            <a:schemeClr val="accent1"/>
+          </a:effectRef>
+          <a:fontRef idx="minor">
+            <a:schemeClr val="lt1"/>
+          </a:fontRef>
+        </p:style>
+        <p:txBody>
+          <a:bodyPr rtlCol="0" anchor="ctr"/>
+          <a:lstStyle/>
+          <a:p>
+            <a:pPr algn="ctr"/>
+            <a:endParaRPr lang="de-DE"/>
+          </a:p>
+        </p:txBody>
+      </p:sp>
+      <p:sp>
+        <p:nvSpPr>
+          <p:cNvPr id="46" name="Textfeld 45">
+            <a:extLst>
+              <a:ext uri="{FF2B5EF4-FFF2-40B4-BE49-F238E27FC236}">
+                <a16:creationId xmlns:a16="http://schemas.microsoft.com/office/drawing/2014/main" id="{5A03E1E0-20CD-AAE2-596C-A72F1743AB22}"/>
+              </a:ext>
+            </a:extLst>
+          </p:cNvPr>
+          <p:cNvSpPr txBox="1"/>
+          <p:nvPr/>
+        </p:nvSpPr>
+        <p:spPr>
+          <a:xfrm>
+            <a:off x="1235487" y="481510"/>
+            <a:ext cx="1717586" cy="369332"/>
+          </a:xfrm>
+          <a:prstGeom prst="rect">
+            <a:avLst/>
+          </a:prstGeom>
+          <a:noFill/>
+        </p:spPr>
+        <p:txBody>
+          <a:bodyPr wrap="none" rtlCol="0">
+            <a:spAutoFit/>
+          </a:bodyPr>
+          <a:lstStyle/>
+          <a:p>
+            <a:r>
+              <a:rPr lang="de-DE" dirty="0"/>
+              <a:t>Port </a:t>
+            </a:r>
+            <a:r>
+              <a:rPr lang="de-DE" dirty="0" err="1"/>
+              <a:t>forwarding</a:t>
+            </a:r>
+            <a:r>
+              <a:rPr lang="de-DE" dirty="0"/>
+              <a:t>:</a:t>
+            </a:r>
+          </a:p>
+        </p:txBody>
+      </p:sp>
+    </p:spTree>
+    <p:extLst>
+      <p:ext uri="{BB962C8B-B14F-4D97-AF65-F5344CB8AC3E}">
+        <p14:creationId xmlns:p14="http://schemas.microsoft.com/office/powerpoint/2010/main" val="4049937503"/>
+      </p:ext>
+    </p:extLst>
+  </p:cSld>
+  <p:clrMapOvr>
+    <a:masterClrMapping/>
+  </p:clrMapOvr>
+</p:sld>
+</file>
+
+<file path=ppt/slides/slide54.xml><?xml version="1.0" encoding="utf-8"?>
+<p:sld xmlns:a="http://schemas.openxmlformats.org/drawingml/2006/main" xmlns:r="http://schemas.openxmlformats.org/officeDocument/2006/relationships" xmlns:p="http://schemas.openxmlformats.org/presentationml/2006/main">
+  <p:cSld>
+    <p:spTree>
+      <p:nvGrpSpPr>
+        <p:cNvPr id="1" name=""/>
+        <p:cNvGrpSpPr/>
+        <p:nvPr/>
+      </p:nvGrpSpPr>
+      <p:grpSpPr>
+        <a:xfrm>
+          <a:off x="0" y="0"/>
+          <a:ext cx="0" cy="0"/>
+          <a:chOff x="0" y="0"/>
+          <a:chExt cx="0" cy="0"/>
+        </a:xfrm>
+      </p:grpSpPr>
+      <p:sp>
+        <p:nvSpPr>
+          <p:cNvPr id="8" name="Rechteck 7">
+            <a:extLst>
+              <a:ext uri="{FF2B5EF4-FFF2-40B4-BE49-F238E27FC236}">
+                <a16:creationId xmlns:a16="http://schemas.microsoft.com/office/drawing/2014/main" id="{FD829AED-643C-1E44-321E-7E0865B6FEAB}"/>
+              </a:ext>
+            </a:extLst>
+          </p:cNvPr>
+          <p:cNvSpPr/>
+          <p:nvPr/>
+        </p:nvSpPr>
+        <p:spPr>
+          <a:xfrm>
+            <a:off x="1197429" y="1426029"/>
+            <a:ext cx="10689771" cy="5159828"/>
+          </a:xfrm>
+          <a:prstGeom prst="rect">
+            <a:avLst/>
+          </a:prstGeom>
+        </p:spPr>
+        <p:style>
+          <a:lnRef idx="2">
+            <a:schemeClr val="accent1">
+              <a:shade val="50000"/>
+            </a:schemeClr>
+          </a:lnRef>
+          <a:fillRef idx="1">
+            <a:schemeClr val="accent1"/>
+          </a:fillRef>
+          <a:effectRef idx="0">
+            <a:schemeClr val="accent1"/>
+          </a:effectRef>
+          <a:fontRef idx="minor">
+            <a:schemeClr val="lt1"/>
+          </a:fontRef>
+        </p:style>
+        <p:txBody>
+          <a:bodyPr rtlCol="0" anchor="ctr"/>
+          <a:lstStyle/>
+          <a:p>
+            <a:pPr algn="ctr"/>
+            <a:endParaRPr lang="de-DE" dirty="0"/>
+          </a:p>
+        </p:txBody>
+      </p:sp>
+      <p:sp>
+        <p:nvSpPr>
+          <p:cNvPr id="9" name="Textfeld 8">
+            <a:extLst>
+              <a:ext uri="{FF2B5EF4-FFF2-40B4-BE49-F238E27FC236}">
+                <a16:creationId xmlns:a16="http://schemas.microsoft.com/office/drawing/2014/main" id="{A68B0423-37BC-34B2-B50A-18A96AFF7160}"/>
+              </a:ext>
+            </a:extLst>
+          </p:cNvPr>
+          <p:cNvSpPr txBox="1"/>
+          <p:nvPr/>
+        </p:nvSpPr>
+        <p:spPr>
+          <a:xfrm>
+            <a:off x="5734689" y="1828801"/>
+            <a:ext cx="726481" cy="369332"/>
+          </a:xfrm>
+          <a:prstGeom prst="rect">
+            <a:avLst/>
+          </a:prstGeom>
+          <a:noFill/>
+        </p:spPr>
+        <p:txBody>
+          <a:bodyPr wrap="none" rtlCol="0">
+            <a:spAutoFit/>
+          </a:bodyPr>
+          <a:lstStyle/>
+          <a:p>
+            <a:r>
+              <a:rPr lang="de-DE" dirty="0"/>
+              <a:t>Cloud</a:t>
+            </a:r>
+          </a:p>
+        </p:txBody>
+      </p:sp>
+      <p:sp>
+        <p:nvSpPr>
+          <p:cNvPr id="4" name="Rechteck 3">
+            <a:extLst>
+              <a:ext uri="{FF2B5EF4-FFF2-40B4-BE49-F238E27FC236}">
+                <a16:creationId xmlns:a16="http://schemas.microsoft.com/office/drawing/2014/main" id="{0976E51F-A6A9-C790-9430-3BC124426D1C}"/>
+              </a:ext>
+            </a:extLst>
+          </p:cNvPr>
+          <p:cNvSpPr/>
+          <p:nvPr/>
+        </p:nvSpPr>
+        <p:spPr>
+          <a:xfrm>
+            <a:off x="2140618" y="2593075"/>
+            <a:ext cx="9459979" cy="3398292"/>
+          </a:xfrm>
+          <a:prstGeom prst="rect">
+            <a:avLst/>
+          </a:prstGeom>
+          <a:solidFill>
+            <a:schemeClr val="accent1">
+              <a:lumMod val="20000"/>
+              <a:lumOff val="80000"/>
+            </a:schemeClr>
+          </a:solidFill>
+        </p:spPr>
+        <p:style>
+          <a:lnRef idx="2">
+            <a:schemeClr val="accent1">
+              <a:shade val="50000"/>
+            </a:schemeClr>
+          </a:lnRef>
+          <a:fillRef idx="1">
+            <a:schemeClr val="accent1"/>
+          </a:fillRef>
+          <a:effectRef idx="0">
+            <a:schemeClr val="accent1"/>
+          </a:effectRef>
+          <a:fontRef idx="minor">
+            <a:schemeClr val="lt1"/>
+          </a:fontRef>
+        </p:style>
+        <p:txBody>
+          <a:bodyPr rtlCol="0" anchor="ctr"/>
+          <a:lstStyle/>
+          <a:p>
+            <a:pPr algn="ctr"/>
+            <a:endParaRPr lang="de-DE"/>
+          </a:p>
+        </p:txBody>
+      </p:sp>
+      <p:sp>
+        <p:nvSpPr>
+          <p:cNvPr id="2" name="Rechteck 1">
+            <a:extLst>
+              <a:ext uri="{FF2B5EF4-FFF2-40B4-BE49-F238E27FC236}">
+                <a16:creationId xmlns:a16="http://schemas.microsoft.com/office/drawing/2014/main" id="{B793B692-EA57-9663-72DD-3E1BE3E30AB8}"/>
+              </a:ext>
+            </a:extLst>
+          </p:cNvPr>
+          <p:cNvSpPr/>
+          <p:nvPr/>
+        </p:nvSpPr>
+        <p:spPr>
+          <a:xfrm>
+            <a:off x="7349937" y="3114791"/>
+            <a:ext cx="3029803" cy="2032673"/>
+          </a:xfrm>
+          <a:prstGeom prst="rect">
+            <a:avLst/>
+          </a:prstGeom>
+          <a:solidFill>
+            <a:schemeClr val="accent1">
+              <a:lumMod val="40000"/>
+              <a:lumOff val="60000"/>
+            </a:schemeClr>
+          </a:solidFill>
+        </p:spPr>
+        <p:style>
+          <a:lnRef idx="2">
+            <a:schemeClr val="accent1">
+              <a:shade val="50000"/>
+            </a:schemeClr>
+          </a:lnRef>
+          <a:fillRef idx="1">
+            <a:schemeClr val="accent1"/>
+          </a:fillRef>
+          <a:effectRef idx="0">
+            <a:schemeClr val="accent1"/>
+          </a:effectRef>
+          <a:fontRef idx="minor">
+            <a:schemeClr val="lt1"/>
+          </a:fontRef>
+        </p:style>
+        <p:txBody>
+          <a:bodyPr rtlCol="0" anchor="ctr"/>
+          <a:lstStyle/>
+          <a:p>
+            <a:pPr algn="ctr"/>
+            <a:endParaRPr lang="de-DE" dirty="0"/>
+          </a:p>
+        </p:txBody>
+      </p:sp>
+      <p:sp>
+        <p:nvSpPr>
+          <p:cNvPr id="12" name="Rechteck 11">
+            <a:extLst>
+              <a:ext uri="{FF2B5EF4-FFF2-40B4-BE49-F238E27FC236}">
+                <a16:creationId xmlns:a16="http://schemas.microsoft.com/office/drawing/2014/main" id="{6C4CF849-464A-1C85-BE35-B353E9AE870C}"/>
+              </a:ext>
+            </a:extLst>
+          </p:cNvPr>
+          <p:cNvSpPr/>
+          <p:nvPr/>
+        </p:nvSpPr>
+        <p:spPr>
+          <a:xfrm>
+            <a:off x="2774070" y="3114790"/>
+            <a:ext cx="3029803" cy="2032673"/>
+          </a:xfrm>
+          <a:prstGeom prst="rect">
+            <a:avLst/>
+          </a:prstGeom>
+          <a:solidFill>
+            <a:schemeClr val="accent1">
+              <a:lumMod val="40000"/>
+              <a:lumOff val="60000"/>
+            </a:schemeClr>
+          </a:solidFill>
+        </p:spPr>
+        <p:style>
+          <a:lnRef idx="2">
+            <a:schemeClr val="accent1">
+              <a:shade val="50000"/>
+            </a:schemeClr>
+          </a:lnRef>
+          <a:fillRef idx="1">
+            <a:schemeClr val="accent1"/>
+          </a:fillRef>
+          <a:effectRef idx="0">
+            <a:schemeClr val="accent1"/>
+          </a:effectRef>
+          <a:fontRef idx="minor">
+            <a:schemeClr val="lt1"/>
+          </a:fontRef>
+        </p:style>
+        <p:txBody>
+          <a:bodyPr rtlCol="0" anchor="ctr"/>
+          <a:lstStyle/>
+          <a:p>
+            <a:pPr algn="ctr"/>
+            <a:endParaRPr lang="de-DE" dirty="0"/>
+          </a:p>
+        </p:txBody>
+      </p:sp>
+      <p:sp>
+        <p:nvSpPr>
+          <p:cNvPr id="3" name="Textfeld 2">
+            <a:extLst>
+              <a:ext uri="{FF2B5EF4-FFF2-40B4-BE49-F238E27FC236}">
+                <a16:creationId xmlns:a16="http://schemas.microsoft.com/office/drawing/2014/main" id="{FEFFED6A-7C71-D1EA-64A4-30DDD64C85F8}"/>
+              </a:ext>
+            </a:extLst>
+          </p:cNvPr>
+          <p:cNvSpPr txBox="1"/>
+          <p:nvPr/>
+        </p:nvSpPr>
+        <p:spPr>
+          <a:xfrm>
+            <a:off x="7903194" y="3244334"/>
+            <a:ext cx="428322" cy="369332"/>
+          </a:xfrm>
+          <a:prstGeom prst="rect">
+            <a:avLst/>
+          </a:prstGeom>
+          <a:noFill/>
+        </p:spPr>
+        <p:txBody>
+          <a:bodyPr wrap="none" rtlCol="0">
+            <a:spAutoFit/>
+          </a:bodyPr>
+          <a:lstStyle/>
+          <a:p>
+            <a:r>
+              <a:rPr lang="de-DE" dirty="0" err="1"/>
+              <a:t>db</a:t>
+            </a:r>
+            <a:endParaRPr lang="de-DE" dirty="0"/>
+          </a:p>
+        </p:txBody>
+      </p:sp>
+      <p:sp>
+        <p:nvSpPr>
+          <p:cNvPr id="11" name="Rechteck 10">
+            <a:extLst>
+              <a:ext uri="{FF2B5EF4-FFF2-40B4-BE49-F238E27FC236}">
+                <a16:creationId xmlns:a16="http://schemas.microsoft.com/office/drawing/2014/main" id="{430C7F14-FE0A-2A9A-875A-FE6B06E395EA}"/>
+              </a:ext>
+            </a:extLst>
+          </p:cNvPr>
+          <p:cNvSpPr/>
+          <p:nvPr/>
+        </p:nvSpPr>
+        <p:spPr>
+          <a:xfrm>
+            <a:off x="7678297" y="3647794"/>
+            <a:ext cx="2373085" cy="1404257"/>
+          </a:xfrm>
+          <a:prstGeom prst="rect">
+            <a:avLst/>
+          </a:prstGeom>
+          <a:solidFill>
+            <a:schemeClr val="accent6"/>
+          </a:solidFill>
+        </p:spPr>
+        <p:style>
+          <a:lnRef idx="2">
+            <a:schemeClr val="accent1">
+              <a:shade val="50000"/>
+            </a:schemeClr>
+          </a:lnRef>
+          <a:fillRef idx="1">
+            <a:schemeClr val="accent1"/>
+          </a:fillRef>
+          <a:effectRef idx="0">
+            <a:schemeClr val="accent1"/>
+          </a:effectRef>
+          <a:fontRef idx="minor">
+            <a:schemeClr val="lt1"/>
+          </a:fontRef>
+        </p:style>
+        <p:txBody>
+          <a:bodyPr rtlCol="0" anchor="ctr"/>
+          <a:lstStyle/>
+          <a:p>
+            <a:pPr algn="ctr"/>
+            <a:r>
+              <a:rPr lang="de-DE" dirty="0"/>
+              <a:t>Datenbank</a:t>
+            </a:r>
+          </a:p>
+        </p:txBody>
+      </p:sp>
+      <p:cxnSp>
+        <p:nvCxnSpPr>
+          <p:cNvPr id="13" name="Gerade Verbindung mit Pfeil 12">
+            <a:extLst>
+              <a:ext uri="{FF2B5EF4-FFF2-40B4-BE49-F238E27FC236}">
+                <a16:creationId xmlns:a16="http://schemas.microsoft.com/office/drawing/2014/main" id="{96B270E3-22BA-C088-1968-C4CEDE244AD3}"/>
+              </a:ext>
+            </a:extLst>
+          </p:cNvPr>
+          <p:cNvCxnSpPr>
+            <a:stCxn id="10" idx="3"/>
+            <a:endCxn id="11" idx="1"/>
+          </p:cNvCxnSpPr>
+          <p:nvPr/>
+        </p:nvCxnSpPr>
+        <p:spPr>
+          <a:xfrm>
+            <a:off x="5475514" y="4131129"/>
+            <a:ext cx="2202783" cy="218794"/>
+          </a:xfrm>
+          <a:prstGeom prst="straightConnector1">
+            <a:avLst/>
+          </a:prstGeom>
+          <a:ln w="38100">
+            <a:solidFill>
+              <a:srgbClr val="FF0000"/>
+            </a:solidFill>
+            <a:tailEnd type="triangle"/>
+          </a:ln>
+        </p:spPr>
+        <p:style>
+          <a:lnRef idx="1">
+            <a:schemeClr val="accent1"/>
+          </a:lnRef>
+          <a:fillRef idx="0">
+            <a:schemeClr val="accent1"/>
+          </a:fillRef>
+          <a:effectRef idx="0">
+            <a:schemeClr val="accent1"/>
+          </a:effectRef>
+          <a:fontRef idx="minor">
+            <a:schemeClr val="tx1"/>
+          </a:fontRef>
+        </p:style>
+      </p:cxnSp>
+      <p:sp>
+        <p:nvSpPr>
+          <p:cNvPr id="5" name="Textfeld 4">
+            <a:extLst>
+              <a:ext uri="{FF2B5EF4-FFF2-40B4-BE49-F238E27FC236}">
+                <a16:creationId xmlns:a16="http://schemas.microsoft.com/office/drawing/2014/main" id="{8C61BD20-7A5C-E96C-4542-AC868DA6C617}"/>
+              </a:ext>
+            </a:extLst>
+          </p:cNvPr>
+          <p:cNvSpPr txBox="1"/>
+          <p:nvPr/>
+        </p:nvSpPr>
+        <p:spPr>
+          <a:xfrm>
+            <a:off x="5833081" y="2660900"/>
+            <a:ext cx="1256178" cy="369332"/>
+          </a:xfrm>
+          <a:prstGeom prst="rect">
+            <a:avLst/>
+          </a:prstGeom>
+          <a:noFill/>
+        </p:spPr>
+        <p:txBody>
+          <a:bodyPr wrap="none" rtlCol="0">
+            <a:spAutoFit/>
+          </a:bodyPr>
+          <a:lstStyle/>
+          <a:p>
+            <a:r>
+              <a:rPr lang="de-DE" dirty="0" err="1"/>
+              <a:t>Kubernetes</a:t>
+            </a:r>
+            <a:endParaRPr lang="de-DE" dirty="0"/>
+          </a:p>
+        </p:txBody>
+      </p:sp>
+      <p:sp>
+        <p:nvSpPr>
+          <p:cNvPr id="10" name="Rechteck 9">
+            <a:extLst>
+              <a:ext uri="{FF2B5EF4-FFF2-40B4-BE49-F238E27FC236}">
+                <a16:creationId xmlns:a16="http://schemas.microsoft.com/office/drawing/2014/main" id="{F703253C-59DE-F7F3-A2A3-7F96B2641A70}"/>
+              </a:ext>
+            </a:extLst>
+          </p:cNvPr>
+          <p:cNvSpPr/>
+          <p:nvPr/>
+        </p:nvSpPr>
+        <p:spPr>
+          <a:xfrm>
+            <a:off x="3102429" y="3429000"/>
+            <a:ext cx="2373085" cy="1404257"/>
+          </a:xfrm>
+          <a:prstGeom prst="rect">
+            <a:avLst/>
+          </a:prstGeom>
+          <a:solidFill>
+            <a:schemeClr val="accent6"/>
+          </a:solidFill>
+        </p:spPr>
+        <p:style>
+          <a:lnRef idx="2">
+            <a:schemeClr val="accent1">
+              <a:shade val="50000"/>
+            </a:schemeClr>
+          </a:lnRef>
+          <a:fillRef idx="1">
+            <a:schemeClr val="accent1"/>
+          </a:fillRef>
+          <a:effectRef idx="0">
+            <a:schemeClr val="accent1"/>
+          </a:effectRef>
+          <a:fontRef idx="minor">
+            <a:schemeClr val="lt1"/>
+          </a:fontRef>
+        </p:style>
+        <p:txBody>
+          <a:bodyPr rtlCol="0" anchor="ctr"/>
+          <a:lstStyle/>
+          <a:p>
+            <a:pPr algn="ctr"/>
+            <a:r>
+              <a:rPr lang="de-DE" dirty="0"/>
+              <a:t>Person </a:t>
+            </a:r>
+            <a:r>
+              <a:rPr lang="de-DE" dirty="0" err="1"/>
+              <a:t>microservice</a:t>
+            </a:r>
+            <a:endParaRPr lang="de-DE" dirty="0"/>
+          </a:p>
+        </p:txBody>
+      </p:sp>
+      <p:sp>
+        <p:nvSpPr>
+          <p:cNvPr id="16" name="Textfeld 15">
+            <a:extLst>
+              <a:ext uri="{FF2B5EF4-FFF2-40B4-BE49-F238E27FC236}">
+                <a16:creationId xmlns:a16="http://schemas.microsoft.com/office/drawing/2014/main" id="{A7173BF9-E884-40FD-ED09-7955AC71F222}"/>
+              </a:ext>
+            </a:extLst>
+          </p:cNvPr>
+          <p:cNvSpPr txBox="1"/>
+          <p:nvPr/>
+        </p:nvSpPr>
+        <p:spPr>
+          <a:xfrm>
+            <a:off x="3853496" y="3040778"/>
+            <a:ext cx="1269194" cy="369332"/>
+          </a:xfrm>
+          <a:prstGeom prst="rect">
+            <a:avLst/>
+          </a:prstGeom>
+          <a:noFill/>
+        </p:spPr>
+        <p:txBody>
+          <a:bodyPr wrap="none" rtlCol="0">
+            <a:spAutoFit/>
+          </a:bodyPr>
+          <a:lstStyle/>
+          <a:p>
+            <a:r>
+              <a:rPr lang="de-DE" dirty="0"/>
+              <a:t>Java-starter</a:t>
+            </a:r>
+          </a:p>
+        </p:txBody>
+      </p:sp>
+      <p:sp>
+        <p:nvSpPr>
+          <p:cNvPr id="14" name="Rechteck 13">
+            <a:extLst>
+              <a:ext uri="{FF2B5EF4-FFF2-40B4-BE49-F238E27FC236}">
+                <a16:creationId xmlns:a16="http://schemas.microsoft.com/office/drawing/2014/main" id="{CFFC98F1-F565-7585-D590-EF47DE84F32E}"/>
+              </a:ext>
+            </a:extLst>
+          </p:cNvPr>
+          <p:cNvSpPr/>
+          <p:nvPr/>
+        </p:nvSpPr>
+        <p:spPr>
+          <a:xfrm>
+            <a:off x="1197429" y="272143"/>
+            <a:ext cx="10689771" cy="962168"/>
+          </a:xfrm>
+          <a:prstGeom prst="rect">
+            <a:avLst/>
+          </a:prstGeom>
+        </p:spPr>
+        <p:style>
+          <a:lnRef idx="2">
+            <a:schemeClr val="accent1">
+              <a:shade val="50000"/>
+            </a:schemeClr>
+          </a:lnRef>
+          <a:fillRef idx="1">
+            <a:schemeClr val="accent1"/>
+          </a:fillRef>
+          <a:effectRef idx="0">
+            <a:schemeClr val="accent1"/>
+          </a:effectRef>
+          <a:fontRef idx="minor">
+            <a:schemeClr val="lt1"/>
+          </a:fontRef>
+        </p:style>
+        <p:txBody>
+          <a:bodyPr rtlCol="0" anchor="ctr"/>
+          <a:lstStyle/>
+          <a:p>
+            <a:pPr algn="ctr"/>
+            <a:endParaRPr lang="de-DE" dirty="0"/>
+          </a:p>
+        </p:txBody>
+      </p:sp>
+      <p:sp>
+        <p:nvSpPr>
+          <p:cNvPr id="15" name="Textfeld 14">
+            <a:extLst>
+              <a:ext uri="{FF2B5EF4-FFF2-40B4-BE49-F238E27FC236}">
+                <a16:creationId xmlns:a16="http://schemas.microsoft.com/office/drawing/2014/main" id="{C115D069-FA12-BAD6-500E-8F78EB7FA600}"/>
+              </a:ext>
+            </a:extLst>
+          </p:cNvPr>
+          <p:cNvSpPr txBox="1"/>
+          <p:nvPr/>
+        </p:nvSpPr>
+        <p:spPr>
+          <a:xfrm>
+            <a:off x="5732759" y="573364"/>
+            <a:ext cx="1615250" cy="369332"/>
+          </a:xfrm>
+          <a:prstGeom prst="rect">
+            <a:avLst/>
+          </a:prstGeom>
+          <a:noFill/>
+        </p:spPr>
+        <p:txBody>
+          <a:bodyPr wrap="none" rtlCol="0">
+            <a:spAutoFit/>
+          </a:bodyPr>
+          <a:lstStyle/>
+          <a:p>
+            <a:r>
+              <a:rPr lang="de-DE" dirty="0" err="1"/>
+              <a:t>MeinComputer</a:t>
+            </a:r>
+            <a:endParaRPr lang="de-DE" dirty="0"/>
+          </a:p>
+        </p:txBody>
+      </p:sp>
+      <p:sp>
+        <p:nvSpPr>
+          <p:cNvPr id="17" name="Rechteck 16">
+            <a:extLst>
+              <a:ext uri="{FF2B5EF4-FFF2-40B4-BE49-F238E27FC236}">
+                <a16:creationId xmlns:a16="http://schemas.microsoft.com/office/drawing/2014/main" id="{089786B0-F317-F794-3719-C8B190C6C7C4}"/>
+              </a:ext>
+            </a:extLst>
+          </p:cNvPr>
+          <p:cNvSpPr/>
+          <p:nvPr/>
+        </p:nvSpPr>
+        <p:spPr>
+          <a:xfrm>
+            <a:off x="2774070" y="413657"/>
+            <a:ext cx="2373085" cy="751514"/>
+          </a:xfrm>
+          <a:prstGeom prst="rect">
+            <a:avLst/>
+          </a:prstGeom>
+          <a:solidFill>
+            <a:schemeClr val="accent6"/>
+          </a:solidFill>
+        </p:spPr>
+        <p:style>
+          <a:lnRef idx="2">
+            <a:schemeClr val="accent1">
+              <a:shade val="50000"/>
+            </a:schemeClr>
+          </a:lnRef>
+          <a:fillRef idx="1">
+            <a:schemeClr val="accent1"/>
+          </a:fillRef>
+          <a:effectRef idx="0">
+            <a:schemeClr val="accent1"/>
+          </a:effectRef>
+          <a:fontRef idx="minor">
+            <a:schemeClr val="lt1"/>
+          </a:fontRef>
+        </p:style>
+        <p:txBody>
+          <a:bodyPr rtlCol="0" anchor="ctr"/>
+          <a:lstStyle/>
+          <a:p>
+            <a:pPr algn="ctr"/>
+            <a:r>
+              <a:rPr lang="de-DE" dirty="0"/>
+              <a:t>Browser</a:t>
+            </a:r>
+          </a:p>
+        </p:txBody>
+      </p:sp>
+      <p:cxnSp>
+        <p:nvCxnSpPr>
+          <p:cNvPr id="18" name="Gerade Verbindung mit Pfeil 17">
+            <a:extLst>
+              <a:ext uri="{FF2B5EF4-FFF2-40B4-BE49-F238E27FC236}">
+                <a16:creationId xmlns:a16="http://schemas.microsoft.com/office/drawing/2014/main" id="{6BB4CE52-27DB-C19C-F951-94F7E5B443CC}"/>
+              </a:ext>
+            </a:extLst>
+          </p:cNvPr>
+          <p:cNvCxnSpPr>
+            <a:cxnSpLocks/>
+            <a:endCxn id="10" idx="0"/>
+          </p:cNvCxnSpPr>
+          <p:nvPr/>
+        </p:nvCxnSpPr>
+        <p:spPr>
+          <a:xfrm>
+            <a:off x="3940629" y="1165171"/>
+            <a:ext cx="348343" cy="2263829"/>
+          </a:xfrm>
+          <a:prstGeom prst="straightConnector1">
+            <a:avLst/>
+          </a:prstGeom>
+          <a:ln w="38100">
+            <a:solidFill>
+              <a:srgbClr val="FF0000"/>
+            </a:solidFill>
+            <a:tailEnd type="triangle"/>
+          </a:ln>
+        </p:spPr>
+        <p:style>
+          <a:lnRef idx="1">
+            <a:schemeClr val="accent1"/>
+          </a:lnRef>
+          <a:fillRef idx="0">
+            <a:schemeClr val="accent1"/>
+          </a:fillRef>
+          <a:effectRef idx="0">
+            <a:schemeClr val="accent1"/>
+          </a:effectRef>
+          <a:fontRef idx="minor">
+            <a:schemeClr val="tx1"/>
+          </a:fontRef>
+        </p:style>
+      </p:cxnSp>
+    </p:spTree>
+    <p:extLst>
+      <p:ext uri="{BB962C8B-B14F-4D97-AF65-F5344CB8AC3E}">
+        <p14:creationId xmlns:p14="http://schemas.microsoft.com/office/powerpoint/2010/main" val="2087570414"/>
+      </p:ext>
+    </p:extLst>
+  </p:cSld>
+  <p:clrMapOvr>
+    <a:masterClrMapping/>
+  </p:clrMapOvr>
+</p:sld>
+</file>
+
+<file path=ppt/slides/slide55.xml><?xml version="1.0" encoding="utf-8"?>
+<p:sld xmlns:a="http://schemas.openxmlformats.org/drawingml/2006/main" xmlns:r="http://schemas.openxmlformats.org/officeDocument/2006/relationships" xmlns:p="http://schemas.openxmlformats.org/presentationml/2006/main">
+  <p:cSld>
+    <p:spTree>
+      <p:nvGrpSpPr>
+        <p:cNvPr id="1" name=""/>
+        <p:cNvGrpSpPr/>
+        <p:nvPr/>
+      </p:nvGrpSpPr>
+      <p:grpSpPr>
+        <a:xfrm>
+          <a:off x="0" y="0"/>
+          <a:ext cx="0" cy="0"/>
+          <a:chOff x="0" y="0"/>
+          <a:chExt cx="0" cy="0"/>
+        </a:xfrm>
+      </p:grpSpPr>
+      <p:sp>
+        <p:nvSpPr>
+          <p:cNvPr id="2" name="Titel 1">
+            <a:extLst>
+              <a:ext uri="{FF2B5EF4-FFF2-40B4-BE49-F238E27FC236}">
+                <a16:creationId xmlns:a16="http://schemas.microsoft.com/office/drawing/2014/main" id="{0EC7A146-A8F2-A844-9033-A0ACC828AF47}"/>
+              </a:ext>
+            </a:extLst>
+          </p:cNvPr>
+          <p:cNvSpPr>
+            <a:spLocks noGrp="1"/>
+          </p:cNvSpPr>
+          <p:nvPr>
+            <p:ph type="title"/>
+          </p:nvPr>
+        </p:nvSpPr>
+        <p:spPr/>
+        <p:txBody>
+          <a:bodyPr/>
+          <a:lstStyle/>
+          <a:p>
+            <a:r>
+              <a:rPr lang="de-DE" dirty="0" err="1"/>
+              <a:t>Step</a:t>
+            </a:r>
+            <a:r>
+              <a:rPr lang="de-DE" dirty="0"/>
+              <a:t> 100</a:t>
+            </a:r>
+          </a:p>
+        </p:txBody>
+      </p:sp>
+      <p:sp>
+        <p:nvSpPr>
+          <p:cNvPr id="3" name="Inhaltsplatzhalter 2">
+            <a:extLst>
+              <a:ext uri="{FF2B5EF4-FFF2-40B4-BE49-F238E27FC236}">
+                <a16:creationId xmlns:a16="http://schemas.microsoft.com/office/drawing/2014/main" id="{2A5EBA90-6155-FD45-A74C-ECC42BCA72DF}"/>
+              </a:ext>
+            </a:extLst>
+          </p:cNvPr>
+          <p:cNvSpPr>
+            <a:spLocks noGrp="1"/>
+          </p:cNvSpPr>
+          <p:nvPr>
+            <p:ph idx="1"/>
+          </p:nvPr>
+        </p:nvSpPr>
+        <p:spPr/>
+        <p:txBody>
+          <a:bodyPr/>
+          <a:lstStyle/>
+          <a:p>
+            <a:r>
+              <a:rPr lang="de-DE" dirty="0"/>
+              <a:t>Thema: Service als Docker-Container</a:t>
+            </a:r>
+          </a:p>
+        </p:txBody>
+      </p:sp>
+    </p:spTree>
+    <p:extLst>
+      <p:ext uri="{BB962C8B-B14F-4D97-AF65-F5344CB8AC3E}">
+        <p14:creationId xmlns:p14="http://schemas.microsoft.com/office/powerpoint/2010/main" val="1059597919"/>
+      </p:ext>
+    </p:extLst>
+  </p:cSld>
+  <p:clrMapOvr>
+    <a:masterClrMapping/>
+  </p:clrMapOvr>
+</p:sld>
+</file>
+
+<file path=ppt/slides/slide56.xml><?xml version="1.0" encoding="utf-8"?>
+<p:sld xmlns:a="http://schemas.openxmlformats.org/drawingml/2006/main" xmlns:r="http://schemas.openxmlformats.org/officeDocument/2006/relationships" xmlns:p="http://schemas.openxmlformats.org/presentationml/2006/main">
+  <p:cSld>
+    <p:spTree>
+      <p:nvGrpSpPr>
+        <p:cNvPr id="1" name=""/>
+        <p:cNvGrpSpPr/>
+        <p:nvPr/>
+      </p:nvGrpSpPr>
+      <p:grpSpPr>
+        <a:xfrm>
+          <a:off x="0" y="0"/>
+          <a:ext cx="0" cy="0"/>
+          <a:chOff x="0" y="0"/>
+          <a:chExt cx="0" cy="0"/>
+        </a:xfrm>
+      </p:grpSpPr>
+      <p:sp>
+        <p:nvSpPr>
+          <p:cNvPr id="2" name="Titel 1">
+            <a:extLst>
+              <a:ext uri="{FF2B5EF4-FFF2-40B4-BE49-F238E27FC236}">
+                <a16:creationId xmlns:a16="http://schemas.microsoft.com/office/drawing/2014/main" id="{0EC7A146-A8F2-A844-9033-A0ACC828AF47}"/>
+              </a:ext>
+            </a:extLst>
+          </p:cNvPr>
+          <p:cNvSpPr>
+            <a:spLocks noGrp="1"/>
+          </p:cNvSpPr>
+          <p:nvPr>
+            <p:ph type="title"/>
+          </p:nvPr>
+        </p:nvSpPr>
+        <p:spPr/>
+        <p:txBody>
+          <a:bodyPr/>
+          <a:lstStyle/>
+          <a:p>
+            <a:r>
+              <a:rPr lang="de-DE" dirty="0" err="1"/>
+              <a:t>Step</a:t>
+            </a:r>
+            <a:r>
+              <a:rPr lang="de-DE" dirty="0"/>
+              <a:t> 110</a:t>
+            </a:r>
+          </a:p>
+        </p:txBody>
+      </p:sp>
+      <p:sp>
+        <p:nvSpPr>
+          <p:cNvPr id="3" name="Inhaltsplatzhalter 2">
+            <a:extLst>
+              <a:ext uri="{FF2B5EF4-FFF2-40B4-BE49-F238E27FC236}">
+                <a16:creationId xmlns:a16="http://schemas.microsoft.com/office/drawing/2014/main" id="{2A5EBA90-6155-FD45-A74C-ECC42BCA72DF}"/>
+              </a:ext>
+            </a:extLst>
+          </p:cNvPr>
+          <p:cNvSpPr>
+            <a:spLocks noGrp="1"/>
+          </p:cNvSpPr>
+          <p:nvPr>
+            <p:ph idx="1"/>
+          </p:nvPr>
+        </p:nvSpPr>
+        <p:spPr/>
+        <p:txBody>
+          <a:bodyPr/>
+          <a:lstStyle/>
+          <a:p>
+            <a:r>
+              <a:rPr lang="de-DE" dirty="0"/>
+              <a:t>Thema: Sicherheit</a:t>
+            </a:r>
+          </a:p>
+          <a:p>
+            <a:pPr lvl="1"/>
+            <a:r>
+              <a:rPr lang="de-DE" dirty="0"/>
+              <a:t>Identity </a:t>
+            </a:r>
+            <a:r>
+              <a:rPr lang="de-DE" dirty="0" err="1"/>
+              <a:t>and</a:t>
+            </a:r>
+            <a:r>
+              <a:rPr lang="de-DE" dirty="0"/>
+              <a:t> Access Management (</a:t>
+            </a:r>
+            <a:r>
+              <a:rPr lang="de-DE" dirty="0" err="1"/>
+              <a:t>IdM</a:t>
+            </a:r>
+            <a:r>
+              <a:rPr lang="de-DE" dirty="0"/>
+              <a:t>, IAM, </a:t>
+            </a:r>
+            <a:r>
+              <a:rPr lang="de-DE" dirty="0" err="1"/>
+              <a:t>IdAM</a:t>
+            </a:r>
+            <a:r>
+              <a:rPr lang="de-DE" dirty="0"/>
+              <a:t>)</a:t>
+            </a:r>
+          </a:p>
+          <a:p>
+            <a:pPr lvl="2"/>
+            <a:r>
+              <a:rPr lang="de-DE" dirty="0"/>
+              <a:t>Software: </a:t>
+            </a:r>
+            <a:r>
+              <a:rPr lang="de-DE" dirty="0" err="1"/>
+              <a:t>Keycloak</a:t>
+            </a:r>
+            <a:endParaRPr lang="de-DE" dirty="0"/>
+          </a:p>
+          <a:p>
+            <a:pPr lvl="1"/>
+            <a:r>
+              <a:rPr lang="de-DE" dirty="0"/>
+              <a:t>Sicherung der Anwendung</a:t>
+            </a:r>
+          </a:p>
+          <a:p>
+            <a:pPr lvl="2"/>
+            <a:r>
+              <a:rPr lang="de-DE" dirty="0"/>
+              <a:t>Framework: Spring Security</a:t>
+            </a:r>
+          </a:p>
+        </p:txBody>
+      </p:sp>
+    </p:spTree>
+    <p:extLst>
+      <p:ext uri="{BB962C8B-B14F-4D97-AF65-F5344CB8AC3E}">
+        <p14:creationId xmlns:p14="http://schemas.microsoft.com/office/powerpoint/2010/main" val="1812459713"/>
+      </p:ext>
+    </p:extLst>
+  </p:cSld>
+  <p:clrMapOvr>
+    <a:masterClrMapping/>
+  </p:clrMapOvr>
+</p:sld>
+</file>
+
+<file path=ppt/slides/slide57.xml><?xml version="1.0" encoding="utf-8"?>
+<p:sld xmlns:a="http://schemas.openxmlformats.org/drawingml/2006/main" xmlns:r="http://schemas.openxmlformats.org/officeDocument/2006/relationships" xmlns:p="http://schemas.openxmlformats.org/presentationml/2006/main">
+  <p:cSld>
+    <p:spTree>
+      <p:nvGrpSpPr>
+        <p:cNvPr id="1" name=""/>
+        <p:cNvGrpSpPr/>
+        <p:nvPr/>
+      </p:nvGrpSpPr>
+      <p:grpSpPr>
+        <a:xfrm>
+          <a:off x="0" y="0"/>
+          <a:ext cx="0" cy="0"/>
+          <a:chOff x="0" y="0"/>
+          <a:chExt cx="0" cy="0"/>
+        </a:xfrm>
+      </p:grpSpPr>
+      <p:sp>
+        <p:nvSpPr>
+          <p:cNvPr id="2" name="Titel 1">
+            <a:extLst>
+              <a:ext uri="{FF2B5EF4-FFF2-40B4-BE49-F238E27FC236}">
+                <a16:creationId xmlns:a16="http://schemas.microsoft.com/office/drawing/2014/main" id="{0EC7A146-A8F2-A844-9033-A0ACC828AF47}"/>
+              </a:ext>
+            </a:extLst>
+          </p:cNvPr>
+          <p:cNvSpPr>
+            <a:spLocks noGrp="1"/>
+          </p:cNvSpPr>
+          <p:nvPr>
+            <p:ph type="title"/>
+          </p:nvPr>
+        </p:nvSpPr>
+        <p:spPr/>
+        <p:txBody>
+          <a:bodyPr/>
+          <a:lstStyle/>
+          <a:p>
+            <a:r>
+              <a:rPr lang="de-DE" dirty="0" err="1"/>
+              <a:t>Step</a:t>
+            </a:r>
+            <a:r>
+              <a:rPr lang="de-DE" dirty="0"/>
+              <a:t> 120</a:t>
+            </a:r>
+          </a:p>
+        </p:txBody>
+      </p:sp>
+      <p:sp>
+        <p:nvSpPr>
+          <p:cNvPr id="3" name="Inhaltsplatzhalter 2">
+            <a:extLst>
+              <a:ext uri="{FF2B5EF4-FFF2-40B4-BE49-F238E27FC236}">
+                <a16:creationId xmlns:a16="http://schemas.microsoft.com/office/drawing/2014/main" id="{2A5EBA90-6155-FD45-A74C-ECC42BCA72DF}"/>
+              </a:ext>
+            </a:extLst>
+          </p:cNvPr>
+          <p:cNvSpPr>
+            <a:spLocks noGrp="1"/>
+          </p:cNvSpPr>
+          <p:nvPr>
+            <p:ph idx="1"/>
+          </p:nvPr>
+        </p:nvSpPr>
+        <p:spPr/>
+        <p:txBody>
+          <a:bodyPr/>
+          <a:lstStyle/>
+          <a:p>
+            <a:r>
+              <a:rPr lang="de-DE" dirty="0"/>
+              <a:t>Thema: </a:t>
+            </a:r>
+            <a:r>
+              <a:rPr lang="de-DE" dirty="0" err="1"/>
+              <a:t>Lombok</a:t>
+            </a:r>
+            <a:endParaRPr lang="de-DE" dirty="0"/>
+          </a:p>
+        </p:txBody>
+      </p:sp>
+    </p:spTree>
+    <p:extLst>
+      <p:ext uri="{BB962C8B-B14F-4D97-AF65-F5344CB8AC3E}">
+        <p14:creationId xmlns:p14="http://schemas.microsoft.com/office/powerpoint/2010/main" val="386866240"/>
+      </p:ext>
+    </p:extLst>
+  </p:cSld>
+  <p:clrMapOvr>
+    <a:masterClrMapping/>
+  </p:clrMapOvr>
+</p:sld>
+</file>
+
+<file path=ppt/slides/slide58.xml><?xml version="1.0" encoding="utf-8"?>
+<p:sld xmlns:a="http://schemas.openxmlformats.org/drawingml/2006/main" xmlns:r="http://schemas.openxmlformats.org/officeDocument/2006/relationships" xmlns:p="http://schemas.openxmlformats.org/presentationml/2006/main">
+  <p:cSld>
+    <p:spTree>
+      <p:nvGrpSpPr>
+        <p:cNvPr id="1" name=""/>
+        <p:cNvGrpSpPr/>
+        <p:nvPr/>
+      </p:nvGrpSpPr>
+      <p:grpSpPr>
+        <a:xfrm>
+          <a:off x="0" y="0"/>
+          <a:ext cx="0" cy="0"/>
+          <a:chOff x="0" y="0"/>
+          <a:chExt cx="0" cy="0"/>
+        </a:xfrm>
+      </p:grpSpPr>
+      <p:sp>
+        <p:nvSpPr>
+          <p:cNvPr id="2" name="Titel 1">
+            <a:extLst>
+              <a:ext uri="{FF2B5EF4-FFF2-40B4-BE49-F238E27FC236}">
+                <a16:creationId xmlns:a16="http://schemas.microsoft.com/office/drawing/2014/main" id="{0EC7A146-A8F2-A844-9033-A0ACC828AF47}"/>
+              </a:ext>
+            </a:extLst>
+          </p:cNvPr>
+          <p:cNvSpPr>
+            <a:spLocks noGrp="1"/>
+          </p:cNvSpPr>
+          <p:nvPr>
+            <p:ph type="title"/>
+          </p:nvPr>
+        </p:nvSpPr>
+        <p:spPr/>
+        <p:txBody>
+          <a:bodyPr/>
+          <a:lstStyle/>
+          <a:p>
+            <a:r>
+              <a:rPr lang="de-DE" dirty="0" err="1"/>
+              <a:t>Step</a:t>
+            </a:r>
+            <a:r>
+              <a:rPr lang="de-DE" dirty="0"/>
+              <a:t> 130</a:t>
+            </a:r>
+          </a:p>
+        </p:txBody>
+      </p:sp>
+      <p:sp>
+        <p:nvSpPr>
+          <p:cNvPr id="3" name="Inhaltsplatzhalter 2">
+            <a:extLst>
+              <a:ext uri="{FF2B5EF4-FFF2-40B4-BE49-F238E27FC236}">
+                <a16:creationId xmlns:a16="http://schemas.microsoft.com/office/drawing/2014/main" id="{2A5EBA90-6155-FD45-A74C-ECC42BCA72DF}"/>
+              </a:ext>
+            </a:extLst>
+          </p:cNvPr>
+          <p:cNvSpPr>
+            <a:spLocks noGrp="1"/>
+          </p:cNvSpPr>
+          <p:nvPr>
+            <p:ph idx="1"/>
+          </p:nvPr>
+        </p:nvSpPr>
+        <p:spPr/>
+        <p:txBody>
+          <a:bodyPr/>
+          <a:lstStyle/>
+          <a:p>
+            <a:r>
+              <a:rPr lang="de-DE" dirty="0"/>
+              <a:t>Thema: Aufruf eines anderen </a:t>
+            </a:r>
+            <a:r>
+              <a:rPr lang="de-DE" dirty="0" err="1"/>
+              <a:t>Microservice</a:t>
+            </a:r>
+            <a:endParaRPr lang="de-DE" dirty="0"/>
+          </a:p>
+          <a:p>
+            <a:pPr lvl="1"/>
+            <a:r>
+              <a:rPr lang="de-DE" dirty="0"/>
+              <a:t>Absetzen eines REST-Calls</a:t>
+            </a:r>
+          </a:p>
+          <a:p>
+            <a:pPr lvl="2"/>
+            <a:r>
+              <a:rPr lang="de-DE" dirty="0"/>
+              <a:t>Framework: Spring </a:t>
+            </a:r>
+            <a:r>
+              <a:rPr lang="de-DE"/>
+              <a:t>WebFlux</a:t>
+            </a:r>
+            <a:endParaRPr lang="de-DE" dirty="0"/>
+          </a:p>
+        </p:txBody>
+      </p:sp>
+    </p:spTree>
+    <p:extLst>
+      <p:ext uri="{BB962C8B-B14F-4D97-AF65-F5344CB8AC3E}">
+        <p14:creationId xmlns:p14="http://schemas.microsoft.com/office/powerpoint/2010/main" val="1753332930"/>
+      </p:ext>
+    </p:extLst>
+  </p:cSld>
+  <p:clrMapOvr>
+    <a:masterClrMapping/>
+  </p:clrMapOvr>
+</p:sld>
+</file>
+
+<file path=ppt/slides/slide59.xml><?xml version="1.0" encoding="utf-8"?>
+<p:sld xmlns:a="http://schemas.openxmlformats.org/drawingml/2006/main" xmlns:r="http://schemas.openxmlformats.org/officeDocument/2006/relationships" xmlns:p="http://schemas.openxmlformats.org/presentationml/2006/main">
+  <p:cSld>
+    <p:spTree>
+      <p:nvGrpSpPr>
+        <p:cNvPr id="1" name=""/>
+        <p:cNvGrpSpPr/>
+        <p:nvPr/>
+      </p:nvGrpSpPr>
+      <p:grpSpPr>
+        <a:xfrm>
+          <a:off x="0" y="0"/>
+          <a:ext cx="0" cy="0"/>
+          <a:chOff x="0" y="0"/>
+          <a:chExt cx="0" cy="0"/>
+        </a:xfrm>
+      </p:grpSpPr>
+      <p:sp>
+        <p:nvSpPr>
+          <p:cNvPr id="2" name="Titel 1">
+            <a:extLst>
+              <a:ext uri="{FF2B5EF4-FFF2-40B4-BE49-F238E27FC236}">
+                <a16:creationId xmlns:a16="http://schemas.microsoft.com/office/drawing/2014/main" id="{0EC7A146-A8F2-A844-9033-A0ACC828AF47}"/>
+              </a:ext>
+            </a:extLst>
+          </p:cNvPr>
+          <p:cNvSpPr>
+            <a:spLocks noGrp="1"/>
+          </p:cNvSpPr>
+          <p:nvPr>
+            <p:ph type="title"/>
+          </p:nvPr>
+        </p:nvSpPr>
+        <p:spPr/>
+        <p:txBody>
+          <a:bodyPr/>
+          <a:lstStyle/>
+          <a:p>
+            <a:r>
+              <a:rPr lang="de-DE" dirty="0" err="1"/>
+              <a:t>Todo</a:t>
+            </a:r>
+            <a:endParaRPr lang="de-DE" dirty="0"/>
+          </a:p>
+        </p:txBody>
+      </p:sp>
+      <p:sp>
+        <p:nvSpPr>
+          <p:cNvPr id="3" name="Inhaltsplatzhalter 2">
+            <a:extLst>
+              <a:ext uri="{FF2B5EF4-FFF2-40B4-BE49-F238E27FC236}">
+                <a16:creationId xmlns:a16="http://schemas.microsoft.com/office/drawing/2014/main" id="{2A5EBA90-6155-FD45-A74C-ECC42BCA72DF}"/>
+              </a:ext>
+            </a:extLst>
+          </p:cNvPr>
+          <p:cNvSpPr>
+            <a:spLocks noGrp="1"/>
+          </p:cNvSpPr>
+          <p:nvPr>
+            <p:ph idx="1"/>
+          </p:nvPr>
+        </p:nvSpPr>
+        <p:spPr/>
+        <p:txBody>
+          <a:bodyPr/>
+          <a:lstStyle/>
+          <a:p>
+            <a:r>
+              <a:rPr lang="de-DE" dirty="0"/>
+              <a:t>Integrations-Tests mit </a:t>
+            </a:r>
+            <a:r>
+              <a:rPr lang="de-DE" dirty="0" err="1"/>
+              <a:t>Cucumber</a:t>
+            </a:r>
+            <a:endParaRPr lang="de-DE" dirty="0"/>
+          </a:p>
+          <a:p>
+            <a:r>
+              <a:rPr lang="de-DE" dirty="0"/>
+              <a:t>Performance-Tests mit Gatling</a:t>
+            </a:r>
+          </a:p>
+          <a:p>
+            <a:r>
+              <a:rPr lang="de-DE" dirty="0"/>
+              <a:t>Message-in (</a:t>
+            </a:r>
+            <a:r>
+              <a:rPr lang="de-DE" dirty="0" err="1"/>
+              <a:t>ActiveMQ</a:t>
+            </a:r>
+            <a:r>
+              <a:rPr lang="de-DE" dirty="0"/>
+              <a:t> mit JMS)</a:t>
+            </a:r>
+          </a:p>
+          <a:p>
+            <a:r>
+              <a:rPr lang="de-DE" dirty="0"/>
+              <a:t>Message-out (</a:t>
+            </a:r>
+            <a:r>
+              <a:rPr lang="de-DE" dirty="0" err="1"/>
+              <a:t>ActiveMQ</a:t>
+            </a:r>
+            <a:r>
+              <a:rPr lang="de-DE" dirty="0"/>
+              <a:t> mit JMS)</a:t>
+            </a:r>
+          </a:p>
+        </p:txBody>
+      </p:sp>
+    </p:spTree>
+    <p:extLst>
+      <p:ext uri="{BB962C8B-B14F-4D97-AF65-F5344CB8AC3E}">
+        <p14:creationId xmlns:p14="http://schemas.microsoft.com/office/powerpoint/2010/main" val="657824743"/>
       </p:ext>
     </p:extLst>
   </p:cSld>

--- a/Java-Starter.pptx
+++ b/Java-Starter.pptx
@@ -4,6 +4,9 @@
   <p:sldMasterIdLst>
     <p:sldMasterId id="2147483648" r:id="rId1"/>
   </p:sldMasterIdLst>
+  <p:notesMasterIdLst>
+    <p:notesMasterId r:id="rId76"/>
+  </p:notesMasterIdLst>
   <p:sldIdLst>
     <p:sldId id="256" r:id="rId2"/>
     <p:sldId id="257" r:id="rId3"/>
@@ -58,18 +61,27 @@
     <p:sldId id="323" r:id="rId52"/>
     <p:sldId id="321" r:id="rId53"/>
     <p:sldId id="265" r:id="rId54"/>
-    <p:sldId id="266" r:id="rId55"/>
+    <p:sldId id="338" r:id="rId55"/>
     <p:sldId id="316" r:id="rId56"/>
     <p:sldId id="317" r:id="rId57"/>
     <p:sldId id="318" r:id="rId58"/>
     <p:sldId id="319" r:id="rId59"/>
     <p:sldId id="320" r:id="rId60"/>
     <p:sldId id="267" r:id="rId61"/>
-    <p:sldId id="304" r:id="rId62"/>
-    <p:sldId id="324" r:id="rId63"/>
-    <p:sldId id="305" r:id="rId64"/>
-    <p:sldId id="306" r:id="rId65"/>
-    <p:sldId id="315" r:id="rId66"/>
+    <p:sldId id="266" r:id="rId62"/>
+    <p:sldId id="304" r:id="rId63"/>
+    <p:sldId id="324" r:id="rId64"/>
+    <p:sldId id="305" r:id="rId65"/>
+    <p:sldId id="306" r:id="rId66"/>
+    <p:sldId id="331" r:id="rId67"/>
+    <p:sldId id="332" r:id="rId68"/>
+    <p:sldId id="333" r:id="rId69"/>
+    <p:sldId id="334" r:id="rId70"/>
+    <p:sldId id="335" r:id="rId71"/>
+    <p:sldId id="336" r:id="rId72"/>
+    <p:sldId id="337" r:id="rId73"/>
+    <p:sldId id="330" r:id="rId74"/>
+    <p:sldId id="315" r:id="rId75"/>
   </p:sldIdLst>
   <p:sldSz cx="12192000" cy="6858000"/>
   <p:notesSz cx="6858000" cy="9144000"/>
@@ -176,6 +188,439 @@
 </p:presentation>
 </file>
 
+<file path=ppt/notesMasters/notesMaster1.xml><?xml version="1.0" encoding="utf-8"?>
+<p:notesMaster xmlns:a="http://schemas.openxmlformats.org/drawingml/2006/main" xmlns:r="http://schemas.openxmlformats.org/officeDocument/2006/relationships" xmlns:p="http://schemas.openxmlformats.org/presentationml/2006/main">
+  <p:cSld>
+    <p:bg>
+      <p:bgRef idx="1001">
+        <a:schemeClr val="bg1"/>
+      </p:bgRef>
+    </p:bg>
+    <p:spTree>
+      <p:nvGrpSpPr>
+        <p:cNvPr id="1" name=""/>
+        <p:cNvGrpSpPr/>
+        <p:nvPr/>
+      </p:nvGrpSpPr>
+      <p:grpSpPr>
+        <a:xfrm>
+          <a:off x="0" y="0"/>
+          <a:ext cx="0" cy="0"/>
+          <a:chOff x="0" y="0"/>
+          <a:chExt cx="0" cy="0"/>
+        </a:xfrm>
+      </p:grpSpPr>
+      <p:sp>
+        <p:nvSpPr>
+          <p:cNvPr id="2" name="Kopfzeilenplatzhalter 1"/>
+          <p:cNvSpPr>
+            <a:spLocks noGrp="1"/>
+          </p:cNvSpPr>
+          <p:nvPr>
+            <p:ph type="hdr" sz="quarter"/>
+          </p:nvPr>
+        </p:nvSpPr>
+        <p:spPr>
+          <a:xfrm>
+            <a:off x="0" y="0"/>
+            <a:ext cx="2971800" cy="458788"/>
+          </a:xfrm>
+          <a:prstGeom prst="rect">
+            <a:avLst/>
+          </a:prstGeom>
+        </p:spPr>
+        <p:txBody>
+          <a:bodyPr vert="horz" lIns="91440" tIns="45720" rIns="91440" bIns="45720" rtlCol="0"/>
+          <a:lstStyle>
+            <a:lvl1pPr algn="l">
+              <a:defRPr sz="1200"/>
+            </a:lvl1pPr>
+          </a:lstStyle>
+          <a:p>
+            <a:endParaRPr lang="de-DE"/>
+          </a:p>
+        </p:txBody>
+      </p:sp>
+      <p:sp>
+        <p:nvSpPr>
+          <p:cNvPr id="3" name="Datumsplatzhalter 2"/>
+          <p:cNvSpPr>
+            <a:spLocks noGrp="1"/>
+          </p:cNvSpPr>
+          <p:nvPr>
+            <p:ph type="dt" idx="1"/>
+          </p:nvPr>
+        </p:nvSpPr>
+        <p:spPr>
+          <a:xfrm>
+            <a:off x="3884613" y="0"/>
+            <a:ext cx="2971800" cy="458788"/>
+          </a:xfrm>
+          <a:prstGeom prst="rect">
+            <a:avLst/>
+          </a:prstGeom>
+        </p:spPr>
+        <p:txBody>
+          <a:bodyPr vert="horz" lIns="91440" tIns="45720" rIns="91440" bIns="45720" rtlCol="0"/>
+          <a:lstStyle>
+            <a:lvl1pPr algn="r">
+              <a:defRPr sz="1200"/>
+            </a:lvl1pPr>
+          </a:lstStyle>
+          <a:p>
+            <a:fld id="{64D387BD-2FDA-4640-824D-9ADFD7023C00}" type="datetimeFigureOut">
+              <a:rPr lang="de-DE" smtClean="0"/>
+              <a:t>29.04.22</a:t>
+            </a:fld>
+            <a:endParaRPr lang="de-DE"/>
+          </a:p>
+        </p:txBody>
+      </p:sp>
+      <p:sp>
+        <p:nvSpPr>
+          <p:cNvPr id="4" name="Folienbildplatzhalter 3"/>
+          <p:cNvSpPr>
+            <a:spLocks noGrp="1" noRot="1" noChangeAspect="1"/>
+          </p:cNvSpPr>
+          <p:nvPr>
+            <p:ph type="sldImg" idx="2"/>
+          </p:nvPr>
+        </p:nvSpPr>
+        <p:spPr>
+          <a:xfrm>
+            <a:off x="685800" y="1143000"/>
+            <a:ext cx="5486400" cy="3086100"/>
+          </a:xfrm>
+          <a:prstGeom prst="rect">
+            <a:avLst/>
+          </a:prstGeom>
+          <a:noFill/>
+          <a:ln w="12700">
+            <a:solidFill>
+              <a:prstClr val="black"/>
+            </a:solidFill>
+          </a:ln>
+        </p:spPr>
+        <p:txBody>
+          <a:bodyPr vert="horz" lIns="91440" tIns="45720" rIns="91440" bIns="45720" rtlCol="0" anchor="ctr"/>
+          <a:lstStyle/>
+          <a:p>
+            <a:endParaRPr lang="de-DE"/>
+          </a:p>
+        </p:txBody>
+      </p:sp>
+      <p:sp>
+        <p:nvSpPr>
+          <p:cNvPr id="5" name="Notizenplatzhalter 4"/>
+          <p:cNvSpPr>
+            <a:spLocks noGrp="1"/>
+          </p:cNvSpPr>
+          <p:nvPr>
+            <p:ph type="body" sz="quarter" idx="3"/>
+          </p:nvPr>
+        </p:nvSpPr>
+        <p:spPr>
+          <a:xfrm>
+            <a:off x="685800" y="4400550"/>
+            <a:ext cx="5486400" cy="3600450"/>
+          </a:xfrm>
+          <a:prstGeom prst="rect">
+            <a:avLst/>
+          </a:prstGeom>
+        </p:spPr>
+        <p:txBody>
+          <a:bodyPr vert="horz" lIns="91440" tIns="45720" rIns="91440" bIns="45720" rtlCol="0"/>
+          <a:lstStyle/>
+          <a:p>
+            <a:pPr lvl="0"/>
+            <a:r>
+              <a:rPr lang="de-DE"/>
+              <a:t>Mastertextformat bearbeiten</a:t>
+            </a:r>
+          </a:p>
+          <a:p>
+            <a:pPr lvl="1"/>
+            <a:r>
+              <a:rPr lang="de-DE"/>
+              <a:t>Zweite Ebene</a:t>
+            </a:r>
+          </a:p>
+          <a:p>
+            <a:pPr lvl="2"/>
+            <a:r>
+              <a:rPr lang="de-DE"/>
+              <a:t>Dritte Ebene</a:t>
+            </a:r>
+          </a:p>
+          <a:p>
+            <a:pPr lvl="3"/>
+            <a:r>
+              <a:rPr lang="de-DE"/>
+              <a:t>Vierte Ebene</a:t>
+            </a:r>
+          </a:p>
+          <a:p>
+            <a:pPr lvl="4"/>
+            <a:r>
+              <a:rPr lang="de-DE"/>
+              <a:t>Fünfte Ebene</a:t>
+            </a:r>
+          </a:p>
+        </p:txBody>
+      </p:sp>
+      <p:sp>
+        <p:nvSpPr>
+          <p:cNvPr id="6" name="Fußzeilenplatzhalter 5"/>
+          <p:cNvSpPr>
+            <a:spLocks noGrp="1"/>
+          </p:cNvSpPr>
+          <p:nvPr>
+            <p:ph type="ftr" sz="quarter" idx="4"/>
+          </p:nvPr>
+        </p:nvSpPr>
+        <p:spPr>
+          <a:xfrm>
+            <a:off x="0" y="8685213"/>
+            <a:ext cx="2971800" cy="458787"/>
+          </a:xfrm>
+          <a:prstGeom prst="rect">
+            <a:avLst/>
+          </a:prstGeom>
+        </p:spPr>
+        <p:txBody>
+          <a:bodyPr vert="horz" lIns="91440" tIns="45720" rIns="91440" bIns="45720" rtlCol="0" anchor="b"/>
+          <a:lstStyle>
+            <a:lvl1pPr algn="l">
+              <a:defRPr sz="1200"/>
+            </a:lvl1pPr>
+          </a:lstStyle>
+          <a:p>
+            <a:endParaRPr lang="de-DE"/>
+          </a:p>
+        </p:txBody>
+      </p:sp>
+      <p:sp>
+        <p:nvSpPr>
+          <p:cNvPr id="7" name="Foliennummernplatzhalter 6"/>
+          <p:cNvSpPr>
+            <a:spLocks noGrp="1"/>
+          </p:cNvSpPr>
+          <p:nvPr>
+            <p:ph type="sldNum" sz="quarter" idx="5"/>
+          </p:nvPr>
+        </p:nvSpPr>
+        <p:spPr>
+          <a:xfrm>
+            <a:off x="3884613" y="8685213"/>
+            <a:ext cx="2971800" cy="458787"/>
+          </a:xfrm>
+          <a:prstGeom prst="rect">
+            <a:avLst/>
+          </a:prstGeom>
+        </p:spPr>
+        <p:txBody>
+          <a:bodyPr vert="horz" lIns="91440" tIns="45720" rIns="91440" bIns="45720" rtlCol="0" anchor="b"/>
+          <a:lstStyle>
+            <a:lvl1pPr algn="r">
+              <a:defRPr sz="1200"/>
+            </a:lvl1pPr>
+          </a:lstStyle>
+          <a:p>
+            <a:fld id="{BEE82880-91AB-1044-85AB-5C5BC6EDD5FC}" type="slidenum">
+              <a:rPr lang="de-DE" smtClean="0"/>
+              <a:t>‹Nr.›</a:t>
+            </a:fld>
+            <a:endParaRPr lang="de-DE"/>
+          </a:p>
+        </p:txBody>
+      </p:sp>
+    </p:spTree>
+    <p:extLst>
+      <p:ext uri="{BB962C8B-B14F-4D97-AF65-F5344CB8AC3E}">
+        <p14:creationId xmlns:p14="http://schemas.microsoft.com/office/powerpoint/2010/main" val="1140803069"/>
+      </p:ext>
+    </p:extLst>
+  </p:cSld>
+  <p:clrMap bg1="lt1" tx1="dk1" bg2="lt2" tx2="dk2" accent1="accent1" accent2="accent2" accent3="accent3" accent4="accent4" accent5="accent5" accent6="accent6" hlink="hlink" folHlink="folHlink"/>
+  <p:notesStyle>
+    <a:lvl1pPr marL="0" algn="l" defTabSz="914400" rtl="0" eaLnBrk="1" latinLnBrk="0" hangingPunct="1">
+      <a:defRPr sz="1200" kern="1200">
+        <a:solidFill>
+          <a:schemeClr val="tx1"/>
+        </a:solidFill>
+        <a:latin typeface="+mn-lt"/>
+        <a:ea typeface="+mn-ea"/>
+        <a:cs typeface="+mn-cs"/>
+      </a:defRPr>
+    </a:lvl1pPr>
+    <a:lvl2pPr marL="457200" algn="l" defTabSz="914400" rtl="0" eaLnBrk="1" latinLnBrk="0" hangingPunct="1">
+      <a:defRPr sz="1200" kern="1200">
+        <a:solidFill>
+          <a:schemeClr val="tx1"/>
+        </a:solidFill>
+        <a:latin typeface="+mn-lt"/>
+        <a:ea typeface="+mn-ea"/>
+        <a:cs typeface="+mn-cs"/>
+      </a:defRPr>
+    </a:lvl2pPr>
+    <a:lvl3pPr marL="914400" algn="l" defTabSz="914400" rtl="0" eaLnBrk="1" latinLnBrk="0" hangingPunct="1">
+      <a:defRPr sz="1200" kern="1200">
+        <a:solidFill>
+          <a:schemeClr val="tx1"/>
+        </a:solidFill>
+        <a:latin typeface="+mn-lt"/>
+        <a:ea typeface="+mn-ea"/>
+        <a:cs typeface="+mn-cs"/>
+      </a:defRPr>
+    </a:lvl3pPr>
+    <a:lvl4pPr marL="1371600" algn="l" defTabSz="914400" rtl="0" eaLnBrk="1" latinLnBrk="0" hangingPunct="1">
+      <a:defRPr sz="1200" kern="1200">
+        <a:solidFill>
+          <a:schemeClr val="tx1"/>
+        </a:solidFill>
+        <a:latin typeface="+mn-lt"/>
+        <a:ea typeface="+mn-ea"/>
+        <a:cs typeface="+mn-cs"/>
+      </a:defRPr>
+    </a:lvl4pPr>
+    <a:lvl5pPr marL="1828800" algn="l" defTabSz="914400" rtl="0" eaLnBrk="1" latinLnBrk="0" hangingPunct="1">
+      <a:defRPr sz="1200" kern="1200">
+        <a:solidFill>
+          <a:schemeClr val="tx1"/>
+        </a:solidFill>
+        <a:latin typeface="+mn-lt"/>
+        <a:ea typeface="+mn-ea"/>
+        <a:cs typeface="+mn-cs"/>
+      </a:defRPr>
+    </a:lvl5pPr>
+    <a:lvl6pPr marL="2286000" algn="l" defTabSz="914400" rtl="0" eaLnBrk="1" latinLnBrk="0" hangingPunct="1">
+      <a:defRPr sz="1200" kern="1200">
+        <a:solidFill>
+          <a:schemeClr val="tx1"/>
+        </a:solidFill>
+        <a:latin typeface="+mn-lt"/>
+        <a:ea typeface="+mn-ea"/>
+        <a:cs typeface="+mn-cs"/>
+      </a:defRPr>
+    </a:lvl6pPr>
+    <a:lvl7pPr marL="2743200" algn="l" defTabSz="914400" rtl="0" eaLnBrk="1" latinLnBrk="0" hangingPunct="1">
+      <a:defRPr sz="1200" kern="1200">
+        <a:solidFill>
+          <a:schemeClr val="tx1"/>
+        </a:solidFill>
+        <a:latin typeface="+mn-lt"/>
+        <a:ea typeface="+mn-ea"/>
+        <a:cs typeface="+mn-cs"/>
+      </a:defRPr>
+    </a:lvl7pPr>
+    <a:lvl8pPr marL="3200400" algn="l" defTabSz="914400" rtl="0" eaLnBrk="1" latinLnBrk="0" hangingPunct="1">
+      <a:defRPr sz="1200" kern="1200">
+        <a:solidFill>
+          <a:schemeClr val="tx1"/>
+        </a:solidFill>
+        <a:latin typeface="+mn-lt"/>
+        <a:ea typeface="+mn-ea"/>
+        <a:cs typeface="+mn-cs"/>
+      </a:defRPr>
+    </a:lvl8pPr>
+    <a:lvl9pPr marL="3657600" algn="l" defTabSz="914400" rtl="0" eaLnBrk="1" latinLnBrk="0" hangingPunct="1">
+      <a:defRPr sz="1200" kern="1200">
+        <a:solidFill>
+          <a:schemeClr val="tx1"/>
+        </a:solidFill>
+        <a:latin typeface="+mn-lt"/>
+        <a:ea typeface="+mn-ea"/>
+        <a:cs typeface="+mn-cs"/>
+      </a:defRPr>
+    </a:lvl9pPr>
+  </p:notesStyle>
+</p:notesMaster>
+</file>
+
+<file path=ppt/notesSlides/notesSlide1.xml><?xml version="1.0" encoding="utf-8"?>
+<p:notes xmlns:a="http://schemas.openxmlformats.org/drawingml/2006/main" xmlns:r="http://schemas.openxmlformats.org/officeDocument/2006/relationships" xmlns:p="http://schemas.openxmlformats.org/presentationml/2006/main">
+  <p:cSld>
+    <p:spTree>
+      <p:nvGrpSpPr>
+        <p:cNvPr id="1" name=""/>
+        <p:cNvGrpSpPr/>
+        <p:nvPr/>
+      </p:nvGrpSpPr>
+      <p:grpSpPr>
+        <a:xfrm>
+          <a:off x="0" y="0"/>
+          <a:ext cx="0" cy="0"/>
+          <a:chOff x="0" y="0"/>
+          <a:chExt cx="0" cy="0"/>
+        </a:xfrm>
+      </p:grpSpPr>
+      <p:sp>
+        <p:nvSpPr>
+          <p:cNvPr id="2" name="Folienbildplatzhalter 1"/>
+          <p:cNvSpPr>
+            <a:spLocks noGrp="1" noRot="1" noChangeAspect="1"/>
+          </p:cNvSpPr>
+          <p:nvPr>
+            <p:ph type="sldImg"/>
+          </p:nvPr>
+        </p:nvSpPr>
+        <p:spPr/>
+      </p:sp>
+      <p:sp>
+        <p:nvSpPr>
+          <p:cNvPr id="3" name="Notizenplatzhalter 2"/>
+          <p:cNvSpPr>
+            <a:spLocks noGrp="1"/>
+          </p:cNvSpPr>
+          <p:nvPr>
+            <p:ph type="body" idx="1"/>
+          </p:nvPr>
+        </p:nvSpPr>
+        <p:spPr/>
+        <p:txBody>
+          <a:bodyPr/>
+          <a:lstStyle/>
+          <a:p>
+            <a:endParaRPr lang="de-DE" dirty="0"/>
+          </a:p>
+        </p:txBody>
+      </p:sp>
+      <p:sp>
+        <p:nvSpPr>
+          <p:cNvPr id="4" name="Foliennummernplatzhalter 3"/>
+          <p:cNvSpPr>
+            <a:spLocks noGrp="1"/>
+          </p:cNvSpPr>
+          <p:nvPr>
+            <p:ph type="sldNum" sz="quarter" idx="5"/>
+          </p:nvPr>
+        </p:nvSpPr>
+        <p:spPr/>
+        <p:txBody>
+          <a:bodyPr/>
+          <a:lstStyle/>
+          <a:p>
+            <a:fld id="{BEE82880-91AB-1044-85AB-5C5BC6EDD5FC}" type="slidenum">
+              <a:rPr lang="de-DE" smtClean="0"/>
+              <a:t>1</a:t>
+            </a:fld>
+            <a:endParaRPr lang="de-DE"/>
+          </a:p>
+        </p:txBody>
+      </p:sp>
+    </p:spTree>
+    <p:extLst>
+      <p:ext uri="{BB962C8B-B14F-4D97-AF65-F5344CB8AC3E}">
+        <p14:creationId xmlns:p14="http://schemas.microsoft.com/office/powerpoint/2010/main" val="4293163686"/>
+      </p:ext>
+    </p:extLst>
+  </p:cSld>
+  <p:clrMapOvr>
+    <a:masterClrMapping/>
+  </p:clrMapOvr>
+</p:notes>
+</file>
+
 <file path=ppt/slideLayouts/slideLayout1.xml><?xml version="1.0" encoding="utf-8"?>
 <p:sldLayout xmlns:a="http://schemas.openxmlformats.org/drawingml/2006/main" xmlns:r="http://schemas.openxmlformats.org/officeDocument/2006/relationships" xmlns:p="http://schemas.openxmlformats.org/presentationml/2006/main" type="title" preserve="1">
   <p:cSld name="Titelfolie">
@@ -323,7 +768,7 @@
           <a:p>
             <a:fld id="{D504FEAC-1E62-0E47-82AE-5BB4BD139FFA}" type="datetimeFigureOut">
               <a:rPr lang="de-DE" smtClean="0"/>
-              <a:t>22.04.22</a:t>
+              <a:t>29.04.22</a:t>
             </a:fld>
             <a:endParaRPr lang="de-DE"/>
           </a:p>
@@ -521,7 +966,7 @@
           <a:p>
             <a:fld id="{D504FEAC-1E62-0E47-82AE-5BB4BD139FFA}" type="datetimeFigureOut">
               <a:rPr lang="de-DE" smtClean="0"/>
-              <a:t>22.04.22</a:t>
+              <a:t>29.04.22</a:t>
             </a:fld>
             <a:endParaRPr lang="de-DE"/>
           </a:p>
@@ -729,7 +1174,7 @@
           <a:p>
             <a:fld id="{D504FEAC-1E62-0E47-82AE-5BB4BD139FFA}" type="datetimeFigureOut">
               <a:rPr lang="de-DE" smtClean="0"/>
-              <a:t>22.04.22</a:t>
+              <a:t>29.04.22</a:t>
             </a:fld>
             <a:endParaRPr lang="de-DE"/>
           </a:p>
@@ -927,7 +1372,7 @@
           <a:p>
             <a:fld id="{D504FEAC-1E62-0E47-82AE-5BB4BD139FFA}" type="datetimeFigureOut">
               <a:rPr lang="de-DE" smtClean="0"/>
-              <a:t>22.04.22</a:t>
+              <a:t>29.04.22</a:t>
             </a:fld>
             <a:endParaRPr lang="de-DE"/>
           </a:p>
@@ -1202,7 +1647,7 @@
           <a:p>
             <a:fld id="{D504FEAC-1E62-0E47-82AE-5BB4BD139FFA}" type="datetimeFigureOut">
               <a:rPr lang="de-DE" smtClean="0"/>
-              <a:t>22.04.22</a:t>
+              <a:t>29.04.22</a:t>
             </a:fld>
             <a:endParaRPr lang="de-DE"/>
           </a:p>
@@ -1467,7 +1912,7 @@
           <a:p>
             <a:fld id="{D504FEAC-1E62-0E47-82AE-5BB4BD139FFA}" type="datetimeFigureOut">
               <a:rPr lang="de-DE" smtClean="0"/>
-              <a:t>22.04.22</a:t>
+              <a:t>29.04.22</a:t>
             </a:fld>
             <a:endParaRPr lang="de-DE"/>
           </a:p>
@@ -1879,7 +2324,7 @@
           <a:p>
             <a:fld id="{D504FEAC-1E62-0E47-82AE-5BB4BD139FFA}" type="datetimeFigureOut">
               <a:rPr lang="de-DE" smtClean="0"/>
-              <a:t>22.04.22</a:t>
+              <a:t>29.04.22</a:t>
             </a:fld>
             <a:endParaRPr lang="de-DE"/>
           </a:p>
@@ -2020,7 +2465,7 @@
           <a:p>
             <a:fld id="{D504FEAC-1E62-0E47-82AE-5BB4BD139FFA}" type="datetimeFigureOut">
               <a:rPr lang="de-DE" smtClean="0"/>
-              <a:t>22.04.22</a:t>
+              <a:t>29.04.22</a:t>
             </a:fld>
             <a:endParaRPr lang="de-DE"/>
           </a:p>
@@ -2133,7 +2578,7 @@
           <a:p>
             <a:fld id="{D504FEAC-1E62-0E47-82AE-5BB4BD139FFA}" type="datetimeFigureOut">
               <a:rPr lang="de-DE" smtClean="0"/>
-              <a:t>22.04.22</a:t>
+              <a:t>29.04.22</a:t>
             </a:fld>
             <a:endParaRPr lang="de-DE"/>
           </a:p>
@@ -2444,7 +2889,7 @@
           <a:p>
             <a:fld id="{D504FEAC-1E62-0E47-82AE-5BB4BD139FFA}" type="datetimeFigureOut">
               <a:rPr lang="de-DE" smtClean="0"/>
-              <a:t>22.04.22</a:t>
+              <a:t>29.04.22</a:t>
             </a:fld>
             <a:endParaRPr lang="de-DE"/>
           </a:p>
@@ -2732,7 +3177,7 @@
           <a:p>
             <a:fld id="{D504FEAC-1E62-0E47-82AE-5BB4BD139FFA}" type="datetimeFigureOut">
               <a:rPr lang="de-DE" smtClean="0"/>
-              <a:t>22.04.22</a:t>
+              <a:t>29.04.22</a:t>
             </a:fld>
             <a:endParaRPr lang="de-DE"/>
           </a:p>
@@ -2973,7 +3418,7 @@
           <a:p>
             <a:fld id="{D504FEAC-1E62-0E47-82AE-5BB4BD139FFA}" type="datetimeFigureOut">
               <a:rPr lang="de-DE" smtClean="0"/>
-              <a:t>22.04.22</a:t>
+              <a:t>29.04.22</a:t>
             </a:fld>
             <a:endParaRPr lang="de-DE"/>
           </a:p>
@@ -13957,7 +14402,7 @@
                 <a:latin typeface="Courier New" panose="02070309020205020404" pitchFamily="49" charset="0"/>
                 <a:cs typeface="Courier New" panose="02070309020205020404" pitchFamily="49" charset="0"/>
               </a:rPr>
-              <a:t>CalculatorRequestRepresentation</a:t>
+              <a:t>CalculatorResponseRepresentation</a:t>
             </a:r>
             <a:endParaRPr lang="de-DE" dirty="0">
               <a:latin typeface="Courier New" panose="02070309020205020404" pitchFamily="49" charset="0"/>
@@ -16591,7 +17036,7 @@
             </a:r>
             <a:r>
               <a:rPr lang="de-DE" dirty="0"/>
-              <a:t> 90</a:t>
+              <a:t> 100</a:t>
             </a:r>
           </a:p>
         </p:txBody>
@@ -16619,7 +17064,7 @@
           <a:p>
             <a:r>
               <a:rPr lang="de-DE" dirty="0"/>
-              <a:t>Thema: Persistenz mit Spring Data</a:t>
+              <a:t>Thema: Service als Docker-Container</a:t>
             </a:r>
           </a:p>
         </p:txBody>
@@ -16627,7 +17072,7 @@
     </p:spTree>
     <p:extLst>
       <p:ext uri="{BB962C8B-B14F-4D97-AF65-F5344CB8AC3E}">
-        <p14:creationId xmlns:p14="http://schemas.microsoft.com/office/powerpoint/2010/main" val="3263348999"/>
+        <p14:creationId xmlns:p14="http://schemas.microsoft.com/office/powerpoint/2010/main" val="3835981095"/>
       </p:ext>
     </p:extLst>
   </p:cSld>
@@ -20341,7 +20786,7 @@
             </a:r>
             <a:r>
               <a:rPr lang="de-DE" dirty="0"/>
-              <a:t> 110</a:t>
+              <a:t> 90</a:t>
             </a:r>
           </a:p>
         </p:txBody>
@@ -20369,64 +20814,7 @@
           <a:p>
             <a:r>
               <a:rPr lang="de-DE" dirty="0"/>
-              <a:t>Thema: Sicherheit</a:t>
-            </a:r>
-          </a:p>
-          <a:p>
-            <a:pPr lvl="1"/>
-            <a:r>
-              <a:rPr lang="de-DE" dirty="0"/>
-              <a:t>Identity </a:t>
-            </a:r>
-            <a:r>
-              <a:rPr lang="de-DE" dirty="0" err="1"/>
-              <a:t>and</a:t>
-            </a:r>
-            <a:r>
-              <a:rPr lang="de-DE" dirty="0"/>
-              <a:t> Access Management (</a:t>
-            </a:r>
-            <a:r>
-              <a:rPr lang="de-DE" dirty="0" err="1"/>
-              <a:t>IdM</a:t>
-            </a:r>
-            <a:r>
-              <a:rPr lang="de-DE" dirty="0"/>
-              <a:t>, IAM, </a:t>
-            </a:r>
-            <a:r>
-              <a:rPr lang="de-DE" dirty="0" err="1"/>
-              <a:t>IdAM</a:t>
-            </a:r>
-            <a:r>
-              <a:rPr lang="de-DE" dirty="0"/>
-              <a:t>)</a:t>
-            </a:r>
-          </a:p>
-          <a:p>
-            <a:pPr lvl="2"/>
-            <a:r>
-              <a:rPr lang="de-DE" dirty="0"/>
-              <a:t>Software: </a:t>
-            </a:r>
-            <a:r>
-              <a:rPr lang="de-DE" dirty="0" err="1"/>
-              <a:t>Keycloak</a:t>
-            </a:r>
-            <a:endParaRPr lang="de-DE" dirty="0"/>
-          </a:p>
-          <a:p>
-            <a:pPr lvl="1"/>
-            <a:r>
-              <a:rPr lang="de-DE" dirty="0"/>
-              <a:t>Sicherung der Anwendung</a:t>
-            </a:r>
-          </a:p>
-          <a:p>
-            <a:pPr lvl="2"/>
-            <a:r>
-              <a:rPr lang="de-DE" dirty="0"/>
-              <a:t>Framework: Spring Security</a:t>
+              <a:t>Thema: Persistenz mit Spring Data</a:t>
             </a:r>
           </a:p>
         </p:txBody>
@@ -20434,7 +20822,7 @@
     </p:spTree>
     <p:extLst>
       <p:ext uri="{BB962C8B-B14F-4D97-AF65-F5344CB8AC3E}">
-        <p14:creationId xmlns:p14="http://schemas.microsoft.com/office/powerpoint/2010/main" val="1812459713"/>
+        <p14:creationId xmlns:p14="http://schemas.microsoft.com/office/powerpoint/2010/main" val="1190180346"/>
       </p:ext>
     </p:extLst>
   </p:cSld>
@@ -20463,432 +20851,125 @@
       </p:grpSpPr>
       <p:sp>
         <p:nvSpPr>
-          <p:cNvPr id="8" name="Rechteck 7">
-            <a:extLst>
-              <a:ext uri="{FF2B5EF4-FFF2-40B4-BE49-F238E27FC236}">
-                <a16:creationId xmlns:a16="http://schemas.microsoft.com/office/drawing/2014/main" id="{ABB48DB7-0F93-4ABF-122D-B94C2F7898AB}"/>
-              </a:ext>
-            </a:extLst>
-          </p:cNvPr>
-          <p:cNvSpPr/>
-          <p:nvPr/>
-        </p:nvSpPr>
-        <p:spPr>
-          <a:xfrm>
-            <a:off x="6945086" y="3831771"/>
-            <a:ext cx="3124200" cy="1752600"/>
-          </a:xfrm>
-          <a:prstGeom prst="rect">
-            <a:avLst/>
-          </a:prstGeom>
-        </p:spPr>
-        <p:style>
-          <a:lnRef idx="2">
-            <a:schemeClr val="accent1">
-              <a:shade val="50000"/>
-            </a:schemeClr>
-          </a:lnRef>
-          <a:fillRef idx="1">
-            <a:schemeClr val="accent1"/>
-          </a:fillRef>
-          <a:effectRef idx="0">
-            <a:schemeClr val="accent1"/>
-          </a:effectRef>
-          <a:fontRef idx="minor">
-            <a:schemeClr val="lt1"/>
-          </a:fontRef>
-        </p:style>
-        <p:txBody>
-          <a:bodyPr rtlCol="0" anchor="ctr"/>
-          <a:lstStyle/>
-          <a:p>
-            <a:pPr algn="ctr"/>
-            <a:r>
-              <a:rPr lang="de-DE" dirty="0"/>
-              <a:t>IDM</a:t>
-            </a:r>
-          </a:p>
-        </p:txBody>
-      </p:sp>
-      <p:sp>
-        <p:nvSpPr>
-          <p:cNvPr id="9" name="Rechteck 8">
-            <a:extLst>
-              <a:ext uri="{FF2B5EF4-FFF2-40B4-BE49-F238E27FC236}">
-                <a16:creationId xmlns:a16="http://schemas.microsoft.com/office/drawing/2014/main" id="{0B167F54-9461-4AA7-01C0-BB2BB7399FE1}"/>
-              </a:ext>
-            </a:extLst>
-          </p:cNvPr>
-          <p:cNvSpPr/>
-          <p:nvPr/>
-        </p:nvSpPr>
-        <p:spPr>
-          <a:xfrm>
-            <a:off x="1197429" y="3831771"/>
-            <a:ext cx="3124200" cy="1752600"/>
-          </a:xfrm>
-          <a:prstGeom prst="rect">
-            <a:avLst/>
-          </a:prstGeom>
-        </p:spPr>
-        <p:style>
-          <a:lnRef idx="2">
-            <a:schemeClr val="accent1">
-              <a:shade val="50000"/>
-            </a:schemeClr>
-          </a:lnRef>
-          <a:fillRef idx="1">
-            <a:schemeClr val="accent1"/>
-          </a:fillRef>
-          <a:effectRef idx="0">
-            <a:schemeClr val="accent1"/>
-          </a:effectRef>
-          <a:fontRef idx="minor">
-            <a:schemeClr val="lt1"/>
-          </a:fontRef>
-        </p:style>
-        <p:txBody>
-          <a:bodyPr rtlCol="0" anchor="ctr"/>
-          <a:lstStyle/>
-          <a:p>
-            <a:pPr algn="ctr"/>
-            <a:r>
-              <a:rPr lang="de-DE" dirty="0"/>
-              <a:t>Microservice</a:t>
-            </a:r>
-          </a:p>
-        </p:txBody>
-      </p:sp>
-      <p:sp>
-        <p:nvSpPr>
-          <p:cNvPr id="10" name="Rechteck 9">
-            <a:extLst>
-              <a:ext uri="{FF2B5EF4-FFF2-40B4-BE49-F238E27FC236}">
-                <a16:creationId xmlns:a16="http://schemas.microsoft.com/office/drawing/2014/main" id="{1B888AE4-8AE3-B2A4-A15D-8AECE0859A4B}"/>
-              </a:ext>
-            </a:extLst>
-          </p:cNvPr>
-          <p:cNvSpPr/>
-          <p:nvPr/>
-        </p:nvSpPr>
-        <p:spPr>
-          <a:xfrm>
-            <a:off x="4321629" y="500742"/>
-            <a:ext cx="3124200" cy="1752600"/>
-          </a:xfrm>
-          <a:prstGeom prst="rect">
-            <a:avLst/>
-          </a:prstGeom>
-        </p:spPr>
-        <p:style>
-          <a:lnRef idx="2">
-            <a:schemeClr val="accent1">
-              <a:shade val="50000"/>
-            </a:schemeClr>
-          </a:lnRef>
-          <a:fillRef idx="1">
-            <a:schemeClr val="accent1"/>
-          </a:fillRef>
-          <a:effectRef idx="0">
-            <a:schemeClr val="accent1"/>
-          </a:effectRef>
-          <a:fontRef idx="minor">
-            <a:schemeClr val="lt1"/>
-          </a:fontRef>
-        </p:style>
-        <p:txBody>
-          <a:bodyPr rtlCol="0" anchor="ctr"/>
-          <a:lstStyle/>
-          <a:p>
-            <a:pPr algn="ctr"/>
-            <a:r>
-              <a:rPr lang="de-DE" dirty="0"/>
-              <a:t>Browser</a:t>
-            </a:r>
-            <a:br>
-              <a:rPr lang="de-DE" dirty="0"/>
-            </a:br>
-            <a:r>
-              <a:rPr lang="de-DE" dirty="0"/>
-              <a:t>(Postman)</a:t>
-            </a:r>
-          </a:p>
-        </p:txBody>
-      </p:sp>
-      <p:cxnSp>
-        <p:nvCxnSpPr>
-          <p:cNvPr id="12" name="Gerade Verbindung mit Pfeil 11">
-            <a:extLst>
-              <a:ext uri="{FF2B5EF4-FFF2-40B4-BE49-F238E27FC236}">
-                <a16:creationId xmlns:a16="http://schemas.microsoft.com/office/drawing/2014/main" id="{A774C1B6-51C7-3AB5-5CA6-A1D46779E1A1}"/>
-              </a:ext>
-            </a:extLst>
-          </p:cNvPr>
-          <p:cNvCxnSpPr>
-            <a:stCxn id="10" idx="2"/>
-            <a:endCxn id="8" idx="0"/>
-          </p:cNvCxnSpPr>
-          <p:nvPr/>
-        </p:nvCxnSpPr>
-        <p:spPr>
-          <a:xfrm>
-            <a:off x="5883729" y="2253342"/>
-            <a:ext cx="2623457" cy="1578429"/>
-          </a:xfrm>
-          <a:prstGeom prst="straightConnector1">
-            <a:avLst/>
-          </a:prstGeom>
-          <a:ln w="38100">
-            <a:solidFill>
-              <a:srgbClr val="FF0000"/>
-            </a:solidFill>
-            <a:tailEnd type="triangle"/>
-          </a:ln>
-        </p:spPr>
-        <p:style>
-          <a:lnRef idx="1">
-            <a:schemeClr val="accent1"/>
-          </a:lnRef>
-          <a:fillRef idx="0">
-            <a:schemeClr val="accent1"/>
-          </a:fillRef>
-          <a:effectRef idx="0">
-            <a:schemeClr val="accent1"/>
-          </a:effectRef>
-          <a:fontRef idx="minor">
-            <a:schemeClr val="tx1"/>
-          </a:fontRef>
-        </p:style>
-      </p:cxnSp>
-      <p:sp>
-        <p:nvSpPr>
-          <p:cNvPr id="13" name="Textfeld 12">
-            <a:extLst>
-              <a:ext uri="{FF2B5EF4-FFF2-40B4-BE49-F238E27FC236}">
-                <a16:creationId xmlns:a16="http://schemas.microsoft.com/office/drawing/2014/main" id="{9B75BD27-E373-DCC5-E628-1E2FDEE05E07}"/>
-              </a:ext>
-            </a:extLst>
-          </p:cNvPr>
-          <p:cNvSpPr txBox="1"/>
-          <p:nvPr/>
-        </p:nvSpPr>
-        <p:spPr>
-          <a:xfrm>
-            <a:off x="7195457" y="2764971"/>
-            <a:ext cx="2221377" cy="369332"/>
-          </a:xfrm>
-          <a:prstGeom prst="rect">
-            <a:avLst/>
-          </a:prstGeom>
-          <a:noFill/>
-        </p:spPr>
-        <p:txBody>
-          <a:bodyPr wrap="none" rtlCol="0">
-            <a:spAutoFit/>
-          </a:bodyPr>
-          <a:lstStyle/>
-          <a:p>
-            <a:r>
-              <a:rPr lang="de-DE" dirty="0"/>
-              <a:t>Login -&gt; Access-Token</a:t>
-            </a:r>
-          </a:p>
-        </p:txBody>
-      </p:sp>
-      <p:cxnSp>
-        <p:nvCxnSpPr>
-          <p:cNvPr id="14" name="Gerade Verbindung mit Pfeil 13">
-            <a:extLst>
-              <a:ext uri="{FF2B5EF4-FFF2-40B4-BE49-F238E27FC236}">
-                <a16:creationId xmlns:a16="http://schemas.microsoft.com/office/drawing/2014/main" id="{68930D43-9B7E-4A76-F565-0AD7EFA77D94}"/>
-              </a:ext>
-            </a:extLst>
-          </p:cNvPr>
-          <p:cNvCxnSpPr>
-            <a:cxnSpLocks/>
-            <a:stCxn id="10" idx="2"/>
-            <a:endCxn id="9" idx="0"/>
-          </p:cNvCxnSpPr>
-          <p:nvPr/>
-        </p:nvCxnSpPr>
-        <p:spPr>
-          <a:xfrm flipH="1">
-            <a:off x="2759529" y="2253342"/>
-            <a:ext cx="3124200" cy="1578429"/>
-          </a:xfrm>
-          <a:prstGeom prst="straightConnector1">
-            <a:avLst/>
-          </a:prstGeom>
-          <a:ln w="38100">
-            <a:solidFill>
-              <a:srgbClr val="FF0000"/>
-            </a:solidFill>
-            <a:tailEnd type="triangle"/>
-          </a:ln>
-        </p:spPr>
-        <p:style>
-          <a:lnRef idx="1">
-            <a:schemeClr val="accent1"/>
-          </a:lnRef>
-          <a:fillRef idx="0">
-            <a:schemeClr val="accent1"/>
-          </a:fillRef>
-          <a:effectRef idx="0">
-            <a:schemeClr val="accent1"/>
-          </a:effectRef>
-          <a:fontRef idx="minor">
-            <a:schemeClr val="tx1"/>
-          </a:fontRef>
-        </p:style>
-      </p:cxnSp>
-      <p:sp>
-        <p:nvSpPr>
-          <p:cNvPr id="17" name="Textfeld 16">
-            <a:extLst>
-              <a:ext uri="{FF2B5EF4-FFF2-40B4-BE49-F238E27FC236}">
-                <a16:creationId xmlns:a16="http://schemas.microsoft.com/office/drawing/2014/main" id="{5C830AB6-F027-14ED-97A2-9EC22470E848}"/>
-              </a:ext>
-            </a:extLst>
-          </p:cNvPr>
-          <p:cNvSpPr txBox="1"/>
-          <p:nvPr/>
-        </p:nvSpPr>
-        <p:spPr>
-          <a:xfrm>
-            <a:off x="1782191" y="2673616"/>
-            <a:ext cx="2229393" cy="646331"/>
-          </a:xfrm>
-          <a:prstGeom prst="rect">
-            <a:avLst/>
-          </a:prstGeom>
-          <a:noFill/>
-        </p:spPr>
-        <p:txBody>
-          <a:bodyPr wrap="none" rtlCol="0">
-            <a:spAutoFit/>
-          </a:bodyPr>
-          <a:lstStyle/>
-          <a:p>
-            <a:r>
-              <a:rPr lang="de-DE" dirty="0"/>
-              <a:t>Create </a:t>
-            </a:r>
-            <a:r>
-              <a:rPr lang="de-DE" dirty="0" err="1"/>
-              <a:t>person</a:t>
-            </a:r>
-            <a:br>
-              <a:rPr lang="de-DE" dirty="0"/>
-            </a:br>
-            <a:r>
-              <a:rPr lang="de-DE" dirty="0"/>
-              <a:t>Header: Access-Token</a:t>
-            </a:r>
-          </a:p>
-        </p:txBody>
-      </p:sp>
-      <p:cxnSp>
-        <p:nvCxnSpPr>
-          <p:cNvPr id="18" name="Gerade Verbindung mit Pfeil 17">
-            <a:extLst>
-              <a:ext uri="{FF2B5EF4-FFF2-40B4-BE49-F238E27FC236}">
-                <a16:creationId xmlns:a16="http://schemas.microsoft.com/office/drawing/2014/main" id="{B3F9E805-E125-3CCB-AD5E-002D8A768FC2}"/>
-              </a:ext>
-            </a:extLst>
-          </p:cNvPr>
-          <p:cNvCxnSpPr>
-            <a:cxnSpLocks/>
-            <a:stCxn id="9" idx="3"/>
-            <a:endCxn id="8" idx="1"/>
-          </p:cNvCxnSpPr>
-          <p:nvPr/>
-        </p:nvCxnSpPr>
-        <p:spPr>
-          <a:xfrm>
-            <a:off x="4321629" y="4708071"/>
-            <a:ext cx="2623457" cy="0"/>
-          </a:xfrm>
-          <a:prstGeom prst="straightConnector1">
-            <a:avLst/>
-          </a:prstGeom>
-          <a:ln w="38100">
-            <a:solidFill>
-              <a:srgbClr val="FF0000"/>
-            </a:solidFill>
-            <a:tailEnd type="triangle"/>
-          </a:ln>
-        </p:spPr>
-        <p:style>
-          <a:lnRef idx="1">
-            <a:schemeClr val="accent1"/>
-          </a:lnRef>
-          <a:fillRef idx="0">
-            <a:schemeClr val="accent1"/>
-          </a:fillRef>
-          <a:effectRef idx="0">
-            <a:schemeClr val="accent1"/>
-          </a:effectRef>
-          <a:fontRef idx="minor">
-            <a:schemeClr val="tx1"/>
-          </a:fontRef>
-        </p:style>
-      </p:cxnSp>
-      <p:sp>
-        <p:nvSpPr>
-          <p:cNvPr id="22" name="Textfeld 21">
-            <a:extLst>
-              <a:ext uri="{FF2B5EF4-FFF2-40B4-BE49-F238E27FC236}">
-                <a16:creationId xmlns:a16="http://schemas.microsoft.com/office/drawing/2014/main" id="{30177309-BD26-E840-F795-DCDF4825170C}"/>
-              </a:ext>
-            </a:extLst>
-          </p:cNvPr>
-          <p:cNvSpPr txBox="1"/>
-          <p:nvPr/>
-        </p:nvSpPr>
-        <p:spPr>
-          <a:xfrm>
-            <a:off x="4627266" y="4776889"/>
-            <a:ext cx="1511439" cy="369332"/>
-          </a:xfrm>
-          <a:prstGeom prst="rect">
-            <a:avLst/>
-          </a:prstGeom>
-          <a:noFill/>
-        </p:spPr>
-        <p:txBody>
-          <a:bodyPr wrap="none" rtlCol="0">
-            <a:spAutoFit/>
-          </a:bodyPr>
-          <a:lstStyle/>
-          <a:p>
-            <a:r>
-              <a:rPr lang="de-DE" dirty="0" err="1"/>
-              <a:t>Get</a:t>
-            </a:r>
-            <a:r>
-              <a:rPr lang="de-DE" dirty="0"/>
-              <a:t> </a:t>
-            </a:r>
-            <a:r>
-              <a:rPr lang="de-DE" dirty="0" err="1"/>
-              <a:t>public</a:t>
-            </a:r>
-            <a:r>
-              <a:rPr lang="de-DE" dirty="0"/>
-              <a:t> </a:t>
-            </a:r>
-            <a:r>
-              <a:rPr lang="de-DE" dirty="0" err="1"/>
-              <a:t>key</a:t>
+          <p:cNvPr id="2" name="Titel 1">
+            <a:extLst>
+              <a:ext uri="{FF2B5EF4-FFF2-40B4-BE49-F238E27FC236}">
+                <a16:creationId xmlns:a16="http://schemas.microsoft.com/office/drawing/2014/main" id="{0EC7A146-A8F2-A844-9033-A0ACC828AF47}"/>
+              </a:ext>
+            </a:extLst>
+          </p:cNvPr>
+          <p:cNvSpPr>
+            <a:spLocks noGrp="1"/>
+          </p:cNvSpPr>
+          <p:nvPr>
+            <p:ph type="title"/>
+          </p:nvPr>
+        </p:nvSpPr>
+        <p:spPr/>
+        <p:txBody>
+          <a:bodyPr/>
+          <a:lstStyle/>
+          <a:p>
+            <a:r>
+              <a:rPr lang="de-DE" dirty="0" err="1"/>
+              <a:t>Step</a:t>
+            </a:r>
+            <a:r>
+              <a:rPr lang="de-DE" dirty="0"/>
+              <a:t> 110</a:t>
+            </a:r>
+          </a:p>
+        </p:txBody>
+      </p:sp>
+      <p:sp>
+        <p:nvSpPr>
+          <p:cNvPr id="3" name="Inhaltsplatzhalter 2">
+            <a:extLst>
+              <a:ext uri="{FF2B5EF4-FFF2-40B4-BE49-F238E27FC236}">
+                <a16:creationId xmlns:a16="http://schemas.microsoft.com/office/drawing/2014/main" id="{2A5EBA90-6155-FD45-A74C-ECC42BCA72DF}"/>
+              </a:ext>
+            </a:extLst>
+          </p:cNvPr>
+          <p:cNvSpPr>
+            <a:spLocks noGrp="1"/>
+          </p:cNvSpPr>
+          <p:nvPr>
+            <p:ph idx="1"/>
+          </p:nvPr>
+        </p:nvSpPr>
+        <p:spPr/>
+        <p:txBody>
+          <a:bodyPr/>
+          <a:lstStyle/>
+          <a:p>
+            <a:r>
+              <a:rPr lang="de-DE" dirty="0"/>
+              <a:t>Thema: Sicherheit</a:t>
+            </a:r>
+          </a:p>
+          <a:p>
+            <a:pPr lvl="1"/>
+            <a:r>
+              <a:rPr lang="de-DE" dirty="0"/>
+              <a:t>Identity </a:t>
+            </a:r>
+            <a:r>
+              <a:rPr lang="de-DE" dirty="0" err="1"/>
+              <a:t>and</a:t>
+            </a:r>
+            <a:r>
+              <a:rPr lang="de-DE" dirty="0"/>
+              <a:t> Access Management (</a:t>
+            </a:r>
+            <a:r>
+              <a:rPr lang="de-DE" dirty="0" err="1"/>
+              <a:t>IdM</a:t>
+            </a:r>
+            <a:r>
+              <a:rPr lang="de-DE" dirty="0"/>
+              <a:t>, IAM, </a:t>
+            </a:r>
+            <a:r>
+              <a:rPr lang="de-DE" dirty="0" err="1"/>
+              <a:t>IdAM</a:t>
+            </a:r>
+            <a:r>
+              <a:rPr lang="de-DE" dirty="0"/>
+              <a:t>)</a:t>
+            </a:r>
+          </a:p>
+          <a:p>
+            <a:pPr lvl="2"/>
+            <a:r>
+              <a:rPr lang="de-DE" dirty="0"/>
+              <a:t>Software: </a:t>
+            </a:r>
+            <a:r>
+              <a:rPr lang="de-DE" dirty="0" err="1"/>
+              <a:t>Keycloak</a:t>
             </a:r>
             <a:endParaRPr lang="de-DE" dirty="0"/>
+          </a:p>
+          <a:p>
+            <a:pPr lvl="1"/>
+            <a:r>
+              <a:rPr lang="de-DE" dirty="0"/>
+              <a:t>Sicherung der Anwendung</a:t>
+            </a:r>
+          </a:p>
+          <a:p>
+            <a:pPr lvl="2"/>
+            <a:r>
+              <a:rPr lang="de-DE" dirty="0"/>
+              <a:t>Framework: Spring Security</a:t>
+            </a:r>
           </a:p>
         </p:txBody>
       </p:sp>
     </p:spTree>
     <p:extLst>
       <p:ext uri="{BB962C8B-B14F-4D97-AF65-F5344CB8AC3E}">
-        <p14:creationId xmlns:p14="http://schemas.microsoft.com/office/powerpoint/2010/main" val="2892906937"/>
+        <p14:creationId xmlns:p14="http://schemas.microsoft.com/office/powerpoint/2010/main" val="1812459713"/>
       </p:ext>
     </p:extLst>
   </p:cSld>
@@ -20917,64 +20998,423 @@
       </p:grpSpPr>
       <p:sp>
         <p:nvSpPr>
-          <p:cNvPr id="2" name="Titel 1">
-            <a:extLst>
-              <a:ext uri="{FF2B5EF4-FFF2-40B4-BE49-F238E27FC236}">
-                <a16:creationId xmlns:a16="http://schemas.microsoft.com/office/drawing/2014/main" id="{0EC7A146-A8F2-A844-9033-A0ACC828AF47}"/>
-              </a:ext>
-            </a:extLst>
-          </p:cNvPr>
-          <p:cNvSpPr>
-            <a:spLocks noGrp="1"/>
-          </p:cNvSpPr>
-          <p:nvPr>
-            <p:ph type="title"/>
-          </p:nvPr>
-        </p:nvSpPr>
-        <p:spPr/>
-        <p:txBody>
-          <a:bodyPr/>
-          <a:lstStyle/>
-          <a:p>
-            <a:r>
-              <a:rPr lang="de-DE" dirty="0" err="1"/>
-              <a:t>Step</a:t>
-            </a:r>
-            <a:r>
-              <a:rPr lang="de-DE" dirty="0"/>
-              <a:t> 120</a:t>
-            </a:r>
-          </a:p>
-        </p:txBody>
-      </p:sp>
-      <p:sp>
-        <p:nvSpPr>
-          <p:cNvPr id="3" name="Inhaltsplatzhalter 2">
-            <a:extLst>
-              <a:ext uri="{FF2B5EF4-FFF2-40B4-BE49-F238E27FC236}">
-                <a16:creationId xmlns:a16="http://schemas.microsoft.com/office/drawing/2014/main" id="{2A5EBA90-6155-FD45-A74C-ECC42BCA72DF}"/>
-              </a:ext>
-            </a:extLst>
-          </p:cNvPr>
-          <p:cNvSpPr>
-            <a:spLocks noGrp="1"/>
-          </p:cNvSpPr>
-          <p:nvPr>
-            <p:ph idx="1"/>
-          </p:nvPr>
-        </p:nvSpPr>
-        <p:spPr/>
-        <p:txBody>
-          <a:bodyPr/>
-          <a:lstStyle/>
-          <a:p>
-            <a:r>
-              <a:rPr lang="de-DE" dirty="0"/>
-              <a:t>Thema: </a:t>
-            </a:r>
-            <a:r>
-              <a:rPr lang="de-DE" dirty="0" err="1"/>
-              <a:t>Lombok</a:t>
+          <p:cNvPr id="8" name="Rechteck 7">
+            <a:extLst>
+              <a:ext uri="{FF2B5EF4-FFF2-40B4-BE49-F238E27FC236}">
+                <a16:creationId xmlns:a16="http://schemas.microsoft.com/office/drawing/2014/main" id="{ABB48DB7-0F93-4ABF-122D-B94C2F7898AB}"/>
+              </a:ext>
+            </a:extLst>
+          </p:cNvPr>
+          <p:cNvSpPr/>
+          <p:nvPr/>
+        </p:nvSpPr>
+        <p:spPr>
+          <a:xfrm>
+            <a:off x="6945086" y="3831771"/>
+            <a:ext cx="3124200" cy="1752600"/>
+          </a:xfrm>
+          <a:prstGeom prst="rect">
+            <a:avLst/>
+          </a:prstGeom>
+        </p:spPr>
+        <p:style>
+          <a:lnRef idx="2">
+            <a:schemeClr val="accent1">
+              <a:shade val="50000"/>
+            </a:schemeClr>
+          </a:lnRef>
+          <a:fillRef idx="1">
+            <a:schemeClr val="accent1"/>
+          </a:fillRef>
+          <a:effectRef idx="0">
+            <a:schemeClr val="accent1"/>
+          </a:effectRef>
+          <a:fontRef idx="minor">
+            <a:schemeClr val="lt1"/>
+          </a:fontRef>
+        </p:style>
+        <p:txBody>
+          <a:bodyPr rtlCol="0" anchor="ctr"/>
+          <a:lstStyle/>
+          <a:p>
+            <a:pPr algn="ctr"/>
+            <a:r>
+              <a:rPr lang="de-DE" dirty="0"/>
+              <a:t>IDM</a:t>
+            </a:r>
+          </a:p>
+        </p:txBody>
+      </p:sp>
+      <p:sp>
+        <p:nvSpPr>
+          <p:cNvPr id="9" name="Rechteck 8">
+            <a:extLst>
+              <a:ext uri="{FF2B5EF4-FFF2-40B4-BE49-F238E27FC236}">
+                <a16:creationId xmlns:a16="http://schemas.microsoft.com/office/drawing/2014/main" id="{0B167F54-9461-4AA7-01C0-BB2BB7399FE1}"/>
+              </a:ext>
+            </a:extLst>
+          </p:cNvPr>
+          <p:cNvSpPr/>
+          <p:nvPr/>
+        </p:nvSpPr>
+        <p:spPr>
+          <a:xfrm>
+            <a:off x="1197429" y="3831771"/>
+            <a:ext cx="3124200" cy="1752600"/>
+          </a:xfrm>
+          <a:prstGeom prst="rect">
+            <a:avLst/>
+          </a:prstGeom>
+        </p:spPr>
+        <p:style>
+          <a:lnRef idx="2">
+            <a:schemeClr val="accent1">
+              <a:shade val="50000"/>
+            </a:schemeClr>
+          </a:lnRef>
+          <a:fillRef idx="1">
+            <a:schemeClr val="accent1"/>
+          </a:fillRef>
+          <a:effectRef idx="0">
+            <a:schemeClr val="accent1"/>
+          </a:effectRef>
+          <a:fontRef idx="minor">
+            <a:schemeClr val="lt1"/>
+          </a:fontRef>
+        </p:style>
+        <p:txBody>
+          <a:bodyPr rtlCol="0" anchor="ctr"/>
+          <a:lstStyle/>
+          <a:p>
+            <a:pPr algn="ctr"/>
+            <a:r>
+              <a:rPr lang="de-DE" dirty="0"/>
+              <a:t>Microservice</a:t>
+            </a:r>
+          </a:p>
+        </p:txBody>
+      </p:sp>
+      <p:sp>
+        <p:nvSpPr>
+          <p:cNvPr id="10" name="Rechteck 9">
+            <a:extLst>
+              <a:ext uri="{FF2B5EF4-FFF2-40B4-BE49-F238E27FC236}">
+                <a16:creationId xmlns:a16="http://schemas.microsoft.com/office/drawing/2014/main" id="{1B888AE4-8AE3-B2A4-A15D-8AECE0859A4B}"/>
+              </a:ext>
+            </a:extLst>
+          </p:cNvPr>
+          <p:cNvSpPr/>
+          <p:nvPr/>
+        </p:nvSpPr>
+        <p:spPr>
+          <a:xfrm>
+            <a:off x="4321629" y="500742"/>
+            <a:ext cx="3124200" cy="1752600"/>
+          </a:xfrm>
+          <a:prstGeom prst="rect">
+            <a:avLst/>
+          </a:prstGeom>
+        </p:spPr>
+        <p:style>
+          <a:lnRef idx="2">
+            <a:schemeClr val="accent1">
+              <a:shade val="50000"/>
+            </a:schemeClr>
+          </a:lnRef>
+          <a:fillRef idx="1">
+            <a:schemeClr val="accent1"/>
+          </a:fillRef>
+          <a:effectRef idx="0">
+            <a:schemeClr val="accent1"/>
+          </a:effectRef>
+          <a:fontRef idx="minor">
+            <a:schemeClr val="lt1"/>
+          </a:fontRef>
+        </p:style>
+        <p:txBody>
+          <a:bodyPr rtlCol="0" anchor="ctr"/>
+          <a:lstStyle/>
+          <a:p>
+            <a:pPr algn="ctr"/>
+            <a:r>
+              <a:rPr lang="de-DE" dirty="0"/>
+              <a:t>Browser</a:t>
+            </a:r>
+            <a:br>
+              <a:rPr lang="de-DE" dirty="0"/>
+            </a:br>
+            <a:r>
+              <a:rPr lang="de-DE" dirty="0"/>
+              <a:t>(Postman)</a:t>
+            </a:r>
+          </a:p>
+        </p:txBody>
+      </p:sp>
+      <p:cxnSp>
+        <p:nvCxnSpPr>
+          <p:cNvPr id="12" name="Gerade Verbindung mit Pfeil 11">
+            <a:extLst>
+              <a:ext uri="{FF2B5EF4-FFF2-40B4-BE49-F238E27FC236}">
+                <a16:creationId xmlns:a16="http://schemas.microsoft.com/office/drawing/2014/main" id="{A774C1B6-51C7-3AB5-5CA6-A1D46779E1A1}"/>
+              </a:ext>
+            </a:extLst>
+          </p:cNvPr>
+          <p:cNvCxnSpPr>
+            <a:stCxn id="10" idx="2"/>
+            <a:endCxn id="8" idx="0"/>
+          </p:cNvCxnSpPr>
+          <p:nvPr/>
+        </p:nvCxnSpPr>
+        <p:spPr>
+          <a:xfrm>
+            <a:off x="5883729" y="2253342"/>
+            <a:ext cx="2623457" cy="1578429"/>
+          </a:xfrm>
+          <a:prstGeom prst="straightConnector1">
+            <a:avLst/>
+          </a:prstGeom>
+          <a:ln w="38100">
+            <a:solidFill>
+              <a:srgbClr val="FF0000"/>
+            </a:solidFill>
+            <a:tailEnd type="triangle"/>
+          </a:ln>
+        </p:spPr>
+        <p:style>
+          <a:lnRef idx="1">
+            <a:schemeClr val="accent1"/>
+          </a:lnRef>
+          <a:fillRef idx="0">
+            <a:schemeClr val="accent1"/>
+          </a:fillRef>
+          <a:effectRef idx="0">
+            <a:schemeClr val="accent1"/>
+          </a:effectRef>
+          <a:fontRef idx="minor">
+            <a:schemeClr val="tx1"/>
+          </a:fontRef>
+        </p:style>
+      </p:cxnSp>
+      <p:sp>
+        <p:nvSpPr>
+          <p:cNvPr id="13" name="Textfeld 12">
+            <a:extLst>
+              <a:ext uri="{FF2B5EF4-FFF2-40B4-BE49-F238E27FC236}">
+                <a16:creationId xmlns:a16="http://schemas.microsoft.com/office/drawing/2014/main" id="{9B75BD27-E373-DCC5-E628-1E2FDEE05E07}"/>
+              </a:ext>
+            </a:extLst>
+          </p:cNvPr>
+          <p:cNvSpPr txBox="1"/>
+          <p:nvPr/>
+        </p:nvSpPr>
+        <p:spPr>
+          <a:xfrm>
+            <a:off x="7195457" y="2764971"/>
+            <a:ext cx="2221377" cy="369332"/>
+          </a:xfrm>
+          <a:prstGeom prst="rect">
+            <a:avLst/>
+          </a:prstGeom>
+          <a:noFill/>
+        </p:spPr>
+        <p:txBody>
+          <a:bodyPr wrap="none" rtlCol="0">
+            <a:spAutoFit/>
+          </a:bodyPr>
+          <a:lstStyle/>
+          <a:p>
+            <a:r>
+              <a:rPr lang="de-DE" dirty="0"/>
+              <a:t>Login -&gt; Access-Token</a:t>
+            </a:r>
+          </a:p>
+        </p:txBody>
+      </p:sp>
+      <p:cxnSp>
+        <p:nvCxnSpPr>
+          <p:cNvPr id="14" name="Gerade Verbindung mit Pfeil 13">
+            <a:extLst>
+              <a:ext uri="{FF2B5EF4-FFF2-40B4-BE49-F238E27FC236}">
+                <a16:creationId xmlns:a16="http://schemas.microsoft.com/office/drawing/2014/main" id="{68930D43-9B7E-4A76-F565-0AD7EFA77D94}"/>
+              </a:ext>
+            </a:extLst>
+          </p:cNvPr>
+          <p:cNvCxnSpPr>
+            <a:cxnSpLocks/>
+            <a:stCxn id="10" idx="2"/>
+            <a:endCxn id="9" idx="0"/>
+          </p:cNvCxnSpPr>
+          <p:nvPr/>
+        </p:nvCxnSpPr>
+        <p:spPr>
+          <a:xfrm flipH="1">
+            <a:off x="2759529" y="2253342"/>
+            <a:ext cx="3124200" cy="1578429"/>
+          </a:xfrm>
+          <a:prstGeom prst="straightConnector1">
+            <a:avLst/>
+          </a:prstGeom>
+          <a:ln w="38100">
+            <a:solidFill>
+              <a:srgbClr val="FF0000"/>
+            </a:solidFill>
+            <a:tailEnd type="triangle"/>
+          </a:ln>
+        </p:spPr>
+        <p:style>
+          <a:lnRef idx="1">
+            <a:schemeClr val="accent1"/>
+          </a:lnRef>
+          <a:fillRef idx="0">
+            <a:schemeClr val="accent1"/>
+          </a:fillRef>
+          <a:effectRef idx="0">
+            <a:schemeClr val="accent1"/>
+          </a:effectRef>
+          <a:fontRef idx="minor">
+            <a:schemeClr val="tx1"/>
+          </a:fontRef>
+        </p:style>
+      </p:cxnSp>
+      <p:sp>
+        <p:nvSpPr>
+          <p:cNvPr id="17" name="Textfeld 16">
+            <a:extLst>
+              <a:ext uri="{FF2B5EF4-FFF2-40B4-BE49-F238E27FC236}">
+                <a16:creationId xmlns:a16="http://schemas.microsoft.com/office/drawing/2014/main" id="{5C830AB6-F027-14ED-97A2-9EC22470E848}"/>
+              </a:ext>
+            </a:extLst>
+          </p:cNvPr>
+          <p:cNvSpPr txBox="1"/>
+          <p:nvPr/>
+        </p:nvSpPr>
+        <p:spPr>
+          <a:xfrm>
+            <a:off x="1782191" y="2673616"/>
+            <a:ext cx="2229393" cy="646331"/>
+          </a:xfrm>
+          <a:prstGeom prst="rect">
+            <a:avLst/>
+          </a:prstGeom>
+          <a:noFill/>
+        </p:spPr>
+        <p:txBody>
+          <a:bodyPr wrap="none" rtlCol="0">
+            <a:spAutoFit/>
+          </a:bodyPr>
+          <a:lstStyle/>
+          <a:p>
+            <a:r>
+              <a:rPr lang="de-DE" dirty="0"/>
+              <a:t>Create </a:t>
+            </a:r>
+            <a:r>
+              <a:rPr lang="de-DE" dirty="0" err="1"/>
+              <a:t>person</a:t>
+            </a:r>
+            <a:br>
+              <a:rPr lang="de-DE" dirty="0"/>
+            </a:br>
+            <a:r>
+              <a:rPr lang="de-DE" dirty="0"/>
+              <a:t>Header: Access-Token</a:t>
+            </a:r>
+          </a:p>
+        </p:txBody>
+      </p:sp>
+      <p:cxnSp>
+        <p:nvCxnSpPr>
+          <p:cNvPr id="18" name="Gerade Verbindung mit Pfeil 17">
+            <a:extLst>
+              <a:ext uri="{FF2B5EF4-FFF2-40B4-BE49-F238E27FC236}">
+                <a16:creationId xmlns:a16="http://schemas.microsoft.com/office/drawing/2014/main" id="{B3F9E805-E125-3CCB-AD5E-002D8A768FC2}"/>
+              </a:ext>
+            </a:extLst>
+          </p:cNvPr>
+          <p:cNvCxnSpPr>
+            <a:cxnSpLocks/>
+            <a:stCxn id="9" idx="3"/>
+            <a:endCxn id="8" idx="1"/>
+          </p:cNvCxnSpPr>
+          <p:nvPr/>
+        </p:nvCxnSpPr>
+        <p:spPr>
+          <a:xfrm>
+            <a:off x="4321629" y="4708071"/>
+            <a:ext cx="2623457" cy="0"/>
+          </a:xfrm>
+          <a:prstGeom prst="straightConnector1">
+            <a:avLst/>
+          </a:prstGeom>
+          <a:ln w="38100">
+            <a:solidFill>
+              <a:srgbClr val="FF0000"/>
+            </a:solidFill>
+            <a:tailEnd type="triangle"/>
+          </a:ln>
+        </p:spPr>
+        <p:style>
+          <a:lnRef idx="1">
+            <a:schemeClr val="accent1"/>
+          </a:lnRef>
+          <a:fillRef idx="0">
+            <a:schemeClr val="accent1"/>
+          </a:fillRef>
+          <a:effectRef idx="0">
+            <a:schemeClr val="accent1"/>
+          </a:effectRef>
+          <a:fontRef idx="minor">
+            <a:schemeClr val="tx1"/>
+          </a:fontRef>
+        </p:style>
+      </p:cxnSp>
+      <p:sp>
+        <p:nvSpPr>
+          <p:cNvPr id="22" name="Textfeld 21">
+            <a:extLst>
+              <a:ext uri="{FF2B5EF4-FFF2-40B4-BE49-F238E27FC236}">
+                <a16:creationId xmlns:a16="http://schemas.microsoft.com/office/drawing/2014/main" id="{30177309-BD26-E840-F795-DCDF4825170C}"/>
+              </a:ext>
+            </a:extLst>
+          </p:cNvPr>
+          <p:cNvSpPr txBox="1"/>
+          <p:nvPr/>
+        </p:nvSpPr>
+        <p:spPr>
+          <a:xfrm>
+            <a:off x="4627266" y="4776889"/>
+            <a:ext cx="1511439" cy="369332"/>
+          </a:xfrm>
+          <a:prstGeom prst="rect">
+            <a:avLst/>
+          </a:prstGeom>
+          <a:noFill/>
+        </p:spPr>
+        <p:txBody>
+          <a:bodyPr wrap="none" rtlCol="0">
+            <a:spAutoFit/>
+          </a:bodyPr>
+          <a:lstStyle/>
+          <a:p>
+            <a:r>
+              <a:rPr lang="de-DE" dirty="0" err="1"/>
+              <a:t>Get</a:t>
+            </a:r>
+            <a:r>
+              <a:rPr lang="de-DE" dirty="0"/>
+              <a:t> </a:t>
+            </a:r>
+            <a:r>
+              <a:rPr lang="de-DE" dirty="0" err="1"/>
+              <a:t>public</a:t>
+            </a:r>
+            <a:r>
+              <a:rPr lang="de-DE" dirty="0"/>
+              <a:t> </a:t>
+            </a:r>
+            <a:r>
+              <a:rPr lang="de-DE" dirty="0" err="1"/>
+              <a:t>key</a:t>
             </a:r>
             <a:endParaRPr lang="de-DE" dirty="0"/>
           </a:p>
@@ -20983,7 +21423,7 @@
     </p:spTree>
     <p:extLst>
       <p:ext uri="{BB962C8B-B14F-4D97-AF65-F5344CB8AC3E}">
-        <p14:creationId xmlns:p14="http://schemas.microsoft.com/office/powerpoint/2010/main" val="386866240"/>
+        <p14:creationId xmlns:p14="http://schemas.microsoft.com/office/powerpoint/2010/main" val="2892906937"/>
       </p:ext>
     </p:extLst>
   </p:cSld>
@@ -20994,7 +21434,7 @@
 </file>
 
 <file path=ppt/slides/slide64.xml><?xml version="1.0" encoding="utf-8"?>
-<p:sld xmlns:a="http://schemas.openxmlformats.org/drawingml/2006/main" xmlns:r="http://schemas.openxmlformats.org/officeDocument/2006/relationships" xmlns:p="http://schemas.openxmlformats.org/presentationml/2006/main">
+<p:sld xmlns:a="http://schemas.openxmlformats.org/drawingml/2006/main" xmlns:r="http://schemas.openxmlformats.org/officeDocument/2006/relationships" xmlns:p="http://schemas.openxmlformats.org/presentationml/2006/main" show="0">
   <p:cSld>
     <p:spTree>
       <p:nvGrpSpPr>
@@ -21037,7 +21477,7 @@
             </a:r>
             <a:r>
               <a:rPr lang="de-DE" dirty="0"/>
-              <a:t> 130</a:t>
+              <a:t> 120</a:t>
             </a:r>
           </a:p>
         </p:txBody>
@@ -21065,30 +21505,11 @@
           <a:p>
             <a:r>
               <a:rPr lang="de-DE" dirty="0"/>
-              <a:t>Thema: Aufruf eines anderen </a:t>
-            </a:r>
-            <a:r>
-              <a:rPr lang="de-DE" dirty="0" err="1"/>
-              <a:t>Microservice</a:t>
-            </a:r>
-            <a:endParaRPr lang="de-DE" dirty="0"/>
-          </a:p>
-          <a:p>
-            <a:pPr lvl="1"/>
-            <a:r>
-              <a:rPr lang="de-DE" dirty="0"/>
-              <a:t>Absetzen eines REST-Calls</a:t>
-            </a:r>
-          </a:p>
-          <a:p>
-            <a:pPr lvl="2"/>
-            <a:r>
-              <a:rPr lang="de-DE" dirty="0"/>
-              <a:t>Framework: Spring </a:t>
-            </a:r>
-            <a:r>
-              <a:rPr lang="de-DE"/>
-              <a:t>WebFlux</a:t>
+              <a:t>Thema: </a:t>
+            </a:r>
+            <a:r>
+              <a:rPr lang="de-DE" dirty="0" err="1"/>
+              <a:t>Lombok</a:t>
             </a:r>
             <a:endParaRPr lang="de-DE" dirty="0"/>
           </a:p>
@@ -21097,7 +21518,7 @@
     </p:spTree>
     <p:extLst>
       <p:ext uri="{BB962C8B-B14F-4D97-AF65-F5344CB8AC3E}">
-        <p14:creationId xmlns:p14="http://schemas.microsoft.com/office/powerpoint/2010/main" val="1753332930"/>
+        <p14:creationId xmlns:p14="http://schemas.microsoft.com/office/powerpoint/2010/main" val="386866240"/>
       </p:ext>
     </p:extLst>
   </p:cSld>
@@ -21147,9 +21568,12 @@
           <a:p>
             <a:r>
               <a:rPr lang="de-DE" dirty="0" err="1"/>
-              <a:t>Todo</a:t>
-            </a:r>
-            <a:endParaRPr lang="de-DE" dirty="0"/>
+              <a:t>Step</a:t>
+            </a:r>
+            <a:r>
+              <a:rPr lang="de-DE" dirty="0"/>
+              <a:t> 130</a:t>
+            </a:r>
           </a:p>
         </p:txBody>
       </p:sp>
@@ -21176,54 +21600,657 @@
           <a:p>
             <a:r>
               <a:rPr lang="de-DE" dirty="0"/>
-              <a:t>Integrations-Tests mit </a:t>
-            </a:r>
-            <a:r>
-              <a:rPr lang="de-DE" dirty="0" err="1"/>
-              <a:t>Cucumber</a:t>
+              <a:t>Thema: Aufruf eines anderen </a:t>
+            </a:r>
+            <a:r>
+              <a:rPr lang="de-DE" dirty="0" err="1"/>
+              <a:t>Microservice</a:t>
             </a:r>
             <a:endParaRPr lang="de-DE" dirty="0"/>
           </a:p>
           <a:p>
-            <a:r>
-              <a:rPr lang="de-DE" dirty="0"/>
-              <a:t>Performance-Tests mit Gatling</a:t>
-            </a:r>
-          </a:p>
-          <a:p>
-            <a:r>
-              <a:rPr lang="de-DE" dirty="0"/>
-              <a:t>Message-in (</a:t>
-            </a:r>
-            <a:r>
-              <a:rPr lang="de-DE" dirty="0" err="1"/>
-              <a:t>ActiveMQ</a:t>
-            </a:r>
-            <a:r>
-              <a:rPr lang="de-DE" dirty="0"/>
-              <a:t> mit JMS)</a:t>
-            </a:r>
-          </a:p>
-          <a:p>
-            <a:r>
-              <a:rPr lang="de-DE" dirty="0"/>
-              <a:t>Message-out (</a:t>
-            </a:r>
-            <a:r>
-              <a:rPr lang="de-DE" dirty="0" err="1"/>
-              <a:t>ActiveMQ</a:t>
-            </a:r>
-            <a:r>
-              <a:rPr lang="de-DE" dirty="0"/>
-              <a:t> mit JMS)</a:t>
-            </a:r>
+            <a:pPr lvl="1"/>
+            <a:r>
+              <a:rPr lang="de-DE" dirty="0"/>
+              <a:t>Absetzen eines REST-Calls</a:t>
+            </a:r>
+          </a:p>
+          <a:p>
+            <a:pPr lvl="2"/>
+            <a:r>
+              <a:rPr lang="de-DE" dirty="0"/>
+              <a:t>Framework: Spring </a:t>
+            </a:r>
+            <a:r>
+              <a:rPr lang="de-DE"/>
+              <a:t>WebFlux</a:t>
+            </a:r>
+            <a:endParaRPr lang="de-DE" dirty="0"/>
           </a:p>
         </p:txBody>
       </p:sp>
     </p:spTree>
     <p:extLst>
       <p:ext uri="{BB962C8B-B14F-4D97-AF65-F5344CB8AC3E}">
-        <p14:creationId xmlns:p14="http://schemas.microsoft.com/office/powerpoint/2010/main" val="657824743"/>
+        <p14:creationId xmlns:p14="http://schemas.microsoft.com/office/powerpoint/2010/main" val="1753332930"/>
+      </p:ext>
+    </p:extLst>
+  </p:cSld>
+  <p:clrMapOvr>
+    <a:masterClrMapping/>
+  </p:clrMapOvr>
+</p:sld>
+</file>
+
+<file path=ppt/slides/slide66.xml><?xml version="1.0" encoding="utf-8"?>
+<p:sld xmlns:a="http://schemas.openxmlformats.org/drawingml/2006/main" xmlns:r="http://schemas.openxmlformats.org/officeDocument/2006/relationships" xmlns:p="http://schemas.openxmlformats.org/presentationml/2006/main">
+  <p:cSld>
+    <p:spTree>
+      <p:nvGrpSpPr>
+        <p:cNvPr id="1" name=""/>
+        <p:cNvGrpSpPr/>
+        <p:nvPr/>
+      </p:nvGrpSpPr>
+      <p:grpSpPr>
+        <a:xfrm>
+          <a:off x="0" y="0"/>
+          <a:ext cx="0" cy="0"/>
+          <a:chOff x="0" y="0"/>
+          <a:chExt cx="0" cy="0"/>
+        </a:xfrm>
+      </p:grpSpPr>
+      <p:sp>
+        <p:nvSpPr>
+          <p:cNvPr id="2" name="Titel 1">
+            <a:extLst>
+              <a:ext uri="{FF2B5EF4-FFF2-40B4-BE49-F238E27FC236}">
+                <a16:creationId xmlns:a16="http://schemas.microsoft.com/office/drawing/2014/main" id="{0EC7A146-A8F2-A844-9033-A0ACC828AF47}"/>
+              </a:ext>
+            </a:extLst>
+          </p:cNvPr>
+          <p:cNvSpPr>
+            <a:spLocks noGrp="1"/>
+          </p:cNvSpPr>
+          <p:nvPr>
+            <p:ph type="title"/>
+          </p:nvPr>
+        </p:nvSpPr>
+        <p:spPr/>
+        <p:txBody>
+          <a:bodyPr/>
+          <a:lstStyle/>
+          <a:p>
+            <a:r>
+              <a:rPr lang="de-DE" dirty="0"/>
+              <a:t>Aufgaben</a:t>
+            </a:r>
+          </a:p>
+        </p:txBody>
+      </p:sp>
+      <p:sp>
+        <p:nvSpPr>
+          <p:cNvPr id="3" name="Inhaltsplatzhalter 2">
+            <a:extLst>
+              <a:ext uri="{FF2B5EF4-FFF2-40B4-BE49-F238E27FC236}">
+                <a16:creationId xmlns:a16="http://schemas.microsoft.com/office/drawing/2014/main" id="{2A5EBA90-6155-FD45-A74C-ECC42BCA72DF}"/>
+              </a:ext>
+            </a:extLst>
+          </p:cNvPr>
+          <p:cNvSpPr>
+            <a:spLocks noGrp="1"/>
+          </p:cNvSpPr>
+          <p:nvPr>
+            <p:ph idx="1"/>
+          </p:nvPr>
+        </p:nvSpPr>
+        <p:spPr/>
+        <p:txBody>
+          <a:bodyPr/>
+          <a:lstStyle/>
+          <a:p>
+            <a:r>
+              <a:rPr lang="de-DE" dirty="0"/>
+              <a:t>Microservice für Lager-DB</a:t>
+            </a:r>
+          </a:p>
+          <a:p>
+            <a:pPr lvl="1"/>
+            <a:r>
+              <a:rPr lang="de-DE" dirty="0"/>
+              <a:t>1. Team: Persistenz mit Spring Data (Hibernate)</a:t>
+            </a:r>
+          </a:p>
+          <a:p>
+            <a:pPr lvl="2"/>
+            <a:r>
+              <a:rPr lang="de-DE" dirty="0"/>
+              <a:t>Vorgabe</a:t>
+            </a:r>
+          </a:p>
+          <a:p>
+            <a:pPr lvl="3"/>
+            <a:r>
+              <a:rPr lang="de-DE" dirty="0"/>
+              <a:t>Datenbankschema Lager-DB (Beispiel aus PR3)</a:t>
+            </a:r>
+          </a:p>
+          <a:p>
+            <a:pPr lvl="3"/>
+            <a:r>
+              <a:rPr lang="de-DE" dirty="0"/>
+              <a:t>Interface der Business-Logik (domain-</a:t>
+            </a:r>
+            <a:r>
+              <a:rPr lang="de-DE" dirty="0" err="1"/>
+              <a:t>api</a:t>
+            </a:r>
+            <a:r>
+              <a:rPr lang="de-DE" dirty="0"/>
+              <a:t>)</a:t>
+            </a:r>
+          </a:p>
+          <a:p>
+            <a:pPr lvl="2"/>
+            <a:r>
+              <a:rPr lang="de-DE" dirty="0"/>
+              <a:t>Aufgabe</a:t>
+            </a:r>
+          </a:p>
+          <a:p>
+            <a:pPr lvl="3"/>
+            <a:r>
+              <a:rPr lang="de-DE" dirty="0"/>
+              <a:t>Implementierung Business-Logik (domain-core)</a:t>
+            </a:r>
+          </a:p>
+          <a:p>
+            <a:pPr lvl="4"/>
+            <a:r>
+              <a:rPr lang="de-DE" dirty="0"/>
+              <a:t>Ersatz der Trigger-Logik durch Java-Implementierung</a:t>
+            </a:r>
+          </a:p>
+          <a:p>
+            <a:pPr lvl="3"/>
+            <a:r>
+              <a:rPr lang="de-DE" dirty="0"/>
+              <a:t>Implementierung Datenbank-Zugriff (Entitäten und Data Access </a:t>
+            </a:r>
+            <a:r>
+              <a:rPr lang="de-DE" dirty="0" err="1"/>
+              <a:t>Object</a:t>
+            </a:r>
+            <a:r>
+              <a:rPr lang="de-DE" dirty="0"/>
+              <a:t> (DAO))</a:t>
+            </a:r>
+          </a:p>
+        </p:txBody>
+      </p:sp>
+    </p:spTree>
+    <p:extLst>
+      <p:ext uri="{BB962C8B-B14F-4D97-AF65-F5344CB8AC3E}">
+        <p14:creationId xmlns:p14="http://schemas.microsoft.com/office/powerpoint/2010/main" val="110709154"/>
+      </p:ext>
+    </p:extLst>
+  </p:cSld>
+  <p:clrMapOvr>
+    <a:masterClrMapping/>
+  </p:clrMapOvr>
+</p:sld>
+</file>
+
+<file path=ppt/slides/slide67.xml><?xml version="1.0" encoding="utf-8"?>
+<p:sld xmlns:a="http://schemas.openxmlformats.org/drawingml/2006/main" xmlns:r="http://schemas.openxmlformats.org/officeDocument/2006/relationships" xmlns:p="http://schemas.openxmlformats.org/presentationml/2006/main">
+  <p:cSld>
+    <p:spTree>
+      <p:nvGrpSpPr>
+        <p:cNvPr id="1" name=""/>
+        <p:cNvGrpSpPr/>
+        <p:nvPr/>
+      </p:nvGrpSpPr>
+      <p:grpSpPr>
+        <a:xfrm>
+          <a:off x="0" y="0"/>
+          <a:ext cx="0" cy="0"/>
+          <a:chOff x="0" y="0"/>
+          <a:chExt cx="0" cy="0"/>
+        </a:xfrm>
+      </p:grpSpPr>
+      <p:sp>
+        <p:nvSpPr>
+          <p:cNvPr id="2" name="Titel 1">
+            <a:extLst>
+              <a:ext uri="{FF2B5EF4-FFF2-40B4-BE49-F238E27FC236}">
+                <a16:creationId xmlns:a16="http://schemas.microsoft.com/office/drawing/2014/main" id="{0EC7A146-A8F2-A844-9033-A0ACC828AF47}"/>
+              </a:ext>
+            </a:extLst>
+          </p:cNvPr>
+          <p:cNvSpPr>
+            <a:spLocks noGrp="1"/>
+          </p:cNvSpPr>
+          <p:nvPr>
+            <p:ph type="title"/>
+          </p:nvPr>
+        </p:nvSpPr>
+        <p:spPr/>
+        <p:txBody>
+          <a:bodyPr/>
+          <a:lstStyle/>
+          <a:p>
+            <a:r>
+              <a:rPr lang="de-DE" dirty="0"/>
+              <a:t>Aufgaben</a:t>
+            </a:r>
+          </a:p>
+        </p:txBody>
+      </p:sp>
+      <p:sp>
+        <p:nvSpPr>
+          <p:cNvPr id="3" name="Inhaltsplatzhalter 2">
+            <a:extLst>
+              <a:ext uri="{FF2B5EF4-FFF2-40B4-BE49-F238E27FC236}">
+                <a16:creationId xmlns:a16="http://schemas.microsoft.com/office/drawing/2014/main" id="{2A5EBA90-6155-FD45-A74C-ECC42BCA72DF}"/>
+              </a:ext>
+            </a:extLst>
+          </p:cNvPr>
+          <p:cNvSpPr>
+            <a:spLocks noGrp="1"/>
+          </p:cNvSpPr>
+          <p:nvPr>
+            <p:ph idx="1"/>
+          </p:nvPr>
+        </p:nvSpPr>
+        <p:spPr/>
+        <p:txBody>
+          <a:bodyPr/>
+          <a:lstStyle/>
+          <a:p>
+            <a:r>
+              <a:rPr lang="de-DE" dirty="0"/>
+              <a:t>Microservice für Lager-DB</a:t>
+            </a:r>
+          </a:p>
+          <a:p>
+            <a:pPr lvl="1"/>
+            <a:r>
+              <a:rPr lang="de-DE" dirty="0"/>
+              <a:t>2. Team: Rest-Schnittstelle für Lager-DB</a:t>
+            </a:r>
+          </a:p>
+          <a:p>
+            <a:pPr lvl="2"/>
+            <a:r>
+              <a:rPr lang="de-DE" dirty="0"/>
+              <a:t>Vorgabe</a:t>
+            </a:r>
+          </a:p>
+          <a:p>
+            <a:pPr lvl="3"/>
+            <a:r>
+              <a:rPr lang="de-DE" dirty="0"/>
+              <a:t>Interface der Business-Logik (domain-</a:t>
+            </a:r>
+            <a:r>
+              <a:rPr lang="de-DE" dirty="0" err="1"/>
+              <a:t>api</a:t>
+            </a:r>
+            <a:r>
+              <a:rPr lang="de-DE" dirty="0"/>
+              <a:t>)</a:t>
+            </a:r>
+          </a:p>
+          <a:p>
+            <a:pPr lvl="2"/>
+            <a:r>
+              <a:rPr lang="de-DE" dirty="0"/>
+              <a:t>Aufgabe</a:t>
+            </a:r>
+          </a:p>
+          <a:p>
+            <a:pPr lvl="3"/>
+            <a:r>
+              <a:rPr lang="de-DE" dirty="0"/>
+              <a:t>Definition der Rest-Schnittstelle</a:t>
+            </a:r>
+          </a:p>
+          <a:p>
+            <a:pPr lvl="4"/>
+            <a:r>
+              <a:rPr lang="de-DE" dirty="0"/>
+              <a:t>Methoden, Pfade, JSON-Formate</a:t>
+            </a:r>
+          </a:p>
+          <a:p>
+            <a:pPr lvl="3"/>
+            <a:r>
+              <a:rPr lang="de-DE" dirty="0"/>
+              <a:t>Implementierung des Rest-Controllers</a:t>
+            </a:r>
+          </a:p>
+          <a:p>
+            <a:pPr lvl="3"/>
+            <a:r>
+              <a:rPr lang="de-DE" dirty="0"/>
+              <a:t>Bereitstellung Test-Aufrufe in Postman</a:t>
+            </a:r>
+          </a:p>
+          <a:p>
+            <a:pPr lvl="3"/>
+            <a:endParaRPr lang="de-DE" dirty="0"/>
+          </a:p>
+        </p:txBody>
+      </p:sp>
+    </p:spTree>
+    <p:extLst>
+      <p:ext uri="{BB962C8B-B14F-4D97-AF65-F5344CB8AC3E}">
+        <p14:creationId xmlns:p14="http://schemas.microsoft.com/office/powerpoint/2010/main" val="2985434515"/>
+      </p:ext>
+    </p:extLst>
+  </p:cSld>
+  <p:clrMapOvr>
+    <a:masterClrMapping/>
+  </p:clrMapOvr>
+</p:sld>
+</file>
+
+<file path=ppt/slides/slide68.xml><?xml version="1.0" encoding="utf-8"?>
+<p:sld xmlns:a="http://schemas.openxmlformats.org/drawingml/2006/main" xmlns:r="http://schemas.openxmlformats.org/officeDocument/2006/relationships" xmlns:p="http://schemas.openxmlformats.org/presentationml/2006/main">
+  <p:cSld>
+    <p:spTree>
+      <p:nvGrpSpPr>
+        <p:cNvPr id="1" name=""/>
+        <p:cNvGrpSpPr/>
+        <p:nvPr/>
+      </p:nvGrpSpPr>
+      <p:grpSpPr>
+        <a:xfrm>
+          <a:off x="0" y="0"/>
+          <a:ext cx="0" cy="0"/>
+          <a:chOff x="0" y="0"/>
+          <a:chExt cx="0" cy="0"/>
+        </a:xfrm>
+      </p:grpSpPr>
+      <p:sp>
+        <p:nvSpPr>
+          <p:cNvPr id="2" name="Titel 1">
+            <a:extLst>
+              <a:ext uri="{FF2B5EF4-FFF2-40B4-BE49-F238E27FC236}">
+                <a16:creationId xmlns:a16="http://schemas.microsoft.com/office/drawing/2014/main" id="{0EC7A146-A8F2-A844-9033-A0ACC828AF47}"/>
+              </a:ext>
+            </a:extLst>
+          </p:cNvPr>
+          <p:cNvSpPr>
+            <a:spLocks noGrp="1"/>
+          </p:cNvSpPr>
+          <p:nvPr>
+            <p:ph type="title"/>
+          </p:nvPr>
+        </p:nvSpPr>
+        <p:spPr/>
+        <p:txBody>
+          <a:bodyPr/>
+          <a:lstStyle/>
+          <a:p>
+            <a:r>
+              <a:rPr lang="de-DE" dirty="0"/>
+              <a:t>Aufgaben</a:t>
+            </a:r>
+          </a:p>
+        </p:txBody>
+      </p:sp>
+      <p:sp>
+        <p:nvSpPr>
+          <p:cNvPr id="3" name="Inhaltsplatzhalter 2">
+            <a:extLst>
+              <a:ext uri="{FF2B5EF4-FFF2-40B4-BE49-F238E27FC236}">
+                <a16:creationId xmlns:a16="http://schemas.microsoft.com/office/drawing/2014/main" id="{2A5EBA90-6155-FD45-A74C-ECC42BCA72DF}"/>
+              </a:ext>
+            </a:extLst>
+          </p:cNvPr>
+          <p:cNvSpPr>
+            <a:spLocks noGrp="1"/>
+          </p:cNvSpPr>
+          <p:nvPr>
+            <p:ph idx="1"/>
+          </p:nvPr>
+        </p:nvSpPr>
+        <p:spPr/>
+        <p:txBody>
+          <a:bodyPr/>
+          <a:lstStyle/>
+          <a:p>
+            <a:r>
+              <a:rPr lang="de-DE" dirty="0"/>
+              <a:t>Warum Spring?</a:t>
+            </a:r>
+          </a:p>
+          <a:p>
+            <a:pPr lvl="1"/>
+            <a:r>
+              <a:rPr lang="de-DE" dirty="0"/>
+              <a:t>Fragen</a:t>
+            </a:r>
+          </a:p>
+          <a:p>
+            <a:pPr lvl="2"/>
+            <a:r>
+              <a:rPr lang="de-DE" dirty="0"/>
+              <a:t>Was leistet Spring?</a:t>
+            </a:r>
+          </a:p>
+          <a:p>
+            <a:pPr lvl="3"/>
+            <a:r>
+              <a:rPr lang="de-DE" dirty="0"/>
+              <a:t>Rest-</a:t>
+            </a:r>
+            <a:r>
+              <a:rPr lang="de-DE" dirty="0" err="1"/>
+              <a:t>Endpoint</a:t>
+            </a:r>
+            <a:endParaRPr lang="de-DE" dirty="0"/>
+          </a:p>
+          <a:p>
+            <a:pPr lvl="3"/>
+            <a:r>
+              <a:rPr lang="de-DE" dirty="0" err="1"/>
+              <a:t>Dependency-Injection</a:t>
+            </a:r>
+            <a:endParaRPr lang="de-DE" dirty="0"/>
+          </a:p>
+          <a:p>
+            <a:pPr lvl="4"/>
+            <a:r>
+              <a:rPr lang="de-DE" dirty="0"/>
+              <a:t>Auflösung von Mehrdeutigkeit</a:t>
+            </a:r>
+          </a:p>
+          <a:p>
+            <a:pPr lvl="2"/>
+            <a:r>
+              <a:rPr lang="de-DE" dirty="0"/>
+              <a:t>Wie tut Spring das?</a:t>
+            </a:r>
+          </a:p>
+          <a:p>
+            <a:pPr lvl="1"/>
+            <a:r>
+              <a:rPr lang="de-DE" dirty="0"/>
+              <a:t>Aufgabe</a:t>
+            </a:r>
+          </a:p>
+          <a:p>
+            <a:pPr lvl="2"/>
+            <a:r>
+              <a:rPr lang="de-DE" dirty="0"/>
+              <a:t>Präsentation mit Quelltext-Beispielen</a:t>
+            </a:r>
+          </a:p>
+          <a:p>
+            <a:pPr lvl="3"/>
+            <a:endParaRPr lang="de-DE" dirty="0"/>
+          </a:p>
+        </p:txBody>
+      </p:sp>
+    </p:spTree>
+    <p:extLst>
+      <p:ext uri="{BB962C8B-B14F-4D97-AF65-F5344CB8AC3E}">
+        <p14:creationId xmlns:p14="http://schemas.microsoft.com/office/powerpoint/2010/main" val="1069662498"/>
+      </p:ext>
+    </p:extLst>
+  </p:cSld>
+  <p:clrMapOvr>
+    <a:masterClrMapping/>
+  </p:clrMapOvr>
+</p:sld>
+</file>
+
+<file path=ppt/slides/slide69.xml><?xml version="1.0" encoding="utf-8"?>
+<p:sld xmlns:a="http://schemas.openxmlformats.org/drawingml/2006/main" xmlns:r="http://schemas.openxmlformats.org/officeDocument/2006/relationships" xmlns:p="http://schemas.openxmlformats.org/presentationml/2006/main">
+  <p:cSld>
+    <p:spTree>
+      <p:nvGrpSpPr>
+        <p:cNvPr id="1" name=""/>
+        <p:cNvGrpSpPr/>
+        <p:nvPr/>
+      </p:nvGrpSpPr>
+      <p:grpSpPr>
+        <a:xfrm>
+          <a:off x="0" y="0"/>
+          <a:ext cx="0" cy="0"/>
+          <a:chOff x="0" y="0"/>
+          <a:chExt cx="0" cy="0"/>
+        </a:xfrm>
+      </p:grpSpPr>
+      <p:sp>
+        <p:nvSpPr>
+          <p:cNvPr id="2" name="Titel 1">
+            <a:extLst>
+              <a:ext uri="{FF2B5EF4-FFF2-40B4-BE49-F238E27FC236}">
+                <a16:creationId xmlns:a16="http://schemas.microsoft.com/office/drawing/2014/main" id="{0EC7A146-A8F2-A844-9033-A0ACC828AF47}"/>
+              </a:ext>
+            </a:extLst>
+          </p:cNvPr>
+          <p:cNvSpPr>
+            <a:spLocks noGrp="1"/>
+          </p:cNvSpPr>
+          <p:nvPr>
+            <p:ph type="title"/>
+          </p:nvPr>
+        </p:nvSpPr>
+        <p:spPr/>
+        <p:txBody>
+          <a:bodyPr/>
+          <a:lstStyle/>
+          <a:p>
+            <a:r>
+              <a:rPr lang="de-DE" dirty="0"/>
+              <a:t>Aufgaben</a:t>
+            </a:r>
+          </a:p>
+        </p:txBody>
+      </p:sp>
+      <p:sp>
+        <p:nvSpPr>
+          <p:cNvPr id="3" name="Inhaltsplatzhalter 2">
+            <a:extLst>
+              <a:ext uri="{FF2B5EF4-FFF2-40B4-BE49-F238E27FC236}">
+                <a16:creationId xmlns:a16="http://schemas.microsoft.com/office/drawing/2014/main" id="{2A5EBA90-6155-FD45-A74C-ECC42BCA72DF}"/>
+              </a:ext>
+            </a:extLst>
+          </p:cNvPr>
+          <p:cNvSpPr>
+            <a:spLocks noGrp="1"/>
+          </p:cNvSpPr>
+          <p:nvPr>
+            <p:ph idx="1"/>
+          </p:nvPr>
+        </p:nvSpPr>
+        <p:spPr/>
+        <p:txBody>
+          <a:bodyPr/>
+          <a:lstStyle/>
+          <a:p>
+            <a:r>
+              <a:rPr lang="de-DE" dirty="0"/>
+              <a:t>Warum Docker?</a:t>
+            </a:r>
+          </a:p>
+          <a:p>
+            <a:pPr lvl="1"/>
+            <a:r>
+              <a:rPr lang="de-DE" dirty="0"/>
+              <a:t>Fragen</a:t>
+            </a:r>
+          </a:p>
+          <a:p>
+            <a:pPr lvl="2"/>
+            <a:r>
+              <a:rPr lang="de-DE" dirty="0"/>
+              <a:t>Was leistet Docker?</a:t>
+            </a:r>
+          </a:p>
+          <a:p>
+            <a:pPr lvl="3"/>
+            <a:r>
+              <a:rPr lang="de-DE" dirty="0"/>
+              <a:t>Was würde man tun, wenn man Docker nicht benutzt?</a:t>
+            </a:r>
+          </a:p>
+          <a:p>
+            <a:pPr lvl="2"/>
+            <a:r>
+              <a:rPr lang="de-DE" dirty="0"/>
+              <a:t>Wie funktioniert das?</a:t>
+            </a:r>
+          </a:p>
+          <a:p>
+            <a:pPr lvl="3"/>
+            <a:r>
+              <a:rPr lang="de-DE" dirty="0"/>
+              <a:t>Bereitstellung der Images</a:t>
+            </a:r>
+          </a:p>
+          <a:p>
+            <a:pPr lvl="3"/>
+            <a:r>
+              <a:rPr lang="de-DE" dirty="0" err="1"/>
+              <a:t>Runtime</a:t>
+            </a:r>
+            <a:endParaRPr lang="de-DE" dirty="0"/>
+          </a:p>
+          <a:p>
+            <a:pPr lvl="4"/>
+            <a:r>
+              <a:rPr lang="de-DE" dirty="0"/>
+              <a:t>Virtuelle Netzwerke</a:t>
+            </a:r>
+          </a:p>
+          <a:p>
+            <a:pPr lvl="1"/>
+            <a:r>
+              <a:rPr lang="de-DE" dirty="0"/>
+              <a:t>Aufgabe</a:t>
+            </a:r>
+          </a:p>
+          <a:p>
+            <a:pPr lvl="2"/>
+            <a:r>
+              <a:rPr lang="de-DE" dirty="0"/>
+              <a:t>Präsentation mit Quelltext-Beispielen</a:t>
+            </a:r>
+          </a:p>
+          <a:p>
+            <a:pPr lvl="3"/>
+            <a:endParaRPr lang="de-DE" dirty="0"/>
+          </a:p>
+        </p:txBody>
+      </p:sp>
+    </p:spTree>
+    <p:extLst>
+      <p:ext uri="{BB962C8B-B14F-4D97-AF65-F5344CB8AC3E}">
+        <p14:creationId xmlns:p14="http://schemas.microsoft.com/office/powerpoint/2010/main" val="1080260377"/>
       </p:ext>
     </p:extLst>
   </p:cSld>
@@ -21389,6 +22416,679 @@
     <p:extLst>
       <p:ext uri="{BB962C8B-B14F-4D97-AF65-F5344CB8AC3E}">
         <p14:creationId xmlns:p14="http://schemas.microsoft.com/office/powerpoint/2010/main" val="2321096448"/>
+      </p:ext>
+    </p:extLst>
+  </p:cSld>
+  <p:clrMapOvr>
+    <a:masterClrMapping/>
+  </p:clrMapOvr>
+</p:sld>
+</file>
+
+<file path=ppt/slides/slide70.xml><?xml version="1.0" encoding="utf-8"?>
+<p:sld xmlns:a="http://schemas.openxmlformats.org/drawingml/2006/main" xmlns:r="http://schemas.openxmlformats.org/officeDocument/2006/relationships" xmlns:p="http://schemas.openxmlformats.org/presentationml/2006/main">
+  <p:cSld>
+    <p:spTree>
+      <p:nvGrpSpPr>
+        <p:cNvPr id="1" name=""/>
+        <p:cNvGrpSpPr/>
+        <p:nvPr/>
+      </p:nvGrpSpPr>
+      <p:grpSpPr>
+        <a:xfrm>
+          <a:off x="0" y="0"/>
+          <a:ext cx="0" cy="0"/>
+          <a:chOff x="0" y="0"/>
+          <a:chExt cx="0" cy="0"/>
+        </a:xfrm>
+      </p:grpSpPr>
+      <p:sp>
+        <p:nvSpPr>
+          <p:cNvPr id="2" name="Titel 1">
+            <a:extLst>
+              <a:ext uri="{FF2B5EF4-FFF2-40B4-BE49-F238E27FC236}">
+                <a16:creationId xmlns:a16="http://schemas.microsoft.com/office/drawing/2014/main" id="{0EC7A146-A8F2-A844-9033-A0ACC828AF47}"/>
+              </a:ext>
+            </a:extLst>
+          </p:cNvPr>
+          <p:cNvSpPr>
+            <a:spLocks noGrp="1"/>
+          </p:cNvSpPr>
+          <p:nvPr>
+            <p:ph type="title"/>
+          </p:nvPr>
+        </p:nvSpPr>
+        <p:spPr/>
+        <p:txBody>
+          <a:bodyPr/>
+          <a:lstStyle/>
+          <a:p>
+            <a:r>
+              <a:rPr lang="de-DE" dirty="0"/>
+              <a:t>Aufgaben</a:t>
+            </a:r>
+          </a:p>
+        </p:txBody>
+      </p:sp>
+      <p:sp>
+        <p:nvSpPr>
+          <p:cNvPr id="3" name="Inhaltsplatzhalter 2">
+            <a:extLst>
+              <a:ext uri="{FF2B5EF4-FFF2-40B4-BE49-F238E27FC236}">
+                <a16:creationId xmlns:a16="http://schemas.microsoft.com/office/drawing/2014/main" id="{2A5EBA90-6155-FD45-A74C-ECC42BCA72DF}"/>
+              </a:ext>
+            </a:extLst>
+          </p:cNvPr>
+          <p:cNvSpPr>
+            <a:spLocks noGrp="1"/>
+          </p:cNvSpPr>
+          <p:nvPr>
+            <p:ph idx="1"/>
+          </p:nvPr>
+        </p:nvSpPr>
+        <p:spPr/>
+        <p:txBody>
+          <a:bodyPr/>
+          <a:lstStyle/>
+          <a:p>
+            <a:r>
+              <a:rPr lang="de-DE" dirty="0"/>
+              <a:t>Warum Maven?</a:t>
+            </a:r>
+          </a:p>
+          <a:p>
+            <a:pPr lvl="1"/>
+            <a:r>
+              <a:rPr lang="de-DE" dirty="0"/>
+              <a:t>Fragen</a:t>
+            </a:r>
+          </a:p>
+          <a:p>
+            <a:pPr lvl="2"/>
+            <a:r>
+              <a:rPr lang="de-DE" dirty="0"/>
+              <a:t>Was leistet Maven?</a:t>
+            </a:r>
+          </a:p>
+          <a:p>
+            <a:pPr lvl="3"/>
+            <a:r>
+              <a:rPr lang="de-DE" dirty="0"/>
+              <a:t>Was würde man tun, wenn man Maven nicht benutzt?</a:t>
+            </a:r>
+          </a:p>
+          <a:p>
+            <a:pPr lvl="1"/>
+            <a:r>
+              <a:rPr lang="de-DE" dirty="0"/>
+              <a:t>Aufgabe</a:t>
+            </a:r>
+          </a:p>
+          <a:p>
+            <a:pPr lvl="2"/>
+            <a:r>
+              <a:rPr lang="de-DE" dirty="0"/>
+              <a:t>Aufteilung von </a:t>
+            </a:r>
+            <a:r>
+              <a:rPr lang="de-DE" dirty="0" err="1"/>
+              <a:t>infrastructure</a:t>
+            </a:r>
+            <a:r>
+              <a:rPr lang="de-DE" dirty="0"/>
+              <a:t> (aus step0130) in mehrere Maven-Module</a:t>
+            </a:r>
+          </a:p>
+          <a:p>
+            <a:pPr lvl="2"/>
+            <a:r>
+              <a:rPr lang="de-DE" dirty="0"/>
+              <a:t>Zufügen (mindestens eines) Plugins zur statischen Code-Analyse</a:t>
+            </a:r>
+          </a:p>
+          <a:p>
+            <a:pPr lvl="2"/>
+            <a:r>
+              <a:rPr lang="de-DE" dirty="0"/>
+              <a:t>Präsentation mit Quelltext-Beispielen</a:t>
+            </a:r>
+          </a:p>
+          <a:p>
+            <a:pPr lvl="3"/>
+            <a:endParaRPr lang="de-DE" dirty="0"/>
+          </a:p>
+        </p:txBody>
+      </p:sp>
+    </p:spTree>
+    <p:extLst>
+      <p:ext uri="{BB962C8B-B14F-4D97-AF65-F5344CB8AC3E}">
+        <p14:creationId xmlns:p14="http://schemas.microsoft.com/office/powerpoint/2010/main" val="2139192334"/>
+      </p:ext>
+    </p:extLst>
+  </p:cSld>
+  <p:clrMapOvr>
+    <a:masterClrMapping/>
+  </p:clrMapOvr>
+</p:sld>
+</file>
+
+<file path=ppt/slides/slide71.xml><?xml version="1.0" encoding="utf-8"?>
+<p:sld xmlns:a="http://schemas.openxmlformats.org/drawingml/2006/main" xmlns:r="http://schemas.openxmlformats.org/officeDocument/2006/relationships" xmlns:p="http://schemas.openxmlformats.org/presentationml/2006/main">
+  <p:cSld>
+    <p:spTree>
+      <p:nvGrpSpPr>
+        <p:cNvPr id="1" name=""/>
+        <p:cNvGrpSpPr/>
+        <p:nvPr/>
+      </p:nvGrpSpPr>
+      <p:grpSpPr>
+        <a:xfrm>
+          <a:off x="0" y="0"/>
+          <a:ext cx="0" cy="0"/>
+          <a:chOff x="0" y="0"/>
+          <a:chExt cx="0" cy="0"/>
+        </a:xfrm>
+      </p:grpSpPr>
+      <p:sp>
+        <p:nvSpPr>
+          <p:cNvPr id="2" name="Titel 1">
+            <a:extLst>
+              <a:ext uri="{FF2B5EF4-FFF2-40B4-BE49-F238E27FC236}">
+                <a16:creationId xmlns:a16="http://schemas.microsoft.com/office/drawing/2014/main" id="{0EC7A146-A8F2-A844-9033-A0ACC828AF47}"/>
+              </a:ext>
+            </a:extLst>
+          </p:cNvPr>
+          <p:cNvSpPr>
+            <a:spLocks noGrp="1"/>
+          </p:cNvSpPr>
+          <p:nvPr>
+            <p:ph type="title"/>
+          </p:nvPr>
+        </p:nvSpPr>
+        <p:spPr/>
+        <p:txBody>
+          <a:bodyPr/>
+          <a:lstStyle/>
+          <a:p>
+            <a:r>
+              <a:rPr lang="de-DE" dirty="0"/>
+              <a:t>Aufgaben</a:t>
+            </a:r>
+          </a:p>
+        </p:txBody>
+      </p:sp>
+      <p:sp>
+        <p:nvSpPr>
+          <p:cNvPr id="3" name="Inhaltsplatzhalter 2">
+            <a:extLst>
+              <a:ext uri="{FF2B5EF4-FFF2-40B4-BE49-F238E27FC236}">
+                <a16:creationId xmlns:a16="http://schemas.microsoft.com/office/drawing/2014/main" id="{2A5EBA90-6155-FD45-A74C-ECC42BCA72DF}"/>
+              </a:ext>
+            </a:extLst>
+          </p:cNvPr>
+          <p:cNvSpPr>
+            <a:spLocks noGrp="1"/>
+          </p:cNvSpPr>
+          <p:nvPr>
+            <p:ph idx="1"/>
+          </p:nvPr>
+        </p:nvSpPr>
+        <p:spPr/>
+        <p:txBody>
+          <a:bodyPr/>
+          <a:lstStyle/>
+          <a:p>
+            <a:r>
+              <a:rPr lang="de-DE" dirty="0"/>
+              <a:t>Unit-Tests mit </a:t>
+            </a:r>
+            <a:r>
+              <a:rPr lang="de-DE" dirty="0" err="1"/>
+              <a:t>JGiven</a:t>
+            </a:r>
+            <a:endParaRPr lang="de-DE" dirty="0"/>
+          </a:p>
+          <a:p>
+            <a:pPr lvl="1"/>
+            <a:r>
+              <a:rPr lang="de-DE" dirty="0"/>
+              <a:t>Aufgabe</a:t>
+            </a:r>
+          </a:p>
+          <a:p>
+            <a:pPr lvl="2"/>
+            <a:r>
+              <a:rPr lang="de-DE" dirty="0"/>
+              <a:t>Zufügen der </a:t>
+            </a:r>
+            <a:r>
+              <a:rPr lang="de-DE" dirty="0" err="1"/>
+              <a:t>JGiven</a:t>
+            </a:r>
+            <a:r>
+              <a:rPr lang="de-DE" dirty="0"/>
+              <a:t>-Library zu allen sample-Microservices (</a:t>
+            </a:r>
+            <a:r>
+              <a:rPr lang="de-DE" dirty="0" err="1"/>
+              <a:t>shop</a:t>
+            </a:r>
+            <a:r>
+              <a:rPr lang="de-DE" dirty="0"/>
+              <a:t>, </a:t>
+            </a:r>
+            <a:r>
+              <a:rPr lang="de-DE" dirty="0" err="1"/>
+              <a:t>person</a:t>
+            </a:r>
+            <a:r>
+              <a:rPr lang="de-DE" dirty="0"/>
+              <a:t>, </a:t>
+            </a:r>
+            <a:r>
+              <a:rPr lang="de-DE" dirty="0" err="1"/>
+              <a:t>auftrag</a:t>
+            </a:r>
+            <a:r>
+              <a:rPr lang="de-DE" dirty="0"/>
+              <a:t>)</a:t>
+            </a:r>
+          </a:p>
+          <a:p>
+            <a:pPr lvl="2"/>
+            <a:r>
+              <a:rPr lang="de-DE" dirty="0"/>
+              <a:t>Implementierung von (je mindestens einem) Unit-Test </a:t>
+            </a:r>
+            <a:r>
+              <a:rPr lang="de-DE" dirty="0" err="1"/>
+              <a:t>innerhal</a:t>
+            </a:r>
+            <a:r>
+              <a:rPr lang="de-DE" dirty="0"/>
+              <a:t> </a:t>
+            </a:r>
+            <a:r>
+              <a:rPr lang="de-DE"/>
+              <a:t>jedes Microservice</a:t>
+            </a:r>
+            <a:endParaRPr lang="de-DE" dirty="0"/>
+          </a:p>
+        </p:txBody>
+      </p:sp>
+    </p:spTree>
+    <p:extLst>
+      <p:ext uri="{BB962C8B-B14F-4D97-AF65-F5344CB8AC3E}">
+        <p14:creationId xmlns:p14="http://schemas.microsoft.com/office/powerpoint/2010/main" val="3166610306"/>
+      </p:ext>
+    </p:extLst>
+  </p:cSld>
+  <p:clrMapOvr>
+    <a:masterClrMapping/>
+  </p:clrMapOvr>
+</p:sld>
+</file>
+
+<file path=ppt/slides/slide72.xml><?xml version="1.0" encoding="utf-8"?>
+<p:sld xmlns:a="http://schemas.openxmlformats.org/drawingml/2006/main" xmlns:r="http://schemas.openxmlformats.org/officeDocument/2006/relationships" xmlns:p="http://schemas.openxmlformats.org/presentationml/2006/main">
+  <p:cSld>
+    <p:spTree>
+      <p:nvGrpSpPr>
+        <p:cNvPr id="1" name=""/>
+        <p:cNvGrpSpPr/>
+        <p:nvPr/>
+      </p:nvGrpSpPr>
+      <p:grpSpPr>
+        <a:xfrm>
+          <a:off x="0" y="0"/>
+          <a:ext cx="0" cy="0"/>
+          <a:chOff x="0" y="0"/>
+          <a:chExt cx="0" cy="0"/>
+        </a:xfrm>
+      </p:grpSpPr>
+      <p:sp>
+        <p:nvSpPr>
+          <p:cNvPr id="2" name="Titel 1">
+            <a:extLst>
+              <a:ext uri="{FF2B5EF4-FFF2-40B4-BE49-F238E27FC236}">
+                <a16:creationId xmlns:a16="http://schemas.microsoft.com/office/drawing/2014/main" id="{0EC7A146-A8F2-A844-9033-A0ACC828AF47}"/>
+              </a:ext>
+            </a:extLst>
+          </p:cNvPr>
+          <p:cNvSpPr>
+            <a:spLocks noGrp="1"/>
+          </p:cNvSpPr>
+          <p:nvPr>
+            <p:ph type="title"/>
+          </p:nvPr>
+        </p:nvSpPr>
+        <p:spPr/>
+        <p:txBody>
+          <a:bodyPr/>
+          <a:lstStyle/>
+          <a:p>
+            <a:r>
+              <a:rPr lang="de-DE" dirty="0"/>
+              <a:t>Aufgaben</a:t>
+            </a:r>
+          </a:p>
+        </p:txBody>
+      </p:sp>
+      <p:sp>
+        <p:nvSpPr>
+          <p:cNvPr id="3" name="Inhaltsplatzhalter 2">
+            <a:extLst>
+              <a:ext uri="{FF2B5EF4-FFF2-40B4-BE49-F238E27FC236}">
+                <a16:creationId xmlns:a16="http://schemas.microsoft.com/office/drawing/2014/main" id="{2A5EBA90-6155-FD45-A74C-ECC42BCA72DF}"/>
+              </a:ext>
+            </a:extLst>
+          </p:cNvPr>
+          <p:cNvSpPr>
+            <a:spLocks noGrp="1"/>
+          </p:cNvSpPr>
+          <p:nvPr>
+            <p:ph idx="1"/>
+          </p:nvPr>
+        </p:nvSpPr>
+        <p:spPr/>
+        <p:txBody>
+          <a:bodyPr/>
+          <a:lstStyle/>
+          <a:p>
+            <a:r>
+              <a:rPr lang="de-DE" dirty="0"/>
+              <a:t>Automatisierte Integrations-Tests</a:t>
+            </a:r>
+          </a:p>
+          <a:p>
+            <a:pPr lvl="1"/>
+            <a:r>
+              <a:rPr lang="de-DE" dirty="0"/>
+              <a:t>Aufgabe</a:t>
+            </a:r>
+          </a:p>
+          <a:p>
+            <a:pPr lvl="2"/>
+            <a:r>
+              <a:rPr lang="de-DE" dirty="0"/>
+              <a:t>Zufügen eines Integrations-Tests mit </a:t>
+            </a:r>
+            <a:r>
+              <a:rPr lang="de-DE" dirty="0" err="1"/>
+              <a:t>Cucumber</a:t>
+            </a:r>
+            <a:endParaRPr lang="de-DE" dirty="0"/>
+          </a:p>
+          <a:p>
+            <a:pPr lvl="2"/>
+            <a:endParaRPr lang="de-DE" dirty="0"/>
+          </a:p>
+          <a:p>
+            <a:pPr lvl="2"/>
+            <a:endParaRPr lang="de-DE" dirty="0"/>
+          </a:p>
+          <a:p>
+            <a:r>
+              <a:rPr lang="de-DE" dirty="0" err="1"/>
+              <a:t>Todo</a:t>
+            </a:r>
+            <a:r>
+              <a:rPr lang="de-DE" dirty="0"/>
+              <a:t>: Beispiel-Bild</a:t>
+            </a:r>
+          </a:p>
+        </p:txBody>
+      </p:sp>
+    </p:spTree>
+    <p:extLst>
+      <p:ext uri="{BB962C8B-B14F-4D97-AF65-F5344CB8AC3E}">
+        <p14:creationId xmlns:p14="http://schemas.microsoft.com/office/powerpoint/2010/main" val="1834254991"/>
+      </p:ext>
+    </p:extLst>
+  </p:cSld>
+  <p:clrMapOvr>
+    <a:masterClrMapping/>
+  </p:clrMapOvr>
+</p:sld>
+</file>
+
+<file path=ppt/slides/slide73.xml><?xml version="1.0" encoding="utf-8"?>
+<p:sld xmlns:a="http://schemas.openxmlformats.org/drawingml/2006/main" xmlns:r="http://schemas.openxmlformats.org/officeDocument/2006/relationships" xmlns:p="http://schemas.openxmlformats.org/presentationml/2006/main">
+  <p:cSld>
+    <p:spTree>
+      <p:nvGrpSpPr>
+        <p:cNvPr id="1" name=""/>
+        <p:cNvGrpSpPr/>
+        <p:nvPr/>
+      </p:nvGrpSpPr>
+      <p:grpSpPr>
+        <a:xfrm>
+          <a:off x="0" y="0"/>
+          <a:ext cx="0" cy="0"/>
+          <a:chOff x="0" y="0"/>
+          <a:chExt cx="0" cy="0"/>
+        </a:xfrm>
+      </p:grpSpPr>
+      <p:sp>
+        <p:nvSpPr>
+          <p:cNvPr id="2" name="Titel 1">
+            <a:extLst>
+              <a:ext uri="{FF2B5EF4-FFF2-40B4-BE49-F238E27FC236}">
+                <a16:creationId xmlns:a16="http://schemas.microsoft.com/office/drawing/2014/main" id="{0EC7A146-A8F2-A844-9033-A0ACC828AF47}"/>
+              </a:ext>
+            </a:extLst>
+          </p:cNvPr>
+          <p:cNvSpPr>
+            <a:spLocks noGrp="1"/>
+          </p:cNvSpPr>
+          <p:nvPr>
+            <p:ph type="title"/>
+          </p:nvPr>
+        </p:nvSpPr>
+        <p:spPr/>
+        <p:txBody>
+          <a:bodyPr/>
+          <a:lstStyle/>
+          <a:p>
+            <a:r>
+              <a:rPr lang="de-DE" dirty="0"/>
+              <a:t>Nächste Schritte</a:t>
+            </a:r>
+          </a:p>
+        </p:txBody>
+      </p:sp>
+      <p:sp>
+        <p:nvSpPr>
+          <p:cNvPr id="3" name="Inhaltsplatzhalter 2">
+            <a:extLst>
+              <a:ext uri="{FF2B5EF4-FFF2-40B4-BE49-F238E27FC236}">
+                <a16:creationId xmlns:a16="http://schemas.microsoft.com/office/drawing/2014/main" id="{2A5EBA90-6155-FD45-A74C-ECC42BCA72DF}"/>
+              </a:ext>
+            </a:extLst>
+          </p:cNvPr>
+          <p:cNvSpPr>
+            <a:spLocks noGrp="1"/>
+          </p:cNvSpPr>
+          <p:nvPr>
+            <p:ph idx="1"/>
+          </p:nvPr>
+        </p:nvSpPr>
+        <p:spPr/>
+        <p:txBody>
+          <a:bodyPr/>
+          <a:lstStyle/>
+          <a:p>
+            <a:r>
+              <a:rPr lang="de-DE" dirty="0"/>
+              <a:t>2.5.2022</a:t>
+            </a:r>
+          </a:p>
+          <a:p>
+            <a:pPr lvl="1"/>
+            <a:r>
+              <a:rPr lang="de-DE" dirty="0"/>
+              <a:t>90 – Persistenz</a:t>
+            </a:r>
+          </a:p>
+          <a:p>
+            <a:pPr lvl="1"/>
+            <a:r>
+              <a:rPr lang="de-DE" dirty="0"/>
+              <a:t>100 – Docker</a:t>
+            </a:r>
+          </a:p>
+          <a:p>
+            <a:r>
+              <a:rPr lang="de-DE" dirty="0"/>
+              <a:t>9.5.2022</a:t>
+            </a:r>
+          </a:p>
+          <a:p>
+            <a:pPr lvl="1"/>
+            <a:r>
+              <a:rPr lang="de-DE" dirty="0"/>
+              <a:t>110 – Security</a:t>
+            </a:r>
+          </a:p>
+          <a:p>
+            <a:pPr lvl="1"/>
+            <a:r>
+              <a:rPr lang="de-DE" dirty="0"/>
+              <a:t>130 – Rest-Call</a:t>
+            </a:r>
+          </a:p>
+        </p:txBody>
+      </p:sp>
+    </p:spTree>
+    <p:extLst>
+      <p:ext uri="{BB962C8B-B14F-4D97-AF65-F5344CB8AC3E}">
+        <p14:creationId xmlns:p14="http://schemas.microsoft.com/office/powerpoint/2010/main" val="2683012439"/>
+      </p:ext>
+    </p:extLst>
+  </p:cSld>
+  <p:clrMapOvr>
+    <a:masterClrMapping/>
+  </p:clrMapOvr>
+</p:sld>
+</file>
+
+<file path=ppt/slides/slide74.xml><?xml version="1.0" encoding="utf-8"?>
+<p:sld xmlns:a="http://schemas.openxmlformats.org/drawingml/2006/main" xmlns:r="http://schemas.openxmlformats.org/officeDocument/2006/relationships" xmlns:p="http://schemas.openxmlformats.org/presentationml/2006/main">
+  <p:cSld>
+    <p:spTree>
+      <p:nvGrpSpPr>
+        <p:cNvPr id="1" name=""/>
+        <p:cNvGrpSpPr/>
+        <p:nvPr/>
+      </p:nvGrpSpPr>
+      <p:grpSpPr>
+        <a:xfrm>
+          <a:off x="0" y="0"/>
+          <a:ext cx="0" cy="0"/>
+          <a:chOff x="0" y="0"/>
+          <a:chExt cx="0" cy="0"/>
+        </a:xfrm>
+      </p:grpSpPr>
+      <p:sp>
+        <p:nvSpPr>
+          <p:cNvPr id="2" name="Titel 1">
+            <a:extLst>
+              <a:ext uri="{FF2B5EF4-FFF2-40B4-BE49-F238E27FC236}">
+                <a16:creationId xmlns:a16="http://schemas.microsoft.com/office/drawing/2014/main" id="{0EC7A146-A8F2-A844-9033-A0ACC828AF47}"/>
+              </a:ext>
+            </a:extLst>
+          </p:cNvPr>
+          <p:cNvSpPr>
+            <a:spLocks noGrp="1"/>
+          </p:cNvSpPr>
+          <p:nvPr>
+            <p:ph type="title"/>
+          </p:nvPr>
+        </p:nvSpPr>
+        <p:spPr/>
+        <p:txBody>
+          <a:bodyPr/>
+          <a:lstStyle/>
+          <a:p>
+            <a:r>
+              <a:rPr lang="de-DE" dirty="0" err="1"/>
+              <a:t>Todo</a:t>
+            </a:r>
+            <a:endParaRPr lang="de-DE" dirty="0"/>
+          </a:p>
+        </p:txBody>
+      </p:sp>
+      <p:sp>
+        <p:nvSpPr>
+          <p:cNvPr id="3" name="Inhaltsplatzhalter 2">
+            <a:extLst>
+              <a:ext uri="{FF2B5EF4-FFF2-40B4-BE49-F238E27FC236}">
+                <a16:creationId xmlns:a16="http://schemas.microsoft.com/office/drawing/2014/main" id="{2A5EBA90-6155-FD45-A74C-ECC42BCA72DF}"/>
+              </a:ext>
+            </a:extLst>
+          </p:cNvPr>
+          <p:cNvSpPr>
+            <a:spLocks noGrp="1"/>
+          </p:cNvSpPr>
+          <p:nvPr>
+            <p:ph idx="1"/>
+          </p:nvPr>
+        </p:nvSpPr>
+        <p:spPr/>
+        <p:txBody>
+          <a:bodyPr/>
+          <a:lstStyle/>
+          <a:p>
+            <a:r>
+              <a:rPr lang="de-DE" dirty="0"/>
+              <a:t>Integrations-Tests mit </a:t>
+            </a:r>
+            <a:r>
+              <a:rPr lang="de-DE" dirty="0" err="1"/>
+              <a:t>Cucumber</a:t>
+            </a:r>
+            <a:endParaRPr lang="de-DE" dirty="0"/>
+          </a:p>
+          <a:p>
+            <a:r>
+              <a:rPr lang="de-DE" dirty="0"/>
+              <a:t>Performance-Tests mit Gatling</a:t>
+            </a:r>
+          </a:p>
+          <a:p>
+            <a:r>
+              <a:rPr lang="de-DE" dirty="0"/>
+              <a:t>Message-in (</a:t>
+            </a:r>
+            <a:r>
+              <a:rPr lang="de-DE" dirty="0" err="1"/>
+              <a:t>ActiveMQ</a:t>
+            </a:r>
+            <a:r>
+              <a:rPr lang="de-DE" dirty="0"/>
+              <a:t> mit JMS)</a:t>
+            </a:r>
+          </a:p>
+          <a:p>
+            <a:r>
+              <a:rPr lang="de-DE" dirty="0"/>
+              <a:t>Message-out (</a:t>
+            </a:r>
+            <a:r>
+              <a:rPr lang="de-DE" dirty="0" err="1"/>
+              <a:t>ActiveMQ</a:t>
+            </a:r>
+            <a:r>
+              <a:rPr lang="de-DE" dirty="0"/>
+              <a:t> mit JMS)</a:t>
+            </a:r>
+          </a:p>
+        </p:txBody>
+      </p:sp>
+    </p:spTree>
+    <p:extLst>
+      <p:ext uri="{BB962C8B-B14F-4D97-AF65-F5344CB8AC3E}">
+        <p14:creationId xmlns:p14="http://schemas.microsoft.com/office/powerpoint/2010/main" val="657824743"/>
       </p:ext>
     </p:extLst>
   </p:cSld>
@@ -21971,4 +23671,299 @@
     </a:ext>
   </a:extLst>
 </a:theme>
+</file>
+
+<file path=ppt/theme/theme2.xml><?xml version="1.0" encoding="utf-8"?>
+<a:theme xmlns:a="http://schemas.openxmlformats.org/drawingml/2006/main" name="Office">
+  <a:themeElements>
+    <a:clrScheme name="Office">
+      <a:dk1>
+        <a:sysClr val="windowText" lastClr="000000"/>
+      </a:dk1>
+      <a:lt1>
+        <a:sysClr val="window" lastClr="FFFFFF"/>
+      </a:lt1>
+      <a:dk2>
+        <a:srgbClr val="44546A"/>
+      </a:dk2>
+      <a:lt2>
+        <a:srgbClr val="E7E6E6"/>
+      </a:lt2>
+      <a:accent1>
+        <a:srgbClr val="4472C4"/>
+      </a:accent1>
+      <a:accent2>
+        <a:srgbClr val="ED7D31"/>
+      </a:accent2>
+      <a:accent3>
+        <a:srgbClr val="A5A5A5"/>
+      </a:accent3>
+      <a:accent4>
+        <a:srgbClr val="FFC000"/>
+      </a:accent4>
+      <a:accent5>
+        <a:srgbClr val="5B9BD5"/>
+      </a:accent5>
+      <a:accent6>
+        <a:srgbClr val="70AD47"/>
+      </a:accent6>
+      <a:hlink>
+        <a:srgbClr val="0563C1"/>
+      </a:hlink>
+      <a:folHlink>
+        <a:srgbClr val="954F72"/>
+      </a:folHlink>
+    </a:clrScheme>
+    <a:fontScheme name="Office">
+      <a:majorFont>
+        <a:latin typeface="Calibri Light" panose="020F0302020204030204"/>
+        <a:ea typeface=""/>
+        <a:cs typeface=""/>
+        <a:font script="Jpan" typeface="游ゴシック Light"/>
+        <a:font script="Hang" typeface="맑은 고딕"/>
+        <a:font script="Hans" typeface="等线 Light"/>
+        <a:font script="Hant" typeface="新細明體"/>
+        <a:font script="Arab" typeface="Times New Roman"/>
+        <a:font script="Hebr" typeface="Times New Roman"/>
+        <a:font script="Thai" typeface="Angsana New"/>
+        <a:font script="Ethi" typeface="Nyala"/>
+        <a:font script="Beng" typeface="Vrinda"/>
+        <a:font script="Gujr" typeface="Shruti"/>
+        <a:font script="Khmr" typeface="MoolBoran"/>
+        <a:font script="Knda" typeface="Tunga"/>
+        <a:font script="Guru" typeface="Raavi"/>
+        <a:font script="Cans" typeface="Euphemia"/>
+        <a:font script="Cher" typeface="Plantagenet Cherokee"/>
+        <a:font script="Yiii" typeface="Microsoft Yi Baiti"/>
+        <a:font script="Tibt" typeface="Microsoft Himalaya"/>
+        <a:font script="Thaa" typeface="MV Boli"/>
+        <a:font script="Deva" typeface="Mangal"/>
+        <a:font script="Telu" typeface="Gautami"/>
+        <a:font script="Taml" typeface="Latha"/>
+        <a:font script="Syrc" typeface="Estrangelo Edessa"/>
+        <a:font script="Orya" typeface="Kalinga"/>
+        <a:font script="Mlym" typeface="Kartika"/>
+        <a:font script="Laoo" typeface="DokChampa"/>
+        <a:font script="Sinh" typeface="Iskoola Pota"/>
+        <a:font script="Mong" typeface="Mongolian Baiti"/>
+        <a:font script="Viet" typeface="Times New Roman"/>
+        <a:font script="Uigh" typeface="Microsoft Uighur"/>
+        <a:font script="Geor" typeface="Sylfaen"/>
+        <a:font script="Armn" typeface="Arial"/>
+        <a:font script="Bugi" typeface="Leelawadee UI"/>
+        <a:font script="Bopo" typeface="Microsoft JhengHei"/>
+        <a:font script="Java" typeface="Javanese Text"/>
+        <a:font script="Lisu" typeface="Segoe UI"/>
+        <a:font script="Mymr" typeface="Myanmar Text"/>
+        <a:font script="Nkoo" typeface="Ebrima"/>
+        <a:font script="Olck" typeface="Nirmala UI"/>
+        <a:font script="Osma" typeface="Ebrima"/>
+        <a:font script="Phag" typeface="Phagspa"/>
+        <a:font script="Syrn" typeface="Estrangelo Edessa"/>
+        <a:font script="Syrj" typeface="Estrangelo Edessa"/>
+        <a:font script="Syre" typeface="Estrangelo Edessa"/>
+        <a:font script="Sora" typeface="Nirmala UI"/>
+        <a:font script="Tale" typeface="Microsoft Tai Le"/>
+        <a:font script="Talu" typeface="Microsoft New Tai Lue"/>
+        <a:font script="Tfng" typeface="Ebrima"/>
+      </a:majorFont>
+      <a:minorFont>
+        <a:latin typeface="Calibri" panose="020F0502020204030204"/>
+        <a:ea typeface=""/>
+        <a:cs typeface=""/>
+        <a:font script="Jpan" typeface="游ゴシック"/>
+        <a:font script="Hang" typeface="맑은 고딕"/>
+        <a:font script="Hans" typeface="等线"/>
+        <a:font script="Hant" typeface="新細明體"/>
+        <a:font script="Arab" typeface="Arial"/>
+        <a:font script="Hebr" typeface="Arial"/>
+        <a:font script="Thai" typeface="Cordia New"/>
+        <a:font script="Ethi" typeface="Nyala"/>
+        <a:font script="Beng" typeface="Vrinda"/>
+        <a:font script="Gujr" typeface="Shruti"/>
+        <a:font script="Khmr" typeface="DaunPenh"/>
+        <a:font script="Knda" typeface="Tunga"/>
+        <a:font script="Guru" typeface="Raavi"/>
+        <a:font script="Cans" typeface="Euphemia"/>
+        <a:font script="Cher" typeface="Plantagenet Cherokee"/>
+        <a:font script="Yiii" typeface="Microsoft Yi Baiti"/>
+        <a:font script="Tibt" typeface="Microsoft Himalaya"/>
+        <a:font script="Thaa" typeface="MV Boli"/>
+        <a:font script="Deva" typeface="Mangal"/>
+        <a:font script="Telu" typeface="Gautami"/>
+        <a:font script="Taml" typeface="Latha"/>
+        <a:font script="Syrc" typeface="Estrangelo Edessa"/>
+        <a:font script="Orya" typeface="Kalinga"/>
+        <a:font script="Mlym" typeface="Kartika"/>
+        <a:font script="Laoo" typeface="DokChampa"/>
+        <a:font script="Sinh" typeface="Iskoola Pota"/>
+        <a:font script="Mong" typeface="Mongolian Baiti"/>
+        <a:font script="Viet" typeface="Arial"/>
+        <a:font script="Uigh" typeface="Microsoft Uighur"/>
+        <a:font script="Geor" typeface="Sylfaen"/>
+        <a:font script="Armn" typeface="Arial"/>
+        <a:font script="Bugi" typeface="Leelawadee UI"/>
+        <a:font script="Bopo" typeface="Microsoft JhengHei"/>
+        <a:font script="Java" typeface="Javanese Text"/>
+        <a:font script="Lisu" typeface="Segoe UI"/>
+        <a:font script="Mymr" typeface="Myanmar Text"/>
+        <a:font script="Nkoo" typeface="Ebrima"/>
+        <a:font script="Olck" typeface="Nirmala UI"/>
+        <a:font script="Osma" typeface="Ebrima"/>
+        <a:font script="Phag" typeface="Phagspa"/>
+        <a:font script="Syrn" typeface="Estrangelo Edessa"/>
+        <a:font script="Syrj" typeface="Estrangelo Edessa"/>
+        <a:font script="Syre" typeface="Estrangelo Edessa"/>
+        <a:font script="Sora" typeface="Nirmala UI"/>
+        <a:font script="Tale" typeface="Microsoft Tai Le"/>
+        <a:font script="Talu" typeface="Microsoft New Tai Lue"/>
+        <a:font script="Tfng" typeface="Ebrima"/>
+      </a:minorFont>
+    </a:fontScheme>
+    <a:fmtScheme name="Office">
+      <a:fillStyleLst>
+        <a:solidFill>
+          <a:schemeClr val="phClr"/>
+        </a:solidFill>
+        <a:gradFill rotWithShape="1">
+          <a:gsLst>
+            <a:gs pos="0">
+              <a:schemeClr val="phClr">
+                <a:lumMod val="110000"/>
+                <a:satMod val="105000"/>
+                <a:tint val="67000"/>
+              </a:schemeClr>
+            </a:gs>
+            <a:gs pos="50000">
+              <a:schemeClr val="phClr">
+                <a:lumMod val="105000"/>
+                <a:satMod val="103000"/>
+                <a:tint val="73000"/>
+              </a:schemeClr>
+            </a:gs>
+            <a:gs pos="100000">
+              <a:schemeClr val="phClr">
+                <a:lumMod val="105000"/>
+                <a:satMod val="109000"/>
+                <a:tint val="81000"/>
+              </a:schemeClr>
+            </a:gs>
+          </a:gsLst>
+          <a:lin ang="5400000" scaled="0"/>
+        </a:gradFill>
+        <a:gradFill rotWithShape="1">
+          <a:gsLst>
+            <a:gs pos="0">
+              <a:schemeClr val="phClr">
+                <a:satMod val="103000"/>
+                <a:lumMod val="102000"/>
+                <a:tint val="94000"/>
+              </a:schemeClr>
+            </a:gs>
+            <a:gs pos="50000">
+              <a:schemeClr val="phClr">
+                <a:satMod val="110000"/>
+                <a:lumMod val="100000"/>
+                <a:shade val="100000"/>
+              </a:schemeClr>
+            </a:gs>
+            <a:gs pos="100000">
+              <a:schemeClr val="phClr">
+                <a:lumMod val="99000"/>
+                <a:satMod val="120000"/>
+                <a:shade val="78000"/>
+              </a:schemeClr>
+            </a:gs>
+          </a:gsLst>
+          <a:lin ang="5400000" scaled="0"/>
+        </a:gradFill>
+      </a:fillStyleLst>
+      <a:lnStyleLst>
+        <a:ln w="6350" cap="flat" cmpd="sng" algn="ctr">
+          <a:solidFill>
+            <a:schemeClr val="phClr"/>
+          </a:solidFill>
+          <a:prstDash val="solid"/>
+          <a:miter lim="800000"/>
+        </a:ln>
+        <a:ln w="12700" cap="flat" cmpd="sng" algn="ctr">
+          <a:solidFill>
+            <a:schemeClr val="phClr"/>
+          </a:solidFill>
+          <a:prstDash val="solid"/>
+          <a:miter lim="800000"/>
+        </a:ln>
+        <a:ln w="19050" cap="flat" cmpd="sng" algn="ctr">
+          <a:solidFill>
+            <a:schemeClr val="phClr"/>
+          </a:solidFill>
+          <a:prstDash val="solid"/>
+          <a:miter lim="800000"/>
+        </a:ln>
+      </a:lnStyleLst>
+      <a:effectStyleLst>
+        <a:effectStyle>
+          <a:effectLst/>
+        </a:effectStyle>
+        <a:effectStyle>
+          <a:effectLst/>
+        </a:effectStyle>
+        <a:effectStyle>
+          <a:effectLst>
+            <a:outerShdw blurRad="57150" dist="19050" dir="5400000" algn="ctr" rotWithShape="0">
+              <a:srgbClr val="000000">
+                <a:alpha val="63000"/>
+              </a:srgbClr>
+            </a:outerShdw>
+          </a:effectLst>
+        </a:effectStyle>
+      </a:effectStyleLst>
+      <a:bgFillStyleLst>
+        <a:solidFill>
+          <a:schemeClr val="phClr"/>
+        </a:solidFill>
+        <a:solidFill>
+          <a:schemeClr val="phClr">
+            <a:tint val="95000"/>
+            <a:satMod val="170000"/>
+          </a:schemeClr>
+        </a:solidFill>
+        <a:gradFill rotWithShape="1">
+          <a:gsLst>
+            <a:gs pos="0">
+              <a:schemeClr val="phClr">
+                <a:tint val="93000"/>
+                <a:satMod val="150000"/>
+                <a:shade val="98000"/>
+                <a:lumMod val="102000"/>
+              </a:schemeClr>
+            </a:gs>
+            <a:gs pos="50000">
+              <a:schemeClr val="phClr">
+                <a:tint val="98000"/>
+                <a:satMod val="130000"/>
+                <a:shade val="90000"/>
+                <a:lumMod val="103000"/>
+              </a:schemeClr>
+            </a:gs>
+            <a:gs pos="100000">
+              <a:schemeClr val="phClr">
+                <a:shade val="63000"/>
+                <a:satMod val="120000"/>
+              </a:schemeClr>
+            </a:gs>
+          </a:gsLst>
+          <a:lin ang="5400000" scaled="0"/>
+        </a:gradFill>
+      </a:bgFillStyleLst>
+    </a:fmtScheme>
+  </a:themeElements>
+  <a:objectDefaults/>
+  <a:extraClrSchemeLst/>
+  <a:extLst>
+    <a:ext uri="{05A4C25C-085E-4340-85A3-A5531E510DB2}">
+      <thm15:themeFamily xmlns:thm15="http://schemas.microsoft.com/office/thememl/2012/main" name="Office Theme" id="{62F939B6-93AF-4DB8-9C6B-D6C7DFDC589F}" vid="{4A3C46E8-61CC-4603-A589-7422A47A8E4A}"/>
+    </a:ext>
+  </a:extLst>
+</a:theme>
 </file>
--- a/Java-Starter.pptx
+++ b/Java-Starter.pptx
@@ -64,8 +64,8 @@
     <p:sldId id="338" r:id="rId55"/>
     <p:sldId id="316" r:id="rId56"/>
     <p:sldId id="317" r:id="rId57"/>
-    <p:sldId id="318" r:id="rId58"/>
-    <p:sldId id="319" r:id="rId59"/>
+    <p:sldId id="319" r:id="rId58"/>
+    <p:sldId id="339" r:id="rId59"/>
     <p:sldId id="320" r:id="rId60"/>
     <p:sldId id="267" r:id="rId61"/>
     <p:sldId id="266" r:id="rId62"/>
@@ -270,7 +270,7 @@
           <a:p>
             <a:fld id="{64D387BD-2FDA-4640-824D-9ADFD7023C00}" type="datetimeFigureOut">
               <a:rPr lang="de-DE" smtClean="0"/>
-              <a:t>29.04.22</a:t>
+              <a:t>02.05.22</a:t>
             </a:fld>
             <a:endParaRPr lang="de-DE"/>
           </a:p>
@@ -768,7 +768,7 @@
           <a:p>
             <a:fld id="{D504FEAC-1E62-0E47-82AE-5BB4BD139FFA}" type="datetimeFigureOut">
               <a:rPr lang="de-DE" smtClean="0"/>
-              <a:t>29.04.22</a:t>
+              <a:t>02.05.22</a:t>
             </a:fld>
             <a:endParaRPr lang="de-DE"/>
           </a:p>
@@ -966,7 +966,7 @@
           <a:p>
             <a:fld id="{D504FEAC-1E62-0E47-82AE-5BB4BD139FFA}" type="datetimeFigureOut">
               <a:rPr lang="de-DE" smtClean="0"/>
-              <a:t>29.04.22</a:t>
+              <a:t>02.05.22</a:t>
             </a:fld>
             <a:endParaRPr lang="de-DE"/>
           </a:p>
@@ -1174,7 +1174,7 @@
           <a:p>
             <a:fld id="{D504FEAC-1E62-0E47-82AE-5BB4BD139FFA}" type="datetimeFigureOut">
               <a:rPr lang="de-DE" smtClean="0"/>
-              <a:t>29.04.22</a:t>
+              <a:t>02.05.22</a:t>
             </a:fld>
             <a:endParaRPr lang="de-DE"/>
           </a:p>
@@ -1372,7 +1372,7 @@
           <a:p>
             <a:fld id="{D504FEAC-1E62-0E47-82AE-5BB4BD139FFA}" type="datetimeFigureOut">
               <a:rPr lang="de-DE" smtClean="0"/>
-              <a:t>29.04.22</a:t>
+              <a:t>02.05.22</a:t>
             </a:fld>
             <a:endParaRPr lang="de-DE"/>
           </a:p>
@@ -1647,7 +1647,7 @@
           <a:p>
             <a:fld id="{D504FEAC-1E62-0E47-82AE-5BB4BD139FFA}" type="datetimeFigureOut">
               <a:rPr lang="de-DE" smtClean="0"/>
-              <a:t>29.04.22</a:t>
+              <a:t>02.05.22</a:t>
             </a:fld>
             <a:endParaRPr lang="de-DE"/>
           </a:p>
@@ -1912,7 +1912,7 @@
           <a:p>
             <a:fld id="{D504FEAC-1E62-0E47-82AE-5BB4BD139FFA}" type="datetimeFigureOut">
               <a:rPr lang="de-DE" smtClean="0"/>
-              <a:t>29.04.22</a:t>
+              <a:t>02.05.22</a:t>
             </a:fld>
             <a:endParaRPr lang="de-DE"/>
           </a:p>
@@ -2324,7 +2324,7 @@
           <a:p>
             <a:fld id="{D504FEAC-1E62-0E47-82AE-5BB4BD139FFA}" type="datetimeFigureOut">
               <a:rPr lang="de-DE" smtClean="0"/>
-              <a:t>29.04.22</a:t>
+              <a:t>02.05.22</a:t>
             </a:fld>
             <a:endParaRPr lang="de-DE"/>
           </a:p>
@@ -2465,7 +2465,7 @@
           <a:p>
             <a:fld id="{D504FEAC-1E62-0E47-82AE-5BB4BD139FFA}" type="datetimeFigureOut">
               <a:rPr lang="de-DE" smtClean="0"/>
-              <a:t>29.04.22</a:t>
+              <a:t>02.05.22</a:t>
             </a:fld>
             <a:endParaRPr lang="de-DE"/>
           </a:p>
@@ -2578,7 +2578,7 @@
           <a:p>
             <a:fld id="{D504FEAC-1E62-0E47-82AE-5BB4BD139FFA}" type="datetimeFigureOut">
               <a:rPr lang="de-DE" smtClean="0"/>
-              <a:t>29.04.22</a:t>
+              <a:t>02.05.22</a:t>
             </a:fld>
             <a:endParaRPr lang="de-DE"/>
           </a:p>
@@ -2889,7 +2889,7 @@
           <a:p>
             <a:fld id="{D504FEAC-1E62-0E47-82AE-5BB4BD139FFA}" type="datetimeFigureOut">
               <a:rPr lang="de-DE" smtClean="0"/>
-              <a:t>29.04.22</a:t>
+              <a:t>02.05.22</a:t>
             </a:fld>
             <a:endParaRPr lang="de-DE"/>
           </a:p>
@@ -3177,7 +3177,7 @@
           <a:p>
             <a:fld id="{D504FEAC-1E62-0E47-82AE-5BB4BD139FFA}" type="datetimeFigureOut">
               <a:rPr lang="de-DE" smtClean="0"/>
-              <a:t>29.04.22</a:t>
+              <a:t>02.05.22</a:t>
             </a:fld>
             <a:endParaRPr lang="de-DE"/>
           </a:p>
@@ -3418,7 +3418,7 @@
           <a:p>
             <a:fld id="{D504FEAC-1E62-0E47-82AE-5BB4BD139FFA}" type="datetimeFigureOut">
               <a:rPr lang="de-DE" smtClean="0"/>
-              <a:t>29.04.22</a:t>
+              <a:t>02.05.22</a:t>
             </a:fld>
             <a:endParaRPr lang="de-DE"/>
           </a:p>
@@ -17174,10 +17174,18 @@
           <a:lstStyle/>
           <a:p>
             <a:r>
-              <a:rPr lang="de-DE" dirty="0" err="1"/>
+              <a:rPr lang="de-DE" dirty="0" err="1">
+                <a:solidFill>
+                  <a:schemeClr val="bg1"/>
+                </a:solidFill>
+              </a:rPr>
               <a:t>MeinComputer</a:t>
             </a:r>
-            <a:endParaRPr lang="de-DE" dirty="0"/>
+            <a:endParaRPr lang="de-DE" dirty="0">
+              <a:solidFill>
+                <a:schemeClr val="bg1"/>
+              </a:solidFill>
+            </a:endParaRPr>
           </a:p>
         </p:txBody>
       </p:sp>
@@ -17440,10 +17448,18 @@
           <a:lstStyle/>
           <a:p>
             <a:r>
-              <a:rPr lang="de-DE" dirty="0" err="1"/>
+              <a:rPr lang="de-DE" dirty="0" err="1">
+                <a:solidFill>
+                  <a:schemeClr val="bg1"/>
+                </a:solidFill>
+              </a:rPr>
               <a:t>MeinComputer</a:t>
             </a:r>
-            <a:endParaRPr lang="de-DE" dirty="0"/>
+            <a:endParaRPr lang="de-DE" dirty="0">
+              <a:solidFill>
+                <a:schemeClr val="bg1"/>
+              </a:solidFill>
+            </a:endParaRPr>
           </a:p>
         </p:txBody>
       </p:sp>
@@ -17935,19 +17951,27 @@
           <a:lstStyle/>
           <a:p>
             <a:r>
-              <a:rPr lang="de-DE" dirty="0" err="1"/>
+              <a:rPr lang="de-DE" dirty="0" err="1">
+                <a:solidFill>
+                  <a:schemeClr val="bg1"/>
+                </a:solidFill>
+              </a:rPr>
               <a:t>MeinComputer</a:t>
             </a:r>
-            <a:endParaRPr lang="de-DE" dirty="0"/>
-          </a:p>
-        </p:txBody>
-      </p:sp>
-      <p:sp>
-        <p:nvSpPr>
-          <p:cNvPr id="10" name="Rechteck 9">
-            <a:extLst>
-              <a:ext uri="{FF2B5EF4-FFF2-40B4-BE49-F238E27FC236}">
-                <a16:creationId xmlns:a16="http://schemas.microsoft.com/office/drawing/2014/main" id="{F703253C-59DE-F7F3-A2A3-7F96B2641A70}"/>
+            <a:endParaRPr lang="de-DE" dirty="0">
+              <a:solidFill>
+                <a:schemeClr val="bg1"/>
+              </a:solidFill>
+            </a:endParaRPr>
+          </a:p>
+        </p:txBody>
+      </p:sp>
+      <p:sp>
+        <p:nvSpPr>
+          <p:cNvPr id="4" name="Rechteck 3">
+            <a:extLst>
+              <a:ext uri="{FF2B5EF4-FFF2-40B4-BE49-F238E27FC236}">
+                <a16:creationId xmlns:a16="http://schemas.microsoft.com/office/drawing/2014/main" id="{0976E51F-A6A9-C790-9430-3BC124426D1C}"/>
               </a:ext>
             </a:extLst>
           </p:cNvPr>
@@ -17956,65 +17980,8 @@
         </p:nvSpPr>
         <p:spPr>
           <a:xfrm>
-            <a:off x="3102429" y="3429000"/>
-            <a:ext cx="2373085" cy="1404257"/>
-          </a:xfrm>
-          <a:prstGeom prst="rect">
-            <a:avLst/>
-          </a:prstGeom>
-          <a:solidFill>
-            <a:schemeClr val="accent6"/>
-          </a:solidFill>
-        </p:spPr>
-        <p:style>
-          <a:lnRef idx="2">
-            <a:schemeClr val="accent1">
-              <a:shade val="50000"/>
-            </a:schemeClr>
-          </a:lnRef>
-          <a:fillRef idx="1">
-            <a:schemeClr val="accent1"/>
-          </a:fillRef>
-          <a:effectRef idx="0">
-            <a:schemeClr val="accent1"/>
-          </a:effectRef>
-          <a:fontRef idx="minor">
-            <a:schemeClr val="lt1"/>
-          </a:fontRef>
-        </p:style>
-        <p:txBody>
-          <a:bodyPr rtlCol="0" anchor="ctr"/>
-          <a:lstStyle/>
-          <a:p>
-            <a:pPr algn="ctr"/>
-            <a:r>
-              <a:rPr lang="de-DE" dirty="0"/>
-              <a:t>Person </a:t>
-            </a:r>
-            <a:r>
-              <a:rPr lang="de-DE" dirty="0" err="1"/>
-              <a:t>microservice</a:t>
-            </a:r>
-            <a:endParaRPr lang="de-DE" dirty="0"/>
-          </a:p>
-        </p:txBody>
-      </p:sp>
-      <p:sp>
-        <p:nvSpPr>
-          <p:cNvPr id="4" name="Rechteck 3">
-            <a:extLst>
-              <a:ext uri="{FF2B5EF4-FFF2-40B4-BE49-F238E27FC236}">
-                <a16:creationId xmlns:a16="http://schemas.microsoft.com/office/drawing/2014/main" id="{0976E51F-A6A9-C790-9430-3BC124426D1C}"/>
-              </a:ext>
-            </a:extLst>
-          </p:cNvPr>
-          <p:cNvSpPr/>
-          <p:nvPr/>
-        </p:nvSpPr>
-        <p:spPr>
-          <a:xfrm>
-            <a:off x="6096000" y="2593075"/>
-            <a:ext cx="5504597" cy="3398292"/>
+            <a:off x="5556738" y="3046696"/>
+            <a:ext cx="5715565" cy="3398292"/>
           </a:xfrm>
           <a:prstGeom prst="rect">
             <a:avLst/>
@@ -18065,7 +18032,7 @@
         </p:nvSpPr>
         <p:spPr>
           <a:xfrm>
-            <a:off x="7349937" y="3114791"/>
+            <a:off x="7021643" y="3568412"/>
             <a:ext cx="3029803" cy="2032673"/>
           </a:xfrm>
           <a:prstGeom prst="rect">
@@ -18117,8 +18084,8 @@
         </p:nvSpPr>
         <p:spPr>
           <a:xfrm>
-            <a:off x="7903194" y="3244334"/>
-            <a:ext cx="1274580" cy="369332"/>
+            <a:off x="7574900" y="3697955"/>
+            <a:ext cx="428322" cy="369332"/>
           </a:xfrm>
           <a:prstGeom prst="rect">
             <a:avLst/>
@@ -18132,9 +18099,10 @@
           <a:lstStyle/>
           <a:p>
             <a:r>
-              <a:rPr lang="de-DE" dirty="0"/>
-              <a:t>Container 1</a:t>
-            </a:r>
+              <a:rPr lang="de-DE" dirty="0" err="1"/>
+              <a:t>db</a:t>
+            </a:r>
+            <a:endParaRPr lang="de-DE" dirty="0"/>
           </a:p>
         </p:txBody>
       </p:sp>
@@ -18152,7 +18120,7 @@
         </p:nvSpPr>
         <p:spPr>
           <a:xfrm>
-            <a:off x="7678297" y="3647794"/>
+            <a:off x="7350003" y="4101415"/>
             <a:ext cx="2373085" cy="1404257"/>
           </a:xfrm>
           <a:prstGeom prst="rect">
@@ -18190,66 +18158,21 @@
           </a:p>
         </p:txBody>
       </p:sp>
-      <p:cxnSp>
-        <p:nvCxnSpPr>
-          <p:cNvPr id="13" name="Gerade Verbindung mit Pfeil 12">
-            <a:extLst>
-              <a:ext uri="{FF2B5EF4-FFF2-40B4-BE49-F238E27FC236}">
-                <a16:creationId xmlns:a16="http://schemas.microsoft.com/office/drawing/2014/main" id="{96B270E3-22BA-C088-1968-C4CEDE244AD3}"/>
-              </a:ext>
-            </a:extLst>
-          </p:cNvPr>
-          <p:cNvCxnSpPr>
-            <a:stCxn id="10" idx="3"/>
-            <a:endCxn id="11" idx="1"/>
-          </p:cNvCxnSpPr>
+      <p:sp>
+        <p:nvSpPr>
+          <p:cNvPr id="5" name="Textfeld 4">
+            <a:extLst>
+              <a:ext uri="{FF2B5EF4-FFF2-40B4-BE49-F238E27FC236}">
+                <a16:creationId xmlns:a16="http://schemas.microsoft.com/office/drawing/2014/main" id="{8C61BD20-7A5C-E96C-4542-AC868DA6C617}"/>
+              </a:ext>
+            </a:extLst>
+          </p:cNvPr>
+          <p:cNvSpPr txBox="1"/>
           <p:nvPr/>
-        </p:nvCxnSpPr>
+        </p:nvSpPr>
         <p:spPr>
           <a:xfrm>
-            <a:off x="5475514" y="4131129"/>
-            <a:ext cx="2202783" cy="218794"/>
-          </a:xfrm>
-          <a:prstGeom prst="straightConnector1">
-            <a:avLst/>
-          </a:prstGeom>
-          <a:ln w="38100">
-            <a:solidFill>
-              <a:srgbClr val="FF0000"/>
-            </a:solidFill>
-            <a:tailEnd type="triangle"/>
-          </a:ln>
-        </p:spPr>
-        <p:style>
-          <a:lnRef idx="1">
-            <a:schemeClr val="accent1"/>
-          </a:lnRef>
-          <a:fillRef idx="0">
-            <a:schemeClr val="accent1"/>
-          </a:fillRef>
-          <a:effectRef idx="0">
-            <a:schemeClr val="accent1"/>
-          </a:effectRef>
-          <a:fontRef idx="minor">
-            <a:schemeClr val="tx1"/>
-          </a:fontRef>
-        </p:style>
-      </p:cxnSp>
-      <p:sp>
-        <p:nvSpPr>
-          <p:cNvPr id="5" name="Textfeld 4">
-            <a:extLst>
-              <a:ext uri="{FF2B5EF4-FFF2-40B4-BE49-F238E27FC236}">
-                <a16:creationId xmlns:a16="http://schemas.microsoft.com/office/drawing/2014/main" id="{8C61BD20-7A5C-E96C-4542-AC868DA6C617}"/>
-              </a:ext>
-            </a:extLst>
-          </p:cNvPr>
-          <p:cNvSpPr txBox="1"/>
-          <p:nvPr/>
-        </p:nvSpPr>
-        <p:spPr>
-          <a:xfrm>
-            <a:off x="8338505" y="2758295"/>
+            <a:off x="5703044" y="3103144"/>
             <a:ext cx="839269" cy="369332"/>
           </a:xfrm>
           <a:prstGeom prst="rect">
@@ -18272,132 +18195,20 @@
       </p:sp>
       <p:sp>
         <p:nvSpPr>
-          <p:cNvPr id="6" name="Textfeld 5">
-            <a:extLst>
-              <a:ext uri="{FF2B5EF4-FFF2-40B4-BE49-F238E27FC236}">
-                <a16:creationId xmlns:a16="http://schemas.microsoft.com/office/drawing/2014/main" id="{62ECC9DC-FAA1-9470-E01E-AD3E4ADE45AC}"/>
-              </a:ext>
-            </a:extLst>
-          </p:cNvPr>
-          <p:cNvSpPr txBox="1"/>
+          <p:cNvPr id="10" name="Rechteck 9">
+            <a:extLst>
+              <a:ext uri="{FF2B5EF4-FFF2-40B4-BE49-F238E27FC236}">
+                <a16:creationId xmlns:a16="http://schemas.microsoft.com/office/drawing/2014/main" id="{F703253C-59DE-F7F3-A2A3-7F96B2641A70}"/>
+              </a:ext>
+            </a:extLst>
+          </p:cNvPr>
+          <p:cNvSpPr/>
           <p:nvPr/>
         </p:nvSpPr>
         <p:spPr>
           <a:xfrm>
-            <a:off x="6884451" y="4331655"/>
-            <a:ext cx="652743" cy="369332"/>
-          </a:xfrm>
-          <a:prstGeom prst="rect">
-            <a:avLst/>
-          </a:prstGeom>
-          <a:noFill/>
-        </p:spPr>
-        <p:txBody>
-          <a:bodyPr wrap="none" rtlCol="0">
-            <a:spAutoFit/>
-          </a:bodyPr>
-          <a:lstStyle/>
-          <a:p>
-            <a:r>
-              <a:rPr lang="de-DE" dirty="0"/>
-              <a:t>5432</a:t>
-            </a:r>
-          </a:p>
-        </p:txBody>
-      </p:sp>
-      <p:sp>
-        <p:nvSpPr>
-          <p:cNvPr id="7" name="Textfeld 6">
-            <a:extLst>
-              <a:ext uri="{FF2B5EF4-FFF2-40B4-BE49-F238E27FC236}">
-                <a16:creationId xmlns:a16="http://schemas.microsoft.com/office/drawing/2014/main" id="{BB698380-BB82-054A-3110-1DD2609B9D43}"/>
-              </a:ext>
-            </a:extLst>
-          </p:cNvPr>
-          <p:cNvSpPr txBox="1"/>
-          <p:nvPr/>
-        </p:nvSpPr>
-        <p:spPr>
-          <a:xfrm>
-            <a:off x="5759571" y="3761795"/>
-            <a:ext cx="652743" cy="369332"/>
-          </a:xfrm>
-          <a:prstGeom prst="rect">
-            <a:avLst/>
-          </a:prstGeom>
-          <a:noFill/>
-        </p:spPr>
-        <p:txBody>
-          <a:bodyPr wrap="none" rtlCol="0">
-            <a:spAutoFit/>
-          </a:bodyPr>
-          <a:lstStyle/>
-          <a:p>
-            <a:r>
-              <a:rPr lang="de-DE" dirty="0"/>
-              <a:t>5432</a:t>
-            </a:r>
-          </a:p>
-        </p:txBody>
-      </p:sp>
-      <p:sp>
-        <p:nvSpPr>
-          <p:cNvPr id="16" name="Textfeld 15">
-            <a:extLst>
-              <a:ext uri="{FF2B5EF4-FFF2-40B4-BE49-F238E27FC236}">
-                <a16:creationId xmlns:a16="http://schemas.microsoft.com/office/drawing/2014/main" id="{80057846-A6B7-E451-FB47-CFCC3D61FE18}"/>
-              </a:ext>
-            </a:extLst>
-          </p:cNvPr>
-          <p:cNvSpPr txBox="1"/>
-          <p:nvPr/>
-        </p:nvSpPr>
-        <p:spPr>
-          <a:xfrm>
-            <a:off x="1812260" y="436728"/>
-            <a:ext cx="7229158" cy="646331"/>
-          </a:xfrm>
-          <a:prstGeom prst="rect">
-            <a:avLst/>
-          </a:prstGeom>
-          <a:noFill/>
-        </p:spPr>
-        <p:txBody>
-          <a:bodyPr wrap="none" rtlCol="0">
-            <a:spAutoFit/>
-          </a:bodyPr>
-          <a:lstStyle/>
-          <a:p>
-            <a:r>
-              <a:rPr lang="de-DE" dirty="0"/>
-              <a:t>Jeder Docker-Container verhält sich wie eine eigenständige Linux-Maschine</a:t>
-            </a:r>
-            <a:br>
-              <a:rPr lang="de-DE" dirty="0"/>
-            </a:br>
-            <a:r>
-              <a:rPr lang="de-DE" dirty="0"/>
-              <a:t>(nutzt Linux-Kernel-Virtualisierung)</a:t>
-            </a:r>
-          </a:p>
-        </p:txBody>
-      </p:sp>
-      <p:sp>
-        <p:nvSpPr>
-          <p:cNvPr id="17" name="Rechteck 16">
-            <a:extLst>
-              <a:ext uri="{FF2B5EF4-FFF2-40B4-BE49-F238E27FC236}">
-                <a16:creationId xmlns:a16="http://schemas.microsoft.com/office/drawing/2014/main" id="{68E783D0-D70F-3293-8013-1FC1A2F55871}"/>
-              </a:ext>
-            </a:extLst>
-          </p:cNvPr>
-          <p:cNvSpPr/>
-          <p:nvPr/>
-        </p:nvSpPr>
-        <p:spPr>
-          <a:xfrm>
-            <a:off x="3051361" y="1875518"/>
-            <a:ext cx="2373085" cy="751514"/>
+            <a:off x="2774135" y="3882621"/>
+            <a:ext cx="2373085" cy="1404257"/>
           </a:xfrm>
           <a:prstGeom prst="rect">
             <a:avLst/>
@@ -18429,31 +18240,136 @@
             <a:pPr algn="ctr"/>
             <a:r>
               <a:rPr lang="de-DE" dirty="0"/>
+              <a:t>Person </a:t>
+            </a:r>
+            <a:r>
+              <a:rPr lang="de-DE" dirty="0" err="1"/>
+              <a:t>microservice</a:t>
+            </a:r>
+            <a:endParaRPr lang="de-DE" dirty="0"/>
+          </a:p>
+        </p:txBody>
+      </p:sp>
+      <p:sp>
+        <p:nvSpPr>
+          <p:cNvPr id="17" name="Rechteck 16">
+            <a:extLst>
+              <a:ext uri="{FF2B5EF4-FFF2-40B4-BE49-F238E27FC236}">
+                <a16:creationId xmlns:a16="http://schemas.microsoft.com/office/drawing/2014/main" id="{FAC8843C-E156-2013-39F6-279162EC4858}"/>
+              </a:ext>
+            </a:extLst>
+          </p:cNvPr>
+          <p:cNvSpPr/>
+          <p:nvPr/>
+        </p:nvSpPr>
+        <p:spPr>
+          <a:xfrm>
+            <a:off x="2953073" y="1684361"/>
+            <a:ext cx="2169617" cy="628447"/>
+          </a:xfrm>
+          <a:prstGeom prst="rect">
+            <a:avLst/>
+          </a:prstGeom>
+          <a:solidFill>
+            <a:schemeClr val="accent6"/>
+          </a:solidFill>
+        </p:spPr>
+        <p:style>
+          <a:lnRef idx="2">
+            <a:schemeClr val="accent1">
+              <a:shade val="50000"/>
+            </a:schemeClr>
+          </a:lnRef>
+          <a:fillRef idx="1">
+            <a:schemeClr val="accent1"/>
+          </a:fillRef>
+          <a:effectRef idx="0">
+            <a:schemeClr val="accent1"/>
+          </a:effectRef>
+          <a:fontRef idx="minor">
+            <a:schemeClr val="lt1"/>
+          </a:fontRef>
+        </p:style>
+        <p:txBody>
+          <a:bodyPr rtlCol="0" anchor="ctr"/>
+          <a:lstStyle/>
+          <a:p>
+            <a:pPr algn="ctr"/>
+            <a:r>
+              <a:rPr lang="de-DE" dirty="0"/>
               <a:t>Browser</a:t>
             </a:r>
+          </a:p>
+        </p:txBody>
+      </p:sp>
+      <p:sp>
+        <p:nvSpPr>
+          <p:cNvPr id="6" name="Rechteck 5">
+            <a:extLst>
+              <a:ext uri="{FF2B5EF4-FFF2-40B4-BE49-F238E27FC236}">
+                <a16:creationId xmlns:a16="http://schemas.microsoft.com/office/drawing/2014/main" id="{4C21BB95-9C8E-396A-BA72-0C7DD10E28BD}"/>
+              </a:ext>
+            </a:extLst>
+          </p:cNvPr>
+          <p:cNvSpPr/>
+          <p:nvPr/>
+        </p:nvSpPr>
+        <p:spPr>
+          <a:xfrm>
+            <a:off x="2791390" y="2627635"/>
+            <a:ext cx="4758844" cy="45719"/>
+          </a:xfrm>
+          <a:prstGeom prst="rect">
+            <a:avLst/>
+          </a:prstGeom>
+          <a:solidFill>
+            <a:schemeClr val="tx1"/>
+          </a:solidFill>
+        </p:spPr>
+        <p:style>
+          <a:lnRef idx="2">
+            <a:schemeClr val="accent1">
+              <a:shade val="50000"/>
+            </a:schemeClr>
+          </a:lnRef>
+          <a:fillRef idx="1">
+            <a:schemeClr val="accent1"/>
+          </a:fillRef>
+          <a:effectRef idx="0">
+            <a:schemeClr val="accent1"/>
+          </a:effectRef>
+          <a:fontRef idx="minor">
+            <a:schemeClr val="lt1"/>
+          </a:fontRef>
+        </p:style>
+        <p:txBody>
+          <a:bodyPr rtlCol="0" anchor="ctr"/>
+          <a:lstStyle/>
+          <a:p>
+            <a:pPr algn="ctr"/>
+            <a:endParaRPr lang="de-DE"/>
           </a:p>
         </p:txBody>
       </p:sp>
       <p:cxnSp>
         <p:nvCxnSpPr>
-          <p:cNvPr id="18" name="Gerade Verbindung mit Pfeil 17">
-            <a:extLst>
-              <a:ext uri="{FF2B5EF4-FFF2-40B4-BE49-F238E27FC236}">
-                <a16:creationId xmlns:a16="http://schemas.microsoft.com/office/drawing/2014/main" id="{9A1A92FD-F215-DABE-0B7D-934A72A16C55}"/>
+          <p:cNvPr id="19" name="Gerade Verbindung mit Pfeil 18">
+            <a:extLst>
+              <a:ext uri="{FF2B5EF4-FFF2-40B4-BE49-F238E27FC236}">
+                <a16:creationId xmlns:a16="http://schemas.microsoft.com/office/drawing/2014/main" id="{530BFEF6-AB67-1116-F56A-EE5D0894EA83}"/>
               </a:ext>
             </a:extLst>
           </p:cNvPr>
           <p:cNvCxnSpPr>
             <a:cxnSpLocks/>
-            <a:stCxn id="17" idx="2"/>
             <a:endCxn id="10" idx="0"/>
           </p:cNvCxnSpPr>
           <p:nvPr/>
         </p:nvCxnSpPr>
         <p:spPr>
           <a:xfrm>
-            <a:off x="4237904" y="2627032"/>
-            <a:ext cx="51068" cy="801968"/>
+            <a:off x="3960678" y="2673354"/>
+            <a:ext cx="0" cy="1209267"/>
           </a:xfrm>
           <a:prstGeom prst="straightConnector1">
             <a:avLst/>
@@ -18482,10 +18398,10 @@
       </p:cxnSp>
       <p:sp>
         <p:nvSpPr>
-          <p:cNvPr id="23" name="Textfeld 22">
-            <a:extLst>
-              <a:ext uri="{FF2B5EF4-FFF2-40B4-BE49-F238E27FC236}">
-                <a16:creationId xmlns:a16="http://schemas.microsoft.com/office/drawing/2014/main" id="{75BC5FA8-EC54-8AEF-5341-8C398DDC8215}"/>
+          <p:cNvPr id="24" name="Textfeld 23">
+            <a:extLst>
+              <a:ext uri="{FF2B5EF4-FFF2-40B4-BE49-F238E27FC236}">
+                <a16:creationId xmlns:a16="http://schemas.microsoft.com/office/drawing/2014/main" id="{0D1075ED-7B9F-3155-EC11-6BC68FA80A84}"/>
               </a:ext>
             </a:extLst>
           </p:cNvPr>
@@ -18494,8 +18410,8 @@
         </p:nvSpPr>
         <p:spPr>
           <a:xfrm>
-            <a:off x="4282766" y="3086030"/>
-            <a:ext cx="652743" cy="369332"/>
+            <a:off x="3980402" y="2645055"/>
+            <a:ext cx="1026563" cy="646331"/>
           </a:xfrm>
           <a:prstGeom prst="rect">
             <a:avLst/>
@@ -18509,8 +18425,505 @@
           <a:lstStyle/>
           <a:p>
             <a:r>
-              <a:rPr lang="de-DE" dirty="0"/>
+              <a:rPr lang="de-DE" dirty="0" err="1">
+                <a:solidFill>
+                  <a:srgbClr val="FF0000"/>
+                </a:solidFill>
+              </a:rPr>
+              <a:t>localhost</a:t>
+            </a:r>
+            <a:br>
+              <a:rPr lang="de-DE" dirty="0">
+                <a:solidFill>
+                  <a:srgbClr val="FF0000"/>
+                </a:solidFill>
+              </a:rPr>
+            </a:br>
+            <a:r>
+              <a:rPr lang="de-DE" dirty="0">
+                <a:solidFill>
+                  <a:srgbClr val="FF0000"/>
+                </a:solidFill>
+              </a:rPr>
               <a:t>8080</a:t>
+            </a:r>
+          </a:p>
+        </p:txBody>
+      </p:sp>
+      <p:sp>
+        <p:nvSpPr>
+          <p:cNvPr id="27" name="Rechteck 26">
+            <a:extLst>
+              <a:ext uri="{FF2B5EF4-FFF2-40B4-BE49-F238E27FC236}">
+                <a16:creationId xmlns:a16="http://schemas.microsoft.com/office/drawing/2014/main" id="{40C40330-E8ED-473F-BB53-1716E8E3BADB}"/>
+              </a:ext>
+            </a:extLst>
+          </p:cNvPr>
+          <p:cNvSpPr/>
+          <p:nvPr/>
+        </p:nvSpPr>
+        <p:spPr>
+          <a:xfrm rot="5400000" flipV="1">
+            <a:off x="5218382" y="4576510"/>
+            <a:ext cx="2032673" cy="45719"/>
+          </a:xfrm>
+          <a:prstGeom prst="rect">
+            <a:avLst/>
+          </a:prstGeom>
+          <a:solidFill>
+            <a:schemeClr val="tx1"/>
+          </a:solidFill>
+        </p:spPr>
+        <p:style>
+          <a:lnRef idx="2">
+            <a:schemeClr val="accent1">
+              <a:shade val="50000"/>
+            </a:schemeClr>
+          </a:lnRef>
+          <a:fillRef idx="1">
+            <a:schemeClr val="accent1"/>
+          </a:fillRef>
+          <a:effectRef idx="0">
+            <a:schemeClr val="accent1"/>
+          </a:effectRef>
+          <a:fontRef idx="minor">
+            <a:schemeClr val="lt1"/>
+          </a:fontRef>
+        </p:style>
+        <p:txBody>
+          <a:bodyPr rtlCol="0" anchor="ctr"/>
+          <a:lstStyle/>
+          <a:p>
+            <a:pPr algn="ctr"/>
+            <a:endParaRPr lang="de-DE"/>
+          </a:p>
+        </p:txBody>
+      </p:sp>
+      <p:cxnSp>
+        <p:nvCxnSpPr>
+          <p:cNvPr id="31" name="Gerade Verbindung mit Pfeil 30">
+            <a:extLst>
+              <a:ext uri="{FF2B5EF4-FFF2-40B4-BE49-F238E27FC236}">
+                <a16:creationId xmlns:a16="http://schemas.microsoft.com/office/drawing/2014/main" id="{51B06C8F-3089-1DE1-C93C-41B52F78B834}"/>
+              </a:ext>
+            </a:extLst>
+          </p:cNvPr>
+          <p:cNvCxnSpPr>
+            <a:cxnSpLocks/>
+            <a:endCxn id="2" idx="1"/>
+          </p:cNvCxnSpPr>
+          <p:nvPr/>
+        </p:nvCxnSpPr>
+        <p:spPr>
+          <a:xfrm>
+            <a:off x="6257578" y="4584747"/>
+            <a:ext cx="764065" cy="2"/>
+          </a:xfrm>
+          <a:prstGeom prst="straightConnector1">
+            <a:avLst/>
+          </a:prstGeom>
+          <a:ln w="38100">
+            <a:solidFill>
+              <a:srgbClr val="FF0000"/>
+            </a:solidFill>
+            <a:tailEnd type="triangle"/>
+          </a:ln>
+        </p:spPr>
+        <p:style>
+          <a:lnRef idx="1">
+            <a:schemeClr val="accent1"/>
+          </a:lnRef>
+          <a:fillRef idx="0">
+            <a:schemeClr val="accent1"/>
+          </a:fillRef>
+          <a:effectRef idx="0">
+            <a:schemeClr val="accent1"/>
+          </a:effectRef>
+          <a:fontRef idx="minor">
+            <a:schemeClr val="tx1"/>
+          </a:fontRef>
+        </p:style>
+      </p:cxnSp>
+      <p:sp>
+        <p:nvSpPr>
+          <p:cNvPr id="35" name="Textfeld 34">
+            <a:extLst>
+              <a:ext uri="{FF2B5EF4-FFF2-40B4-BE49-F238E27FC236}">
+                <a16:creationId xmlns:a16="http://schemas.microsoft.com/office/drawing/2014/main" id="{76E6BBFC-1B5D-1DC1-93FA-50F8434F62D9}"/>
+              </a:ext>
+            </a:extLst>
+          </p:cNvPr>
+          <p:cNvSpPr txBox="1"/>
+          <p:nvPr/>
+        </p:nvSpPr>
+        <p:spPr>
+          <a:xfrm>
+            <a:off x="6419284" y="4207194"/>
+            <a:ext cx="652743" cy="646331"/>
+          </a:xfrm>
+          <a:prstGeom prst="rect">
+            <a:avLst/>
+          </a:prstGeom>
+          <a:noFill/>
+        </p:spPr>
+        <p:txBody>
+          <a:bodyPr wrap="none" rtlCol="0">
+            <a:spAutoFit/>
+          </a:bodyPr>
+          <a:lstStyle/>
+          <a:p>
+            <a:r>
+              <a:rPr lang="de-DE" dirty="0" err="1">
+                <a:solidFill>
+                  <a:srgbClr val="FF0000"/>
+                </a:solidFill>
+              </a:rPr>
+              <a:t>db</a:t>
+            </a:r>
+            <a:br>
+              <a:rPr lang="de-DE" dirty="0">
+                <a:solidFill>
+                  <a:srgbClr val="FF0000"/>
+                </a:solidFill>
+              </a:rPr>
+            </a:br>
+            <a:r>
+              <a:rPr lang="de-DE" dirty="0">
+                <a:solidFill>
+                  <a:srgbClr val="FF0000"/>
+                </a:solidFill>
+              </a:rPr>
+              <a:t>5432</a:t>
+            </a:r>
+          </a:p>
+        </p:txBody>
+      </p:sp>
+      <p:sp>
+        <p:nvSpPr>
+          <p:cNvPr id="39" name="Bogen 38">
+            <a:extLst>
+              <a:ext uri="{FF2B5EF4-FFF2-40B4-BE49-F238E27FC236}">
+                <a16:creationId xmlns:a16="http://schemas.microsoft.com/office/drawing/2014/main" id="{96A7824F-1777-AF0C-4A16-75F527AD380E}"/>
+              </a:ext>
+            </a:extLst>
+          </p:cNvPr>
+          <p:cNvSpPr/>
+          <p:nvPr/>
+        </p:nvSpPr>
+        <p:spPr>
+          <a:xfrm>
+            <a:off x="4037881" y="2673354"/>
+            <a:ext cx="914400" cy="914400"/>
+          </a:xfrm>
+          <a:prstGeom prst="arc">
+            <a:avLst/>
+          </a:prstGeom>
+        </p:spPr>
+        <p:style>
+          <a:lnRef idx="1">
+            <a:schemeClr val="accent1"/>
+          </a:lnRef>
+          <a:fillRef idx="0">
+            <a:schemeClr val="accent1"/>
+          </a:fillRef>
+          <a:effectRef idx="0">
+            <a:schemeClr val="accent1"/>
+          </a:effectRef>
+          <a:fontRef idx="minor">
+            <a:schemeClr val="tx1"/>
+          </a:fontRef>
+        </p:style>
+        <p:txBody>
+          <a:bodyPr rtlCol="0" anchor="ctr"/>
+          <a:lstStyle/>
+          <a:p>
+            <a:pPr algn="ctr"/>
+            <a:endParaRPr lang="de-DE"/>
+          </a:p>
+        </p:txBody>
+      </p:sp>
+      <p:sp>
+        <p:nvSpPr>
+          <p:cNvPr id="45" name="Oval 44">
+            <a:extLst>
+              <a:ext uri="{FF2B5EF4-FFF2-40B4-BE49-F238E27FC236}">
+                <a16:creationId xmlns:a16="http://schemas.microsoft.com/office/drawing/2014/main" id="{FC2564D9-56F3-21C8-BBFA-F1D6D365C1FA}"/>
+              </a:ext>
+            </a:extLst>
+          </p:cNvPr>
+          <p:cNvSpPr/>
+          <p:nvPr/>
+        </p:nvSpPr>
+        <p:spPr>
+          <a:xfrm>
+            <a:off x="3033360" y="407222"/>
+            <a:ext cx="2642927" cy="593094"/>
+          </a:xfrm>
+          <a:prstGeom prst="ellipse">
+            <a:avLst/>
+          </a:prstGeom>
+          <a:solidFill>
+            <a:srgbClr val="FF0000">
+              <a:alpha val="23000"/>
+            </a:srgbClr>
+          </a:solidFill>
+        </p:spPr>
+        <p:style>
+          <a:lnRef idx="2">
+            <a:schemeClr val="accent1">
+              <a:shade val="50000"/>
+            </a:schemeClr>
+          </a:lnRef>
+          <a:fillRef idx="1">
+            <a:schemeClr val="accent1"/>
+          </a:fillRef>
+          <a:effectRef idx="0">
+            <a:schemeClr val="accent1"/>
+          </a:effectRef>
+          <a:fontRef idx="minor">
+            <a:schemeClr val="lt1"/>
+          </a:fontRef>
+        </p:style>
+        <p:txBody>
+          <a:bodyPr rtlCol="0" anchor="ctr"/>
+          <a:lstStyle/>
+          <a:p>
+            <a:pPr algn="ctr"/>
+            <a:endParaRPr lang="de-DE"/>
+          </a:p>
+        </p:txBody>
+      </p:sp>
+      <p:sp>
+        <p:nvSpPr>
+          <p:cNvPr id="46" name="Textfeld 45">
+            <a:extLst>
+              <a:ext uri="{FF2B5EF4-FFF2-40B4-BE49-F238E27FC236}">
+                <a16:creationId xmlns:a16="http://schemas.microsoft.com/office/drawing/2014/main" id="{5A03E1E0-20CD-AAE2-596C-A72F1743AB22}"/>
+              </a:ext>
+            </a:extLst>
+          </p:cNvPr>
+          <p:cNvSpPr txBox="1"/>
+          <p:nvPr/>
+        </p:nvSpPr>
+        <p:spPr>
+          <a:xfrm>
+            <a:off x="1235487" y="481510"/>
+            <a:ext cx="1717586" cy="369332"/>
+          </a:xfrm>
+          <a:prstGeom prst="rect">
+            <a:avLst/>
+          </a:prstGeom>
+          <a:noFill/>
+        </p:spPr>
+        <p:txBody>
+          <a:bodyPr wrap="none" rtlCol="0">
+            <a:spAutoFit/>
+          </a:bodyPr>
+          <a:lstStyle/>
+          <a:p>
+            <a:r>
+              <a:rPr lang="de-DE" dirty="0"/>
+              <a:t>Port </a:t>
+            </a:r>
+            <a:r>
+              <a:rPr lang="de-DE" dirty="0" err="1"/>
+              <a:t>forwarding</a:t>
+            </a:r>
+            <a:r>
+              <a:rPr lang="de-DE" dirty="0"/>
+              <a:t>:</a:t>
+            </a:r>
+          </a:p>
+        </p:txBody>
+      </p:sp>
+      <p:sp>
+        <p:nvSpPr>
+          <p:cNvPr id="29" name="Oval 28">
+            <a:extLst>
+              <a:ext uri="{FF2B5EF4-FFF2-40B4-BE49-F238E27FC236}">
+                <a16:creationId xmlns:a16="http://schemas.microsoft.com/office/drawing/2014/main" id="{707BEB12-C916-A745-1000-ADAF00456CF0}"/>
+              </a:ext>
+            </a:extLst>
+          </p:cNvPr>
+          <p:cNvSpPr/>
+          <p:nvPr/>
+        </p:nvSpPr>
+        <p:spPr>
+          <a:xfrm rot="5400000">
+            <a:off x="5233916" y="3106375"/>
+            <a:ext cx="2848977" cy="1007896"/>
+          </a:xfrm>
+          <a:prstGeom prst="ellipse">
+            <a:avLst/>
+          </a:prstGeom>
+          <a:solidFill>
+            <a:srgbClr val="FF0000">
+              <a:alpha val="23000"/>
+            </a:srgbClr>
+          </a:solidFill>
+        </p:spPr>
+        <p:style>
+          <a:lnRef idx="2">
+            <a:schemeClr val="accent1">
+              <a:shade val="50000"/>
+            </a:schemeClr>
+          </a:lnRef>
+          <a:fillRef idx="1">
+            <a:schemeClr val="accent1"/>
+          </a:fillRef>
+          <a:effectRef idx="0">
+            <a:schemeClr val="accent1"/>
+          </a:effectRef>
+          <a:fontRef idx="minor">
+            <a:schemeClr val="lt1"/>
+          </a:fontRef>
+        </p:style>
+        <p:txBody>
+          <a:bodyPr rtlCol="0" anchor="ctr"/>
+          <a:lstStyle/>
+          <a:p>
+            <a:pPr algn="ctr"/>
+            <a:endParaRPr lang="de-DE" dirty="0"/>
+          </a:p>
+        </p:txBody>
+      </p:sp>
+      <p:sp>
+        <p:nvSpPr>
+          <p:cNvPr id="30" name="Textfeld 29">
+            <a:extLst>
+              <a:ext uri="{FF2B5EF4-FFF2-40B4-BE49-F238E27FC236}">
+                <a16:creationId xmlns:a16="http://schemas.microsoft.com/office/drawing/2014/main" id="{BB335211-481F-C337-70A0-993E7A512672}"/>
+              </a:ext>
+            </a:extLst>
+          </p:cNvPr>
+          <p:cNvSpPr txBox="1"/>
+          <p:nvPr/>
+        </p:nvSpPr>
+        <p:spPr>
+          <a:xfrm>
+            <a:off x="6785320" y="2160673"/>
+            <a:ext cx="1026563" cy="646331"/>
+          </a:xfrm>
+          <a:prstGeom prst="rect">
+            <a:avLst/>
+          </a:prstGeom>
+          <a:noFill/>
+        </p:spPr>
+        <p:txBody>
+          <a:bodyPr wrap="none" rtlCol="0">
+            <a:spAutoFit/>
+          </a:bodyPr>
+          <a:lstStyle/>
+          <a:p>
+            <a:r>
+              <a:rPr lang="de-DE" dirty="0" err="1">
+                <a:solidFill>
+                  <a:srgbClr val="FF0000"/>
+                </a:solidFill>
+              </a:rPr>
+              <a:t>localhost</a:t>
+            </a:r>
+            <a:br>
+              <a:rPr lang="de-DE" dirty="0">
+                <a:solidFill>
+                  <a:srgbClr val="FF0000"/>
+                </a:solidFill>
+              </a:rPr>
+            </a:br>
+            <a:r>
+              <a:rPr lang="de-DE" dirty="0">
+                <a:solidFill>
+                  <a:srgbClr val="FF0000"/>
+                </a:solidFill>
+              </a:rPr>
+              <a:t>5432</a:t>
+            </a:r>
+          </a:p>
+        </p:txBody>
+      </p:sp>
+      <p:cxnSp>
+        <p:nvCxnSpPr>
+          <p:cNvPr id="32" name="Gerade Verbindung mit Pfeil 31">
+            <a:extLst>
+              <a:ext uri="{FF2B5EF4-FFF2-40B4-BE49-F238E27FC236}">
+                <a16:creationId xmlns:a16="http://schemas.microsoft.com/office/drawing/2014/main" id="{A2ED06EF-8F8D-4412-6824-B6A2E350461F}"/>
+              </a:ext>
+            </a:extLst>
+          </p:cNvPr>
+          <p:cNvCxnSpPr>
+            <a:cxnSpLocks/>
+            <a:stCxn id="17" idx="2"/>
+          </p:cNvCxnSpPr>
+          <p:nvPr/>
+        </p:nvCxnSpPr>
+        <p:spPr>
+          <a:xfrm flipH="1">
+            <a:off x="4037881" y="2312808"/>
+            <a:ext cx="1" cy="360546"/>
+          </a:xfrm>
+          <a:prstGeom prst="straightConnector1">
+            <a:avLst/>
+          </a:prstGeom>
+          <a:ln w="38100">
+            <a:solidFill>
+              <a:srgbClr val="FF0000"/>
+            </a:solidFill>
+            <a:tailEnd type="triangle"/>
+          </a:ln>
+        </p:spPr>
+        <p:style>
+          <a:lnRef idx="1">
+            <a:schemeClr val="accent1"/>
+          </a:lnRef>
+          <a:fillRef idx="0">
+            <a:schemeClr val="accent1"/>
+          </a:fillRef>
+          <a:effectRef idx="0">
+            <a:schemeClr val="accent1"/>
+          </a:effectRef>
+          <a:fontRef idx="minor">
+            <a:schemeClr val="tx1"/>
+          </a:fontRef>
+        </p:style>
+      </p:cxnSp>
+      <p:sp>
+        <p:nvSpPr>
+          <p:cNvPr id="33" name="Textfeld 32">
+            <a:extLst>
+              <a:ext uri="{FF2B5EF4-FFF2-40B4-BE49-F238E27FC236}">
+                <a16:creationId xmlns:a16="http://schemas.microsoft.com/office/drawing/2014/main" id="{B588909F-307A-C100-2D4B-C31E014D9E66}"/>
+              </a:ext>
+            </a:extLst>
+          </p:cNvPr>
+          <p:cNvSpPr txBox="1"/>
+          <p:nvPr/>
+        </p:nvSpPr>
+        <p:spPr>
+          <a:xfrm>
+            <a:off x="6785320" y="242420"/>
+            <a:ext cx="4558401" cy="923330"/>
+          </a:xfrm>
+          <a:prstGeom prst="rect">
+            <a:avLst/>
+          </a:prstGeom>
+          <a:noFill/>
+        </p:spPr>
+        <p:txBody>
+          <a:bodyPr wrap="square" rtlCol="0">
+            <a:spAutoFit/>
+          </a:bodyPr>
+          <a:lstStyle/>
+          <a:p>
+            <a:r>
+              <a:rPr lang="de-DE" dirty="0"/>
+              <a:t>Jeder Docker-Container verhält sich wie eine eigenständige Linux-Maschine</a:t>
+            </a:r>
+            <a:br>
+              <a:rPr lang="de-DE" dirty="0"/>
+            </a:br>
+            <a:r>
+              <a:rPr lang="de-DE" dirty="0"/>
+              <a:t>(nutzt Linux-Kernel-Virtualisierung)</a:t>
             </a:r>
           </a:p>
         </p:txBody>
@@ -18518,7 +18931,7 @@
     </p:spTree>
     <p:extLst>
       <p:ext uri="{BB962C8B-B14F-4D97-AF65-F5344CB8AC3E}">
-        <p14:creationId xmlns:p14="http://schemas.microsoft.com/office/powerpoint/2010/main" val="3492998218"/>
+        <p14:creationId xmlns:p14="http://schemas.microsoft.com/office/powerpoint/2010/main" val="4049937503"/>
       </p:ext>
     </p:extLst>
   </p:cSld>
@@ -19359,52 +19772,6 @@
       </p:sp>
       <p:cxnSp>
         <p:nvCxnSpPr>
-          <p:cNvPr id="28" name="Gerade Verbindung mit Pfeil 27">
-            <a:extLst>
-              <a:ext uri="{FF2B5EF4-FFF2-40B4-BE49-F238E27FC236}">
-                <a16:creationId xmlns:a16="http://schemas.microsoft.com/office/drawing/2014/main" id="{295CC962-C4B6-5A0C-3D64-F32969520C4A}"/>
-              </a:ext>
-            </a:extLst>
-          </p:cNvPr>
-          <p:cNvCxnSpPr>
-            <a:cxnSpLocks/>
-            <a:stCxn id="12" idx="3"/>
-            <a:endCxn id="27" idx="0"/>
-          </p:cNvCxnSpPr>
-          <p:nvPr/>
-        </p:nvCxnSpPr>
-        <p:spPr>
-          <a:xfrm>
-            <a:off x="5475579" y="4584748"/>
-            <a:ext cx="736280" cy="14622"/>
-          </a:xfrm>
-          <a:prstGeom prst="straightConnector1">
-            <a:avLst/>
-          </a:prstGeom>
-          <a:ln w="38100">
-            <a:solidFill>
-              <a:srgbClr val="FF0000"/>
-            </a:solidFill>
-            <a:tailEnd type="triangle"/>
-          </a:ln>
-        </p:spPr>
-        <p:style>
-          <a:lnRef idx="1">
-            <a:schemeClr val="accent1"/>
-          </a:lnRef>
-          <a:fillRef idx="0">
-            <a:schemeClr val="accent1"/>
-          </a:fillRef>
-          <a:effectRef idx="0">
-            <a:schemeClr val="accent1"/>
-          </a:effectRef>
-          <a:fontRef idx="minor">
-            <a:schemeClr val="tx1"/>
-          </a:fontRef>
-        </p:style>
-      </p:cxnSp>
-      <p:cxnSp>
-        <p:nvCxnSpPr>
           <p:cNvPr id="31" name="Gerade Verbindung mit Pfeil 30">
             <a:extLst>
               <a:ext uri="{FF2B5EF4-FFF2-40B4-BE49-F238E27FC236}">
@@ -19799,7 +20166,7 @@
     </p:spTree>
     <p:extLst>
       <p:ext uri="{BB962C8B-B14F-4D97-AF65-F5344CB8AC3E}">
-        <p14:creationId xmlns:p14="http://schemas.microsoft.com/office/powerpoint/2010/main" val="4049937503"/>
+        <p14:creationId xmlns:p14="http://schemas.microsoft.com/office/powerpoint/2010/main" val="2837291272"/>
       </p:ext>
     </p:extLst>
   </p:cSld>
@@ -19901,7 +20268,11 @@
           <a:lstStyle/>
           <a:p>
             <a:r>
-              <a:rPr lang="de-DE" dirty="0"/>
+              <a:rPr lang="de-DE" dirty="0">
+                <a:solidFill>
+                  <a:schemeClr val="bg1"/>
+                </a:solidFill>
+              </a:rPr>
               <a:t>Cloud</a:t>
             </a:r>
           </a:p>
@@ -20304,7 +20675,7 @@
         <p:spPr>
           <a:xfrm>
             <a:off x="3853496" y="3040778"/>
-            <a:ext cx="1269194" cy="369332"/>
+            <a:ext cx="1249958" cy="369332"/>
           </a:xfrm>
           <a:prstGeom prst="rect">
             <a:avLst/>
@@ -20318,8 +20689,12 @@
           <a:lstStyle/>
           <a:p>
             <a:r>
-              <a:rPr lang="de-DE" dirty="0"/>
-              <a:t>Java-starter</a:t>
+              <a:rPr lang="de-DE" dirty="0" err="1"/>
+              <a:t>java</a:t>
+            </a:r>
+            <a:r>
+              <a:rPr lang="de-DE" dirty="0"/>
+              <a:t>-starter</a:t>
             </a:r>
           </a:p>
         </p:txBody>
@@ -20399,10 +20774,18 @@
           <a:lstStyle/>
           <a:p>
             <a:r>
-              <a:rPr lang="de-DE" dirty="0" err="1"/>
+              <a:rPr lang="de-DE" dirty="0" err="1">
+                <a:solidFill>
+                  <a:schemeClr val="bg1"/>
+                </a:solidFill>
+              </a:rPr>
               <a:t>MeinComputer</a:t>
             </a:r>
-            <a:endParaRPr lang="de-DE" dirty="0"/>
+            <a:endParaRPr lang="de-DE" dirty="0">
+              <a:solidFill>
+                <a:schemeClr val="bg1"/>
+              </a:solidFill>
+            </a:endParaRPr>
           </a:p>
         </p:txBody>
       </p:sp>
@@ -20816,6 +21199,122 @@
               <a:rPr lang="de-DE" dirty="0"/>
               <a:t>Thema: Persistenz mit Spring Data</a:t>
             </a:r>
+          </a:p>
+          <a:p>
+            <a:pPr lvl="1"/>
+            <a:r>
+              <a:rPr lang="de-DE" dirty="0"/>
+              <a:t>ORM: </a:t>
+            </a:r>
+            <a:r>
+              <a:rPr lang="de-DE" dirty="0" err="1"/>
+              <a:t>Object</a:t>
+            </a:r>
+            <a:r>
+              <a:rPr lang="de-DE" dirty="0"/>
+              <a:t>-relational </a:t>
+            </a:r>
+            <a:r>
+              <a:rPr lang="de-DE" dirty="0" err="1"/>
+              <a:t>mapping</a:t>
+            </a:r>
+            <a:endParaRPr lang="de-DE" dirty="0"/>
+          </a:p>
+          <a:p>
+            <a:pPr lvl="2"/>
+            <a:r>
+              <a:rPr lang="de-DE" dirty="0"/>
+              <a:t>Klasse </a:t>
+            </a:r>
+            <a:r>
+              <a:rPr lang="de-DE" dirty="0">
+                <a:sym typeface="Wingdings" pitchFamily="2" charset="2"/>
+              </a:rPr>
+              <a:t> Datenbanktabelle</a:t>
+            </a:r>
+          </a:p>
+          <a:p>
+            <a:pPr lvl="2"/>
+            <a:r>
+              <a:rPr lang="de-DE" dirty="0">
+                <a:sym typeface="Wingdings" pitchFamily="2" charset="2"/>
+              </a:rPr>
+              <a:t>Objekt  Datenbankeintrag (Zeile in Tabelle)</a:t>
+            </a:r>
+          </a:p>
+          <a:p>
+            <a:pPr lvl="1"/>
+            <a:r>
+              <a:rPr lang="de-DE" dirty="0">
+                <a:sym typeface="Wingdings" pitchFamily="2" charset="2"/>
+              </a:rPr>
+              <a:t>Mapping-Regeln (Auszug)</a:t>
+            </a:r>
+          </a:p>
+          <a:p>
+            <a:pPr lvl="2"/>
+            <a:r>
+              <a:rPr lang="de-DE" dirty="0">
+                <a:sym typeface="Wingdings" pitchFamily="2" charset="2"/>
+              </a:rPr>
+              <a:t>Klasse  Tabelle</a:t>
+            </a:r>
+          </a:p>
+          <a:p>
+            <a:pPr lvl="2"/>
+            <a:r>
+              <a:rPr lang="de-DE" dirty="0">
+                <a:sym typeface="Wingdings" pitchFamily="2" charset="2"/>
+              </a:rPr>
+              <a:t>Feld (Attribut)  Spalte</a:t>
+            </a:r>
+          </a:p>
+          <a:p>
+            <a:pPr lvl="2"/>
+            <a:r>
+              <a:rPr lang="de-DE" dirty="0">
+                <a:sym typeface="Wingdings" pitchFamily="2" charset="2"/>
+              </a:rPr>
+              <a:t>Beziehung  Fremdschlüssel-Beziehung (evtl. mit Relationen-Tabelle)</a:t>
+            </a:r>
+          </a:p>
+          <a:p>
+            <a:pPr lvl="1"/>
+            <a:r>
+              <a:rPr lang="de-DE" dirty="0">
+                <a:sym typeface="Wingdings" pitchFamily="2" charset="2"/>
+              </a:rPr>
+              <a:t>Bekannteste Library: Hibernate</a:t>
+            </a:r>
+          </a:p>
+          <a:p>
+            <a:pPr lvl="2"/>
+            <a:r>
+              <a:rPr lang="de-DE" dirty="0">
+                <a:sym typeface="Wingdings" pitchFamily="2" charset="2"/>
+                <a:hlinkClick r:id="rId2"/>
+              </a:rPr>
+              <a:t>https://hibernate.org/</a:t>
+            </a:r>
+            <a:endParaRPr lang="de-DE" dirty="0">
+              <a:sym typeface="Wingdings" pitchFamily="2" charset="2"/>
+            </a:endParaRPr>
+          </a:p>
+          <a:p>
+            <a:pPr lvl="2"/>
+            <a:r>
+              <a:rPr lang="de-DE" dirty="0">
+                <a:sym typeface="Wingdings" pitchFamily="2" charset="2"/>
+              </a:rPr>
+              <a:t>Wird von Spring </a:t>
+            </a:r>
+            <a:r>
+              <a:rPr lang="de-DE">
+                <a:sym typeface="Wingdings" pitchFamily="2" charset="2"/>
+              </a:rPr>
+              <a:t>Data genutzt</a:t>
+            </a:r>
+            <a:endParaRPr lang="de-DE" dirty="0"/>
           </a:p>
         </p:txBody>
       </p:sp>

--- a/Java-Starter.pptx
+++ b/Java-Starter.pptx
@@ -5,7 +5,7 @@
     <p:sldMasterId id="2147483648" r:id="rId1"/>
   </p:sldMasterIdLst>
   <p:notesMasterIdLst>
-    <p:notesMasterId r:id="rId76"/>
+    <p:notesMasterId r:id="rId78"/>
   </p:notesMasterIdLst>
   <p:sldIdLst>
     <p:sldId id="256" r:id="rId2"/>
@@ -73,15 +73,17 @@
     <p:sldId id="324" r:id="rId64"/>
     <p:sldId id="305" r:id="rId65"/>
     <p:sldId id="306" r:id="rId66"/>
-    <p:sldId id="331" r:id="rId67"/>
-    <p:sldId id="332" r:id="rId68"/>
-    <p:sldId id="333" r:id="rId69"/>
-    <p:sldId id="334" r:id="rId70"/>
-    <p:sldId id="335" r:id="rId71"/>
-    <p:sldId id="336" r:id="rId72"/>
-    <p:sldId id="337" r:id="rId73"/>
-    <p:sldId id="330" r:id="rId74"/>
-    <p:sldId id="315" r:id="rId75"/>
+    <p:sldId id="340" r:id="rId67"/>
+    <p:sldId id="341" r:id="rId68"/>
+    <p:sldId id="331" r:id="rId69"/>
+    <p:sldId id="332" r:id="rId70"/>
+    <p:sldId id="333" r:id="rId71"/>
+    <p:sldId id="334" r:id="rId72"/>
+    <p:sldId id="335" r:id="rId73"/>
+    <p:sldId id="336" r:id="rId74"/>
+    <p:sldId id="337" r:id="rId75"/>
+    <p:sldId id="330" r:id="rId76"/>
+    <p:sldId id="315" r:id="rId77"/>
   </p:sldIdLst>
   <p:sldSz cx="12192000" cy="6858000"/>
   <p:notesSz cx="6858000" cy="9144000"/>
@@ -270,7 +272,7 @@
           <a:p>
             <a:fld id="{64D387BD-2FDA-4640-824D-9ADFD7023C00}" type="datetimeFigureOut">
               <a:rPr lang="de-DE" smtClean="0"/>
-              <a:t>02.05.22</a:t>
+              <a:t>06.05.22</a:t>
             </a:fld>
             <a:endParaRPr lang="de-DE"/>
           </a:p>
@@ -768,7 +770,7 @@
           <a:p>
             <a:fld id="{D504FEAC-1E62-0E47-82AE-5BB4BD139FFA}" type="datetimeFigureOut">
               <a:rPr lang="de-DE" smtClean="0"/>
-              <a:t>02.05.22</a:t>
+              <a:t>06.05.22</a:t>
             </a:fld>
             <a:endParaRPr lang="de-DE"/>
           </a:p>
@@ -966,7 +968,7 @@
           <a:p>
             <a:fld id="{D504FEAC-1E62-0E47-82AE-5BB4BD139FFA}" type="datetimeFigureOut">
               <a:rPr lang="de-DE" smtClean="0"/>
-              <a:t>02.05.22</a:t>
+              <a:t>06.05.22</a:t>
             </a:fld>
             <a:endParaRPr lang="de-DE"/>
           </a:p>
@@ -1174,7 +1176,7 @@
           <a:p>
             <a:fld id="{D504FEAC-1E62-0E47-82AE-5BB4BD139FFA}" type="datetimeFigureOut">
               <a:rPr lang="de-DE" smtClean="0"/>
-              <a:t>02.05.22</a:t>
+              <a:t>06.05.22</a:t>
             </a:fld>
             <a:endParaRPr lang="de-DE"/>
           </a:p>
@@ -1372,7 +1374,7 @@
           <a:p>
             <a:fld id="{D504FEAC-1E62-0E47-82AE-5BB4BD139FFA}" type="datetimeFigureOut">
               <a:rPr lang="de-DE" smtClean="0"/>
-              <a:t>02.05.22</a:t>
+              <a:t>06.05.22</a:t>
             </a:fld>
             <a:endParaRPr lang="de-DE"/>
           </a:p>
@@ -1647,7 +1649,7 @@
           <a:p>
             <a:fld id="{D504FEAC-1E62-0E47-82AE-5BB4BD139FFA}" type="datetimeFigureOut">
               <a:rPr lang="de-DE" smtClean="0"/>
-              <a:t>02.05.22</a:t>
+              <a:t>06.05.22</a:t>
             </a:fld>
             <a:endParaRPr lang="de-DE"/>
           </a:p>
@@ -1912,7 +1914,7 @@
           <a:p>
             <a:fld id="{D504FEAC-1E62-0E47-82AE-5BB4BD139FFA}" type="datetimeFigureOut">
               <a:rPr lang="de-DE" smtClean="0"/>
-              <a:t>02.05.22</a:t>
+              <a:t>06.05.22</a:t>
             </a:fld>
             <a:endParaRPr lang="de-DE"/>
           </a:p>
@@ -2324,7 +2326,7 @@
           <a:p>
             <a:fld id="{D504FEAC-1E62-0E47-82AE-5BB4BD139FFA}" type="datetimeFigureOut">
               <a:rPr lang="de-DE" smtClean="0"/>
-              <a:t>02.05.22</a:t>
+              <a:t>06.05.22</a:t>
             </a:fld>
             <a:endParaRPr lang="de-DE"/>
           </a:p>
@@ -2465,7 +2467,7 @@
           <a:p>
             <a:fld id="{D504FEAC-1E62-0E47-82AE-5BB4BD139FFA}" type="datetimeFigureOut">
               <a:rPr lang="de-DE" smtClean="0"/>
-              <a:t>02.05.22</a:t>
+              <a:t>06.05.22</a:t>
             </a:fld>
             <a:endParaRPr lang="de-DE"/>
           </a:p>
@@ -2578,7 +2580,7 @@
           <a:p>
             <a:fld id="{D504FEAC-1E62-0E47-82AE-5BB4BD139FFA}" type="datetimeFigureOut">
               <a:rPr lang="de-DE" smtClean="0"/>
-              <a:t>02.05.22</a:t>
+              <a:t>06.05.22</a:t>
             </a:fld>
             <a:endParaRPr lang="de-DE"/>
           </a:p>
@@ -2889,7 +2891,7 @@
           <a:p>
             <a:fld id="{D504FEAC-1E62-0E47-82AE-5BB4BD139FFA}" type="datetimeFigureOut">
               <a:rPr lang="de-DE" smtClean="0"/>
-              <a:t>02.05.22</a:t>
+              <a:t>06.05.22</a:t>
             </a:fld>
             <a:endParaRPr lang="de-DE"/>
           </a:p>
@@ -3177,7 +3179,7 @@
           <a:p>
             <a:fld id="{D504FEAC-1E62-0E47-82AE-5BB4BD139FFA}" type="datetimeFigureOut">
               <a:rPr lang="de-DE" smtClean="0"/>
-              <a:t>02.05.22</a:t>
+              <a:t>06.05.22</a:t>
             </a:fld>
             <a:endParaRPr lang="de-DE"/>
           </a:p>
@@ -3418,7 +3420,7 @@
           <a:p>
             <a:fld id="{D504FEAC-1E62-0E47-82AE-5BB4BD139FFA}" type="datetimeFigureOut">
               <a:rPr lang="de-DE" smtClean="0"/>
-              <a:t>02.05.22</a:t>
+              <a:t>06.05.22</a:t>
             </a:fld>
             <a:endParaRPr lang="de-DE"/>
           </a:p>
@@ -22160,136 +22162,659 @@
       </p:grpSpPr>
       <p:sp>
         <p:nvSpPr>
-          <p:cNvPr id="2" name="Titel 1">
-            <a:extLst>
-              <a:ext uri="{FF2B5EF4-FFF2-40B4-BE49-F238E27FC236}">
-                <a16:creationId xmlns:a16="http://schemas.microsoft.com/office/drawing/2014/main" id="{0EC7A146-A8F2-A844-9033-A0ACC828AF47}"/>
-              </a:ext>
-            </a:extLst>
-          </p:cNvPr>
-          <p:cNvSpPr>
-            <a:spLocks noGrp="1"/>
-          </p:cNvSpPr>
-          <p:nvPr>
-            <p:ph type="title"/>
-          </p:nvPr>
-        </p:nvSpPr>
-        <p:spPr/>
-        <p:txBody>
-          <a:bodyPr/>
-          <a:lstStyle/>
-          <a:p>
-            <a:r>
-              <a:rPr lang="de-DE" dirty="0"/>
-              <a:t>Aufgaben</a:t>
-            </a:r>
-          </a:p>
-        </p:txBody>
-      </p:sp>
-      <p:sp>
-        <p:nvSpPr>
-          <p:cNvPr id="3" name="Inhaltsplatzhalter 2">
-            <a:extLst>
-              <a:ext uri="{FF2B5EF4-FFF2-40B4-BE49-F238E27FC236}">
-                <a16:creationId xmlns:a16="http://schemas.microsoft.com/office/drawing/2014/main" id="{2A5EBA90-6155-FD45-A74C-ECC42BCA72DF}"/>
-              </a:ext>
-            </a:extLst>
-          </p:cNvPr>
-          <p:cNvSpPr>
-            <a:spLocks noGrp="1"/>
-          </p:cNvSpPr>
-          <p:nvPr>
-            <p:ph idx="1"/>
-          </p:nvPr>
-        </p:nvSpPr>
-        <p:spPr/>
-        <p:txBody>
-          <a:bodyPr/>
-          <a:lstStyle/>
-          <a:p>
-            <a:r>
-              <a:rPr lang="de-DE" dirty="0"/>
-              <a:t>Microservice für Lager-DB</a:t>
-            </a:r>
-          </a:p>
-          <a:p>
-            <a:pPr lvl="1"/>
-            <a:r>
-              <a:rPr lang="de-DE" dirty="0"/>
-              <a:t>1. Team: Persistenz mit Spring Data (Hibernate)</a:t>
-            </a:r>
-          </a:p>
-          <a:p>
-            <a:pPr lvl="2"/>
-            <a:r>
-              <a:rPr lang="de-DE" dirty="0"/>
-              <a:t>Vorgabe</a:t>
-            </a:r>
-          </a:p>
-          <a:p>
-            <a:pPr lvl="3"/>
-            <a:r>
-              <a:rPr lang="de-DE" dirty="0"/>
-              <a:t>Datenbankschema Lager-DB (Beispiel aus PR3)</a:t>
-            </a:r>
-          </a:p>
-          <a:p>
-            <a:pPr lvl="3"/>
-            <a:r>
-              <a:rPr lang="de-DE" dirty="0"/>
-              <a:t>Interface der Business-Logik (domain-</a:t>
-            </a:r>
-            <a:r>
-              <a:rPr lang="de-DE" dirty="0" err="1"/>
-              <a:t>api</a:t>
-            </a:r>
-            <a:r>
-              <a:rPr lang="de-DE" dirty="0"/>
-              <a:t>)</a:t>
-            </a:r>
-          </a:p>
-          <a:p>
-            <a:pPr lvl="2"/>
-            <a:r>
-              <a:rPr lang="de-DE" dirty="0"/>
-              <a:t>Aufgabe</a:t>
-            </a:r>
-          </a:p>
-          <a:p>
-            <a:pPr lvl="3"/>
-            <a:r>
-              <a:rPr lang="de-DE" dirty="0"/>
-              <a:t>Implementierung Business-Logik (domain-core)</a:t>
-            </a:r>
-          </a:p>
-          <a:p>
-            <a:pPr lvl="4"/>
-            <a:r>
-              <a:rPr lang="de-DE" dirty="0"/>
-              <a:t>Ersatz der Trigger-Logik durch Java-Implementierung</a:t>
-            </a:r>
-          </a:p>
-          <a:p>
-            <a:pPr lvl="3"/>
-            <a:r>
-              <a:rPr lang="de-DE" dirty="0"/>
-              <a:t>Implementierung Datenbank-Zugriff (Entitäten und Data Access </a:t>
-            </a:r>
-            <a:r>
-              <a:rPr lang="de-DE" dirty="0" err="1"/>
-              <a:t>Object</a:t>
-            </a:r>
-            <a:r>
-              <a:rPr lang="de-DE" dirty="0"/>
-              <a:t> (DAO))</a:t>
-            </a:r>
-          </a:p>
-        </p:txBody>
-      </p:sp>
+          <p:cNvPr id="4" name="Abgerundetes Rechteck 3">
+            <a:extLst>
+              <a:ext uri="{FF2B5EF4-FFF2-40B4-BE49-F238E27FC236}">
+                <a16:creationId xmlns:a16="http://schemas.microsoft.com/office/drawing/2014/main" id="{79BC28D4-3EF9-804B-82DA-C260F687E32D}"/>
+              </a:ext>
+            </a:extLst>
+          </p:cNvPr>
+          <p:cNvSpPr/>
+          <p:nvPr/>
+        </p:nvSpPr>
+        <p:spPr>
+          <a:xfrm>
+            <a:off x="3646715" y="337456"/>
+            <a:ext cx="4637314" cy="794658"/>
+          </a:xfrm>
+          <a:prstGeom prst="roundRect">
+            <a:avLst/>
+          </a:prstGeom>
+        </p:spPr>
+        <p:style>
+          <a:lnRef idx="2">
+            <a:schemeClr val="accent1">
+              <a:shade val="50000"/>
+            </a:schemeClr>
+          </a:lnRef>
+          <a:fillRef idx="1">
+            <a:schemeClr val="accent1"/>
+          </a:fillRef>
+          <a:effectRef idx="0">
+            <a:schemeClr val="accent1"/>
+          </a:effectRef>
+          <a:fontRef idx="minor">
+            <a:schemeClr val="lt1"/>
+          </a:fontRef>
+        </p:style>
+        <p:txBody>
+          <a:bodyPr rtlCol="0" anchor="ctr"/>
+          <a:lstStyle/>
+          <a:p>
+            <a:pPr algn="ctr"/>
+            <a:r>
+              <a:rPr lang="de-DE" dirty="0"/>
+              <a:t>Browser</a:t>
+            </a:r>
+            <a:br>
+              <a:rPr lang="de-DE" dirty="0"/>
+            </a:br>
+            <a:r>
+              <a:rPr lang="de-DE" dirty="0"/>
+              <a:t>HTML</a:t>
+            </a:r>
+          </a:p>
+        </p:txBody>
+      </p:sp>
+      <p:sp>
+        <p:nvSpPr>
+          <p:cNvPr id="5" name="Abgerundetes Rechteck 4">
+            <a:extLst>
+              <a:ext uri="{FF2B5EF4-FFF2-40B4-BE49-F238E27FC236}">
+                <a16:creationId xmlns:a16="http://schemas.microsoft.com/office/drawing/2014/main" id="{C9E7511D-A024-5043-B96A-C26F19AAB85E}"/>
+              </a:ext>
+            </a:extLst>
+          </p:cNvPr>
+          <p:cNvSpPr/>
+          <p:nvPr/>
+        </p:nvSpPr>
+        <p:spPr>
+          <a:xfrm>
+            <a:off x="4597879" y="1889655"/>
+            <a:ext cx="2606171" cy="892629"/>
+          </a:xfrm>
+          <a:prstGeom prst="roundRect">
+            <a:avLst/>
+          </a:prstGeom>
+          <a:solidFill>
+            <a:schemeClr val="accent2">
+              <a:lumMod val="60000"/>
+              <a:lumOff val="40000"/>
+            </a:schemeClr>
+          </a:solidFill>
+        </p:spPr>
+        <p:style>
+          <a:lnRef idx="2">
+            <a:schemeClr val="accent1">
+              <a:shade val="50000"/>
+            </a:schemeClr>
+          </a:lnRef>
+          <a:fillRef idx="1">
+            <a:schemeClr val="accent1"/>
+          </a:fillRef>
+          <a:effectRef idx="0">
+            <a:schemeClr val="accent1"/>
+          </a:effectRef>
+          <a:fontRef idx="minor">
+            <a:schemeClr val="lt1"/>
+          </a:fontRef>
+        </p:style>
+        <p:txBody>
+          <a:bodyPr rtlCol="0" anchor="ctr"/>
+          <a:lstStyle/>
+          <a:p>
+            <a:pPr algn="ctr"/>
+            <a:r>
+              <a:rPr lang="de-DE" dirty="0" err="1"/>
+              <a:t>MicroService</a:t>
+            </a:r>
+            <a:br>
+              <a:rPr lang="de-DE" dirty="0"/>
+            </a:br>
+            <a:r>
+              <a:rPr lang="de-DE" dirty="0" err="1"/>
+              <a:t>shop</a:t>
+            </a:r>
+            <a:endParaRPr lang="de-DE" dirty="0"/>
+          </a:p>
+        </p:txBody>
+      </p:sp>
+      <p:cxnSp>
+        <p:nvCxnSpPr>
+          <p:cNvPr id="7" name="Gerade Verbindung mit Pfeil 6">
+            <a:extLst>
+              <a:ext uri="{FF2B5EF4-FFF2-40B4-BE49-F238E27FC236}">
+                <a16:creationId xmlns:a16="http://schemas.microsoft.com/office/drawing/2014/main" id="{7EA12433-B077-C346-B199-60BE14EA375F}"/>
+              </a:ext>
+            </a:extLst>
+          </p:cNvPr>
+          <p:cNvCxnSpPr>
+            <a:cxnSpLocks/>
+            <a:stCxn id="4" idx="2"/>
+            <a:endCxn id="5" idx="0"/>
+          </p:cNvCxnSpPr>
+          <p:nvPr/>
+        </p:nvCxnSpPr>
+        <p:spPr>
+          <a:xfrm flipH="1">
+            <a:off x="5900965" y="1132114"/>
+            <a:ext cx="64407" cy="757541"/>
+          </a:xfrm>
+          <a:prstGeom prst="straightConnector1">
+            <a:avLst/>
+          </a:prstGeom>
+          <a:ln w="38100">
+            <a:tailEnd type="triangle"/>
+          </a:ln>
+        </p:spPr>
+        <p:style>
+          <a:lnRef idx="1">
+            <a:schemeClr val="accent1"/>
+          </a:lnRef>
+          <a:fillRef idx="0">
+            <a:schemeClr val="accent1"/>
+          </a:fillRef>
+          <a:effectRef idx="0">
+            <a:schemeClr val="accent1"/>
+          </a:effectRef>
+          <a:fontRef idx="minor">
+            <a:schemeClr val="tx1"/>
+          </a:fontRef>
+        </p:style>
+      </p:cxnSp>
+      <p:cxnSp>
+        <p:nvCxnSpPr>
+          <p:cNvPr id="13" name="Gerade Verbindung mit Pfeil 12">
+            <a:extLst>
+              <a:ext uri="{FF2B5EF4-FFF2-40B4-BE49-F238E27FC236}">
+                <a16:creationId xmlns:a16="http://schemas.microsoft.com/office/drawing/2014/main" id="{38590E46-A719-2441-90F2-D877DA52215C}"/>
+              </a:ext>
+            </a:extLst>
+          </p:cNvPr>
+          <p:cNvCxnSpPr>
+            <a:cxnSpLocks/>
+            <a:stCxn id="5" idx="2"/>
+            <a:endCxn id="36" idx="0"/>
+          </p:cNvCxnSpPr>
+          <p:nvPr/>
+        </p:nvCxnSpPr>
+        <p:spPr>
+          <a:xfrm flipH="1">
+            <a:off x="4095889" y="2782284"/>
+            <a:ext cx="1805076" cy="792926"/>
+          </a:xfrm>
+          <a:prstGeom prst="straightConnector1">
+            <a:avLst/>
+          </a:prstGeom>
+          <a:ln w="38100">
+            <a:tailEnd type="triangle"/>
+          </a:ln>
+        </p:spPr>
+        <p:style>
+          <a:lnRef idx="1">
+            <a:schemeClr val="accent1"/>
+          </a:lnRef>
+          <a:fillRef idx="0">
+            <a:schemeClr val="accent1"/>
+          </a:fillRef>
+          <a:effectRef idx="0">
+            <a:schemeClr val="accent1"/>
+          </a:effectRef>
+          <a:fontRef idx="minor">
+            <a:schemeClr val="tx1"/>
+          </a:fontRef>
+        </p:style>
+      </p:cxnSp>
+      <p:sp>
+        <p:nvSpPr>
+          <p:cNvPr id="28" name="Magnetplattenspeicher 27">
+            <a:extLst>
+              <a:ext uri="{FF2B5EF4-FFF2-40B4-BE49-F238E27FC236}">
+                <a16:creationId xmlns:a16="http://schemas.microsoft.com/office/drawing/2014/main" id="{9343B73B-6448-4443-B86D-6669D318D430}"/>
+              </a:ext>
+            </a:extLst>
+          </p:cNvPr>
+          <p:cNvSpPr/>
+          <p:nvPr/>
+        </p:nvSpPr>
+        <p:spPr>
+          <a:xfrm>
+            <a:off x="8284029" y="4687816"/>
+            <a:ext cx="649514" cy="702128"/>
+          </a:xfrm>
+          <a:prstGeom prst="flowChartMagneticDisk">
+            <a:avLst/>
+          </a:prstGeom>
+        </p:spPr>
+        <p:style>
+          <a:lnRef idx="2">
+            <a:schemeClr val="accent1">
+              <a:shade val="50000"/>
+            </a:schemeClr>
+          </a:lnRef>
+          <a:fillRef idx="1">
+            <a:schemeClr val="accent1"/>
+          </a:fillRef>
+          <a:effectRef idx="0">
+            <a:schemeClr val="accent1"/>
+          </a:effectRef>
+          <a:fontRef idx="minor">
+            <a:schemeClr val="lt1"/>
+          </a:fontRef>
+        </p:style>
+        <p:txBody>
+          <a:bodyPr rtlCol="0" anchor="ctr"/>
+          <a:lstStyle/>
+          <a:p>
+            <a:pPr algn="ctr"/>
+            <a:endParaRPr lang="de-DE"/>
+          </a:p>
+        </p:txBody>
+      </p:sp>
+      <p:cxnSp>
+        <p:nvCxnSpPr>
+          <p:cNvPr id="35" name="Gerade Verbindung mit Pfeil 34">
+            <a:extLst>
+              <a:ext uri="{FF2B5EF4-FFF2-40B4-BE49-F238E27FC236}">
+                <a16:creationId xmlns:a16="http://schemas.microsoft.com/office/drawing/2014/main" id="{F60B072C-6DFB-7542-A5BF-A3FCB3709BF7}"/>
+              </a:ext>
+            </a:extLst>
+          </p:cNvPr>
+          <p:cNvCxnSpPr>
+            <a:cxnSpLocks/>
+            <a:stCxn id="36" idx="2"/>
+            <a:endCxn id="45" idx="1"/>
+          </p:cNvCxnSpPr>
+          <p:nvPr/>
+        </p:nvCxnSpPr>
+        <p:spPr>
+          <a:xfrm>
+            <a:off x="4095889" y="4467839"/>
+            <a:ext cx="1244310" cy="534386"/>
+          </a:xfrm>
+          <a:prstGeom prst="straightConnector1">
+            <a:avLst/>
+          </a:prstGeom>
+          <a:ln w="38100">
+            <a:tailEnd type="triangle"/>
+          </a:ln>
+        </p:spPr>
+        <p:style>
+          <a:lnRef idx="1">
+            <a:schemeClr val="accent1"/>
+          </a:lnRef>
+          <a:fillRef idx="0">
+            <a:schemeClr val="accent1"/>
+          </a:fillRef>
+          <a:effectRef idx="0">
+            <a:schemeClr val="accent1"/>
+          </a:effectRef>
+          <a:fontRef idx="minor">
+            <a:schemeClr val="tx1"/>
+          </a:fontRef>
+        </p:style>
+      </p:cxnSp>
+      <p:sp>
+        <p:nvSpPr>
+          <p:cNvPr id="43" name="Abgerundetes Rechteck 42">
+            <a:extLst>
+              <a:ext uri="{FF2B5EF4-FFF2-40B4-BE49-F238E27FC236}">
+                <a16:creationId xmlns:a16="http://schemas.microsoft.com/office/drawing/2014/main" id="{FC74CC00-0FC9-9F47-80DD-220CFFFBDC7A}"/>
+              </a:ext>
+            </a:extLst>
+          </p:cNvPr>
+          <p:cNvSpPr/>
+          <p:nvPr/>
+        </p:nvSpPr>
+        <p:spPr>
+          <a:xfrm>
+            <a:off x="984849" y="1738538"/>
+            <a:ext cx="2106591" cy="892629"/>
+          </a:xfrm>
+          <a:prstGeom prst="roundRect">
+            <a:avLst/>
+          </a:prstGeom>
+          <a:solidFill>
+            <a:schemeClr val="accent2">
+              <a:lumMod val="60000"/>
+              <a:lumOff val="40000"/>
+            </a:schemeClr>
+          </a:solidFill>
+        </p:spPr>
+        <p:style>
+          <a:lnRef idx="2">
+            <a:schemeClr val="accent1">
+              <a:shade val="50000"/>
+            </a:schemeClr>
+          </a:lnRef>
+          <a:fillRef idx="1">
+            <a:schemeClr val="accent1"/>
+          </a:fillRef>
+          <a:effectRef idx="0">
+            <a:schemeClr val="accent1"/>
+          </a:effectRef>
+          <a:fontRef idx="minor">
+            <a:schemeClr val="lt1"/>
+          </a:fontRef>
+        </p:style>
+        <p:txBody>
+          <a:bodyPr rtlCol="0" anchor="ctr"/>
+          <a:lstStyle/>
+          <a:p>
+            <a:pPr algn="ctr"/>
+            <a:r>
+              <a:rPr lang="de-DE" dirty="0" err="1"/>
+              <a:t>WebServer</a:t>
+            </a:r>
+            <a:endParaRPr lang="de-DE" dirty="0"/>
+          </a:p>
+        </p:txBody>
+      </p:sp>
+      <p:cxnSp>
+        <p:nvCxnSpPr>
+          <p:cNvPr id="44" name="Gerade Verbindung mit Pfeil 43">
+            <a:extLst>
+              <a:ext uri="{FF2B5EF4-FFF2-40B4-BE49-F238E27FC236}">
+                <a16:creationId xmlns:a16="http://schemas.microsoft.com/office/drawing/2014/main" id="{30CB8BCD-2332-9548-902D-CFD0570A4897}"/>
+              </a:ext>
+            </a:extLst>
+          </p:cNvPr>
+          <p:cNvCxnSpPr>
+            <a:cxnSpLocks/>
+            <a:stCxn id="4" idx="2"/>
+            <a:endCxn id="43" idx="0"/>
+          </p:cNvCxnSpPr>
+          <p:nvPr/>
+        </p:nvCxnSpPr>
+        <p:spPr>
+          <a:xfrm flipH="1">
+            <a:off x="2038145" y="1132114"/>
+            <a:ext cx="3927227" cy="606424"/>
+          </a:xfrm>
+          <a:prstGeom prst="straightConnector1">
+            <a:avLst/>
+          </a:prstGeom>
+          <a:ln w="38100">
+            <a:tailEnd type="triangle"/>
+          </a:ln>
+        </p:spPr>
+        <p:style>
+          <a:lnRef idx="1">
+            <a:schemeClr val="accent1"/>
+          </a:lnRef>
+          <a:fillRef idx="0">
+            <a:schemeClr val="accent1"/>
+          </a:fillRef>
+          <a:effectRef idx="0">
+            <a:schemeClr val="accent1"/>
+          </a:effectRef>
+          <a:fontRef idx="minor">
+            <a:schemeClr val="tx1"/>
+          </a:fontRef>
+        </p:style>
+      </p:cxnSp>
+      <p:sp>
+        <p:nvSpPr>
+          <p:cNvPr id="36" name="Abgerundetes Rechteck 35">
+            <a:extLst>
+              <a:ext uri="{FF2B5EF4-FFF2-40B4-BE49-F238E27FC236}">
+                <a16:creationId xmlns:a16="http://schemas.microsoft.com/office/drawing/2014/main" id="{54D430FF-2891-4B4D-92F9-4E4825667ACF}"/>
+              </a:ext>
+            </a:extLst>
+          </p:cNvPr>
+          <p:cNvSpPr/>
+          <p:nvPr/>
+        </p:nvSpPr>
+        <p:spPr>
+          <a:xfrm>
+            <a:off x="2896098" y="3575210"/>
+            <a:ext cx="2399581" cy="892629"/>
+          </a:xfrm>
+          <a:prstGeom prst="roundRect">
+            <a:avLst/>
+          </a:prstGeom>
+          <a:solidFill>
+            <a:schemeClr val="accent2">
+              <a:lumMod val="60000"/>
+              <a:lumOff val="40000"/>
+            </a:schemeClr>
+          </a:solidFill>
+        </p:spPr>
+        <p:style>
+          <a:lnRef idx="2">
+            <a:schemeClr val="accent1">
+              <a:shade val="50000"/>
+            </a:schemeClr>
+          </a:lnRef>
+          <a:fillRef idx="1">
+            <a:schemeClr val="accent1"/>
+          </a:fillRef>
+          <a:effectRef idx="0">
+            <a:schemeClr val="accent1"/>
+          </a:effectRef>
+          <a:fontRef idx="minor">
+            <a:schemeClr val="lt1"/>
+          </a:fontRef>
+        </p:style>
+        <p:txBody>
+          <a:bodyPr rtlCol="0" anchor="ctr"/>
+          <a:lstStyle/>
+          <a:p>
+            <a:pPr algn="ctr"/>
+            <a:r>
+              <a:rPr lang="de-DE" dirty="0" err="1"/>
+              <a:t>MicroService</a:t>
+            </a:r>
+            <a:br>
+              <a:rPr lang="de-DE" dirty="0"/>
+            </a:br>
+            <a:r>
+              <a:rPr lang="de-DE" dirty="0" err="1"/>
+              <a:t>person</a:t>
+            </a:r>
+            <a:endParaRPr lang="de-DE" dirty="0"/>
+          </a:p>
+        </p:txBody>
+      </p:sp>
+      <p:sp>
+        <p:nvSpPr>
+          <p:cNvPr id="45" name="Magnetplattenspeicher 44">
+            <a:extLst>
+              <a:ext uri="{FF2B5EF4-FFF2-40B4-BE49-F238E27FC236}">
+                <a16:creationId xmlns:a16="http://schemas.microsoft.com/office/drawing/2014/main" id="{B014ABC0-DA58-B548-9464-5CEC15ECA332}"/>
+              </a:ext>
+            </a:extLst>
+          </p:cNvPr>
+          <p:cNvSpPr/>
+          <p:nvPr/>
+        </p:nvSpPr>
+        <p:spPr>
+          <a:xfrm>
+            <a:off x="5015442" y="5002225"/>
+            <a:ext cx="649514" cy="702128"/>
+          </a:xfrm>
+          <a:prstGeom prst="flowChartMagneticDisk">
+            <a:avLst/>
+          </a:prstGeom>
+        </p:spPr>
+        <p:style>
+          <a:lnRef idx="2">
+            <a:schemeClr val="accent1">
+              <a:shade val="50000"/>
+            </a:schemeClr>
+          </a:lnRef>
+          <a:fillRef idx="1">
+            <a:schemeClr val="accent1"/>
+          </a:fillRef>
+          <a:effectRef idx="0">
+            <a:schemeClr val="accent1"/>
+          </a:effectRef>
+          <a:fontRef idx="minor">
+            <a:schemeClr val="lt1"/>
+          </a:fontRef>
+        </p:style>
+        <p:txBody>
+          <a:bodyPr rtlCol="0" anchor="ctr"/>
+          <a:lstStyle/>
+          <a:p>
+            <a:pPr algn="ctr"/>
+            <a:endParaRPr lang="de-DE"/>
+          </a:p>
+        </p:txBody>
+      </p:sp>
+      <p:sp>
+        <p:nvSpPr>
+          <p:cNvPr id="62" name="Abgerundetes Rechteck 61">
+            <a:extLst>
+              <a:ext uri="{FF2B5EF4-FFF2-40B4-BE49-F238E27FC236}">
+                <a16:creationId xmlns:a16="http://schemas.microsoft.com/office/drawing/2014/main" id="{CC6DBFE9-F260-864A-832C-FC081522D987}"/>
+              </a:ext>
+            </a:extLst>
+          </p:cNvPr>
+          <p:cNvSpPr/>
+          <p:nvPr/>
+        </p:nvSpPr>
+        <p:spPr>
+          <a:xfrm>
+            <a:off x="6396350" y="3523796"/>
+            <a:ext cx="2399581" cy="892629"/>
+          </a:xfrm>
+          <a:prstGeom prst="roundRect">
+            <a:avLst/>
+          </a:prstGeom>
+          <a:solidFill>
+            <a:schemeClr val="accent2">
+              <a:lumMod val="60000"/>
+              <a:lumOff val="40000"/>
+            </a:schemeClr>
+          </a:solidFill>
+        </p:spPr>
+        <p:style>
+          <a:lnRef idx="2">
+            <a:schemeClr val="accent1">
+              <a:shade val="50000"/>
+            </a:schemeClr>
+          </a:lnRef>
+          <a:fillRef idx="1">
+            <a:schemeClr val="accent1"/>
+          </a:fillRef>
+          <a:effectRef idx="0">
+            <a:schemeClr val="accent1"/>
+          </a:effectRef>
+          <a:fontRef idx="minor">
+            <a:schemeClr val="lt1"/>
+          </a:fontRef>
+        </p:style>
+        <p:txBody>
+          <a:bodyPr rtlCol="0" anchor="ctr"/>
+          <a:lstStyle/>
+          <a:p>
+            <a:pPr algn="ctr"/>
+            <a:r>
+              <a:rPr lang="de-DE" dirty="0" err="1"/>
+              <a:t>MicroService</a:t>
+            </a:r>
+            <a:br>
+              <a:rPr lang="de-DE" dirty="0"/>
+            </a:br>
+            <a:r>
+              <a:rPr lang="de-DE" dirty="0" err="1"/>
+              <a:t>auftrag</a:t>
+            </a:r>
+            <a:endParaRPr lang="de-DE" dirty="0"/>
+          </a:p>
+        </p:txBody>
+      </p:sp>
+      <p:cxnSp>
+        <p:nvCxnSpPr>
+          <p:cNvPr id="63" name="Gerade Verbindung mit Pfeil 62">
+            <a:extLst>
+              <a:ext uri="{FF2B5EF4-FFF2-40B4-BE49-F238E27FC236}">
+                <a16:creationId xmlns:a16="http://schemas.microsoft.com/office/drawing/2014/main" id="{EF77C060-69E3-224E-952B-B54E2A6A27D9}"/>
+              </a:ext>
+            </a:extLst>
+          </p:cNvPr>
+          <p:cNvCxnSpPr>
+            <a:cxnSpLocks/>
+            <a:stCxn id="5" idx="2"/>
+            <a:endCxn id="62" idx="0"/>
+          </p:cNvCxnSpPr>
+          <p:nvPr/>
+        </p:nvCxnSpPr>
+        <p:spPr>
+          <a:xfrm>
+            <a:off x="5900965" y="2782284"/>
+            <a:ext cx="1695176" cy="741512"/>
+          </a:xfrm>
+          <a:prstGeom prst="straightConnector1">
+            <a:avLst/>
+          </a:prstGeom>
+          <a:ln w="38100">
+            <a:tailEnd type="triangle"/>
+          </a:ln>
+        </p:spPr>
+        <p:style>
+          <a:lnRef idx="1">
+            <a:schemeClr val="accent1"/>
+          </a:lnRef>
+          <a:fillRef idx="0">
+            <a:schemeClr val="accent1"/>
+          </a:fillRef>
+          <a:effectRef idx="0">
+            <a:schemeClr val="accent1"/>
+          </a:effectRef>
+          <a:fontRef idx="minor">
+            <a:schemeClr val="tx1"/>
+          </a:fontRef>
+        </p:style>
+      </p:cxnSp>
+      <p:cxnSp>
+        <p:nvCxnSpPr>
+          <p:cNvPr id="67" name="Gerade Verbindung mit Pfeil 66">
+            <a:extLst>
+              <a:ext uri="{FF2B5EF4-FFF2-40B4-BE49-F238E27FC236}">
+                <a16:creationId xmlns:a16="http://schemas.microsoft.com/office/drawing/2014/main" id="{0C5BEB8E-92C2-E341-BC63-5A4A0C09CCE9}"/>
+              </a:ext>
+            </a:extLst>
+          </p:cNvPr>
+          <p:cNvCxnSpPr>
+            <a:cxnSpLocks/>
+            <a:stCxn id="62" idx="2"/>
+            <a:endCxn id="28" idx="1"/>
+          </p:cNvCxnSpPr>
+          <p:nvPr/>
+        </p:nvCxnSpPr>
+        <p:spPr>
+          <a:xfrm>
+            <a:off x="7596141" y="4416425"/>
+            <a:ext cx="1012645" cy="271391"/>
+          </a:xfrm>
+          <a:prstGeom prst="straightConnector1">
+            <a:avLst/>
+          </a:prstGeom>
+          <a:ln w="38100">
+            <a:tailEnd type="triangle"/>
+          </a:ln>
+        </p:spPr>
+        <p:style>
+          <a:lnRef idx="1">
+            <a:schemeClr val="accent1"/>
+          </a:lnRef>
+          <a:fillRef idx="0">
+            <a:schemeClr val="accent1"/>
+          </a:fillRef>
+          <a:effectRef idx="0">
+            <a:schemeClr val="accent1"/>
+          </a:effectRef>
+          <a:fontRef idx="minor">
+            <a:schemeClr val="tx1"/>
+          </a:fontRef>
+        </p:style>
+      </p:cxnSp>
     </p:spTree>
     <p:extLst>
       <p:ext uri="{BB962C8B-B14F-4D97-AF65-F5344CB8AC3E}">
-        <p14:creationId xmlns:p14="http://schemas.microsoft.com/office/powerpoint/2010/main" val="110709154"/>
+        <p14:creationId xmlns:p14="http://schemas.microsoft.com/office/powerpoint/2010/main" val="1330920125"/>
       </p:ext>
     </p:extLst>
   </p:cSld>
@@ -22318,132 +22843,761 @@
       </p:grpSpPr>
       <p:sp>
         <p:nvSpPr>
-          <p:cNvPr id="2" name="Titel 1">
-            <a:extLst>
-              <a:ext uri="{FF2B5EF4-FFF2-40B4-BE49-F238E27FC236}">
-                <a16:creationId xmlns:a16="http://schemas.microsoft.com/office/drawing/2014/main" id="{0EC7A146-A8F2-A844-9033-A0ACC828AF47}"/>
-              </a:ext>
-            </a:extLst>
-          </p:cNvPr>
-          <p:cNvSpPr>
-            <a:spLocks noGrp="1"/>
-          </p:cNvSpPr>
-          <p:nvPr>
-            <p:ph type="title"/>
-          </p:nvPr>
-        </p:nvSpPr>
-        <p:spPr/>
-        <p:txBody>
-          <a:bodyPr/>
-          <a:lstStyle/>
-          <a:p>
-            <a:r>
-              <a:rPr lang="de-DE" dirty="0"/>
-              <a:t>Aufgaben</a:t>
-            </a:r>
-          </a:p>
-        </p:txBody>
-      </p:sp>
-      <p:sp>
-        <p:nvSpPr>
-          <p:cNvPr id="3" name="Inhaltsplatzhalter 2">
-            <a:extLst>
-              <a:ext uri="{FF2B5EF4-FFF2-40B4-BE49-F238E27FC236}">
-                <a16:creationId xmlns:a16="http://schemas.microsoft.com/office/drawing/2014/main" id="{2A5EBA90-6155-FD45-A74C-ECC42BCA72DF}"/>
-              </a:ext>
-            </a:extLst>
-          </p:cNvPr>
-          <p:cNvSpPr>
-            <a:spLocks noGrp="1"/>
-          </p:cNvSpPr>
-          <p:nvPr>
-            <p:ph idx="1"/>
-          </p:nvPr>
-        </p:nvSpPr>
-        <p:spPr/>
-        <p:txBody>
-          <a:bodyPr/>
-          <a:lstStyle/>
-          <a:p>
-            <a:r>
-              <a:rPr lang="de-DE" dirty="0"/>
-              <a:t>Microservice für Lager-DB</a:t>
-            </a:r>
-          </a:p>
-          <a:p>
-            <a:pPr lvl="1"/>
-            <a:r>
-              <a:rPr lang="de-DE" dirty="0"/>
-              <a:t>2. Team: Rest-Schnittstelle für Lager-DB</a:t>
-            </a:r>
-          </a:p>
-          <a:p>
-            <a:pPr lvl="2"/>
-            <a:r>
-              <a:rPr lang="de-DE" dirty="0"/>
-              <a:t>Vorgabe</a:t>
-            </a:r>
-          </a:p>
-          <a:p>
-            <a:pPr lvl="3"/>
-            <a:r>
-              <a:rPr lang="de-DE" dirty="0"/>
-              <a:t>Interface der Business-Logik (domain-</a:t>
-            </a:r>
-            <a:r>
-              <a:rPr lang="de-DE" dirty="0" err="1"/>
-              <a:t>api</a:t>
-            </a:r>
-            <a:r>
-              <a:rPr lang="de-DE" dirty="0"/>
-              <a:t>)</a:t>
-            </a:r>
-          </a:p>
-          <a:p>
-            <a:pPr lvl="2"/>
-            <a:r>
-              <a:rPr lang="de-DE" dirty="0"/>
-              <a:t>Aufgabe</a:t>
-            </a:r>
-          </a:p>
-          <a:p>
-            <a:pPr lvl="3"/>
-            <a:r>
-              <a:rPr lang="de-DE" dirty="0"/>
-              <a:t>Definition der Rest-Schnittstelle</a:t>
-            </a:r>
-          </a:p>
-          <a:p>
-            <a:pPr lvl="4"/>
-            <a:r>
-              <a:rPr lang="de-DE" dirty="0"/>
-              <a:t>Methoden, Pfade, JSON-Formate</a:t>
-            </a:r>
-          </a:p>
-          <a:p>
-            <a:pPr lvl="3"/>
-            <a:r>
-              <a:rPr lang="de-DE" dirty="0"/>
-              <a:t>Implementierung des Rest-Controllers</a:t>
-            </a:r>
-          </a:p>
-          <a:p>
-            <a:pPr lvl="3"/>
-            <a:r>
-              <a:rPr lang="de-DE" dirty="0"/>
-              <a:t>Bereitstellung Test-Aufrufe in Postman</a:t>
-            </a:r>
-          </a:p>
-          <a:p>
-            <a:pPr lvl="3"/>
+          <p:cNvPr id="4" name="Abgerundetes Rechteck 3">
+            <a:extLst>
+              <a:ext uri="{FF2B5EF4-FFF2-40B4-BE49-F238E27FC236}">
+                <a16:creationId xmlns:a16="http://schemas.microsoft.com/office/drawing/2014/main" id="{79BC28D4-3EF9-804B-82DA-C260F687E32D}"/>
+              </a:ext>
+            </a:extLst>
+          </p:cNvPr>
+          <p:cNvSpPr/>
+          <p:nvPr/>
+        </p:nvSpPr>
+        <p:spPr>
+          <a:xfrm>
+            <a:off x="3646715" y="337456"/>
+            <a:ext cx="4637314" cy="794658"/>
+          </a:xfrm>
+          <a:prstGeom prst="roundRect">
+            <a:avLst/>
+          </a:prstGeom>
+        </p:spPr>
+        <p:style>
+          <a:lnRef idx="2">
+            <a:schemeClr val="accent1">
+              <a:shade val="50000"/>
+            </a:schemeClr>
+          </a:lnRef>
+          <a:fillRef idx="1">
+            <a:schemeClr val="accent1"/>
+          </a:fillRef>
+          <a:effectRef idx="0">
+            <a:schemeClr val="accent1"/>
+          </a:effectRef>
+          <a:fontRef idx="minor">
+            <a:schemeClr val="lt1"/>
+          </a:fontRef>
+        </p:style>
+        <p:txBody>
+          <a:bodyPr rtlCol="0" anchor="ctr"/>
+          <a:lstStyle/>
+          <a:p>
+            <a:pPr algn="ctr"/>
+            <a:r>
+              <a:rPr lang="de-DE" dirty="0"/>
+              <a:t>Browser</a:t>
+            </a:r>
+            <a:br>
+              <a:rPr lang="de-DE" dirty="0"/>
+            </a:br>
+            <a:r>
+              <a:rPr lang="de-DE" dirty="0"/>
+              <a:t>HTML</a:t>
+            </a:r>
+          </a:p>
+        </p:txBody>
+      </p:sp>
+      <p:sp>
+        <p:nvSpPr>
+          <p:cNvPr id="5" name="Abgerundetes Rechteck 4">
+            <a:extLst>
+              <a:ext uri="{FF2B5EF4-FFF2-40B4-BE49-F238E27FC236}">
+                <a16:creationId xmlns:a16="http://schemas.microsoft.com/office/drawing/2014/main" id="{C9E7511D-A024-5043-B96A-C26F19AAB85E}"/>
+              </a:ext>
+            </a:extLst>
+          </p:cNvPr>
+          <p:cNvSpPr/>
+          <p:nvPr/>
+        </p:nvSpPr>
+        <p:spPr>
+          <a:xfrm>
+            <a:off x="4597879" y="1889655"/>
+            <a:ext cx="2606171" cy="892629"/>
+          </a:xfrm>
+          <a:prstGeom prst="roundRect">
+            <a:avLst/>
+          </a:prstGeom>
+          <a:solidFill>
+            <a:schemeClr val="accent2">
+              <a:lumMod val="60000"/>
+              <a:lumOff val="40000"/>
+            </a:schemeClr>
+          </a:solidFill>
+        </p:spPr>
+        <p:style>
+          <a:lnRef idx="2">
+            <a:schemeClr val="accent1">
+              <a:shade val="50000"/>
+            </a:schemeClr>
+          </a:lnRef>
+          <a:fillRef idx="1">
+            <a:schemeClr val="accent1"/>
+          </a:fillRef>
+          <a:effectRef idx="0">
+            <a:schemeClr val="accent1"/>
+          </a:effectRef>
+          <a:fontRef idx="minor">
+            <a:schemeClr val="lt1"/>
+          </a:fontRef>
+        </p:style>
+        <p:txBody>
+          <a:bodyPr rtlCol="0" anchor="ctr"/>
+          <a:lstStyle/>
+          <a:p>
+            <a:pPr algn="ctr"/>
+            <a:r>
+              <a:rPr lang="de-DE" dirty="0" err="1"/>
+              <a:t>MicroService</a:t>
+            </a:r>
+            <a:br>
+              <a:rPr lang="de-DE" dirty="0"/>
+            </a:br>
+            <a:r>
+              <a:rPr lang="de-DE" dirty="0" err="1"/>
+              <a:t>shop</a:t>
+            </a:r>
             <a:endParaRPr lang="de-DE" dirty="0"/>
+          </a:p>
+        </p:txBody>
+      </p:sp>
+      <p:cxnSp>
+        <p:nvCxnSpPr>
+          <p:cNvPr id="7" name="Gerade Verbindung mit Pfeil 6">
+            <a:extLst>
+              <a:ext uri="{FF2B5EF4-FFF2-40B4-BE49-F238E27FC236}">
+                <a16:creationId xmlns:a16="http://schemas.microsoft.com/office/drawing/2014/main" id="{7EA12433-B077-C346-B199-60BE14EA375F}"/>
+              </a:ext>
+            </a:extLst>
+          </p:cNvPr>
+          <p:cNvCxnSpPr>
+            <a:cxnSpLocks/>
+            <a:stCxn id="4" idx="2"/>
+            <a:endCxn id="5" idx="0"/>
+          </p:cNvCxnSpPr>
+          <p:nvPr/>
+        </p:nvCxnSpPr>
+        <p:spPr>
+          <a:xfrm flipH="1">
+            <a:off x="5900965" y="1132114"/>
+            <a:ext cx="64407" cy="757541"/>
+          </a:xfrm>
+          <a:prstGeom prst="straightConnector1">
+            <a:avLst/>
+          </a:prstGeom>
+          <a:ln w="38100">
+            <a:tailEnd type="triangle"/>
+          </a:ln>
+        </p:spPr>
+        <p:style>
+          <a:lnRef idx="1">
+            <a:schemeClr val="accent1"/>
+          </a:lnRef>
+          <a:fillRef idx="0">
+            <a:schemeClr val="accent1"/>
+          </a:fillRef>
+          <a:effectRef idx="0">
+            <a:schemeClr val="accent1"/>
+          </a:effectRef>
+          <a:fontRef idx="minor">
+            <a:schemeClr val="tx1"/>
+          </a:fontRef>
+        </p:style>
+      </p:cxnSp>
+      <p:cxnSp>
+        <p:nvCxnSpPr>
+          <p:cNvPr id="13" name="Gerade Verbindung mit Pfeil 12">
+            <a:extLst>
+              <a:ext uri="{FF2B5EF4-FFF2-40B4-BE49-F238E27FC236}">
+                <a16:creationId xmlns:a16="http://schemas.microsoft.com/office/drawing/2014/main" id="{38590E46-A719-2441-90F2-D877DA52215C}"/>
+              </a:ext>
+            </a:extLst>
+          </p:cNvPr>
+          <p:cNvCxnSpPr>
+            <a:cxnSpLocks/>
+            <a:stCxn id="5" idx="2"/>
+            <a:endCxn id="36" idx="0"/>
+          </p:cNvCxnSpPr>
+          <p:nvPr/>
+        </p:nvCxnSpPr>
+        <p:spPr>
+          <a:xfrm flipH="1">
+            <a:off x="4095889" y="2782284"/>
+            <a:ext cx="1805076" cy="792926"/>
+          </a:xfrm>
+          <a:prstGeom prst="straightConnector1">
+            <a:avLst/>
+          </a:prstGeom>
+          <a:ln w="38100">
+            <a:tailEnd type="triangle"/>
+          </a:ln>
+        </p:spPr>
+        <p:style>
+          <a:lnRef idx="1">
+            <a:schemeClr val="accent1"/>
+          </a:lnRef>
+          <a:fillRef idx="0">
+            <a:schemeClr val="accent1"/>
+          </a:fillRef>
+          <a:effectRef idx="0">
+            <a:schemeClr val="accent1"/>
+          </a:effectRef>
+          <a:fontRef idx="minor">
+            <a:schemeClr val="tx1"/>
+          </a:fontRef>
+        </p:style>
+      </p:cxnSp>
+      <p:sp>
+        <p:nvSpPr>
+          <p:cNvPr id="28" name="Magnetplattenspeicher 27">
+            <a:extLst>
+              <a:ext uri="{FF2B5EF4-FFF2-40B4-BE49-F238E27FC236}">
+                <a16:creationId xmlns:a16="http://schemas.microsoft.com/office/drawing/2014/main" id="{9343B73B-6448-4443-B86D-6669D318D430}"/>
+              </a:ext>
+            </a:extLst>
+          </p:cNvPr>
+          <p:cNvSpPr/>
+          <p:nvPr/>
+        </p:nvSpPr>
+        <p:spPr>
+          <a:xfrm>
+            <a:off x="8284029" y="4687816"/>
+            <a:ext cx="649514" cy="702128"/>
+          </a:xfrm>
+          <a:prstGeom prst="flowChartMagneticDisk">
+            <a:avLst/>
+          </a:prstGeom>
+        </p:spPr>
+        <p:style>
+          <a:lnRef idx="2">
+            <a:schemeClr val="accent1">
+              <a:shade val="50000"/>
+            </a:schemeClr>
+          </a:lnRef>
+          <a:fillRef idx="1">
+            <a:schemeClr val="accent1"/>
+          </a:fillRef>
+          <a:effectRef idx="0">
+            <a:schemeClr val="accent1"/>
+          </a:effectRef>
+          <a:fontRef idx="minor">
+            <a:schemeClr val="lt1"/>
+          </a:fontRef>
+        </p:style>
+        <p:txBody>
+          <a:bodyPr rtlCol="0" anchor="ctr"/>
+          <a:lstStyle/>
+          <a:p>
+            <a:pPr algn="ctr"/>
+            <a:endParaRPr lang="de-DE"/>
+          </a:p>
+        </p:txBody>
+      </p:sp>
+      <p:cxnSp>
+        <p:nvCxnSpPr>
+          <p:cNvPr id="35" name="Gerade Verbindung mit Pfeil 34">
+            <a:extLst>
+              <a:ext uri="{FF2B5EF4-FFF2-40B4-BE49-F238E27FC236}">
+                <a16:creationId xmlns:a16="http://schemas.microsoft.com/office/drawing/2014/main" id="{F60B072C-6DFB-7542-A5BF-A3FCB3709BF7}"/>
+              </a:ext>
+            </a:extLst>
+          </p:cNvPr>
+          <p:cNvCxnSpPr>
+            <a:cxnSpLocks/>
+            <a:stCxn id="36" idx="2"/>
+            <a:endCxn id="45" idx="1"/>
+          </p:cNvCxnSpPr>
+          <p:nvPr/>
+        </p:nvCxnSpPr>
+        <p:spPr>
+          <a:xfrm>
+            <a:off x="4095889" y="4467839"/>
+            <a:ext cx="1244310" cy="534386"/>
+          </a:xfrm>
+          <a:prstGeom prst="straightConnector1">
+            <a:avLst/>
+          </a:prstGeom>
+          <a:ln w="38100">
+            <a:tailEnd type="triangle"/>
+          </a:ln>
+        </p:spPr>
+        <p:style>
+          <a:lnRef idx="1">
+            <a:schemeClr val="accent1"/>
+          </a:lnRef>
+          <a:fillRef idx="0">
+            <a:schemeClr val="accent1"/>
+          </a:fillRef>
+          <a:effectRef idx="0">
+            <a:schemeClr val="accent1"/>
+          </a:effectRef>
+          <a:fontRef idx="minor">
+            <a:schemeClr val="tx1"/>
+          </a:fontRef>
+        </p:style>
+      </p:cxnSp>
+      <p:sp>
+        <p:nvSpPr>
+          <p:cNvPr id="43" name="Abgerundetes Rechteck 42">
+            <a:extLst>
+              <a:ext uri="{FF2B5EF4-FFF2-40B4-BE49-F238E27FC236}">
+                <a16:creationId xmlns:a16="http://schemas.microsoft.com/office/drawing/2014/main" id="{FC74CC00-0FC9-9F47-80DD-220CFFFBDC7A}"/>
+              </a:ext>
+            </a:extLst>
+          </p:cNvPr>
+          <p:cNvSpPr/>
+          <p:nvPr/>
+        </p:nvSpPr>
+        <p:spPr>
+          <a:xfrm>
+            <a:off x="984849" y="1738538"/>
+            <a:ext cx="2106591" cy="892629"/>
+          </a:xfrm>
+          <a:prstGeom prst="roundRect">
+            <a:avLst/>
+          </a:prstGeom>
+          <a:solidFill>
+            <a:schemeClr val="accent2">
+              <a:lumMod val="60000"/>
+              <a:lumOff val="40000"/>
+            </a:schemeClr>
+          </a:solidFill>
+        </p:spPr>
+        <p:style>
+          <a:lnRef idx="2">
+            <a:schemeClr val="accent1">
+              <a:shade val="50000"/>
+            </a:schemeClr>
+          </a:lnRef>
+          <a:fillRef idx="1">
+            <a:schemeClr val="accent1"/>
+          </a:fillRef>
+          <a:effectRef idx="0">
+            <a:schemeClr val="accent1"/>
+          </a:effectRef>
+          <a:fontRef idx="minor">
+            <a:schemeClr val="lt1"/>
+          </a:fontRef>
+        </p:style>
+        <p:txBody>
+          <a:bodyPr rtlCol="0" anchor="ctr"/>
+          <a:lstStyle/>
+          <a:p>
+            <a:pPr algn="ctr"/>
+            <a:r>
+              <a:rPr lang="de-DE" dirty="0" err="1"/>
+              <a:t>WebServer</a:t>
+            </a:r>
+            <a:endParaRPr lang="de-DE" dirty="0"/>
+          </a:p>
+        </p:txBody>
+      </p:sp>
+      <p:cxnSp>
+        <p:nvCxnSpPr>
+          <p:cNvPr id="44" name="Gerade Verbindung mit Pfeil 43">
+            <a:extLst>
+              <a:ext uri="{FF2B5EF4-FFF2-40B4-BE49-F238E27FC236}">
+                <a16:creationId xmlns:a16="http://schemas.microsoft.com/office/drawing/2014/main" id="{30CB8BCD-2332-9548-902D-CFD0570A4897}"/>
+              </a:ext>
+            </a:extLst>
+          </p:cNvPr>
+          <p:cNvCxnSpPr>
+            <a:cxnSpLocks/>
+            <a:stCxn id="4" idx="2"/>
+            <a:endCxn id="43" idx="0"/>
+          </p:cNvCxnSpPr>
+          <p:nvPr/>
+        </p:nvCxnSpPr>
+        <p:spPr>
+          <a:xfrm flipH="1">
+            <a:off x="2038145" y="1132114"/>
+            <a:ext cx="3927227" cy="606424"/>
+          </a:xfrm>
+          <a:prstGeom prst="straightConnector1">
+            <a:avLst/>
+          </a:prstGeom>
+          <a:ln w="38100">
+            <a:tailEnd type="triangle"/>
+          </a:ln>
+        </p:spPr>
+        <p:style>
+          <a:lnRef idx="1">
+            <a:schemeClr val="accent1"/>
+          </a:lnRef>
+          <a:fillRef idx="0">
+            <a:schemeClr val="accent1"/>
+          </a:fillRef>
+          <a:effectRef idx="0">
+            <a:schemeClr val="accent1"/>
+          </a:effectRef>
+          <a:fontRef idx="minor">
+            <a:schemeClr val="tx1"/>
+          </a:fontRef>
+        </p:style>
+      </p:cxnSp>
+      <p:sp>
+        <p:nvSpPr>
+          <p:cNvPr id="36" name="Abgerundetes Rechteck 35">
+            <a:extLst>
+              <a:ext uri="{FF2B5EF4-FFF2-40B4-BE49-F238E27FC236}">
+                <a16:creationId xmlns:a16="http://schemas.microsoft.com/office/drawing/2014/main" id="{54D430FF-2891-4B4D-92F9-4E4825667ACF}"/>
+              </a:ext>
+            </a:extLst>
+          </p:cNvPr>
+          <p:cNvSpPr/>
+          <p:nvPr/>
+        </p:nvSpPr>
+        <p:spPr>
+          <a:xfrm>
+            <a:off x="2896098" y="3575210"/>
+            <a:ext cx="2399581" cy="892629"/>
+          </a:xfrm>
+          <a:prstGeom prst="roundRect">
+            <a:avLst/>
+          </a:prstGeom>
+          <a:solidFill>
+            <a:schemeClr val="accent2">
+              <a:lumMod val="60000"/>
+              <a:lumOff val="40000"/>
+            </a:schemeClr>
+          </a:solidFill>
+        </p:spPr>
+        <p:style>
+          <a:lnRef idx="2">
+            <a:schemeClr val="accent1">
+              <a:shade val="50000"/>
+            </a:schemeClr>
+          </a:lnRef>
+          <a:fillRef idx="1">
+            <a:schemeClr val="accent1"/>
+          </a:fillRef>
+          <a:effectRef idx="0">
+            <a:schemeClr val="accent1"/>
+          </a:effectRef>
+          <a:fontRef idx="minor">
+            <a:schemeClr val="lt1"/>
+          </a:fontRef>
+        </p:style>
+        <p:txBody>
+          <a:bodyPr rtlCol="0" anchor="ctr"/>
+          <a:lstStyle/>
+          <a:p>
+            <a:pPr algn="ctr"/>
+            <a:r>
+              <a:rPr lang="de-DE" dirty="0" err="1"/>
+              <a:t>MicroService</a:t>
+            </a:r>
+            <a:br>
+              <a:rPr lang="de-DE" dirty="0"/>
+            </a:br>
+            <a:r>
+              <a:rPr lang="de-DE" dirty="0" err="1"/>
+              <a:t>person</a:t>
+            </a:r>
+            <a:endParaRPr lang="de-DE" dirty="0"/>
+          </a:p>
+        </p:txBody>
+      </p:sp>
+      <p:sp>
+        <p:nvSpPr>
+          <p:cNvPr id="45" name="Magnetplattenspeicher 44">
+            <a:extLst>
+              <a:ext uri="{FF2B5EF4-FFF2-40B4-BE49-F238E27FC236}">
+                <a16:creationId xmlns:a16="http://schemas.microsoft.com/office/drawing/2014/main" id="{B014ABC0-DA58-B548-9464-5CEC15ECA332}"/>
+              </a:ext>
+            </a:extLst>
+          </p:cNvPr>
+          <p:cNvSpPr/>
+          <p:nvPr/>
+        </p:nvSpPr>
+        <p:spPr>
+          <a:xfrm>
+            <a:off x="5015442" y="5002225"/>
+            <a:ext cx="649514" cy="702128"/>
+          </a:xfrm>
+          <a:prstGeom prst="flowChartMagneticDisk">
+            <a:avLst/>
+          </a:prstGeom>
+        </p:spPr>
+        <p:style>
+          <a:lnRef idx="2">
+            <a:schemeClr val="accent1">
+              <a:shade val="50000"/>
+            </a:schemeClr>
+          </a:lnRef>
+          <a:fillRef idx="1">
+            <a:schemeClr val="accent1"/>
+          </a:fillRef>
+          <a:effectRef idx="0">
+            <a:schemeClr val="accent1"/>
+          </a:effectRef>
+          <a:fontRef idx="minor">
+            <a:schemeClr val="lt1"/>
+          </a:fontRef>
+        </p:style>
+        <p:txBody>
+          <a:bodyPr rtlCol="0" anchor="ctr"/>
+          <a:lstStyle/>
+          <a:p>
+            <a:pPr algn="ctr"/>
+            <a:endParaRPr lang="de-DE"/>
+          </a:p>
+        </p:txBody>
+      </p:sp>
+      <p:sp>
+        <p:nvSpPr>
+          <p:cNvPr id="62" name="Abgerundetes Rechteck 61">
+            <a:extLst>
+              <a:ext uri="{FF2B5EF4-FFF2-40B4-BE49-F238E27FC236}">
+                <a16:creationId xmlns:a16="http://schemas.microsoft.com/office/drawing/2014/main" id="{CC6DBFE9-F260-864A-832C-FC081522D987}"/>
+              </a:ext>
+            </a:extLst>
+          </p:cNvPr>
+          <p:cNvSpPr/>
+          <p:nvPr/>
+        </p:nvSpPr>
+        <p:spPr>
+          <a:xfrm>
+            <a:off x="6396350" y="3523796"/>
+            <a:ext cx="2399581" cy="892629"/>
+          </a:xfrm>
+          <a:prstGeom prst="roundRect">
+            <a:avLst/>
+          </a:prstGeom>
+          <a:solidFill>
+            <a:schemeClr val="accent2">
+              <a:lumMod val="60000"/>
+              <a:lumOff val="40000"/>
+            </a:schemeClr>
+          </a:solidFill>
+        </p:spPr>
+        <p:style>
+          <a:lnRef idx="2">
+            <a:schemeClr val="accent1">
+              <a:shade val="50000"/>
+            </a:schemeClr>
+          </a:lnRef>
+          <a:fillRef idx="1">
+            <a:schemeClr val="accent1"/>
+          </a:fillRef>
+          <a:effectRef idx="0">
+            <a:schemeClr val="accent1"/>
+          </a:effectRef>
+          <a:fontRef idx="minor">
+            <a:schemeClr val="lt1"/>
+          </a:fontRef>
+        </p:style>
+        <p:txBody>
+          <a:bodyPr rtlCol="0" anchor="ctr"/>
+          <a:lstStyle/>
+          <a:p>
+            <a:pPr algn="ctr"/>
+            <a:r>
+              <a:rPr lang="de-DE" dirty="0" err="1"/>
+              <a:t>MicroService</a:t>
+            </a:r>
+            <a:br>
+              <a:rPr lang="de-DE" dirty="0"/>
+            </a:br>
+            <a:r>
+              <a:rPr lang="de-DE" dirty="0" err="1"/>
+              <a:t>auftrag</a:t>
+            </a:r>
+            <a:endParaRPr lang="de-DE" dirty="0"/>
+          </a:p>
+        </p:txBody>
+      </p:sp>
+      <p:cxnSp>
+        <p:nvCxnSpPr>
+          <p:cNvPr id="63" name="Gerade Verbindung mit Pfeil 62">
+            <a:extLst>
+              <a:ext uri="{FF2B5EF4-FFF2-40B4-BE49-F238E27FC236}">
+                <a16:creationId xmlns:a16="http://schemas.microsoft.com/office/drawing/2014/main" id="{EF77C060-69E3-224E-952B-B54E2A6A27D9}"/>
+              </a:ext>
+            </a:extLst>
+          </p:cNvPr>
+          <p:cNvCxnSpPr>
+            <a:cxnSpLocks/>
+            <a:stCxn id="5" idx="2"/>
+            <a:endCxn id="62" idx="0"/>
+          </p:cNvCxnSpPr>
+          <p:nvPr/>
+        </p:nvCxnSpPr>
+        <p:spPr>
+          <a:xfrm>
+            <a:off x="5900965" y="2782284"/>
+            <a:ext cx="1695176" cy="741512"/>
+          </a:xfrm>
+          <a:prstGeom prst="straightConnector1">
+            <a:avLst/>
+          </a:prstGeom>
+          <a:ln w="38100">
+            <a:tailEnd type="triangle"/>
+          </a:ln>
+        </p:spPr>
+        <p:style>
+          <a:lnRef idx="1">
+            <a:schemeClr val="accent1"/>
+          </a:lnRef>
+          <a:fillRef idx="0">
+            <a:schemeClr val="accent1"/>
+          </a:fillRef>
+          <a:effectRef idx="0">
+            <a:schemeClr val="accent1"/>
+          </a:effectRef>
+          <a:fontRef idx="minor">
+            <a:schemeClr val="tx1"/>
+          </a:fontRef>
+        </p:style>
+      </p:cxnSp>
+      <p:cxnSp>
+        <p:nvCxnSpPr>
+          <p:cNvPr id="67" name="Gerade Verbindung mit Pfeil 66">
+            <a:extLst>
+              <a:ext uri="{FF2B5EF4-FFF2-40B4-BE49-F238E27FC236}">
+                <a16:creationId xmlns:a16="http://schemas.microsoft.com/office/drawing/2014/main" id="{0C5BEB8E-92C2-E341-BC63-5A4A0C09CCE9}"/>
+              </a:ext>
+            </a:extLst>
+          </p:cNvPr>
+          <p:cNvCxnSpPr>
+            <a:cxnSpLocks/>
+            <a:stCxn id="62" idx="2"/>
+            <a:endCxn id="28" idx="1"/>
+          </p:cNvCxnSpPr>
+          <p:nvPr/>
+        </p:nvCxnSpPr>
+        <p:spPr>
+          <a:xfrm>
+            <a:off x="7596141" y="4416425"/>
+            <a:ext cx="1012645" cy="271391"/>
+          </a:xfrm>
+          <a:prstGeom prst="straightConnector1">
+            <a:avLst/>
+          </a:prstGeom>
+          <a:ln w="38100">
+            <a:tailEnd type="triangle"/>
+          </a:ln>
+        </p:spPr>
+        <p:style>
+          <a:lnRef idx="1">
+            <a:schemeClr val="accent1"/>
+          </a:lnRef>
+          <a:fillRef idx="0">
+            <a:schemeClr val="accent1"/>
+          </a:fillRef>
+          <a:effectRef idx="0">
+            <a:schemeClr val="accent1"/>
+          </a:effectRef>
+          <a:fontRef idx="minor">
+            <a:schemeClr val="tx1"/>
+          </a:fontRef>
+        </p:style>
+      </p:cxnSp>
+      <p:sp>
+        <p:nvSpPr>
+          <p:cNvPr id="2" name="Oval 1">
+            <a:extLst>
+              <a:ext uri="{FF2B5EF4-FFF2-40B4-BE49-F238E27FC236}">
+                <a16:creationId xmlns:a16="http://schemas.microsoft.com/office/drawing/2014/main" id="{7573AE3B-33F5-7EEA-8384-6BC512DBF68A}"/>
+              </a:ext>
+            </a:extLst>
+          </p:cNvPr>
+          <p:cNvSpPr/>
+          <p:nvPr/>
+        </p:nvSpPr>
+        <p:spPr>
+          <a:xfrm rot="20224498">
+            <a:off x="3751917" y="2946790"/>
+            <a:ext cx="2493019" cy="463912"/>
+          </a:xfrm>
+          <a:prstGeom prst="ellipse">
+            <a:avLst/>
+          </a:prstGeom>
+          <a:solidFill>
+            <a:srgbClr val="FF0000">
+              <a:alpha val="28000"/>
+            </a:srgbClr>
+          </a:solidFill>
+        </p:spPr>
+        <p:style>
+          <a:lnRef idx="2">
+            <a:schemeClr val="accent1">
+              <a:shade val="50000"/>
+            </a:schemeClr>
+          </a:lnRef>
+          <a:fillRef idx="1">
+            <a:schemeClr val="accent1"/>
+          </a:fillRef>
+          <a:effectRef idx="0">
+            <a:schemeClr val="accent1"/>
+          </a:effectRef>
+          <a:fontRef idx="minor">
+            <a:schemeClr val="lt1"/>
+          </a:fontRef>
+        </p:style>
+        <p:txBody>
+          <a:bodyPr rtlCol="0" anchor="ctr"/>
+          <a:lstStyle/>
+          <a:p>
+            <a:pPr algn="ctr"/>
+            <a:endParaRPr lang="de-DE"/>
+          </a:p>
+        </p:txBody>
+      </p:sp>
+      <p:sp>
+        <p:nvSpPr>
+          <p:cNvPr id="16" name="Oval 15">
+            <a:extLst>
+              <a:ext uri="{FF2B5EF4-FFF2-40B4-BE49-F238E27FC236}">
+                <a16:creationId xmlns:a16="http://schemas.microsoft.com/office/drawing/2014/main" id="{DBCBF31E-D06E-CDFF-3088-3C265A706F58}"/>
+              </a:ext>
+            </a:extLst>
+          </p:cNvPr>
+          <p:cNvSpPr/>
+          <p:nvPr/>
+        </p:nvSpPr>
+        <p:spPr>
+          <a:xfrm rot="1363421">
+            <a:off x="5465285" y="2878791"/>
+            <a:ext cx="2493019" cy="463912"/>
+          </a:xfrm>
+          <a:prstGeom prst="ellipse">
+            <a:avLst/>
+          </a:prstGeom>
+          <a:solidFill>
+            <a:srgbClr val="FF0000">
+              <a:alpha val="28000"/>
+            </a:srgbClr>
+          </a:solidFill>
+        </p:spPr>
+        <p:style>
+          <a:lnRef idx="2">
+            <a:schemeClr val="accent1">
+              <a:shade val="50000"/>
+            </a:schemeClr>
+          </a:lnRef>
+          <a:fillRef idx="1">
+            <a:schemeClr val="accent1"/>
+          </a:fillRef>
+          <a:effectRef idx="0">
+            <a:schemeClr val="accent1"/>
+          </a:effectRef>
+          <a:fontRef idx="minor">
+            <a:schemeClr val="lt1"/>
+          </a:fontRef>
+        </p:style>
+        <p:txBody>
+          <a:bodyPr rtlCol="0" anchor="ctr"/>
+          <a:lstStyle/>
+          <a:p>
+            <a:pPr algn="ctr"/>
+            <a:endParaRPr lang="de-DE"/>
           </a:p>
         </p:txBody>
       </p:sp>
     </p:spTree>
     <p:extLst>
       <p:ext uri="{BB962C8B-B14F-4D97-AF65-F5344CB8AC3E}">
-        <p14:creationId xmlns:p14="http://schemas.microsoft.com/office/powerpoint/2010/main" val="2985434515"/>
+        <p14:creationId xmlns:p14="http://schemas.microsoft.com/office/powerpoint/2010/main" val="2096469353"/>
       </p:ext>
     </p:extLst>
   </p:cSld>
@@ -22521,81 +23675,87 @@
           <a:p>
             <a:r>
               <a:rPr lang="de-DE" dirty="0"/>
-              <a:t>Warum Spring?</a:t>
+              <a:t>Microservice für Lager-DB</a:t>
             </a:r>
           </a:p>
           <a:p>
             <a:pPr lvl="1"/>
             <a:r>
               <a:rPr lang="de-DE" dirty="0"/>
-              <a:t>Fragen</a:t>
+              <a:t>1. Team: Persistenz mit Spring Data (Hibernate)</a:t>
             </a:r>
           </a:p>
           <a:p>
             <a:pPr lvl="2"/>
             <a:r>
               <a:rPr lang="de-DE" dirty="0"/>
-              <a:t>Was leistet Spring?</a:t>
+              <a:t>Vorgabe</a:t>
             </a:r>
           </a:p>
           <a:p>
             <a:pPr lvl="3"/>
             <a:r>
               <a:rPr lang="de-DE" dirty="0"/>
-              <a:t>Rest-</a:t>
-            </a:r>
-            <a:r>
-              <a:rPr lang="de-DE" dirty="0" err="1"/>
-              <a:t>Endpoint</a:t>
-            </a:r>
-            <a:endParaRPr lang="de-DE" dirty="0"/>
+              <a:t>Datenbankschema Lager-DB (Beispiel aus PR3)</a:t>
+            </a:r>
           </a:p>
           <a:p>
             <a:pPr lvl="3"/>
             <a:r>
-              <a:rPr lang="de-DE" dirty="0" err="1"/>
-              <a:t>Dependency-Injection</a:t>
-            </a:r>
-            <a:endParaRPr lang="de-DE" dirty="0"/>
+              <a:rPr lang="de-DE" dirty="0"/>
+              <a:t>Interface der Business-Logik (domain-</a:t>
+            </a:r>
+            <a:r>
+              <a:rPr lang="de-DE" dirty="0" err="1"/>
+              <a:t>api</a:t>
+            </a:r>
+            <a:r>
+              <a:rPr lang="de-DE" dirty="0"/>
+              <a:t>)</a:t>
+            </a:r>
+          </a:p>
+          <a:p>
+            <a:pPr lvl="2"/>
+            <a:r>
+              <a:rPr lang="de-DE" dirty="0"/>
+              <a:t>Aufgabe</a:t>
+            </a:r>
+          </a:p>
+          <a:p>
+            <a:pPr lvl="3"/>
+            <a:r>
+              <a:rPr lang="de-DE" dirty="0"/>
+              <a:t>Implementierung Business-Logik (domain-core)</a:t>
+            </a:r>
           </a:p>
           <a:p>
             <a:pPr lvl="4"/>
             <a:r>
               <a:rPr lang="de-DE" dirty="0"/>
-              <a:t>Auflösung von Mehrdeutigkeit</a:t>
-            </a:r>
-          </a:p>
-          <a:p>
-            <a:pPr lvl="2"/>
-            <a:r>
-              <a:rPr lang="de-DE" dirty="0"/>
-              <a:t>Wie tut Spring das?</a:t>
-            </a:r>
-          </a:p>
-          <a:p>
-            <a:pPr lvl="1"/>
-            <a:r>
-              <a:rPr lang="de-DE" dirty="0"/>
-              <a:t>Aufgabe</a:t>
-            </a:r>
-          </a:p>
-          <a:p>
-            <a:pPr lvl="2"/>
-            <a:r>
-              <a:rPr lang="de-DE" dirty="0"/>
-              <a:t>Präsentation mit Quelltext-Beispielen</a:t>
+              <a:t>Ersatz der Trigger-Logik durch Java-Implementierung</a:t>
             </a:r>
           </a:p>
           <a:p>
             <a:pPr lvl="3"/>
-            <a:endParaRPr lang="de-DE" dirty="0"/>
+            <a:r>
+              <a:rPr lang="de-DE" dirty="0"/>
+              <a:t>Implementierung Datenbank-Zugriff (Entitäten und Data Access </a:t>
+            </a:r>
+            <a:r>
+              <a:rPr lang="de-DE" dirty="0" err="1"/>
+              <a:t>Object</a:t>
+            </a:r>
+            <a:r>
+              <a:rPr lang="de-DE" dirty="0"/>
+              <a:t> (DAO))</a:t>
+            </a:r>
           </a:p>
         </p:txBody>
       </p:sp>
     </p:spTree>
     <p:extLst>
       <p:ext uri="{BB962C8B-B14F-4D97-AF65-F5344CB8AC3E}">
-        <p14:creationId xmlns:p14="http://schemas.microsoft.com/office/powerpoint/2010/main" val="1069662498"/>
+        <p14:creationId xmlns:p14="http://schemas.microsoft.com/office/powerpoint/2010/main" val="110709154"/>
       </p:ext>
     </p:extLst>
   </p:cSld>
@@ -22673,71 +23833,71 @@
           <a:p>
             <a:r>
               <a:rPr lang="de-DE" dirty="0"/>
-              <a:t>Warum Docker?</a:t>
+              <a:t>Microservice für Lager-DB</a:t>
             </a:r>
           </a:p>
           <a:p>
             <a:pPr lvl="1"/>
             <a:r>
               <a:rPr lang="de-DE" dirty="0"/>
-              <a:t>Fragen</a:t>
+              <a:t>2. Team: Rest-Schnittstelle für Lager-DB</a:t>
             </a:r>
           </a:p>
           <a:p>
             <a:pPr lvl="2"/>
             <a:r>
               <a:rPr lang="de-DE" dirty="0"/>
-              <a:t>Was leistet Docker?</a:t>
+              <a:t>Vorgabe</a:t>
             </a:r>
           </a:p>
           <a:p>
             <a:pPr lvl="3"/>
             <a:r>
               <a:rPr lang="de-DE" dirty="0"/>
-              <a:t>Was würde man tun, wenn man Docker nicht benutzt?</a:t>
+              <a:t>Interface der Business-Logik (domain-</a:t>
+            </a:r>
+            <a:r>
+              <a:rPr lang="de-DE" dirty="0" err="1"/>
+              <a:t>api</a:t>
+            </a:r>
+            <a:r>
+              <a:rPr lang="de-DE" dirty="0"/>
+              <a:t>)</a:t>
             </a:r>
           </a:p>
           <a:p>
             <a:pPr lvl="2"/>
             <a:r>
               <a:rPr lang="de-DE" dirty="0"/>
-              <a:t>Wie funktioniert das?</a:t>
+              <a:t>Aufgabe</a:t>
             </a:r>
           </a:p>
           <a:p>
             <a:pPr lvl="3"/>
             <a:r>
               <a:rPr lang="de-DE" dirty="0"/>
-              <a:t>Bereitstellung der Images</a:t>
+              <a:t>Definition der Rest-Schnittstelle</a:t>
+            </a:r>
+          </a:p>
+          <a:p>
+            <a:pPr lvl="4"/>
+            <a:r>
+              <a:rPr lang="de-DE" dirty="0"/>
+              <a:t>Methoden, Pfade, JSON-Formate</a:t>
             </a:r>
           </a:p>
           <a:p>
             <a:pPr lvl="3"/>
             <a:r>
-              <a:rPr lang="de-DE" dirty="0" err="1"/>
-              <a:t>Runtime</a:t>
-            </a:r>
-            <a:endParaRPr lang="de-DE" dirty="0"/>
-          </a:p>
-          <a:p>
-            <a:pPr lvl="4"/>
-            <a:r>
-              <a:rPr lang="de-DE" dirty="0"/>
-              <a:t>Virtuelle Netzwerke</a:t>
-            </a:r>
-          </a:p>
-          <a:p>
-            <a:pPr lvl="1"/>
-            <a:r>
-              <a:rPr lang="de-DE" dirty="0"/>
-              <a:t>Aufgabe</a:t>
-            </a:r>
-          </a:p>
-          <a:p>
-            <a:pPr lvl="2"/>
-            <a:r>
-              <a:rPr lang="de-DE" dirty="0"/>
-              <a:t>Präsentation mit Quelltext-Beispielen</a:t>
+              <a:rPr lang="de-DE" dirty="0"/>
+              <a:t>Implementierung des Rest-Controllers</a:t>
+            </a:r>
+          </a:p>
+          <a:p>
+            <a:pPr lvl="3"/>
+            <a:r>
+              <a:rPr lang="de-DE" dirty="0"/>
+              <a:t>Bereitstellung Test-Aufrufe in Postman</a:t>
             </a:r>
           </a:p>
           <a:p>
@@ -22749,7 +23909,7 @@
     </p:spTree>
     <p:extLst>
       <p:ext uri="{BB962C8B-B14F-4D97-AF65-F5344CB8AC3E}">
-        <p14:creationId xmlns:p14="http://schemas.microsoft.com/office/powerpoint/2010/main" val="1080260377"/>
+        <p14:creationId xmlns:p14="http://schemas.microsoft.com/office/powerpoint/2010/main" val="2985434515"/>
       </p:ext>
     </p:extLst>
   </p:cSld>
@@ -22992,7 +24152,7 @@
           <a:p>
             <a:r>
               <a:rPr lang="de-DE" dirty="0"/>
-              <a:t>Warum Maven?</a:t>
+              <a:t>Warum Spring?</a:t>
             </a:r>
           </a:p>
           <a:p>
@@ -23006,14 +24166,41 @@
             <a:pPr lvl="2"/>
             <a:r>
               <a:rPr lang="de-DE" dirty="0"/>
-              <a:t>Was leistet Maven?</a:t>
+              <a:t>Was leistet Spring?</a:t>
             </a:r>
           </a:p>
           <a:p>
             <a:pPr lvl="3"/>
             <a:r>
               <a:rPr lang="de-DE" dirty="0"/>
-              <a:t>Was würde man tun, wenn man Maven nicht benutzt?</a:t>
+              <a:t>Rest-</a:t>
+            </a:r>
+            <a:r>
+              <a:rPr lang="de-DE" dirty="0" err="1"/>
+              <a:t>Endpoint</a:t>
+            </a:r>
+            <a:endParaRPr lang="de-DE" dirty="0"/>
+          </a:p>
+          <a:p>
+            <a:pPr lvl="3"/>
+            <a:r>
+              <a:rPr lang="de-DE" dirty="0" err="1"/>
+              <a:t>Dependency-Injection</a:t>
+            </a:r>
+            <a:endParaRPr lang="de-DE" dirty="0"/>
+          </a:p>
+          <a:p>
+            <a:pPr lvl="4"/>
+            <a:r>
+              <a:rPr lang="de-DE" dirty="0"/>
+              <a:t>Auflösung von Mehrdeutigkeit</a:t>
+            </a:r>
+          </a:p>
+          <a:p>
+            <a:pPr lvl="2"/>
+            <a:r>
+              <a:rPr lang="de-DE" dirty="0"/>
+              <a:t>Wie tut Spring das?</a:t>
             </a:r>
           </a:p>
           <a:p>
@@ -23021,28 +24208,6 @@
             <a:r>
               <a:rPr lang="de-DE" dirty="0"/>
               <a:t>Aufgabe</a:t>
-            </a:r>
-          </a:p>
-          <a:p>
-            <a:pPr lvl="2"/>
-            <a:r>
-              <a:rPr lang="de-DE" dirty="0"/>
-              <a:t>Aufteilung von </a:t>
-            </a:r>
-            <a:r>
-              <a:rPr lang="de-DE" dirty="0" err="1"/>
-              <a:t>infrastructure</a:t>
-            </a:r>
-            <a:r>
-              <a:rPr lang="de-DE" dirty="0"/>
-              <a:t> (aus step0130) in mehrere Maven-Module</a:t>
-            </a:r>
-          </a:p>
-          <a:p>
-            <a:pPr lvl="2"/>
-            <a:r>
-              <a:rPr lang="de-DE" dirty="0"/>
-              <a:t>Zufügen (mindestens eines) Plugins zur statischen Code-Analyse</a:t>
             </a:r>
           </a:p>
           <a:p>
@@ -23061,7 +24226,7 @@
     </p:spTree>
     <p:extLst>
       <p:ext uri="{BB962C8B-B14F-4D97-AF65-F5344CB8AC3E}">
-        <p14:creationId xmlns:p14="http://schemas.microsoft.com/office/powerpoint/2010/main" val="2139192334"/>
+        <p14:creationId xmlns:p14="http://schemas.microsoft.com/office/powerpoint/2010/main" val="1069662498"/>
       </p:ext>
     </p:extLst>
   </p:cSld>
@@ -23139,15 +24304,60 @@
           <a:p>
             <a:r>
               <a:rPr lang="de-DE" dirty="0"/>
-              <a:t>Unit-Tests mit </a:t>
-            </a:r>
-            <a:r>
-              <a:rPr lang="de-DE" dirty="0" err="1"/>
-              <a:t>JGiven</a:t>
+              <a:t>Warum Docker?</a:t>
+            </a:r>
+          </a:p>
+          <a:p>
+            <a:pPr lvl="1"/>
+            <a:r>
+              <a:rPr lang="de-DE" dirty="0"/>
+              <a:t>Fragen</a:t>
+            </a:r>
+          </a:p>
+          <a:p>
+            <a:pPr lvl="2"/>
+            <a:r>
+              <a:rPr lang="de-DE" dirty="0"/>
+              <a:t>Was leistet Docker?</a:t>
+            </a:r>
+          </a:p>
+          <a:p>
+            <a:pPr lvl="3"/>
+            <a:r>
+              <a:rPr lang="de-DE" dirty="0"/>
+              <a:t>Was würde man tun, wenn man Docker nicht benutzt?</a:t>
+            </a:r>
+          </a:p>
+          <a:p>
+            <a:pPr lvl="2"/>
+            <a:r>
+              <a:rPr lang="de-DE" dirty="0"/>
+              <a:t>Wie funktioniert das?</a:t>
+            </a:r>
+          </a:p>
+          <a:p>
+            <a:pPr lvl="3"/>
+            <a:r>
+              <a:rPr lang="de-DE" dirty="0"/>
+              <a:t>Bereitstellung der Images</a:t>
+            </a:r>
+          </a:p>
+          <a:p>
+            <a:pPr lvl="3"/>
+            <a:r>
+              <a:rPr lang="de-DE" dirty="0" err="1"/>
+              <a:t>Runtime</a:t>
             </a:r>
             <a:endParaRPr lang="de-DE" dirty="0"/>
           </a:p>
           <a:p>
+            <a:pPr lvl="4"/>
+            <a:r>
+              <a:rPr lang="de-DE" dirty="0"/>
+              <a:t>Virtuelle Netzwerke</a:t>
+            </a:r>
+          </a:p>
+          <a:p>
             <a:pPr lvl="1"/>
             <a:r>
               <a:rPr lang="de-DE" dirty="0"/>
@@ -23158,59 +24368,11 @@
             <a:pPr lvl="2"/>
             <a:r>
               <a:rPr lang="de-DE" dirty="0"/>
-              <a:t>Zufügen der </a:t>
-            </a:r>
-            <a:r>
-              <a:rPr lang="de-DE" dirty="0" err="1"/>
-              <a:t>JGiven</a:t>
-            </a:r>
-            <a:r>
-              <a:rPr lang="de-DE" dirty="0"/>
-              <a:t>-Library zu allen sample-Microservices (</a:t>
-            </a:r>
-            <a:r>
-              <a:rPr lang="de-DE" dirty="0" err="1"/>
-              <a:t>shop</a:t>
-            </a:r>
-            <a:r>
-              <a:rPr lang="de-DE" dirty="0"/>
-              <a:t>, </a:t>
-            </a:r>
-            <a:r>
-              <a:rPr lang="de-DE" dirty="0" err="1"/>
-              <a:t>person</a:t>
-            </a:r>
-            <a:r>
-              <a:rPr lang="de-DE" dirty="0"/>
-              <a:t>, </a:t>
-            </a:r>
-            <a:r>
-              <a:rPr lang="de-DE" dirty="0" err="1"/>
-              <a:t>auftrag</a:t>
-            </a:r>
-            <a:r>
-              <a:rPr lang="de-DE" dirty="0"/>
-              <a:t>)</a:t>
-            </a:r>
-          </a:p>
-          <a:p>
-            <a:pPr lvl="2"/>
-            <a:r>
-              <a:rPr lang="de-DE" dirty="0"/>
-              <a:t>Implementierung von (je mindestens einem) Unit-Test </a:t>
-            </a:r>
-            <a:r>
-              <a:rPr lang="de-DE" dirty="0" err="1"/>
-              <a:t>innerhal</a:t>
-            </a:r>
-            <a:r>
-              <a:rPr lang="de-DE" dirty="0"/>
-              <a:t> </a:t>
-            </a:r>
-            <a:r>
-              <a:rPr lang="de-DE"/>
-              <a:t>jedes Microservice</a:t>
-            </a:r>
+              <a:t>Präsentation mit Quelltext-Beispielen</a:t>
+            </a:r>
+          </a:p>
+          <a:p>
+            <a:pPr lvl="3"/>
             <a:endParaRPr lang="de-DE" dirty="0"/>
           </a:p>
         </p:txBody>
@@ -23218,7 +24380,7 @@
     </p:spTree>
     <p:extLst>
       <p:ext uri="{BB962C8B-B14F-4D97-AF65-F5344CB8AC3E}">
-        <p14:creationId xmlns:p14="http://schemas.microsoft.com/office/powerpoint/2010/main" val="3166610306"/>
+        <p14:creationId xmlns:p14="http://schemas.microsoft.com/office/powerpoint/2010/main" val="1080260377"/>
       </p:ext>
     </p:extLst>
   </p:cSld>
@@ -23296,13 +24458,34 @@
           <a:p>
             <a:r>
               <a:rPr lang="de-DE" dirty="0"/>
-              <a:t>Automatisierte Integrations-Tests</a:t>
+              <a:t>Warum Maven?</a:t>
             </a:r>
           </a:p>
           <a:p>
             <a:pPr lvl="1"/>
             <a:r>
               <a:rPr lang="de-DE" dirty="0"/>
+              <a:t>Fragen</a:t>
+            </a:r>
+          </a:p>
+          <a:p>
+            <a:pPr lvl="2"/>
+            <a:r>
+              <a:rPr lang="de-DE" dirty="0"/>
+              <a:t>Was leistet Maven?</a:t>
+            </a:r>
+          </a:p>
+          <a:p>
+            <a:pPr lvl="3"/>
+            <a:r>
+              <a:rPr lang="de-DE" dirty="0"/>
+              <a:t>Was würde man tun, wenn man Maven nicht benutzt?</a:t>
+            </a:r>
+          </a:p>
+          <a:p>
+            <a:pPr lvl="1"/>
+            <a:r>
+              <a:rPr lang="de-DE" dirty="0"/>
               <a:t>Aufgabe</a:t>
             </a:r>
           </a:p>
@@ -23310,38 +24493,41 @@
             <a:pPr lvl="2"/>
             <a:r>
               <a:rPr lang="de-DE" dirty="0"/>
-              <a:t>Zufügen eines Integrations-Tests mit </a:t>
-            </a:r>
-            <a:r>
-              <a:rPr lang="de-DE" dirty="0" err="1"/>
-              <a:t>Cucumber</a:t>
-            </a:r>
+              <a:t>Aufteilung von </a:t>
+            </a:r>
+            <a:r>
+              <a:rPr lang="de-DE" dirty="0" err="1"/>
+              <a:t>infrastructure</a:t>
+            </a:r>
+            <a:r>
+              <a:rPr lang="de-DE" dirty="0"/>
+              <a:t> (aus step0130) in mehrere Maven-Module</a:t>
+            </a:r>
+          </a:p>
+          <a:p>
+            <a:pPr lvl="2"/>
+            <a:r>
+              <a:rPr lang="de-DE" dirty="0"/>
+              <a:t>Zufügen (mindestens eines) Plugins zur statischen Code-Analyse</a:t>
+            </a:r>
+          </a:p>
+          <a:p>
+            <a:pPr lvl="2"/>
+            <a:r>
+              <a:rPr lang="de-DE" dirty="0"/>
+              <a:t>Präsentation mit Quelltext-Beispielen</a:t>
+            </a:r>
+          </a:p>
+          <a:p>
+            <a:pPr lvl="3"/>
             <a:endParaRPr lang="de-DE" dirty="0"/>
-          </a:p>
-          <a:p>
-            <a:pPr lvl="2"/>
-            <a:endParaRPr lang="de-DE" dirty="0"/>
-          </a:p>
-          <a:p>
-            <a:pPr lvl="2"/>
-            <a:endParaRPr lang="de-DE" dirty="0"/>
-          </a:p>
-          <a:p>
-            <a:r>
-              <a:rPr lang="de-DE" dirty="0" err="1"/>
-              <a:t>Todo</a:t>
-            </a:r>
-            <a:r>
-              <a:rPr lang="de-DE" dirty="0"/>
-              <a:t>: Beispiel-Bild</a:t>
-            </a:r>
           </a:p>
         </p:txBody>
       </p:sp>
     </p:spTree>
     <p:extLst>
       <p:ext uri="{BB962C8B-B14F-4D97-AF65-F5344CB8AC3E}">
-        <p14:creationId xmlns:p14="http://schemas.microsoft.com/office/powerpoint/2010/main" val="1834254991"/>
+        <p14:creationId xmlns:p14="http://schemas.microsoft.com/office/powerpoint/2010/main" val="2139192334"/>
       </p:ext>
     </p:extLst>
   </p:cSld>
@@ -23391,6 +24577,286 @@
           <a:p>
             <a:r>
               <a:rPr lang="de-DE" dirty="0"/>
+              <a:t>Aufgaben</a:t>
+            </a:r>
+          </a:p>
+        </p:txBody>
+      </p:sp>
+      <p:sp>
+        <p:nvSpPr>
+          <p:cNvPr id="3" name="Inhaltsplatzhalter 2">
+            <a:extLst>
+              <a:ext uri="{FF2B5EF4-FFF2-40B4-BE49-F238E27FC236}">
+                <a16:creationId xmlns:a16="http://schemas.microsoft.com/office/drawing/2014/main" id="{2A5EBA90-6155-FD45-A74C-ECC42BCA72DF}"/>
+              </a:ext>
+            </a:extLst>
+          </p:cNvPr>
+          <p:cNvSpPr>
+            <a:spLocks noGrp="1"/>
+          </p:cNvSpPr>
+          <p:nvPr>
+            <p:ph idx="1"/>
+          </p:nvPr>
+        </p:nvSpPr>
+        <p:spPr/>
+        <p:txBody>
+          <a:bodyPr/>
+          <a:lstStyle/>
+          <a:p>
+            <a:r>
+              <a:rPr lang="de-DE" dirty="0"/>
+              <a:t>Unit-Tests mit </a:t>
+            </a:r>
+            <a:r>
+              <a:rPr lang="de-DE" dirty="0" err="1"/>
+              <a:t>JGiven</a:t>
+            </a:r>
+            <a:endParaRPr lang="de-DE" dirty="0"/>
+          </a:p>
+          <a:p>
+            <a:pPr lvl="1"/>
+            <a:r>
+              <a:rPr lang="de-DE" dirty="0"/>
+              <a:t>Aufgabe</a:t>
+            </a:r>
+          </a:p>
+          <a:p>
+            <a:pPr lvl="2"/>
+            <a:r>
+              <a:rPr lang="de-DE" dirty="0"/>
+              <a:t>Zufügen der </a:t>
+            </a:r>
+            <a:r>
+              <a:rPr lang="de-DE" dirty="0" err="1"/>
+              <a:t>JGiven</a:t>
+            </a:r>
+            <a:r>
+              <a:rPr lang="de-DE" dirty="0"/>
+              <a:t>-Library zu allen sample-Microservices (</a:t>
+            </a:r>
+            <a:r>
+              <a:rPr lang="de-DE" dirty="0" err="1"/>
+              <a:t>shop</a:t>
+            </a:r>
+            <a:r>
+              <a:rPr lang="de-DE" dirty="0"/>
+              <a:t>, </a:t>
+            </a:r>
+            <a:r>
+              <a:rPr lang="de-DE" dirty="0" err="1"/>
+              <a:t>person</a:t>
+            </a:r>
+            <a:r>
+              <a:rPr lang="de-DE" dirty="0"/>
+              <a:t>, </a:t>
+            </a:r>
+            <a:r>
+              <a:rPr lang="de-DE" dirty="0" err="1"/>
+              <a:t>auftrag</a:t>
+            </a:r>
+            <a:r>
+              <a:rPr lang="de-DE" dirty="0"/>
+              <a:t>)</a:t>
+            </a:r>
+          </a:p>
+          <a:p>
+            <a:pPr lvl="2"/>
+            <a:r>
+              <a:rPr lang="de-DE" dirty="0"/>
+              <a:t>Implementierung von (je mindestens einem) Unit-Test </a:t>
+            </a:r>
+            <a:r>
+              <a:rPr lang="de-DE" dirty="0" err="1"/>
+              <a:t>innerhal</a:t>
+            </a:r>
+            <a:r>
+              <a:rPr lang="de-DE" dirty="0"/>
+              <a:t> </a:t>
+            </a:r>
+            <a:r>
+              <a:rPr lang="de-DE"/>
+              <a:t>jedes Microservice</a:t>
+            </a:r>
+            <a:endParaRPr lang="de-DE" dirty="0"/>
+          </a:p>
+        </p:txBody>
+      </p:sp>
+    </p:spTree>
+    <p:extLst>
+      <p:ext uri="{BB962C8B-B14F-4D97-AF65-F5344CB8AC3E}">
+        <p14:creationId xmlns:p14="http://schemas.microsoft.com/office/powerpoint/2010/main" val="3166610306"/>
+      </p:ext>
+    </p:extLst>
+  </p:cSld>
+  <p:clrMapOvr>
+    <a:masterClrMapping/>
+  </p:clrMapOvr>
+</p:sld>
+</file>
+
+<file path=ppt/slides/slide74.xml><?xml version="1.0" encoding="utf-8"?>
+<p:sld xmlns:a="http://schemas.openxmlformats.org/drawingml/2006/main" xmlns:r="http://schemas.openxmlformats.org/officeDocument/2006/relationships" xmlns:p="http://schemas.openxmlformats.org/presentationml/2006/main">
+  <p:cSld>
+    <p:spTree>
+      <p:nvGrpSpPr>
+        <p:cNvPr id="1" name=""/>
+        <p:cNvGrpSpPr/>
+        <p:nvPr/>
+      </p:nvGrpSpPr>
+      <p:grpSpPr>
+        <a:xfrm>
+          <a:off x="0" y="0"/>
+          <a:ext cx="0" cy="0"/>
+          <a:chOff x="0" y="0"/>
+          <a:chExt cx="0" cy="0"/>
+        </a:xfrm>
+      </p:grpSpPr>
+      <p:sp>
+        <p:nvSpPr>
+          <p:cNvPr id="2" name="Titel 1">
+            <a:extLst>
+              <a:ext uri="{FF2B5EF4-FFF2-40B4-BE49-F238E27FC236}">
+                <a16:creationId xmlns:a16="http://schemas.microsoft.com/office/drawing/2014/main" id="{0EC7A146-A8F2-A844-9033-A0ACC828AF47}"/>
+              </a:ext>
+            </a:extLst>
+          </p:cNvPr>
+          <p:cNvSpPr>
+            <a:spLocks noGrp="1"/>
+          </p:cNvSpPr>
+          <p:nvPr>
+            <p:ph type="title"/>
+          </p:nvPr>
+        </p:nvSpPr>
+        <p:spPr/>
+        <p:txBody>
+          <a:bodyPr/>
+          <a:lstStyle/>
+          <a:p>
+            <a:r>
+              <a:rPr lang="de-DE" dirty="0"/>
+              <a:t>Aufgaben</a:t>
+            </a:r>
+          </a:p>
+        </p:txBody>
+      </p:sp>
+      <p:sp>
+        <p:nvSpPr>
+          <p:cNvPr id="3" name="Inhaltsplatzhalter 2">
+            <a:extLst>
+              <a:ext uri="{FF2B5EF4-FFF2-40B4-BE49-F238E27FC236}">
+                <a16:creationId xmlns:a16="http://schemas.microsoft.com/office/drawing/2014/main" id="{2A5EBA90-6155-FD45-A74C-ECC42BCA72DF}"/>
+              </a:ext>
+            </a:extLst>
+          </p:cNvPr>
+          <p:cNvSpPr>
+            <a:spLocks noGrp="1"/>
+          </p:cNvSpPr>
+          <p:nvPr>
+            <p:ph idx="1"/>
+          </p:nvPr>
+        </p:nvSpPr>
+        <p:spPr/>
+        <p:txBody>
+          <a:bodyPr/>
+          <a:lstStyle/>
+          <a:p>
+            <a:r>
+              <a:rPr lang="de-DE" dirty="0"/>
+              <a:t>Automatisierte Integrations-Tests</a:t>
+            </a:r>
+          </a:p>
+          <a:p>
+            <a:pPr lvl="1"/>
+            <a:r>
+              <a:rPr lang="de-DE" dirty="0"/>
+              <a:t>Aufgabe</a:t>
+            </a:r>
+          </a:p>
+          <a:p>
+            <a:pPr lvl="2"/>
+            <a:r>
+              <a:rPr lang="de-DE" dirty="0"/>
+              <a:t>Zufügen eines Integrations-Tests mit </a:t>
+            </a:r>
+            <a:r>
+              <a:rPr lang="de-DE" dirty="0" err="1"/>
+              <a:t>Cucumber</a:t>
+            </a:r>
+            <a:endParaRPr lang="de-DE" dirty="0"/>
+          </a:p>
+          <a:p>
+            <a:pPr lvl="2"/>
+            <a:endParaRPr lang="de-DE" dirty="0"/>
+          </a:p>
+          <a:p>
+            <a:pPr lvl="2"/>
+            <a:endParaRPr lang="de-DE" dirty="0"/>
+          </a:p>
+          <a:p>
+            <a:r>
+              <a:rPr lang="de-DE" dirty="0" err="1"/>
+              <a:t>Todo</a:t>
+            </a:r>
+            <a:r>
+              <a:rPr lang="de-DE" dirty="0"/>
+              <a:t>: Beispiel-Bild</a:t>
+            </a:r>
+          </a:p>
+        </p:txBody>
+      </p:sp>
+    </p:spTree>
+    <p:extLst>
+      <p:ext uri="{BB962C8B-B14F-4D97-AF65-F5344CB8AC3E}">
+        <p14:creationId xmlns:p14="http://schemas.microsoft.com/office/powerpoint/2010/main" val="1834254991"/>
+      </p:ext>
+    </p:extLst>
+  </p:cSld>
+  <p:clrMapOvr>
+    <a:masterClrMapping/>
+  </p:clrMapOvr>
+</p:sld>
+</file>
+
+<file path=ppt/slides/slide75.xml><?xml version="1.0" encoding="utf-8"?>
+<p:sld xmlns:a="http://schemas.openxmlformats.org/drawingml/2006/main" xmlns:r="http://schemas.openxmlformats.org/officeDocument/2006/relationships" xmlns:p="http://schemas.openxmlformats.org/presentationml/2006/main">
+  <p:cSld>
+    <p:spTree>
+      <p:nvGrpSpPr>
+        <p:cNvPr id="1" name=""/>
+        <p:cNvGrpSpPr/>
+        <p:nvPr/>
+      </p:nvGrpSpPr>
+      <p:grpSpPr>
+        <a:xfrm>
+          <a:off x="0" y="0"/>
+          <a:ext cx="0" cy="0"/>
+          <a:chOff x="0" y="0"/>
+          <a:chExt cx="0" cy="0"/>
+        </a:xfrm>
+      </p:grpSpPr>
+      <p:sp>
+        <p:nvSpPr>
+          <p:cNvPr id="2" name="Titel 1">
+            <a:extLst>
+              <a:ext uri="{FF2B5EF4-FFF2-40B4-BE49-F238E27FC236}">
+                <a16:creationId xmlns:a16="http://schemas.microsoft.com/office/drawing/2014/main" id="{0EC7A146-A8F2-A844-9033-A0ACC828AF47}"/>
+              </a:ext>
+            </a:extLst>
+          </p:cNvPr>
+          <p:cNvSpPr>
+            <a:spLocks noGrp="1"/>
+          </p:cNvSpPr>
+          <p:nvPr>
+            <p:ph type="title"/>
+          </p:nvPr>
+        </p:nvSpPr>
+        <p:spPr/>
+        <p:txBody>
+          <a:bodyPr/>
+          <a:lstStyle/>
+          <a:p>
+            <a:r>
+              <a:rPr lang="de-DE" dirty="0"/>
               <a:t>Nächste Schritte</a:t>
             </a:r>
           </a:p>
@@ -23471,7 +24937,7 @@
 </p:sld>
 </file>
 
-<file path=ppt/slides/slide74.xml><?xml version="1.0" encoding="utf-8"?>
+<file path=ppt/slides/slide76.xml><?xml version="1.0" encoding="utf-8"?>
 <p:sld xmlns:a="http://schemas.openxmlformats.org/drawingml/2006/main" xmlns:r="http://schemas.openxmlformats.org/officeDocument/2006/relationships" xmlns:p="http://schemas.openxmlformats.org/presentationml/2006/main">
   <p:cSld>
     <p:spTree>

--- a/Java-Starter.pptx
+++ b/Java-Starter.pptx
@@ -5,7 +5,7 @@
     <p:sldMasterId id="2147483648" r:id="rId1"/>
   </p:sldMasterIdLst>
   <p:notesMasterIdLst>
-    <p:notesMasterId r:id="rId78"/>
+    <p:notesMasterId r:id="rId76"/>
   </p:notesMasterIdLst>
   <p:sldIdLst>
     <p:sldId id="256" r:id="rId2"/>
@@ -64,8 +64,8 @@
     <p:sldId id="338" r:id="rId55"/>
     <p:sldId id="316" r:id="rId56"/>
     <p:sldId id="317" r:id="rId57"/>
-    <p:sldId id="319" r:id="rId58"/>
-    <p:sldId id="339" r:id="rId59"/>
+    <p:sldId id="318" r:id="rId58"/>
+    <p:sldId id="319" r:id="rId59"/>
     <p:sldId id="320" r:id="rId60"/>
     <p:sldId id="267" r:id="rId61"/>
     <p:sldId id="266" r:id="rId62"/>
@@ -73,17 +73,15 @@
     <p:sldId id="324" r:id="rId64"/>
     <p:sldId id="305" r:id="rId65"/>
     <p:sldId id="306" r:id="rId66"/>
-    <p:sldId id="340" r:id="rId67"/>
-    <p:sldId id="341" r:id="rId68"/>
-    <p:sldId id="331" r:id="rId69"/>
-    <p:sldId id="332" r:id="rId70"/>
-    <p:sldId id="333" r:id="rId71"/>
-    <p:sldId id="334" r:id="rId72"/>
-    <p:sldId id="335" r:id="rId73"/>
-    <p:sldId id="336" r:id="rId74"/>
-    <p:sldId id="337" r:id="rId75"/>
-    <p:sldId id="330" r:id="rId76"/>
-    <p:sldId id="315" r:id="rId77"/>
+    <p:sldId id="331" r:id="rId67"/>
+    <p:sldId id="332" r:id="rId68"/>
+    <p:sldId id="333" r:id="rId69"/>
+    <p:sldId id="334" r:id="rId70"/>
+    <p:sldId id="335" r:id="rId71"/>
+    <p:sldId id="336" r:id="rId72"/>
+    <p:sldId id="337" r:id="rId73"/>
+    <p:sldId id="330" r:id="rId74"/>
+    <p:sldId id="315" r:id="rId75"/>
   </p:sldIdLst>
   <p:sldSz cx="12192000" cy="6858000"/>
   <p:notesSz cx="6858000" cy="9144000"/>
@@ -272,7 +270,7 @@
           <a:p>
             <a:fld id="{64D387BD-2FDA-4640-824D-9ADFD7023C00}" type="datetimeFigureOut">
               <a:rPr lang="de-DE" smtClean="0"/>
-              <a:t>06.05.22</a:t>
+              <a:t>16.05.22</a:t>
             </a:fld>
             <a:endParaRPr lang="de-DE"/>
           </a:p>
@@ -770,7 +768,7 @@
           <a:p>
             <a:fld id="{D504FEAC-1E62-0E47-82AE-5BB4BD139FFA}" type="datetimeFigureOut">
               <a:rPr lang="de-DE" smtClean="0"/>
-              <a:t>06.05.22</a:t>
+              <a:t>16.05.22</a:t>
             </a:fld>
             <a:endParaRPr lang="de-DE"/>
           </a:p>
@@ -968,7 +966,7 @@
           <a:p>
             <a:fld id="{D504FEAC-1E62-0E47-82AE-5BB4BD139FFA}" type="datetimeFigureOut">
               <a:rPr lang="de-DE" smtClean="0"/>
-              <a:t>06.05.22</a:t>
+              <a:t>16.05.22</a:t>
             </a:fld>
             <a:endParaRPr lang="de-DE"/>
           </a:p>
@@ -1176,7 +1174,7 @@
           <a:p>
             <a:fld id="{D504FEAC-1E62-0E47-82AE-5BB4BD139FFA}" type="datetimeFigureOut">
               <a:rPr lang="de-DE" smtClean="0"/>
-              <a:t>06.05.22</a:t>
+              <a:t>16.05.22</a:t>
             </a:fld>
             <a:endParaRPr lang="de-DE"/>
           </a:p>
@@ -1374,7 +1372,7 @@
           <a:p>
             <a:fld id="{D504FEAC-1E62-0E47-82AE-5BB4BD139FFA}" type="datetimeFigureOut">
               <a:rPr lang="de-DE" smtClean="0"/>
-              <a:t>06.05.22</a:t>
+              <a:t>16.05.22</a:t>
             </a:fld>
             <a:endParaRPr lang="de-DE"/>
           </a:p>
@@ -1649,7 +1647,7 @@
           <a:p>
             <a:fld id="{D504FEAC-1E62-0E47-82AE-5BB4BD139FFA}" type="datetimeFigureOut">
               <a:rPr lang="de-DE" smtClean="0"/>
-              <a:t>06.05.22</a:t>
+              <a:t>16.05.22</a:t>
             </a:fld>
             <a:endParaRPr lang="de-DE"/>
           </a:p>
@@ -1914,7 +1912,7 @@
           <a:p>
             <a:fld id="{D504FEAC-1E62-0E47-82AE-5BB4BD139FFA}" type="datetimeFigureOut">
               <a:rPr lang="de-DE" smtClean="0"/>
-              <a:t>06.05.22</a:t>
+              <a:t>16.05.22</a:t>
             </a:fld>
             <a:endParaRPr lang="de-DE"/>
           </a:p>
@@ -2326,7 +2324,7 @@
           <a:p>
             <a:fld id="{D504FEAC-1E62-0E47-82AE-5BB4BD139FFA}" type="datetimeFigureOut">
               <a:rPr lang="de-DE" smtClean="0"/>
-              <a:t>06.05.22</a:t>
+              <a:t>16.05.22</a:t>
             </a:fld>
             <a:endParaRPr lang="de-DE"/>
           </a:p>
@@ -2467,7 +2465,7 @@
           <a:p>
             <a:fld id="{D504FEAC-1E62-0E47-82AE-5BB4BD139FFA}" type="datetimeFigureOut">
               <a:rPr lang="de-DE" smtClean="0"/>
-              <a:t>06.05.22</a:t>
+              <a:t>16.05.22</a:t>
             </a:fld>
             <a:endParaRPr lang="de-DE"/>
           </a:p>
@@ -2580,7 +2578,7 @@
           <a:p>
             <a:fld id="{D504FEAC-1E62-0E47-82AE-5BB4BD139FFA}" type="datetimeFigureOut">
               <a:rPr lang="de-DE" smtClean="0"/>
-              <a:t>06.05.22</a:t>
+              <a:t>16.05.22</a:t>
             </a:fld>
             <a:endParaRPr lang="de-DE"/>
           </a:p>
@@ -2891,7 +2889,7 @@
           <a:p>
             <a:fld id="{D504FEAC-1E62-0E47-82AE-5BB4BD139FFA}" type="datetimeFigureOut">
               <a:rPr lang="de-DE" smtClean="0"/>
-              <a:t>06.05.22</a:t>
+              <a:t>16.05.22</a:t>
             </a:fld>
             <a:endParaRPr lang="de-DE"/>
           </a:p>
@@ -3179,7 +3177,7 @@
           <a:p>
             <a:fld id="{D504FEAC-1E62-0E47-82AE-5BB4BD139FFA}" type="datetimeFigureOut">
               <a:rPr lang="de-DE" smtClean="0"/>
-              <a:t>06.05.22</a:t>
+              <a:t>16.05.22</a:t>
             </a:fld>
             <a:endParaRPr lang="de-DE"/>
           </a:p>
@@ -3420,7 +3418,7 @@
           <a:p>
             <a:fld id="{D504FEAC-1E62-0E47-82AE-5BB4BD139FFA}" type="datetimeFigureOut">
               <a:rPr lang="de-DE" smtClean="0"/>
-              <a:t>06.05.22</a:t>
+              <a:t>16.05.22</a:t>
             </a:fld>
             <a:endParaRPr lang="de-DE"/>
           </a:p>
@@ -17176,18 +17174,10 @@
           <a:lstStyle/>
           <a:p>
             <a:r>
-              <a:rPr lang="de-DE" dirty="0" err="1">
-                <a:solidFill>
-                  <a:schemeClr val="bg1"/>
-                </a:solidFill>
-              </a:rPr>
+              <a:rPr lang="de-DE" dirty="0" err="1"/>
               <a:t>MeinComputer</a:t>
             </a:r>
-            <a:endParaRPr lang="de-DE" dirty="0">
-              <a:solidFill>
-                <a:schemeClr val="bg1"/>
-              </a:solidFill>
-            </a:endParaRPr>
+            <a:endParaRPr lang="de-DE" dirty="0"/>
           </a:p>
         </p:txBody>
       </p:sp>
@@ -17450,18 +17440,10 @@
           <a:lstStyle/>
           <a:p>
             <a:r>
-              <a:rPr lang="de-DE" dirty="0" err="1">
-                <a:solidFill>
-                  <a:schemeClr val="bg1"/>
-                </a:solidFill>
-              </a:rPr>
+              <a:rPr lang="de-DE" dirty="0" err="1"/>
               <a:t>MeinComputer</a:t>
             </a:r>
-            <a:endParaRPr lang="de-DE" dirty="0">
-              <a:solidFill>
-                <a:schemeClr val="bg1"/>
-              </a:solidFill>
-            </a:endParaRPr>
+            <a:endParaRPr lang="de-DE" dirty="0"/>
           </a:p>
         </p:txBody>
       </p:sp>
@@ -17953,27 +17935,19 @@
           <a:lstStyle/>
           <a:p>
             <a:r>
-              <a:rPr lang="de-DE" dirty="0" err="1">
-                <a:solidFill>
-                  <a:schemeClr val="bg1"/>
-                </a:solidFill>
-              </a:rPr>
+              <a:rPr lang="de-DE" dirty="0" err="1"/>
               <a:t>MeinComputer</a:t>
             </a:r>
-            <a:endParaRPr lang="de-DE" dirty="0">
-              <a:solidFill>
-                <a:schemeClr val="bg1"/>
-              </a:solidFill>
-            </a:endParaRPr>
-          </a:p>
-        </p:txBody>
-      </p:sp>
-      <p:sp>
-        <p:nvSpPr>
-          <p:cNvPr id="4" name="Rechteck 3">
-            <a:extLst>
-              <a:ext uri="{FF2B5EF4-FFF2-40B4-BE49-F238E27FC236}">
-                <a16:creationId xmlns:a16="http://schemas.microsoft.com/office/drawing/2014/main" id="{0976E51F-A6A9-C790-9430-3BC124426D1C}"/>
+            <a:endParaRPr lang="de-DE" dirty="0"/>
+          </a:p>
+        </p:txBody>
+      </p:sp>
+      <p:sp>
+        <p:nvSpPr>
+          <p:cNvPr id="10" name="Rechteck 9">
+            <a:extLst>
+              <a:ext uri="{FF2B5EF4-FFF2-40B4-BE49-F238E27FC236}">
+                <a16:creationId xmlns:a16="http://schemas.microsoft.com/office/drawing/2014/main" id="{F703253C-59DE-F7F3-A2A3-7F96B2641A70}"/>
               </a:ext>
             </a:extLst>
           </p:cNvPr>
@@ -17982,147 +17956,7 @@
         </p:nvSpPr>
         <p:spPr>
           <a:xfrm>
-            <a:off x="5556738" y="3046696"/>
-            <a:ext cx="5715565" cy="3398292"/>
-          </a:xfrm>
-          <a:prstGeom prst="rect">
-            <a:avLst/>
-          </a:prstGeom>
-          <a:solidFill>
-            <a:schemeClr val="accent1">
-              <a:lumMod val="20000"/>
-              <a:lumOff val="80000"/>
-            </a:schemeClr>
-          </a:solidFill>
-        </p:spPr>
-        <p:style>
-          <a:lnRef idx="2">
-            <a:schemeClr val="accent1">
-              <a:shade val="50000"/>
-            </a:schemeClr>
-          </a:lnRef>
-          <a:fillRef idx="1">
-            <a:schemeClr val="accent1"/>
-          </a:fillRef>
-          <a:effectRef idx="0">
-            <a:schemeClr val="accent1"/>
-          </a:effectRef>
-          <a:fontRef idx="minor">
-            <a:schemeClr val="lt1"/>
-          </a:fontRef>
-        </p:style>
-        <p:txBody>
-          <a:bodyPr rtlCol="0" anchor="ctr"/>
-          <a:lstStyle/>
-          <a:p>
-            <a:pPr algn="ctr"/>
-            <a:endParaRPr lang="de-DE"/>
-          </a:p>
-        </p:txBody>
-      </p:sp>
-      <p:sp>
-        <p:nvSpPr>
-          <p:cNvPr id="2" name="Rechteck 1">
-            <a:extLst>
-              <a:ext uri="{FF2B5EF4-FFF2-40B4-BE49-F238E27FC236}">
-                <a16:creationId xmlns:a16="http://schemas.microsoft.com/office/drawing/2014/main" id="{B793B692-EA57-9663-72DD-3E1BE3E30AB8}"/>
-              </a:ext>
-            </a:extLst>
-          </p:cNvPr>
-          <p:cNvSpPr/>
-          <p:nvPr/>
-        </p:nvSpPr>
-        <p:spPr>
-          <a:xfrm>
-            <a:off x="7021643" y="3568412"/>
-            <a:ext cx="3029803" cy="2032673"/>
-          </a:xfrm>
-          <a:prstGeom prst="rect">
-            <a:avLst/>
-          </a:prstGeom>
-          <a:solidFill>
-            <a:schemeClr val="accent1">
-              <a:lumMod val="40000"/>
-              <a:lumOff val="60000"/>
-            </a:schemeClr>
-          </a:solidFill>
-        </p:spPr>
-        <p:style>
-          <a:lnRef idx="2">
-            <a:schemeClr val="accent1">
-              <a:shade val="50000"/>
-            </a:schemeClr>
-          </a:lnRef>
-          <a:fillRef idx="1">
-            <a:schemeClr val="accent1"/>
-          </a:fillRef>
-          <a:effectRef idx="0">
-            <a:schemeClr val="accent1"/>
-          </a:effectRef>
-          <a:fontRef idx="minor">
-            <a:schemeClr val="lt1"/>
-          </a:fontRef>
-        </p:style>
-        <p:txBody>
-          <a:bodyPr rtlCol="0" anchor="ctr"/>
-          <a:lstStyle/>
-          <a:p>
-            <a:pPr algn="ctr"/>
-            <a:endParaRPr lang="de-DE" dirty="0"/>
-          </a:p>
-        </p:txBody>
-      </p:sp>
-      <p:sp>
-        <p:nvSpPr>
-          <p:cNvPr id="3" name="Textfeld 2">
-            <a:extLst>
-              <a:ext uri="{FF2B5EF4-FFF2-40B4-BE49-F238E27FC236}">
-                <a16:creationId xmlns:a16="http://schemas.microsoft.com/office/drawing/2014/main" id="{FEFFED6A-7C71-D1EA-64A4-30DDD64C85F8}"/>
-              </a:ext>
-            </a:extLst>
-          </p:cNvPr>
-          <p:cNvSpPr txBox="1"/>
-          <p:nvPr/>
-        </p:nvSpPr>
-        <p:spPr>
-          <a:xfrm>
-            <a:off x="7574900" y="3697955"/>
-            <a:ext cx="428322" cy="369332"/>
-          </a:xfrm>
-          <a:prstGeom prst="rect">
-            <a:avLst/>
-          </a:prstGeom>
-          <a:noFill/>
-        </p:spPr>
-        <p:txBody>
-          <a:bodyPr wrap="none" rtlCol="0">
-            <a:spAutoFit/>
-          </a:bodyPr>
-          <a:lstStyle/>
-          <a:p>
-            <a:r>
-              <a:rPr lang="de-DE" dirty="0" err="1"/>
-              <a:t>db</a:t>
-            </a:r>
-            <a:endParaRPr lang="de-DE" dirty="0"/>
-          </a:p>
-        </p:txBody>
-      </p:sp>
-      <p:sp>
-        <p:nvSpPr>
-          <p:cNvPr id="11" name="Rechteck 10">
-            <a:extLst>
-              <a:ext uri="{FF2B5EF4-FFF2-40B4-BE49-F238E27FC236}">
-                <a16:creationId xmlns:a16="http://schemas.microsoft.com/office/drawing/2014/main" id="{430C7F14-FE0A-2A9A-875A-FE6B06E395EA}"/>
-              </a:ext>
-            </a:extLst>
-          </p:cNvPr>
-          <p:cNvSpPr/>
-          <p:nvPr/>
-        </p:nvSpPr>
-        <p:spPr>
-          <a:xfrm>
-            <a:off x="7350003" y="4101415"/>
+            <a:off x="3102429" y="3429000"/>
             <a:ext cx="2373085" cy="1404257"/>
           </a:xfrm>
           <a:prstGeom prst="rect">
@@ -18155,2147 +17989,32 @@
             <a:pPr algn="ctr"/>
             <a:r>
               <a:rPr lang="de-DE" dirty="0"/>
-              <a:t>Datenbank</a:t>
-            </a:r>
-          </a:p>
-        </p:txBody>
-      </p:sp>
-      <p:sp>
-        <p:nvSpPr>
-          <p:cNvPr id="5" name="Textfeld 4">
-            <a:extLst>
-              <a:ext uri="{FF2B5EF4-FFF2-40B4-BE49-F238E27FC236}">
-                <a16:creationId xmlns:a16="http://schemas.microsoft.com/office/drawing/2014/main" id="{8C61BD20-7A5C-E96C-4542-AC868DA6C617}"/>
-              </a:ext>
-            </a:extLst>
-          </p:cNvPr>
-          <p:cNvSpPr txBox="1"/>
+              <a:t>Person </a:t>
+            </a:r>
+            <a:r>
+              <a:rPr lang="de-DE" dirty="0" err="1"/>
+              <a:t>microservice</a:t>
+            </a:r>
+            <a:endParaRPr lang="de-DE" dirty="0"/>
+          </a:p>
+        </p:txBody>
+      </p:sp>
+      <p:sp>
+        <p:nvSpPr>
+          <p:cNvPr id="4" name="Rechteck 3">
+            <a:extLst>
+              <a:ext uri="{FF2B5EF4-FFF2-40B4-BE49-F238E27FC236}">
+                <a16:creationId xmlns:a16="http://schemas.microsoft.com/office/drawing/2014/main" id="{0976E51F-A6A9-C790-9430-3BC124426D1C}"/>
+              </a:ext>
+            </a:extLst>
+          </p:cNvPr>
+          <p:cNvSpPr/>
           <p:nvPr/>
         </p:nvSpPr>
         <p:spPr>
           <a:xfrm>
-            <a:off x="5703044" y="3103144"/>
-            <a:ext cx="839269" cy="369332"/>
-          </a:xfrm>
-          <a:prstGeom prst="rect">
-            <a:avLst/>
-          </a:prstGeom>
-          <a:noFill/>
-        </p:spPr>
-        <p:txBody>
-          <a:bodyPr wrap="none" rtlCol="0">
-            <a:spAutoFit/>
-          </a:bodyPr>
-          <a:lstStyle/>
-          <a:p>
-            <a:r>
-              <a:rPr lang="de-DE" dirty="0"/>
-              <a:t>Docker</a:t>
-            </a:r>
-          </a:p>
-        </p:txBody>
-      </p:sp>
-      <p:sp>
-        <p:nvSpPr>
-          <p:cNvPr id="10" name="Rechteck 9">
-            <a:extLst>
-              <a:ext uri="{FF2B5EF4-FFF2-40B4-BE49-F238E27FC236}">
-                <a16:creationId xmlns:a16="http://schemas.microsoft.com/office/drawing/2014/main" id="{F703253C-59DE-F7F3-A2A3-7F96B2641A70}"/>
-              </a:ext>
-            </a:extLst>
-          </p:cNvPr>
-          <p:cNvSpPr/>
-          <p:nvPr/>
-        </p:nvSpPr>
-        <p:spPr>
-          <a:xfrm>
-            <a:off x="2774135" y="3882621"/>
-            <a:ext cx="2373085" cy="1404257"/>
-          </a:xfrm>
-          <a:prstGeom prst="rect">
-            <a:avLst/>
-          </a:prstGeom>
-          <a:solidFill>
-            <a:schemeClr val="accent6"/>
-          </a:solidFill>
-        </p:spPr>
-        <p:style>
-          <a:lnRef idx="2">
-            <a:schemeClr val="accent1">
-              <a:shade val="50000"/>
-            </a:schemeClr>
-          </a:lnRef>
-          <a:fillRef idx="1">
-            <a:schemeClr val="accent1"/>
-          </a:fillRef>
-          <a:effectRef idx="0">
-            <a:schemeClr val="accent1"/>
-          </a:effectRef>
-          <a:fontRef idx="minor">
-            <a:schemeClr val="lt1"/>
-          </a:fontRef>
-        </p:style>
-        <p:txBody>
-          <a:bodyPr rtlCol="0" anchor="ctr"/>
-          <a:lstStyle/>
-          <a:p>
-            <a:pPr algn="ctr"/>
-            <a:r>
-              <a:rPr lang="de-DE" dirty="0"/>
-              <a:t>Person </a:t>
-            </a:r>
-            <a:r>
-              <a:rPr lang="de-DE" dirty="0" err="1"/>
-              <a:t>microservice</a:t>
-            </a:r>
-            <a:endParaRPr lang="de-DE" dirty="0"/>
-          </a:p>
-        </p:txBody>
-      </p:sp>
-      <p:sp>
-        <p:nvSpPr>
-          <p:cNvPr id="17" name="Rechteck 16">
-            <a:extLst>
-              <a:ext uri="{FF2B5EF4-FFF2-40B4-BE49-F238E27FC236}">
-                <a16:creationId xmlns:a16="http://schemas.microsoft.com/office/drawing/2014/main" id="{FAC8843C-E156-2013-39F6-279162EC4858}"/>
-              </a:ext>
-            </a:extLst>
-          </p:cNvPr>
-          <p:cNvSpPr/>
-          <p:nvPr/>
-        </p:nvSpPr>
-        <p:spPr>
-          <a:xfrm>
-            <a:off x="2953073" y="1684361"/>
-            <a:ext cx="2169617" cy="628447"/>
-          </a:xfrm>
-          <a:prstGeom prst="rect">
-            <a:avLst/>
-          </a:prstGeom>
-          <a:solidFill>
-            <a:schemeClr val="accent6"/>
-          </a:solidFill>
-        </p:spPr>
-        <p:style>
-          <a:lnRef idx="2">
-            <a:schemeClr val="accent1">
-              <a:shade val="50000"/>
-            </a:schemeClr>
-          </a:lnRef>
-          <a:fillRef idx="1">
-            <a:schemeClr val="accent1"/>
-          </a:fillRef>
-          <a:effectRef idx="0">
-            <a:schemeClr val="accent1"/>
-          </a:effectRef>
-          <a:fontRef idx="minor">
-            <a:schemeClr val="lt1"/>
-          </a:fontRef>
-        </p:style>
-        <p:txBody>
-          <a:bodyPr rtlCol="0" anchor="ctr"/>
-          <a:lstStyle/>
-          <a:p>
-            <a:pPr algn="ctr"/>
-            <a:r>
-              <a:rPr lang="de-DE" dirty="0"/>
-              <a:t>Browser</a:t>
-            </a:r>
-          </a:p>
-        </p:txBody>
-      </p:sp>
-      <p:sp>
-        <p:nvSpPr>
-          <p:cNvPr id="6" name="Rechteck 5">
-            <a:extLst>
-              <a:ext uri="{FF2B5EF4-FFF2-40B4-BE49-F238E27FC236}">
-                <a16:creationId xmlns:a16="http://schemas.microsoft.com/office/drawing/2014/main" id="{4C21BB95-9C8E-396A-BA72-0C7DD10E28BD}"/>
-              </a:ext>
-            </a:extLst>
-          </p:cNvPr>
-          <p:cNvSpPr/>
-          <p:nvPr/>
-        </p:nvSpPr>
-        <p:spPr>
-          <a:xfrm>
-            <a:off x="2791390" y="2627635"/>
-            <a:ext cx="4758844" cy="45719"/>
-          </a:xfrm>
-          <a:prstGeom prst="rect">
-            <a:avLst/>
-          </a:prstGeom>
-          <a:solidFill>
-            <a:schemeClr val="tx1"/>
-          </a:solidFill>
-        </p:spPr>
-        <p:style>
-          <a:lnRef idx="2">
-            <a:schemeClr val="accent1">
-              <a:shade val="50000"/>
-            </a:schemeClr>
-          </a:lnRef>
-          <a:fillRef idx="1">
-            <a:schemeClr val="accent1"/>
-          </a:fillRef>
-          <a:effectRef idx="0">
-            <a:schemeClr val="accent1"/>
-          </a:effectRef>
-          <a:fontRef idx="minor">
-            <a:schemeClr val="lt1"/>
-          </a:fontRef>
-        </p:style>
-        <p:txBody>
-          <a:bodyPr rtlCol="0" anchor="ctr"/>
-          <a:lstStyle/>
-          <a:p>
-            <a:pPr algn="ctr"/>
-            <a:endParaRPr lang="de-DE"/>
-          </a:p>
-        </p:txBody>
-      </p:sp>
-      <p:cxnSp>
-        <p:nvCxnSpPr>
-          <p:cNvPr id="19" name="Gerade Verbindung mit Pfeil 18">
-            <a:extLst>
-              <a:ext uri="{FF2B5EF4-FFF2-40B4-BE49-F238E27FC236}">
-                <a16:creationId xmlns:a16="http://schemas.microsoft.com/office/drawing/2014/main" id="{530BFEF6-AB67-1116-F56A-EE5D0894EA83}"/>
-              </a:ext>
-            </a:extLst>
-          </p:cNvPr>
-          <p:cNvCxnSpPr>
-            <a:cxnSpLocks/>
-            <a:endCxn id="10" idx="0"/>
-          </p:cNvCxnSpPr>
-          <p:nvPr/>
-        </p:nvCxnSpPr>
-        <p:spPr>
-          <a:xfrm>
-            <a:off x="3960678" y="2673354"/>
-            <a:ext cx="0" cy="1209267"/>
-          </a:xfrm>
-          <a:prstGeom prst="straightConnector1">
-            <a:avLst/>
-          </a:prstGeom>
-          <a:ln w="38100">
-            <a:solidFill>
-              <a:srgbClr val="FF0000"/>
-            </a:solidFill>
-            <a:tailEnd type="triangle"/>
-          </a:ln>
-        </p:spPr>
-        <p:style>
-          <a:lnRef idx="1">
-            <a:schemeClr val="accent1"/>
-          </a:lnRef>
-          <a:fillRef idx="0">
-            <a:schemeClr val="accent1"/>
-          </a:fillRef>
-          <a:effectRef idx="0">
-            <a:schemeClr val="accent1"/>
-          </a:effectRef>
-          <a:fontRef idx="minor">
-            <a:schemeClr val="tx1"/>
-          </a:fontRef>
-        </p:style>
-      </p:cxnSp>
-      <p:sp>
-        <p:nvSpPr>
-          <p:cNvPr id="24" name="Textfeld 23">
-            <a:extLst>
-              <a:ext uri="{FF2B5EF4-FFF2-40B4-BE49-F238E27FC236}">
-                <a16:creationId xmlns:a16="http://schemas.microsoft.com/office/drawing/2014/main" id="{0D1075ED-7B9F-3155-EC11-6BC68FA80A84}"/>
-              </a:ext>
-            </a:extLst>
-          </p:cNvPr>
-          <p:cNvSpPr txBox="1"/>
-          <p:nvPr/>
-        </p:nvSpPr>
-        <p:spPr>
-          <a:xfrm>
-            <a:off x="3980402" y="2645055"/>
-            <a:ext cx="1026563" cy="646331"/>
-          </a:xfrm>
-          <a:prstGeom prst="rect">
-            <a:avLst/>
-          </a:prstGeom>
-          <a:noFill/>
-        </p:spPr>
-        <p:txBody>
-          <a:bodyPr wrap="none" rtlCol="0">
-            <a:spAutoFit/>
-          </a:bodyPr>
-          <a:lstStyle/>
-          <a:p>
-            <a:r>
-              <a:rPr lang="de-DE" dirty="0" err="1">
-                <a:solidFill>
-                  <a:srgbClr val="FF0000"/>
-                </a:solidFill>
-              </a:rPr>
-              <a:t>localhost</a:t>
-            </a:r>
-            <a:br>
-              <a:rPr lang="de-DE" dirty="0">
-                <a:solidFill>
-                  <a:srgbClr val="FF0000"/>
-                </a:solidFill>
-              </a:rPr>
-            </a:br>
-            <a:r>
-              <a:rPr lang="de-DE" dirty="0">
-                <a:solidFill>
-                  <a:srgbClr val="FF0000"/>
-                </a:solidFill>
-              </a:rPr>
-              <a:t>8080</a:t>
-            </a:r>
-          </a:p>
-        </p:txBody>
-      </p:sp>
-      <p:sp>
-        <p:nvSpPr>
-          <p:cNvPr id="27" name="Rechteck 26">
-            <a:extLst>
-              <a:ext uri="{FF2B5EF4-FFF2-40B4-BE49-F238E27FC236}">
-                <a16:creationId xmlns:a16="http://schemas.microsoft.com/office/drawing/2014/main" id="{40C40330-E8ED-473F-BB53-1716E8E3BADB}"/>
-              </a:ext>
-            </a:extLst>
-          </p:cNvPr>
-          <p:cNvSpPr/>
-          <p:nvPr/>
-        </p:nvSpPr>
-        <p:spPr>
-          <a:xfrm rot="5400000" flipV="1">
-            <a:off x="5218382" y="4576510"/>
-            <a:ext cx="2032673" cy="45719"/>
-          </a:xfrm>
-          <a:prstGeom prst="rect">
-            <a:avLst/>
-          </a:prstGeom>
-          <a:solidFill>
-            <a:schemeClr val="tx1"/>
-          </a:solidFill>
-        </p:spPr>
-        <p:style>
-          <a:lnRef idx="2">
-            <a:schemeClr val="accent1">
-              <a:shade val="50000"/>
-            </a:schemeClr>
-          </a:lnRef>
-          <a:fillRef idx="1">
-            <a:schemeClr val="accent1"/>
-          </a:fillRef>
-          <a:effectRef idx="0">
-            <a:schemeClr val="accent1"/>
-          </a:effectRef>
-          <a:fontRef idx="minor">
-            <a:schemeClr val="lt1"/>
-          </a:fontRef>
-        </p:style>
-        <p:txBody>
-          <a:bodyPr rtlCol="0" anchor="ctr"/>
-          <a:lstStyle/>
-          <a:p>
-            <a:pPr algn="ctr"/>
-            <a:endParaRPr lang="de-DE"/>
-          </a:p>
-        </p:txBody>
-      </p:sp>
-      <p:cxnSp>
-        <p:nvCxnSpPr>
-          <p:cNvPr id="31" name="Gerade Verbindung mit Pfeil 30">
-            <a:extLst>
-              <a:ext uri="{FF2B5EF4-FFF2-40B4-BE49-F238E27FC236}">
-                <a16:creationId xmlns:a16="http://schemas.microsoft.com/office/drawing/2014/main" id="{51B06C8F-3089-1DE1-C93C-41B52F78B834}"/>
-              </a:ext>
-            </a:extLst>
-          </p:cNvPr>
-          <p:cNvCxnSpPr>
-            <a:cxnSpLocks/>
-            <a:endCxn id="2" idx="1"/>
-          </p:cNvCxnSpPr>
-          <p:nvPr/>
-        </p:nvCxnSpPr>
-        <p:spPr>
-          <a:xfrm>
-            <a:off x="6257578" y="4584747"/>
-            <a:ext cx="764065" cy="2"/>
-          </a:xfrm>
-          <a:prstGeom prst="straightConnector1">
-            <a:avLst/>
-          </a:prstGeom>
-          <a:ln w="38100">
-            <a:solidFill>
-              <a:srgbClr val="FF0000"/>
-            </a:solidFill>
-            <a:tailEnd type="triangle"/>
-          </a:ln>
-        </p:spPr>
-        <p:style>
-          <a:lnRef idx="1">
-            <a:schemeClr val="accent1"/>
-          </a:lnRef>
-          <a:fillRef idx="0">
-            <a:schemeClr val="accent1"/>
-          </a:fillRef>
-          <a:effectRef idx="0">
-            <a:schemeClr val="accent1"/>
-          </a:effectRef>
-          <a:fontRef idx="minor">
-            <a:schemeClr val="tx1"/>
-          </a:fontRef>
-        </p:style>
-      </p:cxnSp>
-      <p:sp>
-        <p:nvSpPr>
-          <p:cNvPr id="35" name="Textfeld 34">
-            <a:extLst>
-              <a:ext uri="{FF2B5EF4-FFF2-40B4-BE49-F238E27FC236}">
-                <a16:creationId xmlns:a16="http://schemas.microsoft.com/office/drawing/2014/main" id="{76E6BBFC-1B5D-1DC1-93FA-50F8434F62D9}"/>
-              </a:ext>
-            </a:extLst>
-          </p:cNvPr>
-          <p:cNvSpPr txBox="1"/>
-          <p:nvPr/>
-        </p:nvSpPr>
-        <p:spPr>
-          <a:xfrm>
-            <a:off x="6419284" y="4207194"/>
-            <a:ext cx="652743" cy="646331"/>
-          </a:xfrm>
-          <a:prstGeom prst="rect">
-            <a:avLst/>
-          </a:prstGeom>
-          <a:noFill/>
-        </p:spPr>
-        <p:txBody>
-          <a:bodyPr wrap="none" rtlCol="0">
-            <a:spAutoFit/>
-          </a:bodyPr>
-          <a:lstStyle/>
-          <a:p>
-            <a:r>
-              <a:rPr lang="de-DE" dirty="0" err="1">
-                <a:solidFill>
-                  <a:srgbClr val="FF0000"/>
-                </a:solidFill>
-              </a:rPr>
-              <a:t>db</a:t>
-            </a:r>
-            <a:br>
-              <a:rPr lang="de-DE" dirty="0">
-                <a:solidFill>
-                  <a:srgbClr val="FF0000"/>
-                </a:solidFill>
-              </a:rPr>
-            </a:br>
-            <a:r>
-              <a:rPr lang="de-DE" dirty="0">
-                <a:solidFill>
-                  <a:srgbClr val="FF0000"/>
-                </a:solidFill>
-              </a:rPr>
-              <a:t>5432</a:t>
-            </a:r>
-          </a:p>
-        </p:txBody>
-      </p:sp>
-      <p:sp>
-        <p:nvSpPr>
-          <p:cNvPr id="39" name="Bogen 38">
-            <a:extLst>
-              <a:ext uri="{FF2B5EF4-FFF2-40B4-BE49-F238E27FC236}">
-                <a16:creationId xmlns:a16="http://schemas.microsoft.com/office/drawing/2014/main" id="{96A7824F-1777-AF0C-4A16-75F527AD380E}"/>
-              </a:ext>
-            </a:extLst>
-          </p:cNvPr>
-          <p:cNvSpPr/>
-          <p:nvPr/>
-        </p:nvSpPr>
-        <p:spPr>
-          <a:xfrm>
-            <a:off x="4037881" y="2673354"/>
-            <a:ext cx="914400" cy="914400"/>
-          </a:xfrm>
-          <a:prstGeom prst="arc">
-            <a:avLst/>
-          </a:prstGeom>
-        </p:spPr>
-        <p:style>
-          <a:lnRef idx="1">
-            <a:schemeClr val="accent1"/>
-          </a:lnRef>
-          <a:fillRef idx="0">
-            <a:schemeClr val="accent1"/>
-          </a:fillRef>
-          <a:effectRef idx="0">
-            <a:schemeClr val="accent1"/>
-          </a:effectRef>
-          <a:fontRef idx="minor">
-            <a:schemeClr val="tx1"/>
-          </a:fontRef>
-        </p:style>
-        <p:txBody>
-          <a:bodyPr rtlCol="0" anchor="ctr"/>
-          <a:lstStyle/>
-          <a:p>
-            <a:pPr algn="ctr"/>
-            <a:endParaRPr lang="de-DE"/>
-          </a:p>
-        </p:txBody>
-      </p:sp>
-      <p:sp>
-        <p:nvSpPr>
-          <p:cNvPr id="45" name="Oval 44">
-            <a:extLst>
-              <a:ext uri="{FF2B5EF4-FFF2-40B4-BE49-F238E27FC236}">
-                <a16:creationId xmlns:a16="http://schemas.microsoft.com/office/drawing/2014/main" id="{FC2564D9-56F3-21C8-BBFA-F1D6D365C1FA}"/>
-              </a:ext>
-            </a:extLst>
-          </p:cNvPr>
-          <p:cNvSpPr/>
-          <p:nvPr/>
-        </p:nvSpPr>
-        <p:spPr>
-          <a:xfrm>
-            <a:off x="3033360" y="407222"/>
-            <a:ext cx="2642927" cy="593094"/>
-          </a:xfrm>
-          <a:prstGeom prst="ellipse">
-            <a:avLst/>
-          </a:prstGeom>
-          <a:solidFill>
-            <a:srgbClr val="FF0000">
-              <a:alpha val="23000"/>
-            </a:srgbClr>
-          </a:solidFill>
-        </p:spPr>
-        <p:style>
-          <a:lnRef idx="2">
-            <a:schemeClr val="accent1">
-              <a:shade val="50000"/>
-            </a:schemeClr>
-          </a:lnRef>
-          <a:fillRef idx="1">
-            <a:schemeClr val="accent1"/>
-          </a:fillRef>
-          <a:effectRef idx="0">
-            <a:schemeClr val="accent1"/>
-          </a:effectRef>
-          <a:fontRef idx="minor">
-            <a:schemeClr val="lt1"/>
-          </a:fontRef>
-        </p:style>
-        <p:txBody>
-          <a:bodyPr rtlCol="0" anchor="ctr"/>
-          <a:lstStyle/>
-          <a:p>
-            <a:pPr algn="ctr"/>
-            <a:endParaRPr lang="de-DE"/>
-          </a:p>
-        </p:txBody>
-      </p:sp>
-      <p:sp>
-        <p:nvSpPr>
-          <p:cNvPr id="46" name="Textfeld 45">
-            <a:extLst>
-              <a:ext uri="{FF2B5EF4-FFF2-40B4-BE49-F238E27FC236}">
-                <a16:creationId xmlns:a16="http://schemas.microsoft.com/office/drawing/2014/main" id="{5A03E1E0-20CD-AAE2-596C-A72F1743AB22}"/>
-              </a:ext>
-            </a:extLst>
-          </p:cNvPr>
-          <p:cNvSpPr txBox="1"/>
-          <p:nvPr/>
-        </p:nvSpPr>
-        <p:spPr>
-          <a:xfrm>
-            <a:off x="1235487" y="481510"/>
-            <a:ext cx="1717586" cy="369332"/>
-          </a:xfrm>
-          <a:prstGeom prst="rect">
-            <a:avLst/>
-          </a:prstGeom>
-          <a:noFill/>
-        </p:spPr>
-        <p:txBody>
-          <a:bodyPr wrap="none" rtlCol="0">
-            <a:spAutoFit/>
-          </a:bodyPr>
-          <a:lstStyle/>
-          <a:p>
-            <a:r>
-              <a:rPr lang="de-DE" dirty="0"/>
-              <a:t>Port </a:t>
-            </a:r>
-            <a:r>
-              <a:rPr lang="de-DE" dirty="0" err="1"/>
-              <a:t>forwarding</a:t>
-            </a:r>
-            <a:r>
-              <a:rPr lang="de-DE" dirty="0"/>
-              <a:t>:</a:t>
-            </a:r>
-          </a:p>
-        </p:txBody>
-      </p:sp>
-      <p:sp>
-        <p:nvSpPr>
-          <p:cNvPr id="29" name="Oval 28">
-            <a:extLst>
-              <a:ext uri="{FF2B5EF4-FFF2-40B4-BE49-F238E27FC236}">
-                <a16:creationId xmlns:a16="http://schemas.microsoft.com/office/drawing/2014/main" id="{707BEB12-C916-A745-1000-ADAF00456CF0}"/>
-              </a:ext>
-            </a:extLst>
-          </p:cNvPr>
-          <p:cNvSpPr/>
-          <p:nvPr/>
-        </p:nvSpPr>
-        <p:spPr>
-          <a:xfrm rot="5400000">
-            <a:off x="5233916" y="3106375"/>
-            <a:ext cx="2848977" cy="1007896"/>
-          </a:xfrm>
-          <a:prstGeom prst="ellipse">
-            <a:avLst/>
-          </a:prstGeom>
-          <a:solidFill>
-            <a:srgbClr val="FF0000">
-              <a:alpha val="23000"/>
-            </a:srgbClr>
-          </a:solidFill>
-        </p:spPr>
-        <p:style>
-          <a:lnRef idx="2">
-            <a:schemeClr val="accent1">
-              <a:shade val="50000"/>
-            </a:schemeClr>
-          </a:lnRef>
-          <a:fillRef idx="1">
-            <a:schemeClr val="accent1"/>
-          </a:fillRef>
-          <a:effectRef idx="0">
-            <a:schemeClr val="accent1"/>
-          </a:effectRef>
-          <a:fontRef idx="minor">
-            <a:schemeClr val="lt1"/>
-          </a:fontRef>
-        </p:style>
-        <p:txBody>
-          <a:bodyPr rtlCol="0" anchor="ctr"/>
-          <a:lstStyle/>
-          <a:p>
-            <a:pPr algn="ctr"/>
-            <a:endParaRPr lang="de-DE" dirty="0"/>
-          </a:p>
-        </p:txBody>
-      </p:sp>
-      <p:sp>
-        <p:nvSpPr>
-          <p:cNvPr id="30" name="Textfeld 29">
-            <a:extLst>
-              <a:ext uri="{FF2B5EF4-FFF2-40B4-BE49-F238E27FC236}">
-                <a16:creationId xmlns:a16="http://schemas.microsoft.com/office/drawing/2014/main" id="{BB335211-481F-C337-70A0-993E7A512672}"/>
-              </a:ext>
-            </a:extLst>
-          </p:cNvPr>
-          <p:cNvSpPr txBox="1"/>
-          <p:nvPr/>
-        </p:nvSpPr>
-        <p:spPr>
-          <a:xfrm>
-            <a:off x="6785320" y="2160673"/>
-            <a:ext cx="1026563" cy="646331"/>
-          </a:xfrm>
-          <a:prstGeom prst="rect">
-            <a:avLst/>
-          </a:prstGeom>
-          <a:noFill/>
-        </p:spPr>
-        <p:txBody>
-          <a:bodyPr wrap="none" rtlCol="0">
-            <a:spAutoFit/>
-          </a:bodyPr>
-          <a:lstStyle/>
-          <a:p>
-            <a:r>
-              <a:rPr lang="de-DE" dirty="0" err="1">
-                <a:solidFill>
-                  <a:srgbClr val="FF0000"/>
-                </a:solidFill>
-              </a:rPr>
-              <a:t>localhost</a:t>
-            </a:r>
-            <a:br>
-              <a:rPr lang="de-DE" dirty="0">
-                <a:solidFill>
-                  <a:srgbClr val="FF0000"/>
-                </a:solidFill>
-              </a:rPr>
-            </a:br>
-            <a:r>
-              <a:rPr lang="de-DE" dirty="0">
-                <a:solidFill>
-                  <a:srgbClr val="FF0000"/>
-                </a:solidFill>
-              </a:rPr>
-              <a:t>5432</a:t>
-            </a:r>
-          </a:p>
-        </p:txBody>
-      </p:sp>
-      <p:cxnSp>
-        <p:nvCxnSpPr>
-          <p:cNvPr id="32" name="Gerade Verbindung mit Pfeil 31">
-            <a:extLst>
-              <a:ext uri="{FF2B5EF4-FFF2-40B4-BE49-F238E27FC236}">
-                <a16:creationId xmlns:a16="http://schemas.microsoft.com/office/drawing/2014/main" id="{A2ED06EF-8F8D-4412-6824-B6A2E350461F}"/>
-              </a:ext>
-            </a:extLst>
-          </p:cNvPr>
-          <p:cNvCxnSpPr>
-            <a:cxnSpLocks/>
-            <a:stCxn id="17" idx="2"/>
-          </p:cNvCxnSpPr>
-          <p:nvPr/>
-        </p:nvCxnSpPr>
-        <p:spPr>
-          <a:xfrm flipH="1">
-            <a:off x="4037881" y="2312808"/>
-            <a:ext cx="1" cy="360546"/>
-          </a:xfrm>
-          <a:prstGeom prst="straightConnector1">
-            <a:avLst/>
-          </a:prstGeom>
-          <a:ln w="38100">
-            <a:solidFill>
-              <a:srgbClr val="FF0000"/>
-            </a:solidFill>
-            <a:tailEnd type="triangle"/>
-          </a:ln>
-        </p:spPr>
-        <p:style>
-          <a:lnRef idx="1">
-            <a:schemeClr val="accent1"/>
-          </a:lnRef>
-          <a:fillRef idx="0">
-            <a:schemeClr val="accent1"/>
-          </a:fillRef>
-          <a:effectRef idx="0">
-            <a:schemeClr val="accent1"/>
-          </a:effectRef>
-          <a:fontRef idx="minor">
-            <a:schemeClr val="tx1"/>
-          </a:fontRef>
-        </p:style>
-      </p:cxnSp>
-      <p:sp>
-        <p:nvSpPr>
-          <p:cNvPr id="33" name="Textfeld 32">
-            <a:extLst>
-              <a:ext uri="{FF2B5EF4-FFF2-40B4-BE49-F238E27FC236}">
-                <a16:creationId xmlns:a16="http://schemas.microsoft.com/office/drawing/2014/main" id="{B588909F-307A-C100-2D4B-C31E014D9E66}"/>
-              </a:ext>
-            </a:extLst>
-          </p:cNvPr>
-          <p:cNvSpPr txBox="1"/>
-          <p:nvPr/>
-        </p:nvSpPr>
-        <p:spPr>
-          <a:xfrm>
-            <a:off x="6785320" y="242420"/>
-            <a:ext cx="4558401" cy="923330"/>
-          </a:xfrm>
-          <a:prstGeom prst="rect">
-            <a:avLst/>
-          </a:prstGeom>
-          <a:noFill/>
-        </p:spPr>
-        <p:txBody>
-          <a:bodyPr wrap="square" rtlCol="0">
-            <a:spAutoFit/>
-          </a:bodyPr>
-          <a:lstStyle/>
-          <a:p>
-            <a:r>
-              <a:rPr lang="de-DE" dirty="0"/>
-              <a:t>Jeder Docker-Container verhält sich wie eine eigenständige Linux-Maschine</a:t>
-            </a:r>
-            <a:br>
-              <a:rPr lang="de-DE" dirty="0"/>
-            </a:br>
-            <a:r>
-              <a:rPr lang="de-DE" dirty="0"/>
-              <a:t>(nutzt Linux-Kernel-Virtualisierung)</a:t>
-            </a:r>
-          </a:p>
-        </p:txBody>
-      </p:sp>
-    </p:spTree>
-    <p:extLst>
-      <p:ext uri="{BB962C8B-B14F-4D97-AF65-F5344CB8AC3E}">
-        <p14:creationId xmlns:p14="http://schemas.microsoft.com/office/powerpoint/2010/main" val="4049937503"/>
-      </p:ext>
-    </p:extLst>
-  </p:cSld>
-  <p:clrMapOvr>
-    <a:masterClrMapping/>
-  </p:clrMapOvr>
-</p:sld>
-</file>
-
-<file path=ppt/slides/slide58.xml><?xml version="1.0" encoding="utf-8"?>
-<p:sld xmlns:a="http://schemas.openxmlformats.org/drawingml/2006/main" xmlns:r="http://schemas.openxmlformats.org/officeDocument/2006/relationships" xmlns:p="http://schemas.openxmlformats.org/presentationml/2006/main">
-  <p:cSld>
-    <p:spTree>
-      <p:nvGrpSpPr>
-        <p:cNvPr id="1" name=""/>
-        <p:cNvGrpSpPr/>
-        <p:nvPr/>
-      </p:nvGrpSpPr>
-      <p:grpSpPr>
-        <a:xfrm>
-          <a:off x="0" y="0"/>
-          <a:ext cx="0" cy="0"/>
-          <a:chOff x="0" y="0"/>
-          <a:chExt cx="0" cy="0"/>
-        </a:xfrm>
-      </p:grpSpPr>
-      <p:sp>
-        <p:nvSpPr>
-          <p:cNvPr id="8" name="Rechteck 7">
-            <a:extLst>
-              <a:ext uri="{FF2B5EF4-FFF2-40B4-BE49-F238E27FC236}">
-                <a16:creationId xmlns:a16="http://schemas.microsoft.com/office/drawing/2014/main" id="{FD829AED-643C-1E44-321E-7E0865B6FEAB}"/>
-              </a:ext>
-            </a:extLst>
-          </p:cNvPr>
-          <p:cNvSpPr/>
-          <p:nvPr/>
-        </p:nvSpPr>
-        <p:spPr>
-          <a:xfrm>
-            <a:off x="1197429" y="1426029"/>
-            <a:ext cx="10689771" cy="5159828"/>
-          </a:xfrm>
-          <a:prstGeom prst="rect">
-            <a:avLst/>
-          </a:prstGeom>
-        </p:spPr>
-        <p:style>
-          <a:lnRef idx="2">
-            <a:schemeClr val="accent1">
-              <a:shade val="50000"/>
-            </a:schemeClr>
-          </a:lnRef>
-          <a:fillRef idx="1">
-            <a:schemeClr val="accent1"/>
-          </a:fillRef>
-          <a:effectRef idx="0">
-            <a:schemeClr val="accent1"/>
-          </a:effectRef>
-          <a:fontRef idx="minor">
-            <a:schemeClr val="lt1"/>
-          </a:fontRef>
-        </p:style>
-        <p:txBody>
-          <a:bodyPr rtlCol="0" anchor="ctr"/>
-          <a:lstStyle/>
-          <a:p>
-            <a:pPr algn="ctr"/>
-            <a:endParaRPr lang="de-DE" dirty="0"/>
-          </a:p>
-        </p:txBody>
-      </p:sp>
-      <p:sp>
-        <p:nvSpPr>
-          <p:cNvPr id="9" name="Textfeld 8">
-            <a:extLst>
-              <a:ext uri="{FF2B5EF4-FFF2-40B4-BE49-F238E27FC236}">
-                <a16:creationId xmlns:a16="http://schemas.microsoft.com/office/drawing/2014/main" id="{A68B0423-37BC-34B2-B50A-18A96AFF7160}"/>
-              </a:ext>
-            </a:extLst>
-          </p:cNvPr>
-          <p:cNvSpPr txBox="1"/>
-          <p:nvPr/>
-        </p:nvSpPr>
-        <p:spPr>
-          <a:xfrm>
-            <a:off x="5734689" y="1828801"/>
-            <a:ext cx="1615250" cy="369332"/>
-          </a:xfrm>
-          <a:prstGeom prst="rect">
-            <a:avLst/>
-          </a:prstGeom>
-          <a:noFill/>
-        </p:spPr>
-        <p:txBody>
-          <a:bodyPr wrap="none" rtlCol="0">
-            <a:spAutoFit/>
-          </a:bodyPr>
-          <a:lstStyle/>
-          <a:p>
-            <a:r>
-              <a:rPr lang="de-DE" dirty="0" err="1">
-                <a:solidFill>
-                  <a:schemeClr val="bg1"/>
-                </a:solidFill>
-              </a:rPr>
-              <a:t>MeinComputer</a:t>
-            </a:r>
-            <a:endParaRPr lang="de-DE" dirty="0">
-              <a:solidFill>
-                <a:schemeClr val="bg1"/>
-              </a:solidFill>
-            </a:endParaRPr>
-          </a:p>
-        </p:txBody>
-      </p:sp>
-      <p:sp>
-        <p:nvSpPr>
-          <p:cNvPr id="4" name="Rechteck 3">
-            <a:extLst>
-              <a:ext uri="{FF2B5EF4-FFF2-40B4-BE49-F238E27FC236}">
-                <a16:creationId xmlns:a16="http://schemas.microsoft.com/office/drawing/2014/main" id="{0976E51F-A6A9-C790-9430-3BC124426D1C}"/>
-              </a:ext>
-            </a:extLst>
-          </p:cNvPr>
-          <p:cNvSpPr/>
-          <p:nvPr/>
-        </p:nvSpPr>
-        <p:spPr>
-          <a:xfrm>
-            <a:off x="1812324" y="3046696"/>
-            <a:ext cx="9459979" cy="3398292"/>
-          </a:xfrm>
-          <a:prstGeom prst="rect">
-            <a:avLst/>
-          </a:prstGeom>
-          <a:solidFill>
-            <a:schemeClr val="accent1">
-              <a:lumMod val="20000"/>
-              <a:lumOff val="80000"/>
-            </a:schemeClr>
-          </a:solidFill>
-        </p:spPr>
-        <p:style>
-          <a:lnRef idx="2">
-            <a:schemeClr val="accent1">
-              <a:shade val="50000"/>
-            </a:schemeClr>
-          </a:lnRef>
-          <a:fillRef idx="1">
-            <a:schemeClr val="accent1"/>
-          </a:fillRef>
-          <a:effectRef idx="0">
-            <a:schemeClr val="accent1"/>
-          </a:effectRef>
-          <a:fontRef idx="minor">
-            <a:schemeClr val="lt1"/>
-          </a:fontRef>
-        </p:style>
-        <p:txBody>
-          <a:bodyPr rtlCol="0" anchor="ctr"/>
-          <a:lstStyle/>
-          <a:p>
-            <a:pPr algn="ctr"/>
-            <a:endParaRPr lang="de-DE"/>
-          </a:p>
-        </p:txBody>
-      </p:sp>
-      <p:sp>
-        <p:nvSpPr>
-          <p:cNvPr id="2" name="Rechteck 1">
-            <a:extLst>
-              <a:ext uri="{FF2B5EF4-FFF2-40B4-BE49-F238E27FC236}">
-                <a16:creationId xmlns:a16="http://schemas.microsoft.com/office/drawing/2014/main" id="{B793B692-EA57-9663-72DD-3E1BE3E30AB8}"/>
-              </a:ext>
-            </a:extLst>
-          </p:cNvPr>
-          <p:cNvSpPr/>
-          <p:nvPr/>
-        </p:nvSpPr>
-        <p:spPr>
-          <a:xfrm>
-            <a:off x="7021643" y="3568412"/>
-            <a:ext cx="3029803" cy="2032673"/>
-          </a:xfrm>
-          <a:prstGeom prst="rect">
-            <a:avLst/>
-          </a:prstGeom>
-          <a:solidFill>
-            <a:schemeClr val="accent1">
-              <a:lumMod val="40000"/>
-              <a:lumOff val="60000"/>
-            </a:schemeClr>
-          </a:solidFill>
-        </p:spPr>
-        <p:style>
-          <a:lnRef idx="2">
-            <a:schemeClr val="accent1">
-              <a:shade val="50000"/>
-            </a:schemeClr>
-          </a:lnRef>
-          <a:fillRef idx="1">
-            <a:schemeClr val="accent1"/>
-          </a:fillRef>
-          <a:effectRef idx="0">
-            <a:schemeClr val="accent1"/>
-          </a:effectRef>
-          <a:fontRef idx="minor">
-            <a:schemeClr val="lt1"/>
-          </a:fontRef>
-        </p:style>
-        <p:txBody>
-          <a:bodyPr rtlCol="0" anchor="ctr"/>
-          <a:lstStyle/>
-          <a:p>
-            <a:pPr algn="ctr"/>
-            <a:endParaRPr lang="de-DE" dirty="0"/>
-          </a:p>
-        </p:txBody>
-      </p:sp>
-      <p:sp>
-        <p:nvSpPr>
-          <p:cNvPr id="12" name="Rechteck 11">
-            <a:extLst>
-              <a:ext uri="{FF2B5EF4-FFF2-40B4-BE49-F238E27FC236}">
-                <a16:creationId xmlns:a16="http://schemas.microsoft.com/office/drawing/2014/main" id="{6C4CF849-464A-1C85-BE35-B353E9AE870C}"/>
-              </a:ext>
-            </a:extLst>
-          </p:cNvPr>
-          <p:cNvSpPr/>
-          <p:nvPr/>
-        </p:nvSpPr>
-        <p:spPr>
-          <a:xfrm>
-            <a:off x="2445776" y="3568411"/>
-            <a:ext cx="3029803" cy="2032673"/>
-          </a:xfrm>
-          <a:prstGeom prst="rect">
-            <a:avLst/>
-          </a:prstGeom>
-          <a:solidFill>
-            <a:schemeClr val="accent1">
-              <a:lumMod val="40000"/>
-              <a:lumOff val="60000"/>
-            </a:schemeClr>
-          </a:solidFill>
-        </p:spPr>
-        <p:style>
-          <a:lnRef idx="2">
-            <a:schemeClr val="accent1">
-              <a:shade val="50000"/>
-            </a:schemeClr>
-          </a:lnRef>
-          <a:fillRef idx="1">
-            <a:schemeClr val="accent1"/>
-          </a:fillRef>
-          <a:effectRef idx="0">
-            <a:schemeClr val="accent1"/>
-          </a:effectRef>
-          <a:fontRef idx="minor">
-            <a:schemeClr val="lt1"/>
-          </a:fontRef>
-        </p:style>
-        <p:txBody>
-          <a:bodyPr rtlCol="0" anchor="ctr"/>
-          <a:lstStyle/>
-          <a:p>
-            <a:pPr algn="ctr"/>
-            <a:endParaRPr lang="de-DE" dirty="0"/>
-          </a:p>
-        </p:txBody>
-      </p:sp>
-      <p:sp>
-        <p:nvSpPr>
-          <p:cNvPr id="3" name="Textfeld 2">
-            <a:extLst>
-              <a:ext uri="{FF2B5EF4-FFF2-40B4-BE49-F238E27FC236}">
-                <a16:creationId xmlns:a16="http://schemas.microsoft.com/office/drawing/2014/main" id="{FEFFED6A-7C71-D1EA-64A4-30DDD64C85F8}"/>
-              </a:ext>
-            </a:extLst>
-          </p:cNvPr>
-          <p:cNvSpPr txBox="1"/>
-          <p:nvPr/>
-        </p:nvSpPr>
-        <p:spPr>
-          <a:xfrm>
-            <a:off x="7574900" y="3697955"/>
-            <a:ext cx="428322" cy="369332"/>
-          </a:xfrm>
-          <a:prstGeom prst="rect">
-            <a:avLst/>
-          </a:prstGeom>
-          <a:noFill/>
-        </p:spPr>
-        <p:txBody>
-          <a:bodyPr wrap="none" rtlCol="0">
-            <a:spAutoFit/>
-          </a:bodyPr>
-          <a:lstStyle/>
-          <a:p>
-            <a:r>
-              <a:rPr lang="de-DE" dirty="0" err="1"/>
-              <a:t>db</a:t>
-            </a:r>
-            <a:endParaRPr lang="de-DE" dirty="0"/>
-          </a:p>
-        </p:txBody>
-      </p:sp>
-      <p:sp>
-        <p:nvSpPr>
-          <p:cNvPr id="11" name="Rechteck 10">
-            <a:extLst>
-              <a:ext uri="{FF2B5EF4-FFF2-40B4-BE49-F238E27FC236}">
-                <a16:creationId xmlns:a16="http://schemas.microsoft.com/office/drawing/2014/main" id="{430C7F14-FE0A-2A9A-875A-FE6B06E395EA}"/>
-              </a:ext>
-            </a:extLst>
-          </p:cNvPr>
-          <p:cNvSpPr/>
-          <p:nvPr/>
-        </p:nvSpPr>
-        <p:spPr>
-          <a:xfrm>
-            <a:off x="7350003" y="4101415"/>
-            <a:ext cx="2373085" cy="1404257"/>
-          </a:xfrm>
-          <a:prstGeom prst="rect">
-            <a:avLst/>
-          </a:prstGeom>
-          <a:solidFill>
-            <a:schemeClr val="accent6"/>
-          </a:solidFill>
-        </p:spPr>
-        <p:style>
-          <a:lnRef idx="2">
-            <a:schemeClr val="accent1">
-              <a:shade val="50000"/>
-            </a:schemeClr>
-          </a:lnRef>
-          <a:fillRef idx="1">
-            <a:schemeClr val="accent1"/>
-          </a:fillRef>
-          <a:effectRef idx="0">
-            <a:schemeClr val="accent1"/>
-          </a:effectRef>
-          <a:fontRef idx="minor">
-            <a:schemeClr val="lt1"/>
-          </a:fontRef>
-        </p:style>
-        <p:txBody>
-          <a:bodyPr rtlCol="0" anchor="ctr"/>
-          <a:lstStyle/>
-          <a:p>
-            <a:pPr algn="ctr"/>
-            <a:r>
-              <a:rPr lang="de-DE" dirty="0"/>
-              <a:t>Datenbank</a:t>
-            </a:r>
-          </a:p>
-        </p:txBody>
-      </p:sp>
-      <p:cxnSp>
-        <p:nvCxnSpPr>
-          <p:cNvPr id="13" name="Gerade Verbindung mit Pfeil 12">
-            <a:extLst>
-              <a:ext uri="{FF2B5EF4-FFF2-40B4-BE49-F238E27FC236}">
-                <a16:creationId xmlns:a16="http://schemas.microsoft.com/office/drawing/2014/main" id="{96B270E3-22BA-C088-1968-C4CEDE244AD3}"/>
-              </a:ext>
-            </a:extLst>
-          </p:cNvPr>
-          <p:cNvCxnSpPr>
-            <a:cxnSpLocks/>
-          </p:cNvCxnSpPr>
-          <p:nvPr/>
-        </p:nvCxnSpPr>
-        <p:spPr>
-          <a:xfrm flipH="1">
-            <a:off x="5447794" y="4005943"/>
-            <a:ext cx="724981" cy="0"/>
-          </a:xfrm>
-          <a:prstGeom prst="straightConnector1">
-            <a:avLst/>
-          </a:prstGeom>
-          <a:ln w="38100">
-            <a:solidFill>
-              <a:srgbClr val="FF0000"/>
-            </a:solidFill>
-            <a:tailEnd type="triangle"/>
-          </a:ln>
-        </p:spPr>
-        <p:style>
-          <a:lnRef idx="1">
-            <a:schemeClr val="accent1"/>
-          </a:lnRef>
-          <a:fillRef idx="0">
-            <a:schemeClr val="accent1"/>
-          </a:fillRef>
-          <a:effectRef idx="0">
-            <a:schemeClr val="accent1"/>
-          </a:effectRef>
-          <a:fontRef idx="minor">
-            <a:schemeClr val="tx1"/>
-          </a:fontRef>
-        </p:style>
-      </p:cxnSp>
-      <p:sp>
-        <p:nvSpPr>
-          <p:cNvPr id="5" name="Textfeld 4">
-            <a:extLst>
-              <a:ext uri="{FF2B5EF4-FFF2-40B4-BE49-F238E27FC236}">
-                <a16:creationId xmlns:a16="http://schemas.microsoft.com/office/drawing/2014/main" id="{8C61BD20-7A5C-E96C-4542-AC868DA6C617}"/>
-              </a:ext>
-            </a:extLst>
-          </p:cNvPr>
-          <p:cNvSpPr txBox="1"/>
-          <p:nvPr/>
-        </p:nvSpPr>
-        <p:spPr>
-          <a:xfrm>
-            <a:off x="5703044" y="3103144"/>
-            <a:ext cx="839269" cy="369332"/>
-          </a:xfrm>
-          <a:prstGeom prst="rect">
-            <a:avLst/>
-          </a:prstGeom>
-          <a:noFill/>
-        </p:spPr>
-        <p:txBody>
-          <a:bodyPr wrap="none" rtlCol="0">
-            <a:spAutoFit/>
-          </a:bodyPr>
-          <a:lstStyle/>
-          <a:p>
-            <a:r>
-              <a:rPr lang="de-DE" dirty="0"/>
-              <a:t>Docker</a:t>
-            </a:r>
-          </a:p>
-        </p:txBody>
-      </p:sp>
-      <p:sp>
-        <p:nvSpPr>
-          <p:cNvPr id="10" name="Rechteck 9">
-            <a:extLst>
-              <a:ext uri="{FF2B5EF4-FFF2-40B4-BE49-F238E27FC236}">
-                <a16:creationId xmlns:a16="http://schemas.microsoft.com/office/drawing/2014/main" id="{F703253C-59DE-F7F3-A2A3-7F96B2641A70}"/>
-              </a:ext>
-            </a:extLst>
-          </p:cNvPr>
-          <p:cNvSpPr/>
-          <p:nvPr/>
-        </p:nvSpPr>
-        <p:spPr>
-          <a:xfrm>
-            <a:off x="2774135" y="3882621"/>
-            <a:ext cx="2373085" cy="1404257"/>
-          </a:xfrm>
-          <a:prstGeom prst="rect">
-            <a:avLst/>
-          </a:prstGeom>
-          <a:solidFill>
-            <a:schemeClr val="accent6"/>
-          </a:solidFill>
-        </p:spPr>
-        <p:style>
-          <a:lnRef idx="2">
-            <a:schemeClr val="accent1">
-              <a:shade val="50000"/>
-            </a:schemeClr>
-          </a:lnRef>
-          <a:fillRef idx="1">
-            <a:schemeClr val="accent1"/>
-          </a:fillRef>
-          <a:effectRef idx="0">
-            <a:schemeClr val="accent1"/>
-          </a:effectRef>
-          <a:fontRef idx="minor">
-            <a:schemeClr val="lt1"/>
-          </a:fontRef>
-        </p:style>
-        <p:txBody>
-          <a:bodyPr rtlCol="0" anchor="ctr"/>
-          <a:lstStyle/>
-          <a:p>
-            <a:pPr algn="ctr"/>
-            <a:r>
-              <a:rPr lang="de-DE" dirty="0"/>
-              <a:t>Person </a:t>
-            </a:r>
-            <a:r>
-              <a:rPr lang="de-DE" dirty="0" err="1"/>
-              <a:t>microservice</a:t>
-            </a:r>
-            <a:endParaRPr lang="de-DE" dirty="0"/>
-          </a:p>
-        </p:txBody>
-      </p:sp>
-      <p:sp>
-        <p:nvSpPr>
-          <p:cNvPr id="16" name="Textfeld 15">
-            <a:extLst>
-              <a:ext uri="{FF2B5EF4-FFF2-40B4-BE49-F238E27FC236}">
-                <a16:creationId xmlns:a16="http://schemas.microsoft.com/office/drawing/2014/main" id="{A7173BF9-E884-40FD-ED09-7955AC71F222}"/>
-              </a:ext>
-            </a:extLst>
-          </p:cNvPr>
-          <p:cNvSpPr txBox="1"/>
-          <p:nvPr/>
-        </p:nvSpPr>
-        <p:spPr>
-          <a:xfrm>
-            <a:off x="3525202" y="3494399"/>
-            <a:ext cx="1249958" cy="369332"/>
-          </a:xfrm>
-          <a:prstGeom prst="rect">
-            <a:avLst/>
-          </a:prstGeom>
-          <a:noFill/>
-        </p:spPr>
-        <p:txBody>
-          <a:bodyPr wrap="none" rtlCol="0">
-            <a:spAutoFit/>
-          </a:bodyPr>
-          <a:lstStyle/>
-          <a:p>
-            <a:r>
-              <a:rPr lang="de-DE" dirty="0" err="1"/>
-              <a:t>java</a:t>
-            </a:r>
-            <a:r>
-              <a:rPr lang="de-DE" dirty="0"/>
-              <a:t>-starter</a:t>
-            </a:r>
-          </a:p>
-        </p:txBody>
-      </p:sp>
-      <p:sp>
-        <p:nvSpPr>
-          <p:cNvPr id="17" name="Rechteck 16">
-            <a:extLst>
-              <a:ext uri="{FF2B5EF4-FFF2-40B4-BE49-F238E27FC236}">
-                <a16:creationId xmlns:a16="http://schemas.microsoft.com/office/drawing/2014/main" id="{FAC8843C-E156-2013-39F6-279162EC4858}"/>
-              </a:ext>
-            </a:extLst>
-          </p:cNvPr>
-          <p:cNvSpPr/>
-          <p:nvPr/>
-        </p:nvSpPr>
-        <p:spPr>
-          <a:xfrm>
-            <a:off x="2953073" y="1684361"/>
-            <a:ext cx="2169617" cy="628447"/>
-          </a:xfrm>
-          <a:prstGeom prst="rect">
-            <a:avLst/>
-          </a:prstGeom>
-          <a:solidFill>
-            <a:schemeClr val="accent6"/>
-          </a:solidFill>
-        </p:spPr>
-        <p:style>
-          <a:lnRef idx="2">
-            <a:schemeClr val="accent1">
-              <a:shade val="50000"/>
-            </a:schemeClr>
-          </a:lnRef>
-          <a:fillRef idx="1">
-            <a:schemeClr val="accent1"/>
-          </a:fillRef>
-          <a:effectRef idx="0">
-            <a:schemeClr val="accent1"/>
-          </a:effectRef>
-          <a:fontRef idx="minor">
-            <a:schemeClr val="lt1"/>
-          </a:fontRef>
-        </p:style>
-        <p:txBody>
-          <a:bodyPr rtlCol="0" anchor="ctr"/>
-          <a:lstStyle/>
-          <a:p>
-            <a:pPr algn="ctr"/>
-            <a:r>
-              <a:rPr lang="de-DE" dirty="0"/>
-              <a:t>Browser</a:t>
-            </a:r>
-          </a:p>
-        </p:txBody>
-      </p:sp>
-      <p:sp>
-        <p:nvSpPr>
-          <p:cNvPr id="6" name="Rechteck 5">
-            <a:extLst>
-              <a:ext uri="{FF2B5EF4-FFF2-40B4-BE49-F238E27FC236}">
-                <a16:creationId xmlns:a16="http://schemas.microsoft.com/office/drawing/2014/main" id="{4C21BB95-9C8E-396A-BA72-0C7DD10E28BD}"/>
-              </a:ext>
-            </a:extLst>
-          </p:cNvPr>
-          <p:cNvSpPr/>
-          <p:nvPr/>
-        </p:nvSpPr>
-        <p:spPr>
-          <a:xfrm>
-            <a:off x="2791390" y="2627635"/>
-            <a:ext cx="4758844" cy="45719"/>
-          </a:xfrm>
-          <a:prstGeom prst="rect">
-            <a:avLst/>
-          </a:prstGeom>
-          <a:solidFill>
-            <a:schemeClr val="tx1"/>
-          </a:solidFill>
-        </p:spPr>
-        <p:style>
-          <a:lnRef idx="2">
-            <a:schemeClr val="accent1">
-              <a:shade val="50000"/>
-            </a:schemeClr>
-          </a:lnRef>
-          <a:fillRef idx="1">
-            <a:schemeClr val="accent1"/>
-          </a:fillRef>
-          <a:effectRef idx="0">
-            <a:schemeClr val="accent1"/>
-          </a:effectRef>
-          <a:fontRef idx="minor">
-            <a:schemeClr val="lt1"/>
-          </a:fontRef>
-        </p:style>
-        <p:txBody>
-          <a:bodyPr rtlCol="0" anchor="ctr"/>
-          <a:lstStyle/>
-          <a:p>
-            <a:pPr algn="ctr"/>
-            <a:endParaRPr lang="de-DE"/>
-          </a:p>
-        </p:txBody>
-      </p:sp>
-      <p:cxnSp>
-        <p:nvCxnSpPr>
-          <p:cNvPr id="19" name="Gerade Verbindung mit Pfeil 18">
-            <a:extLst>
-              <a:ext uri="{FF2B5EF4-FFF2-40B4-BE49-F238E27FC236}">
-                <a16:creationId xmlns:a16="http://schemas.microsoft.com/office/drawing/2014/main" id="{530BFEF6-AB67-1116-F56A-EE5D0894EA83}"/>
-              </a:ext>
-            </a:extLst>
-          </p:cNvPr>
-          <p:cNvCxnSpPr>
-            <a:cxnSpLocks/>
-            <a:stCxn id="17" idx="2"/>
-          </p:cNvCxnSpPr>
-          <p:nvPr/>
-        </p:nvCxnSpPr>
-        <p:spPr>
-          <a:xfrm>
-            <a:off x="4037882" y="2312808"/>
-            <a:ext cx="0" cy="360546"/>
-          </a:xfrm>
-          <a:prstGeom prst="straightConnector1">
-            <a:avLst/>
-          </a:prstGeom>
-          <a:ln w="38100">
-            <a:solidFill>
-              <a:srgbClr val="FF0000"/>
-            </a:solidFill>
-            <a:tailEnd type="triangle"/>
-          </a:ln>
-        </p:spPr>
-        <p:style>
-          <a:lnRef idx="1">
-            <a:schemeClr val="accent1"/>
-          </a:lnRef>
-          <a:fillRef idx="0">
-            <a:schemeClr val="accent1"/>
-          </a:fillRef>
-          <a:effectRef idx="0">
-            <a:schemeClr val="accent1"/>
-          </a:effectRef>
-          <a:fontRef idx="minor">
-            <a:schemeClr val="tx1"/>
-          </a:fontRef>
-        </p:style>
-      </p:cxnSp>
-      <p:sp>
-        <p:nvSpPr>
-          <p:cNvPr id="24" name="Textfeld 23">
-            <a:extLst>
-              <a:ext uri="{FF2B5EF4-FFF2-40B4-BE49-F238E27FC236}">
-                <a16:creationId xmlns:a16="http://schemas.microsoft.com/office/drawing/2014/main" id="{0D1075ED-7B9F-3155-EC11-6BC68FA80A84}"/>
-              </a:ext>
-            </a:extLst>
-          </p:cNvPr>
-          <p:cNvSpPr txBox="1"/>
-          <p:nvPr/>
-        </p:nvSpPr>
-        <p:spPr>
-          <a:xfrm>
-            <a:off x="4037881" y="2292883"/>
-            <a:ext cx="1026563" cy="646331"/>
-          </a:xfrm>
-          <a:prstGeom prst="rect">
-            <a:avLst/>
-          </a:prstGeom>
-          <a:noFill/>
-        </p:spPr>
-        <p:txBody>
-          <a:bodyPr wrap="none" rtlCol="0">
-            <a:spAutoFit/>
-          </a:bodyPr>
-          <a:lstStyle/>
-          <a:p>
-            <a:r>
-              <a:rPr lang="de-DE" dirty="0" err="1">
-                <a:solidFill>
-                  <a:srgbClr val="FF0000"/>
-                </a:solidFill>
-              </a:rPr>
-              <a:t>localhost</a:t>
-            </a:r>
-            <a:br>
-              <a:rPr lang="de-DE" dirty="0">
-                <a:solidFill>
-                  <a:srgbClr val="FF0000"/>
-                </a:solidFill>
-              </a:rPr>
-            </a:br>
-            <a:r>
-              <a:rPr lang="de-DE" dirty="0">
-                <a:solidFill>
-                  <a:srgbClr val="FF0000"/>
-                </a:solidFill>
-              </a:rPr>
-              <a:t>8080</a:t>
-            </a:r>
-          </a:p>
-        </p:txBody>
-      </p:sp>
-      <p:sp>
-        <p:nvSpPr>
-          <p:cNvPr id="26" name="Textfeld 25">
-            <a:extLst>
-              <a:ext uri="{FF2B5EF4-FFF2-40B4-BE49-F238E27FC236}">
-                <a16:creationId xmlns:a16="http://schemas.microsoft.com/office/drawing/2014/main" id="{AEFBDB9A-8EF0-0131-CC19-EAFE9A6F50BB}"/>
-              </a:ext>
-            </a:extLst>
-          </p:cNvPr>
-          <p:cNvSpPr txBox="1"/>
-          <p:nvPr/>
-        </p:nvSpPr>
-        <p:spPr>
-          <a:xfrm>
-            <a:off x="5408317" y="3661152"/>
-            <a:ext cx="1269194" cy="646331"/>
-          </a:xfrm>
-          <a:prstGeom prst="rect">
-            <a:avLst/>
-          </a:prstGeom>
-          <a:noFill/>
-        </p:spPr>
-        <p:txBody>
-          <a:bodyPr wrap="none" rtlCol="0">
-            <a:spAutoFit/>
-          </a:bodyPr>
-          <a:lstStyle/>
-          <a:p>
-            <a:r>
-              <a:rPr lang="de-DE" dirty="0">
-                <a:solidFill>
-                  <a:srgbClr val="FF0000"/>
-                </a:solidFill>
-              </a:rPr>
-              <a:t>Java-starter</a:t>
-            </a:r>
-            <a:br>
-              <a:rPr lang="de-DE" dirty="0">
-                <a:solidFill>
-                  <a:srgbClr val="FF0000"/>
-                </a:solidFill>
-              </a:rPr>
-            </a:br>
-            <a:r>
-              <a:rPr lang="de-DE" dirty="0">
-                <a:solidFill>
-                  <a:srgbClr val="FF0000"/>
-                </a:solidFill>
-              </a:rPr>
-              <a:t>8080</a:t>
-            </a:r>
-          </a:p>
-        </p:txBody>
-      </p:sp>
-      <p:sp>
-        <p:nvSpPr>
-          <p:cNvPr id="27" name="Rechteck 26">
-            <a:extLst>
-              <a:ext uri="{FF2B5EF4-FFF2-40B4-BE49-F238E27FC236}">
-                <a16:creationId xmlns:a16="http://schemas.microsoft.com/office/drawing/2014/main" id="{40C40330-E8ED-473F-BB53-1716E8E3BADB}"/>
-              </a:ext>
-            </a:extLst>
-          </p:cNvPr>
-          <p:cNvSpPr/>
-          <p:nvPr/>
-        </p:nvSpPr>
-        <p:spPr>
-          <a:xfrm rot="5400000" flipV="1">
-            <a:off x="5218382" y="4576510"/>
-            <a:ext cx="2032673" cy="45719"/>
-          </a:xfrm>
-          <a:prstGeom prst="rect">
-            <a:avLst/>
-          </a:prstGeom>
-          <a:solidFill>
-            <a:schemeClr val="tx1"/>
-          </a:solidFill>
-        </p:spPr>
-        <p:style>
-          <a:lnRef idx="2">
-            <a:schemeClr val="accent1">
-              <a:shade val="50000"/>
-            </a:schemeClr>
-          </a:lnRef>
-          <a:fillRef idx="1">
-            <a:schemeClr val="accent1"/>
-          </a:fillRef>
-          <a:effectRef idx="0">
-            <a:schemeClr val="accent1"/>
-          </a:effectRef>
-          <a:fontRef idx="minor">
-            <a:schemeClr val="lt1"/>
-          </a:fontRef>
-        </p:style>
-        <p:txBody>
-          <a:bodyPr rtlCol="0" anchor="ctr"/>
-          <a:lstStyle/>
-          <a:p>
-            <a:pPr algn="ctr"/>
-            <a:endParaRPr lang="de-DE"/>
-          </a:p>
-        </p:txBody>
-      </p:sp>
-      <p:cxnSp>
-        <p:nvCxnSpPr>
-          <p:cNvPr id="31" name="Gerade Verbindung mit Pfeil 30">
-            <a:extLst>
-              <a:ext uri="{FF2B5EF4-FFF2-40B4-BE49-F238E27FC236}">
-                <a16:creationId xmlns:a16="http://schemas.microsoft.com/office/drawing/2014/main" id="{51B06C8F-3089-1DE1-C93C-41B52F78B834}"/>
-              </a:ext>
-            </a:extLst>
-          </p:cNvPr>
-          <p:cNvCxnSpPr>
-            <a:cxnSpLocks/>
-            <a:endCxn id="2" idx="1"/>
-          </p:cNvCxnSpPr>
-          <p:nvPr/>
-        </p:nvCxnSpPr>
-        <p:spPr>
-          <a:xfrm>
-            <a:off x="6257578" y="4584747"/>
-            <a:ext cx="764065" cy="2"/>
-          </a:xfrm>
-          <a:prstGeom prst="straightConnector1">
-            <a:avLst/>
-          </a:prstGeom>
-          <a:ln w="38100">
-            <a:solidFill>
-              <a:srgbClr val="FF0000"/>
-            </a:solidFill>
-            <a:tailEnd type="triangle"/>
-          </a:ln>
-        </p:spPr>
-        <p:style>
-          <a:lnRef idx="1">
-            <a:schemeClr val="accent1"/>
-          </a:lnRef>
-          <a:fillRef idx="0">
-            <a:schemeClr val="accent1"/>
-          </a:fillRef>
-          <a:effectRef idx="0">
-            <a:schemeClr val="accent1"/>
-          </a:effectRef>
-          <a:fontRef idx="minor">
-            <a:schemeClr val="tx1"/>
-          </a:fontRef>
-        </p:style>
-      </p:cxnSp>
-      <p:sp>
-        <p:nvSpPr>
-          <p:cNvPr id="35" name="Textfeld 34">
-            <a:extLst>
-              <a:ext uri="{FF2B5EF4-FFF2-40B4-BE49-F238E27FC236}">
-                <a16:creationId xmlns:a16="http://schemas.microsoft.com/office/drawing/2014/main" id="{76E6BBFC-1B5D-1DC1-93FA-50F8434F62D9}"/>
-              </a:ext>
-            </a:extLst>
-          </p:cNvPr>
-          <p:cNvSpPr txBox="1"/>
-          <p:nvPr/>
-        </p:nvSpPr>
-        <p:spPr>
-          <a:xfrm>
-            <a:off x="6419284" y="4207194"/>
-            <a:ext cx="652743" cy="646331"/>
-          </a:xfrm>
-          <a:prstGeom prst="rect">
-            <a:avLst/>
-          </a:prstGeom>
-          <a:noFill/>
-        </p:spPr>
-        <p:txBody>
-          <a:bodyPr wrap="none" rtlCol="0">
-            <a:spAutoFit/>
-          </a:bodyPr>
-          <a:lstStyle/>
-          <a:p>
-            <a:r>
-              <a:rPr lang="de-DE" dirty="0" err="1">
-                <a:solidFill>
-                  <a:srgbClr val="FF0000"/>
-                </a:solidFill>
-              </a:rPr>
-              <a:t>db</a:t>
-            </a:r>
-            <a:br>
-              <a:rPr lang="de-DE" dirty="0">
-                <a:solidFill>
-                  <a:srgbClr val="FF0000"/>
-                </a:solidFill>
-              </a:rPr>
-            </a:br>
-            <a:r>
-              <a:rPr lang="de-DE" dirty="0">
-                <a:solidFill>
-                  <a:srgbClr val="FF0000"/>
-                </a:solidFill>
-              </a:rPr>
-              <a:t>5432</a:t>
-            </a:r>
-          </a:p>
-        </p:txBody>
-      </p:sp>
-      <p:sp>
-        <p:nvSpPr>
-          <p:cNvPr id="39" name="Bogen 38">
-            <a:extLst>
-              <a:ext uri="{FF2B5EF4-FFF2-40B4-BE49-F238E27FC236}">
-                <a16:creationId xmlns:a16="http://schemas.microsoft.com/office/drawing/2014/main" id="{96A7824F-1777-AF0C-4A16-75F527AD380E}"/>
-              </a:ext>
-            </a:extLst>
-          </p:cNvPr>
-          <p:cNvSpPr/>
-          <p:nvPr/>
-        </p:nvSpPr>
-        <p:spPr>
-          <a:xfrm>
-            <a:off x="4037881" y="2673354"/>
-            <a:ext cx="914400" cy="914400"/>
-          </a:xfrm>
-          <a:prstGeom prst="arc">
-            <a:avLst/>
-          </a:prstGeom>
-        </p:spPr>
-        <p:style>
-          <a:lnRef idx="1">
-            <a:schemeClr val="accent1"/>
-          </a:lnRef>
-          <a:fillRef idx="0">
-            <a:schemeClr val="accent1"/>
-          </a:fillRef>
-          <a:effectRef idx="0">
-            <a:schemeClr val="accent1"/>
-          </a:effectRef>
-          <a:fontRef idx="minor">
-            <a:schemeClr val="tx1"/>
-          </a:fontRef>
-        </p:style>
-        <p:txBody>
-          <a:bodyPr rtlCol="0" anchor="ctr"/>
-          <a:lstStyle/>
-          <a:p>
-            <a:pPr algn="ctr"/>
-            <a:endParaRPr lang="de-DE"/>
-          </a:p>
-        </p:txBody>
-      </p:sp>
-      <p:sp>
-        <p:nvSpPr>
-          <p:cNvPr id="44" name="Oval 43">
-            <a:extLst>
-              <a:ext uri="{FF2B5EF4-FFF2-40B4-BE49-F238E27FC236}">
-                <a16:creationId xmlns:a16="http://schemas.microsoft.com/office/drawing/2014/main" id="{ECC562B2-E72E-8F08-CAEC-BCCC0400BA94}"/>
-              </a:ext>
-            </a:extLst>
-          </p:cNvPr>
-          <p:cNvSpPr/>
-          <p:nvPr/>
-        </p:nvSpPr>
-        <p:spPr>
-          <a:xfrm rot="2139162">
-            <a:off x="3691360" y="2855638"/>
-            <a:ext cx="2848977" cy="1007896"/>
-          </a:xfrm>
-          <a:prstGeom prst="ellipse">
-            <a:avLst/>
-          </a:prstGeom>
-          <a:solidFill>
-            <a:srgbClr val="FF0000">
-              <a:alpha val="23000"/>
-            </a:srgbClr>
-          </a:solidFill>
-        </p:spPr>
-        <p:style>
-          <a:lnRef idx="2">
-            <a:schemeClr val="accent1">
-              <a:shade val="50000"/>
-            </a:schemeClr>
-          </a:lnRef>
-          <a:fillRef idx="1">
-            <a:schemeClr val="accent1"/>
-          </a:fillRef>
-          <a:effectRef idx="0">
-            <a:schemeClr val="accent1"/>
-          </a:effectRef>
-          <a:fontRef idx="minor">
-            <a:schemeClr val="lt1"/>
-          </a:fontRef>
-        </p:style>
-        <p:txBody>
-          <a:bodyPr rtlCol="0" anchor="ctr"/>
-          <a:lstStyle/>
-          <a:p>
-            <a:pPr algn="ctr"/>
-            <a:endParaRPr lang="de-DE" dirty="0"/>
-          </a:p>
-        </p:txBody>
-      </p:sp>
-      <p:sp>
-        <p:nvSpPr>
-          <p:cNvPr id="45" name="Oval 44">
-            <a:extLst>
-              <a:ext uri="{FF2B5EF4-FFF2-40B4-BE49-F238E27FC236}">
-                <a16:creationId xmlns:a16="http://schemas.microsoft.com/office/drawing/2014/main" id="{FC2564D9-56F3-21C8-BBFA-F1D6D365C1FA}"/>
-              </a:ext>
-            </a:extLst>
-          </p:cNvPr>
-          <p:cNvSpPr/>
-          <p:nvPr/>
-        </p:nvSpPr>
-        <p:spPr>
-          <a:xfrm>
-            <a:off x="3033360" y="407222"/>
-            <a:ext cx="2642927" cy="593094"/>
-          </a:xfrm>
-          <a:prstGeom prst="ellipse">
-            <a:avLst/>
-          </a:prstGeom>
-          <a:solidFill>
-            <a:srgbClr val="FF0000">
-              <a:alpha val="23000"/>
-            </a:srgbClr>
-          </a:solidFill>
-        </p:spPr>
-        <p:style>
-          <a:lnRef idx="2">
-            <a:schemeClr val="accent1">
-              <a:shade val="50000"/>
-            </a:schemeClr>
-          </a:lnRef>
-          <a:fillRef idx="1">
-            <a:schemeClr val="accent1"/>
-          </a:fillRef>
-          <a:effectRef idx="0">
-            <a:schemeClr val="accent1"/>
-          </a:effectRef>
-          <a:fontRef idx="minor">
-            <a:schemeClr val="lt1"/>
-          </a:fontRef>
-        </p:style>
-        <p:txBody>
-          <a:bodyPr rtlCol="0" anchor="ctr"/>
-          <a:lstStyle/>
-          <a:p>
-            <a:pPr algn="ctr"/>
-            <a:endParaRPr lang="de-DE"/>
-          </a:p>
-        </p:txBody>
-      </p:sp>
-      <p:sp>
-        <p:nvSpPr>
-          <p:cNvPr id="46" name="Textfeld 45">
-            <a:extLst>
-              <a:ext uri="{FF2B5EF4-FFF2-40B4-BE49-F238E27FC236}">
-                <a16:creationId xmlns:a16="http://schemas.microsoft.com/office/drawing/2014/main" id="{5A03E1E0-20CD-AAE2-596C-A72F1743AB22}"/>
-              </a:ext>
-            </a:extLst>
-          </p:cNvPr>
-          <p:cNvSpPr txBox="1"/>
-          <p:nvPr/>
-        </p:nvSpPr>
-        <p:spPr>
-          <a:xfrm>
-            <a:off x="1235487" y="481510"/>
-            <a:ext cx="1717586" cy="369332"/>
-          </a:xfrm>
-          <a:prstGeom prst="rect">
-            <a:avLst/>
-          </a:prstGeom>
-          <a:noFill/>
-        </p:spPr>
-        <p:txBody>
-          <a:bodyPr wrap="none" rtlCol="0">
-            <a:spAutoFit/>
-          </a:bodyPr>
-          <a:lstStyle/>
-          <a:p>
-            <a:r>
-              <a:rPr lang="de-DE" dirty="0"/>
-              <a:t>Port </a:t>
-            </a:r>
-            <a:r>
-              <a:rPr lang="de-DE" dirty="0" err="1"/>
-              <a:t>forwarding</a:t>
-            </a:r>
-            <a:r>
-              <a:rPr lang="de-DE" dirty="0"/>
-              <a:t>:</a:t>
-            </a:r>
-          </a:p>
-        </p:txBody>
-      </p:sp>
-      <p:sp>
-        <p:nvSpPr>
-          <p:cNvPr id="29" name="Oval 28">
-            <a:extLst>
-              <a:ext uri="{FF2B5EF4-FFF2-40B4-BE49-F238E27FC236}">
-                <a16:creationId xmlns:a16="http://schemas.microsoft.com/office/drawing/2014/main" id="{707BEB12-C916-A745-1000-ADAF00456CF0}"/>
-              </a:ext>
-            </a:extLst>
-          </p:cNvPr>
-          <p:cNvSpPr/>
-          <p:nvPr/>
-        </p:nvSpPr>
-        <p:spPr>
-          <a:xfrm rot="5400000">
-            <a:off x="5233916" y="3106375"/>
-            <a:ext cx="2848977" cy="1007896"/>
-          </a:xfrm>
-          <a:prstGeom prst="ellipse">
-            <a:avLst/>
-          </a:prstGeom>
-          <a:solidFill>
-            <a:srgbClr val="FF0000">
-              <a:alpha val="23000"/>
-            </a:srgbClr>
-          </a:solidFill>
-        </p:spPr>
-        <p:style>
-          <a:lnRef idx="2">
-            <a:schemeClr val="accent1">
-              <a:shade val="50000"/>
-            </a:schemeClr>
-          </a:lnRef>
-          <a:fillRef idx="1">
-            <a:schemeClr val="accent1"/>
-          </a:fillRef>
-          <a:effectRef idx="0">
-            <a:schemeClr val="accent1"/>
-          </a:effectRef>
-          <a:fontRef idx="minor">
-            <a:schemeClr val="lt1"/>
-          </a:fontRef>
-        </p:style>
-        <p:txBody>
-          <a:bodyPr rtlCol="0" anchor="ctr"/>
-          <a:lstStyle/>
-          <a:p>
-            <a:pPr algn="ctr"/>
-            <a:endParaRPr lang="de-DE" dirty="0"/>
-          </a:p>
-        </p:txBody>
-      </p:sp>
-      <p:sp>
-        <p:nvSpPr>
-          <p:cNvPr id="30" name="Textfeld 29">
-            <a:extLst>
-              <a:ext uri="{FF2B5EF4-FFF2-40B4-BE49-F238E27FC236}">
-                <a16:creationId xmlns:a16="http://schemas.microsoft.com/office/drawing/2014/main" id="{BB335211-481F-C337-70A0-993E7A512672}"/>
-              </a:ext>
-            </a:extLst>
-          </p:cNvPr>
-          <p:cNvSpPr txBox="1"/>
-          <p:nvPr/>
-        </p:nvSpPr>
-        <p:spPr>
-          <a:xfrm>
-            <a:off x="6785320" y="2160673"/>
-            <a:ext cx="1026563" cy="646331"/>
-          </a:xfrm>
-          <a:prstGeom prst="rect">
-            <a:avLst/>
-          </a:prstGeom>
-          <a:noFill/>
-        </p:spPr>
-        <p:txBody>
-          <a:bodyPr wrap="none" rtlCol="0">
-            <a:spAutoFit/>
-          </a:bodyPr>
-          <a:lstStyle/>
-          <a:p>
-            <a:r>
-              <a:rPr lang="de-DE" dirty="0" err="1">
-                <a:solidFill>
-                  <a:srgbClr val="FF0000"/>
-                </a:solidFill>
-              </a:rPr>
-              <a:t>localhost</a:t>
-            </a:r>
-            <a:br>
-              <a:rPr lang="de-DE" dirty="0">
-                <a:solidFill>
-                  <a:srgbClr val="FF0000"/>
-                </a:solidFill>
-              </a:rPr>
-            </a:br>
-            <a:r>
-              <a:rPr lang="de-DE" dirty="0">
-                <a:solidFill>
-                  <a:srgbClr val="FF0000"/>
-                </a:solidFill>
-              </a:rPr>
-              <a:t>5432</a:t>
-            </a:r>
-          </a:p>
-        </p:txBody>
-      </p:sp>
-    </p:spTree>
-    <p:extLst>
-      <p:ext uri="{BB962C8B-B14F-4D97-AF65-F5344CB8AC3E}">
-        <p14:creationId xmlns:p14="http://schemas.microsoft.com/office/powerpoint/2010/main" val="2837291272"/>
-      </p:ext>
-    </p:extLst>
-  </p:cSld>
-  <p:clrMapOvr>
-    <a:masterClrMapping/>
-  </p:clrMapOvr>
-</p:sld>
-</file>
-
-<file path=ppt/slides/slide59.xml><?xml version="1.0" encoding="utf-8"?>
-<p:sld xmlns:a="http://schemas.openxmlformats.org/drawingml/2006/main" xmlns:r="http://schemas.openxmlformats.org/officeDocument/2006/relationships" xmlns:p="http://schemas.openxmlformats.org/presentationml/2006/main">
-  <p:cSld>
-    <p:spTree>
-      <p:nvGrpSpPr>
-        <p:cNvPr id="1" name=""/>
-        <p:cNvGrpSpPr/>
-        <p:nvPr/>
-      </p:nvGrpSpPr>
-      <p:grpSpPr>
-        <a:xfrm>
-          <a:off x="0" y="0"/>
-          <a:ext cx="0" cy="0"/>
-          <a:chOff x="0" y="0"/>
-          <a:chExt cx="0" cy="0"/>
-        </a:xfrm>
-      </p:grpSpPr>
-      <p:sp>
-        <p:nvSpPr>
-          <p:cNvPr id="8" name="Rechteck 7">
-            <a:extLst>
-              <a:ext uri="{FF2B5EF4-FFF2-40B4-BE49-F238E27FC236}">
-                <a16:creationId xmlns:a16="http://schemas.microsoft.com/office/drawing/2014/main" id="{FD829AED-643C-1E44-321E-7E0865B6FEAB}"/>
-              </a:ext>
-            </a:extLst>
-          </p:cNvPr>
-          <p:cNvSpPr/>
-          <p:nvPr/>
-        </p:nvSpPr>
-        <p:spPr>
-          <a:xfrm>
-            <a:off x="1197429" y="1426029"/>
-            <a:ext cx="10689771" cy="5159828"/>
-          </a:xfrm>
-          <a:prstGeom prst="rect">
-            <a:avLst/>
-          </a:prstGeom>
-        </p:spPr>
-        <p:style>
-          <a:lnRef idx="2">
-            <a:schemeClr val="accent1">
-              <a:shade val="50000"/>
-            </a:schemeClr>
-          </a:lnRef>
-          <a:fillRef idx="1">
-            <a:schemeClr val="accent1"/>
-          </a:fillRef>
-          <a:effectRef idx="0">
-            <a:schemeClr val="accent1"/>
-          </a:effectRef>
-          <a:fontRef idx="minor">
-            <a:schemeClr val="lt1"/>
-          </a:fontRef>
-        </p:style>
-        <p:txBody>
-          <a:bodyPr rtlCol="0" anchor="ctr"/>
-          <a:lstStyle/>
-          <a:p>
-            <a:pPr algn="ctr"/>
-            <a:endParaRPr lang="de-DE" dirty="0"/>
-          </a:p>
-        </p:txBody>
-      </p:sp>
-      <p:sp>
-        <p:nvSpPr>
-          <p:cNvPr id="9" name="Textfeld 8">
-            <a:extLst>
-              <a:ext uri="{FF2B5EF4-FFF2-40B4-BE49-F238E27FC236}">
-                <a16:creationId xmlns:a16="http://schemas.microsoft.com/office/drawing/2014/main" id="{A68B0423-37BC-34B2-B50A-18A96AFF7160}"/>
-              </a:ext>
-            </a:extLst>
-          </p:cNvPr>
-          <p:cNvSpPr txBox="1"/>
-          <p:nvPr/>
-        </p:nvSpPr>
-        <p:spPr>
-          <a:xfrm>
-            <a:off x="5734689" y="1828801"/>
-            <a:ext cx="726481" cy="369332"/>
-          </a:xfrm>
-          <a:prstGeom prst="rect">
-            <a:avLst/>
-          </a:prstGeom>
-          <a:noFill/>
-        </p:spPr>
-        <p:txBody>
-          <a:bodyPr wrap="none" rtlCol="0">
-            <a:spAutoFit/>
-          </a:bodyPr>
-          <a:lstStyle/>
-          <a:p>
-            <a:r>
-              <a:rPr lang="de-DE" dirty="0">
-                <a:solidFill>
-                  <a:schemeClr val="bg1"/>
-                </a:solidFill>
-              </a:rPr>
-              <a:t>Cloud</a:t>
-            </a:r>
-          </a:p>
-        </p:txBody>
-      </p:sp>
-      <p:sp>
-        <p:nvSpPr>
-          <p:cNvPr id="4" name="Rechteck 3">
-            <a:extLst>
-              <a:ext uri="{FF2B5EF4-FFF2-40B4-BE49-F238E27FC236}">
-                <a16:creationId xmlns:a16="http://schemas.microsoft.com/office/drawing/2014/main" id="{0976E51F-A6A9-C790-9430-3BC124426D1C}"/>
-              </a:ext>
-            </a:extLst>
-          </p:cNvPr>
-          <p:cNvSpPr/>
-          <p:nvPr/>
-        </p:nvSpPr>
-        <p:spPr>
-          <a:xfrm>
-            <a:off x="2140618" y="2593075"/>
-            <a:ext cx="9459979" cy="3398292"/>
+            <a:off x="6096000" y="2593075"/>
+            <a:ext cx="5504597" cy="3398292"/>
           </a:xfrm>
           <a:prstGeom prst="rect">
             <a:avLst/>
@@ -20386,58 +18105,6 @@
       </p:sp>
       <p:sp>
         <p:nvSpPr>
-          <p:cNvPr id="12" name="Rechteck 11">
-            <a:extLst>
-              <a:ext uri="{FF2B5EF4-FFF2-40B4-BE49-F238E27FC236}">
-                <a16:creationId xmlns:a16="http://schemas.microsoft.com/office/drawing/2014/main" id="{6C4CF849-464A-1C85-BE35-B353E9AE870C}"/>
-              </a:ext>
-            </a:extLst>
-          </p:cNvPr>
-          <p:cNvSpPr/>
-          <p:nvPr/>
-        </p:nvSpPr>
-        <p:spPr>
-          <a:xfrm>
-            <a:off x="2774070" y="3114790"/>
-            <a:ext cx="3029803" cy="2032673"/>
-          </a:xfrm>
-          <a:prstGeom prst="rect">
-            <a:avLst/>
-          </a:prstGeom>
-          <a:solidFill>
-            <a:schemeClr val="accent1">
-              <a:lumMod val="40000"/>
-              <a:lumOff val="60000"/>
-            </a:schemeClr>
-          </a:solidFill>
-        </p:spPr>
-        <p:style>
-          <a:lnRef idx="2">
-            <a:schemeClr val="accent1">
-              <a:shade val="50000"/>
-            </a:schemeClr>
-          </a:lnRef>
-          <a:fillRef idx="1">
-            <a:schemeClr val="accent1"/>
-          </a:fillRef>
-          <a:effectRef idx="0">
-            <a:schemeClr val="accent1"/>
-          </a:effectRef>
-          <a:fontRef idx="minor">
-            <a:schemeClr val="lt1"/>
-          </a:fontRef>
-        </p:style>
-        <p:txBody>
-          <a:bodyPr rtlCol="0" anchor="ctr"/>
-          <a:lstStyle/>
-          <a:p>
-            <a:pPr algn="ctr"/>
-            <a:endParaRPr lang="de-DE" dirty="0"/>
-          </a:p>
-        </p:txBody>
-      </p:sp>
-      <p:sp>
-        <p:nvSpPr>
           <p:cNvPr id="3" name="Textfeld 2">
             <a:extLst>
               <a:ext uri="{FF2B5EF4-FFF2-40B4-BE49-F238E27FC236}">
@@ -20451,7 +18118,7 @@
         <p:spPr>
           <a:xfrm>
             <a:off x="7903194" y="3244334"/>
-            <a:ext cx="428322" cy="369332"/>
+            <a:ext cx="1274580" cy="369332"/>
           </a:xfrm>
           <a:prstGeom prst="rect">
             <a:avLst/>
@@ -20465,10 +18132,9 @@
           <a:lstStyle/>
           <a:p>
             <a:r>
-              <a:rPr lang="de-DE" dirty="0" err="1"/>
-              <a:t>db</a:t>
-            </a:r>
-            <a:endParaRPr lang="de-DE" dirty="0"/>
+              <a:rPr lang="de-DE" dirty="0"/>
+              <a:t>Container 1</a:t>
+            </a:r>
           </a:p>
         </p:txBody>
       </p:sp>
@@ -20583,6 +18249,1988 @@
         </p:nvSpPr>
         <p:spPr>
           <a:xfrm>
+            <a:off x="8338505" y="2758295"/>
+            <a:ext cx="839269" cy="369332"/>
+          </a:xfrm>
+          <a:prstGeom prst="rect">
+            <a:avLst/>
+          </a:prstGeom>
+          <a:noFill/>
+        </p:spPr>
+        <p:txBody>
+          <a:bodyPr wrap="none" rtlCol="0">
+            <a:spAutoFit/>
+          </a:bodyPr>
+          <a:lstStyle/>
+          <a:p>
+            <a:r>
+              <a:rPr lang="de-DE" dirty="0"/>
+              <a:t>Docker</a:t>
+            </a:r>
+          </a:p>
+        </p:txBody>
+      </p:sp>
+      <p:sp>
+        <p:nvSpPr>
+          <p:cNvPr id="6" name="Textfeld 5">
+            <a:extLst>
+              <a:ext uri="{FF2B5EF4-FFF2-40B4-BE49-F238E27FC236}">
+                <a16:creationId xmlns:a16="http://schemas.microsoft.com/office/drawing/2014/main" id="{62ECC9DC-FAA1-9470-E01E-AD3E4ADE45AC}"/>
+              </a:ext>
+            </a:extLst>
+          </p:cNvPr>
+          <p:cNvSpPr txBox="1"/>
+          <p:nvPr/>
+        </p:nvSpPr>
+        <p:spPr>
+          <a:xfrm>
+            <a:off x="6884451" y="4331655"/>
+            <a:ext cx="652743" cy="369332"/>
+          </a:xfrm>
+          <a:prstGeom prst="rect">
+            <a:avLst/>
+          </a:prstGeom>
+          <a:noFill/>
+        </p:spPr>
+        <p:txBody>
+          <a:bodyPr wrap="none" rtlCol="0">
+            <a:spAutoFit/>
+          </a:bodyPr>
+          <a:lstStyle/>
+          <a:p>
+            <a:r>
+              <a:rPr lang="de-DE" dirty="0"/>
+              <a:t>5432</a:t>
+            </a:r>
+          </a:p>
+        </p:txBody>
+      </p:sp>
+      <p:sp>
+        <p:nvSpPr>
+          <p:cNvPr id="7" name="Textfeld 6">
+            <a:extLst>
+              <a:ext uri="{FF2B5EF4-FFF2-40B4-BE49-F238E27FC236}">
+                <a16:creationId xmlns:a16="http://schemas.microsoft.com/office/drawing/2014/main" id="{BB698380-BB82-054A-3110-1DD2609B9D43}"/>
+              </a:ext>
+            </a:extLst>
+          </p:cNvPr>
+          <p:cNvSpPr txBox="1"/>
+          <p:nvPr/>
+        </p:nvSpPr>
+        <p:spPr>
+          <a:xfrm>
+            <a:off x="5759571" y="3761795"/>
+            <a:ext cx="652743" cy="369332"/>
+          </a:xfrm>
+          <a:prstGeom prst="rect">
+            <a:avLst/>
+          </a:prstGeom>
+          <a:noFill/>
+        </p:spPr>
+        <p:txBody>
+          <a:bodyPr wrap="none" rtlCol="0">
+            <a:spAutoFit/>
+          </a:bodyPr>
+          <a:lstStyle/>
+          <a:p>
+            <a:r>
+              <a:rPr lang="de-DE" dirty="0"/>
+              <a:t>5432</a:t>
+            </a:r>
+          </a:p>
+        </p:txBody>
+      </p:sp>
+      <p:sp>
+        <p:nvSpPr>
+          <p:cNvPr id="16" name="Textfeld 15">
+            <a:extLst>
+              <a:ext uri="{FF2B5EF4-FFF2-40B4-BE49-F238E27FC236}">
+                <a16:creationId xmlns:a16="http://schemas.microsoft.com/office/drawing/2014/main" id="{80057846-A6B7-E451-FB47-CFCC3D61FE18}"/>
+              </a:ext>
+            </a:extLst>
+          </p:cNvPr>
+          <p:cNvSpPr txBox="1"/>
+          <p:nvPr/>
+        </p:nvSpPr>
+        <p:spPr>
+          <a:xfrm>
+            <a:off x="1812260" y="436728"/>
+            <a:ext cx="7229158" cy="646331"/>
+          </a:xfrm>
+          <a:prstGeom prst="rect">
+            <a:avLst/>
+          </a:prstGeom>
+          <a:noFill/>
+        </p:spPr>
+        <p:txBody>
+          <a:bodyPr wrap="none" rtlCol="0">
+            <a:spAutoFit/>
+          </a:bodyPr>
+          <a:lstStyle/>
+          <a:p>
+            <a:r>
+              <a:rPr lang="de-DE" dirty="0"/>
+              <a:t>Jeder Docker-Container verhält sich wie eine eigenständige Linux-Maschine</a:t>
+            </a:r>
+            <a:br>
+              <a:rPr lang="de-DE" dirty="0"/>
+            </a:br>
+            <a:r>
+              <a:rPr lang="de-DE" dirty="0"/>
+              <a:t>(nutzt Linux-Kernel-Virtualisierung)</a:t>
+            </a:r>
+          </a:p>
+        </p:txBody>
+      </p:sp>
+      <p:sp>
+        <p:nvSpPr>
+          <p:cNvPr id="17" name="Rechteck 16">
+            <a:extLst>
+              <a:ext uri="{FF2B5EF4-FFF2-40B4-BE49-F238E27FC236}">
+                <a16:creationId xmlns:a16="http://schemas.microsoft.com/office/drawing/2014/main" id="{68E783D0-D70F-3293-8013-1FC1A2F55871}"/>
+              </a:ext>
+            </a:extLst>
+          </p:cNvPr>
+          <p:cNvSpPr/>
+          <p:nvPr/>
+        </p:nvSpPr>
+        <p:spPr>
+          <a:xfrm>
+            <a:off x="3051361" y="1875518"/>
+            <a:ext cx="2373085" cy="751514"/>
+          </a:xfrm>
+          <a:prstGeom prst="rect">
+            <a:avLst/>
+          </a:prstGeom>
+          <a:solidFill>
+            <a:schemeClr val="accent6"/>
+          </a:solidFill>
+        </p:spPr>
+        <p:style>
+          <a:lnRef idx="2">
+            <a:schemeClr val="accent1">
+              <a:shade val="50000"/>
+            </a:schemeClr>
+          </a:lnRef>
+          <a:fillRef idx="1">
+            <a:schemeClr val="accent1"/>
+          </a:fillRef>
+          <a:effectRef idx="0">
+            <a:schemeClr val="accent1"/>
+          </a:effectRef>
+          <a:fontRef idx="minor">
+            <a:schemeClr val="lt1"/>
+          </a:fontRef>
+        </p:style>
+        <p:txBody>
+          <a:bodyPr rtlCol="0" anchor="ctr"/>
+          <a:lstStyle/>
+          <a:p>
+            <a:pPr algn="ctr"/>
+            <a:r>
+              <a:rPr lang="de-DE" dirty="0"/>
+              <a:t>Browser</a:t>
+            </a:r>
+          </a:p>
+        </p:txBody>
+      </p:sp>
+      <p:cxnSp>
+        <p:nvCxnSpPr>
+          <p:cNvPr id="18" name="Gerade Verbindung mit Pfeil 17">
+            <a:extLst>
+              <a:ext uri="{FF2B5EF4-FFF2-40B4-BE49-F238E27FC236}">
+                <a16:creationId xmlns:a16="http://schemas.microsoft.com/office/drawing/2014/main" id="{9A1A92FD-F215-DABE-0B7D-934A72A16C55}"/>
+              </a:ext>
+            </a:extLst>
+          </p:cNvPr>
+          <p:cNvCxnSpPr>
+            <a:cxnSpLocks/>
+            <a:stCxn id="17" idx="2"/>
+            <a:endCxn id="10" idx="0"/>
+          </p:cNvCxnSpPr>
+          <p:nvPr/>
+        </p:nvCxnSpPr>
+        <p:spPr>
+          <a:xfrm>
+            <a:off x="4237904" y="2627032"/>
+            <a:ext cx="51068" cy="801968"/>
+          </a:xfrm>
+          <a:prstGeom prst="straightConnector1">
+            <a:avLst/>
+          </a:prstGeom>
+          <a:ln w="38100">
+            <a:solidFill>
+              <a:srgbClr val="FF0000"/>
+            </a:solidFill>
+            <a:tailEnd type="triangle"/>
+          </a:ln>
+        </p:spPr>
+        <p:style>
+          <a:lnRef idx="1">
+            <a:schemeClr val="accent1"/>
+          </a:lnRef>
+          <a:fillRef idx="0">
+            <a:schemeClr val="accent1"/>
+          </a:fillRef>
+          <a:effectRef idx="0">
+            <a:schemeClr val="accent1"/>
+          </a:effectRef>
+          <a:fontRef idx="minor">
+            <a:schemeClr val="tx1"/>
+          </a:fontRef>
+        </p:style>
+      </p:cxnSp>
+      <p:sp>
+        <p:nvSpPr>
+          <p:cNvPr id="23" name="Textfeld 22">
+            <a:extLst>
+              <a:ext uri="{FF2B5EF4-FFF2-40B4-BE49-F238E27FC236}">
+                <a16:creationId xmlns:a16="http://schemas.microsoft.com/office/drawing/2014/main" id="{75BC5FA8-EC54-8AEF-5341-8C398DDC8215}"/>
+              </a:ext>
+            </a:extLst>
+          </p:cNvPr>
+          <p:cNvSpPr txBox="1"/>
+          <p:nvPr/>
+        </p:nvSpPr>
+        <p:spPr>
+          <a:xfrm>
+            <a:off x="4282766" y="3086030"/>
+            <a:ext cx="652743" cy="369332"/>
+          </a:xfrm>
+          <a:prstGeom prst="rect">
+            <a:avLst/>
+          </a:prstGeom>
+          <a:noFill/>
+        </p:spPr>
+        <p:txBody>
+          <a:bodyPr wrap="none" rtlCol="0">
+            <a:spAutoFit/>
+          </a:bodyPr>
+          <a:lstStyle/>
+          <a:p>
+            <a:r>
+              <a:rPr lang="de-DE" dirty="0"/>
+              <a:t>8080</a:t>
+            </a:r>
+          </a:p>
+        </p:txBody>
+      </p:sp>
+    </p:spTree>
+    <p:extLst>
+      <p:ext uri="{BB962C8B-B14F-4D97-AF65-F5344CB8AC3E}">
+        <p14:creationId xmlns:p14="http://schemas.microsoft.com/office/powerpoint/2010/main" val="3492998218"/>
+      </p:ext>
+    </p:extLst>
+  </p:cSld>
+  <p:clrMapOvr>
+    <a:masterClrMapping/>
+  </p:clrMapOvr>
+</p:sld>
+</file>
+
+<file path=ppt/slides/slide58.xml><?xml version="1.0" encoding="utf-8"?>
+<p:sld xmlns:a="http://schemas.openxmlformats.org/drawingml/2006/main" xmlns:r="http://schemas.openxmlformats.org/officeDocument/2006/relationships" xmlns:p="http://schemas.openxmlformats.org/presentationml/2006/main">
+  <p:cSld>
+    <p:spTree>
+      <p:nvGrpSpPr>
+        <p:cNvPr id="1" name=""/>
+        <p:cNvGrpSpPr/>
+        <p:nvPr/>
+      </p:nvGrpSpPr>
+      <p:grpSpPr>
+        <a:xfrm>
+          <a:off x="0" y="0"/>
+          <a:ext cx="0" cy="0"/>
+          <a:chOff x="0" y="0"/>
+          <a:chExt cx="0" cy="0"/>
+        </a:xfrm>
+      </p:grpSpPr>
+      <p:sp>
+        <p:nvSpPr>
+          <p:cNvPr id="45" name="Oval 44">
+            <a:extLst>
+              <a:ext uri="{FF2B5EF4-FFF2-40B4-BE49-F238E27FC236}">
+                <a16:creationId xmlns:a16="http://schemas.microsoft.com/office/drawing/2014/main" id="{FC2564D9-56F3-21C8-BBFA-F1D6D365C1FA}"/>
+              </a:ext>
+            </a:extLst>
+          </p:cNvPr>
+          <p:cNvSpPr/>
+          <p:nvPr/>
+        </p:nvSpPr>
+        <p:spPr>
+          <a:xfrm>
+            <a:off x="3033360" y="407222"/>
+            <a:ext cx="2642927" cy="593094"/>
+          </a:xfrm>
+          <a:prstGeom prst="ellipse">
+            <a:avLst/>
+          </a:prstGeom>
+          <a:solidFill>
+            <a:srgbClr val="FF0000">
+              <a:alpha val="23000"/>
+            </a:srgbClr>
+          </a:solidFill>
+        </p:spPr>
+        <p:style>
+          <a:lnRef idx="2">
+            <a:schemeClr val="accent1">
+              <a:shade val="50000"/>
+            </a:schemeClr>
+          </a:lnRef>
+          <a:fillRef idx="1">
+            <a:schemeClr val="accent1"/>
+          </a:fillRef>
+          <a:effectRef idx="0">
+            <a:schemeClr val="accent1"/>
+          </a:effectRef>
+          <a:fontRef idx="minor">
+            <a:schemeClr val="lt1"/>
+          </a:fontRef>
+        </p:style>
+        <p:txBody>
+          <a:bodyPr rtlCol="0" anchor="ctr"/>
+          <a:lstStyle/>
+          <a:p>
+            <a:pPr algn="ctr"/>
+            <a:endParaRPr lang="de-DE"/>
+          </a:p>
+        </p:txBody>
+      </p:sp>
+      <p:sp>
+        <p:nvSpPr>
+          <p:cNvPr id="46" name="Textfeld 45">
+            <a:extLst>
+              <a:ext uri="{FF2B5EF4-FFF2-40B4-BE49-F238E27FC236}">
+                <a16:creationId xmlns:a16="http://schemas.microsoft.com/office/drawing/2014/main" id="{5A03E1E0-20CD-AAE2-596C-A72F1743AB22}"/>
+              </a:ext>
+            </a:extLst>
+          </p:cNvPr>
+          <p:cNvSpPr txBox="1"/>
+          <p:nvPr/>
+        </p:nvSpPr>
+        <p:spPr>
+          <a:xfrm>
+            <a:off x="1235487" y="481510"/>
+            <a:ext cx="1717586" cy="369332"/>
+          </a:xfrm>
+          <a:prstGeom prst="rect">
+            <a:avLst/>
+          </a:prstGeom>
+          <a:noFill/>
+        </p:spPr>
+        <p:txBody>
+          <a:bodyPr wrap="none" rtlCol="0">
+            <a:spAutoFit/>
+          </a:bodyPr>
+          <a:lstStyle/>
+          <a:p>
+            <a:r>
+              <a:rPr lang="de-DE" dirty="0"/>
+              <a:t>Port </a:t>
+            </a:r>
+            <a:r>
+              <a:rPr lang="de-DE" dirty="0" err="1"/>
+              <a:t>forwarding</a:t>
+            </a:r>
+            <a:r>
+              <a:rPr lang="de-DE" dirty="0"/>
+              <a:t>:</a:t>
+            </a:r>
+          </a:p>
+        </p:txBody>
+      </p:sp>
+      <p:grpSp>
+        <p:nvGrpSpPr>
+          <p:cNvPr id="7" name="Gruppieren 6">
+            <a:extLst>
+              <a:ext uri="{FF2B5EF4-FFF2-40B4-BE49-F238E27FC236}">
+                <a16:creationId xmlns:a16="http://schemas.microsoft.com/office/drawing/2014/main" id="{5AD5A669-40E8-BC05-1686-0491CD65D5B4}"/>
+              </a:ext>
+            </a:extLst>
+          </p:cNvPr>
+          <p:cNvGrpSpPr/>
+          <p:nvPr/>
+        </p:nvGrpSpPr>
+        <p:grpSpPr>
+          <a:xfrm>
+            <a:off x="1197429" y="1426029"/>
+            <a:ext cx="10689771" cy="5159828"/>
+            <a:chOff x="1197429" y="1426029"/>
+            <a:chExt cx="10689771" cy="5159828"/>
+          </a:xfrm>
+        </p:grpSpPr>
+        <p:sp>
+          <p:nvSpPr>
+            <p:cNvPr id="8" name="Rechteck 7">
+              <a:extLst>
+                <a:ext uri="{FF2B5EF4-FFF2-40B4-BE49-F238E27FC236}">
+                  <a16:creationId xmlns:a16="http://schemas.microsoft.com/office/drawing/2014/main" id="{FD829AED-643C-1E44-321E-7E0865B6FEAB}"/>
+                </a:ext>
+              </a:extLst>
+            </p:cNvPr>
+            <p:cNvSpPr/>
+            <p:nvPr/>
+          </p:nvSpPr>
+          <p:spPr>
+            <a:xfrm>
+              <a:off x="1197429" y="1426029"/>
+              <a:ext cx="10689771" cy="5159828"/>
+            </a:xfrm>
+            <a:prstGeom prst="rect">
+              <a:avLst/>
+            </a:prstGeom>
+          </p:spPr>
+          <p:style>
+            <a:lnRef idx="2">
+              <a:schemeClr val="accent1">
+                <a:shade val="50000"/>
+              </a:schemeClr>
+            </a:lnRef>
+            <a:fillRef idx="1">
+              <a:schemeClr val="accent1"/>
+            </a:fillRef>
+            <a:effectRef idx="0">
+              <a:schemeClr val="accent1"/>
+            </a:effectRef>
+            <a:fontRef idx="minor">
+              <a:schemeClr val="lt1"/>
+            </a:fontRef>
+          </p:style>
+          <p:txBody>
+            <a:bodyPr rtlCol="0" anchor="ctr"/>
+            <a:lstStyle/>
+            <a:p>
+              <a:pPr algn="ctr"/>
+              <a:endParaRPr lang="de-DE" dirty="0"/>
+            </a:p>
+          </p:txBody>
+        </p:sp>
+        <p:sp>
+          <p:nvSpPr>
+            <p:cNvPr id="9" name="Textfeld 8">
+              <a:extLst>
+                <a:ext uri="{FF2B5EF4-FFF2-40B4-BE49-F238E27FC236}">
+                  <a16:creationId xmlns:a16="http://schemas.microsoft.com/office/drawing/2014/main" id="{A68B0423-37BC-34B2-B50A-18A96AFF7160}"/>
+                </a:ext>
+              </a:extLst>
+            </p:cNvPr>
+            <p:cNvSpPr txBox="1"/>
+            <p:nvPr/>
+          </p:nvSpPr>
+          <p:spPr>
+            <a:xfrm>
+              <a:off x="5734689" y="1828801"/>
+              <a:ext cx="1615250" cy="369332"/>
+            </a:xfrm>
+            <a:prstGeom prst="rect">
+              <a:avLst/>
+            </a:prstGeom>
+            <a:noFill/>
+          </p:spPr>
+          <p:txBody>
+            <a:bodyPr wrap="none" rtlCol="0">
+              <a:spAutoFit/>
+            </a:bodyPr>
+            <a:lstStyle/>
+            <a:p>
+              <a:r>
+                <a:rPr lang="de-DE" dirty="0" err="1">
+                  <a:solidFill>
+                    <a:schemeClr val="bg1"/>
+                  </a:solidFill>
+                </a:rPr>
+                <a:t>MeinComputer</a:t>
+              </a:r>
+              <a:endParaRPr lang="de-DE" dirty="0">
+                <a:solidFill>
+                  <a:schemeClr val="bg1"/>
+                </a:solidFill>
+              </a:endParaRPr>
+            </a:p>
+          </p:txBody>
+        </p:sp>
+        <p:sp>
+          <p:nvSpPr>
+            <p:cNvPr id="4" name="Rechteck 3">
+              <a:extLst>
+                <a:ext uri="{FF2B5EF4-FFF2-40B4-BE49-F238E27FC236}">
+                  <a16:creationId xmlns:a16="http://schemas.microsoft.com/office/drawing/2014/main" id="{0976E51F-A6A9-C790-9430-3BC124426D1C}"/>
+                </a:ext>
+              </a:extLst>
+            </p:cNvPr>
+            <p:cNvSpPr/>
+            <p:nvPr/>
+          </p:nvSpPr>
+          <p:spPr>
+            <a:xfrm>
+              <a:off x="1812324" y="3046696"/>
+              <a:ext cx="9459979" cy="3398292"/>
+            </a:xfrm>
+            <a:prstGeom prst="rect">
+              <a:avLst/>
+            </a:prstGeom>
+            <a:solidFill>
+              <a:schemeClr val="accent1">
+                <a:lumMod val="20000"/>
+                <a:lumOff val="80000"/>
+              </a:schemeClr>
+            </a:solidFill>
+          </p:spPr>
+          <p:style>
+            <a:lnRef idx="2">
+              <a:schemeClr val="accent1">
+                <a:shade val="50000"/>
+              </a:schemeClr>
+            </a:lnRef>
+            <a:fillRef idx="1">
+              <a:schemeClr val="accent1"/>
+            </a:fillRef>
+            <a:effectRef idx="0">
+              <a:schemeClr val="accent1"/>
+            </a:effectRef>
+            <a:fontRef idx="minor">
+              <a:schemeClr val="lt1"/>
+            </a:fontRef>
+          </p:style>
+          <p:txBody>
+            <a:bodyPr rtlCol="0" anchor="ctr"/>
+            <a:lstStyle/>
+            <a:p>
+              <a:pPr algn="ctr"/>
+              <a:endParaRPr lang="de-DE"/>
+            </a:p>
+          </p:txBody>
+        </p:sp>
+        <p:sp>
+          <p:nvSpPr>
+            <p:cNvPr id="2" name="Rechteck 1">
+              <a:extLst>
+                <a:ext uri="{FF2B5EF4-FFF2-40B4-BE49-F238E27FC236}">
+                  <a16:creationId xmlns:a16="http://schemas.microsoft.com/office/drawing/2014/main" id="{B793B692-EA57-9663-72DD-3E1BE3E30AB8}"/>
+                </a:ext>
+              </a:extLst>
+            </p:cNvPr>
+            <p:cNvSpPr/>
+            <p:nvPr/>
+          </p:nvSpPr>
+          <p:spPr>
+            <a:xfrm>
+              <a:off x="7021643" y="3568412"/>
+              <a:ext cx="3029803" cy="2032673"/>
+            </a:xfrm>
+            <a:prstGeom prst="rect">
+              <a:avLst/>
+            </a:prstGeom>
+            <a:solidFill>
+              <a:schemeClr val="accent1">
+                <a:lumMod val="40000"/>
+                <a:lumOff val="60000"/>
+              </a:schemeClr>
+            </a:solidFill>
+          </p:spPr>
+          <p:style>
+            <a:lnRef idx="2">
+              <a:schemeClr val="accent1">
+                <a:shade val="50000"/>
+              </a:schemeClr>
+            </a:lnRef>
+            <a:fillRef idx="1">
+              <a:schemeClr val="accent1"/>
+            </a:fillRef>
+            <a:effectRef idx="0">
+              <a:schemeClr val="accent1"/>
+            </a:effectRef>
+            <a:fontRef idx="minor">
+              <a:schemeClr val="lt1"/>
+            </a:fontRef>
+          </p:style>
+          <p:txBody>
+            <a:bodyPr rtlCol="0" anchor="ctr"/>
+            <a:lstStyle/>
+            <a:p>
+              <a:pPr algn="ctr"/>
+              <a:endParaRPr lang="de-DE" dirty="0"/>
+            </a:p>
+          </p:txBody>
+        </p:sp>
+        <p:sp>
+          <p:nvSpPr>
+            <p:cNvPr id="12" name="Rechteck 11">
+              <a:extLst>
+                <a:ext uri="{FF2B5EF4-FFF2-40B4-BE49-F238E27FC236}">
+                  <a16:creationId xmlns:a16="http://schemas.microsoft.com/office/drawing/2014/main" id="{6C4CF849-464A-1C85-BE35-B353E9AE870C}"/>
+                </a:ext>
+              </a:extLst>
+            </p:cNvPr>
+            <p:cNvSpPr/>
+            <p:nvPr/>
+          </p:nvSpPr>
+          <p:spPr>
+            <a:xfrm>
+              <a:off x="2445776" y="3568411"/>
+              <a:ext cx="3029803" cy="2032673"/>
+            </a:xfrm>
+            <a:prstGeom prst="rect">
+              <a:avLst/>
+            </a:prstGeom>
+            <a:solidFill>
+              <a:schemeClr val="accent1">
+                <a:lumMod val="40000"/>
+                <a:lumOff val="60000"/>
+              </a:schemeClr>
+            </a:solidFill>
+          </p:spPr>
+          <p:style>
+            <a:lnRef idx="2">
+              <a:schemeClr val="accent1">
+                <a:shade val="50000"/>
+              </a:schemeClr>
+            </a:lnRef>
+            <a:fillRef idx="1">
+              <a:schemeClr val="accent1"/>
+            </a:fillRef>
+            <a:effectRef idx="0">
+              <a:schemeClr val="accent1"/>
+            </a:effectRef>
+            <a:fontRef idx="minor">
+              <a:schemeClr val="lt1"/>
+            </a:fontRef>
+          </p:style>
+          <p:txBody>
+            <a:bodyPr rtlCol="0" anchor="ctr"/>
+            <a:lstStyle/>
+            <a:p>
+              <a:pPr algn="ctr"/>
+              <a:endParaRPr lang="de-DE" dirty="0"/>
+            </a:p>
+          </p:txBody>
+        </p:sp>
+        <p:sp>
+          <p:nvSpPr>
+            <p:cNvPr id="3" name="Textfeld 2">
+              <a:extLst>
+                <a:ext uri="{FF2B5EF4-FFF2-40B4-BE49-F238E27FC236}">
+                  <a16:creationId xmlns:a16="http://schemas.microsoft.com/office/drawing/2014/main" id="{FEFFED6A-7C71-D1EA-64A4-30DDD64C85F8}"/>
+                </a:ext>
+              </a:extLst>
+            </p:cNvPr>
+            <p:cNvSpPr txBox="1"/>
+            <p:nvPr/>
+          </p:nvSpPr>
+          <p:spPr>
+            <a:xfrm>
+              <a:off x="7574900" y="3697955"/>
+              <a:ext cx="428322" cy="369332"/>
+            </a:xfrm>
+            <a:prstGeom prst="rect">
+              <a:avLst/>
+            </a:prstGeom>
+            <a:noFill/>
+          </p:spPr>
+          <p:txBody>
+            <a:bodyPr wrap="none" rtlCol="0">
+              <a:spAutoFit/>
+            </a:bodyPr>
+            <a:lstStyle/>
+            <a:p>
+              <a:r>
+                <a:rPr lang="de-DE" dirty="0" err="1"/>
+                <a:t>db</a:t>
+              </a:r>
+              <a:endParaRPr lang="de-DE" dirty="0"/>
+            </a:p>
+          </p:txBody>
+        </p:sp>
+        <p:sp>
+          <p:nvSpPr>
+            <p:cNvPr id="11" name="Rechteck 10">
+              <a:extLst>
+                <a:ext uri="{FF2B5EF4-FFF2-40B4-BE49-F238E27FC236}">
+                  <a16:creationId xmlns:a16="http://schemas.microsoft.com/office/drawing/2014/main" id="{430C7F14-FE0A-2A9A-875A-FE6B06E395EA}"/>
+                </a:ext>
+              </a:extLst>
+            </p:cNvPr>
+            <p:cNvSpPr/>
+            <p:nvPr/>
+          </p:nvSpPr>
+          <p:spPr>
+            <a:xfrm>
+              <a:off x="7350003" y="4101415"/>
+              <a:ext cx="2373085" cy="1404257"/>
+            </a:xfrm>
+            <a:prstGeom prst="rect">
+              <a:avLst/>
+            </a:prstGeom>
+            <a:solidFill>
+              <a:schemeClr val="accent6"/>
+            </a:solidFill>
+          </p:spPr>
+          <p:style>
+            <a:lnRef idx="2">
+              <a:schemeClr val="accent1">
+                <a:shade val="50000"/>
+              </a:schemeClr>
+            </a:lnRef>
+            <a:fillRef idx="1">
+              <a:schemeClr val="accent1"/>
+            </a:fillRef>
+            <a:effectRef idx="0">
+              <a:schemeClr val="accent1"/>
+            </a:effectRef>
+            <a:fontRef idx="minor">
+              <a:schemeClr val="lt1"/>
+            </a:fontRef>
+          </p:style>
+          <p:txBody>
+            <a:bodyPr rtlCol="0" anchor="ctr"/>
+            <a:lstStyle/>
+            <a:p>
+              <a:pPr algn="ctr"/>
+              <a:r>
+                <a:rPr lang="de-DE" dirty="0"/>
+                <a:t>Datenbank</a:t>
+              </a:r>
+            </a:p>
+          </p:txBody>
+        </p:sp>
+        <p:cxnSp>
+          <p:nvCxnSpPr>
+            <p:cNvPr id="13" name="Gerade Verbindung mit Pfeil 12">
+              <a:extLst>
+                <a:ext uri="{FF2B5EF4-FFF2-40B4-BE49-F238E27FC236}">
+                  <a16:creationId xmlns:a16="http://schemas.microsoft.com/office/drawing/2014/main" id="{96B270E3-22BA-C088-1968-C4CEDE244AD3}"/>
+                </a:ext>
+              </a:extLst>
+            </p:cNvPr>
+            <p:cNvCxnSpPr>
+              <a:cxnSpLocks/>
+            </p:cNvCxnSpPr>
+            <p:nvPr/>
+          </p:nvCxnSpPr>
+          <p:spPr>
+            <a:xfrm flipH="1">
+              <a:off x="5447794" y="4005943"/>
+              <a:ext cx="724981" cy="0"/>
+            </a:xfrm>
+            <a:prstGeom prst="straightConnector1">
+              <a:avLst/>
+            </a:prstGeom>
+            <a:ln w="38100">
+              <a:solidFill>
+                <a:srgbClr val="FF0000"/>
+              </a:solidFill>
+              <a:tailEnd type="triangle"/>
+            </a:ln>
+          </p:spPr>
+          <p:style>
+            <a:lnRef idx="1">
+              <a:schemeClr val="accent1"/>
+            </a:lnRef>
+            <a:fillRef idx="0">
+              <a:schemeClr val="accent1"/>
+            </a:fillRef>
+            <a:effectRef idx="0">
+              <a:schemeClr val="accent1"/>
+            </a:effectRef>
+            <a:fontRef idx="minor">
+              <a:schemeClr val="tx1"/>
+            </a:fontRef>
+          </p:style>
+        </p:cxnSp>
+        <p:sp>
+          <p:nvSpPr>
+            <p:cNvPr id="5" name="Textfeld 4">
+              <a:extLst>
+                <a:ext uri="{FF2B5EF4-FFF2-40B4-BE49-F238E27FC236}">
+                  <a16:creationId xmlns:a16="http://schemas.microsoft.com/office/drawing/2014/main" id="{8C61BD20-7A5C-E96C-4542-AC868DA6C617}"/>
+                </a:ext>
+              </a:extLst>
+            </p:cNvPr>
+            <p:cNvSpPr txBox="1"/>
+            <p:nvPr/>
+          </p:nvSpPr>
+          <p:spPr>
+            <a:xfrm>
+              <a:off x="5703044" y="3103144"/>
+              <a:ext cx="839269" cy="369332"/>
+            </a:xfrm>
+            <a:prstGeom prst="rect">
+              <a:avLst/>
+            </a:prstGeom>
+            <a:noFill/>
+          </p:spPr>
+          <p:txBody>
+            <a:bodyPr wrap="none" rtlCol="0">
+              <a:spAutoFit/>
+            </a:bodyPr>
+            <a:lstStyle/>
+            <a:p>
+              <a:r>
+                <a:rPr lang="de-DE" dirty="0"/>
+                <a:t>Docker</a:t>
+              </a:r>
+            </a:p>
+          </p:txBody>
+        </p:sp>
+        <p:sp>
+          <p:nvSpPr>
+            <p:cNvPr id="10" name="Rechteck 9">
+              <a:extLst>
+                <a:ext uri="{FF2B5EF4-FFF2-40B4-BE49-F238E27FC236}">
+                  <a16:creationId xmlns:a16="http://schemas.microsoft.com/office/drawing/2014/main" id="{F703253C-59DE-F7F3-A2A3-7F96B2641A70}"/>
+                </a:ext>
+              </a:extLst>
+            </p:cNvPr>
+            <p:cNvSpPr/>
+            <p:nvPr/>
+          </p:nvSpPr>
+          <p:spPr>
+            <a:xfrm>
+              <a:off x="2774135" y="3882621"/>
+              <a:ext cx="2373085" cy="1404257"/>
+            </a:xfrm>
+            <a:prstGeom prst="rect">
+              <a:avLst/>
+            </a:prstGeom>
+            <a:solidFill>
+              <a:schemeClr val="accent6"/>
+            </a:solidFill>
+          </p:spPr>
+          <p:style>
+            <a:lnRef idx="2">
+              <a:schemeClr val="accent1">
+                <a:shade val="50000"/>
+              </a:schemeClr>
+            </a:lnRef>
+            <a:fillRef idx="1">
+              <a:schemeClr val="accent1"/>
+            </a:fillRef>
+            <a:effectRef idx="0">
+              <a:schemeClr val="accent1"/>
+            </a:effectRef>
+            <a:fontRef idx="minor">
+              <a:schemeClr val="lt1"/>
+            </a:fontRef>
+          </p:style>
+          <p:txBody>
+            <a:bodyPr rtlCol="0" anchor="ctr"/>
+            <a:lstStyle/>
+            <a:p>
+              <a:pPr algn="ctr"/>
+              <a:r>
+                <a:rPr lang="de-DE" dirty="0"/>
+                <a:t>Person </a:t>
+              </a:r>
+              <a:r>
+                <a:rPr lang="de-DE" dirty="0" err="1"/>
+                <a:t>microservice</a:t>
+              </a:r>
+              <a:endParaRPr lang="de-DE" dirty="0"/>
+            </a:p>
+          </p:txBody>
+        </p:sp>
+        <p:sp>
+          <p:nvSpPr>
+            <p:cNvPr id="16" name="Textfeld 15">
+              <a:extLst>
+                <a:ext uri="{FF2B5EF4-FFF2-40B4-BE49-F238E27FC236}">
+                  <a16:creationId xmlns:a16="http://schemas.microsoft.com/office/drawing/2014/main" id="{A7173BF9-E884-40FD-ED09-7955AC71F222}"/>
+                </a:ext>
+              </a:extLst>
+            </p:cNvPr>
+            <p:cNvSpPr txBox="1"/>
+            <p:nvPr/>
+          </p:nvSpPr>
+          <p:spPr>
+            <a:xfrm>
+              <a:off x="3525202" y="3494399"/>
+              <a:ext cx="1249958" cy="369332"/>
+            </a:xfrm>
+            <a:prstGeom prst="rect">
+              <a:avLst/>
+            </a:prstGeom>
+            <a:noFill/>
+          </p:spPr>
+          <p:txBody>
+            <a:bodyPr wrap="none" rtlCol="0">
+              <a:spAutoFit/>
+            </a:bodyPr>
+            <a:lstStyle/>
+            <a:p>
+              <a:r>
+                <a:rPr lang="de-DE" dirty="0" err="1"/>
+                <a:t>java</a:t>
+              </a:r>
+              <a:r>
+                <a:rPr lang="de-DE" dirty="0"/>
+                <a:t>-starter</a:t>
+              </a:r>
+            </a:p>
+          </p:txBody>
+        </p:sp>
+        <p:sp>
+          <p:nvSpPr>
+            <p:cNvPr id="17" name="Rechteck 16">
+              <a:extLst>
+                <a:ext uri="{FF2B5EF4-FFF2-40B4-BE49-F238E27FC236}">
+                  <a16:creationId xmlns:a16="http://schemas.microsoft.com/office/drawing/2014/main" id="{FAC8843C-E156-2013-39F6-279162EC4858}"/>
+                </a:ext>
+              </a:extLst>
+            </p:cNvPr>
+            <p:cNvSpPr/>
+            <p:nvPr/>
+          </p:nvSpPr>
+          <p:spPr>
+            <a:xfrm>
+              <a:off x="2953073" y="1684361"/>
+              <a:ext cx="2169617" cy="628447"/>
+            </a:xfrm>
+            <a:prstGeom prst="rect">
+              <a:avLst/>
+            </a:prstGeom>
+            <a:solidFill>
+              <a:schemeClr val="accent6"/>
+            </a:solidFill>
+          </p:spPr>
+          <p:style>
+            <a:lnRef idx="2">
+              <a:schemeClr val="accent1">
+                <a:shade val="50000"/>
+              </a:schemeClr>
+            </a:lnRef>
+            <a:fillRef idx="1">
+              <a:schemeClr val="accent1"/>
+            </a:fillRef>
+            <a:effectRef idx="0">
+              <a:schemeClr val="accent1"/>
+            </a:effectRef>
+            <a:fontRef idx="minor">
+              <a:schemeClr val="lt1"/>
+            </a:fontRef>
+          </p:style>
+          <p:txBody>
+            <a:bodyPr rtlCol="0" anchor="ctr"/>
+            <a:lstStyle/>
+            <a:p>
+              <a:pPr algn="ctr"/>
+              <a:r>
+                <a:rPr lang="de-DE" dirty="0"/>
+                <a:t>Browser</a:t>
+              </a:r>
+            </a:p>
+          </p:txBody>
+        </p:sp>
+        <p:sp>
+          <p:nvSpPr>
+            <p:cNvPr id="6" name="Rechteck 5">
+              <a:extLst>
+                <a:ext uri="{FF2B5EF4-FFF2-40B4-BE49-F238E27FC236}">
+                  <a16:creationId xmlns:a16="http://schemas.microsoft.com/office/drawing/2014/main" id="{4C21BB95-9C8E-396A-BA72-0C7DD10E28BD}"/>
+                </a:ext>
+              </a:extLst>
+            </p:cNvPr>
+            <p:cNvSpPr/>
+            <p:nvPr/>
+          </p:nvSpPr>
+          <p:spPr>
+            <a:xfrm>
+              <a:off x="2791390" y="2627635"/>
+              <a:ext cx="4758844" cy="45719"/>
+            </a:xfrm>
+            <a:prstGeom prst="rect">
+              <a:avLst/>
+            </a:prstGeom>
+            <a:solidFill>
+              <a:schemeClr val="tx1"/>
+            </a:solidFill>
+          </p:spPr>
+          <p:style>
+            <a:lnRef idx="2">
+              <a:schemeClr val="accent1">
+                <a:shade val="50000"/>
+              </a:schemeClr>
+            </a:lnRef>
+            <a:fillRef idx="1">
+              <a:schemeClr val="accent1"/>
+            </a:fillRef>
+            <a:effectRef idx="0">
+              <a:schemeClr val="accent1"/>
+            </a:effectRef>
+            <a:fontRef idx="minor">
+              <a:schemeClr val="lt1"/>
+            </a:fontRef>
+          </p:style>
+          <p:txBody>
+            <a:bodyPr rtlCol="0" anchor="ctr"/>
+            <a:lstStyle/>
+            <a:p>
+              <a:pPr algn="ctr"/>
+              <a:endParaRPr lang="de-DE"/>
+            </a:p>
+          </p:txBody>
+        </p:sp>
+        <p:cxnSp>
+          <p:nvCxnSpPr>
+            <p:cNvPr id="19" name="Gerade Verbindung mit Pfeil 18">
+              <a:extLst>
+                <a:ext uri="{FF2B5EF4-FFF2-40B4-BE49-F238E27FC236}">
+                  <a16:creationId xmlns:a16="http://schemas.microsoft.com/office/drawing/2014/main" id="{530BFEF6-AB67-1116-F56A-EE5D0894EA83}"/>
+                </a:ext>
+              </a:extLst>
+            </p:cNvPr>
+            <p:cNvCxnSpPr>
+              <a:cxnSpLocks/>
+              <a:stCxn id="17" idx="2"/>
+            </p:cNvCxnSpPr>
+            <p:nvPr/>
+          </p:nvCxnSpPr>
+          <p:spPr>
+            <a:xfrm>
+              <a:off x="4037882" y="2312808"/>
+              <a:ext cx="0" cy="360546"/>
+            </a:xfrm>
+            <a:prstGeom prst="straightConnector1">
+              <a:avLst/>
+            </a:prstGeom>
+            <a:ln w="38100">
+              <a:solidFill>
+                <a:srgbClr val="FF0000"/>
+              </a:solidFill>
+              <a:tailEnd type="triangle"/>
+            </a:ln>
+          </p:spPr>
+          <p:style>
+            <a:lnRef idx="1">
+              <a:schemeClr val="accent1"/>
+            </a:lnRef>
+            <a:fillRef idx="0">
+              <a:schemeClr val="accent1"/>
+            </a:fillRef>
+            <a:effectRef idx="0">
+              <a:schemeClr val="accent1"/>
+            </a:effectRef>
+            <a:fontRef idx="minor">
+              <a:schemeClr val="tx1"/>
+            </a:fontRef>
+          </p:style>
+        </p:cxnSp>
+        <p:sp>
+          <p:nvSpPr>
+            <p:cNvPr id="24" name="Textfeld 23">
+              <a:extLst>
+                <a:ext uri="{FF2B5EF4-FFF2-40B4-BE49-F238E27FC236}">
+                  <a16:creationId xmlns:a16="http://schemas.microsoft.com/office/drawing/2014/main" id="{0D1075ED-7B9F-3155-EC11-6BC68FA80A84}"/>
+                </a:ext>
+              </a:extLst>
+            </p:cNvPr>
+            <p:cNvSpPr txBox="1"/>
+            <p:nvPr/>
+          </p:nvSpPr>
+          <p:spPr>
+            <a:xfrm>
+              <a:off x="4037881" y="2292883"/>
+              <a:ext cx="1026563" cy="646331"/>
+            </a:xfrm>
+            <a:prstGeom prst="rect">
+              <a:avLst/>
+            </a:prstGeom>
+            <a:noFill/>
+          </p:spPr>
+          <p:txBody>
+            <a:bodyPr wrap="none" rtlCol="0">
+              <a:spAutoFit/>
+            </a:bodyPr>
+            <a:lstStyle/>
+            <a:p>
+              <a:r>
+                <a:rPr lang="de-DE" dirty="0" err="1">
+                  <a:solidFill>
+                    <a:srgbClr val="FF0000"/>
+                  </a:solidFill>
+                </a:rPr>
+                <a:t>localhost</a:t>
+              </a:r>
+              <a:br>
+                <a:rPr lang="de-DE" dirty="0">
+                  <a:solidFill>
+                    <a:srgbClr val="FF0000"/>
+                  </a:solidFill>
+                </a:rPr>
+              </a:br>
+              <a:r>
+                <a:rPr lang="de-DE" dirty="0">
+                  <a:solidFill>
+                    <a:srgbClr val="FF0000"/>
+                  </a:solidFill>
+                </a:rPr>
+                <a:t>8080</a:t>
+              </a:r>
+            </a:p>
+          </p:txBody>
+        </p:sp>
+        <p:sp>
+          <p:nvSpPr>
+            <p:cNvPr id="26" name="Textfeld 25">
+              <a:extLst>
+                <a:ext uri="{FF2B5EF4-FFF2-40B4-BE49-F238E27FC236}">
+                  <a16:creationId xmlns:a16="http://schemas.microsoft.com/office/drawing/2014/main" id="{AEFBDB9A-8EF0-0131-CC19-EAFE9A6F50BB}"/>
+                </a:ext>
+              </a:extLst>
+            </p:cNvPr>
+            <p:cNvSpPr txBox="1"/>
+            <p:nvPr/>
+          </p:nvSpPr>
+          <p:spPr>
+            <a:xfrm>
+              <a:off x="5408317" y="3661152"/>
+              <a:ext cx="1269194" cy="646331"/>
+            </a:xfrm>
+            <a:prstGeom prst="rect">
+              <a:avLst/>
+            </a:prstGeom>
+            <a:noFill/>
+          </p:spPr>
+          <p:txBody>
+            <a:bodyPr wrap="none" rtlCol="0">
+              <a:spAutoFit/>
+            </a:bodyPr>
+            <a:lstStyle/>
+            <a:p>
+              <a:r>
+                <a:rPr lang="de-DE" dirty="0">
+                  <a:solidFill>
+                    <a:srgbClr val="FF0000"/>
+                  </a:solidFill>
+                </a:rPr>
+                <a:t>Java-starter</a:t>
+              </a:r>
+              <a:br>
+                <a:rPr lang="de-DE" dirty="0">
+                  <a:solidFill>
+                    <a:srgbClr val="FF0000"/>
+                  </a:solidFill>
+                </a:rPr>
+              </a:br>
+              <a:r>
+                <a:rPr lang="de-DE" dirty="0">
+                  <a:solidFill>
+                    <a:srgbClr val="FF0000"/>
+                  </a:solidFill>
+                </a:rPr>
+                <a:t>8080</a:t>
+              </a:r>
+            </a:p>
+          </p:txBody>
+        </p:sp>
+        <p:sp>
+          <p:nvSpPr>
+            <p:cNvPr id="27" name="Rechteck 26">
+              <a:extLst>
+                <a:ext uri="{FF2B5EF4-FFF2-40B4-BE49-F238E27FC236}">
+                  <a16:creationId xmlns:a16="http://schemas.microsoft.com/office/drawing/2014/main" id="{40C40330-E8ED-473F-BB53-1716E8E3BADB}"/>
+                </a:ext>
+              </a:extLst>
+            </p:cNvPr>
+            <p:cNvSpPr/>
+            <p:nvPr/>
+          </p:nvSpPr>
+          <p:spPr>
+            <a:xfrm rot="5400000" flipV="1">
+              <a:off x="5218382" y="4576510"/>
+              <a:ext cx="2032673" cy="45719"/>
+            </a:xfrm>
+            <a:prstGeom prst="rect">
+              <a:avLst/>
+            </a:prstGeom>
+            <a:solidFill>
+              <a:schemeClr val="tx1"/>
+            </a:solidFill>
+          </p:spPr>
+          <p:style>
+            <a:lnRef idx="2">
+              <a:schemeClr val="accent1">
+                <a:shade val="50000"/>
+              </a:schemeClr>
+            </a:lnRef>
+            <a:fillRef idx="1">
+              <a:schemeClr val="accent1"/>
+            </a:fillRef>
+            <a:effectRef idx="0">
+              <a:schemeClr val="accent1"/>
+            </a:effectRef>
+            <a:fontRef idx="minor">
+              <a:schemeClr val="lt1"/>
+            </a:fontRef>
+          </p:style>
+          <p:txBody>
+            <a:bodyPr rtlCol="0" anchor="ctr"/>
+            <a:lstStyle/>
+            <a:p>
+              <a:pPr algn="ctr"/>
+              <a:endParaRPr lang="de-DE"/>
+            </a:p>
+          </p:txBody>
+        </p:sp>
+        <p:cxnSp>
+          <p:nvCxnSpPr>
+            <p:cNvPr id="28" name="Gerade Verbindung mit Pfeil 27">
+              <a:extLst>
+                <a:ext uri="{FF2B5EF4-FFF2-40B4-BE49-F238E27FC236}">
+                  <a16:creationId xmlns:a16="http://schemas.microsoft.com/office/drawing/2014/main" id="{295CC962-C4B6-5A0C-3D64-F32969520C4A}"/>
+                </a:ext>
+              </a:extLst>
+            </p:cNvPr>
+            <p:cNvCxnSpPr>
+              <a:cxnSpLocks/>
+              <a:stCxn id="12" idx="3"/>
+              <a:endCxn id="27" idx="0"/>
+            </p:cNvCxnSpPr>
+            <p:nvPr/>
+          </p:nvCxnSpPr>
+          <p:spPr>
+            <a:xfrm>
+              <a:off x="5475579" y="4584748"/>
+              <a:ext cx="736280" cy="14622"/>
+            </a:xfrm>
+            <a:prstGeom prst="straightConnector1">
+              <a:avLst/>
+            </a:prstGeom>
+            <a:ln w="38100">
+              <a:solidFill>
+                <a:srgbClr val="FF0000"/>
+              </a:solidFill>
+              <a:tailEnd type="triangle"/>
+            </a:ln>
+          </p:spPr>
+          <p:style>
+            <a:lnRef idx="1">
+              <a:schemeClr val="accent1"/>
+            </a:lnRef>
+            <a:fillRef idx="0">
+              <a:schemeClr val="accent1"/>
+            </a:fillRef>
+            <a:effectRef idx="0">
+              <a:schemeClr val="accent1"/>
+            </a:effectRef>
+            <a:fontRef idx="minor">
+              <a:schemeClr val="tx1"/>
+            </a:fontRef>
+          </p:style>
+        </p:cxnSp>
+        <p:cxnSp>
+          <p:nvCxnSpPr>
+            <p:cNvPr id="31" name="Gerade Verbindung mit Pfeil 30">
+              <a:extLst>
+                <a:ext uri="{FF2B5EF4-FFF2-40B4-BE49-F238E27FC236}">
+                  <a16:creationId xmlns:a16="http://schemas.microsoft.com/office/drawing/2014/main" id="{51B06C8F-3089-1DE1-C93C-41B52F78B834}"/>
+                </a:ext>
+              </a:extLst>
+            </p:cNvPr>
+            <p:cNvCxnSpPr>
+              <a:cxnSpLocks/>
+              <a:endCxn id="2" idx="1"/>
+            </p:cNvCxnSpPr>
+            <p:nvPr/>
+          </p:nvCxnSpPr>
+          <p:spPr>
+            <a:xfrm>
+              <a:off x="6257578" y="4584747"/>
+              <a:ext cx="764065" cy="2"/>
+            </a:xfrm>
+            <a:prstGeom prst="straightConnector1">
+              <a:avLst/>
+            </a:prstGeom>
+            <a:ln w="38100">
+              <a:solidFill>
+                <a:srgbClr val="FF0000"/>
+              </a:solidFill>
+              <a:tailEnd type="triangle"/>
+            </a:ln>
+          </p:spPr>
+          <p:style>
+            <a:lnRef idx="1">
+              <a:schemeClr val="accent1"/>
+            </a:lnRef>
+            <a:fillRef idx="0">
+              <a:schemeClr val="accent1"/>
+            </a:fillRef>
+            <a:effectRef idx="0">
+              <a:schemeClr val="accent1"/>
+            </a:effectRef>
+            <a:fontRef idx="minor">
+              <a:schemeClr val="tx1"/>
+            </a:fontRef>
+          </p:style>
+        </p:cxnSp>
+        <p:sp>
+          <p:nvSpPr>
+            <p:cNvPr id="35" name="Textfeld 34">
+              <a:extLst>
+                <a:ext uri="{FF2B5EF4-FFF2-40B4-BE49-F238E27FC236}">
+                  <a16:creationId xmlns:a16="http://schemas.microsoft.com/office/drawing/2014/main" id="{76E6BBFC-1B5D-1DC1-93FA-50F8434F62D9}"/>
+                </a:ext>
+              </a:extLst>
+            </p:cNvPr>
+            <p:cNvSpPr txBox="1"/>
+            <p:nvPr/>
+          </p:nvSpPr>
+          <p:spPr>
+            <a:xfrm>
+              <a:off x="6419284" y="4207194"/>
+              <a:ext cx="652743" cy="646331"/>
+            </a:xfrm>
+            <a:prstGeom prst="rect">
+              <a:avLst/>
+            </a:prstGeom>
+            <a:noFill/>
+          </p:spPr>
+          <p:txBody>
+            <a:bodyPr wrap="none" rtlCol="0">
+              <a:spAutoFit/>
+            </a:bodyPr>
+            <a:lstStyle/>
+            <a:p>
+              <a:r>
+                <a:rPr lang="de-DE" dirty="0" err="1">
+                  <a:solidFill>
+                    <a:srgbClr val="FF0000"/>
+                  </a:solidFill>
+                </a:rPr>
+                <a:t>db</a:t>
+              </a:r>
+              <a:br>
+                <a:rPr lang="de-DE" dirty="0">
+                  <a:solidFill>
+                    <a:srgbClr val="FF0000"/>
+                  </a:solidFill>
+                </a:rPr>
+              </a:br>
+              <a:r>
+                <a:rPr lang="de-DE" dirty="0">
+                  <a:solidFill>
+                    <a:srgbClr val="FF0000"/>
+                  </a:solidFill>
+                </a:rPr>
+                <a:t>5432</a:t>
+              </a:r>
+            </a:p>
+          </p:txBody>
+        </p:sp>
+        <p:sp>
+          <p:nvSpPr>
+            <p:cNvPr id="39" name="Bogen 38">
+              <a:extLst>
+                <a:ext uri="{FF2B5EF4-FFF2-40B4-BE49-F238E27FC236}">
+                  <a16:creationId xmlns:a16="http://schemas.microsoft.com/office/drawing/2014/main" id="{96A7824F-1777-AF0C-4A16-75F527AD380E}"/>
+                </a:ext>
+              </a:extLst>
+            </p:cNvPr>
+            <p:cNvSpPr/>
+            <p:nvPr/>
+          </p:nvSpPr>
+          <p:spPr>
+            <a:xfrm>
+              <a:off x="4037881" y="2673354"/>
+              <a:ext cx="914400" cy="914400"/>
+            </a:xfrm>
+            <a:prstGeom prst="arc">
+              <a:avLst/>
+            </a:prstGeom>
+          </p:spPr>
+          <p:style>
+            <a:lnRef idx="1">
+              <a:schemeClr val="accent1"/>
+            </a:lnRef>
+            <a:fillRef idx="0">
+              <a:schemeClr val="accent1"/>
+            </a:fillRef>
+            <a:effectRef idx="0">
+              <a:schemeClr val="accent1"/>
+            </a:effectRef>
+            <a:fontRef idx="minor">
+              <a:schemeClr val="tx1"/>
+            </a:fontRef>
+          </p:style>
+          <p:txBody>
+            <a:bodyPr rtlCol="0" anchor="ctr"/>
+            <a:lstStyle/>
+            <a:p>
+              <a:pPr algn="ctr"/>
+              <a:endParaRPr lang="de-DE"/>
+            </a:p>
+          </p:txBody>
+        </p:sp>
+        <p:sp>
+          <p:nvSpPr>
+            <p:cNvPr id="44" name="Oval 43">
+              <a:extLst>
+                <a:ext uri="{FF2B5EF4-FFF2-40B4-BE49-F238E27FC236}">
+                  <a16:creationId xmlns:a16="http://schemas.microsoft.com/office/drawing/2014/main" id="{ECC562B2-E72E-8F08-CAEC-BCCC0400BA94}"/>
+                </a:ext>
+              </a:extLst>
+            </p:cNvPr>
+            <p:cNvSpPr/>
+            <p:nvPr/>
+          </p:nvSpPr>
+          <p:spPr>
+            <a:xfrm rot="2139162">
+              <a:off x="3691360" y="2855638"/>
+              <a:ext cx="2848977" cy="1007896"/>
+            </a:xfrm>
+            <a:prstGeom prst="ellipse">
+              <a:avLst/>
+            </a:prstGeom>
+            <a:solidFill>
+              <a:srgbClr val="FF0000">
+                <a:alpha val="23000"/>
+              </a:srgbClr>
+            </a:solidFill>
+          </p:spPr>
+          <p:style>
+            <a:lnRef idx="2">
+              <a:schemeClr val="accent1">
+                <a:shade val="50000"/>
+              </a:schemeClr>
+            </a:lnRef>
+            <a:fillRef idx="1">
+              <a:schemeClr val="accent1"/>
+            </a:fillRef>
+            <a:effectRef idx="0">
+              <a:schemeClr val="accent1"/>
+            </a:effectRef>
+            <a:fontRef idx="minor">
+              <a:schemeClr val="lt1"/>
+            </a:fontRef>
+          </p:style>
+          <p:txBody>
+            <a:bodyPr rtlCol="0" anchor="ctr"/>
+            <a:lstStyle/>
+            <a:p>
+              <a:pPr algn="ctr"/>
+              <a:endParaRPr lang="de-DE" dirty="0"/>
+            </a:p>
+          </p:txBody>
+        </p:sp>
+        <p:sp>
+          <p:nvSpPr>
+            <p:cNvPr id="29" name="Oval 28">
+              <a:extLst>
+                <a:ext uri="{FF2B5EF4-FFF2-40B4-BE49-F238E27FC236}">
+                  <a16:creationId xmlns:a16="http://schemas.microsoft.com/office/drawing/2014/main" id="{707BEB12-C916-A745-1000-ADAF00456CF0}"/>
+                </a:ext>
+              </a:extLst>
+            </p:cNvPr>
+            <p:cNvSpPr/>
+            <p:nvPr/>
+          </p:nvSpPr>
+          <p:spPr>
+            <a:xfrm rot="5400000">
+              <a:off x="5233916" y="3106375"/>
+              <a:ext cx="2848977" cy="1007896"/>
+            </a:xfrm>
+            <a:prstGeom prst="ellipse">
+              <a:avLst/>
+            </a:prstGeom>
+            <a:solidFill>
+              <a:srgbClr val="FF0000">
+                <a:alpha val="23000"/>
+              </a:srgbClr>
+            </a:solidFill>
+          </p:spPr>
+          <p:style>
+            <a:lnRef idx="2">
+              <a:schemeClr val="accent1">
+                <a:shade val="50000"/>
+              </a:schemeClr>
+            </a:lnRef>
+            <a:fillRef idx="1">
+              <a:schemeClr val="accent1"/>
+            </a:fillRef>
+            <a:effectRef idx="0">
+              <a:schemeClr val="accent1"/>
+            </a:effectRef>
+            <a:fontRef idx="minor">
+              <a:schemeClr val="lt1"/>
+            </a:fontRef>
+          </p:style>
+          <p:txBody>
+            <a:bodyPr rtlCol="0" anchor="ctr"/>
+            <a:lstStyle/>
+            <a:p>
+              <a:pPr algn="ctr"/>
+              <a:endParaRPr lang="de-DE" dirty="0"/>
+            </a:p>
+          </p:txBody>
+        </p:sp>
+        <p:sp>
+          <p:nvSpPr>
+            <p:cNvPr id="30" name="Textfeld 29">
+              <a:extLst>
+                <a:ext uri="{FF2B5EF4-FFF2-40B4-BE49-F238E27FC236}">
+                  <a16:creationId xmlns:a16="http://schemas.microsoft.com/office/drawing/2014/main" id="{BB335211-481F-C337-70A0-993E7A512672}"/>
+                </a:ext>
+              </a:extLst>
+            </p:cNvPr>
+            <p:cNvSpPr txBox="1"/>
+            <p:nvPr/>
+          </p:nvSpPr>
+          <p:spPr>
+            <a:xfrm>
+              <a:off x="6785320" y="2160673"/>
+              <a:ext cx="1026563" cy="646331"/>
+            </a:xfrm>
+            <a:prstGeom prst="rect">
+              <a:avLst/>
+            </a:prstGeom>
+            <a:noFill/>
+          </p:spPr>
+          <p:txBody>
+            <a:bodyPr wrap="none" rtlCol="0">
+              <a:spAutoFit/>
+            </a:bodyPr>
+            <a:lstStyle/>
+            <a:p>
+              <a:r>
+                <a:rPr lang="de-DE" dirty="0" err="1">
+                  <a:solidFill>
+                    <a:srgbClr val="FF0000"/>
+                  </a:solidFill>
+                </a:rPr>
+                <a:t>localhost</a:t>
+              </a:r>
+              <a:br>
+                <a:rPr lang="de-DE" dirty="0">
+                  <a:solidFill>
+                    <a:srgbClr val="FF0000"/>
+                  </a:solidFill>
+                </a:rPr>
+              </a:br>
+              <a:r>
+                <a:rPr lang="de-DE" dirty="0">
+                  <a:solidFill>
+                    <a:srgbClr val="FF0000"/>
+                  </a:solidFill>
+                </a:rPr>
+                <a:t>5432</a:t>
+              </a:r>
+            </a:p>
+          </p:txBody>
+        </p:sp>
+      </p:grpSp>
+    </p:spTree>
+    <p:extLst>
+      <p:ext uri="{BB962C8B-B14F-4D97-AF65-F5344CB8AC3E}">
+        <p14:creationId xmlns:p14="http://schemas.microsoft.com/office/powerpoint/2010/main" val="4049937503"/>
+      </p:ext>
+    </p:extLst>
+  </p:cSld>
+  <p:clrMapOvr>
+    <a:masterClrMapping/>
+  </p:clrMapOvr>
+</p:sld>
+</file>
+
+<file path=ppt/slides/slide59.xml><?xml version="1.0" encoding="utf-8"?>
+<p:sld xmlns:a="http://schemas.openxmlformats.org/drawingml/2006/main" xmlns:r="http://schemas.openxmlformats.org/officeDocument/2006/relationships" xmlns:p="http://schemas.openxmlformats.org/presentationml/2006/main">
+  <p:cSld>
+    <p:spTree>
+      <p:nvGrpSpPr>
+        <p:cNvPr id="1" name=""/>
+        <p:cNvGrpSpPr/>
+        <p:nvPr/>
+      </p:nvGrpSpPr>
+      <p:grpSpPr>
+        <a:xfrm>
+          <a:off x="0" y="0"/>
+          <a:ext cx="0" cy="0"/>
+          <a:chOff x="0" y="0"/>
+          <a:chExt cx="0" cy="0"/>
+        </a:xfrm>
+      </p:grpSpPr>
+      <p:sp>
+        <p:nvSpPr>
+          <p:cNvPr id="8" name="Rechteck 7">
+            <a:extLst>
+              <a:ext uri="{FF2B5EF4-FFF2-40B4-BE49-F238E27FC236}">
+                <a16:creationId xmlns:a16="http://schemas.microsoft.com/office/drawing/2014/main" id="{FD829AED-643C-1E44-321E-7E0865B6FEAB}"/>
+              </a:ext>
+            </a:extLst>
+          </p:cNvPr>
+          <p:cNvSpPr/>
+          <p:nvPr/>
+        </p:nvSpPr>
+        <p:spPr>
+          <a:xfrm>
+            <a:off x="1197429" y="1426029"/>
+            <a:ext cx="10689771" cy="5159828"/>
+          </a:xfrm>
+          <a:prstGeom prst="rect">
+            <a:avLst/>
+          </a:prstGeom>
+        </p:spPr>
+        <p:style>
+          <a:lnRef idx="2">
+            <a:schemeClr val="accent1">
+              <a:shade val="50000"/>
+            </a:schemeClr>
+          </a:lnRef>
+          <a:fillRef idx="1">
+            <a:schemeClr val="accent1"/>
+          </a:fillRef>
+          <a:effectRef idx="0">
+            <a:schemeClr val="accent1"/>
+          </a:effectRef>
+          <a:fontRef idx="minor">
+            <a:schemeClr val="lt1"/>
+          </a:fontRef>
+        </p:style>
+        <p:txBody>
+          <a:bodyPr rtlCol="0" anchor="ctr"/>
+          <a:lstStyle/>
+          <a:p>
+            <a:pPr algn="ctr"/>
+            <a:endParaRPr lang="de-DE" dirty="0"/>
+          </a:p>
+        </p:txBody>
+      </p:sp>
+      <p:sp>
+        <p:nvSpPr>
+          <p:cNvPr id="9" name="Textfeld 8">
+            <a:extLst>
+              <a:ext uri="{FF2B5EF4-FFF2-40B4-BE49-F238E27FC236}">
+                <a16:creationId xmlns:a16="http://schemas.microsoft.com/office/drawing/2014/main" id="{A68B0423-37BC-34B2-B50A-18A96AFF7160}"/>
+              </a:ext>
+            </a:extLst>
+          </p:cNvPr>
+          <p:cNvSpPr txBox="1"/>
+          <p:nvPr/>
+        </p:nvSpPr>
+        <p:spPr>
+          <a:xfrm>
+            <a:off x="5734689" y="1828801"/>
+            <a:ext cx="726481" cy="369332"/>
+          </a:xfrm>
+          <a:prstGeom prst="rect">
+            <a:avLst/>
+          </a:prstGeom>
+          <a:noFill/>
+        </p:spPr>
+        <p:txBody>
+          <a:bodyPr wrap="none" rtlCol="0">
+            <a:spAutoFit/>
+          </a:bodyPr>
+          <a:lstStyle/>
+          <a:p>
+            <a:r>
+              <a:rPr lang="de-DE" dirty="0"/>
+              <a:t>Cloud</a:t>
+            </a:r>
+          </a:p>
+        </p:txBody>
+      </p:sp>
+      <p:sp>
+        <p:nvSpPr>
+          <p:cNvPr id="4" name="Rechteck 3">
+            <a:extLst>
+              <a:ext uri="{FF2B5EF4-FFF2-40B4-BE49-F238E27FC236}">
+                <a16:creationId xmlns:a16="http://schemas.microsoft.com/office/drawing/2014/main" id="{0976E51F-A6A9-C790-9430-3BC124426D1C}"/>
+              </a:ext>
+            </a:extLst>
+          </p:cNvPr>
+          <p:cNvSpPr/>
+          <p:nvPr/>
+        </p:nvSpPr>
+        <p:spPr>
+          <a:xfrm>
+            <a:off x="2140618" y="2593075"/>
+            <a:ext cx="9459979" cy="3398292"/>
+          </a:xfrm>
+          <a:prstGeom prst="rect">
+            <a:avLst/>
+          </a:prstGeom>
+          <a:solidFill>
+            <a:schemeClr val="accent1">
+              <a:lumMod val="20000"/>
+              <a:lumOff val="80000"/>
+            </a:schemeClr>
+          </a:solidFill>
+        </p:spPr>
+        <p:style>
+          <a:lnRef idx="2">
+            <a:schemeClr val="accent1">
+              <a:shade val="50000"/>
+            </a:schemeClr>
+          </a:lnRef>
+          <a:fillRef idx="1">
+            <a:schemeClr val="accent1"/>
+          </a:fillRef>
+          <a:effectRef idx="0">
+            <a:schemeClr val="accent1"/>
+          </a:effectRef>
+          <a:fontRef idx="minor">
+            <a:schemeClr val="lt1"/>
+          </a:fontRef>
+        </p:style>
+        <p:txBody>
+          <a:bodyPr rtlCol="0" anchor="ctr"/>
+          <a:lstStyle/>
+          <a:p>
+            <a:pPr algn="ctr"/>
+            <a:endParaRPr lang="de-DE"/>
+          </a:p>
+        </p:txBody>
+      </p:sp>
+      <p:sp>
+        <p:nvSpPr>
+          <p:cNvPr id="2" name="Rechteck 1">
+            <a:extLst>
+              <a:ext uri="{FF2B5EF4-FFF2-40B4-BE49-F238E27FC236}">
+                <a16:creationId xmlns:a16="http://schemas.microsoft.com/office/drawing/2014/main" id="{B793B692-EA57-9663-72DD-3E1BE3E30AB8}"/>
+              </a:ext>
+            </a:extLst>
+          </p:cNvPr>
+          <p:cNvSpPr/>
+          <p:nvPr/>
+        </p:nvSpPr>
+        <p:spPr>
+          <a:xfrm>
+            <a:off x="7349937" y="3114791"/>
+            <a:ext cx="3029803" cy="2032673"/>
+          </a:xfrm>
+          <a:prstGeom prst="rect">
+            <a:avLst/>
+          </a:prstGeom>
+          <a:solidFill>
+            <a:schemeClr val="accent1">
+              <a:lumMod val="40000"/>
+              <a:lumOff val="60000"/>
+            </a:schemeClr>
+          </a:solidFill>
+        </p:spPr>
+        <p:style>
+          <a:lnRef idx="2">
+            <a:schemeClr val="accent1">
+              <a:shade val="50000"/>
+            </a:schemeClr>
+          </a:lnRef>
+          <a:fillRef idx="1">
+            <a:schemeClr val="accent1"/>
+          </a:fillRef>
+          <a:effectRef idx="0">
+            <a:schemeClr val="accent1"/>
+          </a:effectRef>
+          <a:fontRef idx="minor">
+            <a:schemeClr val="lt1"/>
+          </a:fontRef>
+        </p:style>
+        <p:txBody>
+          <a:bodyPr rtlCol="0" anchor="ctr"/>
+          <a:lstStyle/>
+          <a:p>
+            <a:pPr algn="ctr"/>
+            <a:endParaRPr lang="de-DE" dirty="0"/>
+          </a:p>
+        </p:txBody>
+      </p:sp>
+      <p:sp>
+        <p:nvSpPr>
+          <p:cNvPr id="12" name="Rechteck 11">
+            <a:extLst>
+              <a:ext uri="{FF2B5EF4-FFF2-40B4-BE49-F238E27FC236}">
+                <a16:creationId xmlns:a16="http://schemas.microsoft.com/office/drawing/2014/main" id="{6C4CF849-464A-1C85-BE35-B353E9AE870C}"/>
+              </a:ext>
+            </a:extLst>
+          </p:cNvPr>
+          <p:cNvSpPr/>
+          <p:nvPr/>
+        </p:nvSpPr>
+        <p:spPr>
+          <a:xfrm>
+            <a:off x="2774070" y="3114790"/>
+            <a:ext cx="3029803" cy="2032673"/>
+          </a:xfrm>
+          <a:prstGeom prst="rect">
+            <a:avLst/>
+          </a:prstGeom>
+          <a:solidFill>
+            <a:schemeClr val="accent1">
+              <a:lumMod val="40000"/>
+              <a:lumOff val="60000"/>
+            </a:schemeClr>
+          </a:solidFill>
+        </p:spPr>
+        <p:style>
+          <a:lnRef idx="2">
+            <a:schemeClr val="accent1">
+              <a:shade val="50000"/>
+            </a:schemeClr>
+          </a:lnRef>
+          <a:fillRef idx="1">
+            <a:schemeClr val="accent1"/>
+          </a:fillRef>
+          <a:effectRef idx="0">
+            <a:schemeClr val="accent1"/>
+          </a:effectRef>
+          <a:fontRef idx="minor">
+            <a:schemeClr val="lt1"/>
+          </a:fontRef>
+        </p:style>
+        <p:txBody>
+          <a:bodyPr rtlCol="0" anchor="ctr"/>
+          <a:lstStyle/>
+          <a:p>
+            <a:pPr algn="ctr"/>
+            <a:endParaRPr lang="de-DE" dirty="0"/>
+          </a:p>
+        </p:txBody>
+      </p:sp>
+      <p:sp>
+        <p:nvSpPr>
+          <p:cNvPr id="3" name="Textfeld 2">
+            <a:extLst>
+              <a:ext uri="{FF2B5EF4-FFF2-40B4-BE49-F238E27FC236}">
+                <a16:creationId xmlns:a16="http://schemas.microsoft.com/office/drawing/2014/main" id="{FEFFED6A-7C71-D1EA-64A4-30DDD64C85F8}"/>
+              </a:ext>
+            </a:extLst>
+          </p:cNvPr>
+          <p:cNvSpPr txBox="1"/>
+          <p:nvPr/>
+        </p:nvSpPr>
+        <p:spPr>
+          <a:xfrm>
+            <a:off x="7903194" y="3244334"/>
+            <a:ext cx="428322" cy="369332"/>
+          </a:xfrm>
+          <a:prstGeom prst="rect">
+            <a:avLst/>
+          </a:prstGeom>
+          <a:noFill/>
+        </p:spPr>
+        <p:txBody>
+          <a:bodyPr wrap="none" rtlCol="0">
+            <a:spAutoFit/>
+          </a:bodyPr>
+          <a:lstStyle/>
+          <a:p>
+            <a:r>
+              <a:rPr lang="de-DE" dirty="0" err="1"/>
+              <a:t>db</a:t>
+            </a:r>
+            <a:endParaRPr lang="de-DE" dirty="0"/>
+          </a:p>
+        </p:txBody>
+      </p:sp>
+      <p:sp>
+        <p:nvSpPr>
+          <p:cNvPr id="11" name="Rechteck 10">
+            <a:extLst>
+              <a:ext uri="{FF2B5EF4-FFF2-40B4-BE49-F238E27FC236}">
+                <a16:creationId xmlns:a16="http://schemas.microsoft.com/office/drawing/2014/main" id="{430C7F14-FE0A-2A9A-875A-FE6B06E395EA}"/>
+              </a:ext>
+            </a:extLst>
+          </p:cNvPr>
+          <p:cNvSpPr/>
+          <p:nvPr/>
+        </p:nvSpPr>
+        <p:spPr>
+          <a:xfrm>
+            <a:off x="7678297" y="3647794"/>
+            <a:ext cx="2373085" cy="1404257"/>
+          </a:xfrm>
+          <a:prstGeom prst="rect">
+            <a:avLst/>
+          </a:prstGeom>
+          <a:solidFill>
+            <a:schemeClr val="accent6"/>
+          </a:solidFill>
+        </p:spPr>
+        <p:style>
+          <a:lnRef idx="2">
+            <a:schemeClr val="accent1">
+              <a:shade val="50000"/>
+            </a:schemeClr>
+          </a:lnRef>
+          <a:fillRef idx="1">
+            <a:schemeClr val="accent1"/>
+          </a:fillRef>
+          <a:effectRef idx="0">
+            <a:schemeClr val="accent1"/>
+          </a:effectRef>
+          <a:fontRef idx="minor">
+            <a:schemeClr val="lt1"/>
+          </a:fontRef>
+        </p:style>
+        <p:txBody>
+          <a:bodyPr rtlCol="0" anchor="ctr"/>
+          <a:lstStyle/>
+          <a:p>
+            <a:pPr algn="ctr"/>
+            <a:r>
+              <a:rPr lang="de-DE" dirty="0"/>
+              <a:t>Datenbank</a:t>
+            </a:r>
+          </a:p>
+        </p:txBody>
+      </p:sp>
+      <p:cxnSp>
+        <p:nvCxnSpPr>
+          <p:cNvPr id="13" name="Gerade Verbindung mit Pfeil 12">
+            <a:extLst>
+              <a:ext uri="{FF2B5EF4-FFF2-40B4-BE49-F238E27FC236}">
+                <a16:creationId xmlns:a16="http://schemas.microsoft.com/office/drawing/2014/main" id="{96B270E3-22BA-C088-1968-C4CEDE244AD3}"/>
+              </a:ext>
+            </a:extLst>
+          </p:cNvPr>
+          <p:cNvCxnSpPr>
+            <a:stCxn id="10" idx="3"/>
+            <a:endCxn id="11" idx="1"/>
+          </p:cNvCxnSpPr>
+          <p:nvPr/>
+        </p:nvCxnSpPr>
+        <p:spPr>
+          <a:xfrm>
+            <a:off x="5475514" y="4131129"/>
+            <a:ext cx="2202783" cy="218794"/>
+          </a:xfrm>
+          <a:prstGeom prst="straightConnector1">
+            <a:avLst/>
+          </a:prstGeom>
+          <a:ln w="38100">
+            <a:solidFill>
+              <a:srgbClr val="FF0000"/>
+            </a:solidFill>
+            <a:tailEnd type="triangle"/>
+          </a:ln>
+        </p:spPr>
+        <p:style>
+          <a:lnRef idx="1">
+            <a:schemeClr val="accent1"/>
+          </a:lnRef>
+          <a:fillRef idx="0">
+            <a:schemeClr val="accent1"/>
+          </a:fillRef>
+          <a:effectRef idx="0">
+            <a:schemeClr val="accent1"/>
+          </a:effectRef>
+          <a:fontRef idx="minor">
+            <a:schemeClr val="tx1"/>
+          </a:fontRef>
+        </p:style>
+      </p:cxnSp>
+      <p:sp>
+        <p:nvSpPr>
+          <p:cNvPr id="5" name="Textfeld 4">
+            <a:extLst>
+              <a:ext uri="{FF2B5EF4-FFF2-40B4-BE49-F238E27FC236}">
+                <a16:creationId xmlns:a16="http://schemas.microsoft.com/office/drawing/2014/main" id="{8C61BD20-7A5C-E96C-4542-AC868DA6C617}"/>
+              </a:ext>
+            </a:extLst>
+          </p:cNvPr>
+          <p:cNvSpPr txBox="1"/>
+          <p:nvPr/>
+        </p:nvSpPr>
+        <p:spPr>
+          <a:xfrm>
             <a:off x="5833081" y="2660900"/>
             <a:ext cx="1256178" cy="369332"/>
           </a:xfrm>
@@ -20677,7 +20325,7 @@
         <p:spPr>
           <a:xfrm>
             <a:off x="3853496" y="3040778"/>
-            <a:ext cx="1249958" cy="369332"/>
+            <a:ext cx="1269194" cy="369332"/>
           </a:xfrm>
           <a:prstGeom prst="rect">
             <a:avLst/>
@@ -20691,12 +20339,8 @@
           <a:lstStyle/>
           <a:p>
             <a:r>
-              <a:rPr lang="de-DE" dirty="0" err="1"/>
-              <a:t>java</a:t>
-            </a:r>
-            <a:r>
-              <a:rPr lang="de-DE" dirty="0"/>
-              <a:t>-starter</a:t>
+              <a:rPr lang="de-DE" dirty="0"/>
+              <a:t>Java-starter</a:t>
             </a:r>
           </a:p>
         </p:txBody>
@@ -20776,18 +20420,10 @@
           <a:lstStyle/>
           <a:p>
             <a:r>
-              <a:rPr lang="de-DE" dirty="0" err="1">
-                <a:solidFill>
-                  <a:schemeClr val="bg1"/>
-                </a:solidFill>
-              </a:rPr>
+              <a:rPr lang="de-DE" dirty="0" err="1"/>
               <a:t>MeinComputer</a:t>
             </a:r>
-            <a:endParaRPr lang="de-DE" dirty="0">
-              <a:solidFill>
-                <a:schemeClr val="bg1"/>
-              </a:solidFill>
-            </a:endParaRPr>
+            <a:endParaRPr lang="de-DE" dirty="0"/>
           </a:p>
         </p:txBody>
       </p:sp>
@@ -21202,122 +20838,6 @@
               <a:t>Thema: Persistenz mit Spring Data</a:t>
             </a:r>
           </a:p>
-          <a:p>
-            <a:pPr lvl="1"/>
-            <a:r>
-              <a:rPr lang="de-DE" dirty="0"/>
-              <a:t>ORM: </a:t>
-            </a:r>
-            <a:r>
-              <a:rPr lang="de-DE" dirty="0" err="1"/>
-              <a:t>Object</a:t>
-            </a:r>
-            <a:r>
-              <a:rPr lang="de-DE" dirty="0"/>
-              <a:t>-relational </a:t>
-            </a:r>
-            <a:r>
-              <a:rPr lang="de-DE" dirty="0" err="1"/>
-              <a:t>mapping</a:t>
-            </a:r>
-            <a:endParaRPr lang="de-DE" dirty="0"/>
-          </a:p>
-          <a:p>
-            <a:pPr lvl="2"/>
-            <a:r>
-              <a:rPr lang="de-DE" dirty="0"/>
-              <a:t>Klasse </a:t>
-            </a:r>
-            <a:r>
-              <a:rPr lang="de-DE" dirty="0">
-                <a:sym typeface="Wingdings" pitchFamily="2" charset="2"/>
-              </a:rPr>
-              <a:t> Datenbanktabelle</a:t>
-            </a:r>
-          </a:p>
-          <a:p>
-            <a:pPr lvl="2"/>
-            <a:r>
-              <a:rPr lang="de-DE" dirty="0">
-                <a:sym typeface="Wingdings" pitchFamily="2" charset="2"/>
-              </a:rPr>
-              <a:t>Objekt  Datenbankeintrag (Zeile in Tabelle)</a:t>
-            </a:r>
-          </a:p>
-          <a:p>
-            <a:pPr lvl="1"/>
-            <a:r>
-              <a:rPr lang="de-DE" dirty="0">
-                <a:sym typeface="Wingdings" pitchFamily="2" charset="2"/>
-              </a:rPr>
-              <a:t>Mapping-Regeln (Auszug)</a:t>
-            </a:r>
-          </a:p>
-          <a:p>
-            <a:pPr lvl="2"/>
-            <a:r>
-              <a:rPr lang="de-DE" dirty="0">
-                <a:sym typeface="Wingdings" pitchFamily="2" charset="2"/>
-              </a:rPr>
-              <a:t>Klasse  Tabelle</a:t>
-            </a:r>
-          </a:p>
-          <a:p>
-            <a:pPr lvl="2"/>
-            <a:r>
-              <a:rPr lang="de-DE" dirty="0">
-                <a:sym typeface="Wingdings" pitchFamily="2" charset="2"/>
-              </a:rPr>
-              <a:t>Feld (Attribut)  Spalte</a:t>
-            </a:r>
-          </a:p>
-          <a:p>
-            <a:pPr lvl="2"/>
-            <a:r>
-              <a:rPr lang="de-DE" dirty="0">
-                <a:sym typeface="Wingdings" pitchFamily="2" charset="2"/>
-              </a:rPr>
-              <a:t>Beziehung  Fremdschlüssel-Beziehung (evtl. mit Relationen-Tabelle)</a:t>
-            </a:r>
-          </a:p>
-          <a:p>
-            <a:pPr lvl="1"/>
-            <a:r>
-              <a:rPr lang="de-DE" dirty="0">
-                <a:sym typeface="Wingdings" pitchFamily="2" charset="2"/>
-              </a:rPr>
-              <a:t>Bekannteste Library: Hibernate</a:t>
-            </a:r>
-          </a:p>
-          <a:p>
-            <a:pPr lvl="2"/>
-            <a:r>
-              <a:rPr lang="de-DE" dirty="0">
-                <a:sym typeface="Wingdings" pitchFamily="2" charset="2"/>
-                <a:hlinkClick r:id="rId2"/>
-              </a:rPr>
-              <a:t>https://hibernate.org/</a:t>
-            </a:r>
-            <a:endParaRPr lang="de-DE" dirty="0">
-              <a:sym typeface="Wingdings" pitchFamily="2" charset="2"/>
-            </a:endParaRPr>
-          </a:p>
-          <a:p>
-            <a:pPr lvl="2"/>
-            <a:r>
-              <a:rPr lang="de-DE" dirty="0">
-                <a:sym typeface="Wingdings" pitchFamily="2" charset="2"/>
-              </a:rPr>
-              <a:t>Wird von Spring </a:t>
-            </a:r>
-            <a:r>
-              <a:rPr lang="de-DE">
-                <a:sym typeface="Wingdings" pitchFamily="2" charset="2"/>
-              </a:rPr>
-              <a:t>Data genutzt</a:t>
-            </a:r>
-            <a:endParaRPr lang="de-DE" dirty="0"/>
-          </a:p>
         </p:txBody>
       </p:sp>
     </p:spTree>
@@ -21935,7 +21455,7 @@
 </file>
 
 <file path=ppt/slides/slide64.xml><?xml version="1.0" encoding="utf-8"?>
-<p:sld xmlns:a="http://schemas.openxmlformats.org/drawingml/2006/main" xmlns:r="http://schemas.openxmlformats.org/officeDocument/2006/relationships" xmlns:p="http://schemas.openxmlformats.org/presentationml/2006/main" show="0">
+<p:sld xmlns:a="http://schemas.openxmlformats.org/drawingml/2006/main" xmlns:r="http://schemas.openxmlformats.org/officeDocument/2006/relationships" xmlns:p="http://schemas.openxmlformats.org/presentationml/2006/main">
   <p:cSld>
     <p:spTree>
       <p:nvGrpSpPr>
@@ -22162,659 +21682,136 @@
       </p:grpSpPr>
       <p:sp>
         <p:nvSpPr>
-          <p:cNvPr id="4" name="Abgerundetes Rechteck 3">
-            <a:extLst>
-              <a:ext uri="{FF2B5EF4-FFF2-40B4-BE49-F238E27FC236}">
-                <a16:creationId xmlns:a16="http://schemas.microsoft.com/office/drawing/2014/main" id="{79BC28D4-3EF9-804B-82DA-C260F687E32D}"/>
-              </a:ext>
-            </a:extLst>
-          </p:cNvPr>
-          <p:cNvSpPr/>
-          <p:nvPr/>
-        </p:nvSpPr>
-        <p:spPr>
-          <a:xfrm>
-            <a:off x="3646715" y="337456"/>
-            <a:ext cx="4637314" cy="794658"/>
-          </a:xfrm>
-          <a:prstGeom prst="roundRect">
-            <a:avLst/>
-          </a:prstGeom>
-        </p:spPr>
-        <p:style>
-          <a:lnRef idx="2">
-            <a:schemeClr val="accent1">
-              <a:shade val="50000"/>
-            </a:schemeClr>
-          </a:lnRef>
-          <a:fillRef idx="1">
-            <a:schemeClr val="accent1"/>
-          </a:fillRef>
-          <a:effectRef idx="0">
-            <a:schemeClr val="accent1"/>
-          </a:effectRef>
-          <a:fontRef idx="minor">
-            <a:schemeClr val="lt1"/>
-          </a:fontRef>
-        </p:style>
-        <p:txBody>
-          <a:bodyPr rtlCol="0" anchor="ctr"/>
-          <a:lstStyle/>
-          <a:p>
-            <a:pPr algn="ctr"/>
-            <a:r>
-              <a:rPr lang="de-DE" dirty="0"/>
-              <a:t>Browser</a:t>
-            </a:r>
-            <a:br>
-              <a:rPr lang="de-DE" dirty="0"/>
-            </a:br>
-            <a:r>
-              <a:rPr lang="de-DE" dirty="0"/>
-              <a:t>HTML</a:t>
-            </a:r>
-          </a:p>
-        </p:txBody>
-      </p:sp>
-      <p:sp>
-        <p:nvSpPr>
-          <p:cNvPr id="5" name="Abgerundetes Rechteck 4">
-            <a:extLst>
-              <a:ext uri="{FF2B5EF4-FFF2-40B4-BE49-F238E27FC236}">
-                <a16:creationId xmlns:a16="http://schemas.microsoft.com/office/drawing/2014/main" id="{C9E7511D-A024-5043-B96A-C26F19AAB85E}"/>
-              </a:ext>
-            </a:extLst>
-          </p:cNvPr>
-          <p:cNvSpPr/>
-          <p:nvPr/>
-        </p:nvSpPr>
-        <p:spPr>
-          <a:xfrm>
-            <a:off x="4597879" y="1889655"/>
-            <a:ext cx="2606171" cy="892629"/>
-          </a:xfrm>
-          <a:prstGeom prst="roundRect">
-            <a:avLst/>
-          </a:prstGeom>
-          <a:solidFill>
-            <a:schemeClr val="accent2">
-              <a:lumMod val="60000"/>
-              <a:lumOff val="40000"/>
-            </a:schemeClr>
-          </a:solidFill>
-        </p:spPr>
-        <p:style>
-          <a:lnRef idx="2">
-            <a:schemeClr val="accent1">
-              <a:shade val="50000"/>
-            </a:schemeClr>
-          </a:lnRef>
-          <a:fillRef idx="1">
-            <a:schemeClr val="accent1"/>
-          </a:fillRef>
-          <a:effectRef idx="0">
-            <a:schemeClr val="accent1"/>
-          </a:effectRef>
-          <a:fontRef idx="minor">
-            <a:schemeClr val="lt1"/>
-          </a:fontRef>
-        </p:style>
-        <p:txBody>
-          <a:bodyPr rtlCol="0" anchor="ctr"/>
-          <a:lstStyle/>
-          <a:p>
-            <a:pPr algn="ctr"/>
-            <a:r>
-              <a:rPr lang="de-DE" dirty="0" err="1"/>
-              <a:t>MicroService</a:t>
-            </a:r>
-            <a:br>
-              <a:rPr lang="de-DE" dirty="0"/>
-            </a:br>
-            <a:r>
-              <a:rPr lang="de-DE" dirty="0" err="1"/>
-              <a:t>shop</a:t>
-            </a:r>
-            <a:endParaRPr lang="de-DE" dirty="0"/>
-          </a:p>
-        </p:txBody>
-      </p:sp>
-      <p:cxnSp>
-        <p:nvCxnSpPr>
-          <p:cNvPr id="7" name="Gerade Verbindung mit Pfeil 6">
-            <a:extLst>
-              <a:ext uri="{FF2B5EF4-FFF2-40B4-BE49-F238E27FC236}">
-                <a16:creationId xmlns:a16="http://schemas.microsoft.com/office/drawing/2014/main" id="{7EA12433-B077-C346-B199-60BE14EA375F}"/>
-              </a:ext>
-            </a:extLst>
-          </p:cNvPr>
-          <p:cNvCxnSpPr>
-            <a:cxnSpLocks/>
-            <a:stCxn id="4" idx="2"/>
-            <a:endCxn id="5" idx="0"/>
-          </p:cNvCxnSpPr>
-          <p:nvPr/>
-        </p:nvCxnSpPr>
-        <p:spPr>
-          <a:xfrm flipH="1">
-            <a:off x="5900965" y="1132114"/>
-            <a:ext cx="64407" cy="757541"/>
-          </a:xfrm>
-          <a:prstGeom prst="straightConnector1">
-            <a:avLst/>
-          </a:prstGeom>
-          <a:ln w="38100">
-            <a:tailEnd type="triangle"/>
-          </a:ln>
-        </p:spPr>
-        <p:style>
-          <a:lnRef idx="1">
-            <a:schemeClr val="accent1"/>
-          </a:lnRef>
-          <a:fillRef idx="0">
-            <a:schemeClr val="accent1"/>
-          </a:fillRef>
-          <a:effectRef idx="0">
-            <a:schemeClr val="accent1"/>
-          </a:effectRef>
-          <a:fontRef idx="minor">
-            <a:schemeClr val="tx1"/>
-          </a:fontRef>
-        </p:style>
-      </p:cxnSp>
-      <p:cxnSp>
-        <p:nvCxnSpPr>
-          <p:cNvPr id="13" name="Gerade Verbindung mit Pfeil 12">
-            <a:extLst>
-              <a:ext uri="{FF2B5EF4-FFF2-40B4-BE49-F238E27FC236}">
-                <a16:creationId xmlns:a16="http://schemas.microsoft.com/office/drawing/2014/main" id="{38590E46-A719-2441-90F2-D877DA52215C}"/>
-              </a:ext>
-            </a:extLst>
-          </p:cNvPr>
-          <p:cNvCxnSpPr>
-            <a:cxnSpLocks/>
-            <a:stCxn id="5" idx="2"/>
-            <a:endCxn id="36" idx="0"/>
-          </p:cNvCxnSpPr>
-          <p:nvPr/>
-        </p:nvCxnSpPr>
-        <p:spPr>
-          <a:xfrm flipH="1">
-            <a:off x="4095889" y="2782284"/>
-            <a:ext cx="1805076" cy="792926"/>
-          </a:xfrm>
-          <a:prstGeom prst="straightConnector1">
-            <a:avLst/>
-          </a:prstGeom>
-          <a:ln w="38100">
-            <a:tailEnd type="triangle"/>
-          </a:ln>
-        </p:spPr>
-        <p:style>
-          <a:lnRef idx="1">
-            <a:schemeClr val="accent1"/>
-          </a:lnRef>
-          <a:fillRef idx="0">
-            <a:schemeClr val="accent1"/>
-          </a:fillRef>
-          <a:effectRef idx="0">
-            <a:schemeClr val="accent1"/>
-          </a:effectRef>
-          <a:fontRef idx="minor">
-            <a:schemeClr val="tx1"/>
-          </a:fontRef>
-        </p:style>
-      </p:cxnSp>
-      <p:sp>
-        <p:nvSpPr>
-          <p:cNvPr id="28" name="Magnetplattenspeicher 27">
-            <a:extLst>
-              <a:ext uri="{FF2B5EF4-FFF2-40B4-BE49-F238E27FC236}">
-                <a16:creationId xmlns:a16="http://schemas.microsoft.com/office/drawing/2014/main" id="{9343B73B-6448-4443-B86D-6669D318D430}"/>
-              </a:ext>
-            </a:extLst>
-          </p:cNvPr>
-          <p:cNvSpPr/>
-          <p:nvPr/>
-        </p:nvSpPr>
-        <p:spPr>
-          <a:xfrm>
-            <a:off x="8284029" y="4687816"/>
-            <a:ext cx="649514" cy="702128"/>
-          </a:xfrm>
-          <a:prstGeom prst="flowChartMagneticDisk">
-            <a:avLst/>
-          </a:prstGeom>
-        </p:spPr>
-        <p:style>
-          <a:lnRef idx="2">
-            <a:schemeClr val="accent1">
-              <a:shade val="50000"/>
-            </a:schemeClr>
-          </a:lnRef>
-          <a:fillRef idx="1">
-            <a:schemeClr val="accent1"/>
-          </a:fillRef>
-          <a:effectRef idx="0">
-            <a:schemeClr val="accent1"/>
-          </a:effectRef>
-          <a:fontRef idx="minor">
-            <a:schemeClr val="lt1"/>
-          </a:fontRef>
-        </p:style>
-        <p:txBody>
-          <a:bodyPr rtlCol="0" anchor="ctr"/>
-          <a:lstStyle/>
-          <a:p>
-            <a:pPr algn="ctr"/>
-            <a:endParaRPr lang="de-DE"/>
-          </a:p>
-        </p:txBody>
-      </p:sp>
-      <p:cxnSp>
-        <p:nvCxnSpPr>
-          <p:cNvPr id="35" name="Gerade Verbindung mit Pfeil 34">
-            <a:extLst>
-              <a:ext uri="{FF2B5EF4-FFF2-40B4-BE49-F238E27FC236}">
-                <a16:creationId xmlns:a16="http://schemas.microsoft.com/office/drawing/2014/main" id="{F60B072C-6DFB-7542-A5BF-A3FCB3709BF7}"/>
-              </a:ext>
-            </a:extLst>
-          </p:cNvPr>
-          <p:cNvCxnSpPr>
-            <a:cxnSpLocks/>
-            <a:stCxn id="36" idx="2"/>
-            <a:endCxn id="45" idx="1"/>
-          </p:cNvCxnSpPr>
-          <p:nvPr/>
-        </p:nvCxnSpPr>
-        <p:spPr>
-          <a:xfrm>
-            <a:off x="4095889" y="4467839"/>
-            <a:ext cx="1244310" cy="534386"/>
-          </a:xfrm>
-          <a:prstGeom prst="straightConnector1">
-            <a:avLst/>
-          </a:prstGeom>
-          <a:ln w="38100">
-            <a:tailEnd type="triangle"/>
-          </a:ln>
-        </p:spPr>
-        <p:style>
-          <a:lnRef idx="1">
-            <a:schemeClr val="accent1"/>
-          </a:lnRef>
-          <a:fillRef idx="0">
-            <a:schemeClr val="accent1"/>
-          </a:fillRef>
-          <a:effectRef idx="0">
-            <a:schemeClr val="accent1"/>
-          </a:effectRef>
-          <a:fontRef idx="minor">
-            <a:schemeClr val="tx1"/>
-          </a:fontRef>
-        </p:style>
-      </p:cxnSp>
-      <p:sp>
-        <p:nvSpPr>
-          <p:cNvPr id="43" name="Abgerundetes Rechteck 42">
-            <a:extLst>
-              <a:ext uri="{FF2B5EF4-FFF2-40B4-BE49-F238E27FC236}">
-                <a16:creationId xmlns:a16="http://schemas.microsoft.com/office/drawing/2014/main" id="{FC74CC00-0FC9-9F47-80DD-220CFFFBDC7A}"/>
-              </a:ext>
-            </a:extLst>
-          </p:cNvPr>
-          <p:cNvSpPr/>
-          <p:nvPr/>
-        </p:nvSpPr>
-        <p:spPr>
-          <a:xfrm>
-            <a:off x="984849" y="1738538"/>
-            <a:ext cx="2106591" cy="892629"/>
-          </a:xfrm>
-          <a:prstGeom prst="roundRect">
-            <a:avLst/>
-          </a:prstGeom>
-          <a:solidFill>
-            <a:schemeClr val="accent2">
-              <a:lumMod val="60000"/>
-              <a:lumOff val="40000"/>
-            </a:schemeClr>
-          </a:solidFill>
-        </p:spPr>
-        <p:style>
-          <a:lnRef idx="2">
-            <a:schemeClr val="accent1">
-              <a:shade val="50000"/>
-            </a:schemeClr>
-          </a:lnRef>
-          <a:fillRef idx="1">
-            <a:schemeClr val="accent1"/>
-          </a:fillRef>
-          <a:effectRef idx="0">
-            <a:schemeClr val="accent1"/>
-          </a:effectRef>
-          <a:fontRef idx="minor">
-            <a:schemeClr val="lt1"/>
-          </a:fontRef>
-        </p:style>
-        <p:txBody>
-          <a:bodyPr rtlCol="0" anchor="ctr"/>
-          <a:lstStyle/>
-          <a:p>
-            <a:pPr algn="ctr"/>
-            <a:r>
-              <a:rPr lang="de-DE" dirty="0" err="1"/>
-              <a:t>WebServer</a:t>
-            </a:r>
-            <a:endParaRPr lang="de-DE" dirty="0"/>
-          </a:p>
-        </p:txBody>
-      </p:sp>
-      <p:cxnSp>
-        <p:nvCxnSpPr>
-          <p:cNvPr id="44" name="Gerade Verbindung mit Pfeil 43">
-            <a:extLst>
-              <a:ext uri="{FF2B5EF4-FFF2-40B4-BE49-F238E27FC236}">
-                <a16:creationId xmlns:a16="http://schemas.microsoft.com/office/drawing/2014/main" id="{30CB8BCD-2332-9548-902D-CFD0570A4897}"/>
-              </a:ext>
-            </a:extLst>
-          </p:cNvPr>
-          <p:cNvCxnSpPr>
-            <a:cxnSpLocks/>
-            <a:stCxn id="4" idx="2"/>
-            <a:endCxn id="43" idx="0"/>
-          </p:cNvCxnSpPr>
-          <p:nvPr/>
-        </p:nvCxnSpPr>
-        <p:spPr>
-          <a:xfrm flipH="1">
-            <a:off x="2038145" y="1132114"/>
-            <a:ext cx="3927227" cy="606424"/>
-          </a:xfrm>
-          <a:prstGeom prst="straightConnector1">
-            <a:avLst/>
-          </a:prstGeom>
-          <a:ln w="38100">
-            <a:tailEnd type="triangle"/>
-          </a:ln>
-        </p:spPr>
-        <p:style>
-          <a:lnRef idx="1">
-            <a:schemeClr val="accent1"/>
-          </a:lnRef>
-          <a:fillRef idx="0">
-            <a:schemeClr val="accent1"/>
-          </a:fillRef>
-          <a:effectRef idx="0">
-            <a:schemeClr val="accent1"/>
-          </a:effectRef>
-          <a:fontRef idx="minor">
-            <a:schemeClr val="tx1"/>
-          </a:fontRef>
-        </p:style>
-      </p:cxnSp>
-      <p:sp>
-        <p:nvSpPr>
-          <p:cNvPr id="36" name="Abgerundetes Rechteck 35">
-            <a:extLst>
-              <a:ext uri="{FF2B5EF4-FFF2-40B4-BE49-F238E27FC236}">
-                <a16:creationId xmlns:a16="http://schemas.microsoft.com/office/drawing/2014/main" id="{54D430FF-2891-4B4D-92F9-4E4825667ACF}"/>
-              </a:ext>
-            </a:extLst>
-          </p:cNvPr>
-          <p:cNvSpPr/>
-          <p:nvPr/>
-        </p:nvSpPr>
-        <p:spPr>
-          <a:xfrm>
-            <a:off x="2896098" y="3575210"/>
-            <a:ext cx="2399581" cy="892629"/>
-          </a:xfrm>
-          <a:prstGeom prst="roundRect">
-            <a:avLst/>
-          </a:prstGeom>
-          <a:solidFill>
-            <a:schemeClr val="accent2">
-              <a:lumMod val="60000"/>
-              <a:lumOff val="40000"/>
-            </a:schemeClr>
-          </a:solidFill>
-        </p:spPr>
-        <p:style>
-          <a:lnRef idx="2">
-            <a:schemeClr val="accent1">
-              <a:shade val="50000"/>
-            </a:schemeClr>
-          </a:lnRef>
-          <a:fillRef idx="1">
-            <a:schemeClr val="accent1"/>
-          </a:fillRef>
-          <a:effectRef idx="0">
-            <a:schemeClr val="accent1"/>
-          </a:effectRef>
-          <a:fontRef idx="minor">
-            <a:schemeClr val="lt1"/>
-          </a:fontRef>
-        </p:style>
-        <p:txBody>
-          <a:bodyPr rtlCol="0" anchor="ctr"/>
-          <a:lstStyle/>
-          <a:p>
-            <a:pPr algn="ctr"/>
-            <a:r>
-              <a:rPr lang="de-DE" dirty="0" err="1"/>
-              <a:t>MicroService</a:t>
-            </a:r>
-            <a:br>
-              <a:rPr lang="de-DE" dirty="0"/>
-            </a:br>
-            <a:r>
-              <a:rPr lang="de-DE" dirty="0" err="1"/>
-              <a:t>person</a:t>
-            </a:r>
-            <a:endParaRPr lang="de-DE" dirty="0"/>
-          </a:p>
-        </p:txBody>
-      </p:sp>
-      <p:sp>
-        <p:nvSpPr>
-          <p:cNvPr id="45" name="Magnetplattenspeicher 44">
-            <a:extLst>
-              <a:ext uri="{FF2B5EF4-FFF2-40B4-BE49-F238E27FC236}">
-                <a16:creationId xmlns:a16="http://schemas.microsoft.com/office/drawing/2014/main" id="{B014ABC0-DA58-B548-9464-5CEC15ECA332}"/>
-              </a:ext>
-            </a:extLst>
-          </p:cNvPr>
-          <p:cNvSpPr/>
-          <p:nvPr/>
-        </p:nvSpPr>
-        <p:spPr>
-          <a:xfrm>
-            <a:off x="5015442" y="5002225"/>
-            <a:ext cx="649514" cy="702128"/>
-          </a:xfrm>
-          <a:prstGeom prst="flowChartMagneticDisk">
-            <a:avLst/>
-          </a:prstGeom>
-        </p:spPr>
-        <p:style>
-          <a:lnRef idx="2">
-            <a:schemeClr val="accent1">
-              <a:shade val="50000"/>
-            </a:schemeClr>
-          </a:lnRef>
-          <a:fillRef idx="1">
-            <a:schemeClr val="accent1"/>
-          </a:fillRef>
-          <a:effectRef idx="0">
-            <a:schemeClr val="accent1"/>
-          </a:effectRef>
-          <a:fontRef idx="minor">
-            <a:schemeClr val="lt1"/>
-          </a:fontRef>
-        </p:style>
-        <p:txBody>
-          <a:bodyPr rtlCol="0" anchor="ctr"/>
-          <a:lstStyle/>
-          <a:p>
-            <a:pPr algn="ctr"/>
-            <a:endParaRPr lang="de-DE"/>
-          </a:p>
-        </p:txBody>
-      </p:sp>
-      <p:sp>
-        <p:nvSpPr>
-          <p:cNvPr id="62" name="Abgerundetes Rechteck 61">
-            <a:extLst>
-              <a:ext uri="{FF2B5EF4-FFF2-40B4-BE49-F238E27FC236}">
-                <a16:creationId xmlns:a16="http://schemas.microsoft.com/office/drawing/2014/main" id="{CC6DBFE9-F260-864A-832C-FC081522D987}"/>
-              </a:ext>
-            </a:extLst>
-          </p:cNvPr>
-          <p:cNvSpPr/>
-          <p:nvPr/>
-        </p:nvSpPr>
-        <p:spPr>
-          <a:xfrm>
-            <a:off x="6396350" y="3523796"/>
-            <a:ext cx="2399581" cy="892629"/>
-          </a:xfrm>
-          <a:prstGeom prst="roundRect">
-            <a:avLst/>
-          </a:prstGeom>
-          <a:solidFill>
-            <a:schemeClr val="accent2">
-              <a:lumMod val="60000"/>
-              <a:lumOff val="40000"/>
-            </a:schemeClr>
-          </a:solidFill>
-        </p:spPr>
-        <p:style>
-          <a:lnRef idx="2">
-            <a:schemeClr val="accent1">
-              <a:shade val="50000"/>
-            </a:schemeClr>
-          </a:lnRef>
-          <a:fillRef idx="1">
-            <a:schemeClr val="accent1"/>
-          </a:fillRef>
-          <a:effectRef idx="0">
-            <a:schemeClr val="accent1"/>
-          </a:effectRef>
-          <a:fontRef idx="minor">
-            <a:schemeClr val="lt1"/>
-          </a:fontRef>
-        </p:style>
-        <p:txBody>
-          <a:bodyPr rtlCol="0" anchor="ctr"/>
-          <a:lstStyle/>
-          <a:p>
-            <a:pPr algn="ctr"/>
-            <a:r>
-              <a:rPr lang="de-DE" dirty="0" err="1"/>
-              <a:t>MicroService</a:t>
-            </a:r>
-            <a:br>
-              <a:rPr lang="de-DE" dirty="0"/>
-            </a:br>
-            <a:r>
-              <a:rPr lang="de-DE" dirty="0" err="1"/>
-              <a:t>auftrag</a:t>
-            </a:r>
-            <a:endParaRPr lang="de-DE" dirty="0"/>
-          </a:p>
-        </p:txBody>
-      </p:sp>
-      <p:cxnSp>
-        <p:nvCxnSpPr>
-          <p:cNvPr id="63" name="Gerade Verbindung mit Pfeil 62">
-            <a:extLst>
-              <a:ext uri="{FF2B5EF4-FFF2-40B4-BE49-F238E27FC236}">
-                <a16:creationId xmlns:a16="http://schemas.microsoft.com/office/drawing/2014/main" id="{EF77C060-69E3-224E-952B-B54E2A6A27D9}"/>
-              </a:ext>
-            </a:extLst>
-          </p:cNvPr>
-          <p:cNvCxnSpPr>
-            <a:cxnSpLocks/>
-            <a:stCxn id="5" idx="2"/>
-            <a:endCxn id="62" idx="0"/>
-          </p:cNvCxnSpPr>
-          <p:nvPr/>
-        </p:nvCxnSpPr>
-        <p:spPr>
-          <a:xfrm>
-            <a:off x="5900965" y="2782284"/>
-            <a:ext cx="1695176" cy="741512"/>
-          </a:xfrm>
-          <a:prstGeom prst="straightConnector1">
-            <a:avLst/>
-          </a:prstGeom>
-          <a:ln w="38100">
-            <a:tailEnd type="triangle"/>
-          </a:ln>
-        </p:spPr>
-        <p:style>
-          <a:lnRef idx="1">
-            <a:schemeClr val="accent1"/>
-          </a:lnRef>
-          <a:fillRef idx="0">
-            <a:schemeClr val="accent1"/>
-          </a:fillRef>
-          <a:effectRef idx="0">
-            <a:schemeClr val="accent1"/>
-          </a:effectRef>
-          <a:fontRef idx="minor">
-            <a:schemeClr val="tx1"/>
-          </a:fontRef>
-        </p:style>
-      </p:cxnSp>
-      <p:cxnSp>
-        <p:nvCxnSpPr>
-          <p:cNvPr id="67" name="Gerade Verbindung mit Pfeil 66">
-            <a:extLst>
-              <a:ext uri="{FF2B5EF4-FFF2-40B4-BE49-F238E27FC236}">
-                <a16:creationId xmlns:a16="http://schemas.microsoft.com/office/drawing/2014/main" id="{0C5BEB8E-92C2-E341-BC63-5A4A0C09CCE9}"/>
-              </a:ext>
-            </a:extLst>
-          </p:cNvPr>
-          <p:cNvCxnSpPr>
-            <a:cxnSpLocks/>
-            <a:stCxn id="62" idx="2"/>
-            <a:endCxn id="28" idx="1"/>
-          </p:cNvCxnSpPr>
-          <p:nvPr/>
-        </p:nvCxnSpPr>
-        <p:spPr>
-          <a:xfrm>
-            <a:off x="7596141" y="4416425"/>
-            <a:ext cx="1012645" cy="271391"/>
-          </a:xfrm>
-          <a:prstGeom prst="straightConnector1">
-            <a:avLst/>
-          </a:prstGeom>
-          <a:ln w="38100">
-            <a:tailEnd type="triangle"/>
-          </a:ln>
-        </p:spPr>
-        <p:style>
-          <a:lnRef idx="1">
-            <a:schemeClr val="accent1"/>
-          </a:lnRef>
-          <a:fillRef idx="0">
-            <a:schemeClr val="accent1"/>
-          </a:fillRef>
-          <a:effectRef idx="0">
-            <a:schemeClr val="accent1"/>
-          </a:effectRef>
-          <a:fontRef idx="minor">
-            <a:schemeClr val="tx1"/>
-          </a:fontRef>
-        </p:style>
-      </p:cxnSp>
+          <p:cNvPr id="2" name="Titel 1">
+            <a:extLst>
+              <a:ext uri="{FF2B5EF4-FFF2-40B4-BE49-F238E27FC236}">
+                <a16:creationId xmlns:a16="http://schemas.microsoft.com/office/drawing/2014/main" id="{0EC7A146-A8F2-A844-9033-A0ACC828AF47}"/>
+              </a:ext>
+            </a:extLst>
+          </p:cNvPr>
+          <p:cNvSpPr>
+            <a:spLocks noGrp="1"/>
+          </p:cNvSpPr>
+          <p:nvPr>
+            <p:ph type="title"/>
+          </p:nvPr>
+        </p:nvSpPr>
+        <p:spPr/>
+        <p:txBody>
+          <a:bodyPr/>
+          <a:lstStyle/>
+          <a:p>
+            <a:r>
+              <a:rPr lang="de-DE" dirty="0"/>
+              <a:t>Aufgaben</a:t>
+            </a:r>
+          </a:p>
+        </p:txBody>
+      </p:sp>
+      <p:sp>
+        <p:nvSpPr>
+          <p:cNvPr id="3" name="Inhaltsplatzhalter 2">
+            <a:extLst>
+              <a:ext uri="{FF2B5EF4-FFF2-40B4-BE49-F238E27FC236}">
+                <a16:creationId xmlns:a16="http://schemas.microsoft.com/office/drawing/2014/main" id="{2A5EBA90-6155-FD45-A74C-ECC42BCA72DF}"/>
+              </a:ext>
+            </a:extLst>
+          </p:cNvPr>
+          <p:cNvSpPr>
+            <a:spLocks noGrp="1"/>
+          </p:cNvSpPr>
+          <p:nvPr>
+            <p:ph idx="1"/>
+          </p:nvPr>
+        </p:nvSpPr>
+        <p:spPr/>
+        <p:txBody>
+          <a:bodyPr/>
+          <a:lstStyle/>
+          <a:p>
+            <a:r>
+              <a:rPr lang="de-DE" dirty="0"/>
+              <a:t>Microservice für Lager-DB</a:t>
+            </a:r>
+          </a:p>
+          <a:p>
+            <a:pPr lvl="1"/>
+            <a:r>
+              <a:rPr lang="de-DE" dirty="0"/>
+              <a:t>1. Team: Persistenz mit Spring Data (Hibernate)</a:t>
+            </a:r>
+          </a:p>
+          <a:p>
+            <a:pPr lvl="2"/>
+            <a:r>
+              <a:rPr lang="de-DE" dirty="0"/>
+              <a:t>Vorgabe</a:t>
+            </a:r>
+          </a:p>
+          <a:p>
+            <a:pPr lvl="3"/>
+            <a:r>
+              <a:rPr lang="de-DE" dirty="0"/>
+              <a:t>Datenbankschema Lager-DB (Beispiel aus PR3)</a:t>
+            </a:r>
+          </a:p>
+          <a:p>
+            <a:pPr lvl="3"/>
+            <a:r>
+              <a:rPr lang="de-DE" dirty="0"/>
+              <a:t>Interface der Business-Logik (domain-</a:t>
+            </a:r>
+            <a:r>
+              <a:rPr lang="de-DE" dirty="0" err="1"/>
+              <a:t>api</a:t>
+            </a:r>
+            <a:r>
+              <a:rPr lang="de-DE" dirty="0"/>
+              <a:t>)</a:t>
+            </a:r>
+          </a:p>
+          <a:p>
+            <a:pPr lvl="2"/>
+            <a:r>
+              <a:rPr lang="de-DE" dirty="0"/>
+              <a:t>Aufgabe</a:t>
+            </a:r>
+          </a:p>
+          <a:p>
+            <a:pPr lvl="3"/>
+            <a:r>
+              <a:rPr lang="de-DE" dirty="0"/>
+              <a:t>Implementierung Business-Logik (domain-core)</a:t>
+            </a:r>
+          </a:p>
+          <a:p>
+            <a:pPr lvl="4"/>
+            <a:r>
+              <a:rPr lang="de-DE" dirty="0"/>
+              <a:t>Ersatz der Trigger-Logik durch Java-Implementierung</a:t>
+            </a:r>
+          </a:p>
+          <a:p>
+            <a:pPr lvl="3"/>
+            <a:r>
+              <a:rPr lang="de-DE" dirty="0"/>
+              <a:t>Implementierung Datenbank-Zugriff (Entitäten und Data Access </a:t>
+            </a:r>
+            <a:r>
+              <a:rPr lang="de-DE" dirty="0" err="1"/>
+              <a:t>Object</a:t>
+            </a:r>
+            <a:r>
+              <a:rPr lang="de-DE" dirty="0"/>
+              <a:t> (DAO))</a:t>
+            </a:r>
+          </a:p>
+        </p:txBody>
+      </p:sp>
     </p:spTree>
     <p:extLst>
       <p:ext uri="{BB962C8B-B14F-4D97-AF65-F5344CB8AC3E}">
-        <p14:creationId xmlns:p14="http://schemas.microsoft.com/office/powerpoint/2010/main" val="1330920125"/>
+        <p14:creationId xmlns:p14="http://schemas.microsoft.com/office/powerpoint/2010/main" val="110709154"/>
       </p:ext>
     </p:extLst>
   </p:cSld>
@@ -22843,761 +21840,132 @@
       </p:grpSpPr>
       <p:sp>
         <p:nvSpPr>
-          <p:cNvPr id="4" name="Abgerundetes Rechteck 3">
-            <a:extLst>
-              <a:ext uri="{FF2B5EF4-FFF2-40B4-BE49-F238E27FC236}">
-                <a16:creationId xmlns:a16="http://schemas.microsoft.com/office/drawing/2014/main" id="{79BC28D4-3EF9-804B-82DA-C260F687E32D}"/>
-              </a:ext>
-            </a:extLst>
-          </p:cNvPr>
-          <p:cNvSpPr/>
-          <p:nvPr/>
-        </p:nvSpPr>
-        <p:spPr>
-          <a:xfrm>
-            <a:off x="3646715" y="337456"/>
-            <a:ext cx="4637314" cy="794658"/>
-          </a:xfrm>
-          <a:prstGeom prst="roundRect">
-            <a:avLst/>
-          </a:prstGeom>
-        </p:spPr>
-        <p:style>
-          <a:lnRef idx="2">
-            <a:schemeClr val="accent1">
-              <a:shade val="50000"/>
-            </a:schemeClr>
-          </a:lnRef>
-          <a:fillRef idx="1">
-            <a:schemeClr val="accent1"/>
-          </a:fillRef>
-          <a:effectRef idx="0">
-            <a:schemeClr val="accent1"/>
-          </a:effectRef>
-          <a:fontRef idx="minor">
-            <a:schemeClr val="lt1"/>
-          </a:fontRef>
-        </p:style>
-        <p:txBody>
-          <a:bodyPr rtlCol="0" anchor="ctr"/>
-          <a:lstStyle/>
-          <a:p>
-            <a:pPr algn="ctr"/>
-            <a:r>
-              <a:rPr lang="de-DE" dirty="0"/>
-              <a:t>Browser</a:t>
-            </a:r>
-            <a:br>
-              <a:rPr lang="de-DE" dirty="0"/>
-            </a:br>
-            <a:r>
-              <a:rPr lang="de-DE" dirty="0"/>
-              <a:t>HTML</a:t>
-            </a:r>
-          </a:p>
-        </p:txBody>
-      </p:sp>
-      <p:sp>
-        <p:nvSpPr>
-          <p:cNvPr id="5" name="Abgerundetes Rechteck 4">
-            <a:extLst>
-              <a:ext uri="{FF2B5EF4-FFF2-40B4-BE49-F238E27FC236}">
-                <a16:creationId xmlns:a16="http://schemas.microsoft.com/office/drawing/2014/main" id="{C9E7511D-A024-5043-B96A-C26F19AAB85E}"/>
-              </a:ext>
-            </a:extLst>
-          </p:cNvPr>
-          <p:cNvSpPr/>
-          <p:nvPr/>
-        </p:nvSpPr>
-        <p:spPr>
-          <a:xfrm>
-            <a:off x="4597879" y="1889655"/>
-            <a:ext cx="2606171" cy="892629"/>
-          </a:xfrm>
-          <a:prstGeom prst="roundRect">
-            <a:avLst/>
-          </a:prstGeom>
-          <a:solidFill>
-            <a:schemeClr val="accent2">
-              <a:lumMod val="60000"/>
-              <a:lumOff val="40000"/>
-            </a:schemeClr>
-          </a:solidFill>
-        </p:spPr>
-        <p:style>
-          <a:lnRef idx="2">
-            <a:schemeClr val="accent1">
-              <a:shade val="50000"/>
-            </a:schemeClr>
-          </a:lnRef>
-          <a:fillRef idx="1">
-            <a:schemeClr val="accent1"/>
-          </a:fillRef>
-          <a:effectRef idx="0">
-            <a:schemeClr val="accent1"/>
-          </a:effectRef>
-          <a:fontRef idx="minor">
-            <a:schemeClr val="lt1"/>
-          </a:fontRef>
-        </p:style>
-        <p:txBody>
-          <a:bodyPr rtlCol="0" anchor="ctr"/>
-          <a:lstStyle/>
-          <a:p>
-            <a:pPr algn="ctr"/>
-            <a:r>
-              <a:rPr lang="de-DE" dirty="0" err="1"/>
-              <a:t>MicroService</a:t>
-            </a:r>
-            <a:br>
-              <a:rPr lang="de-DE" dirty="0"/>
-            </a:br>
-            <a:r>
-              <a:rPr lang="de-DE" dirty="0" err="1"/>
-              <a:t>shop</a:t>
-            </a:r>
+          <p:cNvPr id="2" name="Titel 1">
+            <a:extLst>
+              <a:ext uri="{FF2B5EF4-FFF2-40B4-BE49-F238E27FC236}">
+                <a16:creationId xmlns:a16="http://schemas.microsoft.com/office/drawing/2014/main" id="{0EC7A146-A8F2-A844-9033-A0ACC828AF47}"/>
+              </a:ext>
+            </a:extLst>
+          </p:cNvPr>
+          <p:cNvSpPr>
+            <a:spLocks noGrp="1"/>
+          </p:cNvSpPr>
+          <p:nvPr>
+            <p:ph type="title"/>
+          </p:nvPr>
+        </p:nvSpPr>
+        <p:spPr/>
+        <p:txBody>
+          <a:bodyPr/>
+          <a:lstStyle/>
+          <a:p>
+            <a:r>
+              <a:rPr lang="de-DE" dirty="0"/>
+              <a:t>Aufgaben</a:t>
+            </a:r>
+          </a:p>
+        </p:txBody>
+      </p:sp>
+      <p:sp>
+        <p:nvSpPr>
+          <p:cNvPr id="3" name="Inhaltsplatzhalter 2">
+            <a:extLst>
+              <a:ext uri="{FF2B5EF4-FFF2-40B4-BE49-F238E27FC236}">
+                <a16:creationId xmlns:a16="http://schemas.microsoft.com/office/drawing/2014/main" id="{2A5EBA90-6155-FD45-A74C-ECC42BCA72DF}"/>
+              </a:ext>
+            </a:extLst>
+          </p:cNvPr>
+          <p:cNvSpPr>
+            <a:spLocks noGrp="1"/>
+          </p:cNvSpPr>
+          <p:nvPr>
+            <p:ph idx="1"/>
+          </p:nvPr>
+        </p:nvSpPr>
+        <p:spPr/>
+        <p:txBody>
+          <a:bodyPr/>
+          <a:lstStyle/>
+          <a:p>
+            <a:r>
+              <a:rPr lang="de-DE" dirty="0"/>
+              <a:t>Microservice für Lager-DB</a:t>
+            </a:r>
+          </a:p>
+          <a:p>
+            <a:pPr lvl="1"/>
+            <a:r>
+              <a:rPr lang="de-DE" dirty="0"/>
+              <a:t>2. Team: Rest-Schnittstelle für Lager-DB</a:t>
+            </a:r>
+          </a:p>
+          <a:p>
+            <a:pPr lvl="2"/>
+            <a:r>
+              <a:rPr lang="de-DE" dirty="0"/>
+              <a:t>Vorgabe</a:t>
+            </a:r>
+          </a:p>
+          <a:p>
+            <a:pPr lvl="3"/>
+            <a:r>
+              <a:rPr lang="de-DE" dirty="0"/>
+              <a:t>Interface der Business-Logik (domain-</a:t>
+            </a:r>
+            <a:r>
+              <a:rPr lang="de-DE" dirty="0" err="1"/>
+              <a:t>api</a:t>
+            </a:r>
+            <a:r>
+              <a:rPr lang="de-DE" dirty="0"/>
+              <a:t>)</a:t>
+            </a:r>
+          </a:p>
+          <a:p>
+            <a:pPr lvl="2"/>
+            <a:r>
+              <a:rPr lang="de-DE" dirty="0"/>
+              <a:t>Aufgabe</a:t>
+            </a:r>
+          </a:p>
+          <a:p>
+            <a:pPr lvl="3"/>
+            <a:r>
+              <a:rPr lang="de-DE" dirty="0"/>
+              <a:t>Definition der Rest-Schnittstelle</a:t>
+            </a:r>
+          </a:p>
+          <a:p>
+            <a:pPr lvl="4"/>
+            <a:r>
+              <a:rPr lang="de-DE" dirty="0"/>
+              <a:t>Methoden, Pfade, JSON-Formate</a:t>
+            </a:r>
+          </a:p>
+          <a:p>
+            <a:pPr lvl="3"/>
+            <a:r>
+              <a:rPr lang="de-DE" dirty="0"/>
+              <a:t>Implementierung des Rest-Controllers</a:t>
+            </a:r>
+          </a:p>
+          <a:p>
+            <a:pPr lvl="3"/>
+            <a:r>
+              <a:rPr lang="de-DE" dirty="0"/>
+              <a:t>Bereitstellung Test-Aufrufe in Postman</a:t>
+            </a:r>
+          </a:p>
+          <a:p>
+            <a:pPr lvl="3"/>
             <a:endParaRPr lang="de-DE" dirty="0"/>
-          </a:p>
-        </p:txBody>
-      </p:sp>
-      <p:cxnSp>
-        <p:nvCxnSpPr>
-          <p:cNvPr id="7" name="Gerade Verbindung mit Pfeil 6">
-            <a:extLst>
-              <a:ext uri="{FF2B5EF4-FFF2-40B4-BE49-F238E27FC236}">
-                <a16:creationId xmlns:a16="http://schemas.microsoft.com/office/drawing/2014/main" id="{7EA12433-B077-C346-B199-60BE14EA375F}"/>
-              </a:ext>
-            </a:extLst>
-          </p:cNvPr>
-          <p:cNvCxnSpPr>
-            <a:cxnSpLocks/>
-            <a:stCxn id="4" idx="2"/>
-            <a:endCxn id="5" idx="0"/>
-          </p:cNvCxnSpPr>
-          <p:nvPr/>
-        </p:nvCxnSpPr>
-        <p:spPr>
-          <a:xfrm flipH="1">
-            <a:off x="5900965" y="1132114"/>
-            <a:ext cx="64407" cy="757541"/>
-          </a:xfrm>
-          <a:prstGeom prst="straightConnector1">
-            <a:avLst/>
-          </a:prstGeom>
-          <a:ln w="38100">
-            <a:tailEnd type="triangle"/>
-          </a:ln>
-        </p:spPr>
-        <p:style>
-          <a:lnRef idx="1">
-            <a:schemeClr val="accent1"/>
-          </a:lnRef>
-          <a:fillRef idx="0">
-            <a:schemeClr val="accent1"/>
-          </a:fillRef>
-          <a:effectRef idx="0">
-            <a:schemeClr val="accent1"/>
-          </a:effectRef>
-          <a:fontRef idx="minor">
-            <a:schemeClr val="tx1"/>
-          </a:fontRef>
-        </p:style>
-      </p:cxnSp>
-      <p:cxnSp>
-        <p:nvCxnSpPr>
-          <p:cNvPr id="13" name="Gerade Verbindung mit Pfeil 12">
-            <a:extLst>
-              <a:ext uri="{FF2B5EF4-FFF2-40B4-BE49-F238E27FC236}">
-                <a16:creationId xmlns:a16="http://schemas.microsoft.com/office/drawing/2014/main" id="{38590E46-A719-2441-90F2-D877DA52215C}"/>
-              </a:ext>
-            </a:extLst>
-          </p:cNvPr>
-          <p:cNvCxnSpPr>
-            <a:cxnSpLocks/>
-            <a:stCxn id="5" idx="2"/>
-            <a:endCxn id="36" idx="0"/>
-          </p:cNvCxnSpPr>
-          <p:nvPr/>
-        </p:nvCxnSpPr>
-        <p:spPr>
-          <a:xfrm flipH="1">
-            <a:off x="4095889" y="2782284"/>
-            <a:ext cx="1805076" cy="792926"/>
-          </a:xfrm>
-          <a:prstGeom prst="straightConnector1">
-            <a:avLst/>
-          </a:prstGeom>
-          <a:ln w="38100">
-            <a:tailEnd type="triangle"/>
-          </a:ln>
-        </p:spPr>
-        <p:style>
-          <a:lnRef idx="1">
-            <a:schemeClr val="accent1"/>
-          </a:lnRef>
-          <a:fillRef idx="0">
-            <a:schemeClr val="accent1"/>
-          </a:fillRef>
-          <a:effectRef idx="0">
-            <a:schemeClr val="accent1"/>
-          </a:effectRef>
-          <a:fontRef idx="minor">
-            <a:schemeClr val="tx1"/>
-          </a:fontRef>
-        </p:style>
-      </p:cxnSp>
-      <p:sp>
-        <p:nvSpPr>
-          <p:cNvPr id="28" name="Magnetplattenspeicher 27">
-            <a:extLst>
-              <a:ext uri="{FF2B5EF4-FFF2-40B4-BE49-F238E27FC236}">
-                <a16:creationId xmlns:a16="http://schemas.microsoft.com/office/drawing/2014/main" id="{9343B73B-6448-4443-B86D-6669D318D430}"/>
-              </a:ext>
-            </a:extLst>
-          </p:cNvPr>
-          <p:cNvSpPr/>
-          <p:nvPr/>
-        </p:nvSpPr>
-        <p:spPr>
-          <a:xfrm>
-            <a:off x="8284029" y="4687816"/>
-            <a:ext cx="649514" cy="702128"/>
-          </a:xfrm>
-          <a:prstGeom prst="flowChartMagneticDisk">
-            <a:avLst/>
-          </a:prstGeom>
-        </p:spPr>
-        <p:style>
-          <a:lnRef idx="2">
-            <a:schemeClr val="accent1">
-              <a:shade val="50000"/>
-            </a:schemeClr>
-          </a:lnRef>
-          <a:fillRef idx="1">
-            <a:schemeClr val="accent1"/>
-          </a:fillRef>
-          <a:effectRef idx="0">
-            <a:schemeClr val="accent1"/>
-          </a:effectRef>
-          <a:fontRef idx="minor">
-            <a:schemeClr val="lt1"/>
-          </a:fontRef>
-        </p:style>
-        <p:txBody>
-          <a:bodyPr rtlCol="0" anchor="ctr"/>
-          <a:lstStyle/>
-          <a:p>
-            <a:pPr algn="ctr"/>
-            <a:endParaRPr lang="de-DE"/>
-          </a:p>
-        </p:txBody>
-      </p:sp>
-      <p:cxnSp>
-        <p:nvCxnSpPr>
-          <p:cNvPr id="35" name="Gerade Verbindung mit Pfeil 34">
-            <a:extLst>
-              <a:ext uri="{FF2B5EF4-FFF2-40B4-BE49-F238E27FC236}">
-                <a16:creationId xmlns:a16="http://schemas.microsoft.com/office/drawing/2014/main" id="{F60B072C-6DFB-7542-A5BF-A3FCB3709BF7}"/>
-              </a:ext>
-            </a:extLst>
-          </p:cNvPr>
-          <p:cNvCxnSpPr>
-            <a:cxnSpLocks/>
-            <a:stCxn id="36" idx="2"/>
-            <a:endCxn id="45" idx="1"/>
-          </p:cNvCxnSpPr>
-          <p:nvPr/>
-        </p:nvCxnSpPr>
-        <p:spPr>
-          <a:xfrm>
-            <a:off x="4095889" y="4467839"/>
-            <a:ext cx="1244310" cy="534386"/>
-          </a:xfrm>
-          <a:prstGeom prst="straightConnector1">
-            <a:avLst/>
-          </a:prstGeom>
-          <a:ln w="38100">
-            <a:tailEnd type="triangle"/>
-          </a:ln>
-        </p:spPr>
-        <p:style>
-          <a:lnRef idx="1">
-            <a:schemeClr val="accent1"/>
-          </a:lnRef>
-          <a:fillRef idx="0">
-            <a:schemeClr val="accent1"/>
-          </a:fillRef>
-          <a:effectRef idx="0">
-            <a:schemeClr val="accent1"/>
-          </a:effectRef>
-          <a:fontRef idx="minor">
-            <a:schemeClr val="tx1"/>
-          </a:fontRef>
-        </p:style>
-      </p:cxnSp>
-      <p:sp>
-        <p:nvSpPr>
-          <p:cNvPr id="43" name="Abgerundetes Rechteck 42">
-            <a:extLst>
-              <a:ext uri="{FF2B5EF4-FFF2-40B4-BE49-F238E27FC236}">
-                <a16:creationId xmlns:a16="http://schemas.microsoft.com/office/drawing/2014/main" id="{FC74CC00-0FC9-9F47-80DD-220CFFFBDC7A}"/>
-              </a:ext>
-            </a:extLst>
-          </p:cNvPr>
-          <p:cNvSpPr/>
-          <p:nvPr/>
-        </p:nvSpPr>
-        <p:spPr>
-          <a:xfrm>
-            <a:off x="984849" y="1738538"/>
-            <a:ext cx="2106591" cy="892629"/>
-          </a:xfrm>
-          <a:prstGeom prst="roundRect">
-            <a:avLst/>
-          </a:prstGeom>
-          <a:solidFill>
-            <a:schemeClr val="accent2">
-              <a:lumMod val="60000"/>
-              <a:lumOff val="40000"/>
-            </a:schemeClr>
-          </a:solidFill>
-        </p:spPr>
-        <p:style>
-          <a:lnRef idx="2">
-            <a:schemeClr val="accent1">
-              <a:shade val="50000"/>
-            </a:schemeClr>
-          </a:lnRef>
-          <a:fillRef idx="1">
-            <a:schemeClr val="accent1"/>
-          </a:fillRef>
-          <a:effectRef idx="0">
-            <a:schemeClr val="accent1"/>
-          </a:effectRef>
-          <a:fontRef idx="minor">
-            <a:schemeClr val="lt1"/>
-          </a:fontRef>
-        </p:style>
-        <p:txBody>
-          <a:bodyPr rtlCol="0" anchor="ctr"/>
-          <a:lstStyle/>
-          <a:p>
-            <a:pPr algn="ctr"/>
-            <a:r>
-              <a:rPr lang="de-DE" dirty="0" err="1"/>
-              <a:t>WebServer</a:t>
-            </a:r>
-            <a:endParaRPr lang="de-DE" dirty="0"/>
-          </a:p>
-        </p:txBody>
-      </p:sp>
-      <p:cxnSp>
-        <p:nvCxnSpPr>
-          <p:cNvPr id="44" name="Gerade Verbindung mit Pfeil 43">
-            <a:extLst>
-              <a:ext uri="{FF2B5EF4-FFF2-40B4-BE49-F238E27FC236}">
-                <a16:creationId xmlns:a16="http://schemas.microsoft.com/office/drawing/2014/main" id="{30CB8BCD-2332-9548-902D-CFD0570A4897}"/>
-              </a:ext>
-            </a:extLst>
-          </p:cNvPr>
-          <p:cNvCxnSpPr>
-            <a:cxnSpLocks/>
-            <a:stCxn id="4" idx="2"/>
-            <a:endCxn id="43" idx="0"/>
-          </p:cNvCxnSpPr>
-          <p:nvPr/>
-        </p:nvCxnSpPr>
-        <p:spPr>
-          <a:xfrm flipH="1">
-            <a:off x="2038145" y="1132114"/>
-            <a:ext cx="3927227" cy="606424"/>
-          </a:xfrm>
-          <a:prstGeom prst="straightConnector1">
-            <a:avLst/>
-          </a:prstGeom>
-          <a:ln w="38100">
-            <a:tailEnd type="triangle"/>
-          </a:ln>
-        </p:spPr>
-        <p:style>
-          <a:lnRef idx="1">
-            <a:schemeClr val="accent1"/>
-          </a:lnRef>
-          <a:fillRef idx="0">
-            <a:schemeClr val="accent1"/>
-          </a:fillRef>
-          <a:effectRef idx="0">
-            <a:schemeClr val="accent1"/>
-          </a:effectRef>
-          <a:fontRef idx="minor">
-            <a:schemeClr val="tx1"/>
-          </a:fontRef>
-        </p:style>
-      </p:cxnSp>
-      <p:sp>
-        <p:nvSpPr>
-          <p:cNvPr id="36" name="Abgerundetes Rechteck 35">
-            <a:extLst>
-              <a:ext uri="{FF2B5EF4-FFF2-40B4-BE49-F238E27FC236}">
-                <a16:creationId xmlns:a16="http://schemas.microsoft.com/office/drawing/2014/main" id="{54D430FF-2891-4B4D-92F9-4E4825667ACF}"/>
-              </a:ext>
-            </a:extLst>
-          </p:cNvPr>
-          <p:cNvSpPr/>
-          <p:nvPr/>
-        </p:nvSpPr>
-        <p:spPr>
-          <a:xfrm>
-            <a:off x="2896098" y="3575210"/>
-            <a:ext cx="2399581" cy="892629"/>
-          </a:xfrm>
-          <a:prstGeom prst="roundRect">
-            <a:avLst/>
-          </a:prstGeom>
-          <a:solidFill>
-            <a:schemeClr val="accent2">
-              <a:lumMod val="60000"/>
-              <a:lumOff val="40000"/>
-            </a:schemeClr>
-          </a:solidFill>
-        </p:spPr>
-        <p:style>
-          <a:lnRef idx="2">
-            <a:schemeClr val="accent1">
-              <a:shade val="50000"/>
-            </a:schemeClr>
-          </a:lnRef>
-          <a:fillRef idx="1">
-            <a:schemeClr val="accent1"/>
-          </a:fillRef>
-          <a:effectRef idx="0">
-            <a:schemeClr val="accent1"/>
-          </a:effectRef>
-          <a:fontRef idx="minor">
-            <a:schemeClr val="lt1"/>
-          </a:fontRef>
-        </p:style>
-        <p:txBody>
-          <a:bodyPr rtlCol="0" anchor="ctr"/>
-          <a:lstStyle/>
-          <a:p>
-            <a:pPr algn="ctr"/>
-            <a:r>
-              <a:rPr lang="de-DE" dirty="0" err="1"/>
-              <a:t>MicroService</a:t>
-            </a:r>
-            <a:br>
-              <a:rPr lang="de-DE" dirty="0"/>
-            </a:br>
-            <a:r>
-              <a:rPr lang="de-DE" dirty="0" err="1"/>
-              <a:t>person</a:t>
-            </a:r>
-            <a:endParaRPr lang="de-DE" dirty="0"/>
-          </a:p>
-        </p:txBody>
-      </p:sp>
-      <p:sp>
-        <p:nvSpPr>
-          <p:cNvPr id="45" name="Magnetplattenspeicher 44">
-            <a:extLst>
-              <a:ext uri="{FF2B5EF4-FFF2-40B4-BE49-F238E27FC236}">
-                <a16:creationId xmlns:a16="http://schemas.microsoft.com/office/drawing/2014/main" id="{B014ABC0-DA58-B548-9464-5CEC15ECA332}"/>
-              </a:ext>
-            </a:extLst>
-          </p:cNvPr>
-          <p:cNvSpPr/>
-          <p:nvPr/>
-        </p:nvSpPr>
-        <p:spPr>
-          <a:xfrm>
-            <a:off x="5015442" y="5002225"/>
-            <a:ext cx="649514" cy="702128"/>
-          </a:xfrm>
-          <a:prstGeom prst="flowChartMagneticDisk">
-            <a:avLst/>
-          </a:prstGeom>
-        </p:spPr>
-        <p:style>
-          <a:lnRef idx="2">
-            <a:schemeClr val="accent1">
-              <a:shade val="50000"/>
-            </a:schemeClr>
-          </a:lnRef>
-          <a:fillRef idx="1">
-            <a:schemeClr val="accent1"/>
-          </a:fillRef>
-          <a:effectRef idx="0">
-            <a:schemeClr val="accent1"/>
-          </a:effectRef>
-          <a:fontRef idx="minor">
-            <a:schemeClr val="lt1"/>
-          </a:fontRef>
-        </p:style>
-        <p:txBody>
-          <a:bodyPr rtlCol="0" anchor="ctr"/>
-          <a:lstStyle/>
-          <a:p>
-            <a:pPr algn="ctr"/>
-            <a:endParaRPr lang="de-DE"/>
-          </a:p>
-        </p:txBody>
-      </p:sp>
-      <p:sp>
-        <p:nvSpPr>
-          <p:cNvPr id="62" name="Abgerundetes Rechteck 61">
-            <a:extLst>
-              <a:ext uri="{FF2B5EF4-FFF2-40B4-BE49-F238E27FC236}">
-                <a16:creationId xmlns:a16="http://schemas.microsoft.com/office/drawing/2014/main" id="{CC6DBFE9-F260-864A-832C-FC081522D987}"/>
-              </a:ext>
-            </a:extLst>
-          </p:cNvPr>
-          <p:cNvSpPr/>
-          <p:nvPr/>
-        </p:nvSpPr>
-        <p:spPr>
-          <a:xfrm>
-            <a:off x="6396350" y="3523796"/>
-            <a:ext cx="2399581" cy="892629"/>
-          </a:xfrm>
-          <a:prstGeom prst="roundRect">
-            <a:avLst/>
-          </a:prstGeom>
-          <a:solidFill>
-            <a:schemeClr val="accent2">
-              <a:lumMod val="60000"/>
-              <a:lumOff val="40000"/>
-            </a:schemeClr>
-          </a:solidFill>
-        </p:spPr>
-        <p:style>
-          <a:lnRef idx="2">
-            <a:schemeClr val="accent1">
-              <a:shade val="50000"/>
-            </a:schemeClr>
-          </a:lnRef>
-          <a:fillRef idx="1">
-            <a:schemeClr val="accent1"/>
-          </a:fillRef>
-          <a:effectRef idx="0">
-            <a:schemeClr val="accent1"/>
-          </a:effectRef>
-          <a:fontRef idx="minor">
-            <a:schemeClr val="lt1"/>
-          </a:fontRef>
-        </p:style>
-        <p:txBody>
-          <a:bodyPr rtlCol="0" anchor="ctr"/>
-          <a:lstStyle/>
-          <a:p>
-            <a:pPr algn="ctr"/>
-            <a:r>
-              <a:rPr lang="de-DE" dirty="0" err="1"/>
-              <a:t>MicroService</a:t>
-            </a:r>
-            <a:br>
-              <a:rPr lang="de-DE" dirty="0"/>
-            </a:br>
-            <a:r>
-              <a:rPr lang="de-DE" dirty="0" err="1"/>
-              <a:t>auftrag</a:t>
-            </a:r>
-            <a:endParaRPr lang="de-DE" dirty="0"/>
-          </a:p>
-        </p:txBody>
-      </p:sp>
-      <p:cxnSp>
-        <p:nvCxnSpPr>
-          <p:cNvPr id="63" name="Gerade Verbindung mit Pfeil 62">
-            <a:extLst>
-              <a:ext uri="{FF2B5EF4-FFF2-40B4-BE49-F238E27FC236}">
-                <a16:creationId xmlns:a16="http://schemas.microsoft.com/office/drawing/2014/main" id="{EF77C060-69E3-224E-952B-B54E2A6A27D9}"/>
-              </a:ext>
-            </a:extLst>
-          </p:cNvPr>
-          <p:cNvCxnSpPr>
-            <a:cxnSpLocks/>
-            <a:stCxn id="5" idx="2"/>
-            <a:endCxn id="62" idx="0"/>
-          </p:cNvCxnSpPr>
-          <p:nvPr/>
-        </p:nvCxnSpPr>
-        <p:spPr>
-          <a:xfrm>
-            <a:off x="5900965" y="2782284"/>
-            <a:ext cx="1695176" cy="741512"/>
-          </a:xfrm>
-          <a:prstGeom prst="straightConnector1">
-            <a:avLst/>
-          </a:prstGeom>
-          <a:ln w="38100">
-            <a:tailEnd type="triangle"/>
-          </a:ln>
-        </p:spPr>
-        <p:style>
-          <a:lnRef idx="1">
-            <a:schemeClr val="accent1"/>
-          </a:lnRef>
-          <a:fillRef idx="0">
-            <a:schemeClr val="accent1"/>
-          </a:fillRef>
-          <a:effectRef idx="0">
-            <a:schemeClr val="accent1"/>
-          </a:effectRef>
-          <a:fontRef idx="minor">
-            <a:schemeClr val="tx1"/>
-          </a:fontRef>
-        </p:style>
-      </p:cxnSp>
-      <p:cxnSp>
-        <p:nvCxnSpPr>
-          <p:cNvPr id="67" name="Gerade Verbindung mit Pfeil 66">
-            <a:extLst>
-              <a:ext uri="{FF2B5EF4-FFF2-40B4-BE49-F238E27FC236}">
-                <a16:creationId xmlns:a16="http://schemas.microsoft.com/office/drawing/2014/main" id="{0C5BEB8E-92C2-E341-BC63-5A4A0C09CCE9}"/>
-              </a:ext>
-            </a:extLst>
-          </p:cNvPr>
-          <p:cNvCxnSpPr>
-            <a:cxnSpLocks/>
-            <a:stCxn id="62" idx="2"/>
-            <a:endCxn id="28" idx="1"/>
-          </p:cNvCxnSpPr>
-          <p:nvPr/>
-        </p:nvCxnSpPr>
-        <p:spPr>
-          <a:xfrm>
-            <a:off x="7596141" y="4416425"/>
-            <a:ext cx="1012645" cy="271391"/>
-          </a:xfrm>
-          <a:prstGeom prst="straightConnector1">
-            <a:avLst/>
-          </a:prstGeom>
-          <a:ln w="38100">
-            <a:tailEnd type="triangle"/>
-          </a:ln>
-        </p:spPr>
-        <p:style>
-          <a:lnRef idx="1">
-            <a:schemeClr val="accent1"/>
-          </a:lnRef>
-          <a:fillRef idx="0">
-            <a:schemeClr val="accent1"/>
-          </a:fillRef>
-          <a:effectRef idx="0">
-            <a:schemeClr val="accent1"/>
-          </a:effectRef>
-          <a:fontRef idx="minor">
-            <a:schemeClr val="tx1"/>
-          </a:fontRef>
-        </p:style>
-      </p:cxnSp>
-      <p:sp>
-        <p:nvSpPr>
-          <p:cNvPr id="2" name="Oval 1">
-            <a:extLst>
-              <a:ext uri="{FF2B5EF4-FFF2-40B4-BE49-F238E27FC236}">
-                <a16:creationId xmlns:a16="http://schemas.microsoft.com/office/drawing/2014/main" id="{7573AE3B-33F5-7EEA-8384-6BC512DBF68A}"/>
-              </a:ext>
-            </a:extLst>
-          </p:cNvPr>
-          <p:cNvSpPr/>
-          <p:nvPr/>
-        </p:nvSpPr>
-        <p:spPr>
-          <a:xfrm rot="20224498">
-            <a:off x="3751917" y="2946790"/>
-            <a:ext cx="2493019" cy="463912"/>
-          </a:xfrm>
-          <a:prstGeom prst="ellipse">
-            <a:avLst/>
-          </a:prstGeom>
-          <a:solidFill>
-            <a:srgbClr val="FF0000">
-              <a:alpha val="28000"/>
-            </a:srgbClr>
-          </a:solidFill>
-        </p:spPr>
-        <p:style>
-          <a:lnRef idx="2">
-            <a:schemeClr val="accent1">
-              <a:shade val="50000"/>
-            </a:schemeClr>
-          </a:lnRef>
-          <a:fillRef idx="1">
-            <a:schemeClr val="accent1"/>
-          </a:fillRef>
-          <a:effectRef idx="0">
-            <a:schemeClr val="accent1"/>
-          </a:effectRef>
-          <a:fontRef idx="minor">
-            <a:schemeClr val="lt1"/>
-          </a:fontRef>
-        </p:style>
-        <p:txBody>
-          <a:bodyPr rtlCol="0" anchor="ctr"/>
-          <a:lstStyle/>
-          <a:p>
-            <a:pPr algn="ctr"/>
-            <a:endParaRPr lang="de-DE"/>
-          </a:p>
-        </p:txBody>
-      </p:sp>
-      <p:sp>
-        <p:nvSpPr>
-          <p:cNvPr id="16" name="Oval 15">
-            <a:extLst>
-              <a:ext uri="{FF2B5EF4-FFF2-40B4-BE49-F238E27FC236}">
-                <a16:creationId xmlns:a16="http://schemas.microsoft.com/office/drawing/2014/main" id="{DBCBF31E-D06E-CDFF-3088-3C265A706F58}"/>
-              </a:ext>
-            </a:extLst>
-          </p:cNvPr>
-          <p:cNvSpPr/>
-          <p:nvPr/>
-        </p:nvSpPr>
-        <p:spPr>
-          <a:xfrm rot="1363421">
-            <a:off x="5465285" y="2878791"/>
-            <a:ext cx="2493019" cy="463912"/>
-          </a:xfrm>
-          <a:prstGeom prst="ellipse">
-            <a:avLst/>
-          </a:prstGeom>
-          <a:solidFill>
-            <a:srgbClr val="FF0000">
-              <a:alpha val="28000"/>
-            </a:srgbClr>
-          </a:solidFill>
-        </p:spPr>
-        <p:style>
-          <a:lnRef idx="2">
-            <a:schemeClr val="accent1">
-              <a:shade val="50000"/>
-            </a:schemeClr>
-          </a:lnRef>
-          <a:fillRef idx="1">
-            <a:schemeClr val="accent1"/>
-          </a:fillRef>
-          <a:effectRef idx="0">
-            <a:schemeClr val="accent1"/>
-          </a:effectRef>
-          <a:fontRef idx="minor">
-            <a:schemeClr val="lt1"/>
-          </a:fontRef>
-        </p:style>
-        <p:txBody>
-          <a:bodyPr rtlCol="0" anchor="ctr"/>
-          <a:lstStyle/>
-          <a:p>
-            <a:pPr algn="ctr"/>
-            <a:endParaRPr lang="de-DE"/>
           </a:p>
         </p:txBody>
       </p:sp>
     </p:spTree>
     <p:extLst>
       <p:ext uri="{BB962C8B-B14F-4D97-AF65-F5344CB8AC3E}">
-        <p14:creationId xmlns:p14="http://schemas.microsoft.com/office/powerpoint/2010/main" val="2096469353"/>
+        <p14:creationId xmlns:p14="http://schemas.microsoft.com/office/powerpoint/2010/main" val="2985434515"/>
       </p:ext>
     </p:extLst>
   </p:cSld>
@@ -23675,87 +22043,81 @@
           <a:p>
             <a:r>
               <a:rPr lang="de-DE" dirty="0"/>
-              <a:t>Microservice für Lager-DB</a:t>
+              <a:t>Warum Spring?</a:t>
             </a:r>
           </a:p>
           <a:p>
             <a:pPr lvl="1"/>
             <a:r>
               <a:rPr lang="de-DE" dirty="0"/>
-              <a:t>1. Team: Persistenz mit Spring Data (Hibernate)</a:t>
+              <a:t>Fragen</a:t>
             </a:r>
           </a:p>
           <a:p>
             <a:pPr lvl="2"/>
             <a:r>
               <a:rPr lang="de-DE" dirty="0"/>
-              <a:t>Vorgabe</a:t>
+              <a:t>Was leistet Spring?</a:t>
             </a:r>
           </a:p>
           <a:p>
             <a:pPr lvl="3"/>
             <a:r>
               <a:rPr lang="de-DE" dirty="0"/>
-              <a:t>Datenbankschema Lager-DB (Beispiel aus PR3)</a:t>
-            </a:r>
+              <a:t>Rest-</a:t>
+            </a:r>
+            <a:r>
+              <a:rPr lang="de-DE" dirty="0" err="1"/>
+              <a:t>Endpoint</a:t>
+            </a:r>
+            <a:endParaRPr lang="de-DE" dirty="0"/>
           </a:p>
           <a:p>
             <a:pPr lvl="3"/>
             <a:r>
-              <a:rPr lang="de-DE" dirty="0"/>
-              <a:t>Interface der Business-Logik (domain-</a:t>
-            </a:r>
-            <a:r>
-              <a:rPr lang="de-DE" dirty="0" err="1"/>
-              <a:t>api</a:t>
-            </a:r>
-            <a:r>
-              <a:rPr lang="de-DE" dirty="0"/>
-              <a:t>)</a:t>
+              <a:rPr lang="de-DE" dirty="0" err="1"/>
+              <a:t>Dependency-Injection</a:t>
+            </a:r>
+            <a:endParaRPr lang="de-DE" dirty="0"/>
+          </a:p>
+          <a:p>
+            <a:pPr lvl="4"/>
+            <a:r>
+              <a:rPr lang="de-DE" dirty="0"/>
+              <a:t>Auflösung von Mehrdeutigkeit</a:t>
             </a:r>
           </a:p>
           <a:p>
             <a:pPr lvl="2"/>
             <a:r>
               <a:rPr lang="de-DE" dirty="0"/>
+              <a:t>Wie tut Spring das?</a:t>
+            </a:r>
+          </a:p>
+          <a:p>
+            <a:pPr lvl="1"/>
+            <a:r>
+              <a:rPr lang="de-DE" dirty="0"/>
               <a:t>Aufgabe</a:t>
             </a:r>
           </a:p>
           <a:p>
+            <a:pPr lvl="2"/>
+            <a:r>
+              <a:rPr lang="de-DE" dirty="0"/>
+              <a:t>Präsentation mit Quelltext-Beispielen</a:t>
+            </a:r>
+          </a:p>
+          <a:p>
             <a:pPr lvl="3"/>
-            <a:r>
-              <a:rPr lang="de-DE" dirty="0"/>
-              <a:t>Implementierung Business-Logik (domain-core)</a:t>
-            </a:r>
-          </a:p>
-          <a:p>
-            <a:pPr lvl="4"/>
-            <a:r>
-              <a:rPr lang="de-DE" dirty="0"/>
-              <a:t>Ersatz der Trigger-Logik durch Java-Implementierung</a:t>
-            </a:r>
-          </a:p>
-          <a:p>
-            <a:pPr lvl="3"/>
-            <a:r>
-              <a:rPr lang="de-DE" dirty="0"/>
-              <a:t>Implementierung Datenbank-Zugriff (Entitäten und Data Access </a:t>
-            </a:r>
-            <a:r>
-              <a:rPr lang="de-DE" dirty="0" err="1"/>
-              <a:t>Object</a:t>
-            </a:r>
-            <a:r>
-              <a:rPr lang="de-DE" dirty="0"/>
-              <a:t> (DAO))</a:t>
-            </a:r>
+            <a:endParaRPr lang="de-DE" dirty="0"/>
           </a:p>
         </p:txBody>
       </p:sp>
     </p:spTree>
     <p:extLst>
       <p:ext uri="{BB962C8B-B14F-4D97-AF65-F5344CB8AC3E}">
-        <p14:creationId xmlns:p14="http://schemas.microsoft.com/office/powerpoint/2010/main" val="110709154"/>
+        <p14:creationId xmlns:p14="http://schemas.microsoft.com/office/powerpoint/2010/main" val="1069662498"/>
       </p:ext>
     </p:extLst>
   </p:cSld>
@@ -23833,71 +22195,71 @@
           <a:p>
             <a:r>
               <a:rPr lang="de-DE" dirty="0"/>
-              <a:t>Microservice für Lager-DB</a:t>
+              <a:t>Warum Docker?</a:t>
             </a:r>
           </a:p>
           <a:p>
             <a:pPr lvl="1"/>
             <a:r>
               <a:rPr lang="de-DE" dirty="0"/>
-              <a:t>2. Team: Rest-Schnittstelle für Lager-DB</a:t>
+              <a:t>Fragen</a:t>
             </a:r>
           </a:p>
           <a:p>
             <a:pPr lvl="2"/>
             <a:r>
               <a:rPr lang="de-DE" dirty="0"/>
-              <a:t>Vorgabe</a:t>
+              <a:t>Was leistet Docker?</a:t>
             </a:r>
           </a:p>
           <a:p>
             <a:pPr lvl="3"/>
             <a:r>
               <a:rPr lang="de-DE" dirty="0"/>
-              <a:t>Interface der Business-Logik (domain-</a:t>
-            </a:r>
-            <a:r>
-              <a:rPr lang="de-DE" dirty="0" err="1"/>
-              <a:t>api</a:t>
-            </a:r>
-            <a:r>
-              <a:rPr lang="de-DE" dirty="0"/>
-              <a:t>)</a:t>
+              <a:t>Was würde man tun, wenn man Docker nicht benutzt?</a:t>
             </a:r>
           </a:p>
           <a:p>
             <a:pPr lvl="2"/>
             <a:r>
               <a:rPr lang="de-DE" dirty="0"/>
+              <a:t>Wie funktioniert das?</a:t>
+            </a:r>
+          </a:p>
+          <a:p>
+            <a:pPr lvl="3"/>
+            <a:r>
+              <a:rPr lang="de-DE" dirty="0"/>
+              <a:t>Bereitstellung der Images</a:t>
+            </a:r>
+          </a:p>
+          <a:p>
+            <a:pPr lvl="3"/>
+            <a:r>
+              <a:rPr lang="de-DE" dirty="0" err="1"/>
+              <a:t>Runtime</a:t>
+            </a:r>
+            <a:endParaRPr lang="de-DE" dirty="0"/>
+          </a:p>
+          <a:p>
+            <a:pPr lvl="4"/>
+            <a:r>
+              <a:rPr lang="de-DE" dirty="0"/>
+              <a:t>Virtuelle Netzwerke</a:t>
+            </a:r>
+          </a:p>
+          <a:p>
+            <a:pPr lvl="1"/>
+            <a:r>
+              <a:rPr lang="de-DE" dirty="0"/>
               <a:t>Aufgabe</a:t>
             </a:r>
           </a:p>
           <a:p>
-            <a:pPr lvl="3"/>
-            <a:r>
-              <a:rPr lang="de-DE" dirty="0"/>
-              <a:t>Definition der Rest-Schnittstelle</a:t>
-            </a:r>
-          </a:p>
-          <a:p>
-            <a:pPr lvl="4"/>
-            <a:r>
-              <a:rPr lang="de-DE" dirty="0"/>
-              <a:t>Methoden, Pfade, JSON-Formate</a:t>
-            </a:r>
-          </a:p>
-          <a:p>
-            <a:pPr lvl="3"/>
-            <a:r>
-              <a:rPr lang="de-DE" dirty="0"/>
-              <a:t>Implementierung des Rest-Controllers</a:t>
-            </a:r>
-          </a:p>
-          <a:p>
-            <a:pPr lvl="3"/>
-            <a:r>
-              <a:rPr lang="de-DE" dirty="0"/>
-              <a:t>Bereitstellung Test-Aufrufe in Postman</a:t>
+            <a:pPr lvl="2"/>
+            <a:r>
+              <a:rPr lang="de-DE" dirty="0"/>
+              <a:t>Präsentation mit Quelltext-Beispielen</a:t>
             </a:r>
           </a:p>
           <a:p>
@@ -23909,7 +22271,7 @@
     </p:spTree>
     <p:extLst>
       <p:ext uri="{BB962C8B-B14F-4D97-AF65-F5344CB8AC3E}">
-        <p14:creationId xmlns:p14="http://schemas.microsoft.com/office/powerpoint/2010/main" val="2985434515"/>
+        <p14:creationId xmlns:p14="http://schemas.microsoft.com/office/powerpoint/2010/main" val="1080260377"/>
       </p:ext>
     </p:extLst>
   </p:cSld>
@@ -24152,7 +22514,7 @@
           <a:p>
             <a:r>
               <a:rPr lang="de-DE" dirty="0"/>
-              <a:t>Warum Spring?</a:t>
+              <a:t>Warum Maven?</a:t>
             </a:r>
           </a:p>
           <a:p>
@@ -24166,48 +22528,43 @@
             <a:pPr lvl="2"/>
             <a:r>
               <a:rPr lang="de-DE" dirty="0"/>
-              <a:t>Was leistet Spring?</a:t>
+              <a:t>Was leistet Maven?</a:t>
             </a:r>
           </a:p>
           <a:p>
             <a:pPr lvl="3"/>
             <a:r>
               <a:rPr lang="de-DE" dirty="0"/>
-              <a:t>Rest-</a:t>
-            </a:r>
-            <a:r>
-              <a:rPr lang="de-DE" dirty="0" err="1"/>
-              <a:t>Endpoint</a:t>
-            </a:r>
-            <a:endParaRPr lang="de-DE" dirty="0"/>
-          </a:p>
-          <a:p>
-            <a:pPr lvl="3"/>
-            <a:r>
-              <a:rPr lang="de-DE" dirty="0" err="1"/>
-              <a:t>Dependency-Injection</a:t>
-            </a:r>
-            <a:endParaRPr lang="de-DE" dirty="0"/>
-          </a:p>
-          <a:p>
-            <a:pPr lvl="4"/>
-            <a:r>
-              <a:rPr lang="de-DE" dirty="0"/>
-              <a:t>Auflösung von Mehrdeutigkeit</a:t>
+              <a:t>Was würde man tun, wenn man Maven nicht benutzt?</a:t>
+            </a:r>
+          </a:p>
+          <a:p>
+            <a:pPr lvl="1"/>
+            <a:r>
+              <a:rPr lang="de-DE" dirty="0"/>
+              <a:t>Aufgabe</a:t>
             </a:r>
           </a:p>
           <a:p>
             <a:pPr lvl="2"/>
             <a:r>
               <a:rPr lang="de-DE" dirty="0"/>
-              <a:t>Wie tut Spring das?</a:t>
-            </a:r>
-          </a:p>
-          <a:p>
-            <a:pPr lvl="1"/>
-            <a:r>
-              <a:rPr lang="de-DE" dirty="0"/>
-              <a:t>Aufgabe</a:t>
+              <a:t>Aufteilung von </a:t>
+            </a:r>
+            <a:r>
+              <a:rPr lang="de-DE" dirty="0" err="1"/>
+              <a:t>infrastructure</a:t>
+            </a:r>
+            <a:r>
+              <a:rPr lang="de-DE" dirty="0"/>
+              <a:t> (aus step0130) in mehrere Maven-Module</a:t>
+            </a:r>
+          </a:p>
+          <a:p>
+            <a:pPr lvl="2"/>
+            <a:r>
+              <a:rPr lang="de-DE" dirty="0"/>
+              <a:t>Zufügen (mindestens eines) Plugins zur statischen Code-Analyse</a:t>
             </a:r>
           </a:p>
           <a:p>
@@ -24226,7 +22583,7 @@
     </p:spTree>
     <p:extLst>
       <p:ext uri="{BB962C8B-B14F-4D97-AF65-F5344CB8AC3E}">
-        <p14:creationId xmlns:p14="http://schemas.microsoft.com/office/powerpoint/2010/main" val="1069662498"/>
+        <p14:creationId xmlns:p14="http://schemas.microsoft.com/office/powerpoint/2010/main" val="2139192334"/>
       </p:ext>
     </p:extLst>
   </p:cSld>
@@ -24304,75 +22661,78 @@
           <a:p>
             <a:r>
               <a:rPr lang="de-DE" dirty="0"/>
-              <a:t>Warum Docker?</a:t>
-            </a:r>
+              <a:t>Unit-Tests mit </a:t>
+            </a:r>
+            <a:r>
+              <a:rPr lang="de-DE" dirty="0" err="1"/>
+              <a:t>JGiven</a:t>
+            </a:r>
+            <a:endParaRPr lang="de-DE" dirty="0"/>
           </a:p>
           <a:p>
             <a:pPr lvl="1"/>
             <a:r>
               <a:rPr lang="de-DE" dirty="0"/>
-              <a:t>Fragen</a:t>
+              <a:t>Aufgabe</a:t>
             </a:r>
           </a:p>
           <a:p>
             <a:pPr lvl="2"/>
             <a:r>
               <a:rPr lang="de-DE" dirty="0"/>
-              <a:t>Was leistet Docker?</a:t>
-            </a:r>
-          </a:p>
-          <a:p>
-            <a:pPr lvl="3"/>
-            <a:r>
-              <a:rPr lang="de-DE" dirty="0"/>
-              <a:t>Was würde man tun, wenn man Docker nicht benutzt?</a:t>
+              <a:t>Zufügen der </a:t>
+            </a:r>
+            <a:r>
+              <a:rPr lang="de-DE" dirty="0" err="1"/>
+              <a:t>JGiven</a:t>
+            </a:r>
+            <a:r>
+              <a:rPr lang="de-DE" dirty="0"/>
+              <a:t>-Library zu allen sample-Microservices (</a:t>
+            </a:r>
+            <a:r>
+              <a:rPr lang="de-DE" dirty="0" err="1"/>
+              <a:t>shop</a:t>
+            </a:r>
+            <a:r>
+              <a:rPr lang="de-DE" dirty="0"/>
+              <a:t>, </a:t>
+            </a:r>
+            <a:r>
+              <a:rPr lang="de-DE" dirty="0" err="1"/>
+              <a:t>person</a:t>
+            </a:r>
+            <a:r>
+              <a:rPr lang="de-DE" dirty="0"/>
+              <a:t>, </a:t>
+            </a:r>
+            <a:r>
+              <a:rPr lang="de-DE" dirty="0" err="1"/>
+              <a:t>auftrag</a:t>
+            </a:r>
+            <a:r>
+              <a:rPr lang="de-DE" dirty="0"/>
+              <a:t>)</a:t>
             </a:r>
           </a:p>
           <a:p>
             <a:pPr lvl="2"/>
             <a:r>
               <a:rPr lang="de-DE" dirty="0"/>
-              <a:t>Wie funktioniert das?</a:t>
-            </a:r>
-          </a:p>
-          <a:p>
-            <a:pPr lvl="3"/>
-            <a:r>
-              <a:rPr lang="de-DE" dirty="0"/>
-              <a:t>Bereitstellung der Images</a:t>
-            </a:r>
-          </a:p>
-          <a:p>
-            <a:pPr lvl="3"/>
-            <a:r>
-              <a:rPr lang="de-DE" dirty="0" err="1"/>
-              <a:t>Runtime</a:t>
-            </a:r>
-            <a:endParaRPr lang="de-DE" dirty="0"/>
-          </a:p>
-          <a:p>
-            <a:pPr lvl="4"/>
-            <a:r>
-              <a:rPr lang="de-DE" dirty="0"/>
-              <a:t>Virtuelle Netzwerke</a:t>
-            </a:r>
-          </a:p>
-          <a:p>
-            <a:pPr lvl="1"/>
-            <a:r>
-              <a:rPr lang="de-DE" dirty="0"/>
-              <a:t>Aufgabe</a:t>
-            </a:r>
-          </a:p>
-          <a:p>
-            <a:pPr lvl="2"/>
-            <a:r>
-              <a:rPr lang="de-DE" dirty="0"/>
-              <a:t>Präsentation mit Quelltext-Beispielen</a:t>
-            </a:r>
-          </a:p>
-          <a:p>
-            <a:pPr lvl="3"/>
+              <a:t>Implementierung von (je mindestens einem) Unit-Test </a:t>
+            </a:r>
+            <a:r>
+              <a:rPr lang="de-DE" dirty="0" err="1"/>
+              <a:t>innerhal</a:t>
+            </a:r>
+            <a:r>
+              <a:rPr lang="de-DE" dirty="0"/>
+              <a:t> </a:t>
+            </a:r>
+            <a:r>
+              <a:rPr lang="de-DE"/>
+              <a:t>jedes Microservice</a:t>
+            </a:r>
             <a:endParaRPr lang="de-DE" dirty="0"/>
           </a:p>
         </p:txBody>
@@ -24380,7 +22740,7 @@
     </p:spTree>
     <p:extLst>
       <p:ext uri="{BB962C8B-B14F-4D97-AF65-F5344CB8AC3E}">
-        <p14:creationId xmlns:p14="http://schemas.microsoft.com/office/powerpoint/2010/main" val="1080260377"/>
+        <p14:creationId xmlns:p14="http://schemas.microsoft.com/office/powerpoint/2010/main" val="3166610306"/>
       </p:ext>
     </p:extLst>
   </p:cSld>
@@ -24458,76 +22818,52 @@
           <a:p>
             <a:r>
               <a:rPr lang="de-DE" dirty="0"/>
-              <a:t>Warum Maven?</a:t>
+              <a:t>Automatisierte Integrations-Tests</a:t>
             </a:r>
           </a:p>
           <a:p>
             <a:pPr lvl="1"/>
             <a:r>
               <a:rPr lang="de-DE" dirty="0"/>
-              <a:t>Fragen</a:t>
+              <a:t>Aufgabe</a:t>
             </a:r>
           </a:p>
           <a:p>
             <a:pPr lvl="2"/>
             <a:r>
               <a:rPr lang="de-DE" dirty="0"/>
-              <a:t>Was leistet Maven?</a:t>
-            </a:r>
-          </a:p>
-          <a:p>
-            <a:pPr lvl="3"/>
-            <a:r>
-              <a:rPr lang="de-DE" dirty="0"/>
-              <a:t>Was würde man tun, wenn man Maven nicht benutzt?</a:t>
-            </a:r>
-          </a:p>
-          <a:p>
-            <a:pPr lvl="1"/>
-            <a:r>
-              <a:rPr lang="de-DE" dirty="0"/>
-              <a:t>Aufgabe</a:t>
-            </a:r>
+              <a:t>Zufügen eines Integrations-Tests mit </a:t>
+            </a:r>
+            <a:r>
+              <a:rPr lang="de-DE" dirty="0" err="1"/>
+              <a:t>Cucumber</a:t>
+            </a:r>
+            <a:endParaRPr lang="de-DE" dirty="0"/>
           </a:p>
           <a:p>
             <a:pPr lvl="2"/>
-            <a:r>
-              <a:rPr lang="de-DE" dirty="0"/>
-              <a:t>Aufteilung von </a:t>
-            </a:r>
-            <a:r>
-              <a:rPr lang="de-DE" dirty="0" err="1"/>
-              <a:t>infrastructure</a:t>
-            </a:r>
-            <a:r>
-              <a:rPr lang="de-DE" dirty="0"/>
-              <a:t> (aus step0130) in mehrere Maven-Module</a:t>
-            </a:r>
+            <a:endParaRPr lang="de-DE" dirty="0"/>
           </a:p>
           <a:p>
             <a:pPr lvl="2"/>
-            <a:r>
-              <a:rPr lang="de-DE" dirty="0"/>
-              <a:t>Zufügen (mindestens eines) Plugins zur statischen Code-Analyse</a:t>
-            </a:r>
-          </a:p>
-          <a:p>
-            <a:pPr lvl="2"/>
-            <a:r>
-              <a:rPr lang="de-DE" dirty="0"/>
-              <a:t>Präsentation mit Quelltext-Beispielen</a:t>
-            </a:r>
-          </a:p>
-          <a:p>
-            <a:pPr lvl="3"/>
             <a:endParaRPr lang="de-DE" dirty="0"/>
+          </a:p>
+          <a:p>
+            <a:r>
+              <a:rPr lang="de-DE" dirty="0" err="1"/>
+              <a:t>Todo</a:t>
+            </a:r>
+            <a:r>
+              <a:rPr lang="de-DE" dirty="0"/>
+              <a:t>: Beispiel-Bild</a:t>
+            </a:r>
           </a:p>
         </p:txBody>
       </p:sp>
     </p:spTree>
     <p:extLst>
       <p:ext uri="{BB962C8B-B14F-4D97-AF65-F5344CB8AC3E}">
-        <p14:creationId xmlns:p14="http://schemas.microsoft.com/office/powerpoint/2010/main" val="2139192334"/>
+        <p14:creationId xmlns:p14="http://schemas.microsoft.com/office/powerpoint/2010/main" val="1834254991"/>
       </p:ext>
     </p:extLst>
   </p:cSld>
@@ -24577,286 +22913,6 @@
           <a:p>
             <a:r>
               <a:rPr lang="de-DE" dirty="0"/>
-              <a:t>Aufgaben</a:t>
-            </a:r>
-          </a:p>
-        </p:txBody>
-      </p:sp>
-      <p:sp>
-        <p:nvSpPr>
-          <p:cNvPr id="3" name="Inhaltsplatzhalter 2">
-            <a:extLst>
-              <a:ext uri="{FF2B5EF4-FFF2-40B4-BE49-F238E27FC236}">
-                <a16:creationId xmlns:a16="http://schemas.microsoft.com/office/drawing/2014/main" id="{2A5EBA90-6155-FD45-A74C-ECC42BCA72DF}"/>
-              </a:ext>
-            </a:extLst>
-          </p:cNvPr>
-          <p:cNvSpPr>
-            <a:spLocks noGrp="1"/>
-          </p:cNvSpPr>
-          <p:nvPr>
-            <p:ph idx="1"/>
-          </p:nvPr>
-        </p:nvSpPr>
-        <p:spPr/>
-        <p:txBody>
-          <a:bodyPr/>
-          <a:lstStyle/>
-          <a:p>
-            <a:r>
-              <a:rPr lang="de-DE" dirty="0"/>
-              <a:t>Unit-Tests mit </a:t>
-            </a:r>
-            <a:r>
-              <a:rPr lang="de-DE" dirty="0" err="1"/>
-              <a:t>JGiven</a:t>
-            </a:r>
-            <a:endParaRPr lang="de-DE" dirty="0"/>
-          </a:p>
-          <a:p>
-            <a:pPr lvl="1"/>
-            <a:r>
-              <a:rPr lang="de-DE" dirty="0"/>
-              <a:t>Aufgabe</a:t>
-            </a:r>
-          </a:p>
-          <a:p>
-            <a:pPr lvl="2"/>
-            <a:r>
-              <a:rPr lang="de-DE" dirty="0"/>
-              <a:t>Zufügen der </a:t>
-            </a:r>
-            <a:r>
-              <a:rPr lang="de-DE" dirty="0" err="1"/>
-              <a:t>JGiven</a:t>
-            </a:r>
-            <a:r>
-              <a:rPr lang="de-DE" dirty="0"/>
-              <a:t>-Library zu allen sample-Microservices (</a:t>
-            </a:r>
-            <a:r>
-              <a:rPr lang="de-DE" dirty="0" err="1"/>
-              <a:t>shop</a:t>
-            </a:r>
-            <a:r>
-              <a:rPr lang="de-DE" dirty="0"/>
-              <a:t>, </a:t>
-            </a:r>
-            <a:r>
-              <a:rPr lang="de-DE" dirty="0" err="1"/>
-              <a:t>person</a:t>
-            </a:r>
-            <a:r>
-              <a:rPr lang="de-DE" dirty="0"/>
-              <a:t>, </a:t>
-            </a:r>
-            <a:r>
-              <a:rPr lang="de-DE" dirty="0" err="1"/>
-              <a:t>auftrag</a:t>
-            </a:r>
-            <a:r>
-              <a:rPr lang="de-DE" dirty="0"/>
-              <a:t>)</a:t>
-            </a:r>
-          </a:p>
-          <a:p>
-            <a:pPr lvl="2"/>
-            <a:r>
-              <a:rPr lang="de-DE" dirty="0"/>
-              <a:t>Implementierung von (je mindestens einem) Unit-Test </a:t>
-            </a:r>
-            <a:r>
-              <a:rPr lang="de-DE" dirty="0" err="1"/>
-              <a:t>innerhal</a:t>
-            </a:r>
-            <a:r>
-              <a:rPr lang="de-DE" dirty="0"/>
-              <a:t> </a:t>
-            </a:r>
-            <a:r>
-              <a:rPr lang="de-DE"/>
-              <a:t>jedes Microservice</a:t>
-            </a:r>
-            <a:endParaRPr lang="de-DE" dirty="0"/>
-          </a:p>
-        </p:txBody>
-      </p:sp>
-    </p:spTree>
-    <p:extLst>
-      <p:ext uri="{BB962C8B-B14F-4D97-AF65-F5344CB8AC3E}">
-        <p14:creationId xmlns:p14="http://schemas.microsoft.com/office/powerpoint/2010/main" val="3166610306"/>
-      </p:ext>
-    </p:extLst>
-  </p:cSld>
-  <p:clrMapOvr>
-    <a:masterClrMapping/>
-  </p:clrMapOvr>
-</p:sld>
-</file>
-
-<file path=ppt/slides/slide74.xml><?xml version="1.0" encoding="utf-8"?>
-<p:sld xmlns:a="http://schemas.openxmlformats.org/drawingml/2006/main" xmlns:r="http://schemas.openxmlformats.org/officeDocument/2006/relationships" xmlns:p="http://schemas.openxmlformats.org/presentationml/2006/main">
-  <p:cSld>
-    <p:spTree>
-      <p:nvGrpSpPr>
-        <p:cNvPr id="1" name=""/>
-        <p:cNvGrpSpPr/>
-        <p:nvPr/>
-      </p:nvGrpSpPr>
-      <p:grpSpPr>
-        <a:xfrm>
-          <a:off x="0" y="0"/>
-          <a:ext cx="0" cy="0"/>
-          <a:chOff x="0" y="0"/>
-          <a:chExt cx="0" cy="0"/>
-        </a:xfrm>
-      </p:grpSpPr>
-      <p:sp>
-        <p:nvSpPr>
-          <p:cNvPr id="2" name="Titel 1">
-            <a:extLst>
-              <a:ext uri="{FF2B5EF4-FFF2-40B4-BE49-F238E27FC236}">
-                <a16:creationId xmlns:a16="http://schemas.microsoft.com/office/drawing/2014/main" id="{0EC7A146-A8F2-A844-9033-A0ACC828AF47}"/>
-              </a:ext>
-            </a:extLst>
-          </p:cNvPr>
-          <p:cNvSpPr>
-            <a:spLocks noGrp="1"/>
-          </p:cNvSpPr>
-          <p:nvPr>
-            <p:ph type="title"/>
-          </p:nvPr>
-        </p:nvSpPr>
-        <p:spPr/>
-        <p:txBody>
-          <a:bodyPr/>
-          <a:lstStyle/>
-          <a:p>
-            <a:r>
-              <a:rPr lang="de-DE" dirty="0"/>
-              <a:t>Aufgaben</a:t>
-            </a:r>
-          </a:p>
-        </p:txBody>
-      </p:sp>
-      <p:sp>
-        <p:nvSpPr>
-          <p:cNvPr id="3" name="Inhaltsplatzhalter 2">
-            <a:extLst>
-              <a:ext uri="{FF2B5EF4-FFF2-40B4-BE49-F238E27FC236}">
-                <a16:creationId xmlns:a16="http://schemas.microsoft.com/office/drawing/2014/main" id="{2A5EBA90-6155-FD45-A74C-ECC42BCA72DF}"/>
-              </a:ext>
-            </a:extLst>
-          </p:cNvPr>
-          <p:cNvSpPr>
-            <a:spLocks noGrp="1"/>
-          </p:cNvSpPr>
-          <p:nvPr>
-            <p:ph idx="1"/>
-          </p:nvPr>
-        </p:nvSpPr>
-        <p:spPr/>
-        <p:txBody>
-          <a:bodyPr/>
-          <a:lstStyle/>
-          <a:p>
-            <a:r>
-              <a:rPr lang="de-DE" dirty="0"/>
-              <a:t>Automatisierte Integrations-Tests</a:t>
-            </a:r>
-          </a:p>
-          <a:p>
-            <a:pPr lvl="1"/>
-            <a:r>
-              <a:rPr lang="de-DE" dirty="0"/>
-              <a:t>Aufgabe</a:t>
-            </a:r>
-          </a:p>
-          <a:p>
-            <a:pPr lvl="2"/>
-            <a:r>
-              <a:rPr lang="de-DE" dirty="0"/>
-              <a:t>Zufügen eines Integrations-Tests mit </a:t>
-            </a:r>
-            <a:r>
-              <a:rPr lang="de-DE" dirty="0" err="1"/>
-              <a:t>Cucumber</a:t>
-            </a:r>
-            <a:endParaRPr lang="de-DE" dirty="0"/>
-          </a:p>
-          <a:p>
-            <a:pPr lvl="2"/>
-            <a:endParaRPr lang="de-DE" dirty="0"/>
-          </a:p>
-          <a:p>
-            <a:pPr lvl="2"/>
-            <a:endParaRPr lang="de-DE" dirty="0"/>
-          </a:p>
-          <a:p>
-            <a:r>
-              <a:rPr lang="de-DE" dirty="0" err="1"/>
-              <a:t>Todo</a:t>
-            </a:r>
-            <a:r>
-              <a:rPr lang="de-DE" dirty="0"/>
-              <a:t>: Beispiel-Bild</a:t>
-            </a:r>
-          </a:p>
-        </p:txBody>
-      </p:sp>
-    </p:spTree>
-    <p:extLst>
-      <p:ext uri="{BB962C8B-B14F-4D97-AF65-F5344CB8AC3E}">
-        <p14:creationId xmlns:p14="http://schemas.microsoft.com/office/powerpoint/2010/main" val="1834254991"/>
-      </p:ext>
-    </p:extLst>
-  </p:cSld>
-  <p:clrMapOvr>
-    <a:masterClrMapping/>
-  </p:clrMapOvr>
-</p:sld>
-</file>
-
-<file path=ppt/slides/slide75.xml><?xml version="1.0" encoding="utf-8"?>
-<p:sld xmlns:a="http://schemas.openxmlformats.org/drawingml/2006/main" xmlns:r="http://schemas.openxmlformats.org/officeDocument/2006/relationships" xmlns:p="http://schemas.openxmlformats.org/presentationml/2006/main">
-  <p:cSld>
-    <p:spTree>
-      <p:nvGrpSpPr>
-        <p:cNvPr id="1" name=""/>
-        <p:cNvGrpSpPr/>
-        <p:nvPr/>
-      </p:nvGrpSpPr>
-      <p:grpSpPr>
-        <a:xfrm>
-          <a:off x="0" y="0"/>
-          <a:ext cx="0" cy="0"/>
-          <a:chOff x="0" y="0"/>
-          <a:chExt cx="0" cy="0"/>
-        </a:xfrm>
-      </p:grpSpPr>
-      <p:sp>
-        <p:nvSpPr>
-          <p:cNvPr id="2" name="Titel 1">
-            <a:extLst>
-              <a:ext uri="{FF2B5EF4-FFF2-40B4-BE49-F238E27FC236}">
-                <a16:creationId xmlns:a16="http://schemas.microsoft.com/office/drawing/2014/main" id="{0EC7A146-A8F2-A844-9033-A0ACC828AF47}"/>
-              </a:ext>
-            </a:extLst>
-          </p:cNvPr>
-          <p:cNvSpPr>
-            <a:spLocks noGrp="1"/>
-          </p:cNvSpPr>
-          <p:nvPr>
-            <p:ph type="title"/>
-          </p:nvPr>
-        </p:nvSpPr>
-        <p:spPr/>
-        <p:txBody>
-          <a:bodyPr/>
-          <a:lstStyle/>
-          <a:p>
-            <a:r>
-              <a:rPr lang="de-DE" dirty="0"/>
               <a:t>Nächste Schritte</a:t>
             </a:r>
           </a:p>
@@ -24937,7 +22993,7 @@
 </p:sld>
 </file>
 
-<file path=ppt/slides/slide76.xml><?xml version="1.0" encoding="utf-8"?>
+<file path=ppt/slides/slide74.xml><?xml version="1.0" encoding="utf-8"?>
 <p:sld xmlns:a="http://schemas.openxmlformats.org/drawingml/2006/main" xmlns:r="http://schemas.openxmlformats.org/officeDocument/2006/relationships" xmlns:p="http://schemas.openxmlformats.org/presentationml/2006/main">
   <p:cSld>
     <p:spTree>
